--- a/docs/JDBC Insights.pptx
+++ b/docs/JDBC Insights.pptx
@@ -6730,9 +6730,41 @@
             <a:rPr lang="en-US" dirty="0" err="1"/>
             <a:t>github</a:t>
           </a:r>
+          <a:endParaRPr lang="en-US" dirty="0"/>
+        </a:p>
+        <a:p>
+          <a:pPr>
+            <a:lnSpc>
+              <a:spcPct val="100000"/>
+            </a:lnSpc>
+          </a:pPr>
           <a:r>
             <a:rPr lang="en-US" dirty="0"/>
-            <a:t> https://github.com/newfound-systems</a:t>
+            <a:t> </a:t>
+          </a:r>
+          <a:r>
+            <a:rPr lang="en-US" dirty="0">
+              <a:hlinkClick xmlns:r="http://schemas.openxmlformats.org/officeDocument/2006/relationships" r:id="rId1"/>
+            </a:rPr>
+            <a:t>https://github.com/newfound-systems</a:t>
+          </a:r>
+          <a:endParaRPr lang="en-US" dirty="0"/>
+        </a:p>
+        <a:p>
+          <a:pPr>
+            <a:lnSpc>
+              <a:spcPct val="100000"/>
+            </a:lnSpc>
+          </a:pPr>
+          <a:r>
+            <a:rPr lang="en-US" dirty="0">
+              <a:hlinkClick xmlns:r="http://schemas.openxmlformats.org/officeDocument/2006/relationships" r:id="rId2"/>
+            </a:rPr>
+            <a:t>https://github.com/newfound-systems/JdbcExample</a:t>
+          </a:r>
+          <a:r>
+            <a:rPr lang="en-US" dirty="0"/>
+            <a:t> </a:t>
           </a:r>
         </a:p>
       </dgm:t>
@@ -6789,13 +6821,13 @@
       <dgm:prSet presAssocID="{D10342B7-CC39-4E3E-A144-85F34911204A}" presName="iconRect" presStyleLbl="node1" presStyleIdx="0" presStyleCnt="2"/>
       <dgm:spPr>
         <a:blipFill>
-          <a:blip xmlns:r="http://schemas.openxmlformats.org/officeDocument/2006/relationships" r:embed="rId1">
+          <a:blip xmlns:r="http://schemas.openxmlformats.org/officeDocument/2006/relationships" r:embed="rId3">
             <a:extLst>
               <a:ext uri="{28A0092B-C50C-407E-A947-70E740481C1C}">
                 <a14:useLocalDpi xmlns:a14="http://schemas.microsoft.com/office/drawing/2010/main" val="0"/>
               </a:ext>
               <a:ext uri="{96DAC541-7B7A-43D3-8B79-37D633B846F1}">
-                <asvg:svgBlip xmlns:asvg="http://schemas.microsoft.com/office/drawing/2016/SVG/main" r:embed="rId2"/>
+                <asvg:svgBlip xmlns:asvg="http://schemas.microsoft.com/office/drawing/2016/SVG/main" r:embed="rId4"/>
               </a:ext>
             </a:extLst>
           </a:blip>
@@ -6839,13 +6871,13 @@
       <dgm:prSet presAssocID="{7BC89DC2-2AE7-4D4C-B26C-1C81825421B6}" presName="iconRect" presStyleLbl="node1" presStyleIdx="1" presStyleCnt="2"/>
       <dgm:spPr>
         <a:blipFill>
-          <a:blip xmlns:r="http://schemas.openxmlformats.org/officeDocument/2006/relationships" r:embed="rId3">
+          <a:blip xmlns:r="http://schemas.openxmlformats.org/officeDocument/2006/relationships" r:embed="rId5">
             <a:extLst>
               <a:ext uri="{28A0092B-C50C-407E-A947-70E740481C1C}">
                 <a14:useLocalDpi xmlns:a14="http://schemas.microsoft.com/office/drawing/2010/main" val="0"/>
               </a:ext>
               <a:ext uri="{96DAC541-7B7A-43D3-8B79-37D633B846F1}">
-                <asvg:svgBlip xmlns:asvg="http://schemas.microsoft.com/office/drawing/2016/SVG/main" r:embed="rId4"/>
+                <asvg:svgBlip xmlns:asvg="http://schemas.microsoft.com/office/drawing/2016/SVG/main" r:embed="rId6"/>
               </a:ext>
             </a:extLst>
           </a:blip>
@@ -6865,7 +6897,7 @@
       <dgm:spPr/>
     </dgm:pt>
     <dgm:pt modelId="{ECA5989B-F06B-4EA7-8465-6F9DE0BD451B}" type="pres">
-      <dgm:prSet presAssocID="{7BC89DC2-2AE7-4D4C-B26C-1C81825421B6}" presName="textRect" presStyleLbl="revTx" presStyleIdx="1" presStyleCnt="2" custScaleX="210396" custLinFactNeighborX="2196" custLinFactNeighborY="83671">
+      <dgm:prSet presAssocID="{7BC89DC2-2AE7-4D4C-B26C-1C81825421B6}" presName="textRect" presStyleLbl="revTx" presStyleIdx="1" presStyleCnt="2" custScaleX="210396" custLinFactNeighborX="2196" custLinFactNeighborY="96979">
         <dgm:presLayoutVars>
           <dgm:chMax val="1"/>
           <dgm:chPref val="1"/>
@@ -6898,7 +6930,7 @@
   <dgm:whole/>
   <dgm:extLst>
     <a:ext uri="http://schemas.microsoft.com/office/drawing/2008/diagram">
-      <dsp:dataModelExt xmlns:dsp="http://schemas.microsoft.com/office/drawing/2008/diagram" relId="rId8" minVer="http://schemas.openxmlformats.org/drawingml/2006/diagram"/>
+      <dsp:dataModelExt xmlns:dsp="http://schemas.microsoft.com/office/drawing/2008/diagram" relId="rId9" minVer="http://schemas.openxmlformats.org/drawingml/2006/diagram"/>
     </a:ext>
   </dgm:extLst>
 </dgm:dataModel>
@@ -7117,7 +7149,7 @@
         </a:bodyPr>
         <a:lstStyle/>
         <a:p>
-          <a:pPr marL="0" lvl="0" indent="0" algn="l" defTabSz="844550">
+          <a:pPr marL="0" lvl="0" indent="0" algn="l" defTabSz="622300">
             <a:lnSpc>
               <a:spcPct val="100000"/>
             </a:lnSpc>
@@ -7130,7 +7162,7 @@
             <a:buNone/>
           </a:pPr>
           <a:r>
-            <a:rPr lang="en-US" sz="1900" kern="1200" dirty="0"/>
+            <a:rPr lang="en-US" sz="1400" kern="1200" dirty="0"/>
             <a:t>Stay and Keep Safe</a:t>
           </a:r>
         </a:p>
@@ -7243,7 +7275,7 @@
       </dsp:nvSpPr>
       <dsp:spPr>
         <a:xfrm>
-          <a:off x="83554" y="3374070"/>
+          <a:off x="83554" y="3481467"/>
           <a:ext cx="4002216" cy="807006"/>
         </a:xfrm>
         <a:prstGeom prst="rect">
@@ -7273,7 +7305,7 @@
         </a:bodyPr>
         <a:lstStyle/>
         <a:p>
-          <a:pPr marL="0" lvl="0" indent="0" algn="l" defTabSz="844550">
+          <a:pPr marL="0" lvl="0" indent="0" algn="l" defTabSz="622300">
             <a:lnSpc>
               <a:spcPct val="100000"/>
             </a:lnSpc>
@@ -7286,21 +7318,67 @@
             <a:buNone/>
           </a:pPr>
           <a:r>
-            <a:rPr lang="en-US" sz="1900" kern="1200" dirty="0"/>
+            <a:rPr lang="en-US" sz="1400" kern="1200" dirty="0"/>
             <a:t>Project is posted in </a:t>
           </a:r>
           <a:r>
-            <a:rPr lang="en-US" sz="1900" kern="1200" dirty="0" err="1"/>
+            <a:rPr lang="en-US" sz="1400" kern="1200" dirty="0" err="1"/>
             <a:t>github</a:t>
           </a:r>
+          <a:endParaRPr lang="en-US" sz="1400" kern="1200" dirty="0"/>
+        </a:p>
+        <a:p>
+          <a:pPr marL="0" lvl="0" indent="0" algn="l" defTabSz="622300">
+            <a:lnSpc>
+              <a:spcPct val="100000"/>
+            </a:lnSpc>
+            <a:spcBef>
+              <a:spcPct val="0"/>
+            </a:spcBef>
+            <a:spcAft>
+              <a:spcPct val="35000"/>
+            </a:spcAft>
+            <a:buNone/>
+          </a:pPr>
           <a:r>
-            <a:rPr lang="en-US" sz="1900" kern="1200" dirty="0"/>
-            <a:t> https://github.com/newfound-systems</a:t>
+            <a:rPr lang="en-US" sz="1400" kern="1200" dirty="0"/>
+            <a:t> </a:t>
+          </a:r>
+          <a:r>
+            <a:rPr lang="en-US" sz="1400" kern="1200" dirty="0">
+              <a:hlinkClick xmlns:r="http://schemas.openxmlformats.org/officeDocument/2006/relationships" r:id="rId5"/>
+            </a:rPr>
+            <a:t>https://github.com/newfound-systems</a:t>
+          </a:r>
+          <a:endParaRPr lang="en-US" sz="1400" kern="1200" dirty="0"/>
+        </a:p>
+        <a:p>
+          <a:pPr marL="0" lvl="0" indent="0" algn="l" defTabSz="622300">
+            <a:lnSpc>
+              <a:spcPct val="100000"/>
+            </a:lnSpc>
+            <a:spcBef>
+              <a:spcPct val="0"/>
+            </a:spcBef>
+            <a:spcAft>
+              <a:spcPct val="35000"/>
+            </a:spcAft>
+            <a:buNone/>
+          </a:pPr>
+          <a:r>
+            <a:rPr lang="en-US" sz="1400" kern="1200" dirty="0">
+              <a:hlinkClick xmlns:r="http://schemas.openxmlformats.org/officeDocument/2006/relationships" r:id="rId6"/>
+            </a:rPr>
+            <a:t>https://github.com/newfound-systems/JdbcExample</a:t>
+          </a:r>
+          <a:r>
+            <a:rPr lang="en-US" sz="1400" kern="1200" dirty="0"/>
+            <a:t> </a:t>
           </a:r>
         </a:p>
       </dsp:txBody>
       <dsp:txXfrm>
-        <a:off x="83554" y="3374070"/>
+        <a:off x="83554" y="3481467"/>
         <a:ext cx="4002216" cy="807006"/>
       </dsp:txXfrm>
     </dsp:sp>
@@ -18833,6 +18911,90 @@
 </p:notes>
 </file>
 
+<file path=ppt/notesSlides/notesSlide5.xml><?xml version="1.0" encoding="utf-8"?>
+<p:notes xmlns:a="http://schemas.openxmlformats.org/drawingml/2006/main" xmlns:r="http://schemas.openxmlformats.org/officeDocument/2006/relationships" xmlns:p="http://schemas.openxmlformats.org/presentationml/2006/main">
+  <p:cSld>
+    <p:spTree>
+      <p:nvGrpSpPr>
+        <p:cNvPr id="1" name=""/>
+        <p:cNvGrpSpPr/>
+        <p:nvPr/>
+      </p:nvGrpSpPr>
+      <p:grpSpPr>
+        <a:xfrm>
+          <a:off x="0" y="0"/>
+          <a:ext cx="0" cy="0"/>
+          <a:chOff x="0" y="0"/>
+          <a:chExt cx="0" cy="0"/>
+        </a:xfrm>
+      </p:grpSpPr>
+      <p:sp>
+        <p:nvSpPr>
+          <p:cNvPr id="2" name="Slide Image Placeholder 1"/>
+          <p:cNvSpPr>
+            <a:spLocks noGrp="1" noRot="1" noChangeAspect="1"/>
+          </p:cNvSpPr>
+          <p:nvPr>
+            <p:ph type="sldImg"/>
+          </p:nvPr>
+        </p:nvSpPr>
+        <p:spPr/>
+      </p:sp>
+      <p:sp>
+        <p:nvSpPr>
+          <p:cNvPr id="3" name="Notes Placeholder 2"/>
+          <p:cNvSpPr>
+            <a:spLocks noGrp="1"/>
+          </p:cNvSpPr>
+          <p:nvPr>
+            <p:ph type="body" idx="1"/>
+          </p:nvPr>
+        </p:nvSpPr>
+        <p:spPr/>
+        <p:txBody>
+          <a:bodyPr/>
+          <a:lstStyle/>
+          <a:p>
+            <a:endParaRPr lang="en-US"/>
+          </a:p>
+        </p:txBody>
+      </p:sp>
+      <p:sp>
+        <p:nvSpPr>
+          <p:cNvPr id="4" name="Slide Number Placeholder 3"/>
+          <p:cNvSpPr>
+            <a:spLocks noGrp="1"/>
+          </p:cNvSpPr>
+          <p:nvPr>
+            <p:ph type="sldNum" sz="quarter" idx="5"/>
+          </p:nvPr>
+        </p:nvSpPr>
+        <p:spPr/>
+        <p:txBody>
+          <a:bodyPr/>
+          <a:lstStyle/>
+          <a:p>
+            <a:fld id="{33614900-8670-4A50-A0A7-821DF61D4366}" type="slidenum">
+              <a:rPr lang="en-US" smtClean="0"/>
+              <a:t>27</a:t>
+            </a:fld>
+            <a:endParaRPr lang="en-US"/>
+          </a:p>
+        </p:txBody>
+      </p:sp>
+    </p:spTree>
+    <p:extLst>
+      <p:ext uri="{BB962C8B-B14F-4D97-AF65-F5344CB8AC3E}">
+        <p14:creationId xmlns:p14="http://schemas.microsoft.com/office/powerpoint/2010/main" val="2285587768"/>
+      </p:ext>
+    </p:extLst>
+  </p:cSld>
+  <p:clrMapOvr>
+    <a:masterClrMapping/>
+  </p:clrMapOvr>
+</p:notes>
+</file>
+
 <file path=ppt/slideLayouts/slideLayout1.xml><?xml version="1.0" encoding="utf-8"?>
 <p:sldLayout xmlns:a="http://schemas.openxmlformats.org/drawingml/2006/main" xmlns:r="http://schemas.openxmlformats.org/officeDocument/2006/relationships" xmlns:p="http://schemas.openxmlformats.org/presentationml/2006/main" showMasterSp="0" type="title" preserve="1">
   <p:cSld name="Title Slide">
@@ -19077,7 +19239,7 @@
           <a:p>
             <a:fld id="{9184DA70-C731-4C70-880D-CCD4705E623C}" type="datetime1">
               <a:rPr lang="en-US" smtClean="0"/>
-              <a:t>2020-11-04</a:t>
+              <a:t>2020-11-05</a:t>
             </a:fld>
             <a:endParaRPr lang="en-US" dirty="0"/>
           </a:p>
@@ -19265,7 +19427,7 @@
           <a:p>
             <a:fld id="{4BE1D723-8F53-4F53-90B0-1982A396982E}" type="datetime1">
               <a:rPr lang="en-US" smtClean="0"/>
-              <a:t>2020-11-04</a:t>
+              <a:t>2020-11-05</a:t>
             </a:fld>
             <a:endParaRPr lang="en-US" dirty="0"/>
           </a:p>
@@ -19638,7 +19800,7 @@
           <a:p>
             <a:fld id="{97669AF7-7BEB-44E4-9852-375E34362B5B}" type="datetime1">
               <a:rPr lang="en-US" smtClean="0"/>
-              <a:t>2020-11-04</a:t>
+              <a:t>2020-11-05</a:t>
             </a:fld>
             <a:endParaRPr lang="en-US" dirty="0"/>
           </a:p>
@@ -19893,7 +20055,7 @@
           <a:p>
             <a:fld id="{BAAAC38D-0552-4C82-B593-E6124DFADBE2}" type="datetime1">
               <a:rPr lang="en-US" smtClean="0"/>
-              <a:t>2020-11-04</a:t>
+              <a:t>2020-11-05</a:t>
             </a:fld>
             <a:endParaRPr lang="en-US" dirty="0"/>
           </a:p>
@@ -20290,7 +20452,7 @@
           <a:p>
             <a:fld id="{D9DF0F1C-5577-4ACB-BB62-DF8F3C494C7E}" type="datetime1">
               <a:rPr lang="en-US" smtClean="0"/>
-              <a:t>2020-11-04</a:t>
+              <a:t>2020-11-05</a:t>
             </a:fld>
             <a:endParaRPr lang="en-US" dirty="0"/>
           </a:p>
@@ -20426,7 +20588,7 @@
           <a:p>
             <a:fld id="{1775B394-D9F9-4F0C-B15D-605F45CB9E9F}" type="datetime1">
               <a:rPr lang="en-US" smtClean="0"/>
-              <a:t>2020-11-04</a:t>
+              <a:t>2020-11-05</a:t>
             </a:fld>
             <a:endParaRPr lang="en-US" dirty="0"/>
           </a:p>
@@ -20583,7 +20745,7 @@
           <a:p>
             <a:fld id="{39667345-2558-425A-8533-9BFDBCE15005}" type="datetime1">
               <a:rPr lang="en-US" smtClean="0"/>
-              <a:t>2020-11-04</a:t>
+              <a:t>2020-11-05</a:t>
             </a:fld>
             <a:endParaRPr lang="en-US" dirty="0"/>
           </a:p>
@@ -20912,7 +21074,7 @@
           <a:p>
             <a:fld id="{92BEA474-078D-4E9B-9B14-09A87B19DC46}" type="datetime1">
               <a:rPr lang="en-US" smtClean="0"/>
-              <a:t>2020-11-04</a:t>
+              <a:t>2020-11-05</a:t>
             </a:fld>
             <a:endParaRPr lang="en-US" dirty="0"/>
           </a:p>
@@ -21262,7 +21424,7 @@
           <a:p>
             <a:fld id="{4907D986-8816-4272-A432-0437A28A9828}" type="datetime1">
               <a:rPr lang="en-US" smtClean="0"/>
-              <a:t>2020-11-04</a:t>
+              <a:t>2020-11-05</a:t>
             </a:fld>
             <a:endParaRPr lang="en-US" dirty="0"/>
           </a:p>
@@ -21523,7 +21685,7 @@
           <a:p>
             <a:fld id="{62D6E202-B606-4609-B914-27C9371A1F6D}" type="datetime1">
               <a:rPr lang="en-US" smtClean="0"/>
-              <a:t>2020-11-04</a:t>
+              <a:t>2020-11-05</a:t>
             </a:fld>
             <a:endParaRPr lang="en-US" dirty="0"/>
           </a:p>
@@ -26374,13 +26536,13 @@
   <p:clrMapOvr>
     <a:masterClrMapping/>
   </p:clrMapOvr>
-  <mc:AlternateContent xmlns:mc="http://schemas.openxmlformats.org/markup-compatibility/2006">
-    <mc:Choice xmlns:p14="http://schemas.microsoft.com/office/powerpoint/2010/main" Requires="p14">
+  <mc:AlternateContent xmlns:mc="http://schemas.openxmlformats.org/markup-compatibility/2006" xmlns:p14="http://schemas.microsoft.com/office/powerpoint/2010/main">
+    <mc:Choice Requires="p14">
       <p:transition spd="med" p14:dur="700">
         <p:fade/>
       </p:transition>
     </mc:Choice>
-    <mc:Fallback>
+    <mc:Fallback xmlns="">
       <p:transition spd="med">
         <p:fade/>
       </p:transition>
@@ -28825,13 +28987,13 @@
   <p:clrMapOvr>
     <a:masterClrMapping/>
   </p:clrMapOvr>
-  <mc:AlternateContent xmlns:mc="http://schemas.openxmlformats.org/markup-compatibility/2006">
-    <mc:Choice xmlns:p14="http://schemas.microsoft.com/office/powerpoint/2010/main" Requires="p14">
+  <mc:AlternateContent xmlns:mc="http://schemas.openxmlformats.org/markup-compatibility/2006" xmlns:p14="http://schemas.microsoft.com/office/powerpoint/2010/main">
+    <mc:Choice Requires="p14">
       <p:transition spd="med" p14:dur="700">
         <p:fade/>
       </p:transition>
     </mc:Choice>
-    <mc:Fallback>
+    <mc:Fallback xmlns="">
       <p:transition spd="med">
         <p:fade/>
       </p:transition>
@@ -30237,13 +30399,13 @@
   <p:clrMapOvr>
     <a:masterClrMapping/>
   </p:clrMapOvr>
-  <mc:AlternateContent xmlns:mc="http://schemas.openxmlformats.org/markup-compatibility/2006">
-    <mc:Choice xmlns:p14="http://schemas.microsoft.com/office/powerpoint/2010/main" Requires="p14">
+  <mc:AlternateContent xmlns:mc="http://schemas.openxmlformats.org/markup-compatibility/2006" xmlns:p14="http://schemas.microsoft.com/office/powerpoint/2010/main">
+    <mc:Choice Requires="p14">
       <p:transition spd="med" p14:dur="700">
         <p:fade/>
       </p:transition>
     </mc:Choice>
-    <mc:Fallback>
+    <mc:Fallback xmlns="">
       <p:transition spd="med">
         <p:fade/>
       </p:transition>
@@ -34506,13 +34668,13 @@
   <p:clrMapOvr>
     <a:masterClrMapping/>
   </p:clrMapOvr>
-  <mc:AlternateContent xmlns:mc="http://schemas.openxmlformats.org/markup-compatibility/2006">
-    <mc:Choice xmlns:p14="http://schemas.microsoft.com/office/powerpoint/2010/main" Requires="p14">
+  <mc:AlternateContent xmlns:mc="http://schemas.openxmlformats.org/markup-compatibility/2006" xmlns:p14="http://schemas.microsoft.com/office/powerpoint/2010/main">
+    <mc:Choice Requires="p14">
       <p:transition spd="med" p14:dur="700">
         <p:fade/>
       </p:transition>
     </mc:Choice>
-    <mc:Fallback>
+    <mc:Fallback xmlns="">
       <p:transition spd="med">
         <p:fade/>
       </p:transition>
@@ -34787,13 +34949,13 @@
   <p:clrMapOvr>
     <a:masterClrMapping/>
   </p:clrMapOvr>
-  <mc:AlternateContent xmlns:mc="http://schemas.openxmlformats.org/markup-compatibility/2006">
-    <mc:Choice xmlns:p14="http://schemas.microsoft.com/office/powerpoint/2010/main" Requires="p14">
+  <mc:AlternateContent xmlns:mc="http://schemas.openxmlformats.org/markup-compatibility/2006" xmlns:p14="http://schemas.microsoft.com/office/powerpoint/2010/main">
+    <mc:Choice Requires="p14">
       <p:transition spd="med" p14:dur="700">
         <p:fade/>
       </p:transition>
     </mc:Choice>
-    <mc:Fallback>
+    <mc:Fallback xmlns="">
       <p:transition spd="med">
         <p:fade/>
       </p:transition>
@@ -34908,13 +35070,13 @@
           <p:nvPr/>
         </p:nvPicPr>
         <p:blipFill>
-          <a:blip r:embed="rId2">
+          <a:blip r:embed="rId3">
             <a:extLst>
               <a:ext uri="{28A0092B-C50C-407E-A947-70E740481C1C}">
                 <a14:useLocalDpi xmlns:a14="http://schemas.microsoft.com/office/drawing/2010/main" val="0"/>
               </a:ext>
               <a:ext uri="{96DAC541-7B7A-43D3-8B79-37D633B846F1}">
-                <asvg:svgBlip xmlns:asvg="http://schemas.microsoft.com/office/drawing/2016/SVG/main" r:embed="rId3"/>
+                <asvg:svgBlip xmlns:asvg="http://schemas.microsoft.com/office/drawing/2016/SVG/main" r:embed="rId4"/>
               </a:ext>
             </a:extLst>
           </a:blip>
@@ -34945,7 +35107,7 @@
           <p:nvPr>
             <p:extLst>
               <p:ext uri="{D42A27DB-BD31-4B8C-83A1-F6EECF244321}">
-                <p14:modId xmlns:p14="http://schemas.microsoft.com/office/powerpoint/2010/main" val="3991038878"/>
+                <p14:modId xmlns:p14="http://schemas.microsoft.com/office/powerpoint/2010/main" val="2156927445"/>
               </p:ext>
             </p:extLst>
           </p:nvPr>
@@ -34956,7 +35118,7 @@
         </p:xfrm>
         <a:graphic>
           <a:graphicData uri="http://schemas.openxmlformats.org/drawingml/2006/diagram">
-            <dgm:relIds xmlns:dgm="http://schemas.openxmlformats.org/drawingml/2006/diagram" xmlns:r="http://schemas.openxmlformats.org/officeDocument/2006/relationships" r:dm="rId4" r:lo="rId5" r:qs="rId6" r:cs="rId7"/>
+            <dgm:relIds xmlns:dgm="http://schemas.openxmlformats.org/drawingml/2006/diagram" xmlns:r="http://schemas.openxmlformats.org/officeDocument/2006/relationships" r:dm="rId5" r:lo="rId6" r:qs="rId7" r:cs="rId8"/>
           </a:graphicData>
         </a:graphic>
       </p:graphicFrame>
@@ -38394,13 +38556,13 @@
   <p:clrMapOvr>
     <a:masterClrMapping/>
   </p:clrMapOvr>
-  <mc:AlternateContent xmlns:mc="http://schemas.openxmlformats.org/markup-compatibility/2006">
-    <mc:Choice xmlns:p14="http://schemas.microsoft.com/office/powerpoint/2010/main" Requires="p14">
+  <mc:AlternateContent xmlns:mc="http://schemas.openxmlformats.org/markup-compatibility/2006" xmlns:p14="http://schemas.microsoft.com/office/powerpoint/2010/main">
+    <mc:Choice Requires="p14">
       <p:transition spd="med" p14:dur="700">
         <p:fade/>
       </p:transition>
     </mc:Choice>
-    <mc:Fallback>
+    <mc:Fallback xmlns="">
       <p:transition spd="med">
         <p:fade/>
       </p:transition>
@@ -41126,13 +41288,13 @@
   <p:clrMapOvr>
     <a:masterClrMapping/>
   </p:clrMapOvr>
-  <mc:AlternateContent xmlns:mc="http://schemas.openxmlformats.org/markup-compatibility/2006">
-    <mc:Choice xmlns:p14="http://schemas.microsoft.com/office/powerpoint/2010/main" Requires="p14">
+  <mc:AlternateContent xmlns:mc="http://schemas.openxmlformats.org/markup-compatibility/2006" xmlns:p14="http://schemas.microsoft.com/office/powerpoint/2010/main">
+    <mc:Choice Requires="p14">
       <p:transition spd="med" p14:dur="700">
         <p:fade/>
       </p:transition>
     </mc:Choice>
-    <mc:Fallback>
+    <mc:Fallback xmlns="">
       <p:transition spd="med">
         <p:fade/>
       </p:transition>
@@ -41763,12 +41925,12 @@
 </file>
 
 <file path=customXml/item1.xml><?xml version="1.0" encoding="utf-8"?>
-<p:properties xmlns:p="http://schemas.microsoft.com/office/2006/metadata/properties" xmlns:xsi="http://www.w3.org/2001/XMLSchema-instance" xmlns:pc="http://schemas.microsoft.com/office/infopath/2007/PartnerControls">
-  <documentManagement>
-    <Status xmlns="71af3243-3dd4-4a8d-8c0d-dd76da1f02a5">Not started</Status>
-    <MediaServiceKeyPoints xmlns="71af3243-3dd4-4a8d-8c0d-dd76da1f02a5" xsi:nil="true"/>
-  </documentManagement>
-</p:properties>
+<?mso-contentType ?>
+<FormTemplates xmlns="http://schemas.microsoft.com/sharepoint/v3/contenttype/forms">
+  <Display>DocumentLibraryForm</Display>
+  <Edit>DocumentLibraryForm</Edit>
+  <New>DocumentLibraryForm</New>
+</FormTemplates>
 </file>
 
 <file path=customXml/item2.xml><?xml version="1.0" encoding="utf-8"?>
@@ -41993,20 +42155,18 @@
 </file>
 
 <file path=customXml/item3.xml><?xml version="1.0" encoding="utf-8"?>
-<?mso-contentType ?>
-<FormTemplates xmlns="http://schemas.microsoft.com/sharepoint/v3/contenttype/forms">
-  <Display>DocumentLibraryForm</Display>
-  <Edit>DocumentLibraryForm</Edit>
-  <New>DocumentLibraryForm</New>
-</FormTemplates>
+<p:properties xmlns:p="http://schemas.microsoft.com/office/2006/metadata/properties" xmlns:xsi="http://www.w3.org/2001/XMLSchema-instance" xmlns:pc="http://schemas.microsoft.com/office/infopath/2007/PartnerControls">
+  <documentManagement>
+    <Status xmlns="71af3243-3dd4-4a8d-8c0d-dd76da1f02a5">Not started</Status>
+    <MediaServiceKeyPoints xmlns="71af3243-3dd4-4a8d-8c0d-dd76da1f02a5" xsi:nil="true"/>
+  </documentManagement>
+</p:properties>
 </file>
 
 <file path=customXml/itemProps1.xml><?xml version="1.0" encoding="utf-8"?>
-<ds:datastoreItem xmlns:ds="http://schemas.openxmlformats.org/officeDocument/2006/customXml" ds:itemID="{84F503EC-3FFF-4193-A86F-39150E2BAC75}">
+<ds:datastoreItem xmlns:ds="http://schemas.openxmlformats.org/officeDocument/2006/customXml" ds:itemID="{2E5ECA37-C458-4BA2-A090-D7A19E07B434}">
   <ds:schemaRefs>
-    <ds:schemaRef ds:uri="http://schemas.microsoft.com/office/2006/metadata/properties"/>
-    <ds:schemaRef ds:uri="http://schemas.microsoft.com/office/infopath/2007/PartnerControls"/>
-    <ds:schemaRef ds:uri="71af3243-3dd4-4a8d-8c0d-dd76da1f02a5"/>
+    <ds:schemaRef ds:uri="http://schemas.microsoft.com/sharepoint/v3/contenttype/forms"/>
   </ds:schemaRefs>
 </ds:datastoreItem>
 </file>
@@ -42031,9 +42191,11 @@
 </file>
 
 <file path=customXml/itemProps3.xml><?xml version="1.0" encoding="utf-8"?>
-<ds:datastoreItem xmlns:ds="http://schemas.openxmlformats.org/officeDocument/2006/customXml" ds:itemID="{2E5ECA37-C458-4BA2-A090-D7A19E07B434}">
+<ds:datastoreItem xmlns:ds="http://schemas.openxmlformats.org/officeDocument/2006/customXml" ds:itemID="{84F503EC-3FFF-4193-A86F-39150E2BAC75}">
   <ds:schemaRefs>
-    <ds:schemaRef ds:uri="http://schemas.microsoft.com/sharepoint/v3/contenttype/forms"/>
+    <ds:schemaRef ds:uri="http://schemas.microsoft.com/office/2006/metadata/properties"/>
+    <ds:schemaRef ds:uri="http://schemas.microsoft.com/office/infopath/2007/PartnerControls"/>
+    <ds:schemaRef ds:uri="71af3243-3dd4-4a8d-8c0d-dd76da1f02a5"/>
   </ds:schemaRefs>
 </ds:datastoreItem>
 </file>
--- a/docs/JDBC Insights.pptx
+++ b/docs/JDBC Insights.pptx
@@ -5,7 +5,7 @@
     <p:sldMasterId id="2147483660" r:id="rId4"/>
   </p:sldMasterIdLst>
   <p:notesMasterIdLst>
-    <p:notesMasterId r:id="rId32"/>
+    <p:notesMasterId r:id="rId33"/>
   </p:notesMasterIdLst>
   <p:sldIdLst>
     <p:sldId id="265" r:id="rId5"/>
@@ -34,7 +34,8 @@
     <p:sldId id="304" r:id="rId28"/>
     <p:sldId id="310" r:id="rId29"/>
     <p:sldId id="313" r:id="rId30"/>
-    <p:sldId id="300" r:id="rId31"/>
+    <p:sldId id="314" r:id="rId31"/>
+    <p:sldId id="300" r:id="rId32"/>
   </p:sldIdLst>
   <p:sldSz cx="12192000" cy="6858000"/>
   <p:notesSz cx="6858000" cy="9144000"/>
@@ -141,6 +142,18 @@
 </p:presentation>
 </file>
 
+<file path=ppt/commentAuthors.xml><?xml version="1.0" encoding="utf-8"?>
+<p:cmAuthorLst xmlns:a="http://schemas.openxmlformats.org/drawingml/2006/main" xmlns:r="http://schemas.openxmlformats.org/officeDocument/2006/relationships" xmlns:p="http://schemas.openxmlformats.org/presentationml/2006/main">
+  <p:cmAuthor id="1" name="Chetan" initials="CA" lastIdx="1" clrIdx="0">
+    <p:extLst>
+      <p:ext uri="{19B8F6BF-5375-455C-9EA6-DF929625EA0E}">
+        <p15:presenceInfo xmlns:p15="http://schemas.microsoft.com/office/powerpoint/2012/main" userId="Chetan" providerId="None"/>
+      </p:ext>
+    </p:extLst>
+  </p:cmAuthor>
+</p:cmAuthorLst>
+</file>
+
 <file path=ppt/revisionInfo.xml><?xml version="1.0" encoding="utf-8"?>
 <p1510:revInfo xmlns:a="http://schemas.openxmlformats.org/drawingml/2006/main" xmlns:r="http://schemas.openxmlformats.org/officeDocument/2006/relationships" xmlns:p1510="http://schemas.microsoft.com/office/powerpoint/2015/10/main">
   <p1510:revLst>
@@ -5664,6 +5677,925 @@
 </file>
 
 <file path=ppt/diagrams/colors7.xml><?xml version="1.0" encoding="utf-8"?>
+<dgm:colorsDef xmlns:dgm="http://schemas.openxmlformats.org/drawingml/2006/diagram" xmlns:a="http://schemas.openxmlformats.org/drawingml/2006/main" uniqueId="urn:microsoft.com/office/officeart/2005/8/colors/colorful1">
+  <dgm:title val=""/>
+  <dgm:desc val=""/>
+  <dgm:catLst>
+    <dgm:cat type="colorful" pri="10100"/>
+  </dgm:catLst>
+  <dgm:styleLbl name="node0">
+    <dgm:fillClrLst meth="repeat">
+      <a:schemeClr val="accent1"/>
+    </dgm:fillClrLst>
+    <dgm:linClrLst meth="repeat">
+      <a:schemeClr val="lt1"/>
+    </dgm:linClrLst>
+    <dgm:effectClrLst/>
+    <dgm:txLinClrLst/>
+    <dgm:txFillClrLst/>
+    <dgm:txEffectClrLst/>
+  </dgm:styleLbl>
+  <dgm:styleLbl name="node1">
+    <dgm:fillClrLst meth="repeat">
+      <a:schemeClr val="accent2"/>
+      <a:schemeClr val="accent3"/>
+      <a:schemeClr val="accent4"/>
+      <a:schemeClr val="accent5"/>
+      <a:schemeClr val="accent6"/>
+    </dgm:fillClrLst>
+    <dgm:linClrLst meth="repeat">
+      <a:schemeClr val="lt1"/>
+    </dgm:linClrLst>
+    <dgm:effectClrLst/>
+    <dgm:txLinClrLst/>
+    <dgm:txFillClrLst/>
+    <dgm:txEffectClrLst/>
+  </dgm:styleLbl>
+  <dgm:styleLbl name="alignNode1">
+    <dgm:fillClrLst meth="repeat">
+      <a:schemeClr val="accent2"/>
+      <a:schemeClr val="accent3"/>
+      <a:schemeClr val="accent4"/>
+      <a:schemeClr val="accent5"/>
+      <a:schemeClr val="accent6"/>
+    </dgm:fillClrLst>
+    <dgm:linClrLst meth="repeat">
+      <a:schemeClr val="accent2"/>
+      <a:schemeClr val="accent3"/>
+      <a:schemeClr val="accent4"/>
+      <a:schemeClr val="accent5"/>
+      <a:schemeClr val="accent6"/>
+    </dgm:linClrLst>
+    <dgm:effectClrLst/>
+    <dgm:txLinClrLst/>
+    <dgm:txFillClrLst/>
+    <dgm:txEffectClrLst/>
+  </dgm:styleLbl>
+  <dgm:styleLbl name="lnNode1">
+    <dgm:fillClrLst meth="repeat">
+      <a:schemeClr val="accent2"/>
+      <a:schemeClr val="accent3"/>
+      <a:schemeClr val="accent4"/>
+      <a:schemeClr val="accent5"/>
+      <a:schemeClr val="accent6"/>
+    </dgm:fillClrLst>
+    <dgm:linClrLst meth="repeat">
+      <a:schemeClr val="lt1"/>
+    </dgm:linClrLst>
+    <dgm:effectClrLst/>
+    <dgm:txLinClrLst/>
+    <dgm:txFillClrLst/>
+    <dgm:txEffectClrLst/>
+  </dgm:styleLbl>
+  <dgm:styleLbl name="vennNode1">
+    <dgm:fillClrLst meth="repeat">
+      <a:schemeClr val="accent2">
+        <a:alpha val="50000"/>
+      </a:schemeClr>
+      <a:schemeClr val="accent3">
+        <a:alpha val="50000"/>
+      </a:schemeClr>
+      <a:schemeClr val="accent4">
+        <a:alpha val="50000"/>
+      </a:schemeClr>
+      <a:schemeClr val="accent5">
+        <a:alpha val="50000"/>
+      </a:schemeClr>
+      <a:schemeClr val="accent6">
+        <a:alpha val="50000"/>
+      </a:schemeClr>
+    </dgm:fillClrLst>
+    <dgm:linClrLst meth="repeat">
+      <a:schemeClr val="lt1"/>
+    </dgm:linClrLst>
+    <dgm:effectClrLst/>
+    <dgm:txLinClrLst/>
+    <dgm:txFillClrLst/>
+    <dgm:txEffectClrLst/>
+  </dgm:styleLbl>
+  <dgm:styleLbl name="node2">
+    <dgm:fillClrLst>
+      <a:schemeClr val="accent2"/>
+    </dgm:fillClrLst>
+    <dgm:linClrLst meth="repeat">
+      <a:schemeClr val="lt1"/>
+    </dgm:linClrLst>
+    <dgm:effectClrLst/>
+    <dgm:txLinClrLst/>
+    <dgm:txFillClrLst/>
+    <dgm:txEffectClrLst/>
+  </dgm:styleLbl>
+  <dgm:styleLbl name="node3">
+    <dgm:fillClrLst>
+      <a:schemeClr val="accent3"/>
+    </dgm:fillClrLst>
+    <dgm:linClrLst meth="repeat">
+      <a:schemeClr val="lt1"/>
+    </dgm:linClrLst>
+    <dgm:effectClrLst/>
+    <dgm:txLinClrLst/>
+    <dgm:txFillClrLst/>
+    <dgm:txEffectClrLst/>
+  </dgm:styleLbl>
+  <dgm:styleLbl name="node4">
+    <dgm:fillClrLst>
+      <a:schemeClr val="accent4"/>
+    </dgm:fillClrLst>
+    <dgm:linClrLst meth="repeat">
+      <a:schemeClr val="lt1"/>
+    </dgm:linClrLst>
+    <dgm:effectClrLst/>
+    <dgm:txLinClrLst/>
+    <dgm:txFillClrLst/>
+    <dgm:txEffectClrLst/>
+  </dgm:styleLbl>
+  <dgm:styleLbl name="fgImgPlace1">
+    <dgm:fillClrLst meth="repeat">
+      <a:schemeClr val="accent2">
+        <a:tint val="50000"/>
+      </a:schemeClr>
+      <a:schemeClr val="accent3">
+        <a:tint val="50000"/>
+      </a:schemeClr>
+      <a:schemeClr val="accent4">
+        <a:tint val="50000"/>
+      </a:schemeClr>
+      <a:schemeClr val="accent5">
+        <a:tint val="50000"/>
+      </a:schemeClr>
+      <a:schemeClr val="accent6">
+        <a:tint val="50000"/>
+      </a:schemeClr>
+    </dgm:fillClrLst>
+    <dgm:linClrLst meth="repeat">
+      <a:schemeClr val="lt1"/>
+    </dgm:linClrLst>
+    <dgm:effectClrLst/>
+    <dgm:txLinClrLst/>
+    <dgm:txFillClrLst meth="repeat">
+      <a:schemeClr val="lt1"/>
+    </dgm:txFillClrLst>
+    <dgm:txEffectClrLst/>
+  </dgm:styleLbl>
+  <dgm:styleLbl name="alignImgPlace1">
+    <dgm:fillClrLst>
+      <a:schemeClr val="accent1">
+        <a:tint val="50000"/>
+      </a:schemeClr>
+      <a:schemeClr val="accent2">
+        <a:tint val="20000"/>
+      </a:schemeClr>
+    </dgm:fillClrLst>
+    <dgm:linClrLst meth="repeat">
+      <a:schemeClr val="lt1"/>
+    </dgm:linClrLst>
+    <dgm:effectClrLst/>
+    <dgm:txLinClrLst/>
+    <dgm:txFillClrLst meth="repeat">
+      <a:schemeClr val="lt1"/>
+    </dgm:txFillClrLst>
+    <dgm:txEffectClrLst/>
+  </dgm:styleLbl>
+  <dgm:styleLbl name="bgImgPlace1">
+    <dgm:fillClrLst>
+      <a:schemeClr val="accent1">
+        <a:tint val="50000"/>
+      </a:schemeClr>
+      <a:schemeClr val="accent2">
+        <a:tint val="20000"/>
+      </a:schemeClr>
+    </dgm:fillClrLst>
+    <dgm:linClrLst meth="repeat">
+      <a:schemeClr val="lt1"/>
+    </dgm:linClrLst>
+    <dgm:effectClrLst/>
+    <dgm:txLinClrLst/>
+    <dgm:txFillClrLst meth="repeat">
+      <a:schemeClr val="lt1"/>
+    </dgm:txFillClrLst>
+    <dgm:txEffectClrLst/>
+  </dgm:styleLbl>
+  <dgm:styleLbl name="sibTrans2D1">
+    <dgm:fillClrLst meth="repeat">
+      <a:schemeClr val="accent2"/>
+      <a:schemeClr val="accent3"/>
+      <a:schemeClr val="accent4"/>
+      <a:schemeClr val="accent5"/>
+      <a:schemeClr val="accent6"/>
+    </dgm:fillClrLst>
+    <dgm:linClrLst meth="cycle">
+      <a:schemeClr val="lt1"/>
+    </dgm:linClrLst>
+    <dgm:effectClrLst/>
+    <dgm:txLinClrLst/>
+    <dgm:txFillClrLst/>
+    <dgm:txEffectClrLst/>
+  </dgm:styleLbl>
+  <dgm:styleLbl name="fgSibTrans2D1">
+    <dgm:fillClrLst meth="repeat">
+      <a:schemeClr val="accent2"/>
+      <a:schemeClr val="accent3"/>
+      <a:schemeClr val="accent4"/>
+      <a:schemeClr val="accent5"/>
+      <a:schemeClr val="accent6"/>
+    </dgm:fillClrLst>
+    <dgm:linClrLst meth="cycle">
+      <a:schemeClr val="lt1"/>
+    </dgm:linClrLst>
+    <dgm:effectClrLst/>
+    <dgm:txLinClrLst/>
+    <dgm:txFillClrLst meth="repeat">
+      <a:schemeClr val="lt1"/>
+    </dgm:txFillClrLst>
+    <dgm:txEffectClrLst/>
+  </dgm:styleLbl>
+  <dgm:styleLbl name="bgSibTrans2D1">
+    <dgm:fillClrLst meth="repeat">
+      <a:schemeClr val="accent2"/>
+      <a:schemeClr val="accent3"/>
+      <a:schemeClr val="accent4"/>
+      <a:schemeClr val="accent5"/>
+      <a:schemeClr val="accent6"/>
+    </dgm:fillClrLst>
+    <dgm:linClrLst meth="cycle">
+      <a:schemeClr val="lt1"/>
+    </dgm:linClrLst>
+    <dgm:effectClrLst/>
+    <dgm:txLinClrLst/>
+    <dgm:txFillClrLst meth="repeat">
+      <a:schemeClr val="lt1"/>
+    </dgm:txFillClrLst>
+    <dgm:txEffectClrLst/>
+  </dgm:styleLbl>
+  <dgm:styleLbl name="sibTrans1D1">
+    <dgm:fillClrLst meth="repeat">
+      <a:schemeClr val="accent2"/>
+      <a:schemeClr val="accent3"/>
+      <a:schemeClr val="accent4"/>
+      <a:schemeClr val="accent5"/>
+      <a:schemeClr val="accent6"/>
+    </dgm:fillClrLst>
+    <dgm:linClrLst meth="repeat">
+      <a:schemeClr val="accent2"/>
+      <a:schemeClr val="accent3"/>
+      <a:schemeClr val="accent4"/>
+      <a:schemeClr val="accent5"/>
+      <a:schemeClr val="accent6"/>
+    </dgm:linClrLst>
+    <dgm:effectClrLst/>
+    <dgm:txLinClrLst/>
+    <dgm:txFillClrLst meth="repeat">
+      <a:schemeClr val="tx1"/>
+    </dgm:txFillClrLst>
+    <dgm:txEffectClrLst/>
+  </dgm:styleLbl>
+  <dgm:styleLbl name="callout">
+    <dgm:fillClrLst meth="repeat">
+      <a:schemeClr val="accent2"/>
+    </dgm:fillClrLst>
+    <dgm:linClrLst meth="repeat">
+      <a:schemeClr val="accent2">
+        <a:tint val="50000"/>
+      </a:schemeClr>
+    </dgm:linClrLst>
+    <dgm:effectClrLst/>
+    <dgm:txLinClrLst/>
+    <dgm:txFillClrLst meth="repeat">
+      <a:schemeClr val="tx1"/>
+    </dgm:txFillClrLst>
+    <dgm:txEffectClrLst/>
+  </dgm:styleLbl>
+  <dgm:styleLbl name="asst0">
+    <dgm:fillClrLst meth="repeat">
+      <a:schemeClr val="accent1"/>
+    </dgm:fillClrLst>
+    <dgm:linClrLst meth="repeat">
+      <a:schemeClr val="lt1"/>
+    </dgm:linClrLst>
+    <dgm:effectClrLst/>
+    <dgm:txLinClrLst/>
+    <dgm:txFillClrLst/>
+    <dgm:txEffectClrLst/>
+  </dgm:styleLbl>
+  <dgm:styleLbl name="asst1">
+    <dgm:fillClrLst meth="repeat">
+      <a:schemeClr val="accent2"/>
+    </dgm:fillClrLst>
+    <dgm:linClrLst meth="repeat">
+      <a:schemeClr val="lt1"/>
+    </dgm:linClrLst>
+    <dgm:effectClrLst/>
+    <dgm:txLinClrLst/>
+    <dgm:txFillClrLst/>
+    <dgm:txEffectClrLst/>
+  </dgm:styleLbl>
+  <dgm:styleLbl name="asst2">
+    <dgm:fillClrLst>
+      <a:schemeClr val="accent3"/>
+    </dgm:fillClrLst>
+    <dgm:linClrLst meth="repeat">
+      <a:schemeClr val="lt1"/>
+    </dgm:linClrLst>
+    <dgm:effectClrLst/>
+    <dgm:txLinClrLst/>
+    <dgm:txFillClrLst/>
+    <dgm:txEffectClrLst/>
+  </dgm:styleLbl>
+  <dgm:styleLbl name="asst3">
+    <dgm:fillClrLst>
+      <a:schemeClr val="accent4"/>
+    </dgm:fillClrLst>
+    <dgm:linClrLst meth="repeat">
+      <a:schemeClr val="lt1"/>
+    </dgm:linClrLst>
+    <dgm:effectClrLst/>
+    <dgm:txLinClrLst/>
+    <dgm:txFillClrLst/>
+    <dgm:txEffectClrLst/>
+  </dgm:styleLbl>
+  <dgm:styleLbl name="asst4">
+    <dgm:fillClrLst>
+      <a:schemeClr val="accent5"/>
+    </dgm:fillClrLst>
+    <dgm:linClrLst meth="repeat">
+      <a:schemeClr val="lt1"/>
+    </dgm:linClrLst>
+    <dgm:effectClrLst/>
+    <dgm:txLinClrLst/>
+    <dgm:txFillClrLst/>
+    <dgm:txEffectClrLst/>
+  </dgm:styleLbl>
+  <dgm:styleLbl name="parChTrans2D1">
+    <dgm:fillClrLst meth="repeat">
+      <a:schemeClr val="accent2"/>
+    </dgm:fillClrLst>
+    <dgm:linClrLst meth="repeat">
+      <a:schemeClr val="lt1"/>
+    </dgm:linClrLst>
+    <dgm:effectClrLst/>
+    <dgm:txLinClrLst/>
+    <dgm:txFillClrLst meth="repeat">
+      <a:schemeClr val="lt1"/>
+    </dgm:txFillClrLst>
+    <dgm:txEffectClrLst/>
+  </dgm:styleLbl>
+  <dgm:styleLbl name="parChTrans2D2">
+    <dgm:fillClrLst meth="repeat">
+      <a:schemeClr val="accent3"/>
+    </dgm:fillClrLst>
+    <dgm:linClrLst meth="repeat">
+      <a:schemeClr val="lt1"/>
+    </dgm:linClrLst>
+    <dgm:effectClrLst/>
+    <dgm:txLinClrLst/>
+    <dgm:txFillClrLst/>
+    <dgm:txEffectClrLst/>
+  </dgm:styleLbl>
+  <dgm:styleLbl name="parChTrans2D3">
+    <dgm:fillClrLst meth="repeat">
+      <a:schemeClr val="accent4"/>
+    </dgm:fillClrLst>
+    <dgm:linClrLst meth="repeat">
+      <a:schemeClr val="lt1"/>
+    </dgm:linClrLst>
+    <dgm:effectClrLst/>
+    <dgm:txLinClrLst/>
+    <dgm:txFillClrLst/>
+    <dgm:txEffectClrLst/>
+  </dgm:styleLbl>
+  <dgm:styleLbl name="parChTrans2D4">
+    <dgm:fillClrLst meth="repeat">
+      <a:schemeClr val="accent5"/>
+    </dgm:fillClrLst>
+    <dgm:linClrLst meth="repeat">
+      <a:schemeClr val="lt1"/>
+    </dgm:linClrLst>
+    <dgm:effectClrLst/>
+    <dgm:txLinClrLst/>
+    <dgm:txFillClrLst meth="repeat">
+      <a:schemeClr val="lt1"/>
+    </dgm:txFillClrLst>
+    <dgm:txEffectClrLst/>
+  </dgm:styleLbl>
+  <dgm:styleLbl name="parChTrans1D1">
+    <dgm:fillClrLst meth="repeat">
+      <a:schemeClr val="accent2"/>
+    </dgm:fillClrLst>
+    <dgm:linClrLst meth="repeat">
+      <a:schemeClr val="accent1"/>
+    </dgm:linClrLst>
+    <dgm:effectClrLst/>
+    <dgm:txLinClrLst/>
+    <dgm:txFillClrLst meth="repeat">
+      <a:schemeClr val="tx1"/>
+    </dgm:txFillClrLst>
+    <dgm:txEffectClrLst/>
+  </dgm:styleLbl>
+  <dgm:styleLbl name="parChTrans1D2">
+    <dgm:fillClrLst meth="repeat">
+      <a:schemeClr val="accent3">
+        <a:tint val="90000"/>
+      </a:schemeClr>
+    </dgm:fillClrLst>
+    <dgm:linClrLst meth="repeat">
+      <a:schemeClr val="accent2"/>
+    </dgm:linClrLst>
+    <dgm:effectClrLst/>
+    <dgm:txLinClrLst/>
+    <dgm:txFillClrLst meth="repeat">
+      <a:schemeClr val="tx1"/>
+    </dgm:txFillClrLst>
+    <dgm:txEffectClrLst/>
+  </dgm:styleLbl>
+  <dgm:styleLbl name="parChTrans1D3">
+    <dgm:fillClrLst meth="repeat">
+      <a:schemeClr val="accent4">
+        <a:tint val="70000"/>
+      </a:schemeClr>
+    </dgm:fillClrLst>
+    <dgm:linClrLst meth="repeat">
+      <a:schemeClr val="accent3"/>
+    </dgm:linClrLst>
+    <dgm:effectClrLst/>
+    <dgm:txLinClrLst/>
+    <dgm:txFillClrLst meth="repeat">
+      <a:schemeClr val="tx1"/>
+    </dgm:txFillClrLst>
+    <dgm:txEffectClrLst/>
+  </dgm:styleLbl>
+  <dgm:styleLbl name="parChTrans1D4">
+    <dgm:fillClrLst meth="repeat">
+      <a:schemeClr val="accent5">
+        <a:tint val="50000"/>
+      </a:schemeClr>
+    </dgm:fillClrLst>
+    <dgm:linClrLst meth="repeat">
+      <a:schemeClr val="accent4"/>
+    </dgm:linClrLst>
+    <dgm:effectClrLst/>
+    <dgm:txLinClrLst/>
+    <dgm:txFillClrLst meth="repeat">
+      <a:schemeClr val="tx1"/>
+    </dgm:txFillClrLst>
+    <dgm:txEffectClrLst/>
+  </dgm:styleLbl>
+  <dgm:styleLbl name="fgAcc1">
+    <dgm:fillClrLst meth="repeat">
+      <a:schemeClr val="lt1">
+        <a:alpha val="90000"/>
+      </a:schemeClr>
+    </dgm:fillClrLst>
+    <dgm:linClrLst meth="repeat">
+      <a:schemeClr val="accent2"/>
+      <a:schemeClr val="accent3"/>
+      <a:schemeClr val="accent4"/>
+      <a:schemeClr val="accent5"/>
+      <a:schemeClr val="accent6"/>
+    </dgm:linClrLst>
+    <dgm:effectClrLst/>
+    <dgm:txLinClrLst/>
+    <dgm:txFillClrLst meth="repeat">
+      <a:schemeClr val="dk1"/>
+    </dgm:txFillClrLst>
+    <dgm:txEffectClrLst/>
+  </dgm:styleLbl>
+  <dgm:styleLbl name="conFgAcc1">
+    <dgm:fillClrLst meth="repeat">
+      <a:schemeClr val="lt1">
+        <a:alpha val="90000"/>
+      </a:schemeClr>
+    </dgm:fillClrLst>
+    <dgm:linClrLst meth="repeat">
+      <a:schemeClr val="accent2"/>
+      <a:schemeClr val="accent3"/>
+      <a:schemeClr val="accent4"/>
+      <a:schemeClr val="accent5"/>
+      <a:schemeClr val="accent6"/>
+    </dgm:linClrLst>
+    <dgm:effectClrLst/>
+    <dgm:txLinClrLst/>
+    <dgm:txFillClrLst meth="repeat">
+      <a:schemeClr val="dk1"/>
+    </dgm:txFillClrLst>
+    <dgm:txEffectClrLst/>
+  </dgm:styleLbl>
+  <dgm:styleLbl name="alignAcc1">
+    <dgm:fillClrLst meth="repeat">
+      <a:schemeClr val="lt1">
+        <a:alpha val="90000"/>
+      </a:schemeClr>
+    </dgm:fillClrLst>
+    <dgm:linClrLst meth="repeat">
+      <a:schemeClr val="accent2"/>
+      <a:schemeClr val="accent3"/>
+      <a:schemeClr val="accent4"/>
+      <a:schemeClr val="accent5"/>
+      <a:schemeClr val="accent6"/>
+    </dgm:linClrLst>
+    <dgm:effectClrLst/>
+    <dgm:txLinClrLst/>
+    <dgm:txFillClrLst meth="repeat">
+      <a:schemeClr val="dk1"/>
+    </dgm:txFillClrLst>
+    <dgm:txEffectClrLst/>
+  </dgm:styleLbl>
+  <dgm:styleLbl name="trAlignAcc1">
+    <dgm:fillClrLst meth="repeat">
+      <a:schemeClr val="lt1">
+        <a:alpha val="40000"/>
+      </a:schemeClr>
+    </dgm:fillClrLst>
+    <dgm:linClrLst meth="repeat">
+      <a:schemeClr val="accent1"/>
+    </dgm:linClrLst>
+    <dgm:effectClrLst/>
+    <dgm:txLinClrLst/>
+    <dgm:txFillClrLst meth="repeat">
+      <a:schemeClr val="dk1"/>
+    </dgm:txFillClrLst>
+    <dgm:txEffectClrLst/>
+  </dgm:styleLbl>
+  <dgm:styleLbl name="bgAcc1">
+    <dgm:fillClrLst meth="repeat">
+      <a:schemeClr val="lt1">
+        <a:alpha val="90000"/>
+      </a:schemeClr>
+    </dgm:fillClrLst>
+    <dgm:linClrLst meth="repeat">
+      <a:schemeClr val="accent2"/>
+      <a:schemeClr val="accent3"/>
+      <a:schemeClr val="accent4"/>
+      <a:schemeClr val="accent5"/>
+      <a:schemeClr val="accent6"/>
+    </dgm:linClrLst>
+    <dgm:effectClrLst/>
+    <dgm:txLinClrLst/>
+    <dgm:txFillClrLst meth="repeat">
+      <a:schemeClr val="dk1"/>
+    </dgm:txFillClrLst>
+    <dgm:txEffectClrLst/>
+  </dgm:styleLbl>
+  <dgm:styleLbl name="solidFgAcc1">
+    <dgm:fillClrLst meth="repeat">
+      <a:schemeClr val="lt1"/>
+    </dgm:fillClrLst>
+    <dgm:linClrLst meth="repeat">
+      <a:schemeClr val="accent2"/>
+      <a:schemeClr val="accent3"/>
+      <a:schemeClr val="accent4"/>
+      <a:schemeClr val="accent5"/>
+      <a:schemeClr val="accent6"/>
+    </dgm:linClrLst>
+    <dgm:effectClrLst/>
+    <dgm:txLinClrLst/>
+    <dgm:txFillClrLst meth="repeat">
+      <a:schemeClr val="dk1"/>
+    </dgm:txFillClrLst>
+    <dgm:txEffectClrLst/>
+  </dgm:styleLbl>
+  <dgm:styleLbl name="solidAlignAcc1">
+    <dgm:fillClrLst meth="repeat">
+      <a:schemeClr val="lt1"/>
+    </dgm:fillClrLst>
+    <dgm:linClrLst meth="repeat">
+      <a:schemeClr val="accent2"/>
+      <a:schemeClr val="accent3"/>
+      <a:schemeClr val="accent4"/>
+      <a:schemeClr val="accent5"/>
+      <a:schemeClr val="accent6"/>
+    </dgm:linClrLst>
+    <dgm:effectClrLst/>
+    <dgm:txLinClrLst/>
+    <dgm:txFillClrLst meth="repeat">
+      <a:schemeClr val="dk1"/>
+    </dgm:txFillClrLst>
+    <dgm:txEffectClrLst/>
+  </dgm:styleLbl>
+  <dgm:styleLbl name="solidBgAcc1">
+    <dgm:fillClrLst meth="repeat">
+      <a:schemeClr val="lt1"/>
+    </dgm:fillClrLst>
+    <dgm:linClrLst meth="repeat">
+      <a:schemeClr val="accent2"/>
+      <a:schemeClr val="accent3"/>
+      <a:schemeClr val="accent4"/>
+      <a:schemeClr val="accent5"/>
+      <a:schemeClr val="accent6"/>
+    </dgm:linClrLst>
+    <dgm:effectClrLst/>
+    <dgm:txLinClrLst/>
+    <dgm:txFillClrLst meth="repeat">
+      <a:schemeClr val="dk1"/>
+    </dgm:txFillClrLst>
+    <dgm:txEffectClrLst/>
+  </dgm:styleLbl>
+  <dgm:styleLbl name="fgAccFollowNode1">
+    <dgm:fillClrLst meth="repeat">
+      <a:schemeClr val="accent2">
+        <a:tint val="40000"/>
+        <a:alpha val="90000"/>
+      </a:schemeClr>
+      <a:schemeClr val="accent3">
+        <a:tint val="40000"/>
+        <a:alpha val="90000"/>
+      </a:schemeClr>
+      <a:schemeClr val="accent4">
+        <a:tint val="40000"/>
+        <a:alpha val="90000"/>
+      </a:schemeClr>
+      <a:schemeClr val="accent5">
+        <a:tint val="40000"/>
+        <a:alpha val="90000"/>
+      </a:schemeClr>
+      <a:schemeClr val="accent6">
+        <a:tint val="40000"/>
+        <a:alpha val="90000"/>
+      </a:schemeClr>
+    </dgm:fillClrLst>
+    <dgm:linClrLst meth="repeat">
+      <a:schemeClr val="accent2">
+        <a:tint val="40000"/>
+        <a:alpha val="90000"/>
+      </a:schemeClr>
+      <a:schemeClr val="accent3">
+        <a:tint val="40000"/>
+        <a:alpha val="90000"/>
+      </a:schemeClr>
+      <a:schemeClr val="accent4">
+        <a:tint val="40000"/>
+        <a:alpha val="90000"/>
+      </a:schemeClr>
+      <a:schemeClr val="accent5">
+        <a:tint val="40000"/>
+        <a:alpha val="90000"/>
+      </a:schemeClr>
+      <a:schemeClr val="accent6">
+        <a:tint val="40000"/>
+        <a:alpha val="90000"/>
+      </a:schemeClr>
+    </dgm:linClrLst>
+    <dgm:effectClrLst/>
+    <dgm:txLinClrLst/>
+    <dgm:txFillClrLst meth="repeat">
+      <a:schemeClr val="dk1"/>
+    </dgm:txFillClrLst>
+    <dgm:txEffectClrLst/>
+  </dgm:styleLbl>
+  <dgm:styleLbl name="alignAccFollowNode1">
+    <dgm:fillClrLst meth="repeat">
+      <a:schemeClr val="accent2">
+        <a:tint val="40000"/>
+        <a:alpha val="90000"/>
+      </a:schemeClr>
+      <a:schemeClr val="accent3">
+        <a:tint val="40000"/>
+        <a:alpha val="90000"/>
+      </a:schemeClr>
+      <a:schemeClr val="accent4">
+        <a:tint val="40000"/>
+        <a:alpha val="90000"/>
+      </a:schemeClr>
+      <a:schemeClr val="accent5">
+        <a:tint val="40000"/>
+        <a:alpha val="90000"/>
+      </a:schemeClr>
+      <a:schemeClr val="accent6">
+        <a:tint val="40000"/>
+        <a:alpha val="90000"/>
+      </a:schemeClr>
+    </dgm:fillClrLst>
+    <dgm:linClrLst meth="repeat">
+      <a:schemeClr val="accent2">
+        <a:tint val="40000"/>
+        <a:alpha val="90000"/>
+      </a:schemeClr>
+      <a:schemeClr val="accent3">
+        <a:tint val="40000"/>
+        <a:alpha val="90000"/>
+      </a:schemeClr>
+      <a:schemeClr val="accent4">
+        <a:tint val="40000"/>
+        <a:alpha val="90000"/>
+      </a:schemeClr>
+      <a:schemeClr val="accent5">
+        <a:tint val="40000"/>
+        <a:alpha val="90000"/>
+      </a:schemeClr>
+      <a:schemeClr val="accent6">
+        <a:tint val="40000"/>
+        <a:alpha val="90000"/>
+      </a:schemeClr>
+    </dgm:linClrLst>
+    <dgm:effectClrLst/>
+    <dgm:txLinClrLst/>
+    <dgm:txFillClrLst meth="repeat">
+      <a:schemeClr val="dk1"/>
+    </dgm:txFillClrLst>
+    <dgm:txEffectClrLst/>
+  </dgm:styleLbl>
+  <dgm:styleLbl name="bgAccFollowNode1">
+    <dgm:fillClrLst meth="repeat">
+      <a:schemeClr val="accent2">
+        <a:tint val="40000"/>
+        <a:alpha val="90000"/>
+      </a:schemeClr>
+      <a:schemeClr val="accent3">
+        <a:tint val="40000"/>
+        <a:alpha val="90000"/>
+      </a:schemeClr>
+      <a:schemeClr val="accent4">
+        <a:tint val="40000"/>
+        <a:alpha val="90000"/>
+      </a:schemeClr>
+      <a:schemeClr val="accent5">
+        <a:tint val="40000"/>
+        <a:alpha val="90000"/>
+      </a:schemeClr>
+      <a:schemeClr val="accent6">
+        <a:tint val="40000"/>
+        <a:alpha val="90000"/>
+      </a:schemeClr>
+    </dgm:fillClrLst>
+    <dgm:linClrLst meth="repeat">
+      <a:schemeClr val="accent2">
+        <a:tint val="40000"/>
+        <a:alpha val="90000"/>
+      </a:schemeClr>
+      <a:schemeClr val="accent3">
+        <a:tint val="40000"/>
+        <a:alpha val="90000"/>
+      </a:schemeClr>
+      <a:schemeClr val="accent4">
+        <a:tint val="40000"/>
+        <a:alpha val="90000"/>
+      </a:schemeClr>
+      <a:schemeClr val="accent5">
+        <a:tint val="40000"/>
+        <a:alpha val="90000"/>
+      </a:schemeClr>
+      <a:schemeClr val="accent6">
+        <a:tint val="40000"/>
+        <a:alpha val="90000"/>
+      </a:schemeClr>
+    </dgm:linClrLst>
+    <dgm:effectClrLst/>
+    <dgm:txLinClrLst/>
+    <dgm:txFillClrLst meth="repeat">
+      <a:schemeClr val="dk1"/>
+    </dgm:txFillClrLst>
+    <dgm:txEffectClrLst/>
+  </dgm:styleLbl>
+  <dgm:styleLbl name="fgAcc0">
+    <dgm:fillClrLst meth="repeat">
+      <a:schemeClr val="lt1">
+        <a:alpha val="90000"/>
+      </a:schemeClr>
+    </dgm:fillClrLst>
+    <dgm:linClrLst>
+      <a:schemeClr val="accent1"/>
+    </dgm:linClrLst>
+    <dgm:effectClrLst/>
+    <dgm:txLinClrLst/>
+    <dgm:txFillClrLst meth="repeat">
+      <a:schemeClr val="dk1"/>
+    </dgm:txFillClrLst>
+    <dgm:txEffectClrLst/>
+  </dgm:styleLbl>
+  <dgm:styleLbl name="fgAcc2">
+    <dgm:fillClrLst meth="repeat">
+      <a:schemeClr val="lt1">
+        <a:alpha val="90000"/>
+      </a:schemeClr>
+    </dgm:fillClrLst>
+    <dgm:linClrLst>
+      <a:schemeClr val="accent2"/>
+    </dgm:linClrLst>
+    <dgm:effectClrLst/>
+    <dgm:txLinClrLst/>
+    <dgm:txFillClrLst meth="repeat">
+      <a:schemeClr val="dk1"/>
+    </dgm:txFillClrLst>
+    <dgm:txEffectClrLst/>
+  </dgm:styleLbl>
+  <dgm:styleLbl name="fgAcc3">
+    <dgm:fillClrLst meth="repeat">
+      <a:schemeClr val="lt1">
+        <a:alpha val="90000"/>
+      </a:schemeClr>
+    </dgm:fillClrLst>
+    <dgm:linClrLst>
+      <a:schemeClr val="accent3"/>
+    </dgm:linClrLst>
+    <dgm:effectClrLst/>
+    <dgm:txLinClrLst/>
+    <dgm:txFillClrLst meth="repeat">
+      <a:schemeClr val="dk1"/>
+    </dgm:txFillClrLst>
+    <dgm:txEffectClrLst/>
+  </dgm:styleLbl>
+  <dgm:styleLbl name="fgAcc4">
+    <dgm:fillClrLst meth="repeat">
+      <a:schemeClr val="lt1">
+        <a:alpha val="90000"/>
+      </a:schemeClr>
+    </dgm:fillClrLst>
+    <dgm:linClrLst>
+      <a:schemeClr val="accent4"/>
+    </dgm:linClrLst>
+    <dgm:effectClrLst/>
+    <dgm:txLinClrLst/>
+    <dgm:txFillClrLst meth="repeat">
+      <a:schemeClr val="dk1"/>
+    </dgm:txFillClrLst>
+    <dgm:txEffectClrLst/>
+  </dgm:styleLbl>
+  <dgm:styleLbl name="bgShp">
+    <dgm:fillClrLst meth="repeat">
+      <a:schemeClr val="accent2">
+        <a:tint val="40000"/>
+      </a:schemeClr>
+    </dgm:fillClrLst>
+    <dgm:linClrLst meth="repeat">
+      <a:schemeClr val="dk1"/>
+    </dgm:linClrLst>
+    <dgm:effectClrLst/>
+    <dgm:txLinClrLst/>
+    <dgm:txFillClrLst meth="repeat">
+      <a:schemeClr val="dk1"/>
+    </dgm:txFillClrLst>
+    <dgm:txEffectClrLst/>
+  </dgm:styleLbl>
+  <dgm:styleLbl name="dkBgShp">
+    <dgm:fillClrLst meth="repeat">
+      <a:schemeClr val="accent2">
+        <a:shade val="90000"/>
+      </a:schemeClr>
+    </dgm:fillClrLst>
+    <dgm:linClrLst meth="repeat">
+      <a:schemeClr val="dk1"/>
+    </dgm:linClrLst>
+    <dgm:effectClrLst/>
+    <dgm:txLinClrLst/>
+    <dgm:txFillClrLst meth="repeat">
+      <a:schemeClr val="lt1"/>
+    </dgm:txFillClrLst>
+    <dgm:txEffectClrLst/>
+  </dgm:styleLbl>
+  <dgm:styleLbl name="trBgShp">
+    <dgm:fillClrLst meth="repeat">
+      <a:schemeClr val="accent1">
+        <a:tint val="50000"/>
+        <a:alpha val="40000"/>
+      </a:schemeClr>
+    </dgm:fillClrLst>
+    <dgm:linClrLst meth="repeat">
+      <a:schemeClr val="accent2"/>
+    </dgm:linClrLst>
+    <dgm:effectClrLst/>
+    <dgm:txLinClrLst/>
+    <dgm:txFillClrLst meth="repeat">
+      <a:schemeClr val="lt1"/>
+    </dgm:txFillClrLst>
+    <dgm:txEffectClrLst/>
+  </dgm:styleLbl>
+  <dgm:styleLbl name="fgShp">
+    <dgm:fillClrLst meth="repeat">
+      <a:schemeClr val="accent2">
+        <a:tint val="40000"/>
+      </a:schemeClr>
+    </dgm:fillClrLst>
+    <dgm:linClrLst meth="repeat">
+      <a:schemeClr val="lt1"/>
+    </dgm:linClrLst>
+    <dgm:effectClrLst/>
+    <dgm:txLinClrLst/>
+    <dgm:txFillClrLst meth="repeat">
+      <a:schemeClr val="dk1"/>
+    </dgm:txFillClrLst>
+    <dgm:txEffectClrLst/>
+  </dgm:styleLbl>
+  <dgm:styleLbl name="revTx">
+    <dgm:fillClrLst meth="repeat">
+      <a:schemeClr val="lt1">
+        <a:alpha val="0"/>
+      </a:schemeClr>
+    </dgm:fillClrLst>
+    <dgm:linClrLst meth="repeat">
+      <a:schemeClr val="dk1">
+        <a:alpha val="0"/>
+      </a:schemeClr>
+    </dgm:linClrLst>
+    <dgm:effectClrLst/>
+    <dgm:txLinClrLst/>
+    <dgm:txFillClrLst meth="repeat">
+      <a:schemeClr val="tx1"/>
+    </dgm:txFillClrLst>
+    <dgm:txEffectClrLst/>
+  </dgm:styleLbl>
+</dgm:colorsDef>
+</file>
+
+<file path=ppt/diagrams/colors8.xml><?xml version="1.0" encoding="utf-8"?>
 <dgm:colorsDef xmlns:dgm="http://schemas.openxmlformats.org/drawingml/2006/diagram" xmlns:a="http://schemas.openxmlformats.org/drawingml/2006/main" uniqueId="urn:microsoft.com/office/officeart/2005/8/colors/accent1_2">
   <dgm:title val=""/>
   <dgm:desc val=""/>
@@ -6653,6 +7585,46 @@
 <file path=ppt/diagrams/data7.xml><?xml version="1.0" encoding="utf-8"?>
 <dgm:dataModel xmlns:dgm="http://schemas.openxmlformats.org/drawingml/2006/diagram" xmlns:a="http://schemas.openxmlformats.org/drawingml/2006/main">
   <dgm:ptLst>
+    <dgm:pt modelId="{8EAEE222-E075-45D4-9F95-CA98EACB8290}" type="doc">
+      <dgm:prSet loTypeId="urn:microsoft.com/office/officeart/2005/8/layout/hierarchy1" loCatId="hierarchy" qsTypeId="urn:microsoft.com/office/officeart/2005/8/quickstyle/simple2" qsCatId="simple" csTypeId="urn:microsoft.com/office/officeart/2005/8/colors/colorful1" csCatId="colorful" phldr="1"/>
+      <dgm:spPr/>
+      <dgm:t>
+        <a:bodyPr/>
+        <a:lstStyle/>
+        <a:p>
+          <a:endParaRPr lang="en-US"/>
+        </a:p>
+      </dgm:t>
+    </dgm:pt>
+    <dgm:pt modelId="{5D8A44D8-7B49-4F27-A2C5-17E8F74C0761}" type="pres">
+      <dgm:prSet presAssocID="{8EAEE222-E075-45D4-9F95-CA98EACB8290}" presName="hierChild1" presStyleCnt="0">
+        <dgm:presLayoutVars>
+          <dgm:chPref val="1"/>
+          <dgm:dir/>
+          <dgm:animOne val="branch"/>
+          <dgm:animLvl val="lvl"/>
+          <dgm:resizeHandles/>
+        </dgm:presLayoutVars>
+      </dgm:prSet>
+      <dgm:spPr/>
+    </dgm:pt>
+  </dgm:ptLst>
+  <dgm:cxnLst>
+    <dgm:cxn modelId="{8DC4E43A-2E1D-47A1-86C6-1054F282FC9D}" type="presOf" srcId="{8EAEE222-E075-45D4-9F95-CA98EACB8290}" destId="{5D8A44D8-7B49-4F27-A2C5-17E8F74C0761}" srcOrd="0" destOrd="0" presId="urn:microsoft.com/office/officeart/2005/8/layout/hierarchy1"/>
+  </dgm:cxnLst>
+  <dgm:bg/>
+  <dgm:whole/>
+  <dgm:extLst>
+    <a:ext uri="http://schemas.microsoft.com/office/drawing/2008/diagram">
+      <dsp:dataModelExt xmlns:dsp="http://schemas.microsoft.com/office/drawing/2008/diagram" relId="rId6" minVer="http://schemas.openxmlformats.org/drawingml/2006/diagram"/>
+    </a:ext>
+  </dgm:extLst>
+</dgm:dataModel>
+</file>
+
+<file path=ppt/diagrams/data8.xml><?xml version="1.0" encoding="utf-8"?>
+<dgm:dataModel xmlns:dgm="http://schemas.openxmlformats.org/drawingml/2006/diagram" xmlns:a="http://schemas.openxmlformats.org/drawingml/2006/main">
+  <dgm:ptLst>
     <dgm:pt modelId="{C0F9356F-6A3C-4C00-BFFE-3DB121466A33}" type="doc">
       <dgm:prSet loTypeId="urn:microsoft.com/office/officeart/2018/2/layout/IconCircleList" loCatId="icon" qsTypeId="urn:microsoft.com/office/officeart/2005/8/quickstyle/simple1" qsCatId="simple" csTypeId="urn:microsoft.com/office/officeart/2005/8/colors/accent1_2" csCatId="accent1" phldr="1"/>
       <dgm:spPr/>
@@ -6677,9 +7649,10 @@
             </a:lnSpc>
           </a:pPr>
           <a:r>
-            <a:rPr lang="en-US" dirty="0"/>
+            <a:rPr lang="en-US"/>
             <a:t>Stay and Keep Safe</a:t>
           </a:r>
+          <a:endParaRPr lang="en-US" dirty="0"/>
         </a:p>
       </dgm:t>
     </dgm:pt>
@@ -6738,10 +7711,6 @@
               <a:spcPct val="100000"/>
             </a:lnSpc>
           </a:pPr>
-          <a:r>
-            <a:rPr lang="en-US" dirty="0"/>
-            <a:t> </a:t>
-          </a:r>
           <a:r>
             <a:rPr lang="en-US" dirty="0">
               <a:hlinkClick xmlns:r="http://schemas.openxmlformats.org/officeDocument/2006/relationships" r:id="rId1"/>
@@ -6907,24 +7876,24 @@
     </dgm:pt>
   </dgm:ptLst>
   <dgm:cxnLst>
-    <dgm:cxn modelId="{70E5FF0D-C9DB-41C6-AC82-707C142C4BEF}" type="presOf" srcId="{C0F9356F-6A3C-4C00-BFFE-3DB121466A33}" destId="{6AC0826A-3601-40BD-93D0-E8668BCE1FF1}" srcOrd="0" destOrd="0" presId="urn:microsoft.com/office/officeart/2018/2/layout/IconCircleList"/>
-    <dgm:cxn modelId="{4157385A-F6B8-46A1-A1DC-CADC73D606E7}" type="presOf" srcId="{7BC89DC2-2AE7-4D4C-B26C-1C81825421B6}" destId="{ECA5989B-F06B-4EA7-8465-6F9DE0BD451B}" srcOrd="0" destOrd="0" presId="urn:microsoft.com/office/officeart/2018/2/layout/IconCircleList"/>
-    <dgm:cxn modelId="{0DB42885-8860-4F01-8D2B-B6AE57590E61}" type="presOf" srcId="{D10342B7-CC39-4E3E-A144-85F34911204A}" destId="{027CAF69-E3D5-48A7-942B-FFCB16421403}" srcOrd="0" destOrd="0" presId="urn:microsoft.com/office/officeart/2018/2/layout/IconCircleList"/>
-    <dgm:cxn modelId="{53D8AB8F-0249-45A2-BA1E-EBF156C8A840}" type="presOf" srcId="{191CB871-A85E-469B-9656-CB7970A5EFBA}" destId="{F0633604-DD61-4F08-BD48-13EECC9980C0}" srcOrd="0" destOrd="0" presId="urn:microsoft.com/office/officeart/2018/2/layout/IconCircleList"/>
+    <dgm:cxn modelId="{1A71776C-8004-4E69-B6C1-201361E22AAB}" type="presOf" srcId="{191CB871-A85E-469B-9656-CB7970A5EFBA}" destId="{F0633604-DD61-4F08-BD48-13EECC9980C0}" srcOrd="0" destOrd="0" presId="urn:microsoft.com/office/officeart/2018/2/layout/IconCircleList"/>
+    <dgm:cxn modelId="{E7C59550-A9FE-4EEF-8E4C-1C984BD87F5A}" type="presOf" srcId="{C0F9356F-6A3C-4C00-BFFE-3DB121466A33}" destId="{6AC0826A-3601-40BD-93D0-E8668BCE1FF1}" srcOrd="0" destOrd="0" presId="urn:microsoft.com/office/officeart/2018/2/layout/IconCircleList"/>
+    <dgm:cxn modelId="{88487D9C-0D4A-4CBB-A0AA-24C047F688AC}" type="presOf" srcId="{D10342B7-CC39-4E3E-A144-85F34911204A}" destId="{027CAF69-E3D5-48A7-942B-FFCB16421403}" srcOrd="0" destOrd="0" presId="urn:microsoft.com/office/officeart/2018/2/layout/IconCircleList"/>
     <dgm:cxn modelId="{EAAFB09D-4F5D-4EBB-A403-02ED539FA6B3}" srcId="{C0F9356F-6A3C-4C00-BFFE-3DB121466A33}" destId="{7BC89DC2-2AE7-4D4C-B26C-1C81825421B6}" srcOrd="1" destOrd="0" parTransId="{0DF0E984-682E-490F-AEAC-E83B71415AFF}" sibTransId="{6208A6F9-D475-4ADD-A96D-7EE95BA6E11A}"/>
+    <dgm:cxn modelId="{09045AE4-C40A-4539-85D0-2E136129A96A}" type="presOf" srcId="{7BC89DC2-2AE7-4D4C-B26C-1C81825421B6}" destId="{ECA5989B-F06B-4EA7-8465-6F9DE0BD451B}" srcOrd="0" destOrd="0" presId="urn:microsoft.com/office/officeart/2018/2/layout/IconCircleList"/>
     <dgm:cxn modelId="{33AF54E7-6599-4987-AF12-86FC336B8E4B}" srcId="{C0F9356F-6A3C-4C00-BFFE-3DB121466A33}" destId="{D10342B7-CC39-4E3E-A144-85F34911204A}" srcOrd="0" destOrd="0" parTransId="{5418B0D6-4BA3-46AD-A7CE-5C1717B89F85}" sibTransId="{191CB871-A85E-469B-9656-CB7970A5EFBA}"/>
-    <dgm:cxn modelId="{409A11DF-743D-4FB8-92EC-D99CB893AAC8}" type="presParOf" srcId="{6AC0826A-3601-40BD-93D0-E8668BCE1FF1}" destId="{B71E88B6-569D-45A2-8C93-C51C877C92DC}" srcOrd="0" destOrd="0" presId="urn:microsoft.com/office/officeart/2018/2/layout/IconCircleList"/>
-    <dgm:cxn modelId="{94B3609C-29B2-476A-A063-680A81493C87}" type="presParOf" srcId="{B71E88B6-569D-45A2-8C93-C51C877C92DC}" destId="{5596DD9E-A77F-40B3-8708-A83472B1683C}" srcOrd="0" destOrd="0" presId="urn:microsoft.com/office/officeart/2018/2/layout/IconCircleList"/>
-    <dgm:cxn modelId="{FEC0EC1D-4B04-4C5E-9879-1402E9FD7845}" type="presParOf" srcId="{5596DD9E-A77F-40B3-8708-A83472B1683C}" destId="{08CDCBAF-FFBB-45EA-85F8-86B84B7ED79F}" srcOrd="0" destOrd="0" presId="urn:microsoft.com/office/officeart/2018/2/layout/IconCircleList"/>
-    <dgm:cxn modelId="{0DD66623-55D2-475C-A42F-B5BF46716DFA}" type="presParOf" srcId="{5596DD9E-A77F-40B3-8708-A83472B1683C}" destId="{ED7B3F95-FC7B-4E82-AC62-8965E68E96B3}" srcOrd="1" destOrd="0" presId="urn:microsoft.com/office/officeart/2018/2/layout/IconCircleList"/>
-    <dgm:cxn modelId="{23F606CD-0D69-4F85-8318-EB8599489AAD}" type="presParOf" srcId="{5596DD9E-A77F-40B3-8708-A83472B1683C}" destId="{EBF60996-4FB2-4CB2-AB7C-56D5B7F480AC}" srcOrd="2" destOrd="0" presId="urn:microsoft.com/office/officeart/2018/2/layout/IconCircleList"/>
-    <dgm:cxn modelId="{79C3E3CA-A52D-4643-A50E-DFD819D366F4}" type="presParOf" srcId="{5596DD9E-A77F-40B3-8708-A83472B1683C}" destId="{027CAF69-E3D5-48A7-942B-FFCB16421403}" srcOrd="3" destOrd="0" presId="urn:microsoft.com/office/officeart/2018/2/layout/IconCircleList"/>
-    <dgm:cxn modelId="{A1BA346B-D29E-4375-BA6F-20077EEFD66E}" type="presParOf" srcId="{B71E88B6-569D-45A2-8C93-C51C877C92DC}" destId="{F0633604-DD61-4F08-BD48-13EECC9980C0}" srcOrd="1" destOrd="0" presId="urn:microsoft.com/office/officeart/2018/2/layout/IconCircleList"/>
-    <dgm:cxn modelId="{C7526A48-BDA6-4794-ADD5-D2503769BB47}" type="presParOf" srcId="{B71E88B6-569D-45A2-8C93-C51C877C92DC}" destId="{E9D71ADB-0E13-4921-B40A-4EE65BBBD1CC}" srcOrd="2" destOrd="0" presId="urn:microsoft.com/office/officeart/2018/2/layout/IconCircleList"/>
-    <dgm:cxn modelId="{05DEDA2B-2AAA-4FEC-868C-7FAB21780E21}" type="presParOf" srcId="{E9D71ADB-0E13-4921-B40A-4EE65BBBD1CC}" destId="{D8AEF5DD-1CA2-49BC-B948-24CE1623C3FF}" srcOrd="0" destOrd="0" presId="urn:microsoft.com/office/officeart/2018/2/layout/IconCircleList"/>
-    <dgm:cxn modelId="{AD716084-DE1E-485E-8AF3-5692F765BD8E}" type="presParOf" srcId="{E9D71ADB-0E13-4921-B40A-4EE65BBBD1CC}" destId="{6E619DFA-F5D2-477B-B189-E21A53E13B1C}" srcOrd="1" destOrd="0" presId="urn:microsoft.com/office/officeart/2018/2/layout/IconCircleList"/>
-    <dgm:cxn modelId="{76671467-D89C-4A6A-8AF2-FEA47BD86429}" type="presParOf" srcId="{E9D71ADB-0E13-4921-B40A-4EE65BBBD1CC}" destId="{5A2BE850-53AF-472B-BFBF-6E57B1E1132A}" srcOrd="2" destOrd="0" presId="urn:microsoft.com/office/officeart/2018/2/layout/IconCircleList"/>
-    <dgm:cxn modelId="{E4F0734F-2909-46AC-AE7E-CA1A5031FDDC}" type="presParOf" srcId="{E9D71ADB-0E13-4921-B40A-4EE65BBBD1CC}" destId="{ECA5989B-F06B-4EA7-8465-6F9DE0BD451B}" srcOrd="3" destOrd="0" presId="urn:microsoft.com/office/officeart/2018/2/layout/IconCircleList"/>
+    <dgm:cxn modelId="{9A9262A1-B547-41B9-8FC9-5CDE2B18CB6D}" type="presParOf" srcId="{6AC0826A-3601-40BD-93D0-E8668BCE1FF1}" destId="{B71E88B6-569D-45A2-8C93-C51C877C92DC}" srcOrd="0" destOrd="0" presId="urn:microsoft.com/office/officeart/2018/2/layout/IconCircleList"/>
+    <dgm:cxn modelId="{C5B00A59-BE8E-4C3B-985D-D246FE3D16CE}" type="presParOf" srcId="{B71E88B6-569D-45A2-8C93-C51C877C92DC}" destId="{5596DD9E-A77F-40B3-8708-A83472B1683C}" srcOrd="0" destOrd="0" presId="urn:microsoft.com/office/officeart/2018/2/layout/IconCircleList"/>
+    <dgm:cxn modelId="{B363684F-D954-4A5C-9D7D-A9267F0F1820}" type="presParOf" srcId="{5596DD9E-A77F-40B3-8708-A83472B1683C}" destId="{08CDCBAF-FFBB-45EA-85F8-86B84B7ED79F}" srcOrd="0" destOrd="0" presId="urn:microsoft.com/office/officeart/2018/2/layout/IconCircleList"/>
+    <dgm:cxn modelId="{8EF7B7C7-A26B-4183-A5EC-99C53C4E168B}" type="presParOf" srcId="{5596DD9E-A77F-40B3-8708-A83472B1683C}" destId="{ED7B3F95-FC7B-4E82-AC62-8965E68E96B3}" srcOrd="1" destOrd="0" presId="urn:microsoft.com/office/officeart/2018/2/layout/IconCircleList"/>
+    <dgm:cxn modelId="{D5414DBB-ABCD-4E0D-9BA4-FD05E70BA34D}" type="presParOf" srcId="{5596DD9E-A77F-40B3-8708-A83472B1683C}" destId="{EBF60996-4FB2-4CB2-AB7C-56D5B7F480AC}" srcOrd="2" destOrd="0" presId="urn:microsoft.com/office/officeart/2018/2/layout/IconCircleList"/>
+    <dgm:cxn modelId="{A6CDCA79-B8A6-4B75-BDAC-8628CB2E498E}" type="presParOf" srcId="{5596DD9E-A77F-40B3-8708-A83472B1683C}" destId="{027CAF69-E3D5-48A7-942B-FFCB16421403}" srcOrd="3" destOrd="0" presId="urn:microsoft.com/office/officeart/2018/2/layout/IconCircleList"/>
+    <dgm:cxn modelId="{FFEBAFEB-39D9-425B-82D6-18BECAA79FF8}" type="presParOf" srcId="{B71E88B6-569D-45A2-8C93-C51C877C92DC}" destId="{F0633604-DD61-4F08-BD48-13EECC9980C0}" srcOrd="1" destOrd="0" presId="urn:microsoft.com/office/officeart/2018/2/layout/IconCircleList"/>
+    <dgm:cxn modelId="{BB5225ED-1741-4157-A0BE-73462A3E9C72}" type="presParOf" srcId="{B71E88B6-569D-45A2-8C93-C51C877C92DC}" destId="{E9D71ADB-0E13-4921-B40A-4EE65BBBD1CC}" srcOrd="2" destOrd="0" presId="urn:microsoft.com/office/officeart/2018/2/layout/IconCircleList"/>
+    <dgm:cxn modelId="{0DF5358B-6474-4742-B3F6-BDC34326FAF6}" type="presParOf" srcId="{E9D71ADB-0E13-4921-B40A-4EE65BBBD1CC}" destId="{D8AEF5DD-1CA2-49BC-B948-24CE1623C3FF}" srcOrd="0" destOrd="0" presId="urn:microsoft.com/office/officeart/2018/2/layout/IconCircleList"/>
+    <dgm:cxn modelId="{9FFB30F1-0311-49A1-81A7-50738F1A824B}" type="presParOf" srcId="{E9D71ADB-0E13-4921-B40A-4EE65BBBD1CC}" destId="{6E619DFA-F5D2-477B-B189-E21A53E13B1C}" srcOrd="1" destOrd="0" presId="urn:microsoft.com/office/officeart/2018/2/layout/IconCircleList"/>
+    <dgm:cxn modelId="{E32618C3-6AF4-4539-947B-294A72FD1724}" type="presParOf" srcId="{E9D71ADB-0E13-4921-B40A-4EE65BBBD1CC}" destId="{5A2BE850-53AF-472B-BFBF-6E57B1E1132A}" srcOrd="2" destOrd="0" presId="urn:microsoft.com/office/officeart/2018/2/layout/IconCircleList"/>
+    <dgm:cxn modelId="{67712B50-7994-4427-81CB-48049372D198}" type="presParOf" srcId="{E9D71ADB-0E13-4921-B40A-4EE65BBBD1CC}" destId="{ECA5989B-F06B-4EA7-8465-6F9DE0BD451B}" srcOrd="3" destOrd="0" presId="urn:microsoft.com/office/officeart/2018/2/layout/IconCircleList"/>
   </dgm:cxnLst>
   <dgm:bg/>
   <dgm:whole/>
@@ -7009,6 +7978,18 @@
 </file>
 
 <file path=ppt/diagrams/drawing7.xml><?xml version="1.0" encoding="utf-8"?>
+<dsp:drawing xmlns:dgm="http://schemas.openxmlformats.org/drawingml/2006/diagram" xmlns:dsp="http://schemas.microsoft.com/office/drawing/2008/diagram" xmlns:a="http://schemas.openxmlformats.org/drawingml/2006/main">
+  <dsp:spTree>
+    <dsp:nvGrpSpPr>
+      <dsp:cNvPr id="0" name=""/>
+      <dsp:cNvGrpSpPr/>
+    </dsp:nvGrpSpPr>
+    <dsp:grpSpPr/>
+  </dsp:spTree>
+</dsp:drawing>
+</file>
+
+<file path=ppt/diagrams/drawing8.xml><?xml version="1.0" encoding="utf-8"?>
 <dsp:drawing xmlns:dgm="http://schemas.openxmlformats.org/drawingml/2006/diagram" xmlns:dsp="http://schemas.microsoft.com/office/drawing/2008/diagram" xmlns:a="http://schemas.openxmlformats.org/drawingml/2006/main">
   <dsp:spTree>
     <dsp:nvGrpSpPr>
@@ -7162,9 +8143,10 @@
             <a:buNone/>
           </a:pPr>
           <a:r>
-            <a:rPr lang="en-US" sz="1400" kern="1200" dirty="0"/>
+            <a:rPr lang="en-US" sz="1400" kern="1200"/>
             <a:t>Stay and Keep Safe</a:t>
           </a:r>
+          <a:endParaRPr lang="en-US" sz="1400" kern="1200" dirty="0"/>
         </a:p>
       </dsp:txBody>
       <dsp:txXfrm>
@@ -7340,10 +8322,6 @@
             </a:spcAft>
             <a:buNone/>
           </a:pPr>
-          <a:r>
-            <a:rPr lang="en-US" sz="1400" kern="1200" dirty="0"/>
-            <a:t> </a:t>
-          </a:r>
           <a:r>
             <a:rPr lang="en-US" sz="1400" kern="1200" dirty="0">
               <a:hlinkClick xmlns:r="http://schemas.openxmlformats.org/officeDocument/2006/relationships" r:id="rId5"/>
@@ -10765,6 +11743,569 @@
 </file>
 
 <file path=ppt/diagrams/layout7.xml><?xml version="1.0" encoding="utf-8"?>
+<dgm:layoutDef xmlns:dgm="http://schemas.openxmlformats.org/drawingml/2006/diagram" xmlns:a="http://schemas.openxmlformats.org/drawingml/2006/main" uniqueId="urn:microsoft.com/office/officeart/2005/8/layout/hierarchy1">
+  <dgm:title val=""/>
+  <dgm:desc val=""/>
+  <dgm:catLst>
+    <dgm:cat type="hierarchy" pri="2000"/>
+  </dgm:catLst>
+  <dgm:sampData>
+    <dgm:dataModel>
+      <dgm:ptLst>
+        <dgm:pt modelId="0" type="doc"/>
+        <dgm:pt modelId="1">
+          <dgm:prSet phldr="1"/>
+        </dgm:pt>
+        <dgm:pt modelId="2">
+          <dgm:prSet phldr="1"/>
+        </dgm:pt>
+        <dgm:pt modelId="21">
+          <dgm:prSet phldr="1"/>
+        </dgm:pt>
+        <dgm:pt modelId="22">
+          <dgm:prSet phldr="1"/>
+        </dgm:pt>
+        <dgm:pt modelId="3">
+          <dgm:prSet phldr="1"/>
+        </dgm:pt>
+        <dgm:pt modelId="31">
+          <dgm:prSet phldr="1"/>
+        </dgm:pt>
+      </dgm:ptLst>
+      <dgm:cxnLst>
+        <dgm:cxn modelId="4" srcId="0" destId="1" srcOrd="0" destOrd="0"/>
+        <dgm:cxn modelId="5" srcId="1" destId="2" srcOrd="0" destOrd="0"/>
+        <dgm:cxn modelId="6" srcId="1" destId="3" srcOrd="1" destOrd="0"/>
+        <dgm:cxn modelId="23" srcId="2" destId="21" srcOrd="0" destOrd="0"/>
+        <dgm:cxn modelId="24" srcId="2" destId="22" srcOrd="1" destOrd="0"/>
+        <dgm:cxn modelId="33" srcId="3" destId="31" srcOrd="0" destOrd="0"/>
+      </dgm:cxnLst>
+      <dgm:bg/>
+      <dgm:whole/>
+    </dgm:dataModel>
+  </dgm:sampData>
+  <dgm:styleData>
+    <dgm:dataModel>
+      <dgm:ptLst>
+        <dgm:pt modelId="0" type="doc"/>
+        <dgm:pt modelId="1"/>
+        <dgm:pt modelId="11"/>
+        <dgm:pt modelId="12"/>
+      </dgm:ptLst>
+      <dgm:cxnLst>
+        <dgm:cxn modelId="2" srcId="0" destId="1" srcOrd="0" destOrd="0"/>
+        <dgm:cxn modelId="13" srcId="1" destId="11" srcOrd="0" destOrd="0"/>
+        <dgm:cxn modelId="14" srcId="1" destId="12" srcOrd="1" destOrd="0"/>
+      </dgm:cxnLst>
+      <dgm:bg/>
+      <dgm:whole/>
+    </dgm:dataModel>
+  </dgm:styleData>
+  <dgm:clrData>
+    <dgm:dataModel>
+      <dgm:ptLst>
+        <dgm:pt modelId="0" type="doc"/>
+        <dgm:pt modelId="1"/>
+        <dgm:pt modelId="2"/>
+        <dgm:pt modelId="21"/>
+        <dgm:pt modelId="211"/>
+        <dgm:pt modelId="3"/>
+        <dgm:pt modelId="31"/>
+        <dgm:pt modelId="311"/>
+      </dgm:ptLst>
+      <dgm:cxnLst>
+        <dgm:cxn modelId="4" srcId="0" destId="1" srcOrd="0" destOrd="0"/>
+        <dgm:cxn modelId="5" srcId="1" destId="2" srcOrd="0" destOrd="0"/>
+        <dgm:cxn modelId="6" srcId="1" destId="3" srcOrd="1" destOrd="0"/>
+        <dgm:cxn modelId="23" srcId="2" destId="21" srcOrd="0" destOrd="0"/>
+        <dgm:cxn modelId="24" srcId="21" destId="211" srcOrd="0" destOrd="0"/>
+        <dgm:cxn modelId="33" srcId="3" destId="31" srcOrd="0" destOrd="0"/>
+        <dgm:cxn modelId="34" srcId="31" destId="311" srcOrd="0" destOrd="0"/>
+      </dgm:cxnLst>
+      <dgm:bg/>
+      <dgm:whole/>
+    </dgm:dataModel>
+  </dgm:clrData>
+  <dgm:layoutNode name="hierChild1">
+    <dgm:varLst>
+      <dgm:chPref val="1"/>
+      <dgm:dir/>
+      <dgm:animOne val="branch"/>
+      <dgm:animLvl val="lvl"/>
+      <dgm:resizeHandles/>
+    </dgm:varLst>
+    <dgm:choose name="Name0">
+      <dgm:if name="Name1" func="var" arg="dir" op="equ" val="norm">
+        <dgm:alg type="hierChild">
+          <dgm:param type="linDir" val="fromL"/>
+        </dgm:alg>
+      </dgm:if>
+      <dgm:else name="Name2">
+        <dgm:alg type="hierChild">
+          <dgm:param type="linDir" val="fromR"/>
+        </dgm:alg>
+      </dgm:else>
+    </dgm:choose>
+    <dgm:shape xmlns:r="http://schemas.openxmlformats.org/officeDocument/2006/relationships" r:blip="">
+      <dgm:adjLst/>
+    </dgm:shape>
+    <dgm:presOf/>
+    <dgm:constrLst>
+      <dgm:constr type="primFontSz" for="des" ptType="node" op="equ" val="65"/>
+      <dgm:constr type="w" for="des" forName="composite" refType="w"/>
+      <dgm:constr type="h" for="des" forName="composite" refType="w" refFor="des" refForName="composite" fact="0.667"/>
+      <dgm:constr type="w" for="des" forName="composite2" refType="w" refFor="des" refForName="composite"/>
+      <dgm:constr type="h" for="des" forName="composite2" refType="h" refFor="des" refForName="composite"/>
+      <dgm:constr type="w" for="des" forName="composite3" refType="w" refFor="des" refForName="composite"/>
+      <dgm:constr type="h" for="des" forName="composite3" refType="h" refFor="des" refForName="composite"/>
+      <dgm:constr type="w" for="des" forName="composite4" refType="w" refFor="des" refForName="composite"/>
+      <dgm:constr type="h" for="des" forName="composite4" refType="h" refFor="des" refForName="composite"/>
+      <dgm:constr type="w" for="des" forName="composite5" refType="w" refFor="des" refForName="composite"/>
+      <dgm:constr type="h" for="des" forName="composite5" refType="h" refFor="des" refForName="composite"/>
+      <dgm:constr type="sibSp" refType="w" refFor="des" refForName="composite" fact="0.1"/>
+      <dgm:constr type="sibSp" for="des" forName="hierChild2" refType="sibSp"/>
+      <dgm:constr type="sibSp" for="des" forName="hierChild3" refType="sibSp"/>
+      <dgm:constr type="sibSp" for="des" forName="hierChild4" refType="sibSp"/>
+      <dgm:constr type="sibSp" for="des" forName="hierChild5" refType="sibSp"/>
+      <dgm:constr type="sibSp" for="des" forName="hierChild6" refType="sibSp"/>
+      <dgm:constr type="sp" for="des" forName="hierRoot1" refType="h" refFor="des" refForName="composite" fact="0.25"/>
+      <dgm:constr type="sp" for="des" forName="hierRoot2" refType="sp" refFor="des" refForName="hierRoot1"/>
+      <dgm:constr type="sp" for="des" forName="hierRoot3" refType="sp" refFor="des" refForName="hierRoot1"/>
+      <dgm:constr type="sp" for="des" forName="hierRoot4" refType="sp" refFor="des" refForName="hierRoot1"/>
+      <dgm:constr type="sp" for="des" forName="hierRoot5" refType="sp" refFor="des" refForName="hierRoot1"/>
+    </dgm:constrLst>
+    <dgm:ruleLst/>
+    <dgm:forEach name="Name3" axis="ch">
+      <dgm:forEach name="Name4" axis="self" ptType="node">
+        <dgm:layoutNode name="hierRoot1">
+          <dgm:alg type="hierRoot"/>
+          <dgm:shape xmlns:r="http://schemas.openxmlformats.org/officeDocument/2006/relationships" r:blip="">
+            <dgm:adjLst/>
+          </dgm:shape>
+          <dgm:presOf/>
+          <dgm:constrLst>
+            <dgm:constr type="bendDist" for="des" ptType="parTrans" refType="sp" fact="0.5"/>
+          </dgm:constrLst>
+          <dgm:ruleLst/>
+          <dgm:layoutNode name="composite">
+            <dgm:alg type="composite"/>
+            <dgm:shape xmlns:r="http://schemas.openxmlformats.org/officeDocument/2006/relationships" r:blip="">
+              <dgm:adjLst/>
+            </dgm:shape>
+            <dgm:presOf/>
+            <dgm:constrLst>
+              <dgm:constr type="w" for="ch" forName="background" refType="w" fact="0.9"/>
+              <dgm:constr type="h" for="ch" forName="background" refType="w" refFor="ch" refForName="background" fact="0.635"/>
+              <dgm:constr type="t" for="ch" forName="background"/>
+              <dgm:constr type="l" for="ch" forName="background"/>
+              <dgm:constr type="w" for="ch" forName="text" refType="w" fact="0.9"/>
+              <dgm:constr type="h" for="ch" forName="text" refType="w" refFor="ch" refForName="text" fact="0.635"/>
+              <dgm:constr type="t" for="ch" forName="text" refType="w" fact="0.095"/>
+              <dgm:constr type="l" for="ch" forName="text" refType="w" fact="0.1"/>
+            </dgm:constrLst>
+            <dgm:ruleLst/>
+            <dgm:layoutNode name="background" styleLbl="node0" moveWith="text">
+              <dgm:alg type="sp"/>
+              <dgm:shape xmlns:r="http://schemas.openxmlformats.org/officeDocument/2006/relationships" type="roundRect" r:blip="">
+                <dgm:adjLst>
+                  <dgm:adj idx="1" val="0.1"/>
+                </dgm:adjLst>
+              </dgm:shape>
+              <dgm:presOf/>
+              <dgm:constrLst/>
+              <dgm:ruleLst/>
+            </dgm:layoutNode>
+            <dgm:layoutNode name="text" styleLbl="fgAcc0">
+              <dgm:varLst>
+                <dgm:chPref val="3"/>
+              </dgm:varLst>
+              <dgm:alg type="tx"/>
+              <dgm:shape xmlns:r="http://schemas.openxmlformats.org/officeDocument/2006/relationships" type="roundRect" r:blip="">
+                <dgm:adjLst>
+                  <dgm:adj idx="1" val="0.1"/>
+                </dgm:adjLst>
+              </dgm:shape>
+              <dgm:presOf axis="self"/>
+              <dgm:constrLst>
+                <dgm:constr type="tMarg" refType="primFontSz" fact="0.3"/>
+                <dgm:constr type="bMarg" refType="primFontSz" fact="0.3"/>
+                <dgm:constr type="lMarg" refType="primFontSz" fact="0.3"/>
+                <dgm:constr type="rMarg" refType="primFontSz" fact="0.3"/>
+              </dgm:constrLst>
+              <dgm:ruleLst>
+                <dgm:rule type="primFontSz" val="5" fact="NaN" max="NaN"/>
+              </dgm:ruleLst>
+            </dgm:layoutNode>
+          </dgm:layoutNode>
+          <dgm:layoutNode name="hierChild2">
+            <dgm:choose name="Name5">
+              <dgm:if name="Name6" func="var" arg="dir" op="equ" val="norm">
+                <dgm:alg type="hierChild">
+                  <dgm:param type="linDir" val="fromL"/>
+                </dgm:alg>
+              </dgm:if>
+              <dgm:else name="Name7">
+                <dgm:alg type="hierChild">
+                  <dgm:param type="linDir" val="fromR"/>
+                </dgm:alg>
+              </dgm:else>
+            </dgm:choose>
+            <dgm:shape xmlns:r="http://schemas.openxmlformats.org/officeDocument/2006/relationships" r:blip="">
+              <dgm:adjLst/>
+            </dgm:shape>
+            <dgm:presOf/>
+            <dgm:constrLst/>
+            <dgm:ruleLst/>
+            <dgm:forEach name="Name8" axis="ch">
+              <dgm:forEach name="Name9" axis="self" ptType="parTrans" cnt="1">
+                <dgm:layoutNode name="Name10">
+                  <dgm:alg type="conn">
+                    <dgm:param type="dim" val="1D"/>
+                    <dgm:param type="endSty" val="noArr"/>
+                    <dgm:param type="connRout" val="bend"/>
+                    <dgm:param type="bendPt" val="end"/>
+                    <dgm:param type="begPts" val="bCtr"/>
+                    <dgm:param type="endPts" val="tCtr"/>
+                    <dgm:param type="srcNode" val="background"/>
+                    <dgm:param type="dstNode" val="background2"/>
+                  </dgm:alg>
+                  <dgm:shape xmlns:r="http://schemas.openxmlformats.org/officeDocument/2006/relationships" type="conn" r:blip="" zOrderOff="-999">
+                    <dgm:adjLst/>
+                  </dgm:shape>
+                  <dgm:presOf axis="self"/>
+                  <dgm:constrLst>
+                    <dgm:constr type="begPad"/>
+                    <dgm:constr type="endPad"/>
+                  </dgm:constrLst>
+                  <dgm:ruleLst/>
+                </dgm:layoutNode>
+              </dgm:forEach>
+              <dgm:forEach name="Name11" axis="self" ptType="node">
+                <dgm:layoutNode name="hierRoot2">
+                  <dgm:alg type="hierRoot"/>
+                  <dgm:shape xmlns:r="http://schemas.openxmlformats.org/officeDocument/2006/relationships" r:blip="">
+                    <dgm:adjLst/>
+                  </dgm:shape>
+                  <dgm:presOf/>
+                  <dgm:constrLst>
+                    <dgm:constr type="bendDist" for="des" ptType="parTrans" refType="sp" fact="0.5"/>
+                  </dgm:constrLst>
+                  <dgm:ruleLst/>
+                  <dgm:layoutNode name="composite2">
+                    <dgm:alg type="composite"/>
+                    <dgm:shape xmlns:r="http://schemas.openxmlformats.org/officeDocument/2006/relationships" r:blip="">
+                      <dgm:adjLst/>
+                    </dgm:shape>
+                    <dgm:presOf/>
+                    <dgm:constrLst>
+                      <dgm:constr type="w" for="ch" forName="background2" refType="w" fact="0.9"/>
+                      <dgm:constr type="h" for="ch" forName="background2" refType="w" refFor="ch" refForName="background2" fact="0.635"/>
+                      <dgm:constr type="t" for="ch" forName="background2"/>
+                      <dgm:constr type="l" for="ch" forName="background2"/>
+                      <dgm:constr type="w" for="ch" forName="text2" refType="w" fact="0.9"/>
+                      <dgm:constr type="h" for="ch" forName="text2" refType="w" refFor="ch" refForName="text2" fact="0.635"/>
+                      <dgm:constr type="t" for="ch" forName="text2" refType="w" fact="0.095"/>
+                      <dgm:constr type="l" for="ch" forName="text2" refType="w" fact="0.1"/>
+                    </dgm:constrLst>
+                    <dgm:ruleLst/>
+                    <dgm:layoutNode name="background2" moveWith="text2">
+                      <dgm:alg type="sp"/>
+                      <dgm:shape xmlns:r="http://schemas.openxmlformats.org/officeDocument/2006/relationships" type="roundRect" r:blip="">
+                        <dgm:adjLst>
+                          <dgm:adj idx="1" val="0.1"/>
+                        </dgm:adjLst>
+                      </dgm:shape>
+                      <dgm:presOf/>
+                      <dgm:constrLst/>
+                      <dgm:ruleLst/>
+                    </dgm:layoutNode>
+                    <dgm:layoutNode name="text2" styleLbl="fgAcc2">
+                      <dgm:varLst>
+                        <dgm:chPref val="3"/>
+                      </dgm:varLst>
+                      <dgm:alg type="tx"/>
+                      <dgm:shape xmlns:r="http://schemas.openxmlformats.org/officeDocument/2006/relationships" type="roundRect" r:blip="">
+                        <dgm:adjLst>
+                          <dgm:adj idx="1" val="0.1"/>
+                        </dgm:adjLst>
+                      </dgm:shape>
+                      <dgm:presOf axis="self"/>
+                      <dgm:constrLst>
+                        <dgm:constr type="tMarg" refType="primFontSz" fact="0.3"/>
+                        <dgm:constr type="bMarg" refType="primFontSz" fact="0.3"/>
+                        <dgm:constr type="lMarg" refType="primFontSz" fact="0.3"/>
+                        <dgm:constr type="rMarg" refType="primFontSz" fact="0.3"/>
+                      </dgm:constrLst>
+                      <dgm:ruleLst>
+                        <dgm:rule type="primFontSz" val="5" fact="NaN" max="NaN"/>
+                      </dgm:ruleLst>
+                    </dgm:layoutNode>
+                  </dgm:layoutNode>
+                  <dgm:layoutNode name="hierChild3">
+                    <dgm:choose name="Name12">
+                      <dgm:if name="Name13" func="var" arg="dir" op="equ" val="norm">
+                        <dgm:alg type="hierChild">
+                          <dgm:param type="linDir" val="fromL"/>
+                        </dgm:alg>
+                      </dgm:if>
+                      <dgm:else name="Name14">
+                        <dgm:alg type="hierChild">
+                          <dgm:param type="linDir" val="fromR"/>
+                        </dgm:alg>
+                      </dgm:else>
+                    </dgm:choose>
+                    <dgm:shape xmlns:r="http://schemas.openxmlformats.org/officeDocument/2006/relationships" r:blip="">
+                      <dgm:adjLst/>
+                    </dgm:shape>
+                    <dgm:presOf/>
+                    <dgm:constrLst/>
+                    <dgm:ruleLst/>
+                    <dgm:forEach name="Name15" axis="ch">
+                      <dgm:forEach name="Name16" axis="self" ptType="parTrans" cnt="1">
+                        <dgm:layoutNode name="Name17">
+                          <dgm:alg type="conn">
+                            <dgm:param type="dim" val="1D"/>
+                            <dgm:param type="endSty" val="noArr"/>
+                            <dgm:param type="connRout" val="bend"/>
+                            <dgm:param type="bendPt" val="end"/>
+                            <dgm:param type="begPts" val="bCtr"/>
+                            <dgm:param type="endPts" val="tCtr"/>
+                            <dgm:param type="srcNode" val="background2"/>
+                            <dgm:param type="dstNode" val="background3"/>
+                          </dgm:alg>
+                          <dgm:shape xmlns:r="http://schemas.openxmlformats.org/officeDocument/2006/relationships" type="conn" r:blip="" zOrderOff="-999">
+                            <dgm:adjLst/>
+                          </dgm:shape>
+                          <dgm:presOf axis="self"/>
+                          <dgm:constrLst>
+                            <dgm:constr type="begPad"/>
+                            <dgm:constr type="endPad"/>
+                          </dgm:constrLst>
+                          <dgm:ruleLst/>
+                        </dgm:layoutNode>
+                      </dgm:forEach>
+                      <dgm:forEach name="Name18" axis="self" ptType="node">
+                        <dgm:layoutNode name="hierRoot3">
+                          <dgm:alg type="hierRoot"/>
+                          <dgm:shape xmlns:r="http://schemas.openxmlformats.org/officeDocument/2006/relationships" r:blip="">
+                            <dgm:adjLst/>
+                          </dgm:shape>
+                          <dgm:presOf/>
+                          <dgm:constrLst>
+                            <dgm:constr type="bendDist" for="des" ptType="parTrans" refType="sp" fact="0.5"/>
+                          </dgm:constrLst>
+                          <dgm:ruleLst/>
+                          <dgm:layoutNode name="composite3">
+                            <dgm:alg type="composite"/>
+                            <dgm:shape xmlns:r="http://schemas.openxmlformats.org/officeDocument/2006/relationships" r:blip="">
+                              <dgm:adjLst/>
+                            </dgm:shape>
+                            <dgm:presOf/>
+                            <dgm:constrLst>
+                              <dgm:constr type="w" for="ch" forName="background3" refType="w" fact="0.9"/>
+                              <dgm:constr type="h" for="ch" forName="background3" refType="w" refFor="ch" refForName="background3" fact="0.635"/>
+                              <dgm:constr type="t" for="ch" forName="background3"/>
+                              <dgm:constr type="l" for="ch" forName="background3"/>
+                              <dgm:constr type="w" for="ch" forName="text3" refType="w" fact="0.9"/>
+                              <dgm:constr type="h" for="ch" forName="text3" refType="w" refFor="ch" refForName="text3" fact="0.635"/>
+                              <dgm:constr type="t" for="ch" forName="text3" refType="w" fact="0.095"/>
+                              <dgm:constr type="l" for="ch" forName="text3" refType="w" fact="0.1"/>
+                            </dgm:constrLst>
+                            <dgm:ruleLst/>
+                            <dgm:layoutNode name="background3" moveWith="text3">
+                              <dgm:alg type="sp"/>
+                              <dgm:shape xmlns:r="http://schemas.openxmlformats.org/officeDocument/2006/relationships" type="roundRect" r:blip="">
+                                <dgm:adjLst>
+                                  <dgm:adj idx="1" val="0.1"/>
+                                </dgm:adjLst>
+                              </dgm:shape>
+                              <dgm:presOf/>
+                              <dgm:constrLst/>
+                              <dgm:ruleLst/>
+                            </dgm:layoutNode>
+                            <dgm:layoutNode name="text3" styleLbl="fgAcc3">
+                              <dgm:varLst>
+                                <dgm:chPref val="3"/>
+                              </dgm:varLst>
+                              <dgm:alg type="tx"/>
+                              <dgm:shape xmlns:r="http://schemas.openxmlformats.org/officeDocument/2006/relationships" type="roundRect" r:blip="">
+                                <dgm:adjLst>
+                                  <dgm:adj idx="1" val="0.1"/>
+                                </dgm:adjLst>
+                              </dgm:shape>
+                              <dgm:presOf axis="self"/>
+                              <dgm:constrLst>
+                                <dgm:constr type="tMarg" refType="primFontSz" fact="0.3"/>
+                                <dgm:constr type="bMarg" refType="primFontSz" fact="0.3"/>
+                                <dgm:constr type="lMarg" refType="primFontSz" fact="0.3"/>
+                                <dgm:constr type="rMarg" refType="primFontSz" fact="0.3"/>
+                              </dgm:constrLst>
+                              <dgm:ruleLst>
+                                <dgm:rule type="primFontSz" val="5" fact="NaN" max="NaN"/>
+                              </dgm:ruleLst>
+                            </dgm:layoutNode>
+                          </dgm:layoutNode>
+                          <dgm:layoutNode name="hierChild4">
+                            <dgm:choose name="Name19">
+                              <dgm:if name="Name20" func="var" arg="dir" op="equ" val="norm">
+                                <dgm:alg type="hierChild">
+                                  <dgm:param type="linDir" val="fromL"/>
+                                </dgm:alg>
+                              </dgm:if>
+                              <dgm:else name="Name21">
+                                <dgm:alg type="hierChild">
+                                  <dgm:param type="linDir" val="fromR"/>
+                                </dgm:alg>
+                              </dgm:else>
+                            </dgm:choose>
+                            <dgm:shape xmlns:r="http://schemas.openxmlformats.org/officeDocument/2006/relationships" r:blip="">
+                              <dgm:adjLst/>
+                            </dgm:shape>
+                            <dgm:presOf/>
+                            <dgm:constrLst/>
+                            <dgm:ruleLst/>
+                            <dgm:forEach name="repeat" axis="ch">
+                              <dgm:forEach name="Name22" axis="self" ptType="parTrans" cnt="1">
+                                <dgm:layoutNode name="Name23">
+                                  <dgm:choose name="Name24">
+                                    <dgm:if name="Name25" axis="self" func="depth" op="lte" val="4">
+                                      <dgm:alg type="conn">
+                                        <dgm:param type="dim" val="1D"/>
+                                        <dgm:param type="endSty" val="noArr"/>
+                                        <dgm:param type="connRout" val="bend"/>
+                                        <dgm:param type="bendPt" val="end"/>
+                                        <dgm:param type="begPts" val="bCtr"/>
+                                        <dgm:param type="endPts" val="tCtr"/>
+                                        <dgm:param type="srcNode" val="background3"/>
+                                        <dgm:param type="dstNode" val="background4"/>
+                                      </dgm:alg>
+                                    </dgm:if>
+                                    <dgm:else name="Name26">
+                                      <dgm:alg type="conn">
+                                        <dgm:param type="dim" val="1D"/>
+                                        <dgm:param type="endSty" val="noArr"/>
+                                        <dgm:param type="connRout" val="bend"/>
+                                        <dgm:param type="bendPt" val="end"/>
+                                        <dgm:param type="begPts" val="bCtr"/>
+                                        <dgm:param type="endPts" val="tCtr"/>
+                                        <dgm:param type="srcNode" val="background4"/>
+                                        <dgm:param type="dstNode" val="background4"/>
+                                      </dgm:alg>
+                                    </dgm:else>
+                                  </dgm:choose>
+                                  <dgm:shape xmlns:r="http://schemas.openxmlformats.org/officeDocument/2006/relationships" type="conn" r:blip="" zOrderOff="-999">
+                                    <dgm:adjLst/>
+                                  </dgm:shape>
+                                  <dgm:presOf axis="self"/>
+                                  <dgm:constrLst>
+                                    <dgm:constr type="begPad"/>
+                                    <dgm:constr type="endPad"/>
+                                  </dgm:constrLst>
+                                  <dgm:ruleLst/>
+                                </dgm:layoutNode>
+                              </dgm:forEach>
+                              <dgm:forEach name="Name27" axis="self" ptType="node">
+                                <dgm:layoutNode name="hierRoot4">
+                                  <dgm:alg type="hierRoot"/>
+                                  <dgm:shape xmlns:r="http://schemas.openxmlformats.org/officeDocument/2006/relationships" r:blip="">
+                                    <dgm:adjLst/>
+                                  </dgm:shape>
+                                  <dgm:presOf/>
+                                  <dgm:constrLst>
+                                    <dgm:constr type="bendDist" for="des" ptType="parTrans" refType="sp" fact="0.5"/>
+                                  </dgm:constrLst>
+                                  <dgm:ruleLst/>
+                                  <dgm:layoutNode name="composite4">
+                                    <dgm:alg type="composite"/>
+                                    <dgm:shape xmlns:r="http://schemas.openxmlformats.org/officeDocument/2006/relationships" r:blip="">
+                                      <dgm:adjLst/>
+                                    </dgm:shape>
+                                    <dgm:presOf/>
+                                    <dgm:constrLst>
+                                      <dgm:constr type="w" for="ch" forName="background4" refType="w" fact="0.9"/>
+                                      <dgm:constr type="h" for="ch" forName="background4" refType="w" refFor="ch" refForName="background4" fact="0.635"/>
+                                      <dgm:constr type="t" for="ch" forName="background4"/>
+                                      <dgm:constr type="l" for="ch" forName="background4"/>
+                                      <dgm:constr type="w" for="ch" forName="text4" refType="w" fact="0.9"/>
+                                      <dgm:constr type="h" for="ch" forName="text4" refType="w" refFor="ch" refForName="text4" fact="0.635"/>
+                                      <dgm:constr type="t" for="ch" forName="text4" refType="w" fact="0.095"/>
+                                      <dgm:constr type="l" for="ch" forName="text4" refType="w" fact="0.1"/>
+                                    </dgm:constrLst>
+                                    <dgm:ruleLst/>
+                                    <dgm:layoutNode name="background4" moveWith="text4">
+                                      <dgm:alg type="sp"/>
+                                      <dgm:shape xmlns:r="http://schemas.openxmlformats.org/officeDocument/2006/relationships" type="roundRect" r:blip="">
+                                        <dgm:adjLst>
+                                          <dgm:adj idx="1" val="0.1"/>
+                                        </dgm:adjLst>
+                                      </dgm:shape>
+                                      <dgm:presOf/>
+                                      <dgm:constrLst/>
+                                      <dgm:ruleLst/>
+                                    </dgm:layoutNode>
+                                    <dgm:layoutNode name="text4" styleLbl="fgAcc4">
+                                      <dgm:varLst>
+                                        <dgm:chPref val="3"/>
+                                      </dgm:varLst>
+                                      <dgm:alg type="tx"/>
+                                      <dgm:shape xmlns:r="http://schemas.openxmlformats.org/officeDocument/2006/relationships" type="roundRect" r:blip="">
+                                        <dgm:adjLst>
+                                          <dgm:adj idx="1" val="0.1"/>
+                                        </dgm:adjLst>
+                                      </dgm:shape>
+                                      <dgm:presOf axis="self"/>
+                                      <dgm:constrLst>
+                                        <dgm:constr type="tMarg" refType="primFontSz" fact="0.3"/>
+                                        <dgm:constr type="bMarg" refType="primFontSz" fact="0.3"/>
+                                        <dgm:constr type="lMarg" refType="primFontSz" fact="0.3"/>
+                                        <dgm:constr type="rMarg" refType="primFontSz" fact="0.3"/>
+                                      </dgm:constrLst>
+                                      <dgm:ruleLst>
+                                        <dgm:rule type="primFontSz" val="5" fact="NaN" max="NaN"/>
+                                      </dgm:ruleLst>
+                                    </dgm:layoutNode>
+                                  </dgm:layoutNode>
+                                  <dgm:layoutNode name="hierChild5">
+                                    <dgm:choose name="Name28">
+                                      <dgm:if name="Name29" func="var" arg="dir" op="equ" val="norm">
+                                        <dgm:alg type="hierChild">
+                                          <dgm:param type="linDir" val="fromL"/>
+                                        </dgm:alg>
+                                      </dgm:if>
+                                      <dgm:else name="Name30">
+                                        <dgm:alg type="hierChild">
+                                          <dgm:param type="linDir" val="fromR"/>
+                                        </dgm:alg>
+                                      </dgm:else>
+                                    </dgm:choose>
+                                    <dgm:shape xmlns:r="http://schemas.openxmlformats.org/officeDocument/2006/relationships" r:blip="">
+                                      <dgm:adjLst/>
+                                    </dgm:shape>
+                                    <dgm:presOf/>
+                                    <dgm:constrLst/>
+                                    <dgm:ruleLst/>
+                                    <dgm:forEach name="Name31" ref="repeat"/>
+                                  </dgm:layoutNode>
+                                </dgm:layoutNode>
+                              </dgm:forEach>
+                            </dgm:forEach>
+                          </dgm:layoutNode>
+                        </dgm:layoutNode>
+                      </dgm:forEach>
+                    </dgm:forEach>
+                  </dgm:layoutNode>
+                </dgm:layoutNode>
+              </dgm:forEach>
+            </dgm:forEach>
+          </dgm:layoutNode>
+        </dgm:layoutNode>
+      </dgm:forEach>
+    </dgm:forEach>
+  </dgm:layoutNode>
+</dgm:layoutDef>
+</file>
+
+<file path=ppt/diagrams/layout8.xml><?xml version="1.0" encoding="utf-8"?>
 <dgm:layoutDef xmlns:dgm="http://schemas.openxmlformats.org/drawingml/2006/diagram" xmlns:a="http://schemas.openxmlformats.org/drawingml/2006/main" uniqueId="urn:microsoft.com/office/officeart/2018/2/layout/IconCircleList">
   <dgm:title val="Icon Circle List"/>
   <dgm:desc val="Use to show non-sequential or grouped chunks of information accompanied by related visuals. Circular shapes can hold an icon or small picture and corresponding text box shows Level 1 text. Works best for icons or small pictures with medium-length descriptions."/>
@@ -17181,6 +18722,1040 @@
 </file>
 
 <file path=ppt/diagrams/quickStyle7.xml><?xml version="1.0" encoding="utf-8"?>
+<dgm:styleDef xmlns:dgm="http://schemas.openxmlformats.org/drawingml/2006/diagram" xmlns:a="http://schemas.openxmlformats.org/drawingml/2006/main" uniqueId="urn:microsoft.com/office/officeart/2005/8/quickstyle/simple2">
+  <dgm:title val=""/>
+  <dgm:desc val=""/>
+  <dgm:catLst>
+    <dgm:cat type="simple" pri="10200"/>
+  </dgm:catLst>
+  <dgm:scene3d>
+    <a:camera prst="orthographicFront"/>
+    <a:lightRig rig="threePt" dir="t"/>
+  </dgm:scene3d>
+  <dgm:styleLbl name="node0">
+    <dgm:scene3d>
+      <a:camera prst="orthographicFront"/>
+      <a:lightRig rig="threePt" dir="t"/>
+    </dgm:scene3d>
+    <dgm:sp3d/>
+    <dgm:txPr/>
+    <dgm:style>
+      <a:lnRef idx="3">
+        <a:scrgbClr r="0" g="0" b="0"/>
+      </a:lnRef>
+      <a:fillRef idx="1">
+        <a:scrgbClr r="0" g="0" b="0"/>
+      </a:fillRef>
+      <a:effectRef idx="1">
+        <a:scrgbClr r="0" g="0" b="0"/>
+      </a:effectRef>
+      <a:fontRef idx="minor">
+        <a:schemeClr val="lt1"/>
+      </a:fontRef>
+    </dgm:style>
+  </dgm:styleLbl>
+  <dgm:styleLbl name="lnNode1">
+    <dgm:scene3d>
+      <a:camera prst="orthographicFront"/>
+      <a:lightRig rig="threePt" dir="t"/>
+    </dgm:scene3d>
+    <dgm:sp3d/>
+    <dgm:txPr/>
+    <dgm:style>
+      <a:lnRef idx="3">
+        <a:scrgbClr r="0" g="0" b="0"/>
+      </a:lnRef>
+      <a:fillRef idx="1">
+        <a:scrgbClr r="0" g="0" b="0"/>
+      </a:fillRef>
+      <a:effectRef idx="1">
+        <a:scrgbClr r="0" g="0" b="0"/>
+      </a:effectRef>
+      <a:fontRef idx="minor">
+        <a:schemeClr val="lt1"/>
+      </a:fontRef>
+    </dgm:style>
+  </dgm:styleLbl>
+  <dgm:styleLbl name="vennNode1">
+    <dgm:scene3d>
+      <a:camera prst="orthographicFront"/>
+      <a:lightRig rig="threePt" dir="t"/>
+    </dgm:scene3d>
+    <dgm:sp3d/>
+    <dgm:txPr/>
+    <dgm:style>
+      <a:lnRef idx="3">
+        <a:scrgbClr r="0" g="0" b="0"/>
+      </a:lnRef>
+      <a:fillRef idx="1">
+        <a:scrgbClr r="0" g="0" b="0"/>
+      </a:fillRef>
+      <a:effectRef idx="0">
+        <a:scrgbClr r="0" g="0" b="0"/>
+      </a:effectRef>
+      <a:fontRef idx="minor">
+        <a:schemeClr val="tx1"/>
+      </a:fontRef>
+    </dgm:style>
+  </dgm:styleLbl>
+  <dgm:styleLbl name="alignNode1">
+    <dgm:scene3d>
+      <a:camera prst="orthographicFront"/>
+      <a:lightRig rig="threePt" dir="t"/>
+    </dgm:scene3d>
+    <dgm:sp3d/>
+    <dgm:txPr/>
+    <dgm:style>
+      <a:lnRef idx="2">
+        <a:scrgbClr r="0" g="0" b="0"/>
+      </a:lnRef>
+      <a:fillRef idx="1">
+        <a:scrgbClr r="0" g="0" b="0"/>
+      </a:fillRef>
+      <a:effectRef idx="1">
+        <a:scrgbClr r="0" g="0" b="0"/>
+      </a:effectRef>
+      <a:fontRef idx="minor">
+        <a:schemeClr val="lt1"/>
+      </a:fontRef>
+    </dgm:style>
+  </dgm:styleLbl>
+  <dgm:styleLbl name="node1">
+    <dgm:scene3d>
+      <a:camera prst="orthographicFront"/>
+      <a:lightRig rig="threePt" dir="t"/>
+    </dgm:scene3d>
+    <dgm:sp3d/>
+    <dgm:txPr/>
+    <dgm:style>
+      <a:lnRef idx="3">
+        <a:scrgbClr r="0" g="0" b="0"/>
+      </a:lnRef>
+      <a:fillRef idx="1">
+        <a:scrgbClr r="0" g="0" b="0"/>
+      </a:fillRef>
+      <a:effectRef idx="1">
+        <a:scrgbClr r="0" g="0" b="0"/>
+      </a:effectRef>
+      <a:fontRef idx="minor">
+        <a:schemeClr val="lt1"/>
+      </a:fontRef>
+    </dgm:style>
+  </dgm:styleLbl>
+  <dgm:styleLbl name="node2">
+    <dgm:scene3d>
+      <a:camera prst="orthographicFront"/>
+      <a:lightRig rig="threePt" dir="t"/>
+    </dgm:scene3d>
+    <dgm:sp3d/>
+    <dgm:txPr/>
+    <dgm:style>
+      <a:lnRef idx="3">
+        <a:scrgbClr r="0" g="0" b="0"/>
+      </a:lnRef>
+      <a:fillRef idx="1">
+        <a:scrgbClr r="0" g="0" b="0"/>
+      </a:fillRef>
+      <a:effectRef idx="1">
+        <a:scrgbClr r="0" g="0" b="0"/>
+      </a:effectRef>
+      <a:fontRef idx="minor">
+        <a:schemeClr val="lt1"/>
+      </a:fontRef>
+    </dgm:style>
+  </dgm:styleLbl>
+  <dgm:styleLbl name="node3">
+    <dgm:scene3d>
+      <a:camera prst="orthographicFront"/>
+      <a:lightRig rig="threePt" dir="t"/>
+    </dgm:scene3d>
+    <dgm:sp3d/>
+    <dgm:txPr/>
+    <dgm:style>
+      <a:lnRef idx="3">
+        <a:scrgbClr r="0" g="0" b="0"/>
+      </a:lnRef>
+      <a:fillRef idx="1">
+        <a:scrgbClr r="0" g="0" b="0"/>
+      </a:fillRef>
+      <a:effectRef idx="1">
+        <a:scrgbClr r="0" g="0" b="0"/>
+      </a:effectRef>
+      <a:fontRef idx="minor">
+        <a:schemeClr val="lt1"/>
+      </a:fontRef>
+    </dgm:style>
+  </dgm:styleLbl>
+  <dgm:styleLbl name="node4">
+    <dgm:scene3d>
+      <a:camera prst="orthographicFront"/>
+      <a:lightRig rig="threePt" dir="t"/>
+    </dgm:scene3d>
+    <dgm:sp3d/>
+    <dgm:txPr/>
+    <dgm:style>
+      <a:lnRef idx="3">
+        <a:scrgbClr r="0" g="0" b="0"/>
+      </a:lnRef>
+      <a:fillRef idx="1">
+        <a:scrgbClr r="0" g="0" b="0"/>
+      </a:fillRef>
+      <a:effectRef idx="1">
+        <a:scrgbClr r="0" g="0" b="0"/>
+      </a:effectRef>
+      <a:fontRef idx="minor">
+        <a:schemeClr val="lt1"/>
+      </a:fontRef>
+    </dgm:style>
+  </dgm:styleLbl>
+  <dgm:styleLbl name="fgImgPlace1">
+    <dgm:scene3d>
+      <a:camera prst="orthographicFront"/>
+      <a:lightRig rig="threePt" dir="t"/>
+    </dgm:scene3d>
+    <dgm:sp3d/>
+    <dgm:txPr/>
+    <dgm:style>
+      <a:lnRef idx="3">
+        <a:scrgbClr r="0" g="0" b="0"/>
+      </a:lnRef>
+      <a:fillRef idx="1">
+        <a:scrgbClr r="0" g="0" b="0"/>
+      </a:fillRef>
+      <a:effectRef idx="1">
+        <a:scrgbClr r="0" g="0" b="0"/>
+      </a:effectRef>
+      <a:fontRef idx="minor"/>
+    </dgm:style>
+  </dgm:styleLbl>
+  <dgm:styleLbl name="alignImgPlace1">
+    <dgm:scene3d>
+      <a:camera prst="orthographicFront"/>
+      <a:lightRig rig="threePt" dir="t"/>
+    </dgm:scene3d>
+    <dgm:sp3d/>
+    <dgm:txPr/>
+    <dgm:style>
+      <a:lnRef idx="3">
+        <a:scrgbClr r="0" g="0" b="0"/>
+      </a:lnRef>
+      <a:fillRef idx="1">
+        <a:scrgbClr r="0" g="0" b="0"/>
+      </a:fillRef>
+      <a:effectRef idx="1">
+        <a:scrgbClr r="0" g="0" b="0"/>
+      </a:effectRef>
+      <a:fontRef idx="minor"/>
+    </dgm:style>
+  </dgm:styleLbl>
+  <dgm:styleLbl name="bgImgPlace1">
+    <dgm:scene3d>
+      <a:camera prst="orthographicFront"/>
+      <a:lightRig rig="threePt" dir="t"/>
+    </dgm:scene3d>
+    <dgm:sp3d/>
+    <dgm:txPr/>
+    <dgm:style>
+      <a:lnRef idx="3">
+        <a:scrgbClr r="0" g="0" b="0"/>
+      </a:lnRef>
+      <a:fillRef idx="1">
+        <a:scrgbClr r="0" g="0" b="0"/>
+      </a:fillRef>
+      <a:effectRef idx="1">
+        <a:scrgbClr r="0" g="0" b="0"/>
+      </a:effectRef>
+      <a:fontRef idx="minor"/>
+    </dgm:style>
+  </dgm:styleLbl>
+  <dgm:styleLbl name="sibTrans2D1">
+    <dgm:scene3d>
+      <a:camera prst="orthographicFront"/>
+      <a:lightRig rig="threePt" dir="t"/>
+    </dgm:scene3d>
+    <dgm:sp3d/>
+    <dgm:txPr/>
+    <dgm:style>
+      <a:lnRef idx="0">
+        <a:scrgbClr r="0" g="0" b="0"/>
+      </a:lnRef>
+      <a:fillRef idx="1">
+        <a:scrgbClr r="0" g="0" b="0"/>
+      </a:fillRef>
+      <a:effectRef idx="1">
+        <a:scrgbClr r="0" g="0" b="0"/>
+      </a:effectRef>
+      <a:fontRef idx="minor">
+        <a:schemeClr val="lt1"/>
+      </a:fontRef>
+    </dgm:style>
+  </dgm:styleLbl>
+  <dgm:styleLbl name="fgSibTrans2D1">
+    <dgm:scene3d>
+      <a:camera prst="orthographicFront"/>
+      <a:lightRig rig="threePt" dir="t"/>
+    </dgm:scene3d>
+    <dgm:sp3d/>
+    <dgm:txPr/>
+    <dgm:style>
+      <a:lnRef idx="0">
+        <a:scrgbClr r="0" g="0" b="0"/>
+      </a:lnRef>
+      <a:fillRef idx="1">
+        <a:scrgbClr r="0" g="0" b="0"/>
+      </a:fillRef>
+      <a:effectRef idx="1">
+        <a:scrgbClr r="0" g="0" b="0"/>
+      </a:effectRef>
+      <a:fontRef idx="minor">
+        <a:schemeClr val="lt1"/>
+      </a:fontRef>
+    </dgm:style>
+  </dgm:styleLbl>
+  <dgm:styleLbl name="bgSibTrans2D1">
+    <dgm:scene3d>
+      <a:camera prst="orthographicFront"/>
+      <a:lightRig rig="threePt" dir="t"/>
+    </dgm:scene3d>
+    <dgm:sp3d/>
+    <dgm:txPr/>
+    <dgm:style>
+      <a:lnRef idx="0">
+        <a:scrgbClr r="0" g="0" b="0"/>
+      </a:lnRef>
+      <a:fillRef idx="1">
+        <a:scrgbClr r="0" g="0" b="0"/>
+      </a:fillRef>
+      <a:effectRef idx="1">
+        <a:scrgbClr r="0" g="0" b="0"/>
+      </a:effectRef>
+      <a:fontRef idx="minor">
+        <a:schemeClr val="lt1"/>
+      </a:fontRef>
+    </dgm:style>
+  </dgm:styleLbl>
+  <dgm:styleLbl name="sibTrans1D1">
+    <dgm:scene3d>
+      <a:camera prst="orthographicFront"/>
+      <a:lightRig rig="threePt" dir="t"/>
+    </dgm:scene3d>
+    <dgm:sp3d/>
+    <dgm:txPr/>
+    <dgm:style>
+      <a:lnRef idx="1">
+        <a:scrgbClr r="0" g="0" b="0"/>
+      </a:lnRef>
+      <a:fillRef idx="0">
+        <a:scrgbClr r="0" g="0" b="0"/>
+      </a:fillRef>
+      <a:effectRef idx="0">
+        <a:scrgbClr r="0" g="0" b="0"/>
+      </a:effectRef>
+      <a:fontRef idx="minor"/>
+    </dgm:style>
+  </dgm:styleLbl>
+  <dgm:styleLbl name="callout">
+    <dgm:scene3d>
+      <a:camera prst="orthographicFront"/>
+      <a:lightRig rig="threePt" dir="t"/>
+    </dgm:scene3d>
+    <dgm:sp3d/>
+    <dgm:txPr/>
+    <dgm:style>
+      <a:lnRef idx="2">
+        <a:scrgbClr r="0" g="0" b="0"/>
+      </a:lnRef>
+      <a:fillRef idx="1">
+        <a:scrgbClr r="0" g="0" b="0"/>
+      </a:fillRef>
+      <a:effectRef idx="1">
+        <a:scrgbClr r="0" g="0" b="0"/>
+      </a:effectRef>
+      <a:fontRef idx="minor"/>
+    </dgm:style>
+  </dgm:styleLbl>
+  <dgm:styleLbl name="asst0">
+    <dgm:scene3d>
+      <a:camera prst="orthographicFront"/>
+      <a:lightRig rig="threePt" dir="t"/>
+    </dgm:scene3d>
+    <dgm:sp3d/>
+    <dgm:txPr/>
+    <dgm:style>
+      <a:lnRef idx="3">
+        <a:scrgbClr r="0" g="0" b="0"/>
+      </a:lnRef>
+      <a:fillRef idx="1">
+        <a:scrgbClr r="0" g="0" b="0"/>
+      </a:fillRef>
+      <a:effectRef idx="1">
+        <a:scrgbClr r="0" g="0" b="0"/>
+      </a:effectRef>
+      <a:fontRef idx="minor">
+        <a:schemeClr val="lt1"/>
+      </a:fontRef>
+    </dgm:style>
+  </dgm:styleLbl>
+  <dgm:styleLbl name="asst1">
+    <dgm:scene3d>
+      <a:camera prst="orthographicFront"/>
+      <a:lightRig rig="threePt" dir="t"/>
+    </dgm:scene3d>
+    <dgm:sp3d/>
+    <dgm:txPr/>
+    <dgm:style>
+      <a:lnRef idx="3">
+        <a:scrgbClr r="0" g="0" b="0"/>
+      </a:lnRef>
+      <a:fillRef idx="1">
+        <a:scrgbClr r="0" g="0" b="0"/>
+      </a:fillRef>
+      <a:effectRef idx="1">
+        <a:scrgbClr r="0" g="0" b="0"/>
+      </a:effectRef>
+      <a:fontRef idx="minor">
+        <a:schemeClr val="lt1"/>
+      </a:fontRef>
+    </dgm:style>
+  </dgm:styleLbl>
+  <dgm:styleLbl name="asst2">
+    <dgm:scene3d>
+      <a:camera prst="orthographicFront"/>
+      <a:lightRig rig="threePt" dir="t"/>
+    </dgm:scene3d>
+    <dgm:sp3d/>
+    <dgm:txPr/>
+    <dgm:style>
+      <a:lnRef idx="3">
+        <a:scrgbClr r="0" g="0" b="0"/>
+      </a:lnRef>
+      <a:fillRef idx="1">
+        <a:scrgbClr r="0" g="0" b="0"/>
+      </a:fillRef>
+      <a:effectRef idx="1">
+        <a:scrgbClr r="0" g="0" b="0"/>
+      </a:effectRef>
+      <a:fontRef idx="minor">
+        <a:schemeClr val="lt1"/>
+      </a:fontRef>
+    </dgm:style>
+  </dgm:styleLbl>
+  <dgm:styleLbl name="asst3">
+    <dgm:scene3d>
+      <a:camera prst="orthographicFront"/>
+      <a:lightRig rig="threePt" dir="t"/>
+    </dgm:scene3d>
+    <dgm:sp3d/>
+    <dgm:txPr/>
+    <dgm:style>
+      <a:lnRef idx="3">
+        <a:scrgbClr r="0" g="0" b="0"/>
+      </a:lnRef>
+      <a:fillRef idx="1">
+        <a:scrgbClr r="0" g="0" b="0"/>
+      </a:fillRef>
+      <a:effectRef idx="1">
+        <a:scrgbClr r="0" g="0" b="0"/>
+      </a:effectRef>
+      <a:fontRef idx="minor">
+        <a:schemeClr val="lt1"/>
+      </a:fontRef>
+    </dgm:style>
+  </dgm:styleLbl>
+  <dgm:styleLbl name="asst4">
+    <dgm:scene3d>
+      <a:camera prst="orthographicFront"/>
+      <a:lightRig rig="threePt" dir="t"/>
+    </dgm:scene3d>
+    <dgm:sp3d/>
+    <dgm:txPr/>
+    <dgm:style>
+      <a:lnRef idx="3">
+        <a:scrgbClr r="0" g="0" b="0"/>
+      </a:lnRef>
+      <a:fillRef idx="1">
+        <a:scrgbClr r="0" g="0" b="0"/>
+      </a:fillRef>
+      <a:effectRef idx="1">
+        <a:scrgbClr r="0" g="0" b="0"/>
+      </a:effectRef>
+      <a:fontRef idx="minor">
+        <a:schemeClr val="lt1"/>
+      </a:fontRef>
+    </dgm:style>
+  </dgm:styleLbl>
+  <dgm:styleLbl name="parChTrans2D1">
+    <dgm:scene3d>
+      <a:camera prst="orthographicFront"/>
+      <a:lightRig rig="threePt" dir="t"/>
+    </dgm:scene3d>
+    <dgm:sp3d/>
+    <dgm:txPr/>
+    <dgm:style>
+      <a:lnRef idx="3">
+        <a:scrgbClr r="0" g="0" b="0"/>
+      </a:lnRef>
+      <a:fillRef idx="1">
+        <a:scrgbClr r="0" g="0" b="0"/>
+      </a:fillRef>
+      <a:effectRef idx="1">
+        <a:scrgbClr r="0" g="0" b="0"/>
+      </a:effectRef>
+      <a:fontRef idx="minor">
+        <a:schemeClr val="lt1"/>
+      </a:fontRef>
+    </dgm:style>
+  </dgm:styleLbl>
+  <dgm:styleLbl name="parChTrans2D2">
+    <dgm:scene3d>
+      <a:camera prst="orthographicFront"/>
+      <a:lightRig rig="threePt" dir="t"/>
+    </dgm:scene3d>
+    <dgm:sp3d/>
+    <dgm:txPr/>
+    <dgm:style>
+      <a:lnRef idx="3">
+        <a:scrgbClr r="0" g="0" b="0"/>
+      </a:lnRef>
+      <a:fillRef idx="1">
+        <a:scrgbClr r="0" g="0" b="0"/>
+      </a:fillRef>
+      <a:effectRef idx="1">
+        <a:scrgbClr r="0" g="0" b="0"/>
+      </a:effectRef>
+      <a:fontRef idx="minor">
+        <a:schemeClr val="lt1"/>
+      </a:fontRef>
+    </dgm:style>
+  </dgm:styleLbl>
+  <dgm:styleLbl name="parChTrans2D3">
+    <dgm:scene3d>
+      <a:camera prst="orthographicFront"/>
+      <a:lightRig rig="threePt" dir="t"/>
+    </dgm:scene3d>
+    <dgm:sp3d/>
+    <dgm:txPr/>
+    <dgm:style>
+      <a:lnRef idx="3">
+        <a:scrgbClr r="0" g="0" b="0"/>
+      </a:lnRef>
+      <a:fillRef idx="1">
+        <a:scrgbClr r="0" g="0" b="0"/>
+      </a:fillRef>
+      <a:effectRef idx="1">
+        <a:scrgbClr r="0" g="0" b="0"/>
+      </a:effectRef>
+      <a:fontRef idx="minor">
+        <a:schemeClr val="lt1"/>
+      </a:fontRef>
+    </dgm:style>
+  </dgm:styleLbl>
+  <dgm:styleLbl name="parChTrans2D4">
+    <dgm:scene3d>
+      <a:camera prst="orthographicFront"/>
+      <a:lightRig rig="threePt" dir="t"/>
+    </dgm:scene3d>
+    <dgm:sp3d/>
+    <dgm:txPr/>
+    <dgm:style>
+      <a:lnRef idx="3">
+        <a:scrgbClr r="0" g="0" b="0"/>
+      </a:lnRef>
+      <a:fillRef idx="1">
+        <a:scrgbClr r="0" g="0" b="0"/>
+      </a:fillRef>
+      <a:effectRef idx="1">
+        <a:scrgbClr r="0" g="0" b="0"/>
+      </a:effectRef>
+      <a:fontRef idx="minor">
+        <a:schemeClr val="lt1"/>
+      </a:fontRef>
+    </dgm:style>
+  </dgm:styleLbl>
+  <dgm:styleLbl name="parChTrans1D1">
+    <dgm:scene3d>
+      <a:camera prst="orthographicFront"/>
+      <a:lightRig rig="threePt" dir="t"/>
+    </dgm:scene3d>
+    <dgm:sp3d/>
+    <dgm:txPr/>
+    <dgm:style>
+      <a:lnRef idx="2">
+        <a:scrgbClr r="0" g="0" b="0"/>
+      </a:lnRef>
+      <a:fillRef idx="0">
+        <a:scrgbClr r="0" g="0" b="0"/>
+      </a:fillRef>
+      <a:effectRef idx="0">
+        <a:scrgbClr r="0" g="0" b="0"/>
+      </a:effectRef>
+      <a:fontRef idx="minor"/>
+    </dgm:style>
+  </dgm:styleLbl>
+  <dgm:styleLbl name="parChTrans1D2">
+    <dgm:scene3d>
+      <a:camera prst="orthographicFront"/>
+      <a:lightRig rig="threePt" dir="t"/>
+    </dgm:scene3d>
+    <dgm:sp3d/>
+    <dgm:txPr/>
+    <dgm:style>
+      <a:lnRef idx="2">
+        <a:scrgbClr r="0" g="0" b="0"/>
+      </a:lnRef>
+      <a:fillRef idx="0">
+        <a:scrgbClr r="0" g="0" b="0"/>
+      </a:fillRef>
+      <a:effectRef idx="0">
+        <a:scrgbClr r="0" g="0" b="0"/>
+      </a:effectRef>
+      <a:fontRef idx="minor"/>
+    </dgm:style>
+  </dgm:styleLbl>
+  <dgm:styleLbl name="parChTrans1D3">
+    <dgm:scene3d>
+      <a:camera prst="orthographicFront"/>
+      <a:lightRig rig="threePt" dir="t"/>
+    </dgm:scene3d>
+    <dgm:sp3d/>
+    <dgm:txPr/>
+    <dgm:style>
+      <a:lnRef idx="2">
+        <a:scrgbClr r="0" g="0" b="0"/>
+      </a:lnRef>
+      <a:fillRef idx="0">
+        <a:scrgbClr r="0" g="0" b="0"/>
+      </a:fillRef>
+      <a:effectRef idx="0">
+        <a:scrgbClr r="0" g="0" b="0"/>
+      </a:effectRef>
+      <a:fontRef idx="minor"/>
+    </dgm:style>
+  </dgm:styleLbl>
+  <dgm:styleLbl name="parChTrans1D4">
+    <dgm:scene3d>
+      <a:camera prst="orthographicFront"/>
+      <a:lightRig rig="threePt" dir="t"/>
+    </dgm:scene3d>
+    <dgm:sp3d/>
+    <dgm:txPr/>
+    <dgm:style>
+      <a:lnRef idx="2">
+        <a:scrgbClr r="0" g="0" b="0"/>
+      </a:lnRef>
+      <a:fillRef idx="0">
+        <a:scrgbClr r="0" g="0" b="0"/>
+      </a:fillRef>
+      <a:effectRef idx="0">
+        <a:scrgbClr r="0" g="0" b="0"/>
+      </a:effectRef>
+      <a:fontRef idx="minor"/>
+    </dgm:style>
+  </dgm:styleLbl>
+  <dgm:styleLbl name="fgAcc1">
+    <dgm:scene3d>
+      <a:camera prst="orthographicFront"/>
+      <a:lightRig rig="threePt" dir="t"/>
+    </dgm:scene3d>
+    <dgm:sp3d/>
+    <dgm:txPr/>
+    <dgm:style>
+      <a:lnRef idx="2">
+        <a:scrgbClr r="0" g="0" b="0"/>
+      </a:lnRef>
+      <a:fillRef idx="1">
+        <a:scrgbClr r="0" g="0" b="0"/>
+      </a:fillRef>
+      <a:effectRef idx="0">
+        <a:scrgbClr r="0" g="0" b="0"/>
+      </a:effectRef>
+      <a:fontRef idx="minor"/>
+    </dgm:style>
+  </dgm:styleLbl>
+  <dgm:styleLbl name="conFgAcc1">
+    <dgm:scene3d>
+      <a:camera prst="orthographicFront"/>
+      <a:lightRig rig="threePt" dir="t"/>
+    </dgm:scene3d>
+    <dgm:sp3d/>
+    <dgm:txPr/>
+    <dgm:style>
+      <a:lnRef idx="2">
+        <a:scrgbClr r="0" g="0" b="0"/>
+      </a:lnRef>
+      <a:fillRef idx="1">
+        <a:scrgbClr r="0" g="0" b="0"/>
+      </a:fillRef>
+      <a:effectRef idx="0">
+        <a:scrgbClr r="0" g="0" b="0"/>
+      </a:effectRef>
+      <a:fontRef idx="minor"/>
+    </dgm:style>
+  </dgm:styleLbl>
+  <dgm:styleLbl name="alignAcc1">
+    <dgm:scene3d>
+      <a:camera prst="orthographicFront"/>
+      <a:lightRig rig="threePt" dir="t"/>
+    </dgm:scene3d>
+    <dgm:sp3d/>
+    <dgm:txPr/>
+    <dgm:style>
+      <a:lnRef idx="2">
+        <a:scrgbClr r="0" g="0" b="0"/>
+      </a:lnRef>
+      <a:fillRef idx="1">
+        <a:scrgbClr r="0" g="0" b="0"/>
+      </a:fillRef>
+      <a:effectRef idx="0">
+        <a:scrgbClr r="0" g="0" b="0"/>
+      </a:effectRef>
+      <a:fontRef idx="minor"/>
+    </dgm:style>
+  </dgm:styleLbl>
+  <dgm:styleLbl name="trAlignAcc1">
+    <dgm:scene3d>
+      <a:camera prst="orthographicFront"/>
+      <a:lightRig rig="threePt" dir="t"/>
+    </dgm:scene3d>
+    <dgm:sp3d/>
+    <dgm:txPr/>
+    <dgm:style>
+      <a:lnRef idx="1">
+        <a:scrgbClr r="0" g="0" b="0"/>
+      </a:lnRef>
+      <a:fillRef idx="1">
+        <a:scrgbClr r="0" g="0" b="0"/>
+      </a:fillRef>
+      <a:effectRef idx="0">
+        <a:scrgbClr r="0" g="0" b="0"/>
+      </a:effectRef>
+      <a:fontRef idx="minor"/>
+    </dgm:style>
+  </dgm:styleLbl>
+  <dgm:styleLbl name="bgAcc1">
+    <dgm:scene3d>
+      <a:camera prst="orthographicFront"/>
+      <a:lightRig rig="threePt" dir="t"/>
+    </dgm:scene3d>
+    <dgm:sp3d/>
+    <dgm:txPr/>
+    <dgm:style>
+      <a:lnRef idx="2">
+        <a:scrgbClr r="0" g="0" b="0"/>
+      </a:lnRef>
+      <a:fillRef idx="1">
+        <a:scrgbClr r="0" g="0" b="0"/>
+      </a:fillRef>
+      <a:effectRef idx="0">
+        <a:scrgbClr r="0" g="0" b="0"/>
+      </a:effectRef>
+      <a:fontRef idx="minor"/>
+    </dgm:style>
+  </dgm:styleLbl>
+  <dgm:styleLbl name="solidFgAcc1">
+    <dgm:scene3d>
+      <a:camera prst="orthographicFront"/>
+      <a:lightRig rig="threePt" dir="t"/>
+    </dgm:scene3d>
+    <dgm:sp3d/>
+    <dgm:txPr/>
+    <dgm:style>
+      <a:lnRef idx="2">
+        <a:scrgbClr r="0" g="0" b="0"/>
+      </a:lnRef>
+      <a:fillRef idx="1">
+        <a:scrgbClr r="0" g="0" b="0"/>
+      </a:fillRef>
+      <a:effectRef idx="0">
+        <a:scrgbClr r="0" g="0" b="0"/>
+      </a:effectRef>
+      <a:fontRef idx="minor"/>
+    </dgm:style>
+  </dgm:styleLbl>
+  <dgm:styleLbl name="solidAlignAcc1">
+    <dgm:scene3d>
+      <a:camera prst="orthographicFront"/>
+      <a:lightRig rig="threePt" dir="t"/>
+    </dgm:scene3d>
+    <dgm:sp3d/>
+    <dgm:txPr/>
+    <dgm:style>
+      <a:lnRef idx="2">
+        <a:scrgbClr r="0" g="0" b="0"/>
+      </a:lnRef>
+      <a:fillRef idx="1">
+        <a:scrgbClr r="0" g="0" b="0"/>
+      </a:fillRef>
+      <a:effectRef idx="0">
+        <a:scrgbClr r="0" g="0" b="0"/>
+      </a:effectRef>
+      <a:fontRef idx="minor"/>
+    </dgm:style>
+  </dgm:styleLbl>
+  <dgm:styleLbl name="solidBgAcc1">
+    <dgm:scene3d>
+      <a:camera prst="orthographicFront"/>
+      <a:lightRig rig="threePt" dir="t"/>
+    </dgm:scene3d>
+    <dgm:sp3d/>
+    <dgm:txPr/>
+    <dgm:style>
+      <a:lnRef idx="2">
+        <a:scrgbClr r="0" g="0" b="0"/>
+      </a:lnRef>
+      <a:fillRef idx="1">
+        <a:scrgbClr r="0" g="0" b="0"/>
+      </a:fillRef>
+      <a:effectRef idx="0">
+        <a:scrgbClr r="0" g="0" b="0"/>
+      </a:effectRef>
+      <a:fontRef idx="minor"/>
+    </dgm:style>
+  </dgm:styleLbl>
+  <dgm:styleLbl name="fgAccFollowNode1">
+    <dgm:scene3d>
+      <a:camera prst="orthographicFront"/>
+      <a:lightRig rig="threePt" dir="t"/>
+    </dgm:scene3d>
+    <dgm:sp3d/>
+    <dgm:txPr/>
+    <dgm:style>
+      <a:lnRef idx="2">
+        <a:scrgbClr r="0" g="0" b="0"/>
+      </a:lnRef>
+      <a:fillRef idx="1">
+        <a:scrgbClr r="0" g="0" b="0"/>
+      </a:fillRef>
+      <a:effectRef idx="0">
+        <a:scrgbClr r="0" g="0" b="0"/>
+      </a:effectRef>
+      <a:fontRef idx="minor"/>
+    </dgm:style>
+  </dgm:styleLbl>
+  <dgm:styleLbl name="alignAccFollowNode1">
+    <dgm:scene3d>
+      <a:camera prst="orthographicFront"/>
+      <a:lightRig rig="threePt" dir="t"/>
+    </dgm:scene3d>
+    <dgm:sp3d/>
+    <dgm:txPr/>
+    <dgm:style>
+      <a:lnRef idx="2">
+        <a:scrgbClr r="0" g="0" b="0"/>
+      </a:lnRef>
+      <a:fillRef idx="1">
+        <a:scrgbClr r="0" g="0" b="0"/>
+      </a:fillRef>
+      <a:effectRef idx="0">
+        <a:scrgbClr r="0" g="0" b="0"/>
+      </a:effectRef>
+      <a:fontRef idx="minor"/>
+    </dgm:style>
+  </dgm:styleLbl>
+  <dgm:styleLbl name="bgAccFollowNode1">
+    <dgm:scene3d>
+      <a:camera prst="orthographicFront"/>
+      <a:lightRig rig="threePt" dir="t"/>
+    </dgm:scene3d>
+    <dgm:sp3d/>
+    <dgm:txPr/>
+    <dgm:style>
+      <a:lnRef idx="2">
+        <a:scrgbClr r="0" g="0" b="0"/>
+      </a:lnRef>
+      <a:fillRef idx="1">
+        <a:scrgbClr r="0" g="0" b="0"/>
+      </a:fillRef>
+      <a:effectRef idx="0">
+        <a:scrgbClr r="0" g="0" b="0"/>
+      </a:effectRef>
+      <a:fontRef idx="minor"/>
+    </dgm:style>
+  </dgm:styleLbl>
+  <dgm:styleLbl name="fgAcc0">
+    <dgm:scene3d>
+      <a:camera prst="orthographicFront"/>
+      <a:lightRig rig="threePt" dir="t"/>
+    </dgm:scene3d>
+    <dgm:sp3d/>
+    <dgm:txPr/>
+    <dgm:style>
+      <a:lnRef idx="2">
+        <a:scrgbClr r="0" g="0" b="0"/>
+      </a:lnRef>
+      <a:fillRef idx="1">
+        <a:scrgbClr r="0" g="0" b="0"/>
+      </a:fillRef>
+      <a:effectRef idx="0">
+        <a:scrgbClr r="0" g="0" b="0"/>
+      </a:effectRef>
+      <a:fontRef idx="minor"/>
+    </dgm:style>
+  </dgm:styleLbl>
+  <dgm:styleLbl name="fgAcc2">
+    <dgm:scene3d>
+      <a:camera prst="orthographicFront"/>
+      <a:lightRig rig="threePt" dir="t"/>
+    </dgm:scene3d>
+    <dgm:sp3d/>
+    <dgm:txPr/>
+    <dgm:style>
+      <a:lnRef idx="2">
+        <a:scrgbClr r="0" g="0" b="0"/>
+      </a:lnRef>
+      <a:fillRef idx="1">
+        <a:scrgbClr r="0" g="0" b="0"/>
+      </a:fillRef>
+      <a:effectRef idx="0">
+        <a:scrgbClr r="0" g="0" b="0"/>
+      </a:effectRef>
+      <a:fontRef idx="minor"/>
+    </dgm:style>
+  </dgm:styleLbl>
+  <dgm:styleLbl name="fgAcc3">
+    <dgm:scene3d>
+      <a:camera prst="orthographicFront"/>
+      <a:lightRig rig="threePt" dir="t"/>
+    </dgm:scene3d>
+    <dgm:sp3d/>
+    <dgm:txPr/>
+    <dgm:style>
+      <a:lnRef idx="2">
+        <a:scrgbClr r="0" g="0" b="0"/>
+      </a:lnRef>
+      <a:fillRef idx="1">
+        <a:scrgbClr r="0" g="0" b="0"/>
+      </a:fillRef>
+      <a:effectRef idx="0">
+        <a:scrgbClr r="0" g="0" b="0"/>
+      </a:effectRef>
+      <a:fontRef idx="minor"/>
+    </dgm:style>
+  </dgm:styleLbl>
+  <dgm:styleLbl name="fgAcc4">
+    <dgm:scene3d>
+      <a:camera prst="orthographicFront"/>
+      <a:lightRig rig="threePt" dir="t"/>
+    </dgm:scene3d>
+    <dgm:sp3d/>
+    <dgm:txPr/>
+    <dgm:style>
+      <a:lnRef idx="2">
+        <a:scrgbClr r="0" g="0" b="0"/>
+      </a:lnRef>
+      <a:fillRef idx="1">
+        <a:scrgbClr r="0" g="0" b="0"/>
+      </a:fillRef>
+      <a:effectRef idx="0">
+        <a:scrgbClr r="0" g="0" b="0"/>
+      </a:effectRef>
+      <a:fontRef idx="minor"/>
+    </dgm:style>
+  </dgm:styleLbl>
+  <dgm:styleLbl name="bgShp">
+    <dgm:scene3d>
+      <a:camera prst="orthographicFront"/>
+      <a:lightRig rig="threePt" dir="t"/>
+    </dgm:scene3d>
+    <dgm:sp3d/>
+    <dgm:txPr/>
+    <dgm:style>
+      <a:lnRef idx="0">
+        <a:scrgbClr r="0" g="0" b="0"/>
+      </a:lnRef>
+      <a:fillRef idx="1">
+        <a:scrgbClr r="0" g="0" b="0"/>
+      </a:fillRef>
+      <a:effectRef idx="0">
+        <a:scrgbClr r="0" g="0" b="0"/>
+      </a:effectRef>
+      <a:fontRef idx="minor"/>
+    </dgm:style>
+  </dgm:styleLbl>
+  <dgm:styleLbl name="dkBgShp">
+    <dgm:scene3d>
+      <a:camera prst="orthographicFront"/>
+      <a:lightRig rig="threePt" dir="t"/>
+    </dgm:scene3d>
+    <dgm:sp3d/>
+    <dgm:txPr/>
+    <dgm:style>
+      <a:lnRef idx="0">
+        <a:scrgbClr r="0" g="0" b="0"/>
+      </a:lnRef>
+      <a:fillRef idx="1">
+        <a:scrgbClr r="0" g="0" b="0"/>
+      </a:fillRef>
+      <a:effectRef idx="0">
+        <a:scrgbClr r="0" g="0" b="0"/>
+      </a:effectRef>
+      <a:fontRef idx="minor"/>
+    </dgm:style>
+  </dgm:styleLbl>
+  <dgm:styleLbl name="trBgShp">
+    <dgm:scene3d>
+      <a:camera prst="orthographicFront"/>
+      <a:lightRig rig="threePt" dir="t"/>
+    </dgm:scene3d>
+    <dgm:sp3d/>
+    <dgm:txPr/>
+    <dgm:style>
+      <a:lnRef idx="0">
+        <a:scrgbClr r="0" g="0" b="0"/>
+      </a:lnRef>
+      <a:fillRef idx="1">
+        <a:scrgbClr r="0" g="0" b="0"/>
+      </a:fillRef>
+      <a:effectRef idx="0">
+        <a:scrgbClr r="0" g="0" b="0"/>
+      </a:effectRef>
+      <a:fontRef idx="minor"/>
+    </dgm:style>
+  </dgm:styleLbl>
+  <dgm:styleLbl name="fgShp">
+    <dgm:scene3d>
+      <a:camera prst="orthographicFront"/>
+      <a:lightRig rig="threePt" dir="t"/>
+    </dgm:scene3d>
+    <dgm:sp3d/>
+    <dgm:txPr/>
+    <dgm:style>
+      <a:lnRef idx="3">
+        <a:scrgbClr r="0" g="0" b="0"/>
+      </a:lnRef>
+      <a:fillRef idx="1">
+        <a:scrgbClr r="0" g="0" b="0"/>
+      </a:fillRef>
+      <a:effectRef idx="1">
+        <a:scrgbClr r="0" g="0" b="0"/>
+      </a:effectRef>
+      <a:fontRef idx="minor"/>
+    </dgm:style>
+  </dgm:styleLbl>
+  <dgm:styleLbl name="revTx">
+    <dgm:scene3d>
+      <a:camera prst="orthographicFront"/>
+      <a:lightRig rig="threePt" dir="t"/>
+    </dgm:scene3d>
+    <dgm:sp3d/>
+    <dgm:txPr/>
+    <dgm:style>
+      <a:lnRef idx="0">
+        <a:scrgbClr r="0" g="0" b="0"/>
+      </a:lnRef>
+      <a:fillRef idx="0">
+        <a:scrgbClr r="0" g="0" b="0"/>
+      </a:fillRef>
+      <a:effectRef idx="0">
+        <a:scrgbClr r="0" g="0" b="0"/>
+      </a:effectRef>
+      <a:fontRef idx="minor"/>
+    </dgm:style>
+  </dgm:styleLbl>
+</dgm:styleDef>
+</file>
+
+<file path=ppt/diagrams/quickStyle8.xml><?xml version="1.0" encoding="utf-8"?>
 <dgm:styleDef xmlns:dgm="http://schemas.openxmlformats.org/drawingml/2006/diagram" xmlns:a="http://schemas.openxmlformats.org/drawingml/2006/main" uniqueId="urn:microsoft.com/office/officeart/2005/8/quickstyle/simple1">
   <dgm:title val=""/>
   <dgm:desc val=""/>
@@ -18976,7 +21551,7 @@
           <a:p>
             <a:fld id="{33614900-8670-4A50-A0A7-821DF61D4366}" type="slidenum">
               <a:rPr lang="en-US" smtClean="0"/>
-              <a:t>27</a:t>
+              <a:t>28</a:t>
             </a:fld>
             <a:endParaRPr lang="en-US"/>
           </a:p>
@@ -28376,7 +30951,7 @@
                   <a:schemeClr val="bg1"/>
                 </a:solidFill>
               </a:rPr>
-              <a:t>always to CLOSE</a:t>
+              <a:t>To CLOSE Database Connection</a:t>
             </a:r>
           </a:p>
         </p:txBody>
@@ -28723,6 +31298,352 @@
               <a:t>}</a:t>
             </a:r>
             <a:endParaRPr lang="en-US" sz="1400" dirty="0"/>
+          </a:p>
+        </p:txBody>
+      </p:sp>
+      <p:pic>
+        <p:nvPicPr>
+          <p:cNvPr id="5" name="Picture 4" descr="Cry Panda">
+            <a:extLst>
+              <a:ext uri="{FF2B5EF4-FFF2-40B4-BE49-F238E27FC236}">
+                <a16:creationId xmlns:a16="http://schemas.microsoft.com/office/drawing/2014/main" id="{1177935C-EA65-46E0-A6DA-723364B9DCAD}"/>
+              </a:ext>
+            </a:extLst>
+          </p:cNvPr>
+          <p:cNvPicPr>
+            <a:picLocks noChangeAspect="1"/>
+          </p:cNvPicPr>
+          <p:nvPr/>
+        </p:nvPicPr>
+        <p:blipFill>
+          <a:blip r:embed="rId3"/>
+          <a:stretch>
+            <a:fillRect/>
+          </a:stretch>
+        </p:blipFill>
+        <p:spPr>
+          <a:xfrm>
+            <a:off x="134872" y="1036320"/>
+            <a:ext cx="1899920" cy="1899920"/>
+          </a:xfrm>
+          <a:prstGeom prst="rect">
+            <a:avLst/>
+          </a:prstGeom>
+        </p:spPr>
+      </p:pic>
+      <p:pic>
+        <p:nvPicPr>
+          <p:cNvPr id="7" name="Graphic 6" descr="Door Open">
+            <a:extLst>
+              <a:ext uri="{FF2B5EF4-FFF2-40B4-BE49-F238E27FC236}">
+                <a16:creationId xmlns:a16="http://schemas.microsoft.com/office/drawing/2014/main" id="{947F6E8E-413B-4A06-88F8-C757A1EFAA5F}"/>
+              </a:ext>
+            </a:extLst>
+          </p:cNvPr>
+          <p:cNvPicPr>
+            <a:picLocks noChangeAspect="1"/>
+          </p:cNvPicPr>
+          <p:nvPr/>
+        </p:nvPicPr>
+        <p:blipFill>
+          <a:blip r:embed="rId4">
+            <a:extLst>
+              <a:ext uri="{96DAC541-7B7A-43D3-8B79-37D633B846F1}">
+                <asvg:svgBlip xmlns:asvg="http://schemas.microsoft.com/office/drawing/2016/SVG/main" r:embed="rId5"/>
+              </a:ext>
+            </a:extLst>
+          </a:blip>
+          <a:stretch>
+            <a:fillRect/>
+          </a:stretch>
+        </p:blipFill>
+        <p:spPr>
+          <a:xfrm>
+            <a:off x="4387491" y="222836"/>
+            <a:ext cx="1395077" cy="1423083"/>
+          </a:xfrm>
+          <a:prstGeom prst="rect">
+            <a:avLst/>
+          </a:prstGeom>
+        </p:spPr>
+      </p:pic>
+      <p:pic>
+        <p:nvPicPr>
+          <p:cNvPr id="9" name="Graphic 8" descr="Door Closed">
+            <a:extLst>
+              <a:ext uri="{FF2B5EF4-FFF2-40B4-BE49-F238E27FC236}">
+                <a16:creationId xmlns:a16="http://schemas.microsoft.com/office/drawing/2014/main" id="{A91BA476-55FC-4C14-9910-AE1683EC02C9}"/>
+              </a:ext>
+            </a:extLst>
+          </p:cNvPr>
+          <p:cNvPicPr>
+            <a:picLocks noChangeAspect="1"/>
+          </p:cNvPicPr>
+          <p:nvPr/>
+        </p:nvPicPr>
+        <p:blipFill>
+          <a:blip r:embed="rId6">
+            <a:extLst>
+              <a:ext uri="{96DAC541-7B7A-43D3-8B79-37D633B846F1}">
+                <asvg:svgBlip xmlns:asvg="http://schemas.microsoft.com/office/drawing/2016/SVG/main" r:embed="rId7"/>
+              </a:ext>
+            </a:extLst>
+          </a:blip>
+          <a:stretch>
+            <a:fillRect/>
+          </a:stretch>
+        </p:blipFill>
+        <p:spPr>
+          <a:xfrm>
+            <a:off x="10607040" y="222836"/>
+            <a:ext cx="1286292" cy="1423083"/>
+          </a:xfrm>
+          <a:prstGeom prst="rect">
+            <a:avLst/>
+          </a:prstGeom>
+        </p:spPr>
+      </p:pic>
+      <p:pic>
+        <p:nvPicPr>
+          <p:cNvPr id="13" name="Graphic 12" descr="Arrow circle">
+            <a:extLst>
+              <a:ext uri="{FF2B5EF4-FFF2-40B4-BE49-F238E27FC236}">
+                <a16:creationId xmlns:a16="http://schemas.microsoft.com/office/drawing/2014/main" id="{2106C89C-C0F2-4CFD-BB22-1D43B8BC9838}"/>
+              </a:ext>
+            </a:extLst>
+          </p:cNvPr>
+          <p:cNvPicPr>
+            <a:picLocks noChangeAspect="1"/>
+          </p:cNvPicPr>
+          <p:nvPr/>
+        </p:nvPicPr>
+        <p:blipFill>
+          <a:blip r:embed="rId8">
+            <a:extLst>
+              <a:ext uri="{96DAC541-7B7A-43D3-8B79-37D633B846F1}">
+                <asvg:svgBlip xmlns:asvg="http://schemas.microsoft.com/office/drawing/2016/SVG/main" r:embed="rId9"/>
+              </a:ext>
+            </a:extLst>
+          </a:blip>
+          <a:stretch>
+            <a:fillRect/>
+          </a:stretch>
+        </p:blipFill>
+        <p:spPr>
+          <a:xfrm>
+            <a:off x="7664203" y="516835"/>
+            <a:ext cx="914400" cy="914400"/>
+          </a:xfrm>
+          <a:prstGeom prst="rect">
+            <a:avLst/>
+          </a:prstGeom>
+        </p:spPr>
+      </p:pic>
+      <p:sp>
+        <p:nvSpPr>
+          <p:cNvPr id="29" name="Arrow: Right 28">
+            <a:extLst>
+              <a:ext uri="{FF2B5EF4-FFF2-40B4-BE49-F238E27FC236}">
+                <a16:creationId xmlns:a16="http://schemas.microsoft.com/office/drawing/2014/main" id="{DED35FBB-DAAA-4449-8665-ED2E2C874CBA}"/>
+              </a:ext>
+            </a:extLst>
+          </p:cNvPr>
+          <p:cNvSpPr/>
+          <p:nvPr/>
+        </p:nvSpPr>
+        <p:spPr>
+          <a:xfrm>
+            <a:off x="5782568" y="854765"/>
+            <a:ext cx="1395077" cy="79612"/>
+          </a:xfrm>
+          <a:prstGeom prst="rightArrow">
+            <a:avLst/>
+          </a:prstGeom>
+        </p:spPr>
+        <p:style>
+          <a:lnRef idx="2">
+            <a:schemeClr val="accent1">
+              <a:shade val="50000"/>
+            </a:schemeClr>
+          </a:lnRef>
+          <a:fillRef idx="1">
+            <a:schemeClr val="accent1"/>
+          </a:fillRef>
+          <a:effectRef idx="0">
+            <a:schemeClr val="accent1"/>
+          </a:effectRef>
+          <a:fontRef idx="minor">
+            <a:schemeClr val="lt1"/>
+          </a:fontRef>
+        </p:style>
+        <p:txBody>
+          <a:bodyPr rtlCol="0" anchor="ctr"/>
+          <a:lstStyle/>
+          <a:p>
+            <a:pPr algn="ctr"/>
+            <a:endParaRPr lang="en-US"/>
+          </a:p>
+        </p:txBody>
+      </p:sp>
+      <p:sp>
+        <p:nvSpPr>
+          <p:cNvPr id="31" name="Arrow: Right 30">
+            <a:extLst>
+              <a:ext uri="{FF2B5EF4-FFF2-40B4-BE49-F238E27FC236}">
+                <a16:creationId xmlns:a16="http://schemas.microsoft.com/office/drawing/2014/main" id="{1DC2BE68-AD0B-442A-BA03-4EC8D210DE7C}"/>
+              </a:ext>
+            </a:extLst>
+          </p:cNvPr>
+          <p:cNvSpPr/>
+          <p:nvPr/>
+        </p:nvSpPr>
+        <p:spPr>
+          <a:xfrm>
+            <a:off x="9065161" y="854765"/>
+            <a:ext cx="1395077" cy="79612"/>
+          </a:xfrm>
+          <a:prstGeom prst="rightArrow">
+            <a:avLst/>
+          </a:prstGeom>
+        </p:spPr>
+        <p:style>
+          <a:lnRef idx="2">
+            <a:schemeClr val="accent1">
+              <a:shade val="50000"/>
+            </a:schemeClr>
+          </a:lnRef>
+          <a:fillRef idx="1">
+            <a:schemeClr val="accent1"/>
+          </a:fillRef>
+          <a:effectRef idx="0">
+            <a:schemeClr val="accent1"/>
+          </a:effectRef>
+          <a:fontRef idx="minor">
+            <a:schemeClr val="lt1"/>
+          </a:fontRef>
+        </p:style>
+        <p:txBody>
+          <a:bodyPr rtlCol="0" anchor="ctr"/>
+          <a:lstStyle/>
+          <a:p>
+            <a:pPr algn="ctr"/>
+            <a:endParaRPr lang="en-US"/>
+          </a:p>
+        </p:txBody>
+      </p:sp>
+      <p:sp>
+        <p:nvSpPr>
+          <p:cNvPr id="32" name="TextBox 31">
+            <a:extLst>
+              <a:ext uri="{FF2B5EF4-FFF2-40B4-BE49-F238E27FC236}">
+                <a16:creationId xmlns:a16="http://schemas.microsoft.com/office/drawing/2014/main" id="{6ECBF2C3-2F99-408A-B098-A48B3596FBA3}"/>
+              </a:ext>
+            </a:extLst>
+          </p:cNvPr>
+          <p:cNvSpPr txBox="1"/>
+          <p:nvPr/>
+        </p:nvSpPr>
+        <p:spPr>
+          <a:xfrm>
+            <a:off x="4435085" y="1552320"/>
+            <a:ext cx="1254770" cy="369332"/>
+          </a:xfrm>
+          <a:prstGeom prst="rect">
+            <a:avLst/>
+          </a:prstGeom>
+          <a:noFill/>
+        </p:spPr>
+        <p:txBody>
+          <a:bodyPr wrap="square" rtlCol="0">
+            <a:spAutoFit/>
+          </a:bodyPr>
+          <a:lstStyle/>
+          <a:p>
+            <a:pPr algn="ctr"/>
+            <a:r>
+              <a:rPr lang="en-US" dirty="0">
+                <a:solidFill>
+                  <a:srgbClr val="FF0000"/>
+                </a:solidFill>
+              </a:rPr>
+              <a:t>Open</a:t>
+            </a:r>
+          </a:p>
+        </p:txBody>
+      </p:sp>
+      <p:sp>
+        <p:nvSpPr>
+          <p:cNvPr id="34" name="TextBox 33">
+            <a:extLst>
+              <a:ext uri="{FF2B5EF4-FFF2-40B4-BE49-F238E27FC236}">
+                <a16:creationId xmlns:a16="http://schemas.microsoft.com/office/drawing/2014/main" id="{6D856A6B-344E-4FA4-B8C8-BD6616ED538B}"/>
+              </a:ext>
+            </a:extLst>
+          </p:cNvPr>
+          <p:cNvSpPr txBox="1"/>
+          <p:nvPr/>
+        </p:nvSpPr>
+        <p:spPr>
+          <a:xfrm>
+            <a:off x="10622801" y="1549958"/>
+            <a:ext cx="1254770" cy="369332"/>
+          </a:xfrm>
+          <a:prstGeom prst="rect">
+            <a:avLst/>
+          </a:prstGeom>
+          <a:noFill/>
+        </p:spPr>
+        <p:txBody>
+          <a:bodyPr wrap="square" rtlCol="0">
+            <a:spAutoFit/>
+          </a:bodyPr>
+          <a:lstStyle/>
+          <a:p>
+            <a:pPr algn="ctr"/>
+            <a:r>
+              <a:rPr lang="en-US" dirty="0">
+                <a:solidFill>
+                  <a:srgbClr val="00B050"/>
+                </a:solidFill>
+              </a:rPr>
+              <a:t>Close</a:t>
+            </a:r>
+          </a:p>
+        </p:txBody>
+      </p:sp>
+      <p:sp>
+        <p:nvSpPr>
+          <p:cNvPr id="36" name="TextBox 35">
+            <a:extLst>
+              <a:ext uri="{FF2B5EF4-FFF2-40B4-BE49-F238E27FC236}">
+                <a16:creationId xmlns:a16="http://schemas.microsoft.com/office/drawing/2014/main" id="{D8E90216-0315-4691-BE14-E7522F83D5A2}"/>
+              </a:ext>
+            </a:extLst>
+          </p:cNvPr>
+          <p:cNvSpPr txBox="1"/>
+          <p:nvPr/>
+        </p:nvSpPr>
+        <p:spPr>
+          <a:xfrm>
+            <a:off x="7498690" y="1335388"/>
+            <a:ext cx="1254770" cy="369332"/>
+          </a:xfrm>
+          <a:prstGeom prst="rect">
+            <a:avLst/>
+          </a:prstGeom>
+          <a:noFill/>
+        </p:spPr>
+        <p:txBody>
+          <a:bodyPr wrap="square" rtlCol="0">
+            <a:spAutoFit/>
+          </a:bodyPr>
+          <a:lstStyle/>
+          <a:p>
+            <a:pPr algn="ctr"/>
+            <a:r>
+              <a:rPr lang="en-US" b="1" dirty="0"/>
+              <a:t>Process</a:t>
+            </a:r>
           </a:p>
         </p:txBody>
       </p:sp>
@@ -30767,7 +33688,7 @@
                 <a:effectLst/>
                 <a:latin typeface="verdana" panose="020B0604030504040204" pitchFamily="34" charset="0"/>
               </a:rPr>
-              <a:t>onnectivity. JDBC is a Java API to connect and execute database queries. JDBC API uses JDBC drivers to connect with database. Each vendor will have their own JDBC Drivers for Client Implementations.</a:t>
+              <a:t>onnectivity. JDBC is a Java API to connect and execute database queries. JDBC API uses JDBC drivers to connect with database. Each vendor will have their own JDBC Drivers for Client Exchange of Data.</a:t>
             </a:r>
           </a:p>
           <a:p>
@@ -30786,7 +33707,7 @@
             </a:pPr>
             <a:r>
               <a:rPr lang="en-US" sz="1400" b="1" dirty="0"/>
-              <a:t>What is API</a:t>
+              <a:t>What is an API</a:t>
             </a:r>
           </a:p>
           <a:p>
@@ -30881,12 +33802,8 @@
               <a:buChar char="•"/>
             </a:pPr>
             <a:r>
-              <a:rPr lang="en-US" sz="1400" dirty="0" err="1"/>
-              <a:t>Oracle,Informix,MySQL,Microsoft</a:t>
-            </a:r>
-            <a:r>
               <a:rPr lang="en-US" sz="1400" dirty="0"/>
-              <a:t> SQL Server,H2,SQLite</a:t>
+              <a:t>Oracle, Informix, MySQL, Microsoft SQL Server, H2, SQLite ……</a:t>
             </a:r>
           </a:p>
           <a:p>
@@ -33501,7 +36418,7 @@
                   <a:schemeClr val="bg1"/>
                 </a:solidFill>
               </a:rPr>
-              <a:t>Spring JPA Transaction </a:t>
+              <a:t>Traditional </a:t>
             </a:r>
             <a:r>
               <a:rPr lang="en-US" sz="2400" dirty="0">
@@ -33509,7 +36426,7 @@
                   <a:schemeClr val="bg1"/>
                 </a:solidFill>
               </a:rPr>
-              <a:t>using Annotations</a:t>
+              <a:t>JDBC Transaction</a:t>
             </a:r>
           </a:p>
         </p:txBody>
@@ -33536,49 +36453,14 @@
         </p:blipFill>
         <p:spPr>
           <a:xfrm>
-            <a:off x="4079987" y="1522152"/>
-            <a:ext cx="8122416" cy="4435590"/>
+            <a:off x="4079987" y="1341783"/>
+            <a:ext cx="8122416" cy="4615959"/>
           </a:xfrm>
           <a:prstGeom prst="rect">
             <a:avLst/>
           </a:prstGeom>
         </p:spPr>
       </p:pic>
-      <p:sp>
-        <p:nvSpPr>
-          <p:cNvPr id="6" name="TextBox 5">
-            <a:extLst>
-              <a:ext uri="{FF2B5EF4-FFF2-40B4-BE49-F238E27FC236}">
-                <a16:creationId xmlns:a16="http://schemas.microsoft.com/office/drawing/2014/main" id="{69D83397-97F5-40D2-AC17-D4A3D810E51A}"/>
-              </a:ext>
-            </a:extLst>
-          </p:cNvPr>
-          <p:cNvSpPr txBox="1"/>
-          <p:nvPr/>
-        </p:nvSpPr>
-        <p:spPr>
-          <a:xfrm>
-            <a:off x="4079987" y="576410"/>
-            <a:ext cx="2947795" cy="369332"/>
-          </a:xfrm>
-          <a:prstGeom prst="rect">
-            <a:avLst/>
-          </a:prstGeom>
-          <a:noFill/>
-        </p:spPr>
-        <p:txBody>
-          <a:bodyPr wrap="none" rtlCol="0">
-            <a:spAutoFit/>
-          </a:bodyPr>
-          <a:lstStyle/>
-          <a:p>
-            <a:r>
-              <a:rPr lang="en-US" b="1" dirty="0"/>
-              <a:t>Traditional JDBC Transaction</a:t>
-            </a:r>
-          </a:p>
-        </p:txBody>
-      </p:sp>
     </p:spTree>
     <p:extLst>
       <p:ext uri="{BB962C8B-B14F-4D97-AF65-F5344CB8AC3E}">
@@ -34734,7 +37616,7 @@
                   <a:schemeClr val="accent4"/>
                 </a:solidFill>
               </a:rPr>
-              <a:t>References</a:t>
+              <a:t>Project Technologies</a:t>
             </a:r>
           </a:p>
         </p:txBody>
@@ -34776,7 +37658,7 @@
         <p:spPr>
           <a:xfrm>
             <a:off x="1232452" y="2108201"/>
-            <a:ext cx="9862268" cy="4001095"/>
+            <a:ext cx="9862268" cy="3754874"/>
           </a:xfrm>
           <a:prstGeom prst="rect">
             <a:avLst/>
@@ -34794,16 +37676,26 @@
               <a:buChar char="•"/>
             </a:pPr>
             <a:r>
-              <a:rPr lang="en-US" sz="2400" dirty="0"/>
-              <a:t>Project Source with Presentation (ppt) </a:t>
-            </a:r>
-            <a:r>
-              <a:rPr lang="en-US" sz="2400" dirty="0">
+              <a:rPr lang="en-US" sz="2000" b="1" dirty="0"/>
+              <a:t>Eclipse</a:t>
+            </a:r>
+            <a:r>
+              <a:rPr lang="en-US" sz="2000" dirty="0"/>
+              <a:t> IDE - </a:t>
+            </a:r>
+            <a:r>
+              <a:rPr lang="en-US" sz="2000" dirty="0">
                 <a:hlinkClick r:id="rId7"/>
               </a:rPr>
-              <a:t>https://github.com/newfound-systems</a:t>
-            </a:r>
-            <a:endParaRPr lang="en-US" sz="2400" dirty="0"/>
+              <a:t>https://www.eclipse.org/</a:t>
+            </a:r>
+            <a:r>
+              <a:rPr lang="en-US" sz="2000" dirty="0"/>
+              <a:t> </a:t>
+            </a:r>
+          </a:p>
+          <a:p>
+            <a:endParaRPr lang="en-US" sz="2000" dirty="0"/>
           </a:p>
           <a:p>
             <a:pPr marL="285750" indent="-285750">
@@ -34811,33 +37703,39 @@
               <a:buChar char="•"/>
             </a:pPr>
             <a:r>
-              <a:rPr lang="en-US" sz="2400" dirty="0"/>
-              <a:t>Build Tool Maven </a:t>
-            </a:r>
-            <a:r>
-              <a:rPr lang="en-US" sz="2400" dirty="0">
+              <a:rPr lang="en-US" sz="2000" b="1"/>
+              <a:t>Apache</a:t>
+            </a:r>
+            <a:r>
+              <a:rPr lang="en-US" sz="2000"/>
+              <a:t> </a:t>
+            </a:r>
+            <a:r>
+              <a:rPr lang="en-US" sz="2000" b="1"/>
+              <a:t>Maven</a:t>
+            </a:r>
+            <a:r>
+              <a:rPr lang="en-US" sz="2000"/>
+              <a:t> </a:t>
+            </a:r>
+            <a:r>
+              <a:rPr lang="en-US" sz="2000" dirty="0"/>
+              <a:t>as Build Tool - </a:t>
+            </a:r>
+            <a:r>
+              <a:rPr lang="en-US" sz="2000" dirty="0">
                 <a:hlinkClick r:id="rId8"/>
               </a:rPr>
-              <a:t>https://maven.apache.org/</a:t>
-            </a:r>
-            <a:endParaRPr lang="en-US" sz="2400" dirty="0"/>
+              <a:t>https://maven.apache.org</a:t>
+            </a:r>
+            <a:endParaRPr lang="en-US" sz="2000" dirty="0"/>
           </a:p>
           <a:p>
             <a:pPr marL="285750" indent="-285750">
               <a:buFont typeface="Arial" panose="020B0604020202020204" pitchFamily="34" charset="0"/>
               <a:buChar char="•"/>
             </a:pPr>
-            <a:r>
-              <a:rPr lang="en-US" sz="2400" dirty="0"/>
-              <a:t>Log4J Tutorials </a:t>
-            </a:r>
-            <a:r>
-              <a:rPr lang="en-US" sz="2400" dirty="0">
-                <a:hlinkClick r:id="rId9"/>
-              </a:rPr>
-              <a:t>https://mkyong.com/logging/apache-log4j-2-tutorials/</a:t>
-            </a:r>
-            <a:endParaRPr lang="en-US" sz="2400" dirty="0"/>
+            <a:endParaRPr lang="en-US" sz="2000" dirty="0"/>
           </a:p>
           <a:p>
             <a:pPr marL="285750" indent="-285750">
@@ -34845,33 +37743,27 @@
               <a:buChar char="•"/>
             </a:pPr>
             <a:r>
-              <a:rPr lang="en-US" sz="2400" dirty="0"/>
-              <a:t>SQLite </a:t>
-            </a:r>
-            <a:r>
-              <a:rPr lang="en-US" sz="2400" dirty="0">
-                <a:hlinkClick r:id="rId10"/>
-              </a:rPr>
-              <a:t>https://sqlite.org/</a:t>
-            </a:r>
-            <a:endParaRPr lang="en-US" sz="2400" dirty="0"/>
+              <a:rPr lang="en-US" sz="2000" b="1" dirty="0"/>
+              <a:t>GitHub</a:t>
+            </a:r>
+            <a:r>
+              <a:rPr lang="en-US" sz="2000" dirty="0"/>
+              <a:t> – Source Control Management - </a:t>
+            </a:r>
+            <a:r>
+              <a:rPr lang="en-US" sz="2000" dirty="0">
+                <a:hlinkClick r:id="rId9"/>
+              </a:rPr>
+              <a:t>https://github.com</a:t>
+            </a:r>
+            <a:endParaRPr lang="en-US" sz="2000" dirty="0"/>
           </a:p>
           <a:p>
             <a:pPr marL="285750" indent="-285750">
               <a:buFont typeface="Arial" panose="020B0604020202020204" pitchFamily="34" charset="0"/>
               <a:buChar char="•"/>
             </a:pPr>
-            <a:r>
-              <a:rPr lang="en-US" sz="2400" dirty="0"/>
-              <a:t>SQLite Tutorials </a:t>
-            </a:r>
-            <a:r>
-              <a:rPr lang="en-US" sz="2400" dirty="0">
-                <a:hlinkClick r:id="rId11"/>
-              </a:rPr>
-              <a:t>https://www.tutorialspoint.com/sqlite/index.htm</a:t>
-            </a:r>
-            <a:endParaRPr lang="en-US" sz="2400" dirty="0"/>
+            <a:endParaRPr lang="en-US" sz="2000" dirty="0"/>
           </a:p>
           <a:p>
             <a:pPr marL="285750" indent="-285750">
@@ -34879,33 +37771,53 @@
               <a:buChar char="•"/>
             </a:pPr>
             <a:r>
-              <a:rPr lang="en-US" sz="2400" dirty="0"/>
-              <a:t>JDBC Wiki </a:t>
-            </a:r>
-            <a:r>
-              <a:rPr lang="en-US" sz="2400" dirty="0">
-                <a:hlinkClick r:id="rId12"/>
-              </a:rPr>
-              <a:t>https://en.wikipedia.org/wiki/Java_Database_Connectivity</a:t>
-            </a:r>
-            <a:endParaRPr lang="en-US" sz="2400" dirty="0"/>
+              <a:rPr lang="en-US" sz="2000" b="1" dirty="0" err="1"/>
+              <a:t>DBVisualizer</a:t>
+            </a:r>
+            <a:r>
+              <a:rPr lang="en-US" sz="2000" dirty="0"/>
+              <a:t> – D</a:t>
+            </a:r>
+            <a:r>
+              <a:rPr lang="en-US" sz="2000" b="0" i="0" dirty="0">
+                <a:solidFill>
+                  <a:srgbClr val="444444"/>
+                </a:solidFill>
+                <a:effectLst/>
+                <a:latin typeface="Roboto" panose="02000000000000000000" pitchFamily="2" charset="0"/>
+              </a:rPr>
+              <a:t>atabase tool for all major databases - </a:t>
+            </a:r>
+            <a:r>
+              <a:rPr lang="en-US" sz="2000" b="0" i="0" dirty="0">
+                <a:solidFill>
+                  <a:srgbClr val="006621"/>
+                </a:solidFill>
+                <a:effectLst/>
+                <a:latin typeface="Roboto" panose="02000000000000000000" pitchFamily="2" charset="0"/>
+                <a:hlinkClick r:id="rId10"/>
+              </a:rPr>
+              <a:t>https://dbvis.com</a:t>
+            </a:r>
+            <a:endParaRPr lang="en-US" sz="2000" b="0" i="0" dirty="0">
+              <a:solidFill>
+                <a:srgbClr val="006621"/>
+              </a:solidFill>
+              <a:effectLst/>
+              <a:latin typeface="Roboto" panose="02000000000000000000" pitchFamily="2" charset="0"/>
+            </a:endParaRPr>
           </a:p>
           <a:p>
             <a:pPr marL="285750" indent="-285750">
               <a:buFont typeface="Arial" panose="020B0604020202020204" pitchFamily="34" charset="0"/>
               <a:buChar char="•"/>
             </a:pPr>
-            <a:r>
-              <a:rPr lang="en-US" sz="2400" dirty="0"/>
-              <a:t>Spring Boot </a:t>
-            </a:r>
-            <a:r>
-              <a:rPr lang="en-US" sz="2400" dirty="0">
-                <a:hlinkClick r:id="rId13"/>
-              </a:rPr>
-              <a:t>https://spring.io/projects/spring-boot</a:t>
-            </a:r>
-            <a:endParaRPr lang="en-US" sz="2400" dirty="0"/>
+            <a:endParaRPr lang="en-US" sz="2000" dirty="0">
+              <a:solidFill>
+                <a:srgbClr val="006621"/>
+              </a:solidFill>
+              <a:latin typeface="Roboto" panose="02000000000000000000" pitchFamily="2" charset="0"/>
+            </a:endParaRPr>
           </a:p>
           <a:p>
             <a:pPr marL="285750" indent="-285750">
@@ -34913,22 +37825,58 @@
               <a:buChar char="•"/>
             </a:pPr>
             <a:r>
-              <a:rPr lang="en-US" sz="2400" dirty="0"/>
-              <a:t>Spring Boot with JPA </a:t>
-            </a:r>
-            <a:r>
-              <a:rPr lang="en-US" sz="2400" dirty="0">
-                <a:hlinkClick r:id="rId14"/>
-              </a:rPr>
-              <a:t>https://www.javatpoint.com/spring-boot-jpa</a:t>
-            </a:r>
-            <a:endParaRPr lang="en-US" sz="2400" dirty="0"/>
+              <a:rPr lang="en-US" sz="2000" b="1" dirty="0"/>
+              <a:t>SQLite</a:t>
+            </a:r>
+            <a:r>
+              <a:rPr lang="en-US" sz="2000" b="0" i="0" dirty="0">
+                <a:solidFill>
+                  <a:srgbClr val="006621"/>
+                </a:solidFill>
+                <a:effectLst/>
+                <a:latin typeface="Roboto" panose="02000000000000000000" pitchFamily="2" charset="0"/>
+              </a:rPr>
+              <a:t> - </a:t>
+            </a:r>
+            <a:r>
+              <a:rPr lang="en-US" sz="2000" dirty="0">
+                <a:hlinkClick r:id="rId11"/>
+              </a:rPr>
+              <a:t>https://sqlite.org/</a:t>
+            </a:r>
+            <a:endParaRPr lang="en-US" sz="2000" dirty="0"/>
           </a:p>
           <a:p>
             <a:pPr marL="285750" indent="-285750">
               <a:buFont typeface="Arial" panose="020B0604020202020204" pitchFamily="34" charset="0"/>
               <a:buChar char="•"/>
             </a:pPr>
+            <a:endParaRPr lang="en-US" sz="2000" dirty="0">
+              <a:solidFill>
+                <a:srgbClr val="006621"/>
+              </a:solidFill>
+              <a:latin typeface="Roboto" panose="02000000000000000000" pitchFamily="2" charset="0"/>
+            </a:endParaRPr>
+          </a:p>
+          <a:p>
+            <a:pPr marL="285750" indent="-285750">
+              <a:buFont typeface="Arial" panose="020B0604020202020204" pitchFamily="34" charset="0"/>
+              <a:buChar char="•"/>
+            </a:pPr>
+            <a:r>
+              <a:rPr lang="en-US" sz="2000" b="1" dirty="0"/>
+              <a:t>Java</a:t>
+            </a:r>
+            <a:r>
+              <a:rPr lang="en-US" sz="2000" b="0" i="0" dirty="0">
+                <a:solidFill>
+                  <a:srgbClr val="006621"/>
+                </a:solidFill>
+                <a:effectLst/>
+                <a:latin typeface="Roboto" panose="02000000000000000000" pitchFamily="2" charset="0"/>
+              </a:rPr>
+              <a:t> JDK 1.8x </a:t>
+            </a:r>
             <a:endParaRPr lang="en-US" sz="2000" dirty="0"/>
           </a:p>
           <a:p>
@@ -34965,6 +37913,281 @@
 </file>
 
 <file path=ppt/slides/slide27.xml><?xml version="1.0" encoding="utf-8"?>
+<p:sld xmlns:a="http://schemas.openxmlformats.org/drawingml/2006/main" xmlns:r="http://schemas.openxmlformats.org/officeDocument/2006/relationships" xmlns:p="http://schemas.openxmlformats.org/presentationml/2006/main">
+  <p:cSld>
+    <p:spTree>
+      <p:nvGrpSpPr>
+        <p:cNvPr id="1" name=""/>
+        <p:cNvGrpSpPr/>
+        <p:nvPr/>
+      </p:nvGrpSpPr>
+      <p:grpSpPr>
+        <a:xfrm>
+          <a:off x="0" y="0"/>
+          <a:ext cx="0" cy="0"/>
+          <a:chOff x="0" y="0"/>
+          <a:chExt cx="0" cy="0"/>
+        </a:xfrm>
+      </p:grpSpPr>
+      <p:sp>
+        <p:nvSpPr>
+          <p:cNvPr id="2" name="Title 1">
+            <a:extLst>
+              <a:ext uri="{FF2B5EF4-FFF2-40B4-BE49-F238E27FC236}">
+                <a16:creationId xmlns:a16="http://schemas.microsoft.com/office/drawing/2014/main" id="{0AE422CB-EBC9-4703-870C-8981A495893A}"/>
+              </a:ext>
+            </a:extLst>
+          </p:cNvPr>
+          <p:cNvSpPr>
+            <a:spLocks noGrp="1"/>
+          </p:cNvSpPr>
+          <p:nvPr>
+            <p:ph type="title"/>
+          </p:nvPr>
+        </p:nvSpPr>
+        <p:spPr>
+          <a:xfrm>
+            <a:off x="1036320" y="286603"/>
+            <a:ext cx="10058400" cy="1450757"/>
+          </a:xfrm>
+        </p:spPr>
+        <p:txBody>
+          <a:bodyPr>
+            <a:normAutofit/>
+          </a:bodyPr>
+          <a:lstStyle/>
+          <a:p>
+            <a:r>
+              <a:rPr lang="en-US" dirty="0">
+                <a:solidFill>
+                  <a:schemeClr val="accent4"/>
+                </a:solidFill>
+              </a:rPr>
+              <a:t>References</a:t>
+            </a:r>
+          </a:p>
+        </p:txBody>
+      </p:sp>
+      <p:graphicFrame>
+        <p:nvGraphicFramePr>
+          <p:cNvPr id="7" name="Diagram 6">
+            <a:extLst>
+              <a:ext uri="{FF2B5EF4-FFF2-40B4-BE49-F238E27FC236}">
+                <a16:creationId xmlns:a16="http://schemas.microsoft.com/office/drawing/2014/main" id="{465CF49B-565A-46E3-94A9-7A030BFACF03}"/>
+              </a:ext>
+            </a:extLst>
+          </p:cNvPr>
+          <p:cNvGraphicFramePr/>
+          <p:nvPr/>
+        </p:nvGraphicFramePr>
+        <p:xfrm>
+          <a:off x="4706460" y="2108201"/>
+          <a:ext cx="6388260" cy="3760891"/>
+        </p:xfrm>
+        <a:graphic>
+          <a:graphicData uri="http://schemas.openxmlformats.org/drawingml/2006/diagram">
+            <dgm:relIds xmlns:dgm="http://schemas.openxmlformats.org/drawingml/2006/diagram" xmlns:r="http://schemas.openxmlformats.org/officeDocument/2006/relationships" r:dm="rId2" r:lo="rId3" r:qs="rId4" r:cs="rId5"/>
+          </a:graphicData>
+        </a:graphic>
+      </p:graphicFrame>
+      <p:sp>
+        <p:nvSpPr>
+          <p:cNvPr id="3" name="TextBox 2">
+            <a:extLst>
+              <a:ext uri="{FF2B5EF4-FFF2-40B4-BE49-F238E27FC236}">
+                <a16:creationId xmlns:a16="http://schemas.microsoft.com/office/drawing/2014/main" id="{08C452E9-DA34-4793-A6DE-2E23E8CEEC4E}"/>
+              </a:ext>
+            </a:extLst>
+          </p:cNvPr>
+          <p:cNvSpPr txBox="1"/>
+          <p:nvPr/>
+        </p:nvSpPr>
+        <p:spPr>
+          <a:xfrm>
+            <a:off x="1232452" y="2108201"/>
+            <a:ext cx="9862268" cy="3046988"/>
+          </a:xfrm>
+          <a:prstGeom prst="rect">
+            <a:avLst/>
+          </a:prstGeom>
+          <a:noFill/>
+        </p:spPr>
+        <p:txBody>
+          <a:bodyPr wrap="square" rtlCol="0">
+            <a:spAutoFit/>
+          </a:bodyPr>
+          <a:lstStyle/>
+          <a:p>
+            <a:pPr lvl="0">
+              <a:lnSpc>
+                <a:spcPct val="100000"/>
+              </a:lnSpc>
+            </a:pPr>
+            <a:r>
+              <a:rPr lang="en-US" sz="2400" dirty="0"/>
+              <a:t>Project Source with Presentation (ppt) - </a:t>
+            </a:r>
+            <a:r>
+              <a:rPr lang="en-US" sz="1600" dirty="0">
+                <a:hlinkClick r:id="rId7"/>
+              </a:rPr>
+              <a:t>https://github.com/newfound-systems/JdbcExample</a:t>
+            </a:r>
+            <a:r>
+              <a:rPr lang="en-US" sz="2000" dirty="0"/>
+              <a:t> </a:t>
+            </a:r>
+          </a:p>
+          <a:p>
+            <a:pPr marL="285750" indent="-285750">
+              <a:buFont typeface="Arial" panose="020B0604020202020204" pitchFamily="34" charset="0"/>
+              <a:buChar char="•"/>
+            </a:pPr>
+            <a:r>
+              <a:rPr lang="en-US" sz="2400" dirty="0"/>
+              <a:t>Build Tool Maven - </a:t>
+            </a:r>
+            <a:r>
+              <a:rPr lang="en-US" sz="2000" dirty="0">
+                <a:hlinkClick r:id="rId8"/>
+              </a:rPr>
+              <a:t>https://maven.apache.org/</a:t>
+            </a:r>
+            <a:endParaRPr lang="en-US" sz="2000" dirty="0"/>
+          </a:p>
+          <a:p>
+            <a:pPr marL="285750" indent="-285750">
+              <a:buFont typeface="Arial" panose="020B0604020202020204" pitchFamily="34" charset="0"/>
+              <a:buChar char="•"/>
+            </a:pPr>
+            <a:r>
+              <a:rPr lang="en-US" sz="2400" dirty="0"/>
+              <a:t>Log4J Tutorials - </a:t>
+            </a:r>
+            <a:r>
+              <a:rPr lang="en-US" sz="2000" dirty="0">
+                <a:hlinkClick r:id="rId9"/>
+              </a:rPr>
+              <a:t>https://mkyong.com/logging/apache-log4j-2-tutorials/</a:t>
+            </a:r>
+            <a:endParaRPr lang="en-US" sz="2000" dirty="0"/>
+          </a:p>
+          <a:p>
+            <a:pPr marL="285750" indent="-285750">
+              <a:buFont typeface="Arial" panose="020B0604020202020204" pitchFamily="34" charset="0"/>
+              <a:buChar char="•"/>
+            </a:pPr>
+            <a:r>
+              <a:rPr lang="en-US" sz="2400" dirty="0"/>
+              <a:t>SQLite - </a:t>
+            </a:r>
+            <a:r>
+              <a:rPr lang="en-US" sz="2000" dirty="0">
+                <a:hlinkClick r:id="rId10"/>
+              </a:rPr>
+              <a:t>https://sqlite.org/</a:t>
+            </a:r>
+            <a:endParaRPr lang="en-US" sz="2000" dirty="0"/>
+          </a:p>
+          <a:p>
+            <a:pPr marL="285750" indent="-285750">
+              <a:buFont typeface="Arial" panose="020B0604020202020204" pitchFamily="34" charset="0"/>
+              <a:buChar char="•"/>
+            </a:pPr>
+            <a:r>
+              <a:rPr lang="en-US" sz="2400" dirty="0"/>
+              <a:t>SQLite Tutorials - </a:t>
+            </a:r>
+            <a:r>
+              <a:rPr lang="en-US" sz="2000" dirty="0">
+                <a:hlinkClick r:id="rId11"/>
+              </a:rPr>
+              <a:t>https://www.tutorialspoint.com/sqlite/index.htm</a:t>
+            </a:r>
+            <a:endParaRPr lang="en-US" sz="2000" dirty="0"/>
+          </a:p>
+          <a:p>
+            <a:pPr marL="285750" indent="-285750">
+              <a:buFont typeface="Arial" panose="020B0604020202020204" pitchFamily="34" charset="0"/>
+              <a:buChar char="•"/>
+            </a:pPr>
+            <a:r>
+              <a:rPr lang="en-US" sz="2400" dirty="0"/>
+              <a:t>JDBC Wiki - </a:t>
+            </a:r>
+            <a:r>
+              <a:rPr lang="en-US" sz="2000" dirty="0">
+                <a:hlinkClick r:id="rId12"/>
+              </a:rPr>
+              <a:t>https://en.wikipedia.org/wiki/Java_Database_Connectivity</a:t>
+            </a:r>
+            <a:endParaRPr lang="en-US" sz="2000" dirty="0"/>
+          </a:p>
+          <a:p>
+            <a:pPr marL="285750" indent="-285750">
+              <a:buFont typeface="Arial" panose="020B0604020202020204" pitchFamily="34" charset="0"/>
+              <a:buChar char="•"/>
+            </a:pPr>
+            <a:r>
+              <a:rPr lang="en-US" sz="2400" dirty="0"/>
+              <a:t>Spring Boot - </a:t>
+            </a:r>
+            <a:r>
+              <a:rPr lang="en-US" sz="2000" dirty="0">
+                <a:hlinkClick r:id="rId13"/>
+              </a:rPr>
+              <a:t>https://spring.io/projects/spring-boot</a:t>
+            </a:r>
+            <a:endParaRPr lang="en-US" sz="2000" dirty="0"/>
+          </a:p>
+          <a:p>
+            <a:pPr marL="285750" indent="-285750">
+              <a:buFont typeface="Arial" panose="020B0604020202020204" pitchFamily="34" charset="0"/>
+              <a:buChar char="•"/>
+            </a:pPr>
+            <a:r>
+              <a:rPr lang="en-US" sz="2400" dirty="0"/>
+              <a:t>Spring Boot with JPA - </a:t>
+            </a:r>
+            <a:r>
+              <a:rPr lang="en-US" sz="2000" dirty="0">
+                <a:hlinkClick r:id="rId14"/>
+              </a:rPr>
+              <a:t>https://www.javatpoint.com/spring-boot-jpa</a:t>
+            </a:r>
+            <a:r>
+              <a:rPr lang="en-US" dirty="0"/>
+              <a:t> </a:t>
+            </a:r>
+          </a:p>
+        </p:txBody>
+      </p:sp>
+    </p:spTree>
+    <p:extLst>
+      <p:ext uri="{BB962C8B-B14F-4D97-AF65-F5344CB8AC3E}">
+        <p14:creationId xmlns:p14="http://schemas.microsoft.com/office/powerpoint/2010/main" val="3661903826"/>
+      </p:ext>
+    </p:extLst>
+  </p:cSld>
+  <p:clrMapOvr>
+    <a:masterClrMapping/>
+  </p:clrMapOvr>
+  <mc:AlternateContent xmlns:mc="http://schemas.openxmlformats.org/markup-compatibility/2006">
+    <mc:Choice xmlns:p14="http://schemas.microsoft.com/office/powerpoint/2010/main" Requires="p14">
+      <p:transition spd="med" p14:dur="700">
+        <p:fade/>
+      </p:transition>
+    </mc:Choice>
+    <mc:Fallback>
+      <p:transition spd="med">
+        <p:fade/>
+      </p:transition>
+    </mc:Fallback>
+  </mc:AlternateContent>
+</p:sld>
+</file>
+
+<file path=ppt/slides/slide28.xml><?xml version="1.0" encoding="utf-8"?>
 <p:sld xmlns:a="http://schemas.openxmlformats.org/drawingml/2006/main" xmlns:r="http://schemas.openxmlformats.org/officeDocument/2006/relationships" xmlns:p="http://schemas.openxmlformats.org/presentationml/2006/main">
   <p:cSld>
     <p:bg>
@@ -35042,7 +38265,7 @@
           <a:p>
             <a:pPr algn="r"/>
             <a:r>
-              <a:rPr lang="en-US" sz="8000" dirty="0">
+              <a:rPr lang="en-US" sz="8000">
                 <a:solidFill>
                   <a:schemeClr val="tx1">
                     <a:lumMod val="85000"/>
@@ -35052,6 +38275,14 @@
               </a:rPr>
               <a:t>Thank You</a:t>
             </a:r>
+            <a:endParaRPr lang="en-US" sz="8000" dirty="0">
+              <a:solidFill>
+                <a:schemeClr val="tx1">
+                  <a:lumMod val="85000"/>
+                  <a:lumOff val="15000"/>
+                </a:schemeClr>
+              </a:solidFill>
+            </a:endParaRPr>
           </a:p>
         </p:txBody>
       </p:sp>
@@ -35107,7 +38338,7 @@
           <p:nvPr>
             <p:extLst>
               <p:ext uri="{D42A27DB-BD31-4B8C-83A1-F6EECF244321}">
-                <p14:modId xmlns:p14="http://schemas.microsoft.com/office/powerpoint/2010/main" val="2156927445"/>
+                <p14:modId xmlns:p14="http://schemas.microsoft.com/office/powerpoint/2010/main" val="3346946088"/>
               </p:ext>
             </p:extLst>
           </p:nvPr>
@@ -38812,7 +42043,7 @@
           <a:p>
             <a:r>
               <a:rPr lang="en-US" sz="1400" dirty="0"/>
-              <a:t>The JDBC classes are contained in the Java package </a:t>
+              <a:t>The JDBC classes are contained in Java package </a:t>
             </a:r>
             <a:r>
               <a:rPr lang="en-US" sz="1400" b="1" dirty="0" err="1"/>
@@ -41925,12 +45156,12 @@
 </file>
 
 <file path=customXml/item1.xml><?xml version="1.0" encoding="utf-8"?>
-<?mso-contentType ?>
-<FormTemplates xmlns="http://schemas.microsoft.com/sharepoint/v3/contenttype/forms">
-  <Display>DocumentLibraryForm</Display>
-  <Edit>DocumentLibraryForm</Edit>
-  <New>DocumentLibraryForm</New>
-</FormTemplates>
+<p:properties xmlns:p="http://schemas.microsoft.com/office/2006/metadata/properties" xmlns:xsi="http://www.w3.org/2001/XMLSchema-instance" xmlns:pc="http://schemas.microsoft.com/office/infopath/2007/PartnerControls">
+  <documentManagement>
+    <Status xmlns="71af3243-3dd4-4a8d-8c0d-dd76da1f02a5">Not started</Status>
+    <MediaServiceKeyPoints xmlns="71af3243-3dd4-4a8d-8c0d-dd76da1f02a5" xsi:nil="true"/>
+  </documentManagement>
+</p:properties>
 </file>
 
 <file path=customXml/item2.xml><?xml version="1.0" encoding="utf-8"?>
@@ -42155,18 +45386,20 @@
 </file>
 
 <file path=customXml/item3.xml><?xml version="1.0" encoding="utf-8"?>
-<p:properties xmlns:p="http://schemas.microsoft.com/office/2006/metadata/properties" xmlns:xsi="http://www.w3.org/2001/XMLSchema-instance" xmlns:pc="http://schemas.microsoft.com/office/infopath/2007/PartnerControls">
-  <documentManagement>
-    <Status xmlns="71af3243-3dd4-4a8d-8c0d-dd76da1f02a5">Not started</Status>
-    <MediaServiceKeyPoints xmlns="71af3243-3dd4-4a8d-8c0d-dd76da1f02a5" xsi:nil="true"/>
-  </documentManagement>
-</p:properties>
+<?mso-contentType ?>
+<FormTemplates xmlns="http://schemas.microsoft.com/sharepoint/v3/contenttype/forms">
+  <Display>DocumentLibraryForm</Display>
+  <Edit>DocumentLibraryForm</Edit>
+  <New>DocumentLibraryForm</New>
+</FormTemplates>
 </file>
 
 <file path=customXml/itemProps1.xml><?xml version="1.0" encoding="utf-8"?>
-<ds:datastoreItem xmlns:ds="http://schemas.openxmlformats.org/officeDocument/2006/customXml" ds:itemID="{2E5ECA37-C458-4BA2-A090-D7A19E07B434}">
+<ds:datastoreItem xmlns:ds="http://schemas.openxmlformats.org/officeDocument/2006/customXml" ds:itemID="{84F503EC-3FFF-4193-A86F-39150E2BAC75}">
   <ds:schemaRefs>
-    <ds:schemaRef ds:uri="http://schemas.microsoft.com/sharepoint/v3/contenttype/forms"/>
+    <ds:schemaRef ds:uri="http://schemas.microsoft.com/office/2006/metadata/properties"/>
+    <ds:schemaRef ds:uri="http://schemas.microsoft.com/office/infopath/2007/PartnerControls"/>
+    <ds:schemaRef ds:uri="71af3243-3dd4-4a8d-8c0d-dd76da1f02a5"/>
   </ds:schemaRefs>
 </ds:datastoreItem>
 </file>
@@ -42191,11 +45424,9 @@
 </file>
 
 <file path=customXml/itemProps3.xml><?xml version="1.0" encoding="utf-8"?>
-<ds:datastoreItem xmlns:ds="http://schemas.openxmlformats.org/officeDocument/2006/customXml" ds:itemID="{84F503EC-3FFF-4193-A86F-39150E2BAC75}">
+<ds:datastoreItem xmlns:ds="http://schemas.openxmlformats.org/officeDocument/2006/customXml" ds:itemID="{2E5ECA37-C458-4BA2-A090-D7A19E07B434}">
   <ds:schemaRefs>
-    <ds:schemaRef ds:uri="http://schemas.microsoft.com/office/2006/metadata/properties"/>
-    <ds:schemaRef ds:uri="http://schemas.microsoft.com/office/infopath/2007/PartnerControls"/>
-    <ds:schemaRef ds:uri="71af3243-3dd4-4a8d-8c0d-dd76da1f02a5"/>
+    <ds:schemaRef ds:uri="http://schemas.microsoft.com/sharepoint/v3/contenttype/forms"/>
   </ds:schemaRefs>
 </ds:datastoreItem>
 </file>
--- a/docs/JDBC Insights.pptx
+++ b/docs/JDBC Insights.pptx
@@ -5,7 +5,7 @@
     <p:sldMasterId id="2147483660" r:id="rId4"/>
   </p:sldMasterIdLst>
   <p:notesMasterIdLst>
-    <p:notesMasterId r:id="rId33"/>
+    <p:notesMasterId r:id="rId34"/>
   </p:notesMasterIdLst>
   <p:sldIdLst>
     <p:sldId id="265" r:id="rId5"/>
@@ -26,16 +26,17 @@
     <p:sldId id="309" r:id="rId20"/>
     <p:sldId id="301" r:id="rId21"/>
     <p:sldId id="302" r:id="rId22"/>
-    <p:sldId id="312" r:id="rId23"/>
-    <p:sldId id="297" r:id="rId24"/>
-    <p:sldId id="298" r:id="rId25"/>
-    <p:sldId id="299" r:id="rId26"/>
-    <p:sldId id="303" r:id="rId27"/>
-    <p:sldId id="304" r:id="rId28"/>
-    <p:sldId id="310" r:id="rId29"/>
-    <p:sldId id="313" r:id="rId30"/>
-    <p:sldId id="314" r:id="rId31"/>
-    <p:sldId id="300" r:id="rId32"/>
+    <p:sldId id="315" r:id="rId23"/>
+    <p:sldId id="312" r:id="rId24"/>
+    <p:sldId id="297" r:id="rId25"/>
+    <p:sldId id="298" r:id="rId26"/>
+    <p:sldId id="299" r:id="rId27"/>
+    <p:sldId id="303" r:id="rId28"/>
+    <p:sldId id="304" r:id="rId29"/>
+    <p:sldId id="310" r:id="rId30"/>
+    <p:sldId id="313" r:id="rId31"/>
+    <p:sldId id="314" r:id="rId32"/>
+    <p:sldId id="300" r:id="rId33"/>
   </p:sldIdLst>
   <p:sldSz cx="12192000" cy="6858000"/>
   <p:notesSz cx="6858000" cy="9144000"/>
@@ -21551,7 +21552,7 @@
           <a:p>
             <a:fld id="{33614900-8670-4A50-A0A7-821DF61D4366}" type="slidenum">
               <a:rPr lang="en-US" smtClean="0"/>
-              <a:t>28</a:t>
+              <a:t>29</a:t>
             </a:fld>
             <a:endParaRPr lang="en-US"/>
           </a:p>
@@ -24960,8 +24961,12 @@
           <a:lstStyle/>
           <a:p>
             <a:r>
+              <a:rPr lang="en-US" sz="1100" dirty="0"/>
+              <a:t>By</a:t>
+            </a:r>
+            <a:r>
               <a:rPr lang="en-US" dirty="0"/>
-              <a:t>By newfound systems, </a:t>
+              <a:t> newfound systems, </a:t>
             </a:r>
             <a:r>
               <a:rPr lang="en-US" sz="1400" dirty="0"/>
@@ -30951,7 +30956,7 @@
                   <a:schemeClr val="bg1"/>
                 </a:solidFill>
               </a:rPr>
-              <a:t>To CLOSE Database Connection</a:t>
+              <a:t>To CLOSE Database Connection Finally</a:t>
             </a:r>
           </a:p>
         </p:txBody>
@@ -30970,7 +30975,7 @@
         </p:nvSpPr>
         <p:spPr>
           <a:xfrm>
-            <a:off x="4435085" y="2412068"/>
+            <a:off x="4259903" y="3321210"/>
             <a:ext cx="7762584" cy="2246769"/>
           </a:xfrm>
           <a:prstGeom prst="rect">
@@ -31546,7 +31551,7 @@
         <p:spPr>
           <a:xfrm>
             <a:off x="4435085" y="1552320"/>
-            <a:ext cx="1254770" cy="369332"/>
+            <a:ext cx="1331844" cy="646331"/>
           </a:xfrm>
           <a:prstGeom prst="rect">
             <a:avLst/>
@@ -31561,12 +31566,23 @@
           <a:p>
             <a:pPr algn="ctr"/>
             <a:r>
-              <a:rPr lang="en-US" dirty="0">
+              <a:rPr lang="en-US" b="1" dirty="0">
                 <a:solidFill>
                   <a:srgbClr val="FF0000"/>
                 </a:solidFill>
               </a:rPr>
               <a:t>Open</a:t>
+            </a:r>
+          </a:p>
+          <a:p>
+            <a:pPr algn="ctr"/>
+            <a:r>
+              <a:rPr lang="en-US" b="1" dirty="0">
+                <a:solidFill>
+                  <a:srgbClr val="FF0000"/>
+                </a:solidFill>
+              </a:rPr>
+              <a:t>Connection</a:t>
             </a:r>
           </a:p>
         </p:txBody>
@@ -31585,8 +31601,8 @@
         </p:nvSpPr>
         <p:spPr>
           <a:xfrm>
-            <a:off x="10622801" y="1549958"/>
-            <a:ext cx="1254770" cy="369332"/>
+            <a:off x="10545727" y="1549958"/>
+            <a:ext cx="1331844" cy="646331"/>
           </a:xfrm>
           <a:prstGeom prst="rect">
             <a:avLst/>
@@ -31601,12 +31617,12 @@
           <a:p>
             <a:pPr algn="ctr"/>
             <a:r>
-              <a:rPr lang="en-US" dirty="0">
+              <a:rPr lang="en-US" b="1" dirty="0">
                 <a:solidFill>
                   <a:srgbClr val="00B050"/>
                 </a:solidFill>
               </a:rPr>
-              <a:t>Close</a:t>
+              <a:t>Close Connection</a:t>
             </a:r>
           </a:p>
         </p:txBody>
@@ -32232,7 +32248,67 @@
                 <a:effectLst/>
                 <a:latin typeface="Arial" panose="020B0604020202020204" pitchFamily="34" charset="0"/>
               </a:rPr>
-              <a:t> against a data set(s) and treated in a coherent. A transaction generally represents change to data table(s).</a:t>
+              <a:t> against a data set(s) and treated in a logical work. A transaction generally represents change to data table(s) like </a:t>
+            </a:r>
+            <a:r>
+              <a:rPr lang="en-US" sz="1400" b="0" i="1" dirty="0">
+                <a:solidFill>
+                  <a:srgbClr val="202122"/>
+                </a:solidFill>
+                <a:effectLst/>
+                <a:latin typeface="Arial" panose="020B0604020202020204" pitchFamily="34" charset="0"/>
+              </a:rPr>
+              <a:t>UPDATE</a:t>
+            </a:r>
+            <a:r>
+              <a:rPr lang="en-US" sz="1400" b="0" i="0" dirty="0">
+                <a:solidFill>
+                  <a:srgbClr val="202122"/>
+                </a:solidFill>
+                <a:effectLst/>
+                <a:latin typeface="Arial" panose="020B0604020202020204" pitchFamily="34" charset="0"/>
+              </a:rPr>
+              <a:t> and/or </a:t>
+            </a:r>
+            <a:r>
+              <a:rPr lang="en-US" sz="1400" b="0" i="1" dirty="0">
+                <a:solidFill>
+                  <a:srgbClr val="202122"/>
+                </a:solidFill>
+                <a:effectLst/>
+                <a:latin typeface="Arial" panose="020B0604020202020204" pitchFamily="34" charset="0"/>
+              </a:rPr>
+              <a:t>DELETE</a:t>
+            </a:r>
+            <a:r>
+              <a:rPr lang="en-US" sz="1400" b="0" i="0" dirty="0">
+                <a:solidFill>
+                  <a:srgbClr val="202122"/>
+                </a:solidFill>
+                <a:effectLst/>
+                <a:latin typeface="Arial" panose="020B0604020202020204" pitchFamily="34" charset="0"/>
+              </a:rPr>
+              <a:t> and/or </a:t>
+            </a:r>
+            <a:r>
+              <a:rPr lang="en-US" sz="1400" b="0" i="1" dirty="0">
+                <a:solidFill>
+                  <a:srgbClr val="202122"/>
+                </a:solidFill>
+                <a:effectLst/>
+                <a:latin typeface="Arial" panose="020B0604020202020204" pitchFamily="34" charset="0"/>
+              </a:rPr>
+              <a:t>INSERT</a:t>
+            </a:r>
+            <a:r>
+              <a:rPr lang="en-US" sz="1400" b="0" i="0" dirty="0">
+                <a:solidFill>
+                  <a:srgbClr val="202122"/>
+                </a:solidFill>
+                <a:effectLst/>
+                <a:latin typeface="Arial" panose="020B0604020202020204" pitchFamily="34" charset="0"/>
+              </a:rPr>
+              <a:t>.</a:t>
             </a:r>
             <a:endParaRPr lang="en-US" sz="1400" dirty="0"/>
           </a:p>
@@ -32324,7 +32400,7 @@
         <p:spPr>
           <a:xfrm>
             <a:off x="4395249" y="2153727"/>
-            <a:ext cx="7652207" cy="4401205"/>
+            <a:ext cx="7652207" cy="4616648"/>
           </a:xfrm>
           <a:prstGeom prst="rect">
             <a:avLst/>
@@ -32336,6 +32412,18 @@
             <a:spAutoFit/>
           </a:bodyPr>
           <a:lstStyle/>
+          <a:p>
+            <a:pPr lvl="1"/>
+            <a:r>
+              <a:rPr lang="en-US" sz="1400" b="1" dirty="0">
+                <a:solidFill>
+                  <a:srgbClr val="FF0000"/>
+                </a:solidFill>
+                <a:latin typeface="Consolas" panose="020B0609020204030204" pitchFamily="49" charset="0"/>
+              </a:rPr>
+              <a:t>Example</a:t>
+            </a:r>
+          </a:p>
           <a:p>
             <a:pPr lvl="1"/>
             <a:r>
@@ -32861,7 +32949,7 @@
         <p:spPr>
           <a:xfrm>
             <a:off x="4319833" y="260576"/>
-            <a:ext cx="7379797" cy="1077218"/>
+            <a:ext cx="7379797" cy="3785652"/>
           </a:xfrm>
           <a:prstGeom prst="rect">
             <a:avLst/>
@@ -32874,9 +32962,143 @@
           </a:bodyPr>
           <a:lstStyle/>
           <a:p>
+            <a:pPr algn="l"/>
+            <a:r>
+              <a:rPr lang="en-US" sz="1600" b="1" i="0" dirty="0">
+                <a:solidFill>
+                  <a:srgbClr val="FF0000"/>
+                </a:solidFill>
+                <a:effectLst/>
+                <a:latin typeface="raleway"/>
+              </a:rPr>
+              <a:t>Traditional Database Connection Trip</a:t>
+            </a:r>
+          </a:p>
+          <a:p>
+            <a:pPr algn="l"/>
+            <a:endParaRPr lang="en-US" sz="1600" b="0" i="0" dirty="0">
+              <a:solidFill>
+                <a:srgbClr val="333333"/>
+              </a:solidFill>
+              <a:effectLst/>
+              <a:latin typeface="raleway"/>
+            </a:endParaRPr>
+          </a:p>
+          <a:p>
+            <a:pPr algn="l">
+              <a:buFont typeface="+mj-lt"/>
+              <a:buAutoNum type="arabicPeriod"/>
+            </a:pPr>
+            <a:r>
+              <a:rPr lang="en-US" sz="1600" b="0" i="0" dirty="0">
+                <a:solidFill>
+                  <a:srgbClr val="333333"/>
+                </a:solidFill>
+                <a:effectLst/>
+                <a:latin typeface="raleway"/>
+              </a:rPr>
+              <a:t>Opening a connection to the database using the database driver</a:t>
+            </a:r>
+          </a:p>
+          <a:p>
+            <a:pPr algn="l">
+              <a:buFont typeface="+mj-lt"/>
+              <a:buAutoNum type="arabicPeriod"/>
+            </a:pPr>
+            <a:r>
+              <a:rPr lang="en-US" sz="1600" b="0" i="0" dirty="0">
+                <a:solidFill>
+                  <a:srgbClr val="333333"/>
+                </a:solidFill>
+                <a:effectLst/>
+                <a:latin typeface="raleway"/>
+              </a:rPr>
+              <a:t>Opening a </a:t>
+            </a:r>
+            <a:r>
+              <a:rPr lang="en-US" sz="1600" b="0" i="0" u="none" strike="noStrike" dirty="0">
+                <a:solidFill>
+                  <a:srgbClr val="63B175"/>
+                </a:solidFill>
+                <a:effectLst/>
+                <a:latin typeface="raleway"/>
+                <a:hlinkClick r:id="rId2"/>
+              </a:rPr>
+              <a:t>TCP socket</a:t>
+            </a:r>
+            <a:r>
+              <a:rPr lang="en-US" sz="1600" b="0" i="0" dirty="0">
+                <a:solidFill>
+                  <a:srgbClr val="333333"/>
+                </a:solidFill>
+                <a:effectLst/>
+                <a:latin typeface="raleway"/>
+              </a:rPr>
+              <a:t> for reading/writing data</a:t>
+            </a:r>
+          </a:p>
+          <a:p>
+            <a:pPr algn="l">
+              <a:buFont typeface="+mj-lt"/>
+              <a:buAutoNum type="arabicPeriod"/>
+            </a:pPr>
+            <a:r>
+              <a:rPr lang="en-US" sz="1600" b="0" i="0" dirty="0">
+                <a:solidFill>
+                  <a:srgbClr val="333333"/>
+                </a:solidFill>
+                <a:effectLst/>
+                <a:latin typeface="raleway"/>
+              </a:rPr>
+              <a:t>Reading / writing data over the socket</a:t>
+            </a:r>
+          </a:p>
+          <a:p>
+            <a:pPr algn="l">
+              <a:buFont typeface="+mj-lt"/>
+              <a:buAutoNum type="arabicPeriod"/>
+            </a:pPr>
+            <a:r>
+              <a:rPr lang="en-US" sz="1600" b="0" i="0" dirty="0">
+                <a:solidFill>
+                  <a:srgbClr val="333333"/>
+                </a:solidFill>
+                <a:effectLst/>
+                <a:latin typeface="raleway"/>
+              </a:rPr>
+              <a:t>Closing the connection</a:t>
+            </a:r>
+          </a:p>
+          <a:p>
+            <a:pPr algn="l">
+              <a:buFont typeface="+mj-lt"/>
+              <a:buAutoNum type="arabicPeriod"/>
+            </a:pPr>
+            <a:r>
+              <a:rPr lang="en-US" sz="1600" b="0" i="0" dirty="0">
+                <a:solidFill>
+                  <a:srgbClr val="333333"/>
+                </a:solidFill>
+                <a:effectLst/>
+                <a:latin typeface="raleway"/>
+              </a:rPr>
+              <a:t>Closing the socket</a:t>
+            </a:r>
+          </a:p>
+          <a:p>
             <a:pPr algn="just"/>
-            <a:r>
-              <a:rPr lang="en-US" sz="1600" b="0" i="0" dirty="0">
+            <a:endParaRPr lang="en-US" sz="1600" b="0" i="0" dirty="0">
+              <a:solidFill>
+                <a:srgbClr val="222222"/>
+              </a:solidFill>
+              <a:effectLst/>
+              <a:latin typeface="arial" panose="020B0604020202020204" pitchFamily="34" charset="0"/>
+            </a:endParaRPr>
+          </a:p>
+          <a:p>
+            <a:pPr algn="just"/>
+            <a:r>
+              <a:rPr lang="en-US" sz="1400" b="0" i="0" dirty="0">
                 <a:solidFill>
                   <a:srgbClr val="222222"/>
                 </a:solidFill>
@@ -32886,7 +33108,7 @@
               <a:t>A </a:t>
             </a:r>
             <a:r>
-              <a:rPr lang="en-US" sz="1600" b="1" i="0" dirty="0">
+              <a:rPr lang="en-US" sz="1400" b="1" i="0" dirty="0">
                 <a:solidFill>
                   <a:srgbClr val="222222"/>
                 </a:solidFill>
@@ -32896,7 +33118,7 @@
               <a:t>connection pool</a:t>
             </a:r>
             <a:r>
-              <a:rPr lang="en-US" sz="1600" b="0" i="0" dirty="0">
+              <a:rPr lang="en-US" sz="1400" b="0" i="0" dirty="0">
                 <a:solidFill>
                   <a:srgbClr val="222222"/>
                 </a:solidFill>
@@ -32906,7 +33128,7 @@
               <a:t> is a cache of </a:t>
             </a:r>
             <a:r>
-              <a:rPr lang="en-US" sz="1600" b="1" i="0" dirty="0">
+              <a:rPr lang="en-US" sz="1400" b="1" i="0" dirty="0">
                 <a:solidFill>
                   <a:srgbClr val="222222"/>
                 </a:solidFill>
@@ -32916,7 +33138,7 @@
               <a:t>database connection</a:t>
             </a:r>
             <a:r>
-              <a:rPr lang="en-US" sz="1600" b="0" i="0" dirty="0">
+              <a:rPr lang="en-US" sz="1400" b="0" i="0" dirty="0">
                 <a:solidFill>
                   <a:srgbClr val="222222"/>
                 </a:solidFill>
@@ -32926,7 +33148,7 @@
               <a:t> objects. The objects represent physical </a:t>
             </a:r>
             <a:r>
-              <a:rPr lang="en-US" sz="1600" b="1" i="0" dirty="0">
+              <a:rPr lang="en-US" sz="1400" b="1" i="0" dirty="0">
                 <a:solidFill>
                   <a:srgbClr val="222222"/>
                 </a:solidFill>
@@ -32936,7 +33158,7 @@
               <a:t>database connections</a:t>
             </a:r>
             <a:r>
-              <a:rPr lang="en-US" sz="1600" b="0" i="0" dirty="0">
+              <a:rPr lang="en-US" sz="1400" b="0" i="0" dirty="0">
                 <a:solidFill>
                   <a:srgbClr val="222222"/>
                 </a:solidFill>
@@ -32946,7 +33168,7 @@
               <a:t> that can be used by an application to </a:t>
             </a:r>
             <a:r>
-              <a:rPr lang="en-US" sz="1600" b="1" i="0" dirty="0">
+              <a:rPr lang="en-US" sz="1400" b="1" i="0" dirty="0">
                 <a:solidFill>
                   <a:srgbClr val="222222"/>
                 </a:solidFill>
@@ -32956,7 +33178,7 @@
               <a:t>connect</a:t>
             </a:r>
             <a:r>
-              <a:rPr lang="en-US" sz="1600" b="0" i="0" dirty="0">
+              <a:rPr lang="en-US" sz="1400" b="0" i="0" dirty="0">
                 <a:solidFill>
                   <a:srgbClr val="222222"/>
                 </a:solidFill>
@@ -32966,7 +33188,7 @@
               <a:t> to a </a:t>
             </a:r>
             <a:r>
-              <a:rPr lang="en-US" sz="1600" b="1" i="0" dirty="0">
+              <a:rPr lang="en-US" sz="1400" b="1" i="0" dirty="0">
                 <a:solidFill>
                   <a:srgbClr val="222222"/>
                 </a:solidFill>
@@ -32976,7 +33198,7 @@
               <a:t>database</a:t>
             </a:r>
             <a:r>
-              <a:rPr lang="en-US" sz="1600" b="0" i="0" dirty="0">
+              <a:rPr lang="en-US" sz="1400" b="0" i="0" dirty="0">
                 <a:solidFill>
                   <a:srgbClr val="222222"/>
                 </a:solidFill>
@@ -32986,7 +33208,7 @@
               <a:t>. At run time, the application requests a </a:t>
             </a:r>
             <a:r>
-              <a:rPr lang="en-US" sz="1600" b="1" i="0" dirty="0">
+              <a:rPr lang="en-US" sz="1400" b="1" i="0" dirty="0">
                 <a:solidFill>
                   <a:srgbClr val="222222"/>
                 </a:solidFill>
@@ -32996,7 +33218,7 @@
               <a:t>connection</a:t>
             </a:r>
             <a:r>
-              <a:rPr lang="en-US" sz="1600" b="0" i="0" dirty="0">
+              <a:rPr lang="en-US" sz="1400" b="0" i="0" dirty="0">
                 <a:solidFill>
                   <a:srgbClr val="222222"/>
                 </a:solidFill>
@@ -33006,7 +33228,7 @@
               <a:t> from the </a:t>
             </a:r>
             <a:r>
-              <a:rPr lang="en-US" sz="1600" b="1" i="0" dirty="0">
+              <a:rPr lang="en-US" sz="1400" b="1" i="0" dirty="0">
                 <a:solidFill>
                   <a:srgbClr val="222222"/>
                 </a:solidFill>
@@ -33016,7 +33238,7 @@
               <a:t>pool</a:t>
             </a:r>
             <a:r>
-              <a:rPr lang="en-US" sz="1600" b="0" i="0" dirty="0">
+              <a:rPr lang="en-US" sz="1400" b="0" i="0" dirty="0">
                 <a:solidFill>
                   <a:srgbClr val="222222"/>
                 </a:solidFill>
@@ -33025,7 +33247,38 @@
               </a:rPr>
               <a:t>.</a:t>
             </a:r>
-            <a:endParaRPr lang="en-US" sz="1600" dirty="0"/>
+          </a:p>
+          <a:p>
+            <a:pPr algn="just"/>
+            <a:endParaRPr lang="en-US" sz="1400" dirty="0">
+              <a:solidFill>
+                <a:srgbClr val="222222"/>
+              </a:solidFill>
+              <a:latin typeface="arial" panose="020B0604020202020204" pitchFamily="34" charset="0"/>
+            </a:endParaRPr>
+          </a:p>
+          <a:p>
+            <a:pPr algn="just"/>
+            <a:r>
+              <a:rPr lang="en-US" sz="1400" dirty="0">
+                <a:solidFill>
+                  <a:srgbClr val="333333"/>
+                </a:solidFill>
+                <a:latin typeface="raleway"/>
+              </a:rPr>
+              <a:t>Implementing </a:t>
+            </a:r>
+            <a:r>
+              <a:rPr lang="en-US" sz="1400" b="0" i="0" dirty="0">
+                <a:solidFill>
+                  <a:srgbClr val="333333"/>
+                </a:solidFill>
+                <a:effectLst/>
+                <a:latin typeface="raleway"/>
+              </a:rPr>
+              <a:t>a database connection container, which allows us to reuse a number of existing connections, we can effectively save the cost of performing a huge number of expensive database trips, hence boosting the overall performance of our database-driven applications.</a:t>
+            </a:r>
+            <a:endParaRPr lang="en-US" sz="1400" dirty="0"/>
           </a:p>
         </p:txBody>
       </p:sp>
@@ -33044,15 +33297,15 @@
           <p:nvPr/>
         </p:nvPicPr>
         <p:blipFill>
-          <a:blip r:embed="rId2"/>
+          <a:blip r:embed="rId3"/>
           <a:stretch>
             <a:fillRect/>
           </a:stretch>
         </p:blipFill>
         <p:spPr>
           <a:xfrm>
-            <a:off x="4222539" y="1878332"/>
-            <a:ext cx="7797728" cy="3963909"/>
+            <a:off x="4050807" y="4181855"/>
+            <a:ext cx="7797728" cy="2721354"/>
           </a:xfrm>
           <a:prstGeom prst="rect">
             <a:avLst/>
@@ -33085,6 +33338,874 @@
 </file>
 
 <file path=ppt/slides/slide19.xml><?xml version="1.0" encoding="utf-8"?>
+<p:sld xmlns:a="http://schemas.openxmlformats.org/drawingml/2006/main" xmlns:r="http://schemas.openxmlformats.org/officeDocument/2006/relationships" xmlns:p="http://schemas.openxmlformats.org/presentationml/2006/main">
+  <p:cSld>
+    <p:bg>
+      <p:bgPr>
+        <a:solidFill>
+          <a:schemeClr val="bg1"/>
+        </a:solidFill>
+        <a:effectLst/>
+      </p:bgPr>
+    </p:bg>
+    <p:spTree>
+      <p:nvGrpSpPr>
+        <p:cNvPr id="1" name=""/>
+        <p:cNvGrpSpPr/>
+        <p:nvPr/>
+      </p:nvGrpSpPr>
+      <p:grpSpPr>
+        <a:xfrm>
+          <a:off x="0" y="0"/>
+          <a:ext cx="0" cy="0"/>
+          <a:chOff x="0" y="0"/>
+          <a:chExt cx="0" cy="0"/>
+        </a:xfrm>
+      </p:grpSpPr>
+      <p:sp useBgFill="1">
+        <p:nvSpPr>
+          <p:cNvPr id="10" name="Rectangle 9">
+            <a:extLst>
+              <a:ext uri="{FF2B5EF4-FFF2-40B4-BE49-F238E27FC236}">
+                <a16:creationId xmlns:a16="http://schemas.microsoft.com/office/drawing/2014/main" id="{EE1530B0-6F96-46C0-8B3E-3215CB756BE4}"/>
+              </a:ext>
+              <a:ext uri="{C183D7F6-B498-43B3-948B-1728B52AA6E4}">
+                <adec:decorative xmlns:adec="http://schemas.microsoft.com/office/drawing/2017/decorative" val="1"/>
+              </a:ext>
+            </a:extLst>
+          </p:cNvPr>
+          <p:cNvSpPr>
+            <a:spLocks noGrp="1" noRot="1" noChangeAspect="1" noMove="1" noResize="1" noEditPoints="1" noAdjustHandles="1" noChangeArrowheads="1" noChangeShapeType="1" noTextEdit="1"/>
+          </p:cNvSpPr>
+          <p:nvPr>
+            <p:extLst>
+              <p:ext uri="{386F3935-93C4-4BCD-93E2-E3B085C9AB24}">
+                <p16:designElem xmlns:p16="http://schemas.microsoft.com/office/powerpoint/2015/main" val="1"/>
+              </p:ext>
+            </p:extLst>
+          </p:nvPr>
+        </p:nvSpPr>
+        <p:spPr>
+          <a:xfrm>
+            <a:off x="5685" y="0"/>
+            <a:ext cx="12186315" cy="6858000"/>
+          </a:xfrm>
+          <a:prstGeom prst="rect">
+            <a:avLst/>
+          </a:prstGeom>
+          <a:ln>
+            <a:noFill/>
+          </a:ln>
+        </p:spPr>
+        <p:style>
+          <a:lnRef idx="2">
+            <a:schemeClr val="accent6">
+              <a:shade val="50000"/>
+            </a:schemeClr>
+          </a:lnRef>
+          <a:fillRef idx="1001">
+            <a:schemeClr val="lt1"/>
+          </a:fillRef>
+          <a:effectRef idx="0">
+            <a:schemeClr val="accent6"/>
+          </a:effectRef>
+          <a:fontRef idx="minor">
+            <a:schemeClr val="lt1"/>
+          </a:fontRef>
+        </p:style>
+        <p:txBody>
+          <a:bodyPr rtlCol="0" anchor="ctr"/>
+          <a:lstStyle/>
+          <a:p>
+            <a:pPr marL="0" marR="0" lvl="0" indent="0" algn="ctr" defTabSz="914400" rtl="0" eaLnBrk="1" fontAlgn="auto" latinLnBrk="0" hangingPunct="1">
+              <a:lnSpc>
+                <a:spcPct val="100000"/>
+              </a:lnSpc>
+              <a:spcBef>
+                <a:spcPts val="0"/>
+              </a:spcBef>
+              <a:spcAft>
+                <a:spcPts val="0"/>
+              </a:spcAft>
+              <a:buClrTx/>
+              <a:buSzTx/>
+              <a:buFontTx/>
+              <a:buNone/>
+              <a:tabLst/>
+              <a:defRPr/>
+            </a:pPr>
+            <a:endParaRPr kumimoji="0" lang="en-US" sz="1800" b="0" i="0" u="none" strike="noStrike" kern="1200" cap="none" spc="0" normalizeH="0" baseline="0" noProof="0" dirty="0">
+              <a:ln>
+                <a:noFill/>
+              </a:ln>
+              <a:solidFill>
+                <a:prstClr val="white"/>
+              </a:solidFill>
+              <a:effectLst/>
+              <a:uLnTx/>
+              <a:uFillTx/>
+              <a:latin typeface="Franklin Gothic Book" panose="020F0502020204030204"/>
+              <a:ea typeface="+mn-ea"/>
+              <a:cs typeface="+mn-cs"/>
+            </a:endParaRPr>
+          </a:p>
+        </p:txBody>
+      </p:sp>
+      <p:sp>
+        <p:nvSpPr>
+          <p:cNvPr id="12" name="Rectangle 11">
+            <a:extLst>
+              <a:ext uri="{FF2B5EF4-FFF2-40B4-BE49-F238E27FC236}">
+                <a16:creationId xmlns:a16="http://schemas.microsoft.com/office/drawing/2014/main" id="{754910CF-1B56-45D3-960A-E89F7B3B9131}"/>
+              </a:ext>
+              <a:ext uri="{C183D7F6-B498-43B3-948B-1728B52AA6E4}">
+                <adec:decorative xmlns:adec="http://schemas.microsoft.com/office/drawing/2017/decorative" val="1"/>
+              </a:ext>
+            </a:extLst>
+          </p:cNvPr>
+          <p:cNvSpPr>
+            <a:spLocks noGrp="1" noRot="1" noChangeAspect="1" noMove="1" noResize="1" noEditPoints="1" noAdjustHandles="1" noChangeArrowheads="1" noChangeShapeType="1" noTextEdit="1"/>
+          </p:cNvSpPr>
+          <p:nvPr>
+            <p:extLst>
+              <p:ext uri="{386F3935-93C4-4BCD-93E2-E3B085C9AB24}">
+                <p16:designElem xmlns:p16="http://schemas.microsoft.com/office/powerpoint/2015/main" val="1"/>
+              </p:ext>
+            </p:extLst>
+          </p:nvPr>
+        </p:nvSpPr>
+        <p:spPr>
+          <a:xfrm>
+            <a:off x="16" y="0"/>
+            <a:ext cx="4050791" cy="6858000"/>
+          </a:xfrm>
+          <a:prstGeom prst="rect">
+            <a:avLst/>
+          </a:prstGeom>
+          <a:solidFill>
+            <a:schemeClr val="tx1">
+              <a:lumMod val="85000"/>
+              <a:lumOff val="15000"/>
+            </a:schemeClr>
+          </a:solidFill>
+          <a:ln>
+            <a:noFill/>
+          </a:ln>
+        </p:spPr>
+        <p:style>
+          <a:lnRef idx="2">
+            <a:schemeClr val="accent1">
+              <a:shade val="50000"/>
+            </a:schemeClr>
+          </a:lnRef>
+          <a:fillRef idx="1">
+            <a:schemeClr val="accent1"/>
+          </a:fillRef>
+          <a:effectRef idx="0">
+            <a:schemeClr val="accent1"/>
+          </a:effectRef>
+          <a:fontRef idx="minor">
+            <a:schemeClr val="lt1"/>
+          </a:fontRef>
+        </p:style>
+      </p:sp>
+      <p:sp>
+        <p:nvSpPr>
+          <p:cNvPr id="2" name="Title 1">
+            <a:extLst>
+              <a:ext uri="{FF2B5EF4-FFF2-40B4-BE49-F238E27FC236}">
+                <a16:creationId xmlns:a16="http://schemas.microsoft.com/office/drawing/2014/main" id="{0AE422CB-EBC9-4703-870C-8981A495893A}"/>
+              </a:ext>
+            </a:extLst>
+          </p:cNvPr>
+          <p:cNvSpPr>
+            <a:spLocks noGrp="1"/>
+          </p:cNvSpPr>
+          <p:nvPr>
+            <p:ph type="title"/>
+          </p:nvPr>
+        </p:nvSpPr>
+        <p:spPr>
+          <a:xfrm>
+            <a:off x="492370" y="516835"/>
+            <a:ext cx="3084844" cy="5772840"/>
+          </a:xfrm>
+        </p:spPr>
+        <p:txBody>
+          <a:bodyPr anchor="ctr">
+            <a:normAutofit/>
+          </a:bodyPr>
+          <a:lstStyle/>
+          <a:p>
+            <a:r>
+              <a:rPr lang="en-US" sz="3600">
+                <a:solidFill>
+                  <a:schemeClr val="bg1"/>
+                </a:solidFill>
+              </a:rPr>
+              <a:t>Popular </a:t>
+            </a:r>
+            <a:r>
+              <a:rPr lang="en-US" sz="3600" dirty="0">
+                <a:solidFill>
+                  <a:schemeClr val="bg1"/>
+                </a:solidFill>
+              </a:rPr>
+              <a:t>Connection Pool Frameworks</a:t>
+            </a:r>
+            <a:endParaRPr lang="en-US" sz="1800" dirty="0">
+              <a:solidFill>
+                <a:schemeClr val="bg1"/>
+              </a:solidFill>
+            </a:endParaRPr>
+          </a:p>
+        </p:txBody>
+      </p:sp>
+      <p:sp>
+        <p:nvSpPr>
+          <p:cNvPr id="13" name="TextBox 12">
+            <a:extLst>
+              <a:ext uri="{FF2B5EF4-FFF2-40B4-BE49-F238E27FC236}">
+                <a16:creationId xmlns:a16="http://schemas.microsoft.com/office/drawing/2014/main" id="{6A8D83FB-9432-435A-A508-0BBD97EC763C}"/>
+              </a:ext>
+            </a:extLst>
+          </p:cNvPr>
+          <p:cNvSpPr txBox="1"/>
+          <p:nvPr/>
+        </p:nvSpPr>
+        <p:spPr>
+          <a:xfrm>
+            <a:off x="4431505" y="2924263"/>
+            <a:ext cx="7379797" cy="1384995"/>
+          </a:xfrm>
+          <a:prstGeom prst="rect">
+            <a:avLst/>
+          </a:prstGeom>
+          <a:noFill/>
+        </p:spPr>
+        <p:txBody>
+          <a:bodyPr wrap="square">
+            <a:spAutoFit/>
+          </a:bodyPr>
+          <a:lstStyle/>
+          <a:p>
+            <a:pPr>
+              <a:buFont typeface="+mj-lt"/>
+              <a:buAutoNum type="arabicPeriod"/>
+            </a:pPr>
+            <a:r>
+              <a:rPr lang="en-US" sz="2800" i="0" dirty="0">
+                <a:solidFill>
+                  <a:srgbClr val="333333"/>
+                </a:solidFill>
+                <a:effectLst/>
+                <a:latin typeface="raleway"/>
+              </a:rPr>
+              <a:t>Apache Commons DBCP</a:t>
+            </a:r>
+          </a:p>
+          <a:p>
+            <a:pPr>
+              <a:buFont typeface="+mj-lt"/>
+              <a:buAutoNum type="arabicPeriod"/>
+            </a:pPr>
+            <a:r>
+              <a:rPr lang="en-US" sz="2800" i="0" dirty="0" err="1">
+                <a:solidFill>
+                  <a:srgbClr val="333333"/>
+                </a:solidFill>
+                <a:effectLst/>
+                <a:latin typeface="raleway"/>
+              </a:rPr>
+              <a:t>HikariCP</a:t>
+            </a:r>
+            <a:endParaRPr lang="en-US" sz="2800" i="0" dirty="0">
+              <a:solidFill>
+                <a:srgbClr val="333333"/>
+              </a:solidFill>
+              <a:effectLst/>
+              <a:latin typeface="raleway"/>
+            </a:endParaRPr>
+          </a:p>
+          <a:p>
+            <a:pPr>
+              <a:buFont typeface="+mj-lt"/>
+              <a:buAutoNum type="arabicPeriod"/>
+            </a:pPr>
+            <a:r>
+              <a:rPr lang="en-US" sz="2800" i="0" dirty="0">
+                <a:solidFill>
+                  <a:srgbClr val="333333"/>
+                </a:solidFill>
+                <a:effectLst/>
+                <a:latin typeface="raleway"/>
+              </a:rPr>
+              <a:t>C3PO</a:t>
+            </a:r>
+          </a:p>
+        </p:txBody>
+      </p:sp>
+    </p:spTree>
+    <p:extLst>
+      <p:ext uri="{BB962C8B-B14F-4D97-AF65-F5344CB8AC3E}">
+        <p14:creationId xmlns:p14="http://schemas.microsoft.com/office/powerpoint/2010/main" val="430265875"/>
+      </p:ext>
+    </p:extLst>
+  </p:cSld>
+  <p:clrMapOvr>
+    <a:masterClrMapping/>
+  </p:clrMapOvr>
+  <mc:AlternateContent xmlns:mc="http://schemas.openxmlformats.org/markup-compatibility/2006">
+    <mc:Choice xmlns:p14="http://schemas.microsoft.com/office/powerpoint/2010/main" Requires="p14">
+      <p:transition spd="med" p14:dur="700">
+        <p:fade/>
+      </p:transition>
+    </mc:Choice>
+    <mc:Fallback>
+      <p:transition spd="med">
+        <p:fade/>
+      </p:transition>
+    </mc:Fallback>
+  </mc:AlternateContent>
+</p:sld>
+</file>
+
+<file path=ppt/slides/slide2.xml><?xml version="1.0" encoding="utf-8"?>
+<p:sld xmlns:a="http://schemas.openxmlformats.org/drawingml/2006/main" xmlns:r="http://schemas.openxmlformats.org/officeDocument/2006/relationships" xmlns:p="http://schemas.openxmlformats.org/presentationml/2006/main">
+  <p:cSld>
+    <p:bg>
+      <p:bgPr>
+        <a:solidFill>
+          <a:schemeClr val="bg1"/>
+        </a:solidFill>
+        <a:effectLst/>
+      </p:bgPr>
+    </p:bg>
+    <p:spTree>
+      <p:nvGrpSpPr>
+        <p:cNvPr id="1" name=""/>
+        <p:cNvGrpSpPr/>
+        <p:nvPr/>
+      </p:nvGrpSpPr>
+      <p:grpSpPr>
+        <a:xfrm>
+          <a:off x="0" y="0"/>
+          <a:ext cx="0" cy="0"/>
+          <a:chOff x="0" y="0"/>
+          <a:chExt cx="0" cy="0"/>
+        </a:xfrm>
+      </p:grpSpPr>
+      <p:sp useBgFill="1">
+        <p:nvSpPr>
+          <p:cNvPr id="10" name="Rectangle 9">
+            <a:extLst>
+              <a:ext uri="{FF2B5EF4-FFF2-40B4-BE49-F238E27FC236}">
+                <a16:creationId xmlns:a16="http://schemas.microsoft.com/office/drawing/2014/main" id="{EE1530B0-6F96-46C0-8B3E-3215CB756BE4}"/>
+              </a:ext>
+              <a:ext uri="{C183D7F6-B498-43B3-948B-1728B52AA6E4}">
+                <adec:decorative xmlns:adec="http://schemas.microsoft.com/office/drawing/2017/decorative" val="1"/>
+              </a:ext>
+            </a:extLst>
+          </p:cNvPr>
+          <p:cNvSpPr>
+            <a:spLocks noGrp="1" noRot="1" noChangeAspect="1" noMove="1" noResize="1" noEditPoints="1" noAdjustHandles="1" noChangeArrowheads="1" noChangeShapeType="1" noTextEdit="1"/>
+          </p:cNvSpPr>
+          <p:nvPr>
+            <p:extLst>
+              <p:ext uri="{386F3935-93C4-4BCD-93E2-E3B085C9AB24}">
+                <p16:designElem xmlns:p16="http://schemas.microsoft.com/office/powerpoint/2015/main" val="1"/>
+              </p:ext>
+            </p:extLst>
+          </p:nvPr>
+        </p:nvSpPr>
+        <p:spPr>
+          <a:xfrm>
+            <a:off x="5685" y="0"/>
+            <a:ext cx="12186315" cy="6858000"/>
+          </a:xfrm>
+          <a:prstGeom prst="rect">
+            <a:avLst/>
+          </a:prstGeom>
+          <a:ln>
+            <a:noFill/>
+          </a:ln>
+        </p:spPr>
+        <p:style>
+          <a:lnRef idx="2">
+            <a:schemeClr val="accent6">
+              <a:shade val="50000"/>
+            </a:schemeClr>
+          </a:lnRef>
+          <a:fillRef idx="1001">
+            <a:schemeClr val="lt1"/>
+          </a:fillRef>
+          <a:effectRef idx="0">
+            <a:schemeClr val="accent6"/>
+          </a:effectRef>
+          <a:fontRef idx="minor">
+            <a:schemeClr val="lt1"/>
+          </a:fontRef>
+        </p:style>
+        <p:txBody>
+          <a:bodyPr rtlCol="0" anchor="ctr"/>
+          <a:lstStyle/>
+          <a:p>
+            <a:pPr marL="0" marR="0" lvl="0" indent="0" algn="ctr" defTabSz="914400" rtl="0" eaLnBrk="1" fontAlgn="auto" latinLnBrk="0" hangingPunct="1">
+              <a:lnSpc>
+                <a:spcPct val="100000"/>
+              </a:lnSpc>
+              <a:spcBef>
+                <a:spcPts val="0"/>
+              </a:spcBef>
+              <a:spcAft>
+                <a:spcPts val="0"/>
+              </a:spcAft>
+              <a:buClrTx/>
+              <a:buSzTx/>
+              <a:buFontTx/>
+              <a:buNone/>
+              <a:tabLst/>
+              <a:defRPr/>
+            </a:pPr>
+            <a:endParaRPr kumimoji="0" lang="en-US" sz="1800" b="0" i="0" u="none" strike="noStrike" kern="1200" cap="none" spc="0" normalizeH="0" baseline="0" noProof="0" dirty="0">
+              <a:ln>
+                <a:noFill/>
+              </a:ln>
+              <a:solidFill>
+                <a:prstClr val="white"/>
+              </a:solidFill>
+              <a:effectLst/>
+              <a:uLnTx/>
+              <a:uFillTx/>
+              <a:latin typeface="Franklin Gothic Book" panose="020F0502020204030204"/>
+              <a:ea typeface="+mn-ea"/>
+              <a:cs typeface="+mn-cs"/>
+            </a:endParaRPr>
+          </a:p>
+        </p:txBody>
+      </p:sp>
+      <p:sp>
+        <p:nvSpPr>
+          <p:cNvPr id="12" name="Rectangle 11">
+            <a:extLst>
+              <a:ext uri="{FF2B5EF4-FFF2-40B4-BE49-F238E27FC236}">
+                <a16:creationId xmlns:a16="http://schemas.microsoft.com/office/drawing/2014/main" id="{754910CF-1B56-45D3-960A-E89F7B3B9131}"/>
+              </a:ext>
+              <a:ext uri="{C183D7F6-B498-43B3-948B-1728B52AA6E4}">
+                <adec:decorative xmlns:adec="http://schemas.microsoft.com/office/drawing/2017/decorative" val="1"/>
+              </a:ext>
+            </a:extLst>
+          </p:cNvPr>
+          <p:cNvSpPr>
+            <a:spLocks noGrp="1" noRot="1" noChangeAspect="1" noMove="1" noResize="1" noEditPoints="1" noAdjustHandles="1" noChangeArrowheads="1" noChangeShapeType="1" noTextEdit="1"/>
+          </p:cNvSpPr>
+          <p:nvPr>
+            <p:extLst>
+              <p:ext uri="{386F3935-93C4-4BCD-93E2-E3B085C9AB24}">
+                <p16:designElem xmlns:p16="http://schemas.microsoft.com/office/powerpoint/2015/main" val="1"/>
+              </p:ext>
+            </p:extLst>
+          </p:nvPr>
+        </p:nvSpPr>
+        <p:spPr>
+          <a:xfrm>
+            <a:off x="16" y="0"/>
+            <a:ext cx="4050791" cy="6858000"/>
+          </a:xfrm>
+          <a:prstGeom prst="rect">
+            <a:avLst/>
+          </a:prstGeom>
+          <a:solidFill>
+            <a:schemeClr val="tx1">
+              <a:lumMod val="85000"/>
+              <a:lumOff val="15000"/>
+            </a:schemeClr>
+          </a:solidFill>
+          <a:ln>
+            <a:noFill/>
+          </a:ln>
+        </p:spPr>
+        <p:style>
+          <a:lnRef idx="2">
+            <a:schemeClr val="accent1">
+              <a:shade val="50000"/>
+            </a:schemeClr>
+          </a:lnRef>
+          <a:fillRef idx="1">
+            <a:schemeClr val="accent1"/>
+          </a:fillRef>
+          <a:effectRef idx="0">
+            <a:schemeClr val="accent1"/>
+          </a:effectRef>
+          <a:fontRef idx="minor">
+            <a:schemeClr val="lt1"/>
+          </a:fontRef>
+        </p:style>
+      </p:sp>
+      <p:sp>
+        <p:nvSpPr>
+          <p:cNvPr id="2" name="Title 1">
+            <a:extLst>
+              <a:ext uri="{FF2B5EF4-FFF2-40B4-BE49-F238E27FC236}">
+                <a16:creationId xmlns:a16="http://schemas.microsoft.com/office/drawing/2014/main" id="{0AE422CB-EBC9-4703-870C-8981A495893A}"/>
+              </a:ext>
+            </a:extLst>
+          </p:cNvPr>
+          <p:cNvSpPr>
+            <a:spLocks noGrp="1"/>
+          </p:cNvSpPr>
+          <p:nvPr>
+            <p:ph type="title"/>
+          </p:nvPr>
+        </p:nvSpPr>
+        <p:spPr>
+          <a:xfrm>
+            <a:off x="492370" y="516835"/>
+            <a:ext cx="3084844" cy="5772840"/>
+          </a:xfrm>
+        </p:spPr>
+        <p:txBody>
+          <a:bodyPr anchor="ctr">
+            <a:normAutofit/>
+          </a:bodyPr>
+          <a:lstStyle/>
+          <a:p>
+            <a:r>
+              <a:rPr lang="en-US" sz="3600">
+                <a:solidFill>
+                  <a:schemeClr val="bg1"/>
+                </a:solidFill>
+              </a:rPr>
+              <a:t>JDBC Insights</a:t>
+            </a:r>
+            <a:endParaRPr lang="en-US" sz="3600" dirty="0">
+              <a:solidFill>
+                <a:schemeClr val="bg1"/>
+              </a:solidFill>
+            </a:endParaRPr>
+          </a:p>
+        </p:txBody>
+      </p:sp>
+      <p:sp>
+        <p:nvSpPr>
+          <p:cNvPr id="5" name="TextBox 4">
+            <a:extLst>
+              <a:ext uri="{FF2B5EF4-FFF2-40B4-BE49-F238E27FC236}">
+                <a16:creationId xmlns:a16="http://schemas.microsoft.com/office/drawing/2014/main" id="{839ABAD5-A4C5-4D68-887A-8BFBD09FA201}"/>
+              </a:ext>
+            </a:extLst>
+          </p:cNvPr>
+          <p:cNvSpPr txBox="1"/>
+          <p:nvPr/>
+        </p:nvSpPr>
+        <p:spPr>
+          <a:xfrm>
+            <a:off x="4537492" y="332168"/>
+            <a:ext cx="7538244" cy="3123932"/>
+          </a:xfrm>
+          <a:prstGeom prst="rect">
+            <a:avLst/>
+          </a:prstGeom>
+          <a:noFill/>
+        </p:spPr>
+        <p:txBody>
+          <a:bodyPr wrap="square" rtlCol="0">
+            <a:spAutoFit/>
+          </a:bodyPr>
+          <a:lstStyle/>
+          <a:p>
+            <a:pPr marL="285750" indent="-285750">
+              <a:buFont typeface="Arial" panose="020B0604020202020204" pitchFamily="34" charset="0"/>
+              <a:buChar char="•"/>
+            </a:pPr>
+            <a:r>
+              <a:rPr lang="en-US" sz="1400" b="1" dirty="0"/>
+              <a:t>JDBC</a:t>
+            </a:r>
+          </a:p>
+          <a:p>
+            <a:pPr lvl="1" algn="just"/>
+            <a:r>
+              <a:rPr lang="en-US" sz="1400" b="0" i="0" dirty="0">
+                <a:solidFill>
+                  <a:srgbClr val="000000"/>
+                </a:solidFill>
+                <a:effectLst/>
+                <a:latin typeface="verdana" panose="020B0604030504040204" pitchFamily="34" charset="0"/>
+              </a:rPr>
+              <a:t>JDBC stands for </a:t>
+            </a:r>
+            <a:r>
+              <a:rPr lang="en-US" sz="1400" b="0" i="0" dirty="0">
+                <a:solidFill>
+                  <a:srgbClr val="FF0000"/>
+                </a:solidFill>
+                <a:effectLst/>
+                <a:latin typeface="verdana" panose="020B0604030504040204" pitchFamily="34" charset="0"/>
+              </a:rPr>
+              <a:t>J</a:t>
+            </a:r>
+            <a:r>
+              <a:rPr lang="en-US" sz="1400" b="0" i="0" dirty="0">
+                <a:solidFill>
+                  <a:srgbClr val="000000"/>
+                </a:solidFill>
+                <a:effectLst/>
+                <a:latin typeface="verdana" panose="020B0604030504040204" pitchFamily="34" charset="0"/>
+              </a:rPr>
+              <a:t>ava </a:t>
+            </a:r>
+            <a:r>
+              <a:rPr lang="en-US" sz="1400" b="0" i="0" dirty="0" err="1">
+                <a:solidFill>
+                  <a:srgbClr val="FF0000"/>
+                </a:solidFill>
+                <a:effectLst/>
+                <a:latin typeface="verdana" panose="020B0604030504040204" pitchFamily="34" charset="0"/>
+              </a:rPr>
+              <a:t>D</a:t>
+            </a:r>
+            <a:r>
+              <a:rPr lang="en-US" sz="1400" b="0" i="0" dirty="0" err="1">
+                <a:solidFill>
+                  <a:srgbClr val="000000"/>
+                </a:solidFill>
+                <a:effectLst/>
+                <a:latin typeface="verdana" panose="020B0604030504040204" pitchFamily="34" charset="0"/>
+              </a:rPr>
+              <a:t>ata</a:t>
+            </a:r>
+            <a:r>
+              <a:rPr lang="en-US" sz="1400" b="0" i="0" dirty="0" err="1">
+                <a:solidFill>
+                  <a:srgbClr val="FF0000"/>
+                </a:solidFill>
+                <a:effectLst/>
+                <a:latin typeface="verdana" panose="020B0604030504040204" pitchFamily="34" charset="0"/>
+              </a:rPr>
+              <a:t>B</a:t>
+            </a:r>
+            <a:r>
+              <a:rPr lang="en-US" sz="1400" b="0" i="0" dirty="0" err="1">
+                <a:solidFill>
+                  <a:srgbClr val="000000"/>
+                </a:solidFill>
+                <a:effectLst/>
+                <a:latin typeface="verdana" panose="020B0604030504040204" pitchFamily="34" charset="0"/>
+              </a:rPr>
+              <a:t>ase</a:t>
+            </a:r>
+            <a:r>
+              <a:rPr lang="en-US" sz="1400" b="0" i="0" dirty="0">
+                <a:solidFill>
+                  <a:srgbClr val="000000"/>
+                </a:solidFill>
+                <a:effectLst/>
+                <a:latin typeface="verdana" panose="020B0604030504040204" pitchFamily="34" charset="0"/>
+              </a:rPr>
+              <a:t> </a:t>
+            </a:r>
+            <a:r>
+              <a:rPr lang="en-US" sz="1400" b="0" i="0" dirty="0">
+                <a:solidFill>
+                  <a:srgbClr val="FF0000"/>
+                </a:solidFill>
+                <a:effectLst/>
+                <a:latin typeface="verdana" panose="020B0604030504040204" pitchFamily="34" charset="0"/>
+              </a:rPr>
+              <a:t>C</a:t>
+            </a:r>
+            <a:r>
+              <a:rPr lang="en-US" sz="1400" b="0" i="0" dirty="0">
+                <a:solidFill>
+                  <a:srgbClr val="000000"/>
+                </a:solidFill>
+                <a:effectLst/>
+                <a:latin typeface="verdana" panose="020B0604030504040204" pitchFamily="34" charset="0"/>
+              </a:rPr>
+              <a:t>onnectivity. JDBC is a Java API to connect and execute database queries. JDBC API uses JDBC drivers to connect with database. Each vendor will have their own JDBC Drivers for Client Exchange of Data.</a:t>
+            </a:r>
+          </a:p>
+          <a:p>
+            <a:pPr lvl="1"/>
+            <a:endParaRPr lang="en-US" sz="1400" dirty="0">
+              <a:solidFill>
+                <a:srgbClr val="000000"/>
+              </a:solidFill>
+              <a:latin typeface="verdana" panose="020B0604030504040204" pitchFamily="34" charset="0"/>
+            </a:endParaRPr>
+          </a:p>
+          <a:p>
+            <a:pPr marL="285750" indent="-285750" algn="l">
+              <a:buFont typeface="Arial" panose="020B0604020202020204" pitchFamily="34" charset="0"/>
+              <a:buChar char="•"/>
+            </a:pPr>
+            <a:r>
+              <a:rPr lang="en-US" sz="1400" b="1" dirty="0"/>
+              <a:t>What is an API</a:t>
+            </a:r>
+          </a:p>
+          <a:p>
+            <a:pPr lvl="1" algn="just"/>
+            <a:r>
+              <a:rPr lang="en-US" sz="1300" b="0" i="0" dirty="0">
+                <a:solidFill>
+                  <a:srgbClr val="000000"/>
+                </a:solidFill>
+                <a:effectLst/>
+                <a:latin typeface="verdana" panose="020B0604030504040204" pitchFamily="34" charset="0"/>
+              </a:rPr>
+              <a:t>API (</a:t>
+            </a:r>
+            <a:r>
+              <a:rPr lang="en-US" sz="1300" b="0" i="0" dirty="0">
+                <a:solidFill>
+                  <a:srgbClr val="FF0000"/>
+                </a:solidFill>
+                <a:effectLst/>
+                <a:latin typeface="verdana" panose="020B0604030504040204" pitchFamily="34" charset="0"/>
+              </a:rPr>
+              <a:t>A</a:t>
+            </a:r>
+            <a:r>
+              <a:rPr lang="en-US" sz="1300" b="0" i="0" dirty="0">
+                <a:solidFill>
+                  <a:srgbClr val="000000"/>
+                </a:solidFill>
+                <a:effectLst/>
+                <a:latin typeface="verdana" panose="020B0604030504040204" pitchFamily="34" charset="0"/>
+              </a:rPr>
+              <a:t>pplication </a:t>
+            </a:r>
+            <a:r>
+              <a:rPr lang="en-US" sz="1300" b="0" i="0" dirty="0">
+                <a:solidFill>
+                  <a:srgbClr val="FF0000"/>
+                </a:solidFill>
+                <a:effectLst/>
+                <a:latin typeface="verdana" panose="020B0604030504040204" pitchFamily="34" charset="0"/>
+              </a:rPr>
+              <a:t>P</a:t>
+            </a:r>
+            <a:r>
+              <a:rPr lang="en-US" sz="1300" b="0" i="0" dirty="0">
+                <a:solidFill>
+                  <a:srgbClr val="000000"/>
+                </a:solidFill>
+                <a:effectLst/>
+                <a:latin typeface="verdana" panose="020B0604030504040204" pitchFamily="34" charset="0"/>
+              </a:rPr>
+              <a:t>rogramming </a:t>
+            </a:r>
+            <a:r>
+              <a:rPr lang="en-US" sz="1300" dirty="0">
+                <a:solidFill>
+                  <a:srgbClr val="FF0000"/>
+                </a:solidFill>
+                <a:latin typeface="verdana" panose="020B0604030504040204" pitchFamily="34" charset="0"/>
+              </a:rPr>
+              <a:t>I</a:t>
+            </a:r>
+            <a:r>
+              <a:rPr lang="en-US" sz="1300" b="0" i="0" dirty="0">
+                <a:solidFill>
+                  <a:srgbClr val="000000"/>
+                </a:solidFill>
+                <a:effectLst/>
+                <a:latin typeface="verdana" panose="020B0604030504040204" pitchFamily="34" charset="0"/>
+              </a:rPr>
+              <a:t>nterface) is a service that describes on features of a product or software for communications. It represents on how client can exchange data.</a:t>
+            </a:r>
+          </a:p>
+          <a:p>
+            <a:pPr lvl="1"/>
+            <a:endParaRPr lang="en-US" sz="1400" dirty="0"/>
+          </a:p>
+          <a:p>
+            <a:pPr marL="285750" indent="-285750">
+              <a:buFont typeface="Arial" panose="020B0604020202020204" pitchFamily="34" charset="0"/>
+              <a:buChar char="•"/>
+            </a:pPr>
+            <a:r>
+              <a:rPr lang="en-US" sz="1400" b="1" dirty="0"/>
+              <a:t>Popular Database(s)</a:t>
+            </a:r>
+          </a:p>
+          <a:p>
+            <a:pPr marL="742950" lvl="1" indent="-285750">
+              <a:buFont typeface="Arial" panose="020B0604020202020204" pitchFamily="34" charset="0"/>
+              <a:buChar char="•"/>
+            </a:pPr>
+            <a:r>
+              <a:rPr lang="en-US" sz="1400" dirty="0"/>
+              <a:t>Oracle, Informix, MySQL, Microsoft SQL Server, H2, SQLite ……</a:t>
+            </a:r>
+          </a:p>
+          <a:p>
+            <a:pPr marL="285750" indent="-285750">
+              <a:buFont typeface="Arial" panose="020B0604020202020204" pitchFamily="34" charset="0"/>
+              <a:buChar char="•"/>
+            </a:pPr>
+            <a:endParaRPr lang="en-US" dirty="0"/>
+          </a:p>
+        </p:txBody>
+      </p:sp>
+      <p:pic>
+        <p:nvPicPr>
+          <p:cNvPr id="4" name="Picture 3">
+            <a:extLst>
+              <a:ext uri="{FF2B5EF4-FFF2-40B4-BE49-F238E27FC236}">
+                <a16:creationId xmlns:a16="http://schemas.microsoft.com/office/drawing/2014/main" id="{EFC1CA37-B739-40BC-B938-C2EC17E6408E}"/>
+              </a:ext>
+            </a:extLst>
+          </p:cNvPr>
+          <p:cNvPicPr>
+            <a:picLocks noChangeAspect="1"/>
+          </p:cNvPicPr>
+          <p:nvPr/>
+        </p:nvPicPr>
+        <p:blipFill>
+          <a:blip r:embed="rId3"/>
+          <a:stretch>
+            <a:fillRect/>
+          </a:stretch>
+        </p:blipFill>
+        <p:spPr>
+          <a:xfrm>
+            <a:off x="4353949" y="3133987"/>
+            <a:ext cx="7721787" cy="3616642"/>
+          </a:xfrm>
+          <a:prstGeom prst="rect">
+            <a:avLst/>
+          </a:prstGeom>
+        </p:spPr>
+      </p:pic>
+    </p:spTree>
+    <p:extLst>
+      <p:ext uri="{BB962C8B-B14F-4D97-AF65-F5344CB8AC3E}">
+        <p14:creationId xmlns:p14="http://schemas.microsoft.com/office/powerpoint/2010/main" val="1292513021"/>
+      </p:ext>
+    </p:extLst>
+  </p:cSld>
+  <p:clrMapOvr>
+    <a:masterClrMapping/>
+  </p:clrMapOvr>
+  <mc:AlternateContent xmlns:mc="http://schemas.openxmlformats.org/markup-compatibility/2006" xmlns:p14="http://schemas.microsoft.com/office/powerpoint/2010/main">
+    <mc:Choice Requires="p14">
+      <p:transition spd="med" p14:dur="700">
+        <p:fade/>
+      </p:transition>
+    </mc:Choice>
+    <mc:Fallback xmlns="">
+      <p:transition spd="med">
+        <p:fade/>
+      </p:transition>
+    </mc:Fallback>
+  </mc:AlternateContent>
+</p:sld>
+</file>
+
+<file path=ppt/slides/slide20.xml><?xml version="1.0" encoding="utf-8"?>
 <p:sld xmlns:a="http://schemas.openxmlformats.org/drawingml/2006/main" xmlns:r="http://schemas.openxmlformats.org/officeDocument/2006/relationships" xmlns:p="http://schemas.openxmlformats.org/presentationml/2006/main">
   <p:cSld>
     <p:spTree>
@@ -33335,7 +34456,7 @@
 </p:sld>
 </file>
 
-<file path=ppt/slides/slide2.xml><?xml version="1.0" encoding="utf-8"?>
+<file path=ppt/slides/slide21.xml><?xml version="1.0" encoding="utf-8"?>
 <p:sld xmlns:a="http://schemas.openxmlformats.org/drawingml/2006/main" xmlns:r="http://schemas.openxmlformats.org/officeDocument/2006/relationships" xmlns:p="http://schemas.openxmlformats.org/presentationml/2006/main">
   <p:cSld>
     <p:bg>
@@ -33536,541 +34657,6 @@
           <a:lstStyle/>
           <a:p>
             <a:r>
-              <a:rPr lang="en-US" sz="3600">
-                <a:solidFill>
-                  <a:schemeClr val="bg1"/>
-                </a:solidFill>
-              </a:rPr>
-              <a:t>JDBC Insights</a:t>
-            </a:r>
-            <a:endParaRPr lang="en-US" sz="3600" dirty="0">
-              <a:solidFill>
-                <a:schemeClr val="bg1"/>
-              </a:solidFill>
-            </a:endParaRPr>
-          </a:p>
-        </p:txBody>
-      </p:sp>
-      <p:sp>
-        <p:nvSpPr>
-          <p:cNvPr id="5" name="TextBox 4">
-            <a:extLst>
-              <a:ext uri="{FF2B5EF4-FFF2-40B4-BE49-F238E27FC236}">
-                <a16:creationId xmlns:a16="http://schemas.microsoft.com/office/drawing/2014/main" id="{839ABAD5-A4C5-4D68-887A-8BFBD09FA201}"/>
-              </a:ext>
-            </a:extLst>
-          </p:cNvPr>
-          <p:cNvSpPr txBox="1"/>
-          <p:nvPr/>
-        </p:nvSpPr>
-        <p:spPr>
-          <a:xfrm>
-            <a:off x="4537492" y="332168"/>
-            <a:ext cx="7538244" cy="3123932"/>
-          </a:xfrm>
-          <a:prstGeom prst="rect">
-            <a:avLst/>
-          </a:prstGeom>
-          <a:noFill/>
-        </p:spPr>
-        <p:txBody>
-          <a:bodyPr wrap="square" rtlCol="0">
-            <a:spAutoFit/>
-          </a:bodyPr>
-          <a:lstStyle/>
-          <a:p>
-            <a:pPr marL="285750" indent="-285750">
-              <a:buFont typeface="Arial" panose="020B0604020202020204" pitchFamily="34" charset="0"/>
-              <a:buChar char="•"/>
-            </a:pPr>
-            <a:r>
-              <a:rPr lang="en-US" sz="1400" b="1" dirty="0"/>
-              <a:t>JDBC</a:t>
-            </a:r>
-          </a:p>
-          <a:p>
-            <a:pPr lvl="1" algn="just"/>
-            <a:r>
-              <a:rPr lang="en-US" sz="1400" b="0" i="0" dirty="0">
-                <a:solidFill>
-                  <a:srgbClr val="000000"/>
-                </a:solidFill>
-                <a:effectLst/>
-                <a:latin typeface="verdana" panose="020B0604030504040204" pitchFamily="34" charset="0"/>
-              </a:rPr>
-              <a:t>JDBC stands for </a:t>
-            </a:r>
-            <a:r>
-              <a:rPr lang="en-US" sz="1400" b="0" i="0" dirty="0">
-                <a:solidFill>
-                  <a:srgbClr val="FF0000"/>
-                </a:solidFill>
-                <a:effectLst/>
-                <a:latin typeface="verdana" panose="020B0604030504040204" pitchFamily="34" charset="0"/>
-              </a:rPr>
-              <a:t>J</a:t>
-            </a:r>
-            <a:r>
-              <a:rPr lang="en-US" sz="1400" b="0" i="0" dirty="0">
-                <a:solidFill>
-                  <a:srgbClr val="000000"/>
-                </a:solidFill>
-                <a:effectLst/>
-                <a:latin typeface="verdana" panose="020B0604030504040204" pitchFamily="34" charset="0"/>
-              </a:rPr>
-              <a:t>ava </a:t>
-            </a:r>
-            <a:r>
-              <a:rPr lang="en-US" sz="1400" b="0" i="0" dirty="0" err="1">
-                <a:solidFill>
-                  <a:srgbClr val="FF0000"/>
-                </a:solidFill>
-                <a:effectLst/>
-                <a:latin typeface="verdana" panose="020B0604030504040204" pitchFamily="34" charset="0"/>
-              </a:rPr>
-              <a:t>D</a:t>
-            </a:r>
-            <a:r>
-              <a:rPr lang="en-US" sz="1400" b="0" i="0" dirty="0" err="1">
-                <a:solidFill>
-                  <a:srgbClr val="000000"/>
-                </a:solidFill>
-                <a:effectLst/>
-                <a:latin typeface="verdana" panose="020B0604030504040204" pitchFamily="34" charset="0"/>
-              </a:rPr>
-              <a:t>ata</a:t>
-            </a:r>
-            <a:r>
-              <a:rPr lang="en-US" sz="1400" b="0" i="0" dirty="0" err="1">
-                <a:solidFill>
-                  <a:srgbClr val="FF0000"/>
-                </a:solidFill>
-                <a:effectLst/>
-                <a:latin typeface="verdana" panose="020B0604030504040204" pitchFamily="34" charset="0"/>
-              </a:rPr>
-              <a:t>B</a:t>
-            </a:r>
-            <a:r>
-              <a:rPr lang="en-US" sz="1400" b="0" i="0" dirty="0" err="1">
-                <a:solidFill>
-                  <a:srgbClr val="000000"/>
-                </a:solidFill>
-                <a:effectLst/>
-                <a:latin typeface="verdana" panose="020B0604030504040204" pitchFamily="34" charset="0"/>
-              </a:rPr>
-              <a:t>ase</a:t>
-            </a:r>
-            <a:r>
-              <a:rPr lang="en-US" sz="1400" b="0" i="0" dirty="0">
-                <a:solidFill>
-                  <a:srgbClr val="000000"/>
-                </a:solidFill>
-                <a:effectLst/>
-                <a:latin typeface="verdana" panose="020B0604030504040204" pitchFamily="34" charset="0"/>
-              </a:rPr>
-              <a:t> </a:t>
-            </a:r>
-            <a:r>
-              <a:rPr lang="en-US" sz="1400" b="0" i="0" dirty="0">
-                <a:solidFill>
-                  <a:srgbClr val="FF0000"/>
-                </a:solidFill>
-                <a:effectLst/>
-                <a:latin typeface="verdana" panose="020B0604030504040204" pitchFamily="34" charset="0"/>
-              </a:rPr>
-              <a:t>C</a:t>
-            </a:r>
-            <a:r>
-              <a:rPr lang="en-US" sz="1400" b="0" i="0" dirty="0">
-                <a:solidFill>
-                  <a:srgbClr val="000000"/>
-                </a:solidFill>
-                <a:effectLst/>
-                <a:latin typeface="verdana" panose="020B0604030504040204" pitchFamily="34" charset="0"/>
-              </a:rPr>
-              <a:t>onnectivity. JDBC is a Java API to connect and execute database queries. JDBC API uses JDBC drivers to connect with database. Each vendor will have their own JDBC Drivers for Client Exchange of Data.</a:t>
-            </a:r>
-          </a:p>
-          <a:p>
-            <a:pPr lvl="1"/>
-            <a:endParaRPr lang="en-US" sz="1400" dirty="0">
-              <a:solidFill>
-                <a:srgbClr val="000000"/>
-              </a:solidFill>
-              <a:latin typeface="verdana" panose="020B0604030504040204" pitchFamily="34" charset="0"/>
-            </a:endParaRPr>
-          </a:p>
-          <a:p>
-            <a:pPr marL="285750" indent="-285750" algn="l">
-              <a:buFont typeface="Arial" panose="020B0604020202020204" pitchFamily="34" charset="0"/>
-              <a:buChar char="•"/>
-            </a:pPr>
-            <a:r>
-              <a:rPr lang="en-US" sz="1400" b="1" dirty="0"/>
-              <a:t>What is an API</a:t>
-            </a:r>
-          </a:p>
-          <a:p>
-            <a:pPr lvl="1" algn="just"/>
-            <a:r>
-              <a:rPr lang="en-US" sz="1300" b="0" i="0" dirty="0">
-                <a:solidFill>
-                  <a:srgbClr val="000000"/>
-                </a:solidFill>
-                <a:effectLst/>
-                <a:latin typeface="verdana" panose="020B0604030504040204" pitchFamily="34" charset="0"/>
-              </a:rPr>
-              <a:t>API (</a:t>
-            </a:r>
-            <a:r>
-              <a:rPr lang="en-US" sz="1300" b="0" i="0" dirty="0">
-                <a:solidFill>
-                  <a:srgbClr val="FF0000"/>
-                </a:solidFill>
-                <a:effectLst/>
-                <a:latin typeface="verdana" panose="020B0604030504040204" pitchFamily="34" charset="0"/>
-              </a:rPr>
-              <a:t>A</a:t>
-            </a:r>
-            <a:r>
-              <a:rPr lang="en-US" sz="1300" b="0" i="0" dirty="0">
-                <a:solidFill>
-                  <a:srgbClr val="000000"/>
-                </a:solidFill>
-                <a:effectLst/>
-                <a:latin typeface="verdana" panose="020B0604030504040204" pitchFamily="34" charset="0"/>
-              </a:rPr>
-              <a:t>pplication </a:t>
-            </a:r>
-            <a:r>
-              <a:rPr lang="en-US" sz="1300" b="0" i="0" dirty="0">
-                <a:solidFill>
-                  <a:srgbClr val="FF0000"/>
-                </a:solidFill>
-                <a:effectLst/>
-                <a:latin typeface="verdana" panose="020B0604030504040204" pitchFamily="34" charset="0"/>
-              </a:rPr>
-              <a:t>P</a:t>
-            </a:r>
-            <a:r>
-              <a:rPr lang="en-US" sz="1300" b="0" i="0" dirty="0">
-                <a:solidFill>
-                  <a:srgbClr val="000000"/>
-                </a:solidFill>
-                <a:effectLst/>
-                <a:latin typeface="verdana" panose="020B0604030504040204" pitchFamily="34" charset="0"/>
-              </a:rPr>
-              <a:t>rogramming </a:t>
-            </a:r>
-            <a:r>
-              <a:rPr lang="en-US" sz="1300" dirty="0">
-                <a:solidFill>
-                  <a:srgbClr val="FF0000"/>
-                </a:solidFill>
-                <a:latin typeface="verdana" panose="020B0604030504040204" pitchFamily="34" charset="0"/>
-              </a:rPr>
-              <a:t>I</a:t>
-            </a:r>
-            <a:r>
-              <a:rPr lang="en-US" sz="1300" b="0" i="0" dirty="0">
-                <a:solidFill>
-                  <a:srgbClr val="000000"/>
-                </a:solidFill>
-                <a:effectLst/>
-                <a:latin typeface="verdana" panose="020B0604030504040204" pitchFamily="34" charset="0"/>
-              </a:rPr>
-              <a:t>nterface) is a service that describes on features of a product or software for communications. It represents on how client can exchange data.</a:t>
-            </a:r>
-          </a:p>
-          <a:p>
-            <a:pPr lvl="1"/>
-            <a:endParaRPr lang="en-US" sz="1400" dirty="0"/>
-          </a:p>
-          <a:p>
-            <a:pPr marL="285750" indent="-285750">
-              <a:buFont typeface="Arial" panose="020B0604020202020204" pitchFamily="34" charset="0"/>
-              <a:buChar char="•"/>
-            </a:pPr>
-            <a:r>
-              <a:rPr lang="en-US" sz="1400" b="1" dirty="0"/>
-              <a:t>Popular Database(s)</a:t>
-            </a:r>
-          </a:p>
-          <a:p>
-            <a:pPr marL="742950" lvl="1" indent="-285750">
-              <a:buFont typeface="Arial" panose="020B0604020202020204" pitchFamily="34" charset="0"/>
-              <a:buChar char="•"/>
-            </a:pPr>
-            <a:r>
-              <a:rPr lang="en-US" sz="1400" dirty="0"/>
-              <a:t>Oracle, Informix, MySQL, Microsoft SQL Server, H2, SQLite ……</a:t>
-            </a:r>
-          </a:p>
-          <a:p>
-            <a:pPr marL="285750" indent="-285750">
-              <a:buFont typeface="Arial" panose="020B0604020202020204" pitchFamily="34" charset="0"/>
-              <a:buChar char="•"/>
-            </a:pPr>
-            <a:endParaRPr lang="en-US" dirty="0"/>
-          </a:p>
-        </p:txBody>
-      </p:sp>
-      <p:pic>
-        <p:nvPicPr>
-          <p:cNvPr id="4" name="Picture 3">
-            <a:extLst>
-              <a:ext uri="{FF2B5EF4-FFF2-40B4-BE49-F238E27FC236}">
-                <a16:creationId xmlns:a16="http://schemas.microsoft.com/office/drawing/2014/main" id="{EFC1CA37-B739-40BC-B938-C2EC17E6408E}"/>
-              </a:ext>
-            </a:extLst>
-          </p:cNvPr>
-          <p:cNvPicPr>
-            <a:picLocks noChangeAspect="1"/>
-          </p:cNvPicPr>
-          <p:nvPr/>
-        </p:nvPicPr>
-        <p:blipFill>
-          <a:blip r:embed="rId3"/>
-          <a:stretch>
-            <a:fillRect/>
-          </a:stretch>
-        </p:blipFill>
-        <p:spPr>
-          <a:xfrm>
-            <a:off x="4353949" y="3133987"/>
-            <a:ext cx="7721787" cy="3616642"/>
-          </a:xfrm>
-          <a:prstGeom prst="rect">
-            <a:avLst/>
-          </a:prstGeom>
-        </p:spPr>
-      </p:pic>
-    </p:spTree>
-    <p:extLst>
-      <p:ext uri="{BB962C8B-B14F-4D97-AF65-F5344CB8AC3E}">
-        <p14:creationId xmlns:p14="http://schemas.microsoft.com/office/powerpoint/2010/main" val="1292513021"/>
-      </p:ext>
-    </p:extLst>
-  </p:cSld>
-  <p:clrMapOvr>
-    <a:masterClrMapping/>
-  </p:clrMapOvr>
-  <mc:AlternateContent xmlns:mc="http://schemas.openxmlformats.org/markup-compatibility/2006" xmlns:p14="http://schemas.microsoft.com/office/powerpoint/2010/main">
-    <mc:Choice Requires="p14">
-      <p:transition spd="med" p14:dur="700">
-        <p:fade/>
-      </p:transition>
-    </mc:Choice>
-    <mc:Fallback xmlns="">
-      <p:transition spd="med">
-        <p:fade/>
-      </p:transition>
-    </mc:Fallback>
-  </mc:AlternateContent>
-</p:sld>
-</file>
-
-<file path=ppt/slides/slide20.xml><?xml version="1.0" encoding="utf-8"?>
-<p:sld xmlns:a="http://schemas.openxmlformats.org/drawingml/2006/main" xmlns:r="http://schemas.openxmlformats.org/officeDocument/2006/relationships" xmlns:p="http://schemas.openxmlformats.org/presentationml/2006/main">
-  <p:cSld>
-    <p:bg>
-      <p:bgPr>
-        <a:solidFill>
-          <a:schemeClr val="bg1"/>
-        </a:solidFill>
-        <a:effectLst/>
-      </p:bgPr>
-    </p:bg>
-    <p:spTree>
-      <p:nvGrpSpPr>
-        <p:cNvPr id="1" name=""/>
-        <p:cNvGrpSpPr/>
-        <p:nvPr/>
-      </p:nvGrpSpPr>
-      <p:grpSpPr>
-        <a:xfrm>
-          <a:off x="0" y="0"/>
-          <a:ext cx="0" cy="0"/>
-          <a:chOff x="0" y="0"/>
-          <a:chExt cx="0" cy="0"/>
-        </a:xfrm>
-      </p:grpSpPr>
-      <p:sp useBgFill="1">
-        <p:nvSpPr>
-          <p:cNvPr id="10" name="Rectangle 9">
-            <a:extLst>
-              <a:ext uri="{FF2B5EF4-FFF2-40B4-BE49-F238E27FC236}">
-                <a16:creationId xmlns:a16="http://schemas.microsoft.com/office/drawing/2014/main" id="{EE1530B0-6F96-46C0-8B3E-3215CB756BE4}"/>
-              </a:ext>
-              <a:ext uri="{C183D7F6-B498-43B3-948B-1728B52AA6E4}">
-                <adec:decorative xmlns:adec="http://schemas.microsoft.com/office/drawing/2017/decorative" val="1"/>
-              </a:ext>
-            </a:extLst>
-          </p:cNvPr>
-          <p:cNvSpPr>
-            <a:spLocks noGrp="1" noRot="1" noChangeAspect="1" noMove="1" noResize="1" noEditPoints="1" noAdjustHandles="1" noChangeArrowheads="1" noChangeShapeType="1" noTextEdit="1"/>
-          </p:cNvSpPr>
-          <p:nvPr>
-            <p:extLst>
-              <p:ext uri="{386F3935-93C4-4BCD-93E2-E3B085C9AB24}">
-                <p16:designElem xmlns:p16="http://schemas.microsoft.com/office/powerpoint/2015/main" val="1"/>
-              </p:ext>
-            </p:extLst>
-          </p:nvPr>
-        </p:nvSpPr>
-        <p:spPr>
-          <a:xfrm>
-            <a:off x="5685" y="0"/>
-            <a:ext cx="12186315" cy="6858000"/>
-          </a:xfrm>
-          <a:prstGeom prst="rect">
-            <a:avLst/>
-          </a:prstGeom>
-          <a:ln>
-            <a:noFill/>
-          </a:ln>
-        </p:spPr>
-        <p:style>
-          <a:lnRef idx="2">
-            <a:schemeClr val="accent6">
-              <a:shade val="50000"/>
-            </a:schemeClr>
-          </a:lnRef>
-          <a:fillRef idx="1001">
-            <a:schemeClr val="lt1"/>
-          </a:fillRef>
-          <a:effectRef idx="0">
-            <a:schemeClr val="accent6"/>
-          </a:effectRef>
-          <a:fontRef idx="minor">
-            <a:schemeClr val="lt1"/>
-          </a:fontRef>
-        </p:style>
-        <p:txBody>
-          <a:bodyPr rtlCol="0" anchor="ctr"/>
-          <a:lstStyle/>
-          <a:p>
-            <a:pPr marL="0" marR="0" lvl="0" indent="0" algn="ctr" defTabSz="914400" rtl="0" eaLnBrk="1" fontAlgn="auto" latinLnBrk="0" hangingPunct="1">
-              <a:lnSpc>
-                <a:spcPct val="100000"/>
-              </a:lnSpc>
-              <a:spcBef>
-                <a:spcPts val="0"/>
-              </a:spcBef>
-              <a:spcAft>
-                <a:spcPts val="0"/>
-              </a:spcAft>
-              <a:buClrTx/>
-              <a:buSzTx/>
-              <a:buFontTx/>
-              <a:buNone/>
-              <a:tabLst/>
-              <a:defRPr/>
-            </a:pPr>
-            <a:endParaRPr kumimoji="0" lang="en-US" sz="1800" b="0" i="0" u="none" strike="noStrike" kern="1200" cap="none" spc="0" normalizeH="0" baseline="0" noProof="0" dirty="0">
-              <a:ln>
-                <a:noFill/>
-              </a:ln>
-              <a:solidFill>
-                <a:prstClr val="white"/>
-              </a:solidFill>
-              <a:effectLst/>
-              <a:uLnTx/>
-              <a:uFillTx/>
-              <a:latin typeface="Franklin Gothic Book" panose="020F0502020204030204"/>
-              <a:ea typeface="+mn-ea"/>
-              <a:cs typeface="+mn-cs"/>
-            </a:endParaRPr>
-          </a:p>
-        </p:txBody>
-      </p:sp>
-      <p:sp>
-        <p:nvSpPr>
-          <p:cNvPr id="12" name="Rectangle 11">
-            <a:extLst>
-              <a:ext uri="{FF2B5EF4-FFF2-40B4-BE49-F238E27FC236}">
-                <a16:creationId xmlns:a16="http://schemas.microsoft.com/office/drawing/2014/main" id="{754910CF-1B56-45D3-960A-E89F7B3B9131}"/>
-              </a:ext>
-              <a:ext uri="{C183D7F6-B498-43B3-948B-1728B52AA6E4}">
-                <adec:decorative xmlns:adec="http://schemas.microsoft.com/office/drawing/2017/decorative" val="1"/>
-              </a:ext>
-            </a:extLst>
-          </p:cNvPr>
-          <p:cNvSpPr>
-            <a:spLocks noGrp="1" noRot="1" noChangeAspect="1" noMove="1" noResize="1" noEditPoints="1" noAdjustHandles="1" noChangeArrowheads="1" noChangeShapeType="1" noTextEdit="1"/>
-          </p:cNvSpPr>
-          <p:nvPr>
-            <p:extLst>
-              <p:ext uri="{386F3935-93C4-4BCD-93E2-E3B085C9AB24}">
-                <p16:designElem xmlns:p16="http://schemas.microsoft.com/office/powerpoint/2015/main" val="1"/>
-              </p:ext>
-            </p:extLst>
-          </p:nvPr>
-        </p:nvSpPr>
-        <p:spPr>
-          <a:xfrm>
-            <a:off x="16" y="0"/>
-            <a:ext cx="4050791" cy="6858000"/>
-          </a:xfrm>
-          <a:prstGeom prst="rect">
-            <a:avLst/>
-          </a:prstGeom>
-          <a:solidFill>
-            <a:schemeClr val="tx1">
-              <a:lumMod val="85000"/>
-              <a:lumOff val="15000"/>
-            </a:schemeClr>
-          </a:solidFill>
-          <a:ln>
-            <a:noFill/>
-          </a:ln>
-        </p:spPr>
-        <p:style>
-          <a:lnRef idx="2">
-            <a:schemeClr val="accent1">
-              <a:shade val="50000"/>
-            </a:schemeClr>
-          </a:lnRef>
-          <a:fillRef idx="1">
-            <a:schemeClr val="accent1"/>
-          </a:fillRef>
-          <a:effectRef idx="0">
-            <a:schemeClr val="accent1"/>
-          </a:effectRef>
-          <a:fontRef idx="minor">
-            <a:schemeClr val="lt1"/>
-          </a:fontRef>
-        </p:style>
-      </p:sp>
-      <p:sp>
-        <p:nvSpPr>
-          <p:cNvPr id="2" name="Title 1">
-            <a:extLst>
-              <a:ext uri="{FF2B5EF4-FFF2-40B4-BE49-F238E27FC236}">
-                <a16:creationId xmlns:a16="http://schemas.microsoft.com/office/drawing/2014/main" id="{0AE422CB-EBC9-4703-870C-8981A495893A}"/>
-              </a:ext>
-            </a:extLst>
-          </p:cNvPr>
-          <p:cNvSpPr>
-            <a:spLocks noGrp="1"/>
-          </p:cNvSpPr>
-          <p:nvPr>
-            <p:ph type="title"/>
-          </p:nvPr>
-        </p:nvSpPr>
-        <p:spPr>
-          <a:xfrm>
-            <a:off x="492370" y="516835"/>
-            <a:ext cx="3084844" cy="5772840"/>
-          </a:xfrm>
-        </p:spPr>
-        <p:txBody>
-          <a:bodyPr anchor="ctr">
-            <a:normAutofit/>
-          </a:bodyPr>
-          <a:lstStyle/>
-          <a:p>
-            <a:r>
               <a:rPr lang="en-US" sz="3600" dirty="0">
                 <a:solidFill>
                   <a:schemeClr val="bg1"/>
@@ -34358,937 +34944,6 @@
     <p:extLst>
       <p:ext uri="{BB962C8B-B14F-4D97-AF65-F5344CB8AC3E}">
         <p14:creationId xmlns:p14="http://schemas.microsoft.com/office/powerpoint/2010/main" val="3106796510"/>
-      </p:ext>
-    </p:extLst>
-  </p:cSld>
-  <p:clrMapOvr>
-    <a:masterClrMapping/>
-  </p:clrMapOvr>
-  <mc:AlternateContent xmlns:mc="http://schemas.openxmlformats.org/markup-compatibility/2006" xmlns:p14="http://schemas.microsoft.com/office/powerpoint/2010/main">
-    <mc:Choice Requires="p14">
-      <p:transition spd="med" p14:dur="700">
-        <p:fade/>
-      </p:transition>
-    </mc:Choice>
-    <mc:Fallback xmlns="">
-      <p:transition spd="med">
-        <p:fade/>
-      </p:transition>
-    </mc:Fallback>
-  </mc:AlternateContent>
-</p:sld>
-</file>
-
-<file path=ppt/slides/slide21.xml><?xml version="1.0" encoding="utf-8"?>
-<p:sld xmlns:a="http://schemas.openxmlformats.org/drawingml/2006/main" xmlns:r="http://schemas.openxmlformats.org/officeDocument/2006/relationships" xmlns:p="http://schemas.openxmlformats.org/presentationml/2006/main">
-  <p:cSld>
-    <p:bg>
-      <p:bgPr>
-        <a:solidFill>
-          <a:schemeClr val="bg1"/>
-        </a:solidFill>
-        <a:effectLst/>
-      </p:bgPr>
-    </p:bg>
-    <p:spTree>
-      <p:nvGrpSpPr>
-        <p:cNvPr id="1" name=""/>
-        <p:cNvGrpSpPr/>
-        <p:nvPr/>
-      </p:nvGrpSpPr>
-      <p:grpSpPr>
-        <a:xfrm>
-          <a:off x="0" y="0"/>
-          <a:ext cx="0" cy="0"/>
-          <a:chOff x="0" y="0"/>
-          <a:chExt cx="0" cy="0"/>
-        </a:xfrm>
-      </p:grpSpPr>
-      <p:sp useBgFill="1">
-        <p:nvSpPr>
-          <p:cNvPr id="10" name="Rectangle 9">
-            <a:extLst>
-              <a:ext uri="{FF2B5EF4-FFF2-40B4-BE49-F238E27FC236}">
-                <a16:creationId xmlns:a16="http://schemas.microsoft.com/office/drawing/2014/main" id="{EE1530B0-6F96-46C0-8B3E-3215CB756BE4}"/>
-              </a:ext>
-              <a:ext uri="{C183D7F6-B498-43B3-948B-1728B52AA6E4}">
-                <adec:decorative xmlns:adec="http://schemas.microsoft.com/office/drawing/2017/decorative" val="1"/>
-              </a:ext>
-            </a:extLst>
-          </p:cNvPr>
-          <p:cNvSpPr>
-            <a:spLocks noGrp="1" noRot="1" noChangeAspect="1" noMove="1" noResize="1" noEditPoints="1" noAdjustHandles="1" noChangeArrowheads="1" noChangeShapeType="1" noTextEdit="1"/>
-          </p:cNvSpPr>
-          <p:nvPr>
-            <p:extLst>
-              <p:ext uri="{386F3935-93C4-4BCD-93E2-E3B085C9AB24}">
-                <p16:designElem xmlns:p16="http://schemas.microsoft.com/office/powerpoint/2015/main" val="1"/>
-              </p:ext>
-            </p:extLst>
-          </p:nvPr>
-        </p:nvSpPr>
-        <p:spPr>
-          <a:xfrm>
-            <a:off x="5685" y="0"/>
-            <a:ext cx="12186315" cy="6858000"/>
-          </a:xfrm>
-          <a:prstGeom prst="rect">
-            <a:avLst/>
-          </a:prstGeom>
-          <a:ln>
-            <a:noFill/>
-          </a:ln>
-        </p:spPr>
-        <p:style>
-          <a:lnRef idx="2">
-            <a:schemeClr val="accent6">
-              <a:shade val="50000"/>
-            </a:schemeClr>
-          </a:lnRef>
-          <a:fillRef idx="1001">
-            <a:schemeClr val="lt1"/>
-          </a:fillRef>
-          <a:effectRef idx="0">
-            <a:schemeClr val="accent6"/>
-          </a:effectRef>
-          <a:fontRef idx="minor">
-            <a:schemeClr val="lt1"/>
-          </a:fontRef>
-        </p:style>
-        <p:txBody>
-          <a:bodyPr rtlCol="0" anchor="ctr"/>
-          <a:lstStyle/>
-          <a:p>
-            <a:pPr marL="0" marR="0" lvl="0" indent="0" algn="ctr" defTabSz="914400" rtl="0" eaLnBrk="1" fontAlgn="auto" latinLnBrk="0" hangingPunct="1">
-              <a:lnSpc>
-                <a:spcPct val="100000"/>
-              </a:lnSpc>
-              <a:spcBef>
-                <a:spcPts val="0"/>
-              </a:spcBef>
-              <a:spcAft>
-                <a:spcPts val="0"/>
-              </a:spcAft>
-              <a:buClrTx/>
-              <a:buSzTx/>
-              <a:buFontTx/>
-              <a:buNone/>
-              <a:tabLst/>
-              <a:defRPr/>
-            </a:pPr>
-            <a:endParaRPr kumimoji="0" lang="en-US" sz="1800" b="0" i="0" u="none" strike="noStrike" kern="1200" cap="none" spc="0" normalizeH="0" baseline="0" noProof="0" dirty="0">
-              <a:ln>
-                <a:noFill/>
-              </a:ln>
-              <a:solidFill>
-                <a:prstClr val="white"/>
-              </a:solidFill>
-              <a:effectLst/>
-              <a:uLnTx/>
-              <a:uFillTx/>
-              <a:latin typeface="Franklin Gothic Book" panose="020F0502020204030204"/>
-              <a:ea typeface="+mn-ea"/>
-              <a:cs typeface="+mn-cs"/>
-            </a:endParaRPr>
-          </a:p>
-        </p:txBody>
-      </p:sp>
-      <p:sp>
-        <p:nvSpPr>
-          <p:cNvPr id="12" name="Rectangle 11">
-            <a:extLst>
-              <a:ext uri="{FF2B5EF4-FFF2-40B4-BE49-F238E27FC236}">
-                <a16:creationId xmlns:a16="http://schemas.microsoft.com/office/drawing/2014/main" id="{754910CF-1B56-45D3-960A-E89F7B3B9131}"/>
-              </a:ext>
-              <a:ext uri="{C183D7F6-B498-43B3-948B-1728B52AA6E4}">
-                <adec:decorative xmlns:adec="http://schemas.microsoft.com/office/drawing/2017/decorative" val="1"/>
-              </a:ext>
-            </a:extLst>
-          </p:cNvPr>
-          <p:cNvSpPr>
-            <a:spLocks noGrp="1" noRot="1" noChangeAspect="1" noMove="1" noResize="1" noEditPoints="1" noAdjustHandles="1" noChangeArrowheads="1" noChangeShapeType="1" noTextEdit="1"/>
-          </p:cNvSpPr>
-          <p:nvPr>
-            <p:extLst>
-              <p:ext uri="{386F3935-93C4-4BCD-93E2-E3B085C9AB24}">
-                <p16:designElem xmlns:p16="http://schemas.microsoft.com/office/powerpoint/2015/main" val="1"/>
-              </p:ext>
-            </p:extLst>
-          </p:nvPr>
-        </p:nvSpPr>
-        <p:spPr>
-          <a:xfrm>
-            <a:off x="16" y="0"/>
-            <a:ext cx="4050791" cy="6858000"/>
-          </a:xfrm>
-          <a:prstGeom prst="rect">
-            <a:avLst/>
-          </a:prstGeom>
-          <a:solidFill>
-            <a:schemeClr val="tx1">
-              <a:lumMod val="85000"/>
-              <a:lumOff val="15000"/>
-            </a:schemeClr>
-          </a:solidFill>
-          <a:ln>
-            <a:noFill/>
-          </a:ln>
-        </p:spPr>
-        <p:style>
-          <a:lnRef idx="2">
-            <a:schemeClr val="accent1">
-              <a:shade val="50000"/>
-            </a:schemeClr>
-          </a:lnRef>
-          <a:fillRef idx="1">
-            <a:schemeClr val="accent1"/>
-          </a:fillRef>
-          <a:effectRef idx="0">
-            <a:schemeClr val="accent1"/>
-          </a:effectRef>
-          <a:fontRef idx="minor">
-            <a:schemeClr val="lt1"/>
-          </a:fontRef>
-        </p:style>
-      </p:sp>
-      <p:sp>
-        <p:nvSpPr>
-          <p:cNvPr id="2" name="Title 1">
-            <a:extLst>
-              <a:ext uri="{FF2B5EF4-FFF2-40B4-BE49-F238E27FC236}">
-                <a16:creationId xmlns:a16="http://schemas.microsoft.com/office/drawing/2014/main" id="{0AE422CB-EBC9-4703-870C-8981A495893A}"/>
-              </a:ext>
-            </a:extLst>
-          </p:cNvPr>
-          <p:cNvSpPr>
-            <a:spLocks noGrp="1"/>
-          </p:cNvSpPr>
-          <p:nvPr>
-            <p:ph type="title"/>
-          </p:nvPr>
-        </p:nvSpPr>
-        <p:spPr>
-          <a:xfrm>
-            <a:off x="492370" y="516835"/>
-            <a:ext cx="3084844" cy="5772840"/>
-          </a:xfrm>
-        </p:spPr>
-        <p:txBody>
-          <a:bodyPr anchor="ctr">
-            <a:normAutofit/>
-          </a:bodyPr>
-          <a:lstStyle/>
-          <a:p>
-            <a:r>
-              <a:rPr lang="en-US" sz="3600" dirty="0">
-                <a:solidFill>
-                  <a:schemeClr val="bg1"/>
-                </a:solidFill>
-              </a:rPr>
-              <a:t>Entity Bean</a:t>
-            </a:r>
-            <a:endParaRPr lang="en-US" sz="1800" dirty="0">
-              <a:solidFill>
-                <a:schemeClr val="bg1"/>
-              </a:solidFill>
-            </a:endParaRPr>
-          </a:p>
-        </p:txBody>
-      </p:sp>
-      <p:sp>
-        <p:nvSpPr>
-          <p:cNvPr id="7" name="TextBox 6">
-            <a:extLst>
-              <a:ext uri="{FF2B5EF4-FFF2-40B4-BE49-F238E27FC236}">
-                <a16:creationId xmlns:a16="http://schemas.microsoft.com/office/drawing/2014/main" id="{DDC15CD2-E37A-42FE-8533-294E5DACFBF9}"/>
-              </a:ext>
-            </a:extLst>
-          </p:cNvPr>
-          <p:cNvSpPr txBox="1"/>
-          <p:nvPr/>
-        </p:nvSpPr>
-        <p:spPr>
-          <a:xfrm>
-            <a:off x="4380562" y="612989"/>
-            <a:ext cx="7481683" cy="5663089"/>
-          </a:xfrm>
-          <a:prstGeom prst="rect">
-            <a:avLst/>
-          </a:prstGeom>
-          <a:noFill/>
-        </p:spPr>
-        <p:txBody>
-          <a:bodyPr wrap="square">
-            <a:spAutoFit/>
-          </a:bodyPr>
-          <a:lstStyle/>
-          <a:p>
-            <a:pPr algn="l"/>
-            <a:r>
-              <a:rPr lang="en-US" sz="1600" dirty="0">
-                <a:solidFill>
-                  <a:srgbClr val="646464"/>
-                </a:solidFill>
-                <a:latin typeface="Consolas" panose="020B0609020204030204" pitchFamily="49" charset="0"/>
-              </a:rPr>
-              <a:t>@Entity</a:t>
-            </a:r>
-          </a:p>
-          <a:p>
-            <a:pPr algn="l"/>
-            <a:r>
-              <a:rPr lang="en-US" sz="1600" dirty="0">
-                <a:solidFill>
-                  <a:srgbClr val="646464"/>
-                </a:solidFill>
-                <a:latin typeface="Consolas" panose="020B0609020204030204" pitchFamily="49" charset="0"/>
-              </a:rPr>
-              <a:t>@Table</a:t>
-            </a:r>
-            <a:r>
-              <a:rPr lang="en-US" sz="1600" dirty="0">
-                <a:solidFill>
-                  <a:srgbClr val="000000"/>
-                </a:solidFill>
-                <a:latin typeface="Consolas" panose="020B0609020204030204" pitchFamily="49" charset="0"/>
-              </a:rPr>
-              <a:t>(name = </a:t>
-            </a:r>
-            <a:r>
-              <a:rPr lang="en-US" sz="1600" dirty="0">
-                <a:solidFill>
-                  <a:srgbClr val="2A00FF"/>
-                </a:solidFill>
-                <a:latin typeface="Consolas" panose="020B0609020204030204" pitchFamily="49" charset="0"/>
-              </a:rPr>
-              <a:t>"country"</a:t>
-            </a:r>
-            <a:r>
-              <a:rPr lang="en-US" sz="1600" dirty="0">
-                <a:solidFill>
-                  <a:srgbClr val="000000"/>
-                </a:solidFill>
-                <a:latin typeface="Consolas" panose="020B0609020204030204" pitchFamily="49" charset="0"/>
-              </a:rPr>
-              <a:t>)</a:t>
-            </a:r>
-          </a:p>
-          <a:p>
-            <a:pPr algn="l"/>
-            <a:r>
-              <a:rPr lang="en-US" dirty="0">
-                <a:solidFill>
-                  <a:srgbClr val="000000"/>
-                </a:solidFill>
-                <a:latin typeface="Consolas" panose="020B0609020204030204" pitchFamily="49" charset="0"/>
-              </a:rPr>
-              <a:t>/**</a:t>
-            </a:r>
-          </a:p>
-          <a:p>
-            <a:pPr lvl="1"/>
-            <a:r>
-              <a:rPr lang="en-US" sz="1400" dirty="0">
-                <a:solidFill>
-                  <a:srgbClr val="000000"/>
-                </a:solidFill>
-                <a:latin typeface="Consolas" panose="020B0609020204030204" pitchFamily="49" charset="0"/>
-              </a:rPr>
-              <a:t>Using Lombok which </a:t>
-            </a:r>
-            <a:r>
-              <a:rPr lang="en-US" sz="1400" b="0" i="0" dirty="0">
-                <a:solidFill>
-                  <a:srgbClr val="444444"/>
-                </a:solidFill>
-                <a:effectLst/>
-                <a:latin typeface="Roboto" panose="02000000000000000000" pitchFamily="2" charset="0"/>
-              </a:rPr>
-              <a:t>is a java library tool which is used to minimize/remove the boilerplate code. @Data will generate Constructor, Getter / Setter / </a:t>
-            </a:r>
-            <a:r>
-              <a:rPr lang="en-US" sz="1400" b="0" i="0" dirty="0" err="1">
-                <a:solidFill>
-                  <a:srgbClr val="444444"/>
-                </a:solidFill>
-                <a:effectLst/>
-                <a:latin typeface="Roboto" panose="02000000000000000000" pitchFamily="2" charset="0"/>
-              </a:rPr>
-              <a:t>toString</a:t>
-            </a:r>
-            <a:r>
-              <a:rPr lang="en-US" sz="1400" b="0" i="0" dirty="0">
-                <a:solidFill>
-                  <a:srgbClr val="444444"/>
-                </a:solidFill>
-                <a:effectLst/>
-                <a:latin typeface="Roboto" panose="02000000000000000000" pitchFamily="2" charset="0"/>
-              </a:rPr>
-              <a:t>() by Default</a:t>
-            </a:r>
-          </a:p>
-          <a:p>
-            <a:pPr algn="l"/>
-            <a:r>
-              <a:rPr lang="en-US" dirty="0">
-                <a:solidFill>
-                  <a:srgbClr val="444444"/>
-                </a:solidFill>
-                <a:latin typeface="Roboto" panose="02000000000000000000" pitchFamily="2" charset="0"/>
-              </a:rPr>
-              <a:t>*/</a:t>
-            </a:r>
-            <a:endParaRPr lang="en-US" sz="1800" dirty="0">
-              <a:solidFill>
-                <a:srgbClr val="000000"/>
-              </a:solidFill>
-              <a:latin typeface="Consolas" panose="020B0609020204030204" pitchFamily="49" charset="0"/>
-            </a:endParaRPr>
-          </a:p>
-          <a:p>
-            <a:pPr algn="l"/>
-            <a:r>
-              <a:rPr lang="en-US" sz="1400" dirty="0">
-                <a:solidFill>
-                  <a:srgbClr val="646464"/>
-                </a:solidFill>
-                <a:latin typeface="Consolas" panose="020B0609020204030204" pitchFamily="49" charset="0"/>
-              </a:rPr>
-              <a:t>@Data</a:t>
-            </a:r>
-          </a:p>
-          <a:p>
-            <a:pPr algn="l"/>
-            <a:r>
-              <a:rPr lang="en-US" sz="1400" b="1" dirty="0">
-                <a:solidFill>
-                  <a:srgbClr val="7F0055"/>
-                </a:solidFill>
-                <a:latin typeface="Consolas" panose="020B0609020204030204" pitchFamily="49" charset="0"/>
-              </a:rPr>
-              <a:t>public</a:t>
-            </a:r>
-            <a:r>
-              <a:rPr lang="en-US" sz="1400" b="1" dirty="0">
-                <a:solidFill>
-                  <a:srgbClr val="000000"/>
-                </a:solidFill>
-                <a:latin typeface="Consolas" panose="020B0609020204030204" pitchFamily="49" charset="0"/>
-              </a:rPr>
-              <a:t> </a:t>
-            </a:r>
-            <a:r>
-              <a:rPr lang="en-US" sz="1400" b="1" dirty="0">
-                <a:solidFill>
-                  <a:srgbClr val="7F0055"/>
-                </a:solidFill>
-                <a:latin typeface="Consolas" panose="020B0609020204030204" pitchFamily="49" charset="0"/>
-              </a:rPr>
-              <a:t>class</a:t>
-            </a:r>
-            <a:r>
-              <a:rPr lang="en-US" sz="1400" b="1" dirty="0">
-                <a:solidFill>
-                  <a:srgbClr val="000000"/>
-                </a:solidFill>
-                <a:latin typeface="Consolas" panose="020B0609020204030204" pitchFamily="49" charset="0"/>
-              </a:rPr>
-              <a:t> Country </a:t>
-            </a:r>
-            <a:r>
-              <a:rPr lang="en-US" sz="1400" b="1" dirty="0">
-                <a:solidFill>
-                  <a:srgbClr val="7F0055"/>
-                </a:solidFill>
-                <a:latin typeface="Consolas" panose="020B0609020204030204" pitchFamily="49" charset="0"/>
-              </a:rPr>
-              <a:t>implements</a:t>
-            </a:r>
-            <a:r>
-              <a:rPr lang="en-US" sz="1400" b="1" dirty="0">
-                <a:solidFill>
-                  <a:srgbClr val="000000"/>
-                </a:solidFill>
-                <a:latin typeface="Consolas" panose="020B0609020204030204" pitchFamily="49" charset="0"/>
-              </a:rPr>
-              <a:t> Serializable {</a:t>
-            </a:r>
-          </a:p>
-          <a:p>
-            <a:pPr algn="l"/>
-            <a:endParaRPr lang="en-US" sz="1400" dirty="0">
-              <a:latin typeface="Consolas" panose="020B0609020204030204" pitchFamily="49" charset="0"/>
-            </a:endParaRPr>
-          </a:p>
-          <a:p>
-            <a:pPr lvl="1"/>
-            <a:r>
-              <a:rPr lang="en-US" sz="1400" b="1" dirty="0">
-                <a:solidFill>
-                  <a:srgbClr val="7F0055"/>
-                </a:solidFill>
-                <a:latin typeface="Consolas" panose="020B0609020204030204" pitchFamily="49" charset="0"/>
-              </a:rPr>
-              <a:t>private</a:t>
-            </a:r>
-            <a:r>
-              <a:rPr lang="en-US" sz="1400" b="1" dirty="0">
-                <a:solidFill>
-                  <a:srgbClr val="000000"/>
-                </a:solidFill>
-                <a:latin typeface="Consolas" panose="020B0609020204030204" pitchFamily="49" charset="0"/>
-              </a:rPr>
-              <a:t> </a:t>
-            </a:r>
-            <a:r>
-              <a:rPr lang="en-US" sz="1400" b="1" dirty="0">
-                <a:solidFill>
-                  <a:srgbClr val="7F0055"/>
-                </a:solidFill>
-                <a:latin typeface="Consolas" panose="020B0609020204030204" pitchFamily="49" charset="0"/>
-              </a:rPr>
-              <a:t>static</a:t>
-            </a:r>
-            <a:r>
-              <a:rPr lang="en-US" sz="1400" b="1" dirty="0">
-                <a:solidFill>
-                  <a:srgbClr val="000000"/>
-                </a:solidFill>
-                <a:latin typeface="Consolas" panose="020B0609020204030204" pitchFamily="49" charset="0"/>
-              </a:rPr>
-              <a:t> </a:t>
-            </a:r>
-            <a:r>
-              <a:rPr lang="en-US" sz="1400" b="1" dirty="0">
-                <a:solidFill>
-                  <a:srgbClr val="7F0055"/>
-                </a:solidFill>
-                <a:latin typeface="Consolas" panose="020B0609020204030204" pitchFamily="49" charset="0"/>
-              </a:rPr>
-              <a:t>final</a:t>
-            </a:r>
-            <a:r>
-              <a:rPr lang="en-US" sz="1400" b="1" dirty="0">
-                <a:solidFill>
-                  <a:srgbClr val="000000"/>
-                </a:solidFill>
-                <a:latin typeface="Consolas" panose="020B0609020204030204" pitchFamily="49" charset="0"/>
-              </a:rPr>
-              <a:t> </a:t>
-            </a:r>
-            <a:r>
-              <a:rPr lang="en-US" sz="1400" b="1" dirty="0">
-                <a:solidFill>
-                  <a:srgbClr val="7F0055"/>
-                </a:solidFill>
-                <a:latin typeface="Consolas" panose="020B0609020204030204" pitchFamily="49" charset="0"/>
-              </a:rPr>
-              <a:t>long</a:t>
-            </a:r>
-            <a:r>
-              <a:rPr lang="en-US" sz="1400" b="1" dirty="0">
-                <a:solidFill>
-                  <a:srgbClr val="000000"/>
-                </a:solidFill>
-                <a:latin typeface="Consolas" panose="020B0609020204030204" pitchFamily="49" charset="0"/>
-              </a:rPr>
-              <a:t> </a:t>
-            </a:r>
-            <a:r>
-              <a:rPr lang="en-US" sz="1400" b="1" i="1" dirty="0" err="1">
-                <a:solidFill>
-                  <a:srgbClr val="0000C0"/>
-                </a:solidFill>
-                <a:latin typeface="Consolas" panose="020B0609020204030204" pitchFamily="49" charset="0"/>
-              </a:rPr>
-              <a:t>serialVersionUID</a:t>
-            </a:r>
-            <a:r>
-              <a:rPr lang="en-US" sz="1400" b="1" i="1" dirty="0">
-                <a:solidFill>
-                  <a:srgbClr val="000000"/>
-                </a:solidFill>
-                <a:latin typeface="Consolas" panose="020B0609020204030204" pitchFamily="49" charset="0"/>
-              </a:rPr>
-              <a:t> = 9120997940945205046L;</a:t>
-            </a:r>
-          </a:p>
-          <a:p>
-            <a:pPr lvl="1"/>
-            <a:endParaRPr lang="en-US" sz="1400" dirty="0">
-              <a:latin typeface="Consolas" panose="020B0609020204030204" pitchFamily="49" charset="0"/>
-            </a:endParaRPr>
-          </a:p>
-          <a:p>
-            <a:pPr lvl="1"/>
-            <a:r>
-              <a:rPr lang="en-US" sz="1400" dirty="0">
-                <a:solidFill>
-                  <a:srgbClr val="646464"/>
-                </a:solidFill>
-                <a:latin typeface="Consolas" panose="020B0609020204030204" pitchFamily="49" charset="0"/>
-              </a:rPr>
-              <a:t>@Id</a:t>
-            </a:r>
-          </a:p>
-          <a:p>
-            <a:pPr lvl="1"/>
-            <a:r>
-              <a:rPr lang="en-US" sz="1400" dirty="0">
-                <a:solidFill>
-                  <a:srgbClr val="646464"/>
-                </a:solidFill>
-                <a:latin typeface="Consolas" panose="020B0609020204030204" pitchFamily="49" charset="0"/>
-              </a:rPr>
-              <a:t>@GeneratedValue</a:t>
-            </a:r>
-            <a:r>
-              <a:rPr lang="en-US" sz="1400" dirty="0">
-                <a:solidFill>
-                  <a:srgbClr val="000000"/>
-                </a:solidFill>
-                <a:latin typeface="Consolas" panose="020B0609020204030204" pitchFamily="49" charset="0"/>
-              </a:rPr>
-              <a:t>(strategy = </a:t>
-            </a:r>
-            <a:r>
-              <a:rPr lang="en-US" sz="1400" dirty="0" err="1">
-                <a:solidFill>
-                  <a:srgbClr val="000000"/>
-                </a:solidFill>
-                <a:latin typeface="Consolas" panose="020B0609020204030204" pitchFamily="49" charset="0"/>
-              </a:rPr>
-              <a:t>GenerationType.</a:t>
-            </a:r>
-            <a:r>
-              <a:rPr lang="en-US" sz="1400" b="1" i="1" dirty="0" err="1">
-                <a:solidFill>
-                  <a:srgbClr val="0000C0"/>
-                </a:solidFill>
-                <a:latin typeface="Consolas" panose="020B0609020204030204" pitchFamily="49" charset="0"/>
-              </a:rPr>
-              <a:t>IDENTITY</a:t>
-            </a:r>
-            <a:r>
-              <a:rPr lang="en-US" sz="1400" b="1" i="1" dirty="0">
-                <a:solidFill>
-                  <a:srgbClr val="000000"/>
-                </a:solidFill>
-                <a:latin typeface="Consolas" panose="020B0609020204030204" pitchFamily="49" charset="0"/>
-              </a:rPr>
-              <a:t>)</a:t>
-            </a:r>
-          </a:p>
-          <a:p>
-            <a:pPr lvl="1"/>
-            <a:r>
-              <a:rPr lang="en-US" sz="1400" b="1" dirty="0">
-                <a:solidFill>
-                  <a:srgbClr val="7F0055"/>
-                </a:solidFill>
-                <a:latin typeface="Consolas" panose="020B0609020204030204" pitchFamily="49" charset="0"/>
-              </a:rPr>
-              <a:t>private</a:t>
-            </a:r>
-            <a:r>
-              <a:rPr lang="en-US" sz="1400" b="1" dirty="0">
-                <a:solidFill>
-                  <a:srgbClr val="000000"/>
-                </a:solidFill>
-                <a:latin typeface="Consolas" panose="020B0609020204030204" pitchFamily="49" charset="0"/>
-              </a:rPr>
-              <a:t> Long </a:t>
-            </a:r>
-            <a:r>
-              <a:rPr lang="en-US" sz="1400" b="1" dirty="0" err="1">
-                <a:solidFill>
-                  <a:srgbClr val="0000C0"/>
-                </a:solidFill>
-                <a:latin typeface="Consolas" panose="020B0609020204030204" pitchFamily="49" charset="0"/>
-              </a:rPr>
-              <a:t>country_id</a:t>
-            </a:r>
-            <a:r>
-              <a:rPr lang="en-US" sz="1400" b="1" dirty="0">
-                <a:solidFill>
-                  <a:srgbClr val="000000"/>
-                </a:solidFill>
-                <a:latin typeface="Consolas" panose="020B0609020204030204" pitchFamily="49" charset="0"/>
-              </a:rPr>
-              <a:t>;</a:t>
-            </a:r>
-          </a:p>
-          <a:p>
-            <a:pPr lvl="1"/>
-            <a:endParaRPr lang="en-US" sz="1400" dirty="0">
-              <a:latin typeface="Consolas" panose="020B0609020204030204" pitchFamily="49" charset="0"/>
-            </a:endParaRPr>
-          </a:p>
-          <a:p>
-            <a:pPr lvl="1"/>
-            <a:r>
-              <a:rPr lang="en-US" sz="1400" b="1" dirty="0">
-                <a:solidFill>
-                  <a:srgbClr val="7F0055"/>
-                </a:solidFill>
-                <a:latin typeface="Consolas" panose="020B0609020204030204" pitchFamily="49" charset="0"/>
-              </a:rPr>
-              <a:t>private</a:t>
-            </a:r>
-            <a:r>
-              <a:rPr lang="en-US" sz="1400" b="1" dirty="0">
-                <a:solidFill>
-                  <a:srgbClr val="000000"/>
-                </a:solidFill>
-                <a:latin typeface="Consolas" panose="020B0609020204030204" pitchFamily="49" charset="0"/>
-              </a:rPr>
-              <a:t> String </a:t>
-            </a:r>
-            <a:r>
-              <a:rPr lang="en-US" sz="1400" b="1" dirty="0" err="1">
-                <a:solidFill>
-                  <a:srgbClr val="0000C0"/>
-                </a:solidFill>
-                <a:latin typeface="Consolas" panose="020B0609020204030204" pitchFamily="49" charset="0"/>
-              </a:rPr>
-              <a:t>ctry_cd</a:t>
-            </a:r>
-            <a:r>
-              <a:rPr lang="en-US" sz="1400" b="1" dirty="0">
-                <a:solidFill>
-                  <a:srgbClr val="000000"/>
-                </a:solidFill>
-                <a:latin typeface="Consolas" panose="020B0609020204030204" pitchFamily="49" charset="0"/>
-              </a:rPr>
-              <a:t>;</a:t>
-            </a:r>
-          </a:p>
-          <a:p>
-            <a:pPr lvl="1"/>
-            <a:r>
-              <a:rPr lang="en-US" sz="1400" b="1" dirty="0">
-                <a:solidFill>
-                  <a:srgbClr val="7F0055"/>
-                </a:solidFill>
-                <a:latin typeface="Consolas" panose="020B0609020204030204" pitchFamily="49" charset="0"/>
-              </a:rPr>
-              <a:t>private</a:t>
-            </a:r>
-            <a:r>
-              <a:rPr lang="en-US" sz="1400" b="1" dirty="0">
-                <a:solidFill>
-                  <a:srgbClr val="000000"/>
-                </a:solidFill>
-                <a:latin typeface="Consolas" panose="020B0609020204030204" pitchFamily="49" charset="0"/>
-              </a:rPr>
-              <a:t> String </a:t>
-            </a:r>
-            <a:r>
-              <a:rPr lang="en-US" sz="1400" b="1" dirty="0" err="1">
-                <a:solidFill>
-                  <a:srgbClr val="0000C0"/>
-                </a:solidFill>
-                <a:latin typeface="Consolas" panose="020B0609020204030204" pitchFamily="49" charset="0"/>
-              </a:rPr>
-              <a:t>ctry_nm</a:t>
-            </a:r>
-            <a:r>
-              <a:rPr lang="en-US" sz="1400" b="1" dirty="0">
-                <a:solidFill>
-                  <a:srgbClr val="000000"/>
-                </a:solidFill>
-                <a:latin typeface="Consolas" panose="020B0609020204030204" pitchFamily="49" charset="0"/>
-              </a:rPr>
-              <a:t>;</a:t>
-            </a:r>
-          </a:p>
-          <a:p>
-            <a:pPr lvl="1"/>
-            <a:endParaRPr lang="en-US" sz="1400" dirty="0">
-              <a:latin typeface="Consolas" panose="020B0609020204030204" pitchFamily="49" charset="0"/>
-            </a:endParaRPr>
-          </a:p>
-          <a:p>
-            <a:pPr lvl="1"/>
-            <a:r>
-              <a:rPr lang="en-US" sz="1400" dirty="0">
-                <a:solidFill>
-                  <a:srgbClr val="646464"/>
-                </a:solidFill>
-                <a:latin typeface="Consolas" panose="020B0609020204030204" pitchFamily="49" charset="0"/>
-              </a:rPr>
-              <a:t>@Temporal</a:t>
-            </a:r>
-            <a:r>
-              <a:rPr lang="en-US" sz="1400" dirty="0">
-                <a:solidFill>
-                  <a:srgbClr val="000000"/>
-                </a:solidFill>
-                <a:latin typeface="Consolas" panose="020B0609020204030204" pitchFamily="49" charset="0"/>
-              </a:rPr>
-              <a:t>(TemporalType.</a:t>
-            </a:r>
-            <a:r>
-              <a:rPr lang="en-US" sz="1400" b="1" i="1" dirty="0">
-                <a:solidFill>
-                  <a:srgbClr val="0000C0"/>
-                </a:solidFill>
-                <a:latin typeface="Consolas" panose="020B0609020204030204" pitchFamily="49" charset="0"/>
-              </a:rPr>
-              <a:t>TIMESTAMP</a:t>
-            </a:r>
-            <a:r>
-              <a:rPr lang="en-US" sz="1400" b="1" i="1" dirty="0">
-                <a:solidFill>
-                  <a:srgbClr val="000000"/>
-                </a:solidFill>
-                <a:latin typeface="Consolas" panose="020B0609020204030204" pitchFamily="49" charset="0"/>
-              </a:rPr>
-              <a:t>)</a:t>
-            </a:r>
-          </a:p>
-          <a:p>
-            <a:pPr lvl="1"/>
-            <a:r>
-              <a:rPr lang="en-US" sz="1400" b="1" dirty="0">
-                <a:solidFill>
-                  <a:srgbClr val="7F0055"/>
-                </a:solidFill>
-                <a:latin typeface="Consolas" panose="020B0609020204030204" pitchFamily="49" charset="0"/>
-              </a:rPr>
-              <a:t>private</a:t>
-            </a:r>
-            <a:r>
-              <a:rPr lang="en-US" sz="1400" b="1" dirty="0">
-                <a:solidFill>
-                  <a:srgbClr val="000000"/>
-                </a:solidFill>
-                <a:latin typeface="Consolas" panose="020B0609020204030204" pitchFamily="49" charset="0"/>
-              </a:rPr>
-              <a:t> Date </a:t>
-            </a:r>
-            <a:r>
-              <a:rPr lang="en-US" sz="1400" b="1" dirty="0" err="1">
-                <a:solidFill>
-                  <a:srgbClr val="0000C0"/>
-                </a:solidFill>
-                <a:latin typeface="Consolas" panose="020B0609020204030204" pitchFamily="49" charset="0"/>
-              </a:rPr>
-              <a:t>last_mdfy_ts</a:t>
-            </a:r>
-            <a:r>
-              <a:rPr lang="en-US" sz="1400" b="1" dirty="0">
-                <a:solidFill>
-                  <a:srgbClr val="000000"/>
-                </a:solidFill>
-                <a:latin typeface="Consolas" panose="020B0609020204030204" pitchFamily="49" charset="0"/>
-              </a:rPr>
-              <a:t>;</a:t>
-            </a:r>
-          </a:p>
-          <a:p>
-            <a:pPr lvl="1"/>
-            <a:endParaRPr lang="en-US" sz="1400" dirty="0">
-              <a:latin typeface="Consolas" panose="020B0609020204030204" pitchFamily="49" charset="0"/>
-            </a:endParaRPr>
-          </a:p>
-          <a:p>
-            <a:pPr lvl="1"/>
-            <a:r>
-              <a:rPr lang="en-US" sz="1400" b="1" dirty="0">
-                <a:solidFill>
-                  <a:srgbClr val="7F0055"/>
-                </a:solidFill>
-                <a:latin typeface="Consolas" panose="020B0609020204030204" pitchFamily="49" charset="0"/>
-              </a:rPr>
-              <a:t>private</a:t>
-            </a:r>
-            <a:r>
-              <a:rPr lang="en-US" sz="1400" b="1" dirty="0">
-                <a:solidFill>
-                  <a:srgbClr val="000000"/>
-                </a:solidFill>
-                <a:latin typeface="Consolas" panose="020B0609020204030204" pitchFamily="49" charset="0"/>
-              </a:rPr>
-              <a:t> String </a:t>
-            </a:r>
-            <a:r>
-              <a:rPr lang="en-US" sz="1400" b="1" dirty="0" err="1">
-                <a:solidFill>
-                  <a:srgbClr val="0000C0"/>
-                </a:solidFill>
-                <a:latin typeface="Consolas" panose="020B0609020204030204" pitchFamily="49" charset="0"/>
-              </a:rPr>
-              <a:t>last_mdfy_prog</a:t>
-            </a:r>
-            <a:r>
-              <a:rPr lang="en-US" sz="1400" b="1" dirty="0">
-                <a:solidFill>
-                  <a:srgbClr val="000000"/>
-                </a:solidFill>
-                <a:latin typeface="Consolas" panose="020B0609020204030204" pitchFamily="49" charset="0"/>
-              </a:rPr>
-              <a:t>;</a:t>
-            </a:r>
-          </a:p>
-          <a:p>
-            <a:pPr lvl="1"/>
-            <a:r>
-              <a:rPr lang="nb-NO" sz="1400" b="1" dirty="0">
-                <a:solidFill>
-                  <a:srgbClr val="7F0055"/>
-                </a:solidFill>
-                <a:latin typeface="Consolas" panose="020B0609020204030204" pitchFamily="49" charset="0"/>
-              </a:rPr>
-              <a:t>private</a:t>
-            </a:r>
-            <a:r>
-              <a:rPr lang="nb-NO" sz="1400" b="1" dirty="0">
-                <a:solidFill>
-                  <a:srgbClr val="000000"/>
-                </a:solidFill>
-                <a:latin typeface="Consolas" panose="020B0609020204030204" pitchFamily="49" charset="0"/>
-              </a:rPr>
-              <a:t> String </a:t>
-            </a:r>
-            <a:r>
-              <a:rPr lang="nb-NO" sz="1400" b="1" dirty="0">
-                <a:solidFill>
-                  <a:srgbClr val="0000C0"/>
-                </a:solidFill>
-                <a:latin typeface="Consolas" panose="020B0609020204030204" pitchFamily="49" charset="0"/>
-              </a:rPr>
-              <a:t>last_mdfy_user</a:t>
-            </a:r>
-            <a:r>
-              <a:rPr lang="nb-NO" sz="1400" b="1" dirty="0">
-                <a:solidFill>
-                  <a:srgbClr val="000000"/>
-                </a:solidFill>
-                <a:latin typeface="Consolas" panose="020B0609020204030204" pitchFamily="49" charset="0"/>
-              </a:rPr>
-              <a:t>;</a:t>
-            </a:r>
-          </a:p>
-          <a:p>
-            <a:pPr algn="l"/>
-            <a:r>
-              <a:rPr lang="en-US" sz="1400" dirty="0">
-                <a:solidFill>
-                  <a:srgbClr val="000000"/>
-                </a:solidFill>
-                <a:latin typeface="Consolas" panose="020B0609020204030204" pitchFamily="49" charset="0"/>
-              </a:rPr>
-              <a:t>}</a:t>
-            </a:r>
-            <a:endParaRPr lang="en-US" sz="1400" dirty="0"/>
-          </a:p>
-        </p:txBody>
-      </p:sp>
-    </p:spTree>
-    <p:extLst>
-      <p:ext uri="{BB962C8B-B14F-4D97-AF65-F5344CB8AC3E}">
-        <p14:creationId xmlns:p14="http://schemas.microsoft.com/office/powerpoint/2010/main" val="1271571351"/>
       </p:ext>
     </p:extLst>
   </p:cSld>
@@ -35516,32 +35171,13 @@
                   <a:schemeClr val="bg1"/>
                 </a:solidFill>
               </a:rPr>
-              <a:t>Query </a:t>
-            </a:r>
-            <a:r>
-              <a:rPr lang="en-US" sz="2400" dirty="0">
-                <a:solidFill>
-                  <a:schemeClr val="bg1"/>
-                </a:solidFill>
-              </a:rPr>
-              <a:t>Entity </a:t>
-            </a:r>
-            <a:r>
-              <a:rPr lang="en-US" sz="2400" i="1" dirty="0">
-                <a:solidFill>
-                  <a:schemeClr val="bg1"/>
-                </a:solidFill>
-              </a:rPr>
-              <a:t>Country, Customer</a:t>
-            </a:r>
-            <a:r>
-              <a:rPr lang="en-US" sz="2400" dirty="0">
-                <a:solidFill>
-                  <a:schemeClr val="bg1"/>
-                </a:solidFill>
-              </a:rPr>
-              <a:t> Using JPA with Spring Boot</a:t>
-            </a:r>
+              <a:t>Entity Bean</a:t>
+            </a:r>
+            <a:endParaRPr lang="en-US" sz="1800" dirty="0">
+              <a:solidFill>
+                <a:schemeClr val="bg1"/>
+              </a:solidFill>
+            </a:endParaRPr>
           </a:p>
         </p:txBody>
       </p:sp>
@@ -35559,8 +35195,8 @@
         </p:nvSpPr>
         <p:spPr>
           <a:xfrm>
-            <a:off x="4380562" y="424453"/>
-            <a:ext cx="7481683" cy="5693866"/>
+            <a:off x="4380562" y="612989"/>
+            <a:ext cx="7481683" cy="5663089"/>
           </a:xfrm>
           <a:prstGeom prst="rect">
             <a:avLst/>
@@ -35575,9 +35211,60 @@
           <a:p>
             <a:pPr algn="l"/>
             <a:r>
-              <a:rPr lang="en-US" sz="1400">
-                <a:solidFill>
-                  <a:srgbClr val="3F5FBF"/>
+              <a:rPr lang="en-US" sz="1600" dirty="0">
+                <a:solidFill>
+                  <a:srgbClr val="646464"/>
+                </a:solidFill>
+                <a:latin typeface="Consolas" panose="020B0609020204030204" pitchFamily="49" charset="0"/>
+              </a:rPr>
+              <a:t>@Entity</a:t>
+            </a:r>
+          </a:p>
+          <a:p>
+            <a:pPr algn="l"/>
+            <a:r>
+              <a:rPr lang="en-US" sz="1600" dirty="0">
+                <a:solidFill>
+                  <a:srgbClr val="646464"/>
+                </a:solidFill>
+                <a:latin typeface="Consolas" panose="020B0609020204030204" pitchFamily="49" charset="0"/>
+              </a:rPr>
+              <a:t>@Table</a:t>
+            </a:r>
+            <a:r>
+              <a:rPr lang="en-US" sz="1600" dirty="0">
+                <a:solidFill>
+                  <a:srgbClr val="000000"/>
+                </a:solidFill>
+                <a:latin typeface="Consolas" panose="020B0609020204030204" pitchFamily="49" charset="0"/>
+              </a:rPr>
+              <a:t>(name = </a:t>
+            </a:r>
+            <a:r>
+              <a:rPr lang="en-US" sz="1600" dirty="0">
+                <a:solidFill>
+                  <a:srgbClr val="2A00FF"/>
+                </a:solidFill>
+                <a:latin typeface="Consolas" panose="020B0609020204030204" pitchFamily="49" charset="0"/>
+              </a:rPr>
+              <a:t>"country"</a:t>
+            </a:r>
+            <a:r>
+              <a:rPr lang="en-US" sz="1600" dirty="0">
+                <a:solidFill>
+                  <a:srgbClr val="000000"/>
+                </a:solidFill>
+                <a:latin typeface="Consolas" panose="020B0609020204030204" pitchFamily="49" charset="0"/>
+              </a:rPr>
+              <a:t>)</a:t>
+            </a:r>
+          </a:p>
+          <a:p>
+            <a:pPr algn="l"/>
+            <a:r>
+              <a:rPr lang="en-US" dirty="0">
+                <a:solidFill>
+                  <a:srgbClr val="000000"/>
                 </a:solidFill>
                 <a:latin typeface="Consolas" panose="020B0609020204030204" pitchFamily="49" charset="0"/>
               </a:rPr>
@@ -35585,395 +35272,59 @@
             </a:r>
           </a:p>
           <a:p>
+            <a:pPr lvl="1"/>
+            <a:r>
+              <a:rPr lang="en-US" sz="1400" dirty="0">
+                <a:solidFill>
+                  <a:srgbClr val="000000"/>
+                </a:solidFill>
+                <a:latin typeface="Consolas" panose="020B0609020204030204" pitchFamily="49" charset="0"/>
+              </a:rPr>
+              <a:t>Using Lombok which </a:t>
+            </a:r>
+            <a:r>
+              <a:rPr lang="en-US" sz="1400" b="0" i="0" dirty="0">
+                <a:solidFill>
+                  <a:srgbClr val="444444"/>
+                </a:solidFill>
+                <a:effectLst/>
+                <a:latin typeface="Roboto" panose="02000000000000000000" pitchFamily="2" charset="0"/>
+              </a:rPr>
+              <a:t>is a java library tool which is used to minimize/remove the boilerplate code. @Data will generate Constructor, Getter / Setter / </a:t>
+            </a:r>
+            <a:r>
+              <a:rPr lang="en-US" sz="1400" b="0" i="0" dirty="0" err="1">
+                <a:solidFill>
+                  <a:srgbClr val="444444"/>
+                </a:solidFill>
+                <a:effectLst/>
+                <a:latin typeface="Roboto" panose="02000000000000000000" pitchFamily="2" charset="0"/>
+              </a:rPr>
+              <a:t>toString</a:t>
+            </a:r>
+            <a:r>
+              <a:rPr lang="en-US" sz="1400" b="0" i="0" dirty="0">
+                <a:solidFill>
+                  <a:srgbClr val="444444"/>
+                </a:solidFill>
+                <a:effectLst/>
+                <a:latin typeface="Roboto" panose="02000000000000000000" pitchFamily="2" charset="0"/>
+              </a:rPr>
+              <a:t>() by Default</a:t>
+            </a:r>
+          </a:p>
+          <a:p>
             <a:pPr algn="l"/>
             <a:r>
-              <a:rPr lang="en-US" sz="1400">
-                <a:solidFill>
-                  <a:srgbClr val="3F5FBF"/>
-                </a:solidFill>
-                <a:latin typeface="Consolas" panose="020B0609020204030204" pitchFamily="49" charset="0"/>
-              </a:rPr>
-              <a:t> * Find by Country Code</a:t>
-            </a:r>
-          </a:p>
-          <a:p>
-            <a:pPr algn="l"/>
-            <a:r>
-              <a:rPr lang="en-US" sz="1400">
-                <a:solidFill>
-                  <a:srgbClr val="3F5FBF"/>
-                </a:solidFill>
-                <a:latin typeface="Consolas" panose="020B0609020204030204" pitchFamily="49" charset="0"/>
-              </a:rPr>
-              <a:t> * </a:t>
-            </a:r>
-          </a:p>
-          <a:p>
-            <a:pPr algn="l"/>
-            <a:r>
-              <a:rPr lang="en-US" sz="1400">
-                <a:solidFill>
-                  <a:srgbClr val="3F5FBF"/>
-                </a:solidFill>
-                <a:latin typeface="Consolas" panose="020B0609020204030204" pitchFamily="49" charset="0"/>
-              </a:rPr>
-              <a:t> * </a:t>
-            </a:r>
-            <a:r>
-              <a:rPr lang="en-US" sz="1400" b="1">
-                <a:solidFill>
-                  <a:srgbClr val="7F9FBF"/>
-                </a:solidFill>
-                <a:latin typeface="Consolas" panose="020B0609020204030204" pitchFamily="49" charset="0"/>
-              </a:rPr>
-              <a:t>@param</a:t>
-            </a:r>
-            <a:r>
-              <a:rPr lang="en-US" sz="1400" b="1">
-                <a:solidFill>
-                  <a:srgbClr val="3F5FBF"/>
-                </a:solidFill>
-                <a:latin typeface="Consolas" panose="020B0609020204030204" pitchFamily="49" charset="0"/>
-              </a:rPr>
-              <a:t> ctry_cd</a:t>
-            </a:r>
-          </a:p>
-          <a:p>
-            <a:pPr algn="l"/>
-            <a:r>
-              <a:rPr lang="en-US" sz="1400">
-                <a:solidFill>
-                  <a:srgbClr val="3F5FBF"/>
-                </a:solidFill>
-                <a:latin typeface="Consolas" panose="020B0609020204030204" pitchFamily="49" charset="0"/>
-              </a:rPr>
-              <a:t> * </a:t>
-            </a:r>
-            <a:r>
-              <a:rPr lang="en-US" sz="1400" b="1">
-                <a:solidFill>
-                  <a:srgbClr val="7F9FBF"/>
-                </a:solidFill>
-                <a:latin typeface="Consolas" panose="020B0609020204030204" pitchFamily="49" charset="0"/>
-              </a:rPr>
-              <a:t>@return</a:t>
-            </a:r>
-          </a:p>
-          <a:p>
-            <a:pPr algn="l"/>
-            <a:r>
-              <a:rPr lang="en-US" sz="1400">
-                <a:solidFill>
-                  <a:srgbClr val="3F5FBF"/>
-                </a:solidFill>
-                <a:latin typeface="Consolas" panose="020B0609020204030204" pitchFamily="49" charset="0"/>
-              </a:rPr>
-              <a:t> */</a:t>
-            </a:r>
-          </a:p>
-          <a:p>
-            <a:pPr algn="l"/>
-            <a:r>
-              <a:rPr lang="en-US" sz="1400">
-                <a:solidFill>
-                  <a:srgbClr val="646464"/>
-                </a:solidFill>
-                <a:latin typeface="Consolas" panose="020B0609020204030204" pitchFamily="49" charset="0"/>
-              </a:rPr>
-              <a:t>@Query</a:t>
-            </a:r>
-            <a:r>
-              <a:rPr lang="en-US" sz="1400">
-                <a:solidFill>
-                  <a:srgbClr val="000000"/>
-                </a:solidFill>
-                <a:latin typeface="Consolas" panose="020B0609020204030204" pitchFamily="49" charset="0"/>
-              </a:rPr>
-              <a:t>(</a:t>
-            </a:r>
-            <a:r>
-              <a:rPr lang="en-US" sz="1400">
-                <a:solidFill>
-                  <a:srgbClr val="2A00FF"/>
-                </a:solidFill>
-                <a:latin typeface="Consolas" panose="020B0609020204030204" pitchFamily="49" charset="0"/>
-              </a:rPr>
-              <a:t>" SELECT o FROM Country o WHERE o.ctry_cd = ?1 "</a:t>
-            </a:r>
-            <a:r>
-              <a:rPr lang="en-US" sz="1400">
-                <a:solidFill>
-                  <a:srgbClr val="000000"/>
-                </a:solidFill>
-                <a:latin typeface="Consolas" panose="020B0609020204030204" pitchFamily="49" charset="0"/>
-              </a:rPr>
-              <a:t>)</a:t>
-            </a:r>
-          </a:p>
-          <a:p>
-            <a:pPr algn="l"/>
-            <a:r>
-              <a:rPr lang="en-US" sz="1400">
-                <a:solidFill>
-                  <a:srgbClr val="646464"/>
-                </a:solidFill>
-                <a:latin typeface="Consolas" panose="020B0609020204030204" pitchFamily="49" charset="0"/>
-              </a:rPr>
-              <a:t>@Cacheable</a:t>
-            </a:r>
-            <a:r>
-              <a:rPr lang="en-US" sz="1400">
-                <a:solidFill>
-                  <a:srgbClr val="000000"/>
-                </a:solidFill>
-                <a:latin typeface="Consolas" panose="020B0609020204030204" pitchFamily="49" charset="0"/>
-              </a:rPr>
-              <a:t>(</a:t>
-            </a:r>
-            <a:r>
-              <a:rPr lang="en-US" sz="1400">
-                <a:solidFill>
-                  <a:srgbClr val="2A00FF"/>
-                </a:solidFill>
-                <a:latin typeface="Consolas" panose="020B0609020204030204" pitchFamily="49" charset="0"/>
-              </a:rPr>
-              <a:t>"country"</a:t>
-            </a:r>
-            <a:r>
-              <a:rPr lang="en-US" sz="1400">
-                <a:solidFill>
-                  <a:srgbClr val="000000"/>
-                </a:solidFill>
-                <a:latin typeface="Consolas" panose="020B0609020204030204" pitchFamily="49" charset="0"/>
-              </a:rPr>
-              <a:t>)</a:t>
-            </a:r>
-          </a:p>
-          <a:p>
-            <a:pPr algn="l"/>
-            <a:r>
-              <a:rPr lang="en-US" sz="1400">
-                <a:solidFill>
-                  <a:srgbClr val="000000"/>
-                </a:solidFill>
-                <a:latin typeface="Consolas" panose="020B0609020204030204" pitchFamily="49" charset="0"/>
-              </a:rPr>
-              <a:t>Country </a:t>
-            </a:r>
-            <a:r>
-              <a:rPr lang="en-US" sz="1400">
-                <a:solidFill>
-                  <a:srgbClr val="000000"/>
-                </a:solidFill>
-                <a:highlight>
-                  <a:srgbClr val="D4D4D4"/>
-                </a:highlight>
-                <a:latin typeface="Consolas" panose="020B0609020204030204" pitchFamily="49" charset="0"/>
-              </a:rPr>
-              <a:t>findByCtryCd(</a:t>
-            </a:r>
-            <a:r>
-              <a:rPr lang="en-US" sz="1400">
-                <a:solidFill>
-                  <a:srgbClr val="646464"/>
-                </a:solidFill>
-                <a:highlight>
-                  <a:srgbClr val="D4D4D4"/>
-                </a:highlight>
-                <a:latin typeface="Consolas" panose="020B0609020204030204" pitchFamily="49" charset="0"/>
-              </a:rPr>
-              <a:t>@Param</a:t>
-            </a:r>
-            <a:r>
-              <a:rPr lang="en-US" sz="1400">
-                <a:solidFill>
-                  <a:srgbClr val="000000"/>
-                </a:solidFill>
-                <a:highlight>
-                  <a:srgbClr val="D4D4D4"/>
-                </a:highlight>
-                <a:latin typeface="Consolas" panose="020B0609020204030204" pitchFamily="49" charset="0"/>
-              </a:rPr>
-              <a:t>(</a:t>
-            </a:r>
-            <a:r>
-              <a:rPr lang="en-US" sz="1400">
-                <a:solidFill>
-                  <a:srgbClr val="2A00FF"/>
-                </a:solidFill>
-                <a:highlight>
-                  <a:srgbClr val="D4D4D4"/>
-                </a:highlight>
-                <a:latin typeface="Consolas" panose="020B0609020204030204" pitchFamily="49" charset="0"/>
-              </a:rPr>
-              <a:t>"ctry_cd"</a:t>
-            </a:r>
-            <a:r>
-              <a:rPr lang="en-US" sz="1400">
-                <a:solidFill>
-                  <a:srgbClr val="000000"/>
-                </a:solidFill>
-                <a:highlight>
-                  <a:srgbClr val="D4D4D4"/>
-                </a:highlight>
-                <a:latin typeface="Consolas" panose="020B0609020204030204" pitchFamily="49" charset="0"/>
-              </a:rPr>
-              <a:t>) String </a:t>
-            </a:r>
-            <a:r>
-              <a:rPr lang="en-US" sz="1400">
-                <a:solidFill>
-                  <a:srgbClr val="6A3E3E"/>
-                </a:solidFill>
-                <a:highlight>
-                  <a:srgbClr val="D4D4D4"/>
-                </a:highlight>
-                <a:latin typeface="Consolas" panose="020B0609020204030204" pitchFamily="49" charset="0"/>
-              </a:rPr>
-              <a:t>ctry_cd</a:t>
-            </a:r>
-            <a:r>
-              <a:rPr lang="en-US" sz="1400">
-                <a:solidFill>
-                  <a:srgbClr val="000000"/>
-                </a:solidFill>
-                <a:highlight>
-                  <a:srgbClr val="D4D4D4"/>
-                </a:highlight>
-                <a:latin typeface="Consolas" panose="020B0609020204030204" pitchFamily="49" charset="0"/>
-              </a:rPr>
-              <a:t>);</a:t>
-            </a:r>
-          </a:p>
-          <a:p>
-            <a:pPr algn="l"/>
-            <a:endParaRPr lang="en-US" sz="1400">
-              <a:latin typeface="Consolas" panose="020B0609020204030204" pitchFamily="49" charset="0"/>
-            </a:endParaRPr>
-          </a:p>
-          <a:p>
-            <a:pPr algn="l"/>
-            <a:r>
-              <a:rPr lang="en-US" sz="1400">
-                <a:solidFill>
-                  <a:srgbClr val="3F5FBF"/>
-                </a:solidFill>
-                <a:latin typeface="Consolas" panose="020B0609020204030204" pitchFamily="49" charset="0"/>
-              </a:rPr>
-              <a:t>/**</a:t>
-            </a:r>
-          </a:p>
-          <a:p>
-            <a:pPr algn="l"/>
-            <a:r>
-              <a:rPr lang="en-US" sz="1400">
-                <a:solidFill>
-                  <a:srgbClr val="3F5FBF"/>
-                </a:solidFill>
-                <a:latin typeface="Consolas" panose="020B0609020204030204" pitchFamily="49" charset="0"/>
-              </a:rPr>
-              <a:t> * Find All</a:t>
-            </a:r>
-          </a:p>
-          <a:p>
-            <a:pPr algn="l"/>
-            <a:r>
-              <a:rPr lang="en-US" sz="1400">
-                <a:solidFill>
-                  <a:srgbClr val="3F5FBF"/>
-                </a:solidFill>
-                <a:latin typeface="Consolas" panose="020B0609020204030204" pitchFamily="49" charset="0"/>
-              </a:rPr>
-              <a:t> * </a:t>
-            </a:r>
-          </a:p>
-          <a:p>
-            <a:pPr algn="l"/>
-            <a:r>
-              <a:rPr lang="en-US" sz="1400">
-                <a:solidFill>
-                  <a:srgbClr val="3F5FBF"/>
-                </a:solidFill>
-                <a:latin typeface="Consolas" panose="020B0609020204030204" pitchFamily="49" charset="0"/>
-              </a:rPr>
-              <a:t> * </a:t>
-            </a:r>
-            <a:r>
-              <a:rPr lang="en-US" sz="1400" b="1">
-                <a:solidFill>
-                  <a:srgbClr val="7F9FBF"/>
-                </a:solidFill>
-                <a:latin typeface="Consolas" panose="020B0609020204030204" pitchFamily="49" charset="0"/>
-              </a:rPr>
-              <a:t>@return</a:t>
-            </a:r>
-          </a:p>
-          <a:p>
-            <a:pPr algn="l"/>
-            <a:r>
-              <a:rPr lang="en-US" sz="1400">
-                <a:solidFill>
-                  <a:srgbClr val="3F5FBF"/>
-                </a:solidFill>
-                <a:latin typeface="Consolas" panose="020B0609020204030204" pitchFamily="49" charset="0"/>
-              </a:rPr>
-              <a:t> */</a:t>
-            </a:r>
-          </a:p>
-          <a:p>
-            <a:pPr algn="l"/>
-            <a:r>
-              <a:rPr lang="en-US" sz="1400">
-                <a:solidFill>
-                  <a:srgbClr val="646464"/>
-                </a:solidFill>
-                <a:latin typeface="Consolas" panose="020B0609020204030204" pitchFamily="49" charset="0"/>
-              </a:rPr>
-              <a:t>@Query</a:t>
-            </a:r>
-            <a:r>
-              <a:rPr lang="en-US" sz="1400">
-                <a:solidFill>
-                  <a:srgbClr val="000000"/>
-                </a:solidFill>
-                <a:latin typeface="Consolas" panose="020B0609020204030204" pitchFamily="49" charset="0"/>
-              </a:rPr>
-              <a:t>(</a:t>
-            </a:r>
-            <a:r>
-              <a:rPr lang="en-US" sz="1400">
-                <a:solidFill>
-                  <a:srgbClr val="2A00FF"/>
-                </a:solidFill>
-                <a:latin typeface="Consolas" panose="020B0609020204030204" pitchFamily="49" charset="0"/>
-              </a:rPr>
-              <a:t>" SELECT o FROM Country o ORDER By o.ctry_cd "</a:t>
-            </a:r>
-            <a:r>
-              <a:rPr lang="en-US" sz="1400">
-                <a:solidFill>
-                  <a:srgbClr val="000000"/>
-                </a:solidFill>
-                <a:latin typeface="Consolas" panose="020B0609020204030204" pitchFamily="49" charset="0"/>
-              </a:rPr>
-              <a:t>)</a:t>
-            </a:r>
-          </a:p>
-          <a:p>
-            <a:pPr algn="l"/>
-            <a:r>
-              <a:rPr lang="en-US" sz="1400">
-                <a:solidFill>
-                  <a:srgbClr val="000000"/>
-                </a:solidFill>
-                <a:latin typeface="Consolas" panose="020B0609020204030204" pitchFamily="49" charset="0"/>
-              </a:rPr>
-              <a:t>List&lt;Country&gt; findAll();</a:t>
-            </a:r>
-          </a:p>
-          <a:p>
-            <a:pPr algn="l"/>
-            <a:endParaRPr lang="en-US" sz="1400">
+              <a:rPr lang="en-US" dirty="0">
+                <a:solidFill>
+                  <a:srgbClr val="444444"/>
+                </a:solidFill>
+                <a:latin typeface="Roboto" panose="02000000000000000000" pitchFamily="2" charset="0"/>
+              </a:rPr>
+              <a:t>*/</a:t>
+            </a:r>
+            <a:endParaRPr lang="en-US" sz="1800" dirty="0">
               <a:solidFill>
                 <a:srgbClr val="000000"/>
               </a:solidFill>
@@ -35983,205 +35334,538 @@
           <a:p>
             <a:pPr algn="l"/>
             <a:r>
-              <a:rPr lang="en-US" sz="1400">
-                <a:solidFill>
-                  <a:srgbClr val="3F5FBF"/>
-                </a:solidFill>
-                <a:latin typeface="Consolas" panose="020B0609020204030204" pitchFamily="49" charset="0"/>
-              </a:rPr>
-              <a:t>/**</a:t>
+              <a:rPr lang="en-US" sz="1400" dirty="0">
+                <a:solidFill>
+                  <a:srgbClr val="646464"/>
+                </a:solidFill>
+                <a:latin typeface="Consolas" panose="020B0609020204030204" pitchFamily="49" charset="0"/>
+              </a:rPr>
+              <a:t>@Data</a:t>
             </a:r>
           </a:p>
           <a:p>
             <a:pPr algn="l"/>
             <a:r>
-              <a:rPr lang="en-US" sz="1400">
-                <a:solidFill>
-                  <a:srgbClr val="3F5FBF"/>
-                </a:solidFill>
-                <a:latin typeface="Consolas" panose="020B0609020204030204" pitchFamily="49" charset="0"/>
-              </a:rPr>
-              <a:t> * Find Customer by Email</a:t>
+              <a:rPr lang="en-US" sz="1400" b="1" dirty="0">
+                <a:solidFill>
+                  <a:srgbClr val="7F0055"/>
+                </a:solidFill>
+                <a:latin typeface="Consolas" panose="020B0609020204030204" pitchFamily="49" charset="0"/>
+              </a:rPr>
+              <a:t>public</a:t>
+            </a:r>
+            <a:r>
+              <a:rPr lang="en-US" sz="1400" b="1" dirty="0">
+                <a:solidFill>
+                  <a:srgbClr val="000000"/>
+                </a:solidFill>
+                <a:latin typeface="Consolas" panose="020B0609020204030204" pitchFamily="49" charset="0"/>
+              </a:rPr>
+              <a:t> </a:t>
+            </a:r>
+            <a:r>
+              <a:rPr lang="en-US" sz="1400" b="1" dirty="0">
+                <a:solidFill>
+                  <a:srgbClr val="7F0055"/>
+                </a:solidFill>
+                <a:latin typeface="Consolas" panose="020B0609020204030204" pitchFamily="49" charset="0"/>
+              </a:rPr>
+              <a:t>class</a:t>
+            </a:r>
+            <a:r>
+              <a:rPr lang="en-US" sz="1400" b="1" dirty="0">
+                <a:solidFill>
+                  <a:srgbClr val="000000"/>
+                </a:solidFill>
+                <a:latin typeface="Consolas" panose="020B0609020204030204" pitchFamily="49" charset="0"/>
+              </a:rPr>
+              <a:t> Country </a:t>
+            </a:r>
+            <a:r>
+              <a:rPr lang="en-US" sz="1400" b="1" dirty="0">
+                <a:solidFill>
+                  <a:srgbClr val="7F0055"/>
+                </a:solidFill>
+                <a:latin typeface="Consolas" panose="020B0609020204030204" pitchFamily="49" charset="0"/>
+              </a:rPr>
+              <a:t>implements</a:t>
+            </a:r>
+            <a:r>
+              <a:rPr lang="en-US" sz="1400" b="1" dirty="0">
+                <a:solidFill>
+                  <a:srgbClr val="000000"/>
+                </a:solidFill>
+                <a:latin typeface="Consolas" panose="020B0609020204030204" pitchFamily="49" charset="0"/>
+              </a:rPr>
+              <a:t> Serializable {</a:t>
             </a:r>
           </a:p>
           <a:p>
             <a:pPr algn="l"/>
-            <a:r>
-              <a:rPr lang="en-US" sz="1400">
-                <a:solidFill>
-                  <a:srgbClr val="3F5FBF"/>
-                </a:solidFill>
-                <a:latin typeface="Consolas" panose="020B0609020204030204" pitchFamily="49" charset="0"/>
-              </a:rPr>
-              <a:t> * </a:t>
+            <a:endParaRPr lang="en-US" sz="1400" dirty="0">
+              <a:latin typeface="Consolas" panose="020B0609020204030204" pitchFamily="49" charset="0"/>
+            </a:endParaRPr>
+          </a:p>
+          <a:p>
+            <a:pPr lvl="1"/>
+            <a:r>
+              <a:rPr lang="en-US" sz="1400" b="1" dirty="0">
+                <a:solidFill>
+                  <a:srgbClr val="7F0055"/>
+                </a:solidFill>
+                <a:latin typeface="Consolas" panose="020B0609020204030204" pitchFamily="49" charset="0"/>
+              </a:rPr>
+              <a:t>private</a:t>
+            </a:r>
+            <a:r>
+              <a:rPr lang="en-US" sz="1400" b="1" dirty="0">
+                <a:solidFill>
+                  <a:srgbClr val="000000"/>
+                </a:solidFill>
+                <a:latin typeface="Consolas" panose="020B0609020204030204" pitchFamily="49" charset="0"/>
+              </a:rPr>
+              <a:t> </a:t>
+            </a:r>
+            <a:r>
+              <a:rPr lang="en-US" sz="1400" b="1" dirty="0">
+                <a:solidFill>
+                  <a:srgbClr val="7F0055"/>
+                </a:solidFill>
+                <a:latin typeface="Consolas" panose="020B0609020204030204" pitchFamily="49" charset="0"/>
+              </a:rPr>
+              <a:t>static</a:t>
+            </a:r>
+            <a:r>
+              <a:rPr lang="en-US" sz="1400" b="1" dirty="0">
+                <a:solidFill>
+                  <a:srgbClr val="000000"/>
+                </a:solidFill>
+                <a:latin typeface="Consolas" panose="020B0609020204030204" pitchFamily="49" charset="0"/>
+              </a:rPr>
+              <a:t> </a:t>
+            </a:r>
+            <a:r>
+              <a:rPr lang="en-US" sz="1400" b="1" dirty="0">
+                <a:solidFill>
+                  <a:srgbClr val="7F0055"/>
+                </a:solidFill>
+                <a:latin typeface="Consolas" panose="020B0609020204030204" pitchFamily="49" charset="0"/>
+              </a:rPr>
+              <a:t>final</a:t>
+            </a:r>
+            <a:r>
+              <a:rPr lang="en-US" sz="1400" b="1" dirty="0">
+                <a:solidFill>
+                  <a:srgbClr val="000000"/>
+                </a:solidFill>
+                <a:latin typeface="Consolas" panose="020B0609020204030204" pitchFamily="49" charset="0"/>
+              </a:rPr>
+              <a:t> </a:t>
+            </a:r>
+            <a:r>
+              <a:rPr lang="en-US" sz="1400" b="1" dirty="0">
+                <a:solidFill>
+                  <a:srgbClr val="7F0055"/>
+                </a:solidFill>
+                <a:latin typeface="Consolas" panose="020B0609020204030204" pitchFamily="49" charset="0"/>
+              </a:rPr>
+              <a:t>long</a:t>
+            </a:r>
+            <a:r>
+              <a:rPr lang="en-US" sz="1400" b="1" dirty="0">
+                <a:solidFill>
+                  <a:srgbClr val="000000"/>
+                </a:solidFill>
+                <a:latin typeface="Consolas" panose="020B0609020204030204" pitchFamily="49" charset="0"/>
+              </a:rPr>
+              <a:t> </a:t>
+            </a:r>
+            <a:r>
+              <a:rPr lang="en-US" sz="1400" b="1" i="1" dirty="0" err="1">
+                <a:solidFill>
+                  <a:srgbClr val="0000C0"/>
+                </a:solidFill>
+                <a:latin typeface="Consolas" panose="020B0609020204030204" pitchFamily="49" charset="0"/>
+              </a:rPr>
+              <a:t>serialVersionUID</a:t>
+            </a:r>
+            <a:r>
+              <a:rPr lang="en-US" sz="1400" b="1" i="1" dirty="0">
+                <a:solidFill>
+                  <a:srgbClr val="000000"/>
+                </a:solidFill>
+                <a:latin typeface="Consolas" panose="020B0609020204030204" pitchFamily="49" charset="0"/>
+              </a:rPr>
+              <a:t> = 9120997940945205046L;</a:t>
+            </a:r>
+          </a:p>
+          <a:p>
+            <a:pPr lvl="1"/>
+            <a:endParaRPr lang="en-US" sz="1400" dirty="0">
+              <a:latin typeface="Consolas" panose="020B0609020204030204" pitchFamily="49" charset="0"/>
+            </a:endParaRPr>
+          </a:p>
+          <a:p>
+            <a:pPr lvl="1"/>
+            <a:r>
+              <a:rPr lang="en-US" sz="1400" dirty="0">
+                <a:solidFill>
+                  <a:srgbClr val="646464"/>
+                </a:solidFill>
+                <a:latin typeface="Consolas" panose="020B0609020204030204" pitchFamily="49" charset="0"/>
+              </a:rPr>
+              <a:t>@Id</a:t>
+            </a:r>
+          </a:p>
+          <a:p>
+            <a:pPr lvl="1"/>
+            <a:r>
+              <a:rPr lang="en-US" sz="1400" dirty="0">
+                <a:solidFill>
+                  <a:srgbClr val="646464"/>
+                </a:solidFill>
+                <a:latin typeface="Consolas" panose="020B0609020204030204" pitchFamily="49" charset="0"/>
+              </a:rPr>
+              <a:t>@GeneratedValue</a:t>
+            </a:r>
+            <a:r>
+              <a:rPr lang="en-US" sz="1400" dirty="0">
+                <a:solidFill>
+                  <a:srgbClr val="000000"/>
+                </a:solidFill>
+                <a:latin typeface="Consolas" panose="020B0609020204030204" pitchFamily="49" charset="0"/>
+              </a:rPr>
+              <a:t>(strategy = </a:t>
+            </a:r>
+            <a:r>
+              <a:rPr lang="en-US" sz="1400" dirty="0" err="1">
+                <a:solidFill>
+                  <a:srgbClr val="000000"/>
+                </a:solidFill>
+                <a:latin typeface="Consolas" panose="020B0609020204030204" pitchFamily="49" charset="0"/>
+              </a:rPr>
+              <a:t>GenerationType.</a:t>
+            </a:r>
+            <a:r>
+              <a:rPr lang="en-US" sz="1400" b="1" i="1" dirty="0" err="1">
+                <a:solidFill>
+                  <a:srgbClr val="0000C0"/>
+                </a:solidFill>
+                <a:latin typeface="Consolas" panose="020B0609020204030204" pitchFamily="49" charset="0"/>
+              </a:rPr>
+              <a:t>IDENTITY</a:t>
+            </a:r>
+            <a:r>
+              <a:rPr lang="en-US" sz="1400" b="1" i="1" dirty="0">
+                <a:solidFill>
+                  <a:srgbClr val="000000"/>
+                </a:solidFill>
+                <a:latin typeface="Consolas" panose="020B0609020204030204" pitchFamily="49" charset="0"/>
+              </a:rPr>
+              <a:t>)</a:t>
+            </a:r>
+          </a:p>
+          <a:p>
+            <a:pPr lvl="1"/>
+            <a:r>
+              <a:rPr lang="en-US" sz="1400" b="1" dirty="0">
+                <a:solidFill>
+                  <a:srgbClr val="7F0055"/>
+                </a:solidFill>
+                <a:latin typeface="Consolas" panose="020B0609020204030204" pitchFamily="49" charset="0"/>
+              </a:rPr>
+              <a:t>private</a:t>
+            </a:r>
+            <a:r>
+              <a:rPr lang="en-US" sz="1400" b="1" dirty="0">
+                <a:solidFill>
+                  <a:srgbClr val="000000"/>
+                </a:solidFill>
+                <a:latin typeface="Consolas" panose="020B0609020204030204" pitchFamily="49" charset="0"/>
+              </a:rPr>
+              <a:t> Long </a:t>
+            </a:r>
+            <a:r>
+              <a:rPr lang="en-US" sz="1400" b="1" dirty="0" err="1">
+                <a:solidFill>
+                  <a:srgbClr val="0000C0"/>
+                </a:solidFill>
+                <a:latin typeface="Consolas" panose="020B0609020204030204" pitchFamily="49" charset="0"/>
+              </a:rPr>
+              <a:t>country_id</a:t>
+            </a:r>
+            <a:r>
+              <a:rPr lang="en-US" sz="1400" b="1" dirty="0">
+                <a:solidFill>
+                  <a:srgbClr val="000000"/>
+                </a:solidFill>
+                <a:latin typeface="Consolas" panose="020B0609020204030204" pitchFamily="49" charset="0"/>
+              </a:rPr>
+              <a:t>;</a:t>
+            </a:r>
+          </a:p>
+          <a:p>
+            <a:pPr lvl="1"/>
+            <a:endParaRPr lang="en-US" sz="1400" dirty="0">
+              <a:latin typeface="Consolas" panose="020B0609020204030204" pitchFamily="49" charset="0"/>
+            </a:endParaRPr>
+          </a:p>
+          <a:p>
+            <a:pPr lvl="1"/>
+            <a:r>
+              <a:rPr lang="en-US" sz="1400" b="1" dirty="0">
+                <a:solidFill>
+                  <a:srgbClr val="7F0055"/>
+                </a:solidFill>
+                <a:latin typeface="Consolas" panose="020B0609020204030204" pitchFamily="49" charset="0"/>
+              </a:rPr>
+              <a:t>private</a:t>
+            </a:r>
+            <a:r>
+              <a:rPr lang="en-US" sz="1400" b="1" dirty="0">
+                <a:solidFill>
+                  <a:srgbClr val="000000"/>
+                </a:solidFill>
+                <a:latin typeface="Consolas" panose="020B0609020204030204" pitchFamily="49" charset="0"/>
+              </a:rPr>
+              <a:t> String </a:t>
+            </a:r>
+            <a:r>
+              <a:rPr lang="en-US" sz="1400" b="1" dirty="0" err="1">
+                <a:solidFill>
+                  <a:srgbClr val="0000C0"/>
+                </a:solidFill>
+                <a:latin typeface="Consolas" panose="020B0609020204030204" pitchFamily="49" charset="0"/>
+              </a:rPr>
+              <a:t>ctry_cd</a:t>
+            </a:r>
+            <a:r>
+              <a:rPr lang="en-US" sz="1400" b="1" dirty="0">
+                <a:solidFill>
+                  <a:srgbClr val="000000"/>
+                </a:solidFill>
+                <a:latin typeface="Consolas" panose="020B0609020204030204" pitchFamily="49" charset="0"/>
+              </a:rPr>
+              <a:t>;</a:t>
+            </a:r>
+          </a:p>
+          <a:p>
+            <a:pPr lvl="1"/>
+            <a:r>
+              <a:rPr lang="en-US" sz="1400" b="1" dirty="0">
+                <a:solidFill>
+                  <a:srgbClr val="7F0055"/>
+                </a:solidFill>
+                <a:latin typeface="Consolas" panose="020B0609020204030204" pitchFamily="49" charset="0"/>
+              </a:rPr>
+              <a:t>private</a:t>
+            </a:r>
+            <a:r>
+              <a:rPr lang="en-US" sz="1400" b="1" dirty="0">
+                <a:solidFill>
+                  <a:srgbClr val="000000"/>
+                </a:solidFill>
+                <a:latin typeface="Consolas" panose="020B0609020204030204" pitchFamily="49" charset="0"/>
+              </a:rPr>
+              <a:t> String </a:t>
+            </a:r>
+            <a:r>
+              <a:rPr lang="en-US" sz="1400" b="1" dirty="0" err="1">
+                <a:solidFill>
+                  <a:srgbClr val="0000C0"/>
+                </a:solidFill>
+                <a:latin typeface="Consolas" panose="020B0609020204030204" pitchFamily="49" charset="0"/>
+              </a:rPr>
+              <a:t>ctry_nm</a:t>
+            </a:r>
+            <a:r>
+              <a:rPr lang="en-US" sz="1400" b="1" dirty="0">
+                <a:solidFill>
+                  <a:srgbClr val="000000"/>
+                </a:solidFill>
+                <a:latin typeface="Consolas" panose="020B0609020204030204" pitchFamily="49" charset="0"/>
+              </a:rPr>
+              <a:t>;</a:t>
+            </a:r>
+          </a:p>
+          <a:p>
+            <a:pPr lvl="1"/>
+            <a:endParaRPr lang="en-US" sz="1400" dirty="0">
+              <a:latin typeface="Consolas" panose="020B0609020204030204" pitchFamily="49" charset="0"/>
+            </a:endParaRPr>
+          </a:p>
+          <a:p>
+            <a:pPr lvl="1"/>
+            <a:r>
+              <a:rPr lang="en-US" sz="1400" dirty="0">
+                <a:solidFill>
+                  <a:srgbClr val="646464"/>
+                </a:solidFill>
+                <a:latin typeface="Consolas" panose="020B0609020204030204" pitchFamily="49" charset="0"/>
+              </a:rPr>
+              <a:t>@Temporal</a:t>
+            </a:r>
+            <a:r>
+              <a:rPr lang="en-US" sz="1400" dirty="0">
+                <a:solidFill>
+                  <a:srgbClr val="000000"/>
+                </a:solidFill>
+                <a:latin typeface="Consolas" panose="020B0609020204030204" pitchFamily="49" charset="0"/>
+              </a:rPr>
+              <a:t>(TemporalType.</a:t>
+            </a:r>
+            <a:r>
+              <a:rPr lang="en-US" sz="1400" b="1" i="1" dirty="0">
+                <a:solidFill>
+                  <a:srgbClr val="0000C0"/>
+                </a:solidFill>
+                <a:latin typeface="Consolas" panose="020B0609020204030204" pitchFamily="49" charset="0"/>
+              </a:rPr>
+              <a:t>TIMESTAMP</a:t>
+            </a:r>
+            <a:r>
+              <a:rPr lang="en-US" sz="1400" b="1" i="1" dirty="0">
+                <a:solidFill>
+                  <a:srgbClr val="000000"/>
+                </a:solidFill>
+                <a:latin typeface="Consolas" panose="020B0609020204030204" pitchFamily="49" charset="0"/>
+              </a:rPr>
+              <a:t>)</a:t>
+            </a:r>
+          </a:p>
+          <a:p>
+            <a:pPr lvl="1"/>
+            <a:r>
+              <a:rPr lang="en-US" sz="1400" b="1" dirty="0">
+                <a:solidFill>
+                  <a:srgbClr val="7F0055"/>
+                </a:solidFill>
+                <a:latin typeface="Consolas" panose="020B0609020204030204" pitchFamily="49" charset="0"/>
+              </a:rPr>
+              <a:t>private</a:t>
+            </a:r>
+            <a:r>
+              <a:rPr lang="en-US" sz="1400" b="1" dirty="0">
+                <a:solidFill>
+                  <a:srgbClr val="000000"/>
+                </a:solidFill>
+                <a:latin typeface="Consolas" panose="020B0609020204030204" pitchFamily="49" charset="0"/>
+              </a:rPr>
+              <a:t> Date </a:t>
+            </a:r>
+            <a:r>
+              <a:rPr lang="en-US" sz="1400" b="1" dirty="0" err="1">
+                <a:solidFill>
+                  <a:srgbClr val="0000C0"/>
+                </a:solidFill>
+                <a:latin typeface="Consolas" panose="020B0609020204030204" pitchFamily="49" charset="0"/>
+              </a:rPr>
+              <a:t>last_mdfy_ts</a:t>
+            </a:r>
+            <a:r>
+              <a:rPr lang="en-US" sz="1400" b="1" dirty="0">
+                <a:solidFill>
+                  <a:srgbClr val="000000"/>
+                </a:solidFill>
+                <a:latin typeface="Consolas" panose="020B0609020204030204" pitchFamily="49" charset="0"/>
+              </a:rPr>
+              <a:t>;</a:t>
+            </a:r>
+          </a:p>
+          <a:p>
+            <a:pPr lvl="1"/>
+            <a:endParaRPr lang="en-US" sz="1400" dirty="0">
+              <a:latin typeface="Consolas" panose="020B0609020204030204" pitchFamily="49" charset="0"/>
+            </a:endParaRPr>
+          </a:p>
+          <a:p>
+            <a:pPr lvl="1"/>
+            <a:r>
+              <a:rPr lang="en-US" sz="1400" b="1" dirty="0">
+                <a:solidFill>
+                  <a:srgbClr val="7F0055"/>
+                </a:solidFill>
+                <a:latin typeface="Consolas" panose="020B0609020204030204" pitchFamily="49" charset="0"/>
+              </a:rPr>
+              <a:t>private</a:t>
+            </a:r>
+            <a:r>
+              <a:rPr lang="en-US" sz="1400" b="1" dirty="0">
+                <a:solidFill>
+                  <a:srgbClr val="000000"/>
+                </a:solidFill>
+                <a:latin typeface="Consolas" panose="020B0609020204030204" pitchFamily="49" charset="0"/>
+              </a:rPr>
+              <a:t> String </a:t>
+            </a:r>
+            <a:r>
+              <a:rPr lang="en-US" sz="1400" b="1" dirty="0" err="1">
+                <a:solidFill>
+                  <a:srgbClr val="0000C0"/>
+                </a:solidFill>
+                <a:latin typeface="Consolas" panose="020B0609020204030204" pitchFamily="49" charset="0"/>
+              </a:rPr>
+              <a:t>last_mdfy_prog</a:t>
+            </a:r>
+            <a:r>
+              <a:rPr lang="en-US" sz="1400" b="1" dirty="0">
+                <a:solidFill>
+                  <a:srgbClr val="000000"/>
+                </a:solidFill>
+                <a:latin typeface="Consolas" panose="020B0609020204030204" pitchFamily="49" charset="0"/>
+              </a:rPr>
+              <a:t>;</a:t>
+            </a:r>
+          </a:p>
+          <a:p>
+            <a:pPr lvl="1"/>
+            <a:r>
+              <a:rPr lang="nb-NO" sz="1400" b="1" dirty="0">
+                <a:solidFill>
+                  <a:srgbClr val="7F0055"/>
+                </a:solidFill>
+                <a:latin typeface="Consolas" panose="020B0609020204030204" pitchFamily="49" charset="0"/>
+              </a:rPr>
+              <a:t>private</a:t>
+            </a:r>
+            <a:r>
+              <a:rPr lang="nb-NO" sz="1400" b="1" dirty="0">
+                <a:solidFill>
+                  <a:srgbClr val="000000"/>
+                </a:solidFill>
+                <a:latin typeface="Consolas" panose="020B0609020204030204" pitchFamily="49" charset="0"/>
+              </a:rPr>
+              <a:t> String </a:t>
+            </a:r>
+            <a:r>
+              <a:rPr lang="nb-NO" sz="1400" b="1" dirty="0">
+                <a:solidFill>
+                  <a:srgbClr val="0000C0"/>
+                </a:solidFill>
+                <a:latin typeface="Consolas" panose="020B0609020204030204" pitchFamily="49" charset="0"/>
+              </a:rPr>
+              <a:t>last_mdfy_user</a:t>
+            </a:r>
+            <a:r>
+              <a:rPr lang="nb-NO" sz="1400" b="1" dirty="0">
+                <a:solidFill>
+                  <a:srgbClr val="000000"/>
+                </a:solidFill>
+                <a:latin typeface="Consolas" panose="020B0609020204030204" pitchFamily="49" charset="0"/>
+              </a:rPr>
+              <a:t>;</a:t>
             </a:r>
           </a:p>
           <a:p>
             <a:pPr algn="l"/>
             <a:r>
-              <a:rPr lang="en-US" sz="1400">
-                <a:solidFill>
-                  <a:srgbClr val="3F5FBF"/>
-                </a:solidFill>
-                <a:latin typeface="Consolas" panose="020B0609020204030204" pitchFamily="49" charset="0"/>
-              </a:rPr>
-              <a:t> * </a:t>
-            </a:r>
-            <a:r>
-              <a:rPr lang="en-US" sz="1400" b="1">
-                <a:solidFill>
-                  <a:srgbClr val="7F9FBF"/>
-                </a:solidFill>
-                <a:latin typeface="Consolas" panose="020B0609020204030204" pitchFamily="49" charset="0"/>
-              </a:rPr>
-              <a:t>@param</a:t>
-            </a:r>
-            <a:r>
-              <a:rPr lang="en-US" sz="1400" b="1">
-                <a:solidFill>
-                  <a:srgbClr val="3F5FBF"/>
-                </a:solidFill>
-                <a:latin typeface="Consolas" panose="020B0609020204030204" pitchFamily="49" charset="0"/>
-              </a:rPr>
-              <a:t> email_ad</a:t>
-            </a:r>
-          </a:p>
-          <a:p>
-            <a:pPr algn="l"/>
-            <a:r>
-              <a:rPr lang="en-US" sz="1400">
-                <a:solidFill>
-                  <a:srgbClr val="3F5FBF"/>
-                </a:solidFill>
-                <a:latin typeface="Consolas" panose="020B0609020204030204" pitchFamily="49" charset="0"/>
-              </a:rPr>
-              <a:t> * </a:t>
-            </a:r>
-            <a:r>
-              <a:rPr lang="en-US" sz="1400" b="1">
-                <a:solidFill>
-                  <a:srgbClr val="7F9FBF"/>
-                </a:solidFill>
-                <a:latin typeface="Consolas" panose="020B0609020204030204" pitchFamily="49" charset="0"/>
-              </a:rPr>
-              <a:t>@return</a:t>
-            </a:r>
-          </a:p>
-          <a:p>
-            <a:pPr algn="l"/>
-            <a:r>
-              <a:rPr lang="en-US" sz="1400">
-                <a:solidFill>
-                  <a:srgbClr val="3F5FBF"/>
-                </a:solidFill>
-                <a:latin typeface="Consolas" panose="020B0609020204030204" pitchFamily="49" charset="0"/>
-              </a:rPr>
-              <a:t> */</a:t>
-            </a:r>
-          </a:p>
-          <a:p>
-            <a:pPr algn="l"/>
-            <a:r>
-              <a:rPr lang="en-US" sz="1400">
-                <a:solidFill>
-                  <a:srgbClr val="646464"/>
-                </a:solidFill>
-                <a:latin typeface="Consolas" panose="020B0609020204030204" pitchFamily="49" charset="0"/>
-              </a:rPr>
-              <a:t>@Query</a:t>
-            </a:r>
-            <a:r>
-              <a:rPr lang="en-US" sz="1400">
+              <a:rPr lang="en-US" sz="1400" dirty="0">
                 <a:solidFill>
                   <a:srgbClr val="000000"/>
                 </a:solidFill>
                 <a:latin typeface="Consolas" panose="020B0609020204030204" pitchFamily="49" charset="0"/>
               </a:rPr>
-              <a:t>(</a:t>
-            </a:r>
-            <a:r>
-              <a:rPr lang="en-US" sz="1400">
-                <a:solidFill>
-                  <a:srgbClr val="2A00FF"/>
-                </a:solidFill>
-                <a:latin typeface="Consolas" panose="020B0609020204030204" pitchFamily="49" charset="0"/>
-              </a:rPr>
-              <a:t>" SELECT o FROM Customer o WHERE o.email_ad = ?1 "</a:t>
-            </a:r>
-            <a:r>
-              <a:rPr lang="en-US" sz="1400">
-                <a:solidFill>
-                  <a:srgbClr val="000000"/>
-                </a:solidFill>
-                <a:latin typeface="Consolas" panose="020B0609020204030204" pitchFamily="49" charset="0"/>
-              </a:rPr>
-              <a:t>)</a:t>
-            </a:r>
-          </a:p>
-          <a:p>
-            <a:pPr algn="l"/>
-            <a:r>
-              <a:rPr lang="en-US" sz="1400">
-                <a:solidFill>
-                  <a:srgbClr val="000000"/>
-                </a:solidFill>
-                <a:latin typeface="Consolas" panose="020B0609020204030204" pitchFamily="49" charset="0"/>
-              </a:rPr>
-              <a:t>Customer findByEmail(</a:t>
-            </a:r>
-            <a:r>
-              <a:rPr lang="en-US" sz="1400">
-                <a:solidFill>
-                  <a:srgbClr val="646464"/>
-                </a:solidFill>
-                <a:latin typeface="Consolas" panose="020B0609020204030204" pitchFamily="49" charset="0"/>
-              </a:rPr>
-              <a:t>@Param</a:t>
-            </a:r>
-            <a:r>
-              <a:rPr lang="en-US" sz="1400">
-                <a:solidFill>
-                  <a:srgbClr val="000000"/>
-                </a:solidFill>
-                <a:latin typeface="Consolas" panose="020B0609020204030204" pitchFamily="49" charset="0"/>
-              </a:rPr>
-              <a:t>(</a:t>
-            </a:r>
-            <a:r>
-              <a:rPr lang="en-US" sz="1400">
-                <a:solidFill>
-                  <a:srgbClr val="2A00FF"/>
-                </a:solidFill>
-                <a:latin typeface="Consolas" panose="020B0609020204030204" pitchFamily="49" charset="0"/>
-              </a:rPr>
-              <a:t>"email_ad"</a:t>
-            </a:r>
-            <a:r>
-              <a:rPr lang="en-US" sz="1400">
-                <a:solidFill>
-                  <a:srgbClr val="000000"/>
-                </a:solidFill>
-                <a:latin typeface="Consolas" panose="020B0609020204030204" pitchFamily="49" charset="0"/>
-              </a:rPr>
-              <a:t>) String </a:t>
-            </a:r>
-            <a:r>
-              <a:rPr lang="en-US" sz="1400">
-                <a:solidFill>
-                  <a:srgbClr val="6A3E3E"/>
-                </a:solidFill>
-                <a:latin typeface="Consolas" panose="020B0609020204030204" pitchFamily="49" charset="0"/>
-              </a:rPr>
-              <a:t>email_ad</a:t>
-            </a:r>
-            <a:r>
-              <a:rPr lang="en-US" sz="1400">
-                <a:solidFill>
-                  <a:srgbClr val="000000"/>
-                </a:solidFill>
-                <a:latin typeface="Consolas" panose="020B0609020204030204" pitchFamily="49" charset="0"/>
-              </a:rPr>
-              <a:t>);</a:t>
+              <a:t>}</a:t>
             </a:r>
             <a:endParaRPr lang="en-US" sz="1400" dirty="0"/>
           </a:p>
@@ -36190,7 +35874,7 @@
     </p:spTree>
     <p:extLst>
       <p:ext uri="{BB962C8B-B14F-4D97-AF65-F5344CB8AC3E}">
-        <p14:creationId xmlns:p14="http://schemas.microsoft.com/office/powerpoint/2010/main" val="4007862591"/>
+        <p14:creationId xmlns:p14="http://schemas.microsoft.com/office/powerpoint/2010/main" val="1271571351"/>
       </p:ext>
     </p:extLst>
   </p:cSld>
@@ -36418,7 +36102,7 @@
                   <a:schemeClr val="bg1"/>
                 </a:solidFill>
               </a:rPr>
-              <a:t>Traditional </a:t>
+              <a:t>Query </a:t>
             </a:r>
             <a:r>
               <a:rPr lang="en-US" sz="2400" dirty="0">
@@ -36426,45 +36110,673 @@
                   <a:schemeClr val="bg1"/>
                 </a:solidFill>
               </a:rPr>
-              <a:t>JDBC Transaction</a:t>
+              <a:t>Entity </a:t>
+            </a:r>
+            <a:r>
+              <a:rPr lang="en-US" sz="2400" i="1" dirty="0">
+                <a:solidFill>
+                  <a:schemeClr val="bg1"/>
+                </a:solidFill>
+              </a:rPr>
+              <a:t>Country, Customer</a:t>
+            </a:r>
+            <a:r>
+              <a:rPr lang="en-US" sz="2400" dirty="0">
+                <a:solidFill>
+                  <a:schemeClr val="bg1"/>
+                </a:solidFill>
+              </a:rPr>
+              <a:t> Using JPA with Spring Boot</a:t>
             </a:r>
           </a:p>
         </p:txBody>
       </p:sp>
-      <p:pic>
-        <p:nvPicPr>
-          <p:cNvPr id="5" name="Picture 4">
+      <p:sp>
+        <p:nvSpPr>
+          <p:cNvPr id="7" name="TextBox 6">
             <a:extLst>
               <a:ext uri="{FF2B5EF4-FFF2-40B4-BE49-F238E27FC236}">
-                <a16:creationId xmlns:a16="http://schemas.microsoft.com/office/drawing/2014/main" id="{6829DD25-FD6A-4E7D-82F6-D2B41C017391}"/>
+                <a16:creationId xmlns:a16="http://schemas.microsoft.com/office/drawing/2014/main" id="{DDC15CD2-E37A-42FE-8533-294E5DACFBF9}"/>
               </a:ext>
             </a:extLst>
           </p:cNvPr>
-          <p:cNvPicPr>
-            <a:picLocks noChangeAspect="1"/>
-          </p:cNvPicPr>
+          <p:cNvSpPr txBox="1"/>
           <p:nvPr/>
-        </p:nvPicPr>
-        <p:blipFill>
-          <a:blip r:embed="rId2"/>
-          <a:stretch>
-            <a:fillRect/>
-          </a:stretch>
-        </p:blipFill>
+        </p:nvSpPr>
         <p:spPr>
           <a:xfrm>
-            <a:off x="4079987" y="1341783"/>
-            <a:ext cx="8122416" cy="4615959"/>
+            <a:off x="4380562" y="424453"/>
+            <a:ext cx="7481683" cy="5693866"/>
           </a:xfrm>
           <a:prstGeom prst="rect">
             <a:avLst/>
           </a:prstGeom>
+          <a:noFill/>
         </p:spPr>
-      </p:pic>
+        <p:txBody>
+          <a:bodyPr wrap="square">
+            <a:spAutoFit/>
+          </a:bodyPr>
+          <a:lstStyle/>
+          <a:p>
+            <a:pPr algn="l"/>
+            <a:r>
+              <a:rPr lang="en-US" sz="1400">
+                <a:solidFill>
+                  <a:srgbClr val="3F5FBF"/>
+                </a:solidFill>
+                <a:latin typeface="Consolas" panose="020B0609020204030204" pitchFamily="49" charset="0"/>
+              </a:rPr>
+              <a:t>/**</a:t>
+            </a:r>
+          </a:p>
+          <a:p>
+            <a:pPr algn="l"/>
+            <a:r>
+              <a:rPr lang="en-US" sz="1400">
+                <a:solidFill>
+                  <a:srgbClr val="3F5FBF"/>
+                </a:solidFill>
+                <a:latin typeface="Consolas" panose="020B0609020204030204" pitchFamily="49" charset="0"/>
+              </a:rPr>
+              <a:t> * Find by Country Code</a:t>
+            </a:r>
+          </a:p>
+          <a:p>
+            <a:pPr algn="l"/>
+            <a:r>
+              <a:rPr lang="en-US" sz="1400">
+                <a:solidFill>
+                  <a:srgbClr val="3F5FBF"/>
+                </a:solidFill>
+                <a:latin typeface="Consolas" panose="020B0609020204030204" pitchFamily="49" charset="0"/>
+              </a:rPr>
+              <a:t> * </a:t>
+            </a:r>
+          </a:p>
+          <a:p>
+            <a:pPr algn="l"/>
+            <a:r>
+              <a:rPr lang="en-US" sz="1400">
+                <a:solidFill>
+                  <a:srgbClr val="3F5FBF"/>
+                </a:solidFill>
+                <a:latin typeface="Consolas" panose="020B0609020204030204" pitchFamily="49" charset="0"/>
+              </a:rPr>
+              <a:t> * </a:t>
+            </a:r>
+            <a:r>
+              <a:rPr lang="en-US" sz="1400" b="1">
+                <a:solidFill>
+                  <a:srgbClr val="7F9FBF"/>
+                </a:solidFill>
+                <a:latin typeface="Consolas" panose="020B0609020204030204" pitchFamily="49" charset="0"/>
+              </a:rPr>
+              <a:t>@param</a:t>
+            </a:r>
+            <a:r>
+              <a:rPr lang="en-US" sz="1400" b="1">
+                <a:solidFill>
+                  <a:srgbClr val="3F5FBF"/>
+                </a:solidFill>
+                <a:latin typeface="Consolas" panose="020B0609020204030204" pitchFamily="49" charset="0"/>
+              </a:rPr>
+              <a:t> ctry_cd</a:t>
+            </a:r>
+          </a:p>
+          <a:p>
+            <a:pPr algn="l"/>
+            <a:r>
+              <a:rPr lang="en-US" sz="1400">
+                <a:solidFill>
+                  <a:srgbClr val="3F5FBF"/>
+                </a:solidFill>
+                <a:latin typeface="Consolas" panose="020B0609020204030204" pitchFamily="49" charset="0"/>
+              </a:rPr>
+              <a:t> * </a:t>
+            </a:r>
+            <a:r>
+              <a:rPr lang="en-US" sz="1400" b="1">
+                <a:solidFill>
+                  <a:srgbClr val="7F9FBF"/>
+                </a:solidFill>
+                <a:latin typeface="Consolas" panose="020B0609020204030204" pitchFamily="49" charset="0"/>
+              </a:rPr>
+              <a:t>@return</a:t>
+            </a:r>
+          </a:p>
+          <a:p>
+            <a:pPr algn="l"/>
+            <a:r>
+              <a:rPr lang="en-US" sz="1400">
+                <a:solidFill>
+                  <a:srgbClr val="3F5FBF"/>
+                </a:solidFill>
+                <a:latin typeface="Consolas" panose="020B0609020204030204" pitchFamily="49" charset="0"/>
+              </a:rPr>
+              <a:t> */</a:t>
+            </a:r>
+          </a:p>
+          <a:p>
+            <a:pPr algn="l"/>
+            <a:r>
+              <a:rPr lang="en-US" sz="1400">
+                <a:solidFill>
+                  <a:srgbClr val="646464"/>
+                </a:solidFill>
+                <a:latin typeface="Consolas" panose="020B0609020204030204" pitchFamily="49" charset="0"/>
+              </a:rPr>
+              <a:t>@Query</a:t>
+            </a:r>
+            <a:r>
+              <a:rPr lang="en-US" sz="1400">
+                <a:solidFill>
+                  <a:srgbClr val="000000"/>
+                </a:solidFill>
+                <a:latin typeface="Consolas" panose="020B0609020204030204" pitchFamily="49" charset="0"/>
+              </a:rPr>
+              <a:t>(</a:t>
+            </a:r>
+            <a:r>
+              <a:rPr lang="en-US" sz="1400">
+                <a:solidFill>
+                  <a:srgbClr val="2A00FF"/>
+                </a:solidFill>
+                <a:latin typeface="Consolas" panose="020B0609020204030204" pitchFamily="49" charset="0"/>
+              </a:rPr>
+              <a:t>" SELECT o FROM Country o WHERE o.ctry_cd = ?1 "</a:t>
+            </a:r>
+            <a:r>
+              <a:rPr lang="en-US" sz="1400">
+                <a:solidFill>
+                  <a:srgbClr val="000000"/>
+                </a:solidFill>
+                <a:latin typeface="Consolas" panose="020B0609020204030204" pitchFamily="49" charset="0"/>
+              </a:rPr>
+              <a:t>)</a:t>
+            </a:r>
+          </a:p>
+          <a:p>
+            <a:pPr algn="l"/>
+            <a:r>
+              <a:rPr lang="en-US" sz="1400">
+                <a:solidFill>
+                  <a:srgbClr val="646464"/>
+                </a:solidFill>
+                <a:latin typeface="Consolas" panose="020B0609020204030204" pitchFamily="49" charset="0"/>
+              </a:rPr>
+              <a:t>@Cacheable</a:t>
+            </a:r>
+            <a:r>
+              <a:rPr lang="en-US" sz="1400">
+                <a:solidFill>
+                  <a:srgbClr val="000000"/>
+                </a:solidFill>
+                <a:latin typeface="Consolas" panose="020B0609020204030204" pitchFamily="49" charset="0"/>
+              </a:rPr>
+              <a:t>(</a:t>
+            </a:r>
+            <a:r>
+              <a:rPr lang="en-US" sz="1400">
+                <a:solidFill>
+                  <a:srgbClr val="2A00FF"/>
+                </a:solidFill>
+                <a:latin typeface="Consolas" panose="020B0609020204030204" pitchFamily="49" charset="0"/>
+              </a:rPr>
+              <a:t>"country"</a:t>
+            </a:r>
+            <a:r>
+              <a:rPr lang="en-US" sz="1400">
+                <a:solidFill>
+                  <a:srgbClr val="000000"/>
+                </a:solidFill>
+                <a:latin typeface="Consolas" panose="020B0609020204030204" pitchFamily="49" charset="0"/>
+              </a:rPr>
+              <a:t>)</a:t>
+            </a:r>
+          </a:p>
+          <a:p>
+            <a:pPr algn="l"/>
+            <a:r>
+              <a:rPr lang="en-US" sz="1400">
+                <a:solidFill>
+                  <a:srgbClr val="000000"/>
+                </a:solidFill>
+                <a:latin typeface="Consolas" panose="020B0609020204030204" pitchFamily="49" charset="0"/>
+              </a:rPr>
+              <a:t>Country </a:t>
+            </a:r>
+            <a:r>
+              <a:rPr lang="en-US" sz="1400">
+                <a:solidFill>
+                  <a:srgbClr val="000000"/>
+                </a:solidFill>
+                <a:highlight>
+                  <a:srgbClr val="D4D4D4"/>
+                </a:highlight>
+                <a:latin typeface="Consolas" panose="020B0609020204030204" pitchFamily="49" charset="0"/>
+              </a:rPr>
+              <a:t>findByCtryCd(</a:t>
+            </a:r>
+            <a:r>
+              <a:rPr lang="en-US" sz="1400">
+                <a:solidFill>
+                  <a:srgbClr val="646464"/>
+                </a:solidFill>
+                <a:highlight>
+                  <a:srgbClr val="D4D4D4"/>
+                </a:highlight>
+                <a:latin typeface="Consolas" panose="020B0609020204030204" pitchFamily="49" charset="0"/>
+              </a:rPr>
+              <a:t>@Param</a:t>
+            </a:r>
+            <a:r>
+              <a:rPr lang="en-US" sz="1400">
+                <a:solidFill>
+                  <a:srgbClr val="000000"/>
+                </a:solidFill>
+                <a:highlight>
+                  <a:srgbClr val="D4D4D4"/>
+                </a:highlight>
+                <a:latin typeface="Consolas" panose="020B0609020204030204" pitchFamily="49" charset="0"/>
+              </a:rPr>
+              <a:t>(</a:t>
+            </a:r>
+            <a:r>
+              <a:rPr lang="en-US" sz="1400">
+                <a:solidFill>
+                  <a:srgbClr val="2A00FF"/>
+                </a:solidFill>
+                <a:highlight>
+                  <a:srgbClr val="D4D4D4"/>
+                </a:highlight>
+                <a:latin typeface="Consolas" panose="020B0609020204030204" pitchFamily="49" charset="0"/>
+              </a:rPr>
+              <a:t>"ctry_cd"</a:t>
+            </a:r>
+            <a:r>
+              <a:rPr lang="en-US" sz="1400">
+                <a:solidFill>
+                  <a:srgbClr val="000000"/>
+                </a:solidFill>
+                <a:highlight>
+                  <a:srgbClr val="D4D4D4"/>
+                </a:highlight>
+                <a:latin typeface="Consolas" panose="020B0609020204030204" pitchFamily="49" charset="0"/>
+              </a:rPr>
+              <a:t>) String </a:t>
+            </a:r>
+            <a:r>
+              <a:rPr lang="en-US" sz="1400">
+                <a:solidFill>
+                  <a:srgbClr val="6A3E3E"/>
+                </a:solidFill>
+                <a:highlight>
+                  <a:srgbClr val="D4D4D4"/>
+                </a:highlight>
+                <a:latin typeface="Consolas" panose="020B0609020204030204" pitchFamily="49" charset="0"/>
+              </a:rPr>
+              <a:t>ctry_cd</a:t>
+            </a:r>
+            <a:r>
+              <a:rPr lang="en-US" sz="1400">
+                <a:solidFill>
+                  <a:srgbClr val="000000"/>
+                </a:solidFill>
+                <a:highlight>
+                  <a:srgbClr val="D4D4D4"/>
+                </a:highlight>
+                <a:latin typeface="Consolas" panose="020B0609020204030204" pitchFamily="49" charset="0"/>
+              </a:rPr>
+              <a:t>);</a:t>
+            </a:r>
+          </a:p>
+          <a:p>
+            <a:pPr algn="l"/>
+            <a:endParaRPr lang="en-US" sz="1400">
+              <a:latin typeface="Consolas" panose="020B0609020204030204" pitchFamily="49" charset="0"/>
+            </a:endParaRPr>
+          </a:p>
+          <a:p>
+            <a:pPr algn="l"/>
+            <a:r>
+              <a:rPr lang="en-US" sz="1400">
+                <a:solidFill>
+                  <a:srgbClr val="3F5FBF"/>
+                </a:solidFill>
+                <a:latin typeface="Consolas" panose="020B0609020204030204" pitchFamily="49" charset="0"/>
+              </a:rPr>
+              <a:t>/**</a:t>
+            </a:r>
+          </a:p>
+          <a:p>
+            <a:pPr algn="l"/>
+            <a:r>
+              <a:rPr lang="en-US" sz="1400">
+                <a:solidFill>
+                  <a:srgbClr val="3F5FBF"/>
+                </a:solidFill>
+                <a:latin typeface="Consolas" panose="020B0609020204030204" pitchFamily="49" charset="0"/>
+              </a:rPr>
+              <a:t> * Find All</a:t>
+            </a:r>
+          </a:p>
+          <a:p>
+            <a:pPr algn="l"/>
+            <a:r>
+              <a:rPr lang="en-US" sz="1400">
+                <a:solidFill>
+                  <a:srgbClr val="3F5FBF"/>
+                </a:solidFill>
+                <a:latin typeface="Consolas" panose="020B0609020204030204" pitchFamily="49" charset="0"/>
+              </a:rPr>
+              <a:t> * </a:t>
+            </a:r>
+          </a:p>
+          <a:p>
+            <a:pPr algn="l"/>
+            <a:r>
+              <a:rPr lang="en-US" sz="1400">
+                <a:solidFill>
+                  <a:srgbClr val="3F5FBF"/>
+                </a:solidFill>
+                <a:latin typeface="Consolas" panose="020B0609020204030204" pitchFamily="49" charset="0"/>
+              </a:rPr>
+              <a:t> * </a:t>
+            </a:r>
+            <a:r>
+              <a:rPr lang="en-US" sz="1400" b="1">
+                <a:solidFill>
+                  <a:srgbClr val="7F9FBF"/>
+                </a:solidFill>
+                <a:latin typeface="Consolas" panose="020B0609020204030204" pitchFamily="49" charset="0"/>
+              </a:rPr>
+              <a:t>@return</a:t>
+            </a:r>
+          </a:p>
+          <a:p>
+            <a:pPr algn="l"/>
+            <a:r>
+              <a:rPr lang="en-US" sz="1400">
+                <a:solidFill>
+                  <a:srgbClr val="3F5FBF"/>
+                </a:solidFill>
+                <a:latin typeface="Consolas" panose="020B0609020204030204" pitchFamily="49" charset="0"/>
+              </a:rPr>
+              <a:t> */</a:t>
+            </a:r>
+          </a:p>
+          <a:p>
+            <a:pPr algn="l"/>
+            <a:r>
+              <a:rPr lang="en-US" sz="1400">
+                <a:solidFill>
+                  <a:srgbClr val="646464"/>
+                </a:solidFill>
+                <a:latin typeface="Consolas" panose="020B0609020204030204" pitchFamily="49" charset="0"/>
+              </a:rPr>
+              <a:t>@Query</a:t>
+            </a:r>
+            <a:r>
+              <a:rPr lang="en-US" sz="1400">
+                <a:solidFill>
+                  <a:srgbClr val="000000"/>
+                </a:solidFill>
+                <a:latin typeface="Consolas" panose="020B0609020204030204" pitchFamily="49" charset="0"/>
+              </a:rPr>
+              <a:t>(</a:t>
+            </a:r>
+            <a:r>
+              <a:rPr lang="en-US" sz="1400">
+                <a:solidFill>
+                  <a:srgbClr val="2A00FF"/>
+                </a:solidFill>
+                <a:latin typeface="Consolas" panose="020B0609020204030204" pitchFamily="49" charset="0"/>
+              </a:rPr>
+              <a:t>" SELECT o FROM Country o ORDER By o.ctry_cd "</a:t>
+            </a:r>
+            <a:r>
+              <a:rPr lang="en-US" sz="1400">
+                <a:solidFill>
+                  <a:srgbClr val="000000"/>
+                </a:solidFill>
+                <a:latin typeface="Consolas" panose="020B0609020204030204" pitchFamily="49" charset="0"/>
+              </a:rPr>
+              <a:t>)</a:t>
+            </a:r>
+          </a:p>
+          <a:p>
+            <a:pPr algn="l"/>
+            <a:r>
+              <a:rPr lang="en-US" sz="1400">
+                <a:solidFill>
+                  <a:srgbClr val="000000"/>
+                </a:solidFill>
+                <a:latin typeface="Consolas" panose="020B0609020204030204" pitchFamily="49" charset="0"/>
+              </a:rPr>
+              <a:t>List&lt;Country&gt; findAll();</a:t>
+            </a:r>
+          </a:p>
+          <a:p>
+            <a:pPr algn="l"/>
+            <a:endParaRPr lang="en-US" sz="1400">
+              <a:solidFill>
+                <a:srgbClr val="000000"/>
+              </a:solidFill>
+              <a:latin typeface="Consolas" panose="020B0609020204030204" pitchFamily="49" charset="0"/>
+            </a:endParaRPr>
+          </a:p>
+          <a:p>
+            <a:pPr algn="l"/>
+            <a:r>
+              <a:rPr lang="en-US" sz="1400">
+                <a:solidFill>
+                  <a:srgbClr val="3F5FBF"/>
+                </a:solidFill>
+                <a:latin typeface="Consolas" panose="020B0609020204030204" pitchFamily="49" charset="0"/>
+              </a:rPr>
+              <a:t>/**</a:t>
+            </a:r>
+          </a:p>
+          <a:p>
+            <a:pPr algn="l"/>
+            <a:r>
+              <a:rPr lang="en-US" sz="1400">
+                <a:solidFill>
+                  <a:srgbClr val="3F5FBF"/>
+                </a:solidFill>
+                <a:latin typeface="Consolas" panose="020B0609020204030204" pitchFamily="49" charset="0"/>
+              </a:rPr>
+              <a:t> * Find Customer by Email</a:t>
+            </a:r>
+          </a:p>
+          <a:p>
+            <a:pPr algn="l"/>
+            <a:r>
+              <a:rPr lang="en-US" sz="1400">
+                <a:solidFill>
+                  <a:srgbClr val="3F5FBF"/>
+                </a:solidFill>
+                <a:latin typeface="Consolas" panose="020B0609020204030204" pitchFamily="49" charset="0"/>
+              </a:rPr>
+              <a:t> * </a:t>
+            </a:r>
+          </a:p>
+          <a:p>
+            <a:pPr algn="l"/>
+            <a:r>
+              <a:rPr lang="en-US" sz="1400">
+                <a:solidFill>
+                  <a:srgbClr val="3F5FBF"/>
+                </a:solidFill>
+                <a:latin typeface="Consolas" panose="020B0609020204030204" pitchFamily="49" charset="0"/>
+              </a:rPr>
+              <a:t> * </a:t>
+            </a:r>
+            <a:r>
+              <a:rPr lang="en-US" sz="1400" b="1">
+                <a:solidFill>
+                  <a:srgbClr val="7F9FBF"/>
+                </a:solidFill>
+                <a:latin typeface="Consolas" panose="020B0609020204030204" pitchFamily="49" charset="0"/>
+              </a:rPr>
+              <a:t>@param</a:t>
+            </a:r>
+            <a:r>
+              <a:rPr lang="en-US" sz="1400" b="1">
+                <a:solidFill>
+                  <a:srgbClr val="3F5FBF"/>
+                </a:solidFill>
+                <a:latin typeface="Consolas" panose="020B0609020204030204" pitchFamily="49" charset="0"/>
+              </a:rPr>
+              <a:t> email_ad</a:t>
+            </a:r>
+          </a:p>
+          <a:p>
+            <a:pPr algn="l"/>
+            <a:r>
+              <a:rPr lang="en-US" sz="1400">
+                <a:solidFill>
+                  <a:srgbClr val="3F5FBF"/>
+                </a:solidFill>
+                <a:latin typeface="Consolas" panose="020B0609020204030204" pitchFamily="49" charset="0"/>
+              </a:rPr>
+              <a:t> * </a:t>
+            </a:r>
+            <a:r>
+              <a:rPr lang="en-US" sz="1400" b="1">
+                <a:solidFill>
+                  <a:srgbClr val="7F9FBF"/>
+                </a:solidFill>
+                <a:latin typeface="Consolas" panose="020B0609020204030204" pitchFamily="49" charset="0"/>
+              </a:rPr>
+              <a:t>@return</a:t>
+            </a:r>
+          </a:p>
+          <a:p>
+            <a:pPr algn="l"/>
+            <a:r>
+              <a:rPr lang="en-US" sz="1400">
+                <a:solidFill>
+                  <a:srgbClr val="3F5FBF"/>
+                </a:solidFill>
+                <a:latin typeface="Consolas" panose="020B0609020204030204" pitchFamily="49" charset="0"/>
+              </a:rPr>
+              <a:t> */</a:t>
+            </a:r>
+          </a:p>
+          <a:p>
+            <a:pPr algn="l"/>
+            <a:r>
+              <a:rPr lang="en-US" sz="1400">
+                <a:solidFill>
+                  <a:srgbClr val="646464"/>
+                </a:solidFill>
+                <a:latin typeface="Consolas" panose="020B0609020204030204" pitchFamily="49" charset="0"/>
+              </a:rPr>
+              <a:t>@Query</a:t>
+            </a:r>
+            <a:r>
+              <a:rPr lang="en-US" sz="1400">
+                <a:solidFill>
+                  <a:srgbClr val="000000"/>
+                </a:solidFill>
+                <a:latin typeface="Consolas" panose="020B0609020204030204" pitchFamily="49" charset="0"/>
+              </a:rPr>
+              <a:t>(</a:t>
+            </a:r>
+            <a:r>
+              <a:rPr lang="en-US" sz="1400">
+                <a:solidFill>
+                  <a:srgbClr val="2A00FF"/>
+                </a:solidFill>
+                <a:latin typeface="Consolas" panose="020B0609020204030204" pitchFamily="49" charset="0"/>
+              </a:rPr>
+              <a:t>" SELECT o FROM Customer o WHERE o.email_ad = ?1 "</a:t>
+            </a:r>
+            <a:r>
+              <a:rPr lang="en-US" sz="1400">
+                <a:solidFill>
+                  <a:srgbClr val="000000"/>
+                </a:solidFill>
+                <a:latin typeface="Consolas" panose="020B0609020204030204" pitchFamily="49" charset="0"/>
+              </a:rPr>
+              <a:t>)</a:t>
+            </a:r>
+          </a:p>
+          <a:p>
+            <a:pPr algn="l"/>
+            <a:r>
+              <a:rPr lang="en-US" sz="1400">
+                <a:solidFill>
+                  <a:srgbClr val="000000"/>
+                </a:solidFill>
+                <a:latin typeface="Consolas" panose="020B0609020204030204" pitchFamily="49" charset="0"/>
+              </a:rPr>
+              <a:t>Customer findByEmail(</a:t>
+            </a:r>
+            <a:r>
+              <a:rPr lang="en-US" sz="1400">
+                <a:solidFill>
+                  <a:srgbClr val="646464"/>
+                </a:solidFill>
+                <a:latin typeface="Consolas" panose="020B0609020204030204" pitchFamily="49" charset="0"/>
+              </a:rPr>
+              <a:t>@Param</a:t>
+            </a:r>
+            <a:r>
+              <a:rPr lang="en-US" sz="1400">
+                <a:solidFill>
+                  <a:srgbClr val="000000"/>
+                </a:solidFill>
+                <a:latin typeface="Consolas" panose="020B0609020204030204" pitchFamily="49" charset="0"/>
+              </a:rPr>
+              <a:t>(</a:t>
+            </a:r>
+            <a:r>
+              <a:rPr lang="en-US" sz="1400">
+                <a:solidFill>
+                  <a:srgbClr val="2A00FF"/>
+                </a:solidFill>
+                <a:latin typeface="Consolas" panose="020B0609020204030204" pitchFamily="49" charset="0"/>
+              </a:rPr>
+              <a:t>"email_ad"</a:t>
+            </a:r>
+            <a:r>
+              <a:rPr lang="en-US" sz="1400">
+                <a:solidFill>
+                  <a:srgbClr val="000000"/>
+                </a:solidFill>
+                <a:latin typeface="Consolas" panose="020B0609020204030204" pitchFamily="49" charset="0"/>
+              </a:rPr>
+              <a:t>) String </a:t>
+            </a:r>
+            <a:r>
+              <a:rPr lang="en-US" sz="1400">
+                <a:solidFill>
+                  <a:srgbClr val="6A3E3E"/>
+                </a:solidFill>
+                <a:latin typeface="Consolas" panose="020B0609020204030204" pitchFamily="49" charset="0"/>
+              </a:rPr>
+              <a:t>email_ad</a:t>
+            </a:r>
+            <a:r>
+              <a:rPr lang="en-US" sz="1400">
+                <a:solidFill>
+                  <a:srgbClr val="000000"/>
+                </a:solidFill>
+                <a:latin typeface="Consolas" panose="020B0609020204030204" pitchFamily="49" charset="0"/>
+              </a:rPr>
+              <a:t>);</a:t>
+            </a:r>
+            <a:endParaRPr lang="en-US" sz="1400" dirty="0"/>
+          </a:p>
+        </p:txBody>
+      </p:sp>
     </p:spTree>
     <p:extLst>
       <p:ext uri="{BB962C8B-B14F-4D97-AF65-F5344CB8AC3E}">
-        <p14:creationId xmlns:p14="http://schemas.microsoft.com/office/powerpoint/2010/main" val="3558462089"/>
+        <p14:creationId xmlns:p14="http://schemas.microsoft.com/office/powerpoint/2010/main" val="4007862591"/>
       </p:ext>
     </p:extLst>
   </p:cSld>
@@ -36692,6 +37004,280 @@
                   <a:schemeClr val="bg1"/>
                 </a:solidFill>
               </a:rPr>
+              <a:t>Traditional </a:t>
+            </a:r>
+            <a:r>
+              <a:rPr lang="en-US" sz="2400" dirty="0">
+                <a:solidFill>
+                  <a:schemeClr val="bg1"/>
+                </a:solidFill>
+              </a:rPr>
+              <a:t>JDBC Transaction</a:t>
+            </a:r>
+          </a:p>
+        </p:txBody>
+      </p:sp>
+      <p:pic>
+        <p:nvPicPr>
+          <p:cNvPr id="5" name="Picture 4">
+            <a:extLst>
+              <a:ext uri="{FF2B5EF4-FFF2-40B4-BE49-F238E27FC236}">
+                <a16:creationId xmlns:a16="http://schemas.microsoft.com/office/drawing/2014/main" id="{6829DD25-FD6A-4E7D-82F6-D2B41C017391}"/>
+              </a:ext>
+            </a:extLst>
+          </p:cNvPr>
+          <p:cNvPicPr>
+            <a:picLocks noChangeAspect="1"/>
+          </p:cNvPicPr>
+          <p:nvPr/>
+        </p:nvPicPr>
+        <p:blipFill>
+          <a:blip r:embed="rId2"/>
+          <a:stretch>
+            <a:fillRect/>
+          </a:stretch>
+        </p:blipFill>
+        <p:spPr>
+          <a:xfrm>
+            <a:off x="4079987" y="1341783"/>
+            <a:ext cx="8122416" cy="4615959"/>
+          </a:xfrm>
+          <a:prstGeom prst="rect">
+            <a:avLst/>
+          </a:prstGeom>
+        </p:spPr>
+      </p:pic>
+    </p:spTree>
+    <p:extLst>
+      <p:ext uri="{BB962C8B-B14F-4D97-AF65-F5344CB8AC3E}">
+        <p14:creationId xmlns:p14="http://schemas.microsoft.com/office/powerpoint/2010/main" val="3558462089"/>
+      </p:ext>
+    </p:extLst>
+  </p:cSld>
+  <p:clrMapOvr>
+    <a:masterClrMapping/>
+  </p:clrMapOvr>
+  <mc:AlternateContent xmlns:mc="http://schemas.openxmlformats.org/markup-compatibility/2006" xmlns:p14="http://schemas.microsoft.com/office/powerpoint/2010/main">
+    <mc:Choice Requires="p14">
+      <p:transition spd="med" p14:dur="700">
+        <p:fade/>
+      </p:transition>
+    </mc:Choice>
+    <mc:Fallback xmlns="">
+      <p:transition spd="med">
+        <p:fade/>
+      </p:transition>
+    </mc:Fallback>
+  </mc:AlternateContent>
+</p:sld>
+</file>
+
+<file path=ppt/slides/slide25.xml><?xml version="1.0" encoding="utf-8"?>
+<p:sld xmlns:a="http://schemas.openxmlformats.org/drawingml/2006/main" xmlns:r="http://schemas.openxmlformats.org/officeDocument/2006/relationships" xmlns:p="http://schemas.openxmlformats.org/presentationml/2006/main">
+  <p:cSld>
+    <p:bg>
+      <p:bgPr>
+        <a:solidFill>
+          <a:schemeClr val="bg1"/>
+        </a:solidFill>
+        <a:effectLst/>
+      </p:bgPr>
+    </p:bg>
+    <p:spTree>
+      <p:nvGrpSpPr>
+        <p:cNvPr id="1" name=""/>
+        <p:cNvGrpSpPr/>
+        <p:nvPr/>
+      </p:nvGrpSpPr>
+      <p:grpSpPr>
+        <a:xfrm>
+          <a:off x="0" y="0"/>
+          <a:ext cx="0" cy="0"/>
+          <a:chOff x="0" y="0"/>
+          <a:chExt cx="0" cy="0"/>
+        </a:xfrm>
+      </p:grpSpPr>
+      <p:sp useBgFill="1">
+        <p:nvSpPr>
+          <p:cNvPr id="10" name="Rectangle 9">
+            <a:extLst>
+              <a:ext uri="{FF2B5EF4-FFF2-40B4-BE49-F238E27FC236}">
+                <a16:creationId xmlns:a16="http://schemas.microsoft.com/office/drawing/2014/main" id="{EE1530B0-6F96-46C0-8B3E-3215CB756BE4}"/>
+              </a:ext>
+              <a:ext uri="{C183D7F6-B498-43B3-948B-1728B52AA6E4}">
+                <adec:decorative xmlns:adec="http://schemas.microsoft.com/office/drawing/2017/decorative" val="1"/>
+              </a:ext>
+            </a:extLst>
+          </p:cNvPr>
+          <p:cNvSpPr>
+            <a:spLocks noGrp="1" noRot="1" noChangeAspect="1" noMove="1" noResize="1" noEditPoints="1" noAdjustHandles="1" noChangeArrowheads="1" noChangeShapeType="1" noTextEdit="1"/>
+          </p:cNvSpPr>
+          <p:nvPr>
+            <p:extLst>
+              <p:ext uri="{386F3935-93C4-4BCD-93E2-E3B085C9AB24}">
+                <p16:designElem xmlns:p16="http://schemas.microsoft.com/office/powerpoint/2015/main" val="1"/>
+              </p:ext>
+            </p:extLst>
+          </p:nvPr>
+        </p:nvSpPr>
+        <p:spPr>
+          <a:xfrm>
+            <a:off x="5685" y="0"/>
+            <a:ext cx="12186315" cy="6858000"/>
+          </a:xfrm>
+          <a:prstGeom prst="rect">
+            <a:avLst/>
+          </a:prstGeom>
+          <a:ln>
+            <a:noFill/>
+          </a:ln>
+        </p:spPr>
+        <p:style>
+          <a:lnRef idx="2">
+            <a:schemeClr val="accent6">
+              <a:shade val="50000"/>
+            </a:schemeClr>
+          </a:lnRef>
+          <a:fillRef idx="1001">
+            <a:schemeClr val="lt1"/>
+          </a:fillRef>
+          <a:effectRef idx="0">
+            <a:schemeClr val="accent6"/>
+          </a:effectRef>
+          <a:fontRef idx="minor">
+            <a:schemeClr val="lt1"/>
+          </a:fontRef>
+        </p:style>
+        <p:txBody>
+          <a:bodyPr rtlCol="0" anchor="ctr"/>
+          <a:lstStyle/>
+          <a:p>
+            <a:pPr marL="0" marR="0" lvl="0" indent="0" algn="ctr" defTabSz="914400" rtl="0" eaLnBrk="1" fontAlgn="auto" latinLnBrk="0" hangingPunct="1">
+              <a:lnSpc>
+                <a:spcPct val="100000"/>
+              </a:lnSpc>
+              <a:spcBef>
+                <a:spcPts val="0"/>
+              </a:spcBef>
+              <a:spcAft>
+                <a:spcPts val="0"/>
+              </a:spcAft>
+              <a:buClrTx/>
+              <a:buSzTx/>
+              <a:buFontTx/>
+              <a:buNone/>
+              <a:tabLst/>
+              <a:defRPr/>
+            </a:pPr>
+            <a:endParaRPr kumimoji="0" lang="en-US" sz="1800" b="0" i="0" u="none" strike="noStrike" kern="1200" cap="none" spc="0" normalizeH="0" baseline="0" noProof="0" dirty="0">
+              <a:ln>
+                <a:noFill/>
+              </a:ln>
+              <a:solidFill>
+                <a:prstClr val="white"/>
+              </a:solidFill>
+              <a:effectLst/>
+              <a:uLnTx/>
+              <a:uFillTx/>
+              <a:latin typeface="Franklin Gothic Book" panose="020F0502020204030204"/>
+              <a:ea typeface="+mn-ea"/>
+              <a:cs typeface="+mn-cs"/>
+            </a:endParaRPr>
+          </a:p>
+        </p:txBody>
+      </p:sp>
+      <p:sp>
+        <p:nvSpPr>
+          <p:cNvPr id="12" name="Rectangle 11">
+            <a:extLst>
+              <a:ext uri="{FF2B5EF4-FFF2-40B4-BE49-F238E27FC236}">
+                <a16:creationId xmlns:a16="http://schemas.microsoft.com/office/drawing/2014/main" id="{754910CF-1B56-45D3-960A-E89F7B3B9131}"/>
+              </a:ext>
+              <a:ext uri="{C183D7F6-B498-43B3-948B-1728B52AA6E4}">
+                <adec:decorative xmlns:adec="http://schemas.microsoft.com/office/drawing/2017/decorative" val="1"/>
+              </a:ext>
+            </a:extLst>
+          </p:cNvPr>
+          <p:cNvSpPr>
+            <a:spLocks noGrp="1" noRot="1" noChangeAspect="1" noMove="1" noResize="1" noEditPoints="1" noAdjustHandles="1" noChangeArrowheads="1" noChangeShapeType="1" noTextEdit="1"/>
+          </p:cNvSpPr>
+          <p:nvPr>
+            <p:extLst>
+              <p:ext uri="{386F3935-93C4-4BCD-93E2-E3B085C9AB24}">
+                <p16:designElem xmlns:p16="http://schemas.microsoft.com/office/powerpoint/2015/main" val="1"/>
+              </p:ext>
+            </p:extLst>
+          </p:nvPr>
+        </p:nvSpPr>
+        <p:spPr>
+          <a:xfrm>
+            <a:off x="16" y="0"/>
+            <a:ext cx="4050791" cy="6858000"/>
+          </a:xfrm>
+          <a:prstGeom prst="rect">
+            <a:avLst/>
+          </a:prstGeom>
+          <a:solidFill>
+            <a:schemeClr val="tx1">
+              <a:lumMod val="85000"/>
+              <a:lumOff val="15000"/>
+            </a:schemeClr>
+          </a:solidFill>
+          <a:ln>
+            <a:noFill/>
+          </a:ln>
+        </p:spPr>
+        <p:style>
+          <a:lnRef idx="2">
+            <a:schemeClr val="accent1">
+              <a:shade val="50000"/>
+            </a:schemeClr>
+          </a:lnRef>
+          <a:fillRef idx="1">
+            <a:schemeClr val="accent1"/>
+          </a:fillRef>
+          <a:effectRef idx="0">
+            <a:schemeClr val="accent1"/>
+          </a:effectRef>
+          <a:fontRef idx="minor">
+            <a:schemeClr val="lt1"/>
+          </a:fontRef>
+        </p:style>
+      </p:sp>
+      <p:sp>
+        <p:nvSpPr>
+          <p:cNvPr id="2" name="Title 1">
+            <a:extLst>
+              <a:ext uri="{FF2B5EF4-FFF2-40B4-BE49-F238E27FC236}">
+                <a16:creationId xmlns:a16="http://schemas.microsoft.com/office/drawing/2014/main" id="{0AE422CB-EBC9-4703-870C-8981A495893A}"/>
+              </a:ext>
+            </a:extLst>
+          </p:cNvPr>
+          <p:cNvSpPr>
+            <a:spLocks noGrp="1"/>
+          </p:cNvSpPr>
+          <p:nvPr>
+            <p:ph type="title"/>
+          </p:nvPr>
+        </p:nvSpPr>
+        <p:spPr>
+          <a:xfrm>
+            <a:off x="492370" y="516835"/>
+            <a:ext cx="3084844" cy="5772840"/>
+          </a:xfrm>
+        </p:spPr>
+        <p:txBody>
+          <a:bodyPr anchor="ctr">
+            <a:normAutofit/>
+          </a:bodyPr>
+          <a:lstStyle/>
+          <a:p>
+            <a:r>
+              <a:rPr lang="en-US" sz="3600" dirty="0">
+                <a:solidFill>
+                  <a:schemeClr val="bg1"/>
+                </a:solidFill>
+              </a:rPr>
               <a:t>Spring JPA Transaction </a:t>
             </a:r>
             <a:r>
@@ -37314,7 +37900,7 @@
 </p:sld>
 </file>
 
-<file path=ppt/slides/slide25.xml><?xml version="1.0" encoding="utf-8"?>
+<file path=ppt/slides/slide26.xml><?xml version="1.0" encoding="utf-8"?>
 <p:sld xmlns:a="http://schemas.openxmlformats.org/drawingml/2006/main" xmlns:r="http://schemas.openxmlformats.org/officeDocument/2006/relationships" xmlns:p="http://schemas.openxmlformats.org/presentationml/2006/main">
   <p:cSld>
     <p:spTree>
@@ -37565,7 +38151,7 @@
 </p:sld>
 </file>
 
-<file path=ppt/slides/slide26.xml><?xml version="1.0" encoding="utf-8"?>
+<file path=ppt/slides/slide27.xml><?xml version="1.0" encoding="utf-8"?>
 <p:sld xmlns:a="http://schemas.openxmlformats.org/drawingml/2006/main" xmlns:r="http://schemas.openxmlformats.org/officeDocument/2006/relationships" xmlns:p="http://schemas.openxmlformats.org/presentationml/2006/main">
   <p:cSld>
     <p:spTree>
@@ -37912,7 +38498,7 @@
 </p:sld>
 </file>
 
-<file path=ppt/slides/slide27.xml><?xml version="1.0" encoding="utf-8"?>
+<file path=ppt/slides/slide28.xml><?xml version="1.0" encoding="utf-8"?>
 <p:sld xmlns:a="http://schemas.openxmlformats.org/drawingml/2006/main" xmlns:r="http://schemas.openxmlformats.org/officeDocument/2006/relationships" xmlns:p="http://schemas.openxmlformats.org/presentationml/2006/main">
   <p:cSld>
     <p:spTree>
@@ -38172,13 +38758,13 @@
   <p:clrMapOvr>
     <a:masterClrMapping/>
   </p:clrMapOvr>
-  <mc:AlternateContent xmlns:mc="http://schemas.openxmlformats.org/markup-compatibility/2006">
-    <mc:Choice xmlns:p14="http://schemas.microsoft.com/office/powerpoint/2010/main" Requires="p14">
+  <mc:AlternateContent xmlns:mc="http://schemas.openxmlformats.org/markup-compatibility/2006" xmlns:p14="http://schemas.microsoft.com/office/powerpoint/2010/main">
+    <mc:Choice Requires="p14">
       <p:transition spd="med" p14:dur="700">
         <p:fade/>
       </p:transition>
     </mc:Choice>
-    <mc:Fallback>
+    <mc:Fallback xmlns="">
       <p:transition spd="med">
         <p:fade/>
       </p:transition>
@@ -38187,7 +38773,7 @@
 </p:sld>
 </file>
 
-<file path=ppt/slides/slide28.xml><?xml version="1.0" encoding="utf-8"?>
+<file path=ppt/slides/slide29.xml><?xml version="1.0" encoding="utf-8"?>
 <p:sld xmlns:a="http://schemas.openxmlformats.org/drawingml/2006/main" xmlns:r="http://schemas.openxmlformats.org/officeDocument/2006/relationships" xmlns:p="http://schemas.openxmlformats.org/presentationml/2006/main">
   <p:cSld>
     <p:bg>
@@ -43817,7 +44403,7 @@
         <p:spPr>
           <a:xfrm>
             <a:off x="4303724" y="332169"/>
-            <a:ext cx="7117013" cy="1569660"/>
+            <a:ext cx="7513980" cy="1569660"/>
           </a:xfrm>
           <a:prstGeom prst="rect">
             <a:avLst/>
@@ -43837,12 +44423,20 @@
           </a:p>
           <a:p>
             <a:r>
-              <a:rPr lang="en-US" sz="1600" dirty="0" err="1"/>
+              <a:rPr lang="en-US" sz="1600" dirty="0" err="1">
+                <a:latin typeface="Consolas" panose="020B0609020204030204" pitchFamily="49" charset="0"/>
+              </a:rPr>
               <a:t>DriverManager.getConnection</a:t>
             </a:r>
             <a:r>
+              <a:rPr lang="en-US" sz="1600" dirty="0">
+                <a:latin typeface="Consolas" panose="020B0609020204030204" pitchFamily="49" charset="0"/>
+              </a:rPr>
+              <a:t>() </a:t>
+            </a:r>
+            <a:r>
               <a:rPr lang="en-US" sz="1600" dirty="0"/>
-              <a:t>() methods is used to create a JDBC connection.</a:t>
+              <a:t>methods is used to create a JDBC connection.</a:t>
             </a:r>
           </a:p>
           <a:p>
@@ -44070,7 +44664,7 @@
         <p:spPr>
           <a:xfrm>
             <a:off x="4303724" y="3012442"/>
-            <a:ext cx="7762585" cy="3108543"/>
+            <a:ext cx="7762585" cy="3323987"/>
           </a:xfrm>
           <a:prstGeom prst="rect">
             <a:avLst/>
@@ -44090,11 +44684,15 @@
           </a:p>
           <a:p>
             <a:r>
-              <a:rPr lang="en-US" sz="1400" dirty="0" err="1"/>
+              <a:rPr lang="en-US" sz="1400" dirty="0" err="1">
+                <a:latin typeface="Consolas" panose="020B0609020204030204" pitchFamily="49" charset="0"/>
+              </a:rPr>
               <a:t>jdbc:sqlserver</a:t>
             </a:r>
             <a:r>
-              <a:rPr lang="en-US" sz="1400" dirty="0"/>
+              <a:rPr lang="en-US" sz="1400" dirty="0">
+                <a:latin typeface="Consolas" panose="020B0609020204030204" pitchFamily="49" charset="0"/>
+              </a:rPr>
               <a:t>://</a:t>
             </a:r>
             <a:r>
@@ -44102,11 +44700,14 @@
                 <a:highlight>
                   <a:srgbClr val="00FF00"/>
                 </a:highlight>
+                <a:latin typeface="Consolas" panose="020B0609020204030204" pitchFamily="49" charset="0"/>
               </a:rPr>
               <a:t>localhost</a:t>
             </a:r>
             <a:r>
-              <a:rPr lang="en-US" sz="1400" dirty="0"/>
+              <a:rPr lang="en-US" sz="1400" dirty="0">
+                <a:latin typeface="Consolas" panose="020B0609020204030204" pitchFamily="49" charset="0"/>
+              </a:rPr>
               <a:t>:</a:t>
             </a:r>
             <a:r>
@@ -44114,11 +44715,14 @@
                 <a:highlight>
                   <a:srgbClr val="00FFFF"/>
                 </a:highlight>
+                <a:latin typeface="Consolas" panose="020B0609020204030204" pitchFamily="49" charset="0"/>
               </a:rPr>
               <a:t>1433</a:t>
             </a:r>
             <a:r>
-              <a:rPr lang="en-US" sz="1400" dirty="0"/>
+              <a:rPr lang="en-US" sz="1400" dirty="0">
+                <a:latin typeface="Consolas" panose="020B0609020204030204" pitchFamily="49" charset="0"/>
+              </a:rPr>
               <a:t>;</a:t>
             </a:r>
             <a:r>
@@ -44126,15 +44730,20 @@
                 <a:highlight>
                   <a:srgbClr val="FFFF00"/>
                 </a:highlight>
+                <a:latin typeface="Consolas" panose="020B0609020204030204" pitchFamily="49" charset="0"/>
               </a:rPr>
               <a:t>databaseName</a:t>
             </a:r>
             <a:r>
-              <a:rPr lang="en-US" sz="1400" dirty="0"/>
+              <a:rPr lang="en-US" sz="1400" dirty="0">
+                <a:latin typeface="Consolas" panose="020B0609020204030204" pitchFamily="49" charset="0"/>
+              </a:rPr>
               <a:t>=</a:t>
             </a:r>
             <a:r>
-              <a:rPr lang="en-US" sz="1400" dirty="0" err="1"/>
+              <a:rPr lang="en-US" sz="1400" dirty="0" err="1">
+                <a:latin typeface="Consolas" panose="020B0609020204030204" pitchFamily="49" charset="0"/>
+              </a:rPr>
               <a:t>testdb;</a:t>
             </a:r>
             <a:r>
@@ -44142,11 +44751,14 @@
                 <a:highlight>
                   <a:srgbClr val="FFFF00"/>
                 </a:highlight>
+                <a:latin typeface="Consolas" panose="020B0609020204030204" pitchFamily="49" charset="0"/>
               </a:rPr>
               <a:t>integratedSecurity</a:t>
             </a:r>
             <a:r>
-              <a:rPr lang="en-US" sz="1400" dirty="0"/>
+              <a:rPr lang="en-US" sz="1400" dirty="0">
+                <a:latin typeface="Consolas" panose="020B0609020204030204" pitchFamily="49" charset="0"/>
+              </a:rPr>
               <a:t>=true;</a:t>
             </a:r>
           </a:p>
@@ -44155,35 +44767,54 @@
           </a:p>
           <a:p>
             <a:r>
-              <a:rPr lang="en-US" sz="1400" dirty="0" err="1"/>
+              <a:rPr lang="en-US" sz="1400" dirty="0" err="1">
+                <a:latin typeface="Consolas" panose="020B0609020204030204" pitchFamily="49" charset="0"/>
+              </a:rPr>
               <a:t>jdbc:sqlserver</a:t>
             </a:r>
             <a:r>
-              <a:rPr lang="en-US" sz="1400" dirty="0"/>
+              <a:rPr lang="en-US" sz="1400" dirty="0">
+                <a:latin typeface="Consolas" panose="020B0609020204030204" pitchFamily="49" charset="0"/>
+              </a:rPr>
               <a:t>://[</a:t>
             </a:r>
             <a:r>
-              <a:rPr lang="en-US" sz="1400" dirty="0" err="1"/>
+              <a:rPr lang="en-US" sz="1400" dirty="0" err="1">
+                <a:latin typeface="Consolas" panose="020B0609020204030204" pitchFamily="49" charset="0"/>
+              </a:rPr>
               <a:t>serverName</a:t>
             </a:r>
             <a:r>
-              <a:rPr lang="en-US" sz="1400" dirty="0"/>
+              <a:rPr lang="en-US" sz="1400" dirty="0">
+                <a:latin typeface="Consolas" panose="020B0609020204030204" pitchFamily="49" charset="0"/>
+              </a:rPr>
               <a:t>[</a:t>
             </a:r>
             <a:r>
-              <a:rPr lang="en-US" sz="1400" dirty="0" err="1"/>
+              <a:rPr lang="en-US" sz="1400" b="1" dirty="0" err="1">
+                <a:highlight>
+                  <a:srgbClr val="C0C0C0"/>
+                </a:highlight>
+                <a:latin typeface="Consolas" panose="020B0609020204030204" pitchFamily="49" charset="0"/>
+              </a:rPr>
               <a:t>instanceName</a:t>
             </a:r>
             <a:r>
-              <a:rPr lang="en-US" sz="1400" dirty="0"/>
+              <a:rPr lang="en-US" sz="1400" dirty="0">
+                <a:latin typeface="Consolas" panose="020B0609020204030204" pitchFamily="49" charset="0"/>
+              </a:rPr>
               <a:t>][:</a:t>
             </a:r>
             <a:r>
-              <a:rPr lang="en-US" sz="1400" dirty="0" err="1"/>
+              <a:rPr lang="en-US" sz="1400" dirty="0" err="1">
+                <a:latin typeface="Consolas" panose="020B0609020204030204" pitchFamily="49" charset="0"/>
+              </a:rPr>
               <a:t>portNumber</a:t>
             </a:r>
             <a:r>
-              <a:rPr lang="en-US" sz="1400" dirty="0"/>
+              <a:rPr lang="en-US" sz="1400" dirty="0">
+                <a:latin typeface="Consolas" panose="020B0609020204030204" pitchFamily="49" charset="0"/>
+              </a:rPr>
               <a:t>]][;property=value[;property=value]]</a:t>
             </a:r>
           </a:p>
@@ -44201,12 +44832,16 @@
             </a:r>
             <a:r>
               <a:rPr lang="en-US" sz="1400" dirty="0"/>
-              <a:t>: Host name or the IP address of the machine on which SQL server is running.</a:t>
-            </a:r>
-          </a:p>
-          <a:p>
-            <a:r>
-              <a:rPr lang="en-US" sz="1400" dirty="0" err="1"/>
+              <a:t>: Host name or the IP address of the machine on which database server is running.</a:t>
+            </a:r>
+          </a:p>
+          <a:p>
+            <a:r>
+              <a:rPr lang="en-US" sz="1400" b="1" dirty="0" err="1">
+                <a:highlight>
+                  <a:srgbClr val="C0C0C0"/>
+                </a:highlight>
+              </a:rPr>
               <a:t>instanceName</a:t>
             </a:r>
             <a:r>
@@ -44244,7 +44879,7 @@
           </a:p>
           <a:p>
             <a:r>
-              <a:rPr lang="en-US" sz="1400" dirty="0">
+              <a:rPr lang="en-US" sz="1400" b="1" dirty="0">
                 <a:highlight>
                   <a:srgbClr val="FFFF00"/>
                 </a:highlight>
@@ -44253,7 +44888,7 @@
             </a:r>
             <a:r>
               <a:rPr lang="en-US" sz="1400" dirty="0"/>
-              <a:t>=value: This parameter specifies one or more additional connection properties. To see the properties specific to the SQL server, you need to google vendor specifics</a:t>
+              <a:t>=value: This parameter specifies one or more additional connection properties. To see the properties specific to the database server, you need to google vendor specifics</a:t>
             </a:r>
           </a:p>
         </p:txBody>
@@ -45156,12 +45791,12 @@
 </file>
 
 <file path=customXml/item1.xml><?xml version="1.0" encoding="utf-8"?>
-<p:properties xmlns:p="http://schemas.microsoft.com/office/2006/metadata/properties" xmlns:xsi="http://www.w3.org/2001/XMLSchema-instance" xmlns:pc="http://schemas.microsoft.com/office/infopath/2007/PartnerControls">
-  <documentManagement>
-    <Status xmlns="71af3243-3dd4-4a8d-8c0d-dd76da1f02a5">Not started</Status>
-    <MediaServiceKeyPoints xmlns="71af3243-3dd4-4a8d-8c0d-dd76da1f02a5" xsi:nil="true"/>
-  </documentManagement>
-</p:properties>
+<?mso-contentType ?>
+<FormTemplates xmlns="http://schemas.microsoft.com/sharepoint/v3/contenttype/forms">
+  <Display>DocumentLibraryForm</Display>
+  <Edit>DocumentLibraryForm</Edit>
+  <New>DocumentLibraryForm</New>
+</FormTemplates>
 </file>
 
 <file path=customXml/item2.xml><?xml version="1.0" encoding="utf-8"?>
@@ -45386,20 +46021,18 @@
 </file>
 
 <file path=customXml/item3.xml><?xml version="1.0" encoding="utf-8"?>
-<?mso-contentType ?>
-<FormTemplates xmlns="http://schemas.microsoft.com/sharepoint/v3/contenttype/forms">
-  <Display>DocumentLibraryForm</Display>
-  <Edit>DocumentLibraryForm</Edit>
-  <New>DocumentLibraryForm</New>
-</FormTemplates>
+<p:properties xmlns:p="http://schemas.microsoft.com/office/2006/metadata/properties" xmlns:xsi="http://www.w3.org/2001/XMLSchema-instance" xmlns:pc="http://schemas.microsoft.com/office/infopath/2007/PartnerControls">
+  <documentManagement>
+    <Status xmlns="71af3243-3dd4-4a8d-8c0d-dd76da1f02a5">Not started</Status>
+    <MediaServiceKeyPoints xmlns="71af3243-3dd4-4a8d-8c0d-dd76da1f02a5" xsi:nil="true"/>
+  </documentManagement>
+</p:properties>
 </file>
 
 <file path=customXml/itemProps1.xml><?xml version="1.0" encoding="utf-8"?>
-<ds:datastoreItem xmlns:ds="http://schemas.openxmlformats.org/officeDocument/2006/customXml" ds:itemID="{84F503EC-3FFF-4193-A86F-39150E2BAC75}">
+<ds:datastoreItem xmlns:ds="http://schemas.openxmlformats.org/officeDocument/2006/customXml" ds:itemID="{2E5ECA37-C458-4BA2-A090-D7A19E07B434}">
   <ds:schemaRefs>
-    <ds:schemaRef ds:uri="http://schemas.microsoft.com/office/2006/metadata/properties"/>
-    <ds:schemaRef ds:uri="http://schemas.microsoft.com/office/infopath/2007/PartnerControls"/>
-    <ds:schemaRef ds:uri="71af3243-3dd4-4a8d-8c0d-dd76da1f02a5"/>
+    <ds:schemaRef ds:uri="http://schemas.microsoft.com/sharepoint/v3/contenttype/forms"/>
   </ds:schemaRefs>
 </ds:datastoreItem>
 </file>
@@ -45424,9 +46057,11 @@
 </file>
 
 <file path=customXml/itemProps3.xml><?xml version="1.0" encoding="utf-8"?>
-<ds:datastoreItem xmlns:ds="http://schemas.openxmlformats.org/officeDocument/2006/customXml" ds:itemID="{2E5ECA37-C458-4BA2-A090-D7A19E07B434}">
+<ds:datastoreItem xmlns:ds="http://schemas.openxmlformats.org/officeDocument/2006/customXml" ds:itemID="{84F503EC-3FFF-4193-A86F-39150E2BAC75}">
   <ds:schemaRefs>
-    <ds:schemaRef ds:uri="http://schemas.microsoft.com/sharepoint/v3/contenttype/forms"/>
+    <ds:schemaRef ds:uri="http://schemas.microsoft.com/office/2006/metadata/properties"/>
+    <ds:schemaRef ds:uri="http://schemas.microsoft.com/office/infopath/2007/PartnerControls"/>
+    <ds:schemaRef ds:uri="71af3243-3dd4-4a8d-8c0d-dd76da1f02a5"/>
   </ds:schemaRefs>
 </ds:datastoreItem>
 </file>
--- a/docs/JDBC Insights.pptx
+++ b/docs/JDBC Insights.pptx
@@ -20872,7 +20872,7 @@
           <a:p>
             <a:fld id="{D152E8F3-E7A0-4538-8BFE-6EC1F5EA98BE}" type="datetimeFigureOut">
               <a:rPr lang="en-US" smtClean="0"/>
-              <a:t>2020-11-05</a:t>
+              <a:t>2020-11-06</a:t>
             </a:fld>
             <a:endParaRPr lang="en-US"/>
           </a:p>
@@ -21815,7 +21815,7 @@
           <a:p>
             <a:fld id="{9184DA70-C731-4C70-880D-CCD4705E623C}" type="datetime1">
               <a:rPr lang="en-US" smtClean="0"/>
-              <a:t>2020-11-05</a:t>
+              <a:t>2020-11-06</a:t>
             </a:fld>
             <a:endParaRPr lang="en-US" dirty="0"/>
           </a:p>
@@ -22003,7 +22003,7 @@
           <a:p>
             <a:fld id="{4BE1D723-8F53-4F53-90B0-1982A396982E}" type="datetime1">
               <a:rPr lang="en-US" smtClean="0"/>
-              <a:t>2020-11-05</a:t>
+              <a:t>2020-11-06</a:t>
             </a:fld>
             <a:endParaRPr lang="en-US" dirty="0"/>
           </a:p>
@@ -22376,7 +22376,7 @@
           <a:p>
             <a:fld id="{97669AF7-7BEB-44E4-9852-375E34362B5B}" type="datetime1">
               <a:rPr lang="en-US" smtClean="0"/>
-              <a:t>2020-11-05</a:t>
+              <a:t>2020-11-06</a:t>
             </a:fld>
             <a:endParaRPr lang="en-US" dirty="0"/>
           </a:p>
@@ -22631,7 +22631,7 @@
           <a:p>
             <a:fld id="{BAAAC38D-0552-4C82-B593-E6124DFADBE2}" type="datetime1">
               <a:rPr lang="en-US" smtClean="0"/>
-              <a:t>2020-11-05</a:t>
+              <a:t>2020-11-06</a:t>
             </a:fld>
             <a:endParaRPr lang="en-US" dirty="0"/>
           </a:p>
@@ -23028,7 +23028,7 @@
           <a:p>
             <a:fld id="{D9DF0F1C-5577-4ACB-BB62-DF8F3C494C7E}" type="datetime1">
               <a:rPr lang="en-US" smtClean="0"/>
-              <a:t>2020-11-05</a:t>
+              <a:t>2020-11-06</a:t>
             </a:fld>
             <a:endParaRPr lang="en-US" dirty="0"/>
           </a:p>
@@ -23164,7 +23164,7 @@
           <a:p>
             <a:fld id="{1775B394-D9F9-4F0C-B15D-605F45CB9E9F}" type="datetime1">
               <a:rPr lang="en-US" smtClean="0"/>
-              <a:t>2020-11-05</a:t>
+              <a:t>2020-11-06</a:t>
             </a:fld>
             <a:endParaRPr lang="en-US" dirty="0"/>
           </a:p>
@@ -23321,7 +23321,7 @@
           <a:p>
             <a:fld id="{39667345-2558-425A-8533-9BFDBCE15005}" type="datetime1">
               <a:rPr lang="en-US" smtClean="0"/>
-              <a:t>2020-11-05</a:t>
+              <a:t>2020-11-06</a:t>
             </a:fld>
             <a:endParaRPr lang="en-US" dirty="0"/>
           </a:p>
@@ -23650,7 +23650,7 @@
           <a:p>
             <a:fld id="{92BEA474-078D-4E9B-9B14-09A87B19DC46}" type="datetime1">
               <a:rPr lang="en-US" smtClean="0"/>
-              <a:t>2020-11-05</a:t>
+              <a:t>2020-11-06</a:t>
             </a:fld>
             <a:endParaRPr lang="en-US" dirty="0"/>
           </a:p>
@@ -24000,7 +24000,7 @@
           <a:p>
             <a:fld id="{4907D986-8816-4272-A432-0437A28A9828}" type="datetime1">
               <a:rPr lang="en-US" smtClean="0"/>
-              <a:t>2020-11-05</a:t>
+              <a:t>2020-11-06</a:t>
             </a:fld>
             <a:endParaRPr lang="en-US" dirty="0"/>
           </a:p>
@@ -24261,7 +24261,7 @@
           <a:p>
             <a:fld id="{62D6E202-B606-4609-B914-27C9371A1F6D}" type="datetime1">
               <a:rPr lang="en-US" smtClean="0"/>
-              <a:t>2020-11-05</a:t>
+              <a:t>2020-11-06</a:t>
             </a:fld>
             <a:endParaRPr lang="en-US" dirty="0"/>
           </a:p>
@@ -26588,7 +26588,7 @@
                 </a:solidFill>
                 <a:latin typeface="Consolas" panose="020B0609020204030204" pitchFamily="49" charset="0"/>
               </a:rPr>
-              <a:t>dbService</a:t>
+              <a:t>DbService</a:t>
             </a:r>
             <a:r>
               <a:rPr lang="en-US" sz="1400" dirty="0" err="1">
@@ -28116,7 +28116,7 @@
                 </a:solidFill>
                 <a:latin typeface="Consolas" panose="020B0609020204030204" pitchFamily="49" charset="0"/>
               </a:rPr>
-              <a:t>dbService</a:t>
+              <a:t>DbService</a:t>
             </a:r>
             <a:r>
               <a:rPr lang="en-US" sz="1200" dirty="0" err="1">
@@ -29464,7 +29464,7 @@
                 </a:solidFill>
                 <a:latin typeface="Consolas" panose="020B0609020204030204" pitchFamily="49" charset="0"/>
               </a:rPr>
-              <a:t>dbService</a:t>
+              <a:t>DbService</a:t>
             </a:r>
             <a:r>
               <a:rPr lang="en-US" sz="1600" dirty="0" err="1">
@@ -30305,13 +30305,13 @@
               <a:t> = </a:t>
             </a:r>
             <a:r>
-              <a:rPr lang="en-US" dirty="0" err="1">
+              <a:rPr lang="en-US" sz="1800" dirty="0" err="1">
                 <a:solidFill>
                   <a:srgbClr val="6A3E3E"/>
                 </a:solidFill>
                 <a:latin typeface="Consolas" panose="020B0609020204030204" pitchFamily="49" charset="0"/>
               </a:rPr>
-              <a:t>dbService</a:t>
+              <a:t>DbService</a:t>
             </a:r>
             <a:r>
               <a:rPr lang="en-US" dirty="0" err="1">
@@ -32400,7 +32400,7 @@
         <p:spPr>
           <a:xfrm>
             <a:off x="4395249" y="2153727"/>
-            <a:ext cx="7652207" cy="4616648"/>
+            <a:ext cx="7652207" cy="4832092"/>
           </a:xfrm>
           <a:prstGeom prst="rect">
             <a:avLst/>
@@ -32445,19 +32445,61 @@
               <a:rPr lang="en-US" sz="1400" dirty="0">
                 <a:latin typeface="Consolas" panose="020B0609020204030204" pitchFamily="49" charset="0"/>
               </a:rPr>
+              <a:t>Boolean </a:t>
+            </a:r>
+            <a:r>
+              <a:rPr lang="en-US" sz="1400" dirty="0" err="1">
+                <a:latin typeface="Consolas" panose="020B0609020204030204" pitchFamily="49" charset="0"/>
+              </a:rPr>
+              <a:t>autoCommit</a:t>
+            </a:r>
+            <a:r>
+              <a:rPr lang="en-US" sz="1400" dirty="0">
+                <a:latin typeface="Consolas" panose="020B0609020204030204" pitchFamily="49" charset="0"/>
+              </a:rPr>
+              <a:t> = false; // Commit on Demand</a:t>
+            </a:r>
+          </a:p>
+          <a:p>
+            <a:pPr lvl="1"/>
+            <a:r>
+              <a:rPr lang="en-US" sz="1400" dirty="0">
+                <a:latin typeface="Consolas" panose="020B0609020204030204" pitchFamily="49" charset="0"/>
+              </a:rPr>
               <a:t>Connection conn = </a:t>
             </a:r>
             <a:r>
               <a:rPr lang="en-US" sz="1400" dirty="0" err="1">
-                <a:latin typeface="Consolas" panose="020B0609020204030204" pitchFamily="49" charset="0"/>
-              </a:rPr>
-              <a:t>dbService.getConnect</a:t>
+                <a:solidFill>
+                  <a:srgbClr val="6A3E3E"/>
+                </a:solidFill>
+                <a:latin typeface="Consolas" panose="020B0609020204030204" pitchFamily="49" charset="0"/>
+              </a:rPr>
+              <a:t>DbService</a:t>
+            </a:r>
+            <a:r>
+              <a:rPr lang="en-US" sz="1400" dirty="0" err="1">
+                <a:latin typeface="Consolas" panose="020B0609020204030204" pitchFamily="49" charset="0"/>
+              </a:rPr>
+              <a:t>.getConnect</a:t>
             </a:r>
             <a:r>
               <a:rPr lang="en-US" sz="1400" dirty="0">
                 <a:latin typeface="Consolas" panose="020B0609020204030204" pitchFamily="49" charset="0"/>
               </a:rPr>
-              <a:t>();</a:t>
+              <a:t>(</a:t>
+            </a:r>
+            <a:r>
+              <a:rPr lang="en-US" sz="1400" dirty="0" err="1">
+                <a:latin typeface="Consolas" panose="020B0609020204030204" pitchFamily="49" charset="0"/>
+              </a:rPr>
+              <a:t>autoCommit</a:t>
+            </a:r>
+            <a:r>
+              <a:rPr lang="en-US" sz="1400" dirty="0">
+                <a:latin typeface="Consolas" panose="020B0609020204030204" pitchFamily="49" charset="0"/>
+              </a:rPr>
+              <a:t>);</a:t>
             </a:r>
           </a:p>
           <a:p>
@@ -33575,8 +33617,8 @@
         </p:nvSpPr>
         <p:spPr>
           <a:xfrm>
-            <a:off x="4431505" y="2924263"/>
-            <a:ext cx="7379797" cy="1384995"/>
+            <a:off x="4319833" y="2305615"/>
+            <a:ext cx="7379797" cy="2246769"/>
           </a:xfrm>
           <a:prstGeom prst="rect">
             <a:avLst/>
@@ -33589,9 +33631,9 @@
           </a:bodyPr>
           <a:lstStyle/>
           <a:p>
-            <a:pPr>
-              <a:buFont typeface="+mj-lt"/>
-              <a:buAutoNum type="arabicPeriod"/>
+            <a:pPr marL="457200" indent="-457200">
+              <a:buFont typeface="Arial" panose="020B0604020202020204" pitchFamily="34" charset="0"/>
+              <a:buChar char="•"/>
             </a:pPr>
             <a:r>
               <a:rPr lang="en-US" sz="2800" i="0" dirty="0">
@@ -33605,20 +33647,6 @@
             </a:r>
           </a:p>
           <a:p>
-            <a:pPr>
-              <a:buFont typeface="+mj-lt"/>
-              <a:buAutoNum type="arabicPeriod"/>
-            </a:pPr>
-            <a:r>
-              <a:rPr lang="en-US" sz="2800" i="0" dirty="0" err="1">
-                <a:solidFill>
-                  <a:srgbClr val="333333"/>
-                </a:solidFill>
-                <a:effectLst/>
-                <a:latin typeface="raleway"/>
-              </a:rPr>
-              <a:t>HikariCP</a:t>
-            </a:r>
             <a:endParaRPr lang="en-US" sz="2800" i="0" dirty="0">
               <a:solidFill>
                 <a:srgbClr val="333333"/>
@@ -33628,9 +33656,58 @@
             </a:endParaRPr>
           </a:p>
           <a:p>
+            <a:pPr marL="514350" indent="-514350">
+              <a:buFont typeface="Arial" panose="020B0604020202020204" pitchFamily="34" charset="0"/>
+              <a:buChar char="•"/>
+            </a:pPr>
+            <a:r>
+              <a:rPr lang="en-US" sz="2800" i="0" dirty="0" err="1">
+                <a:solidFill>
+                  <a:srgbClr val="333333"/>
+                </a:solidFill>
+                <a:effectLst/>
+                <a:latin typeface="raleway"/>
+              </a:rPr>
+              <a:t>HikariCP</a:t>
+            </a:r>
+            <a:r>
+              <a:rPr lang="en-US" sz="2800" i="0" dirty="0">
+                <a:solidFill>
+                  <a:srgbClr val="333333"/>
+                </a:solidFill>
+                <a:effectLst/>
+                <a:latin typeface="raleway"/>
+              </a:rPr>
+              <a:t> – </a:t>
+            </a:r>
+            <a:r>
+              <a:rPr lang="en-US" sz="1600" i="0" dirty="0">
+                <a:solidFill>
+                  <a:srgbClr val="333333"/>
+                </a:solidFill>
+                <a:effectLst/>
+                <a:latin typeface="raleway"/>
+              </a:rPr>
+              <a:t>Most Preferred for Light Weight and Fast</a:t>
+            </a:r>
+          </a:p>
+          <a:p>
             <a:pPr>
               <a:buFont typeface="+mj-lt"/>
               <a:buAutoNum type="arabicPeriod"/>
+            </a:pPr>
+            <a:endParaRPr lang="en-US" sz="2800" i="0" dirty="0">
+              <a:solidFill>
+                <a:srgbClr val="333333"/>
+              </a:solidFill>
+              <a:effectLst/>
+              <a:latin typeface="raleway"/>
+            </a:endParaRPr>
+          </a:p>
+          <a:p>
+            <a:pPr marL="457200" indent="-457200">
+              <a:buFont typeface="Arial" panose="020B0604020202020204" pitchFamily="34" charset="0"/>
+              <a:buChar char="•"/>
             </a:pPr>
             <a:r>
               <a:rPr lang="en-US" sz="2800" i="0" dirty="0">
@@ -33655,13 +33732,13 @@
   <p:clrMapOvr>
     <a:masterClrMapping/>
   </p:clrMapOvr>
-  <mc:AlternateContent xmlns:mc="http://schemas.openxmlformats.org/markup-compatibility/2006">
-    <mc:Choice xmlns:p14="http://schemas.microsoft.com/office/powerpoint/2010/main" Requires="p14">
+  <mc:AlternateContent xmlns:mc="http://schemas.openxmlformats.org/markup-compatibility/2006" xmlns:p14="http://schemas.microsoft.com/office/powerpoint/2010/main">
+    <mc:Choice Requires="p14">
       <p:transition spd="med" p14:dur="700">
         <p:fade/>
       </p:transition>
     </mc:Choice>
-    <mc:Fallback>
+    <mc:Fallback xmlns="">
       <p:transition spd="med">
         <p:fade/>
       </p:transition>
@@ -38289,24 +38366,20 @@
               <a:buChar char="•"/>
             </a:pPr>
             <a:r>
-              <a:rPr lang="en-US" sz="2000" b="1"/>
+              <a:rPr lang="en-US" sz="2000" b="1" dirty="0"/>
               <a:t>Apache</a:t>
             </a:r>
             <a:r>
-              <a:rPr lang="en-US" sz="2000"/>
+              <a:rPr lang="en-US" sz="2000" dirty="0"/>
               <a:t> </a:t>
             </a:r>
             <a:r>
-              <a:rPr lang="en-US" sz="2000" b="1"/>
+              <a:rPr lang="en-US" sz="2000" b="1" dirty="0"/>
               <a:t>Maven</a:t>
             </a:r>
             <a:r>
-              <a:rPr lang="en-US" sz="2000"/>
-              <a:t> </a:t>
-            </a:r>
-            <a:r>
               <a:rPr lang="en-US" sz="2000" dirty="0"/>
-              <a:t>as Build Tool - </a:t>
+              <a:t> as Build Tool - </a:t>
             </a:r>
             <a:r>
               <a:rPr lang="en-US" sz="2000" dirty="0">
@@ -38372,7 +38445,17 @@
                 <a:effectLst/>
                 <a:latin typeface="Roboto" panose="02000000000000000000" pitchFamily="2" charset="0"/>
               </a:rPr>
-              <a:t>atabase tool for all major databases - </a:t>
+              <a:t>atabase </a:t>
+            </a:r>
+            <a:r>
+              <a:rPr lang="en-US" sz="2000" b="0" i="0">
+                <a:solidFill>
+                  <a:srgbClr val="444444"/>
+                </a:solidFill>
+                <a:effectLst/>
+                <a:latin typeface="Roboto" panose="02000000000000000000" pitchFamily="2" charset="0"/>
+              </a:rPr>
+              <a:t>tool - </a:t>
             </a:r>
             <a:r>
               <a:rPr lang="en-US" sz="2000" b="0" i="0" dirty="0">
@@ -45791,12 +45874,12 @@
 </file>
 
 <file path=customXml/item1.xml><?xml version="1.0" encoding="utf-8"?>
-<?mso-contentType ?>
-<FormTemplates xmlns="http://schemas.microsoft.com/sharepoint/v3/contenttype/forms">
-  <Display>DocumentLibraryForm</Display>
-  <Edit>DocumentLibraryForm</Edit>
-  <New>DocumentLibraryForm</New>
-</FormTemplates>
+<p:properties xmlns:p="http://schemas.microsoft.com/office/2006/metadata/properties" xmlns:xsi="http://www.w3.org/2001/XMLSchema-instance" xmlns:pc="http://schemas.microsoft.com/office/infopath/2007/PartnerControls">
+  <documentManagement>
+    <Status xmlns="71af3243-3dd4-4a8d-8c0d-dd76da1f02a5">Not started</Status>
+    <MediaServiceKeyPoints xmlns="71af3243-3dd4-4a8d-8c0d-dd76da1f02a5" xsi:nil="true"/>
+  </documentManagement>
+</p:properties>
 </file>
 
 <file path=customXml/item2.xml><?xml version="1.0" encoding="utf-8"?>
@@ -46021,18 +46104,20 @@
 </file>
 
 <file path=customXml/item3.xml><?xml version="1.0" encoding="utf-8"?>
-<p:properties xmlns:p="http://schemas.microsoft.com/office/2006/metadata/properties" xmlns:xsi="http://www.w3.org/2001/XMLSchema-instance" xmlns:pc="http://schemas.microsoft.com/office/infopath/2007/PartnerControls">
-  <documentManagement>
-    <Status xmlns="71af3243-3dd4-4a8d-8c0d-dd76da1f02a5">Not started</Status>
-    <MediaServiceKeyPoints xmlns="71af3243-3dd4-4a8d-8c0d-dd76da1f02a5" xsi:nil="true"/>
-  </documentManagement>
-</p:properties>
+<?mso-contentType ?>
+<FormTemplates xmlns="http://schemas.microsoft.com/sharepoint/v3/contenttype/forms">
+  <Display>DocumentLibraryForm</Display>
+  <Edit>DocumentLibraryForm</Edit>
+  <New>DocumentLibraryForm</New>
+</FormTemplates>
 </file>
 
 <file path=customXml/itemProps1.xml><?xml version="1.0" encoding="utf-8"?>
-<ds:datastoreItem xmlns:ds="http://schemas.openxmlformats.org/officeDocument/2006/customXml" ds:itemID="{2E5ECA37-C458-4BA2-A090-D7A19E07B434}">
+<ds:datastoreItem xmlns:ds="http://schemas.openxmlformats.org/officeDocument/2006/customXml" ds:itemID="{84F503EC-3FFF-4193-A86F-39150E2BAC75}">
   <ds:schemaRefs>
-    <ds:schemaRef ds:uri="http://schemas.microsoft.com/sharepoint/v3/contenttype/forms"/>
+    <ds:schemaRef ds:uri="http://schemas.microsoft.com/office/2006/metadata/properties"/>
+    <ds:schemaRef ds:uri="http://schemas.microsoft.com/office/infopath/2007/PartnerControls"/>
+    <ds:schemaRef ds:uri="71af3243-3dd4-4a8d-8c0d-dd76da1f02a5"/>
   </ds:schemaRefs>
 </ds:datastoreItem>
 </file>
@@ -46057,11 +46142,9 @@
 </file>
 
 <file path=customXml/itemProps3.xml><?xml version="1.0" encoding="utf-8"?>
-<ds:datastoreItem xmlns:ds="http://schemas.openxmlformats.org/officeDocument/2006/customXml" ds:itemID="{84F503EC-3FFF-4193-A86F-39150E2BAC75}">
+<ds:datastoreItem xmlns:ds="http://schemas.openxmlformats.org/officeDocument/2006/customXml" ds:itemID="{2E5ECA37-C458-4BA2-A090-D7A19E07B434}">
   <ds:schemaRefs>
-    <ds:schemaRef ds:uri="http://schemas.microsoft.com/office/2006/metadata/properties"/>
-    <ds:schemaRef ds:uri="http://schemas.microsoft.com/office/infopath/2007/PartnerControls"/>
-    <ds:schemaRef ds:uri="71af3243-3dd4-4a8d-8c0d-dd76da1f02a5"/>
+    <ds:schemaRef ds:uri="http://schemas.microsoft.com/sharepoint/v3/contenttype/forms"/>
   </ds:schemaRefs>
 </ds:datastoreItem>
 </file>
--- a/docs/JDBC Insights.pptx
+++ b/docs/JDBC Insights.pptx
@@ -5,7 +5,7 @@
     <p:sldMasterId id="2147483660" r:id="rId4"/>
   </p:sldMasterIdLst>
   <p:notesMasterIdLst>
-    <p:notesMasterId r:id="rId34"/>
+    <p:notesMasterId r:id="rId35"/>
   </p:notesMasterIdLst>
   <p:sldIdLst>
     <p:sldId id="265" r:id="rId5"/>
@@ -25,18 +25,19 @@
     <p:sldId id="296" r:id="rId19"/>
     <p:sldId id="309" r:id="rId20"/>
     <p:sldId id="301" r:id="rId21"/>
-    <p:sldId id="302" r:id="rId22"/>
-    <p:sldId id="315" r:id="rId23"/>
-    <p:sldId id="312" r:id="rId24"/>
-    <p:sldId id="297" r:id="rId25"/>
-    <p:sldId id="298" r:id="rId26"/>
-    <p:sldId id="299" r:id="rId27"/>
-    <p:sldId id="303" r:id="rId28"/>
-    <p:sldId id="304" r:id="rId29"/>
-    <p:sldId id="310" r:id="rId30"/>
-    <p:sldId id="313" r:id="rId31"/>
-    <p:sldId id="314" r:id="rId32"/>
-    <p:sldId id="300" r:id="rId33"/>
+    <p:sldId id="316" r:id="rId22"/>
+    <p:sldId id="302" r:id="rId23"/>
+    <p:sldId id="315" r:id="rId24"/>
+    <p:sldId id="312" r:id="rId25"/>
+    <p:sldId id="297" r:id="rId26"/>
+    <p:sldId id="298" r:id="rId27"/>
+    <p:sldId id="299" r:id="rId28"/>
+    <p:sldId id="303" r:id="rId29"/>
+    <p:sldId id="304" r:id="rId30"/>
+    <p:sldId id="310" r:id="rId31"/>
+    <p:sldId id="313" r:id="rId32"/>
+    <p:sldId id="314" r:id="rId33"/>
+    <p:sldId id="300" r:id="rId34"/>
   </p:sldIdLst>
   <p:sldSz cx="12192000" cy="6858000"/>
   <p:notesSz cx="6858000" cy="9144000"/>
@@ -20872,7 +20873,7 @@
           <a:p>
             <a:fld id="{D152E8F3-E7A0-4538-8BFE-6EC1F5EA98BE}" type="datetimeFigureOut">
               <a:rPr lang="en-US" smtClean="0"/>
-              <a:t>2020-11-06</a:t>
+              <a:t>2020-11-09</a:t>
             </a:fld>
             <a:endParaRPr lang="en-US"/>
           </a:p>
@@ -21552,7 +21553,7 @@
           <a:p>
             <a:fld id="{33614900-8670-4A50-A0A7-821DF61D4366}" type="slidenum">
               <a:rPr lang="en-US" smtClean="0"/>
-              <a:t>29</a:t>
+              <a:t>30</a:t>
             </a:fld>
             <a:endParaRPr lang="en-US"/>
           </a:p>
@@ -21815,7 +21816,7 @@
           <a:p>
             <a:fld id="{9184DA70-C731-4C70-880D-CCD4705E623C}" type="datetime1">
               <a:rPr lang="en-US" smtClean="0"/>
-              <a:t>2020-11-06</a:t>
+              <a:t>2020-11-09</a:t>
             </a:fld>
             <a:endParaRPr lang="en-US" dirty="0"/>
           </a:p>
@@ -22003,7 +22004,7 @@
           <a:p>
             <a:fld id="{4BE1D723-8F53-4F53-90B0-1982A396982E}" type="datetime1">
               <a:rPr lang="en-US" smtClean="0"/>
-              <a:t>2020-11-06</a:t>
+              <a:t>2020-11-09</a:t>
             </a:fld>
             <a:endParaRPr lang="en-US" dirty="0"/>
           </a:p>
@@ -22376,7 +22377,7 @@
           <a:p>
             <a:fld id="{97669AF7-7BEB-44E4-9852-375E34362B5B}" type="datetime1">
               <a:rPr lang="en-US" smtClean="0"/>
-              <a:t>2020-11-06</a:t>
+              <a:t>2020-11-09</a:t>
             </a:fld>
             <a:endParaRPr lang="en-US" dirty="0"/>
           </a:p>
@@ -22631,7 +22632,7 @@
           <a:p>
             <a:fld id="{BAAAC38D-0552-4C82-B593-E6124DFADBE2}" type="datetime1">
               <a:rPr lang="en-US" smtClean="0"/>
-              <a:t>2020-11-06</a:t>
+              <a:t>2020-11-09</a:t>
             </a:fld>
             <a:endParaRPr lang="en-US" dirty="0"/>
           </a:p>
@@ -23028,7 +23029,7 @@
           <a:p>
             <a:fld id="{D9DF0F1C-5577-4ACB-BB62-DF8F3C494C7E}" type="datetime1">
               <a:rPr lang="en-US" smtClean="0"/>
-              <a:t>2020-11-06</a:t>
+              <a:t>2020-11-09</a:t>
             </a:fld>
             <a:endParaRPr lang="en-US" dirty="0"/>
           </a:p>
@@ -23164,7 +23165,7 @@
           <a:p>
             <a:fld id="{1775B394-D9F9-4F0C-B15D-605F45CB9E9F}" type="datetime1">
               <a:rPr lang="en-US" smtClean="0"/>
-              <a:t>2020-11-06</a:t>
+              <a:t>2020-11-09</a:t>
             </a:fld>
             <a:endParaRPr lang="en-US" dirty="0"/>
           </a:p>
@@ -23321,7 +23322,7 @@
           <a:p>
             <a:fld id="{39667345-2558-425A-8533-9BFDBCE15005}" type="datetime1">
               <a:rPr lang="en-US" smtClean="0"/>
-              <a:t>2020-11-06</a:t>
+              <a:t>2020-11-09</a:t>
             </a:fld>
             <a:endParaRPr lang="en-US" dirty="0"/>
           </a:p>
@@ -23650,7 +23651,7 @@
           <a:p>
             <a:fld id="{92BEA474-078D-4E9B-9B14-09A87B19DC46}" type="datetime1">
               <a:rPr lang="en-US" smtClean="0"/>
-              <a:t>2020-11-06</a:t>
+              <a:t>2020-11-09</a:t>
             </a:fld>
             <a:endParaRPr lang="en-US" dirty="0"/>
           </a:p>
@@ -24000,7 +24001,7 @@
           <a:p>
             <a:fld id="{4907D986-8816-4272-A432-0437A28A9828}" type="datetime1">
               <a:rPr lang="en-US" smtClean="0"/>
-              <a:t>2020-11-06</a:t>
+              <a:t>2020-11-09</a:t>
             </a:fld>
             <a:endParaRPr lang="en-US" dirty="0"/>
           </a:p>
@@ -24261,7 +24262,7 @@
           <a:p>
             <a:fld id="{62D6E202-B606-4609-B914-27C9371A1F6D}" type="datetime1">
               <a:rPr lang="en-US" smtClean="0"/>
-              <a:t>2020-11-06</a:t>
+              <a:t>2020-11-09</a:t>
             </a:fld>
             <a:endParaRPr lang="en-US" dirty="0"/>
           </a:p>
@@ -25315,14 +25316,6 @@
           <a:lstStyle/>
           <a:p>
             <a:r>
-              <a:rPr lang="en-US" sz="3600" dirty="0">
-                <a:solidFill>
-                  <a:schemeClr val="bg1"/>
-                </a:solidFill>
-              </a:rPr>
-              <a:t>b) </a:t>
-            </a:r>
-            <a:r>
               <a:rPr lang="en-US" sz="3200" dirty="0">
                 <a:solidFill>
                   <a:schemeClr val="bg1"/>
@@ -25501,7 +25494,7 @@
                 </a:solidFill>
                 <a:latin typeface="Consolas" panose="020B0609020204030204" pitchFamily="49" charset="0"/>
               </a:rPr>
-              <a:t>getConnect</a:t>
+              <a:t>getConnection</a:t>
             </a:r>
             <a:r>
               <a:rPr lang="en-US" sz="1400" b="1" dirty="0">
@@ -26347,7 +26340,7 @@
                   <a:schemeClr val="bg1"/>
                 </a:solidFill>
               </a:rPr>
-              <a:t>c) CRUD Process –</a:t>
+              <a:t>CRUD Process –</a:t>
             </a:r>
             <a:br>
               <a:rPr lang="en-US" sz="2600" dirty="0">
@@ -26582,22 +26575,22 @@
               <a:t> = </a:t>
             </a:r>
             <a:r>
+              <a:rPr lang="en-US" sz="1400" b="1" dirty="0" err="1">
+                <a:solidFill>
+                  <a:srgbClr val="6A3E3E"/>
+                </a:solidFill>
+                <a:latin typeface="Consolas" panose="020B0609020204030204" pitchFamily="49" charset="0"/>
+              </a:rPr>
+              <a:t>SimpleDbManager</a:t>
+            </a:r>
+            <a:r>
               <a:rPr lang="en-US" sz="1400" dirty="0" err="1">
                 <a:solidFill>
-                  <a:srgbClr val="6A3E3E"/>
-                </a:solidFill>
-                <a:latin typeface="Consolas" panose="020B0609020204030204" pitchFamily="49" charset="0"/>
-              </a:rPr>
-              <a:t>DbService</a:t>
-            </a:r>
-            <a:r>
-              <a:rPr lang="en-US" sz="1400" dirty="0" err="1">
-                <a:solidFill>
                   <a:srgbClr val="000000"/>
                 </a:solidFill>
                 <a:latin typeface="Consolas" panose="020B0609020204030204" pitchFamily="49" charset="0"/>
               </a:rPr>
-              <a:t>.getConnect</a:t>
+              <a:t>.getConnection</a:t>
             </a:r>
             <a:r>
               <a:rPr lang="en-US" sz="1400" dirty="0">
@@ -28110,22 +28103,22 @@
               <a:t> = </a:t>
             </a:r>
             <a:r>
+              <a:rPr lang="en-US" sz="1200" b="1" dirty="0" err="1">
+                <a:solidFill>
+                  <a:srgbClr val="6A3E3E"/>
+                </a:solidFill>
+                <a:latin typeface="Consolas" panose="020B0609020204030204" pitchFamily="49" charset="0"/>
+              </a:rPr>
+              <a:t>SimpleDbManager</a:t>
+            </a:r>
+            <a:r>
               <a:rPr lang="en-US" sz="1200" dirty="0" err="1">
                 <a:solidFill>
-                  <a:srgbClr val="6A3E3E"/>
-                </a:solidFill>
-                <a:latin typeface="Consolas" panose="020B0609020204030204" pitchFamily="49" charset="0"/>
-              </a:rPr>
-              <a:t>DbService</a:t>
-            </a:r>
-            <a:r>
-              <a:rPr lang="en-US" sz="1200" dirty="0" err="1">
-                <a:solidFill>
                   <a:srgbClr val="000000"/>
                 </a:solidFill>
                 <a:latin typeface="Consolas" panose="020B0609020204030204" pitchFamily="49" charset="0"/>
               </a:rPr>
-              <a:t>.getConnect</a:t>
+              <a:t>.getConnection</a:t>
             </a:r>
             <a:r>
               <a:rPr lang="en-US" sz="1200" dirty="0">
@@ -29458,22 +29451,22 @@
               <a:t> = </a:t>
             </a:r>
             <a:r>
+              <a:rPr lang="en-US" sz="1600" b="1" dirty="0" err="1">
+                <a:solidFill>
+                  <a:srgbClr val="6A3E3E"/>
+                </a:solidFill>
+                <a:latin typeface="Consolas" panose="020B0609020204030204" pitchFamily="49" charset="0"/>
+              </a:rPr>
+              <a:t>SimpleDbManager</a:t>
+            </a:r>
+            <a:r>
               <a:rPr lang="en-US" sz="1600" dirty="0" err="1">
                 <a:solidFill>
-                  <a:srgbClr val="6A3E3E"/>
-                </a:solidFill>
-                <a:latin typeface="Consolas" panose="020B0609020204030204" pitchFamily="49" charset="0"/>
-              </a:rPr>
-              <a:t>DbService</a:t>
-            </a:r>
-            <a:r>
-              <a:rPr lang="en-US" sz="1600" dirty="0" err="1">
-                <a:solidFill>
                   <a:srgbClr val="000000"/>
                 </a:solidFill>
                 <a:latin typeface="Consolas" panose="020B0609020204030204" pitchFamily="49" charset="0"/>
               </a:rPr>
-              <a:t>.getConnect</a:t>
+              <a:t>.getConnection</a:t>
             </a:r>
             <a:r>
               <a:rPr lang="en-US" sz="1600" dirty="0">
@@ -30305,13 +30298,13 @@
               <a:t> = </a:t>
             </a:r>
             <a:r>
-              <a:rPr lang="en-US" sz="1800" dirty="0" err="1">
+              <a:rPr lang="en-US" sz="1800" b="1" dirty="0" err="1">
                 <a:solidFill>
                   <a:srgbClr val="6A3E3E"/>
                 </a:solidFill>
                 <a:latin typeface="Consolas" panose="020B0609020204030204" pitchFamily="49" charset="0"/>
               </a:rPr>
-              <a:t>DbService</a:t>
+              <a:t>SimpleDbManager</a:t>
             </a:r>
             <a:r>
               <a:rPr lang="en-US" dirty="0" err="1">
@@ -30320,7 +30313,7 @@
                 </a:solidFill>
                 <a:latin typeface="Consolas" panose="020B0609020204030204" pitchFamily="49" charset="0"/>
               </a:rPr>
-              <a:t>.getConnect</a:t>
+              <a:t>.getConnection</a:t>
             </a:r>
             <a:r>
               <a:rPr lang="en-US" dirty="0">
@@ -32469,13 +32462,13 @@
               <a:t>Connection conn = </a:t>
             </a:r>
             <a:r>
-              <a:rPr lang="en-US" sz="1400" dirty="0" err="1">
+              <a:rPr lang="en-US" sz="1400" b="1" dirty="0" err="1">
                 <a:solidFill>
                   <a:srgbClr val="6A3E3E"/>
                 </a:solidFill>
                 <a:latin typeface="Consolas" panose="020B0609020204030204" pitchFamily="49" charset="0"/>
               </a:rPr>
-              <a:t>DbService</a:t>
+              <a:t>SimpleDbManager</a:t>
             </a:r>
             <a:r>
               <a:rPr lang="en-US" sz="1400" dirty="0" err="1">
@@ -33357,20 +33350,20 @@
     </p:spTree>
     <p:extLst>
       <p:ext uri="{BB962C8B-B14F-4D97-AF65-F5344CB8AC3E}">
-        <p14:creationId xmlns:p14="http://schemas.microsoft.com/office/powerpoint/2010/main" val="4245673401"/>
+        <p14:creationId xmlns:p14="http://schemas.microsoft.com/office/powerpoint/2010/main" val="2381147797"/>
       </p:ext>
     </p:extLst>
   </p:cSld>
   <p:clrMapOvr>
     <a:masterClrMapping/>
   </p:clrMapOvr>
-  <mc:AlternateContent xmlns:mc="http://schemas.openxmlformats.org/markup-compatibility/2006" xmlns:p14="http://schemas.microsoft.com/office/powerpoint/2010/main">
-    <mc:Choice Requires="p14">
+  <mc:AlternateContent xmlns:mc="http://schemas.openxmlformats.org/markup-compatibility/2006">
+    <mc:Choice xmlns:p14="http://schemas.microsoft.com/office/powerpoint/2010/main" Requires="p14">
       <p:transition spd="med" p14:dur="700">
         <p:fade/>
       </p:transition>
     </mc:Choice>
-    <mc:Fallback xmlns="">
+    <mc:Fallback>
       <p:transition spd="med">
         <p:fade/>
       </p:transition>
@@ -33580,22 +33573,45 @@
           <a:lstStyle/>
           <a:p>
             <a:r>
-              <a:rPr lang="en-US" sz="3600">
+              <a:rPr lang="en-US" sz="3600" dirty="0">
                 <a:solidFill>
                   <a:schemeClr val="bg1"/>
                 </a:solidFill>
               </a:rPr>
-              <a:t>Popular </a:t>
-            </a:r>
-            <a:r>
+              <a:t>Database</a:t>
+            </a:r>
+            <a:br>
               <a:rPr lang="en-US" sz="3600" dirty="0">
                 <a:solidFill>
                   <a:schemeClr val="bg1"/>
                 </a:solidFill>
               </a:rPr>
-              <a:t>Connection Pool Frameworks</a:t>
-            </a:r>
-            <a:endParaRPr lang="en-US" sz="1800" dirty="0">
+            </a:br>
+            <a:r>
+              <a:rPr lang="en-US" sz="3600" dirty="0">
+                <a:solidFill>
+                  <a:schemeClr val="bg1"/>
+                </a:solidFill>
+              </a:rPr>
+              <a:t>Connection Pool </a:t>
+            </a:r>
+            <a:r>
+              <a:rPr lang="en-US" sz="2400" dirty="0">
+                <a:solidFill>
+                  <a:schemeClr val="bg1"/>
+                </a:solidFill>
+              </a:rPr>
+              <a:t>using </a:t>
+            </a:r>
+            <a:r>
+              <a:rPr lang="en-US" sz="2400" dirty="0" err="1">
+                <a:solidFill>
+                  <a:schemeClr val="bg1"/>
+                </a:solidFill>
+              </a:rPr>
+              <a:t>HikariPool</a:t>
+            </a:r>
+            <a:endParaRPr lang="en-US" sz="2400" dirty="0">
               <a:solidFill>
                 <a:schemeClr val="bg1"/>
               </a:solidFill>
@@ -33605,10 +33621,10 @@
       </p:sp>
       <p:sp>
         <p:nvSpPr>
-          <p:cNvPr id="13" name="TextBox 12">
+          <p:cNvPr id="9" name="TextBox 8">
             <a:extLst>
               <a:ext uri="{FF2B5EF4-FFF2-40B4-BE49-F238E27FC236}">
-                <a16:creationId xmlns:a16="http://schemas.microsoft.com/office/drawing/2014/main" id="{6A8D83FB-9432-435A-A508-0BBD97EC763C}"/>
+                <a16:creationId xmlns:a16="http://schemas.microsoft.com/office/drawing/2014/main" id="{E62FEB08-A7BD-4028-BB6D-D5D16E9900C5}"/>
               </a:ext>
             </a:extLst>
           </p:cNvPr>
@@ -33617,8 +33633,8 @@
         </p:nvSpPr>
         <p:spPr>
           <a:xfrm>
-            <a:off x="4319833" y="2305615"/>
-            <a:ext cx="7379797" cy="2246769"/>
+            <a:off x="4291219" y="79594"/>
+            <a:ext cx="7814642" cy="6355586"/>
           </a:xfrm>
           <a:prstGeom prst="rect">
             <a:avLst/>
@@ -33631,101 +33647,1998 @@
           </a:bodyPr>
           <a:lstStyle/>
           <a:p>
-            <a:pPr marL="457200" indent="-457200">
-              <a:buFont typeface="Arial" panose="020B0604020202020204" pitchFamily="34" charset="0"/>
-              <a:buChar char="•"/>
-            </a:pPr>
-            <a:r>
-              <a:rPr lang="en-US" sz="2800" i="0" dirty="0">
-                <a:solidFill>
-                  <a:srgbClr val="333333"/>
-                </a:solidFill>
-                <a:effectLst/>
-                <a:latin typeface="raleway"/>
-              </a:rPr>
-              <a:t>Apache Commons DBCP</a:t>
-            </a:r>
-          </a:p>
-          <a:p>
-            <a:endParaRPr lang="en-US" sz="2800" i="0" dirty="0">
-              <a:solidFill>
-                <a:srgbClr val="333333"/>
-              </a:solidFill>
-              <a:effectLst/>
-              <a:latin typeface="raleway"/>
+            <a:pPr algn="l"/>
+            <a:r>
+              <a:rPr lang="en-US" sz="1100" b="1" dirty="0">
+                <a:solidFill>
+                  <a:srgbClr val="7F0055"/>
+                </a:solidFill>
+                <a:latin typeface="Consolas" panose="020B0609020204030204" pitchFamily="49" charset="0"/>
+              </a:rPr>
+              <a:t>private</a:t>
+            </a:r>
+            <a:r>
+              <a:rPr lang="en-US" sz="1100" b="1" dirty="0">
+                <a:solidFill>
+                  <a:srgbClr val="000000"/>
+                </a:solidFill>
+                <a:latin typeface="Consolas" panose="020B0609020204030204" pitchFamily="49" charset="0"/>
+              </a:rPr>
+              <a:t> </a:t>
+            </a:r>
+            <a:r>
+              <a:rPr lang="en-US" sz="1100" b="1" dirty="0">
+                <a:solidFill>
+                  <a:srgbClr val="7F0055"/>
+                </a:solidFill>
+                <a:latin typeface="Consolas" panose="020B0609020204030204" pitchFamily="49" charset="0"/>
+              </a:rPr>
+              <a:t>static</a:t>
+            </a:r>
+            <a:r>
+              <a:rPr lang="en-US" sz="1100" b="1" dirty="0">
+                <a:solidFill>
+                  <a:srgbClr val="000000"/>
+                </a:solidFill>
+                <a:latin typeface="Consolas" panose="020B0609020204030204" pitchFamily="49" charset="0"/>
+              </a:rPr>
+              <a:t> </a:t>
+            </a:r>
+            <a:r>
+              <a:rPr lang="en-US" sz="1100" b="1" dirty="0" err="1">
+                <a:solidFill>
+                  <a:srgbClr val="000000"/>
+                </a:solidFill>
+                <a:latin typeface="Consolas" panose="020B0609020204030204" pitchFamily="49" charset="0"/>
+              </a:rPr>
+              <a:t>HikariConfig</a:t>
+            </a:r>
+            <a:r>
+              <a:rPr lang="en-US" sz="1100" b="1" dirty="0">
+                <a:solidFill>
+                  <a:srgbClr val="000000"/>
+                </a:solidFill>
+                <a:latin typeface="Consolas" panose="020B0609020204030204" pitchFamily="49" charset="0"/>
+              </a:rPr>
+              <a:t> </a:t>
+            </a:r>
+            <a:r>
+              <a:rPr lang="en-US" sz="1100" b="1" i="1" dirty="0" err="1">
+                <a:solidFill>
+                  <a:srgbClr val="0000C0"/>
+                </a:solidFill>
+                <a:latin typeface="Consolas" panose="020B0609020204030204" pitchFamily="49" charset="0"/>
+              </a:rPr>
+              <a:t>hcfg</a:t>
+            </a:r>
+            <a:r>
+              <a:rPr lang="en-US" sz="1100" b="1" i="1" dirty="0">
+                <a:solidFill>
+                  <a:srgbClr val="000000"/>
+                </a:solidFill>
+                <a:latin typeface="Consolas" panose="020B0609020204030204" pitchFamily="49" charset="0"/>
+              </a:rPr>
+              <a:t> = </a:t>
+            </a:r>
+            <a:r>
+              <a:rPr lang="en-US" sz="1100" b="1" i="1" dirty="0">
+                <a:solidFill>
+                  <a:srgbClr val="7F0055"/>
+                </a:solidFill>
+                <a:latin typeface="Consolas" panose="020B0609020204030204" pitchFamily="49" charset="0"/>
+              </a:rPr>
+              <a:t>new</a:t>
+            </a:r>
+            <a:r>
+              <a:rPr lang="en-US" sz="1100" b="1" i="1" dirty="0">
+                <a:solidFill>
+                  <a:srgbClr val="000000"/>
+                </a:solidFill>
+                <a:latin typeface="Consolas" panose="020B0609020204030204" pitchFamily="49" charset="0"/>
+              </a:rPr>
+              <a:t> </a:t>
+            </a:r>
+            <a:r>
+              <a:rPr lang="en-US" sz="1100" b="1" i="1" dirty="0" err="1">
+                <a:solidFill>
+                  <a:srgbClr val="000000"/>
+                </a:solidFill>
+                <a:latin typeface="Consolas" panose="020B0609020204030204" pitchFamily="49" charset="0"/>
+              </a:rPr>
+              <a:t>HikariConfig</a:t>
+            </a:r>
+            <a:r>
+              <a:rPr lang="en-US" sz="1100" b="1" i="1" dirty="0">
+                <a:solidFill>
+                  <a:srgbClr val="000000"/>
+                </a:solidFill>
+                <a:latin typeface="Consolas" panose="020B0609020204030204" pitchFamily="49" charset="0"/>
+              </a:rPr>
+              <a:t>();</a:t>
+            </a:r>
+          </a:p>
+          <a:p>
+            <a:pPr algn="l"/>
+            <a:r>
+              <a:rPr lang="en-US" sz="1100" b="1" dirty="0">
+                <a:solidFill>
+                  <a:srgbClr val="7F0055"/>
+                </a:solidFill>
+                <a:latin typeface="Consolas" panose="020B0609020204030204" pitchFamily="49" charset="0"/>
+              </a:rPr>
+              <a:t>private</a:t>
+            </a:r>
+            <a:r>
+              <a:rPr lang="en-US" sz="1100" b="1" dirty="0">
+                <a:solidFill>
+                  <a:srgbClr val="000000"/>
+                </a:solidFill>
+                <a:latin typeface="Consolas" panose="020B0609020204030204" pitchFamily="49" charset="0"/>
+              </a:rPr>
+              <a:t> </a:t>
+            </a:r>
+            <a:r>
+              <a:rPr lang="en-US" sz="1100" b="1" dirty="0">
+                <a:solidFill>
+                  <a:srgbClr val="7F0055"/>
+                </a:solidFill>
+                <a:latin typeface="Consolas" panose="020B0609020204030204" pitchFamily="49" charset="0"/>
+              </a:rPr>
+              <a:t>static</a:t>
+            </a:r>
+            <a:r>
+              <a:rPr lang="en-US" sz="1100" b="1" dirty="0">
+                <a:solidFill>
+                  <a:srgbClr val="000000"/>
+                </a:solidFill>
+                <a:latin typeface="Consolas" panose="020B0609020204030204" pitchFamily="49" charset="0"/>
+              </a:rPr>
+              <a:t> </a:t>
+            </a:r>
+            <a:r>
+              <a:rPr lang="en-US" sz="1100" b="1" dirty="0" err="1">
+                <a:solidFill>
+                  <a:srgbClr val="000000"/>
+                </a:solidFill>
+                <a:latin typeface="Consolas" panose="020B0609020204030204" pitchFamily="49" charset="0"/>
+              </a:rPr>
+              <a:t>HikariDataSource</a:t>
+            </a:r>
+            <a:r>
+              <a:rPr lang="en-US" sz="1100" b="1" dirty="0">
+                <a:solidFill>
+                  <a:srgbClr val="000000"/>
+                </a:solidFill>
+                <a:latin typeface="Consolas" panose="020B0609020204030204" pitchFamily="49" charset="0"/>
+              </a:rPr>
+              <a:t> </a:t>
+            </a:r>
+            <a:r>
+              <a:rPr lang="en-US" sz="1100" b="1" i="1" dirty="0" err="1">
+                <a:solidFill>
+                  <a:srgbClr val="0000C0"/>
+                </a:solidFill>
+                <a:latin typeface="Consolas" panose="020B0609020204030204" pitchFamily="49" charset="0"/>
+              </a:rPr>
+              <a:t>hds</a:t>
+            </a:r>
+            <a:r>
+              <a:rPr lang="en-US" sz="1100" b="1" i="1" dirty="0">
+                <a:solidFill>
+                  <a:srgbClr val="000000"/>
+                </a:solidFill>
+                <a:latin typeface="Consolas" panose="020B0609020204030204" pitchFamily="49" charset="0"/>
+              </a:rPr>
+              <a:t> = </a:t>
+            </a:r>
+            <a:r>
+              <a:rPr lang="en-US" sz="1100" b="1" i="1" dirty="0">
+                <a:solidFill>
+                  <a:srgbClr val="7F0055"/>
+                </a:solidFill>
+                <a:latin typeface="Consolas" panose="020B0609020204030204" pitchFamily="49" charset="0"/>
+              </a:rPr>
+              <a:t>null</a:t>
+            </a:r>
+            <a:r>
+              <a:rPr lang="en-US" sz="1100" b="1" i="1" dirty="0">
+                <a:solidFill>
+                  <a:srgbClr val="000000"/>
+                </a:solidFill>
+                <a:latin typeface="Consolas" panose="020B0609020204030204" pitchFamily="49" charset="0"/>
+              </a:rPr>
+              <a:t>;</a:t>
+            </a:r>
+          </a:p>
+          <a:p>
+            <a:pPr algn="l"/>
+            <a:endParaRPr lang="en-US" sz="1100" dirty="0">
+              <a:latin typeface="Consolas" panose="020B0609020204030204" pitchFamily="49" charset="0"/>
             </a:endParaRPr>
           </a:p>
           <a:p>
-            <a:pPr marL="514350" indent="-514350">
-              <a:buFont typeface="Arial" panose="020B0604020202020204" pitchFamily="34" charset="0"/>
-              <a:buChar char="•"/>
-            </a:pPr>
-            <a:r>
-              <a:rPr lang="en-US" sz="2800" i="0" dirty="0" err="1">
-                <a:solidFill>
-                  <a:srgbClr val="333333"/>
-                </a:solidFill>
-                <a:effectLst/>
-                <a:latin typeface="raleway"/>
-              </a:rPr>
-              <a:t>HikariCP</a:t>
-            </a:r>
-            <a:r>
-              <a:rPr lang="en-US" sz="2800" i="0" dirty="0">
-                <a:solidFill>
-                  <a:srgbClr val="333333"/>
-                </a:solidFill>
-                <a:effectLst/>
-                <a:latin typeface="raleway"/>
-              </a:rPr>
-              <a:t> – </a:t>
-            </a:r>
-            <a:r>
-              <a:rPr lang="en-US" sz="1600" i="0" dirty="0">
-                <a:solidFill>
-                  <a:srgbClr val="333333"/>
-                </a:solidFill>
-                <a:effectLst/>
-                <a:latin typeface="raleway"/>
-              </a:rPr>
-              <a:t>Most Preferred for Light Weight and Fast</a:t>
-            </a:r>
-          </a:p>
-          <a:p>
-            <a:pPr>
-              <a:buFont typeface="+mj-lt"/>
-              <a:buAutoNum type="arabicPeriod"/>
-            </a:pPr>
-            <a:endParaRPr lang="en-US" sz="2800" i="0" dirty="0">
-              <a:solidFill>
-                <a:srgbClr val="333333"/>
-              </a:solidFill>
-              <a:effectLst/>
-              <a:latin typeface="raleway"/>
+            <a:pPr algn="l"/>
+            <a:r>
+              <a:rPr lang="en-US" sz="1100" b="1" dirty="0">
+                <a:solidFill>
+                  <a:srgbClr val="7F0055"/>
+                </a:solidFill>
+                <a:latin typeface="Consolas" panose="020B0609020204030204" pitchFamily="49" charset="0"/>
+              </a:rPr>
+              <a:t>static</a:t>
+            </a:r>
+            <a:r>
+              <a:rPr lang="en-US" sz="1100" b="1" dirty="0">
+                <a:solidFill>
+                  <a:srgbClr val="000000"/>
+                </a:solidFill>
+                <a:latin typeface="Consolas" panose="020B0609020204030204" pitchFamily="49" charset="0"/>
+              </a:rPr>
+              <a:t> {</a:t>
+            </a:r>
+          </a:p>
+          <a:p>
+            <a:pPr lvl="1"/>
+            <a:r>
+              <a:rPr lang="en-US" sz="1100" b="1" i="1" dirty="0">
+                <a:solidFill>
+                  <a:srgbClr val="0000C0"/>
+                </a:solidFill>
+                <a:latin typeface="Consolas" panose="020B0609020204030204" pitchFamily="49" charset="0"/>
+              </a:rPr>
+              <a:t>logger</a:t>
+            </a:r>
+            <a:r>
+              <a:rPr lang="en-US" sz="1100" b="1" i="1" dirty="0">
+                <a:solidFill>
+                  <a:srgbClr val="000000"/>
+                </a:solidFill>
+                <a:latin typeface="Consolas" panose="020B0609020204030204" pitchFamily="49" charset="0"/>
+              </a:rPr>
+              <a:t>.info(</a:t>
+            </a:r>
+            <a:r>
+              <a:rPr lang="en-US" sz="1100" b="1" i="1" dirty="0">
+                <a:solidFill>
+                  <a:srgbClr val="2A00FF"/>
+                </a:solidFill>
+                <a:latin typeface="Consolas" panose="020B0609020204030204" pitchFamily="49" charset="0"/>
+              </a:rPr>
+              <a:t>"BEGIN - Creating Connection Pool..."</a:t>
+            </a:r>
+            <a:r>
+              <a:rPr lang="en-US" sz="1100" b="1" i="1" dirty="0">
+                <a:solidFill>
+                  <a:srgbClr val="000000"/>
+                </a:solidFill>
+                <a:latin typeface="Consolas" panose="020B0609020204030204" pitchFamily="49" charset="0"/>
+              </a:rPr>
+              <a:t>);</a:t>
+            </a:r>
+          </a:p>
+          <a:p>
+            <a:pPr lvl="1"/>
+            <a:r>
+              <a:rPr lang="en-US" sz="1100" b="1" dirty="0">
+                <a:solidFill>
+                  <a:srgbClr val="7F0055"/>
+                </a:solidFill>
+                <a:latin typeface="Consolas" panose="020B0609020204030204" pitchFamily="49" charset="0"/>
+              </a:rPr>
+              <a:t>try</a:t>
+            </a:r>
+            <a:r>
+              <a:rPr lang="en-US" sz="1100" b="1" dirty="0">
+                <a:solidFill>
+                  <a:srgbClr val="000000"/>
+                </a:solidFill>
+                <a:latin typeface="Consolas" panose="020B0609020204030204" pitchFamily="49" charset="0"/>
+              </a:rPr>
+              <a:t> {</a:t>
+            </a:r>
+          </a:p>
+          <a:p>
+            <a:pPr lvl="2"/>
+            <a:r>
+              <a:rPr lang="en-US" sz="1100" dirty="0" err="1">
+                <a:solidFill>
+                  <a:srgbClr val="000000"/>
+                </a:solidFill>
+                <a:latin typeface="Consolas" panose="020B0609020204030204" pitchFamily="49" charset="0"/>
+              </a:rPr>
+              <a:t>InputStream</a:t>
+            </a:r>
+            <a:r>
+              <a:rPr lang="en-US" sz="1100" dirty="0">
+                <a:solidFill>
+                  <a:srgbClr val="000000"/>
+                </a:solidFill>
+                <a:latin typeface="Consolas" panose="020B0609020204030204" pitchFamily="49" charset="0"/>
+              </a:rPr>
+              <a:t> </a:t>
+            </a:r>
+            <a:r>
+              <a:rPr lang="en-US" sz="1100" dirty="0">
+                <a:solidFill>
+                  <a:srgbClr val="6A3E3E"/>
+                </a:solidFill>
+                <a:latin typeface="Consolas" panose="020B0609020204030204" pitchFamily="49" charset="0"/>
+              </a:rPr>
+              <a:t>is</a:t>
+            </a:r>
+            <a:r>
+              <a:rPr lang="en-US" sz="1100" dirty="0">
+                <a:solidFill>
+                  <a:srgbClr val="000000"/>
+                </a:solidFill>
+                <a:latin typeface="Consolas" panose="020B0609020204030204" pitchFamily="49" charset="0"/>
+              </a:rPr>
+              <a:t> = </a:t>
+            </a:r>
+            <a:r>
+              <a:rPr lang="en-US" sz="1100" b="1" dirty="0">
+                <a:solidFill>
+                  <a:srgbClr val="7F0055"/>
+                </a:solidFill>
+                <a:latin typeface="Consolas" panose="020B0609020204030204" pitchFamily="49" charset="0"/>
+              </a:rPr>
+              <a:t>new</a:t>
+            </a:r>
+            <a:r>
+              <a:rPr lang="en-US" sz="1100" b="1" dirty="0">
+                <a:solidFill>
+                  <a:srgbClr val="000000"/>
+                </a:solidFill>
+                <a:latin typeface="Consolas" panose="020B0609020204030204" pitchFamily="49" charset="0"/>
+              </a:rPr>
+              <a:t> </a:t>
+            </a:r>
+            <a:r>
+              <a:rPr lang="en-US" sz="1100" b="1" dirty="0" err="1">
+                <a:solidFill>
+                  <a:srgbClr val="000000"/>
+                </a:solidFill>
+                <a:latin typeface="Consolas" panose="020B0609020204030204" pitchFamily="49" charset="0"/>
+              </a:rPr>
+              <a:t>FileInputStream</a:t>
+            </a:r>
+            <a:r>
+              <a:rPr lang="en-US" sz="1100" b="1" dirty="0">
+                <a:solidFill>
+                  <a:srgbClr val="000000"/>
+                </a:solidFill>
+                <a:latin typeface="Consolas" panose="020B0609020204030204" pitchFamily="49" charset="0"/>
+              </a:rPr>
+              <a:t>(</a:t>
+            </a:r>
+            <a:r>
+              <a:rPr lang="en-US" sz="1100" b="1" dirty="0">
+                <a:solidFill>
+                  <a:srgbClr val="7F0055"/>
+                </a:solidFill>
+                <a:latin typeface="Consolas" panose="020B0609020204030204" pitchFamily="49" charset="0"/>
+              </a:rPr>
+              <a:t>new</a:t>
+            </a:r>
+            <a:r>
+              <a:rPr lang="en-US" sz="1100" b="1" dirty="0">
+                <a:solidFill>
+                  <a:srgbClr val="000000"/>
+                </a:solidFill>
+                <a:latin typeface="Consolas" panose="020B0609020204030204" pitchFamily="49" charset="0"/>
+              </a:rPr>
+              <a:t> File(</a:t>
+            </a:r>
+            <a:r>
+              <a:rPr lang="en-US" sz="1100" b="1" i="1" dirty="0">
+                <a:solidFill>
+                  <a:srgbClr val="0000C0"/>
+                </a:solidFill>
+                <a:latin typeface="Consolas" panose="020B0609020204030204" pitchFamily="49" charset="0"/>
+              </a:rPr>
+              <a:t>DB_H2_PROP_FILE</a:t>
+            </a:r>
+            <a:r>
+              <a:rPr lang="en-US" sz="1100" b="1" i="1" dirty="0">
+                <a:solidFill>
+                  <a:srgbClr val="000000"/>
+                </a:solidFill>
+                <a:latin typeface="Consolas" panose="020B0609020204030204" pitchFamily="49" charset="0"/>
+              </a:rPr>
+              <a:t>));</a:t>
+            </a:r>
+          </a:p>
+          <a:p>
+            <a:pPr lvl="2"/>
+            <a:r>
+              <a:rPr lang="en-US" sz="1100" dirty="0">
+                <a:solidFill>
+                  <a:srgbClr val="000000"/>
+                </a:solidFill>
+                <a:latin typeface="Consolas" panose="020B0609020204030204" pitchFamily="49" charset="0"/>
+              </a:rPr>
+              <a:t>Properties </a:t>
+            </a:r>
+            <a:r>
+              <a:rPr lang="en-US" sz="1100" dirty="0">
+                <a:solidFill>
+                  <a:srgbClr val="6A3E3E"/>
+                </a:solidFill>
+                <a:latin typeface="Consolas" panose="020B0609020204030204" pitchFamily="49" charset="0"/>
+              </a:rPr>
+              <a:t>props</a:t>
+            </a:r>
+            <a:r>
+              <a:rPr lang="en-US" sz="1100" dirty="0">
+                <a:solidFill>
+                  <a:srgbClr val="000000"/>
+                </a:solidFill>
+                <a:latin typeface="Consolas" panose="020B0609020204030204" pitchFamily="49" charset="0"/>
+              </a:rPr>
+              <a:t> = </a:t>
+            </a:r>
+            <a:r>
+              <a:rPr lang="en-US" sz="1100" b="1" dirty="0">
+                <a:solidFill>
+                  <a:srgbClr val="7F0055"/>
+                </a:solidFill>
+                <a:latin typeface="Consolas" panose="020B0609020204030204" pitchFamily="49" charset="0"/>
+              </a:rPr>
+              <a:t>new</a:t>
+            </a:r>
+            <a:r>
+              <a:rPr lang="en-US" sz="1100" b="1" dirty="0">
+                <a:solidFill>
+                  <a:srgbClr val="000000"/>
+                </a:solidFill>
+                <a:latin typeface="Consolas" panose="020B0609020204030204" pitchFamily="49" charset="0"/>
+              </a:rPr>
+              <a:t> Properties();</a:t>
+            </a:r>
+          </a:p>
+          <a:p>
+            <a:pPr lvl="2"/>
+            <a:r>
+              <a:rPr lang="en-US" sz="1100" dirty="0" err="1">
+                <a:solidFill>
+                  <a:srgbClr val="6A3E3E"/>
+                </a:solidFill>
+                <a:latin typeface="Consolas" panose="020B0609020204030204" pitchFamily="49" charset="0"/>
+              </a:rPr>
+              <a:t>props</a:t>
+            </a:r>
+            <a:r>
+              <a:rPr lang="en-US" sz="1100" dirty="0" err="1">
+                <a:solidFill>
+                  <a:srgbClr val="000000"/>
+                </a:solidFill>
+                <a:latin typeface="Consolas" panose="020B0609020204030204" pitchFamily="49" charset="0"/>
+              </a:rPr>
+              <a:t>.load</a:t>
+            </a:r>
+            <a:r>
+              <a:rPr lang="en-US" sz="1100" dirty="0">
+                <a:solidFill>
+                  <a:srgbClr val="000000"/>
+                </a:solidFill>
+                <a:latin typeface="Consolas" panose="020B0609020204030204" pitchFamily="49" charset="0"/>
+              </a:rPr>
+              <a:t>(</a:t>
+            </a:r>
+            <a:r>
+              <a:rPr lang="en-US" sz="1100" dirty="0">
+                <a:solidFill>
+                  <a:srgbClr val="6A3E3E"/>
+                </a:solidFill>
+                <a:latin typeface="Consolas" panose="020B0609020204030204" pitchFamily="49" charset="0"/>
+              </a:rPr>
+              <a:t>is</a:t>
+            </a:r>
+            <a:r>
+              <a:rPr lang="en-US" sz="1100" dirty="0">
+                <a:solidFill>
+                  <a:srgbClr val="000000"/>
+                </a:solidFill>
+                <a:latin typeface="Consolas" panose="020B0609020204030204" pitchFamily="49" charset="0"/>
+              </a:rPr>
+              <a:t>);</a:t>
+            </a:r>
+          </a:p>
+          <a:p>
+            <a:pPr lvl="2"/>
+            <a:endParaRPr lang="en-US" sz="1100" dirty="0">
+              <a:latin typeface="Consolas" panose="020B0609020204030204" pitchFamily="49" charset="0"/>
             </a:endParaRPr>
           </a:p>
           <a:p>
-            <a:pPr marL="457200" indent="-457200">
-              <a:buFont typeface="Arial" panose="020B0604020202020204" pitchFamily="34" charset="0"/>
-              <a:buChar char="•"/>
-            </a:pPr>
-            <a:r>
-              <a:rPr lang="en-US" sz="2800" i="0" dirty="0">
-                <a:solidFill>
-                  <a:srgbClr val="333333"/>
-                </a:solidFill>
-                <a:effectLst/>
-                <a:latin typeface="raleway"/>
-              </a:rPr>
-              <a:t>C3PO</a:t>
-            </a:r>
+            <a:pPr lvl="2"/>
+            <a:r>
+              <a:rPr lang="en-US" sz="1100" i="1" dirty="0" err="1">
+                <a:solidFill>
+                  <a:srgbClr val="0000C0"/>
+                </a:solidFill>
+                <a:latin typeface="Consolas" panose="020B0609020204030204" pitchFamily="49" charset="0"/>
+              </a:rPr>
+              <a:t>hcfg</a:t>
+            </a:r>
+            <a:r>
+              <a:rPr lang="en-US" sz="1100" i="1" dirty="0" err="1">
+                <a:solidFill>
+                  <a:srgbClr val="000000"/>
+                </a:solidFill>
+                <a:latin typeface="Consolas" panose="020B0609020204030204" pitchFamily="49" charset="0"/>
+              </a:rPr>
+              <a:t>.setPoolName</a:t>
+            </a:r>
+            <a:r>
+              <a:rPr lang="en-US" sz="1100" i="1" dirty="0">
+                <a:solidFill>
+                  <a:srgbClr val="000000"/>
+                </a:solidFill>
+                <a:latin typeface="Consolas" panose="020B0609020204030204" pitchFamily="49" charset="0"/>
+              </a:rPr>
+              <a:t>(</a:t>
+            </a:r>
+            <a:r>
+              <a:rPr lang="en-US" sz="1100" i="1" dirty="0" err="1">
+                <a:solidFill>
+                  <a:srgbClr val="6A3E3E"/>
+                </a:solidFill>
+                <a:latin typeface="Consolas" panose="020B0609020204030204" pitchFamily="49" charset="0"/>
+              </a:rPr>
+              <a:t>props</a:t>
+            </a:r>
+            <a:r>
+              <a:rPr lang="en-US" sz="1100" i="1" dirty="0" err="1">
+                <a:solidFill>
+                  <a:srgbClr val="000000"/>
+                </a:solidFill>
+                <a:latin typeface="Consolas" panose="020B0609020204030204" pitchFamily="49" charset="0"/>
+              </a:rPr>
+              <a:t>.getProperty</a:t>
+            </a:r>
+            <a:r>
+              <a:rPr lang="en-US" sz="1100" i="1" dirty="0">
+                <a:solidFill>
+                  <a:srgbClr val="000000"/>
+                </a:solidFill>
+                <a:latin typeface="Consolas" panose="020B0609020204030204" pitchFamily="49" charset="0"/>
+              </a:rPr>
+              <a:t>(</a:t>
+            </a:r>
+            <a:r>
+              <a:rPr lang="en-US" sz="1100" i="1" dirty="0">
+                <a:solidFill>
+                  <a:srgbClr val="2A00FF"/>
+                </a:solidFill>
+                <a:latin typeface="Consolas" panose="020B0609020204030204" pitchFamily="49" charset="0"/>
+              </a:rPr>
+              <a:t>"</a:t>
+            </a:r>
+            <a:r>
+              <a:rPr lang="en-US" sz="1100" i="1" dirty="0" err="1">
+                <a:solidFill>
+                  <a:srgbClr val="2A00FF"/>
+                </a:solidFill>
+                <a:latin typeface="Consolas" panose="020B0609020204030204" pitchFamily="49" charset="0"/>
+              </a:rPr>
+              <a:t>jdbc.poolName</a:t>
+            </a:r>
+            <a:r>
+              <a:rPr lang="en-US" sz="1100" i="1" dirty="0">
+                <a:solidFill>
+                  <a:srgbClr val="2A00FF"/>
+                </a:solidFill>
+                <a:latin typeface="Consolas" panose="020B0609020204030204" pitchFamily="49" charset="0"/>
+              </a:rPr>
+              <a:t>"</a:t>
+            </a:r>
+            <a:r>
+              <a:rPr lang="en-US" sz="1100" i="1" dirty="0">
+                <a:solidFill>
+                  <a:srgbClr val="000000"/>
+                </a:solidFill>
+                <a:latin typeface="Consolas" panose="020B0609020204030204" pitchFamily="49" charset="0"/>
+              </a:rPr>
+              <a:t>));</a:t>
+            </a:r>
+          </a:p>
+          <a:p>
+            <a:pPr lvl="2"/>
+            <a:endParaRPr lang="en-US" sz="1100" dirty="0">
+              <a:latin typeface="Consolas" panose="020B0609020204030204" pitchFamily="49" charset="0"/>
+            </a:endParaRPr>
+          </a:p>
+          <a:p>
+            <a:pPr lvl="2"/>
+            <a:r>
+              <a:rPr lang="en-US" sz="1100" i="1" dirty="0" err="1">
+                <a:solidFill>
+                  <a:srgbClr val="0000C0"/>
+                </a:solidFill>
+                <a:latin typeface="Consolas" panose="020B0609020204030204" pitchFamily="49" charset="0"/>
+              </a:rPr>
+              <a:t>hcfg</a:t>
+            </a:r>
+            <a:r>
+              <a:rPr lang="en-US" sz="1100" i="1" dirty="0" err="1">
+                <a:solidFill>
+                  <a:srgbClr val="000000"/>
+                </a:solidFill>
+                <a:latin typeface="Consolas" panose="020B0609020204030204" pitchFamily="49" charset="0"/>
+              </a:rPr>
+              <a:t>.setJdbcUrl</a:t>
+            </a:r>
+            <a:r>
+              <a:rPr lang="en-US" sz="1100" i="1" dirty="0">
+                <a:solidFill>
+                  <a:srgbClr val="000000"/>
+                </a:solidFill>
+                <a:latin typeface="Consolas" panose="020B0609020204030204" pitchFamily="49" charset="0"/>
+              </a:rPr>
+              <a:t>(</a:t>
+            </a:r>
+            <a:r>
+              <a:rPr lang="en-US" sz="1100" i="1" dirty="0" err="1">
+                <a:solidFill>
+                  <a:srgbClr val="6A3E3E"/>
+                </a:solidFill>
+                <a:latin typeface="Consolas" panose="020B0609020204030204" pitchFamily="49" charset="0"/>
+              </a:rPr>
+              <a:t>props</a:t>
+            </a:r>
+            <a:r>
+              <a:rPr lang="en-US" sz="1100" i="1" dirty="0" err="1">
+                <a:solidFill>
+                  <a:srgbClr val="000000"/>
+                </a:solidFill>
+                <a:latin typeface="Consolas" panose="020B0609020204030204" pitchFamily="49" charset="0"/>
+              </a:rPr>
+              <a:t>.getProperty</a:t>
+            </a:r>
+            <a:r>
+              <a:rPr lang="en-US" sz="1100" i="1" dirty="0">
+                <a:solidFill>
+                  <a:srgbClr val="000000"/>
+                </a:solidFill>
+                <a:latin typeface="Consolas" panose="020B0609020204030204" pitchFamily="49" charset="0"/>
+              </a:rPr>
+              <a:t>(</a:t>
+            </a:r>
+            <a:r>
+              <a:rPr lang="en-US" sz="1100" i="1" dirty="0">
+                <a:solidFill>
+                  <a:srgbClr val="2A00FF"/>
+                </a:solidFill>
+                <a:latin typeface="Consolas" panose="020B0609020204030204" pitchFamily="49" charset="0"/>
+              </a:rPr>
+              <a:t>"jdbc.url"</a:t>
+            </a:r>
+            <a:r>
+              <a:rPr lang="en-US" sz="1100" i="1" dirty="0">
+                <a:solidFill>
+                  <a:srgbClr val="000000"/>
+                </a:solidFill>
+                <a:latin typeface="Consolas" panose="020B0609020204030204" pitchFamily="49" charset="0"/>
+              </a:rPr>
+              <a:t>));</a:t>
+            </a:r>
+          </a:p>
+          <a:p>
+            <a:pPr lvl="2"/>
+            <a:r>
+              <a:rPr lang="en-US" sz="1100" i="1" dirty="0" err="1">
+                <a:solidFill>
+                  <a:srgbClr val="0000C0"/>
+                </a:solidFill>
+                <a:latin typeface="Consolas" panose="020B0609020204030204" pitchFamily="49" charset="0"/>
+              </a:rPr>
+              <a:t>hcfg</a:t>
+            </a:r>
+            <a:r>
+              <a:rPr lang="en-US" sz="1100" i="1" dirty="0" err="1">
+                <a:solidFill>
+                  <a:srgbClr val="000000"/>
+                </a:solidFill>
+                <a:latin typeface="Consolas" panose="020B0609020204030204" pitchFamily="49" charset="0"/>
+              </a:rPr>
+              <a:t>.setUsername</a:t>
+            </a:r>
+            <a:r>
+              <a:rPr lang="en-US" sz="1100" i="1" dirty="0">
+                <a:solidFill>
+                  <a:srgbClr val="000000"/>
+                </a:solidFill>
+                <a:latin typeface="Consolas" panose="020B0609020204030204" pitchFamily="49" charset="0"/>
+              </a:rPr>
+              <a:t>(</a:t>
+            </a:r>
+            <a:r>
+              <a:rPr lang="en-US" sz="1100" i="1" dirty="0" err="1">
+                <a:solidFill>
+                  <a:srgbClr val="6A3E3E"/>
+                </a:solidFill>
+                <a:latin typeface="Consolas" panose="020B0609020204030204" pitchFamily="49" charset="0"/>
+              </a:rPr>
+              <a:t>props</a:t>
+            </a:r>
+            <a:r>
+              <a:rPr lang="en-US" sz="1100" i="1" dirty="0" err="1">
+                <a:solidFill>
+                  <a:srgbClr val="000000"/>
+                </a:solidFill>
+                <a:latin typeface="Consolas" panose="020B0609020204030204" pitchFamily="49" charset="0"/>
+              </a:rPr>
+              <a:t>.getProperty</a:t>
+            </a:r>
+            <a:r>
+              <a:rPr lang="en-US" sz="1100" i="1" dirty="0">
+                <a:solidFill>
+                  <a:srgbClr val="000000"/>
+                </a:solidFill>
+                <a:latin typeface="Consolas" panose="020B0609020204030204" pitchFamily="49" charset="0"/>
+              </a:rPr>
+              <a:t>(</a:t>
+            </a:r>
+            <a:r>
+              <a:rPr lang="en-US" sz="1100" i="1" dirty="0">
+                <a:solidFill>
+                  <a:srgbClr val="2A00FF"/>
+                </a:solidFill>
+                <a:latin typeface="Consolas" panose="020B0609020204030204" pitchFamily="49" charset="0"/>
+              </a:rPr>
+              <a:t>"</a:t>
+            </a:r>
+            <a:r>
+              <a:rPr lang="en-US" sz="1100" i="1" dirty="0" err="1">
+                <a:solidFill>
+                  <a:srgbClr val="2A00FF"/>
+                </a:solidFill>
+                <a:latin typeface="Consolas" panose="020B0609020204030204" pitchFamily="49" charset="0"/>
+              </a:rPr>
+              <a:t>jdbc.username</a:t>
+            </a:r>
+            <a:r>
+              <a:rPr lang="en-US" sz="1100" i="1" dirty="0">
+                <a:solidFill>
+                  <a:srgbClr val="2A00FF"/>
+                </a:solidFill>
+                <a:latin typeface="Consolas" panose="020B0609020204030204" pitchFamily="49" charset="0"/>
+              </a:rPr>
+              <a:t>"</a:t>
+            </a:r>
+            <a:r>
+              <a:rPr lang="en-US" sz="1100" i="1" dirty="0">
+                <a:solidFill>
+                  <a:srgbClr val="000000"/>
+                </a:solidFill>
+                <a:latin typeface="Consolas" panose="020B0609020204030204" pitchFamily="49" charset="0"/>
+              </a:rPr>
+              <a:t>));</a:t>
+            </a:r>
+          </a:p>
+          <a:p>
+            <a:pPr lvl="2"/>
+            <a:r>
+              <a:rPr lang="en-US" sz="1100" i="1" dirty="0" err="1">
+                <a:solidFill>
+                  <a:srgbClr val="0000C0"/>
+                </a:solidFill>
+                <a:latin typeface="Consolas" panose="020B0609020204030204" pitchFamily="49" charset="0"/>
+              </a:rPr>
+              <a:t>hcfg</a:t>
+            </a:r>
+            <a:r>
+              <a:rPr lang="en-US" sz="1100" i="1" dirty="0" err="1">
+                <a:solidFill>
+                  <a:srgbClr val="000000"/>
+                </a:solidFill>
+                <a:latin typeface="Consolas" panose="020B0609020204030204" pitchFamily="49" charset="0"/>
+              </a:rPr>
+              <a:t>.setPassword</a:t>
+            </a:r>
+            <a:r>
+              <a:rPr lang="en-US" sz="1100" i="1" dirty="0">
+                <a:solidFill>
+                  <a:srgbClr val="000000"/>
+                </a:solidFill>
+                <a:latin typeface="Consolas" panose="020B0609020204030204" pitchFamily="49" charset="0"/>
+              </a:rPr>
+              <a:t>(</a:t>
+            </a:r>
+            <a:r>
+              <a:rPr lang="en-US" sz="1100" i="1" dirty="0" err="1">
+                <a:solidFill>
+                  <a:srgbClr val="6A3E3E"/>
+                </a:solidFill>
+                <a:latin typeface="Consolas" panose="020B0609020204030204" pitchFamily="49" charset="0"/>
+              </a:rPr>
+              <a:t>props</a:t>
+            </a:r>
+            <a:r>
+              <a:rPr lang="en-US" sz="1100" i="1" dirty="0" err="1">
+                <a:solidFill>
+                  <a:srgbClr val="000000"/>
+                </a:solidFill>
+                <a:latin typeface="Consolas" panose="020B0609020204030204" pitchFamily="49" charset="0"/>
+              </a:rPr>
+              <a:t>.getProperty</a:t>
+            </a:r>
+            <a:r>
+              <a:rPr lang="en-US" sz="1100" i="1" dirty="0">
+                <a:solidFill>
+                  <a:srgbClr val="000000"/>
+                </a:solidFill>
+                <a:latin typeface="Consolas" panose="020B0609020204030204" pitchFamily="49" charset="0"/>
+              </a:rPr>
+              <a:t>(</a:t>
+            </a:r>
+            <a:r>
+              <a:rPr lang="en-US" sz="1100" i="1" dirty="0">
+                <a:solidFill>
+                  <a:srgbClr val="2A00FF"/>
+                </a:solidFill>
+                <a:latin typeface="Consolas" panose="020B0609020204030204" pitchFamily="49" charset="0"/>
+              </a:rPr>
+              <a:t>"</a:t>
+            </a:r>
+            <a:r>
+              <a:rPr lang="en-US" sz="1100" i="1" dirty="0" err="1">
+                <a:solidFill>
+                  <a:srgbClr val="2A00FF"/>
+                </a:solidFill>
+                <a:latin typeface="Consolas" panose="020B0609020204030204" pitchFamily="49" charset="0"/>
+              </a:rPr>
+              <a:t>jdbc.password</a:t>
+            </a:r>
+            <a:r>
+              <a:rPr lang="en-US" sz="1100" i="1" dirty="0">
+                <a:solidFill>
+                  <a:srgbClr val="2A00FF"/>
+                </a:solidFill>
+                <a:latin typeface="Consolas" panose="020B0609020204030204" pitchFamily="49" charset="0"/>
+              </a:rPr>
+              <a:t>"</a:t>
+            </a:r>
+            <a:r>
+              <a:rPr lang="en-US" sz="1100" i="1" dirty="0">
+                <a:solidFill>
+                  <a:srgbClr val="000000"/>
+                </a:solidFill>
+                <a:latin typeface="Consolas" panose="020B0609020204030204" pitchFamily="49" charset="0"/>
+              </a:rPr>
+              <a:t>));</a:t>
+            </a:r>
+          </a:p>
+          <a:p>
+            <a:pPr lvl="2"/>
+            <a:endParaRPr lang="en-US" sz="1100" dirty="0">
+              <a:latin typeface="Consolas" panose="020B0609020204030204" pitchFamily="49" charset="0"/>
+            </a:endParaRPr>
+          </a:p>
+          <a:p>
+            <a:pPr lvl="2"/>
+            <a:r>
+              <a:rPr lang="en-US" sz="1100" i="1" dirty="0" err="1">
+                <a:solidFill>
+                  <a:srgbClr val="0000C0"/>
+                </a:solidFill>
+                <a:latin typeface="Consolas" panose="020B0609020204030204" pitchFamily="49" charset="0"/>
+              </a:rPr>
+              <a:t>hcfg</a:t>
+            </a:r>
+            <a:r>
+              <a:rPr lang="en-US" sz="1100" i="1" dirty="0" err="1">
+                <a:solidFill>
+                  <a:srgbClr val="000000"/>
+                </a:solidFill>
+                <a:latin typeface="Consolas" panose="020B0609020204030204" pitchFamily="49" charset="0"/>
+              </a:rPr>
+              <a:t>.setMaximumPoolSize</a:t>
+            </a:r>
+            <a:r>
+              <a:rPr lang="en-US" sz="1100" i="1" dirty="0">
+                <a:solidFill>
+                  <a:srgbClr val="000000"/>
+                </a:solidFill>
+                <a:latin typeface="Consolas" panose="020B0609020204030204" pitchFamily="49" charset="0"/>
+              </a:rPr>
+              <a:t>(</a:t>
+            </a:r>
+            <a:r>
+              <a:rPr lang="en-US" sz="1100" i="1" dirty="0" err="1">
+                <a:solidFill>
+                  <a:srgbClr val="000000"/>
+                </a:solidFill>
+                <a:latin typeface="Consolas" panose="020B0609020204030204" pitchFamily="49" charset="0"/>
+              </a:rPr>
+              <a:t>Integer.parseInt</a:t>
+            </a:r>
+            <a:r>
+              <a:rPr lang="en-US" sz="1100" i="1" dirty="0">
+                <a:solidFill>
+                  <a:srgbClr val="000000"/>
+                </a:solidFill>
+                <a:latin typeface="Consolas" panose="020B0609020204030204" pitchFamily="49" charset="0"/>
+              </a:rPr>
+              <a:t>(</a:t>
+            </a:r>
+            <a:r>
+              <a:rPr lang="en-US" sz="1100" i="1" dirty="0" err="1">
+                <a:solidFill>
+                  <a:srgbClr val="6A3E3E"/>
+                </a:solidFill>
+                <a:latin typeface="Consolas" panose="020B0609020204030204" pitchFamily="49" charset="0"/>
+              </a:rPr>
+              <a:t>props</a:t>
+            </a:r>
+            <a:r>
+              <a:rPr lang="en-US" sz="1100" i="1" dirty="0" err="1">
+                <a:solidFill>
+                  <a:srgbClr val="000000"/>
+                </a:solidFill>
+                <a:latin typeface="Consolas" panose="020B0609020204030204" pitchFamily="49" charset="0"/>
+              </a:rPr>
+              <a:t>.getProperty</a:t>
+            </a:r>
+            <a:r>
+              <a:rPr lang="en-US" sz="1100" i="1" dirty="0">
+                <a:solidFill>
+                  <a:srgbClr val="000000"/>
+                </a:solidFill>
+                <a:latin typeface="Consolas" panose="020B0609020204030204" pitchFamily="49" charset="0"/>
+              </a:rPr>
+              <a:t>(</a:t>
+            </a:r>
+            <a:r>
+              <a:rPr lang="en-US" sz="1100" i="1" dirty="0">
+                <a:solidFill>
+                  <a:srgbClr val="2A00FF"/>
+                </a:solidFill>
+                <a:latin typeface="Consolas" panose="020B0609020204030204" pitchFamily="49" charset="0"/>
+              </a:rPr>
+              <a:t>"</a:t>
+            </a:r>
+            <a:r>
+              <a:rPr lang="en-US" sz="1100" i="1" dirty="0" err="1">
+                <a:solidFill>
+                  <a:srgbClr val="2A00FF"/>
+                </a:solidFill>
+                <a:latin typeface="Consolas" panose="020B0609020204030204" pitchFamily="49" charset="0"/>
+              </a:rPr>
+              <a:t>jdbc.maxPoolSize</a:t>
+            </a:r>
+            <a:r>
+              <a:rPr lang="en-US" sz="1100" i="1" dirty="0">
+                <a:solidFill>
+                  <a:srgbClr val="2A00FF"/>
+                </a:solidFill>
+                <a:latin typeface="Consolas" panose="020B0609020204030204" pitchFamily="49" charset="0"/>
+              </a:rPr>
+              <a:t>"</a:t>
+            </a:r>
+            <a:r>
+              <a:rPr lang="en-US" sz="1100" i="1" dirty="0">
+                <a:solidFill>
+                  <a:srgbClr val="000000"/>
+                </a:solidFill>
+                <a:latin typeface="Consolas" panose="020B0609020204030204" pitchFamily="49" charset="0"/>
+              </a:rPr>
+              <a:t>)));</a:t>
+            </a:r>
+          </a:p>
+          <a:p>
+            <a:pPr lvl="2"/>
+            <a:r>
+              <a:rPr lang="en-US" sz="1100" i="1" dirty="0" err="1">
+                <a:solidFill>
+                  <a:srgbClr val="0000C0"/>
+                </a:solidFill>
+                <a:latin typeface="Consolas" panose="020B0609020204030204" pitchFamily="49" charset="0"/>
+              </a:rPr>
+              <a:t>hcfg</a:t>
+            </a:r>
+            <a:r>
+              <a:rPr lang="en-US" sz="1100" i="1" dirty="0" err="1">
+                <a:solidFill>
+                  <a:srgbClr val="000000"/>
+                </a:solidFill>
+                <a:latin typeface="Consolas" panose="020B0609020204030204" pitchFamily="49" charset="0"/>
+              </a:rPr>
+              <a:t>.setMinimumIdle</a:t>
+            </a:r>
+            <a:r>
+              <a:rPr lang="en-US" sz="1100" i="1" dirty="0">
+                <a:solidFill>
+                  <a:srgbClr val="000000"/>
+                </a:solidFill>
+                <a:latin typeface="Consolas" panose="020B0609020204030204" pitchFamily="49" charset="0"/>
+              </a:rPr>
+              <a:t>(</a:t>
+            </a:r>
+            <a:r>
+              <a:rPr lang="en-US" sz="1100" i="1" dirty="0" err="1">
+                <a:solidFill>
+                  <a:srgbClr val="000000"/>
+                </a:solidFill>
+                <a:latin typeface="Consolas" panose="020B0609020204030204" pitchFamily="49" charset="0"/>
+              </a:rPr>
+              <a:t>Integer.parseInt</a:t>
+            </a:r>
+            <a:r>
+              <a:rPr lang="en-US" sz="1100" i="1" dirty="0">
+                <a:solidFill>
+                  <a:srgbClr val="000000"/>
+                </a:solidFill>
+                <a:latin typeface="Consolas" panose="020B0609020204030204" pitchFamily="49" charset="0"/>
+              </a:rPr>
+              <a:t>(</a:t>
+            </a:r>
+            <a:r>
+              <a:rPr lang="en-US" sz="1100" i="1" dirty="0" err="1">
+                <a:solidFill>
+                  <a:srgbClr val="6A3E3E"/>
+                </a:solidFill>
+                <a:latin typeface="Consolas" panose="020B0609020204030204" pitchFamily="49" charset="0"/>
+              </a:rPr>
+              <a:t>props</a:t>
+            </a:r>
+            <a:r>
+              <a:rPr lang="en-US" sz="1100" i="1" dirty="0" err="1">
+                <a:solidFill>
+                  <a:srgbClr val="000000"/>
+                </a:solidFill>
+                <a:latin typeface="Consolas" panose="020B0609020204030204" pitchFamily="49" charset="0"/>
+              </a:rPr>
+              <a:t>.getProperty</a:t>
+            </a:r>
+            <a:r>
+              <a:rPr lang="en-US" sz="1100" i="1" dirty="0">
+                <a:solidFill>
+                  <a:srgbClr val="000000"/>
+                </a:solidFill>
+                <a:latin typeface="Consolas" panose="020B0609020204030204" pitchFamily="49" charset="0"/>
+              </a:rPr>
+              <a:t>(</a:t>
+            </a:r>
+            <a:r>
+              <a:rPr lang="en-US" sz="1100" i="1" dirty="0">
+                <a:solidFill>
+                  <a:srgbClr val="2A00FF"/>
+                </a:solidFill>
+                <a:latin typeface="Consolas" panose="020B0609020204030204" pitchFamily="49" charset="0"/>
+              </a:rPr>
+              <a:t>"</a:t>
+            </a:r>
+            <a:r>
+              <a:rPr lang="en-US" sz="1100" i="1" dirty="0" err="1">
+                <a:solidFill>
+                  <a:srgbClr val="2A00FF"/>
+                </a:solidFill>
+                <a:latin typeface="Consolas" panose="020B0609020204030204" pitchFamily="49" charset="0"/>
+              </a:rPr>
+              <a:t>jdbc.initialSize</a:t>
+            </a:r>
+            <a:r>
+              <a:rPr lang="en-US" sz="1100" i="1" dirty="0">
+                <a:solidFill>
+                  <a:srgbClr val="2A00FF"/>
+                </a:solidFill>
+                <a:latin typeface="Consolas" panose="020B0609020204030204" pitchFamily="49" charset="0"/>
+              </a:rPr>
+              <a:t>"</a:t>
+            </a:r>
+            <a:r>
+              <a:rPr lang="en-US" sz="1100" i="1" dirty="0">
+                <a:solidFill>
+                  <a:srgbClr val="000000"/>
+                </a:solidFill>
+                <a:latin typeface="Consolas" panose="020B0609020204030204" pitchFamily="49" charset="0"/>
+              </a:rPr>
+              <a:t>)));</a:t>
+            </a:r>
+          </a:p>
+          <a:p>
+            <a:pPr lvl="2"/>
+            <a:r>
+              <a:rPr lang="en-US" sz="1100" i="1" dirty="0" err="1">
+                <a:solidFill>
+                  <a:srgbClr val="0000C0"/>
+                </a:solidFill>
+                <a:latin typeface="Consolas" panose="020B0609020204030204" pitchFamily="49" charset="0"/>
+              </a:rPr>
+              <a:t>hcfg</a:t>
+            </a:r>
+            <a:r>
+              <a:rPr lang="en-US" sz="1100" i="1" dirty="0" err="1">
+                <a:solidFill>
+                  <a:srgbClr val="000000"/>
+                </a:solidFill>
+                <a:latin typeface="Consolas" panose="020B0609020204030204" pitchFamily="49" charset="0"/>
+              </a:rPr>
+              <a:t>.setAutoCommit</a:t>
+            </a:r>
+            <a:r>
+              <a:rPr lang="en-US" sz="1100" i="1" dirty="0">
+                <a:solidFill>
+                  <a:srgbClr val="000000"/>
+                </a:solidFill>
+                <a:latin typeface="Consolas" panose="020B0609020204030204" pitchFamily="49" charset="0"/>
+              </a:rPr>
+              <a:t>(</a:t>
+            </a:r>
+            <a:r>
+              <a:rPr lang="en-US" sz="1100" b="1" i="1" dirty="0">
+                <a:solidFill>
+                  <a:srgbClr val="7F0055"/>
+                </a:solidFill>
+                <a:latin typeface="Consolas" panose="020B0609020204030204" pitchFamily="49" charset="0"/>
+              </a:rPr>
+              <a:t>false</a:t>
+            </a:r>
+            <a:r>
+              <a:rPr lang="en-US" sz="1100" b="1" i="1" dirty="0">
+                <a:solidFill>
+                  <a:srgbClr val="000000"/>
+                </a:solidFill>
+                <a:latin typeface="Consolas" panose="020B0609020204030204" pitchFamily="49" charset="0"/>
+              </a:rPr>
+              <a:t>);</a:t>
+            </a:r>
+          </a:p>
+          <a:p>
+            <a:pPr lvl="2"/>
+            <a:r>
+              <a:rPr lang="en-US" sz="1100" i="1" dirty="0" err="1">
+                <a:solidFill>
+                  <a:srgbClr val="0000C0"/>
+                </a:solidFill>
+                <a:latin typeface="Consolas" panose="020B0609020204030204" pitchFamily="49" charset="0"/>
+              </a:rPr>
+              <a:t>hcfg</a:t>
+            </a:r>
+            <a:r>
+              <a:rPr lang="en-US" sz="1100" i="1" dirty="0" err="1">
+                <a:solidFill>
+                  <a:srgbClr val="000000"/>
+                </a:solidFill>
+                <a:latin typeface="Consolas" panose="020B0609020204030204" pitchFamily="49" charset="0"/>
+              </a:rPr>
+              <a:t>.setDriverClassName</a:t>
+            </a:r>
+            <a:r>
+              <a:rPr lang="en-US" sz="1100" i="1" dirty="0">
+                <a:solidFill>
+                  <a:srgbClr val="000000"/>
+                </a:solidFill>
+                <a:latin typeface="Consolas" panose="020B0609020204030204" pitchFamily="49" charset="0"/>
+              </a:rPr>
+              <a:t>(</a:t>
+            </a:r>
+            <a:r>
+              <a:rPr lang="en-US" sz="1100" i="1" dirty="0" err="1">
+                <a:solidFill>
+                  <a:srgbClr val="6A3E3E"/>
+                </a:solidFill>
+                <a:latin typeface="Consolas" panose="020B0609020204030204" pitchFamily="49" charset="0"/>
+              </a:rPr>
+              <a:t>props</a:t>
+            </a:r>
+            <a:r>
+              <a:rPr lang="en-US" sz="1100" i="1" dirty="0" err="1">
+                <a:solidFill>
+                  <a:srgbClr val="000000"/>
+                </a:solidFill>
+                <a:latin typeface="Consolas" panose="020B0609020204030204" pitchFamily="49" charset="0"/>
+              </a:rPr>
+              <a:t>.getProperty</a:t>
+            </a:r>
+            <a:r>
+              <a:rPr lang="en-US" sz="1100" i="1" dirty="0">
+                <a:solidFill>
+                  <a:srgbClr val="000000"/>
+                </a:solidFill>
+                <a:latin typeface="Consolas" panose="020B0609020204030204" pitchFamily="49" charset="0"/>
+              </a:rPr>
+              <a:t>(</a:t>
+            </a:r>
+            <a:r>
+              <a:rPr lang="en-US" sz="1100" i="1" dirty="0">
+                <a:solidFill>
+                  <a:srgbClr val="2A00FF"/>
+                </a:solidFill>
+                <a:latin typeface="Consolas" panose="020B0609020204030204" pitchFamily="49" charset="0"/>
+              </a:rPr>
+              <a:t>"</a:t>
+            </a:r>
+            <a:r>
+              <a:rPr lang="en-US" sz="1100" i="1" dirty="0" err="1">
+                <a:solidFill>
+                  <a:srgbClr val="2A00FF"/>
+                </a:solidFill>
+                <a:latin typeface="Consolas" panose="020B0609020204030204" pitchFamily="49" charset="0"/>
+              </a:rPr>
+              <a:t>jdbc.driverClassName</a:t>
+            </a:r>
+            <a:r>
+              <a:rPr lang="en-US" sz="1100" i="1" dirty="0">
+                <a:solidFill>
+                  <a:srgbClr val="2A00FF"/>
+                </a:solidFill>
+                <a:latin typeface="Consolas" panose="020B0609020204030204" pitchFamily="49" charset="0"/>
+              </a:rPr>
+              <a:t>"</a:t>
+            </a:r>
+            <a:r>
+              <a:rPr lang="en-US" sz="1100" i="1" dirty="0">
+                <a:solidFill>
+                  <a:srgbClr val="000000"/>
+                </a:solidFill>
+                <a:latin typeface="Consolas" panose="020B0609020204030204" pitchFamily="49" charset="0"/>
+              </a:rPr>
+              <a:t>));</a:t>
+            </a:r>
+          </a:p>
+          <a:p>
+            <a:pPr lvl="2"/>
+            <a:endParaRPr lang="en-US" sz="1100" dirty="0">
+              <a:latin typeface="Consolas" panose="020B0609020204030204" pitchFamily="49" charset="0"/>
+            </a:endParaRPr>
+          </a:p>
+          <a:p>
+            <a:pPr lvl="2"/>
+            <a:r>
+              <a:rPr lang="en-US" sz="1100" i="1" dirty="0" err="1">
+                <a:solidFill>
+                  <a:srgbClr val="0000C0"/>
+                </a:solidFill>
+                <a:latin typeface="Consolas" panose="020B0609020204030204" pitchFamily="49" charset="0"/>
+              </a:rPr>
+              <a:t>hcfg</a:t>
+            </a:r>
+            <a:r>
+              <a:rPr lang="en-US" sz="1100" i="1" dirty="0" err="1">
+                <a:solidFill>
+                  <a:srgbClr val="000000"/>
+                </a:solidFill>
+                <a:latin typeface="Consolas" panose="020B0609020204030204" pitchFamily="49" charset="0"/>
+              </a:rPr>
+              <a:t>.addDataSourceProperty</a:t>
+            </a:r>
+            <a:r>
+              <a:rPr lang="en-US" sz="1100" i="1" dirty="0">
+                <a:solidFill>
+                  <a:srgbClr val="000000"/>
+                </a:solidFill>
+                <a:latin typeface="Consolas" panose="020B0609020204030204" pitchFamily="49" charset="0"/>
+              </a:rPr>
+              <a:t>(</a:t>
+            </a:r>
+            <a:r>
+              <a:rPr lang="en-US" sz="1100" i="1" dirty="0">
+                <a:solidFill>
+                  <a:srgbClr val="2A00FF"/>
+                </a:solidFill>
+                <a:latin typeface="Consolas" panose="020B0609020204030204" pitchFamily="49" charset="0"/>
+              </a:rPr>
+              <a:t>"</a:t>
+            </a:r>
+            <a:r>
+              <a:rPr lang="en-US" sz="1100" i="1" dirty="0" err="1">
+                <a:solidFill>
+                  <a:srgbClr val="2A00FF"/>
+                </a:solidFill>
+                <a:latin typeface="Consolas" panose="020B0609020204030204" pitchFamily="49" charset="0"/>
+              </a:rPr>
+              <a:t>cachePrepStmts</a:t>
+            </a:r>
+            <a:r>
+              <a:rPr lang="en-US" sz="1100" i="1" dirty="0">
+                <a:solidFill>
+                  <a:srgbClr val="2A00FF"/>
+                </a:solidFill>
+                <a:latin typeface="Consolas" panose="020B0609020204030204" pitchFamily="49" charset="0"/>
+              </a:rPr>
+              <a:t>"</a:t>
+            </a:r>
+            <a:r>
+              <a:rPr lang="en-US" sz="1100" i="1" dirty="0">
+                <a:solidFill>
+                  <a:srgbClr val="000000"/>
+                </a:solidFill>
+                <a:latin typeface="Consolas" panose="020B0609020204030204" pitchFamily="49" charset="0"/>
+              </a:rPr>
+              <a:t>, </a:t>
+            </a:r>
+            <a:r>
+              <a:rPr lang="en-US" sz="1100" i="1" dirty="0">
+                <a:solidFill>
+                  <a:srgbClr val="2A00FF"/>
+                </a:solidFill>
+                <a:latin typeface="Consolas" panose="020B0609020204030204" pitchFamily="49" charset="0"/>
+              </a:rPr>
+              <a:t>"true"</a:t>
+            </a:r>
+            <a:r>
+              <a:rPr lang="en-US" sz="1100" i="1" dirty="0">
+                <a:solidFill>
+                  <a:srgbClr val="000000"/>
+                </a:solidFill>
+                <a:latin typeface="Consolas" panose="020B0609020204030204" pitchFamily="49" charset="0"/>
+              </a:rPr>
+              <a:t>);</a:t>
+            </a:r>
+          </a:p>
+          <a:p>
+            <a:pPr lvl="2"/>
+            <a:r>
+              <a:rPr lang="en-US" sz="1100" i="1" dirty="0" err="1">
+                <a:solidFill>
+                  <a:srgbClr val="0000C0"/>
+                </a:solidFill>
+                <a:latin typeface="Consolas" panose="020B0609020204030204" pitchFamily="49" charset="0"/>
+              </a:rPr>
+              <a:t>hcfg</a:t>
+            </a:r>
+            <a:r>
+              <a:rPr lang="en-US" sz="1100" i="1" dirty="0" err="1">
+                <a:solidFill>
+                  <a:srgbClr val="000000"/>
+                </a:solidFill>
+                <a:latin typeface="Consolas" panose="020B0609020204030204" pitchFamily="49" charset="0"/>
+              </a:rPr>
+              <a:t>.addDataSourceProperty</a:t>
+            </a:r>
+            <a:r>
+              <a:rPr lang="en-US" sz="1100" i="1" dirty="0">
+                <a:solidFill>
+                  <a:srgbClr val="000000"/>
+                </a:solidFill>
+                <a:latin typeface="Consolas" panose="020B0609020204030204" pitchFamily="49" charset="0"/>
+              </a:rPr>
+              <a:t>(</a:t>
+            </a:r>
+            <a:r>
+              <a:rPr lang="en-US" sz="1100" i="1" dirty="0">
+                <a:solidFill>
+                  <a:srgbClr val="2A00FF"/>
+                </a:solidFill>
+                <a:latin typeface="Consolas" panose="020B0609020204030204" pitchFamily="49" charset="0"/>
+              </a:rPr>
+              <a:t>"</a:t>
+            </a:r>
+            <a:r>
+              <a:rPr lang="en-US" sz="1100" i="1" dirty="0" err="1">
+                <a:solidFill>
+                  <a:srgbClr val="2A00FF"/>
+                </a:solidFill>
+                <a:latin typeface="Consolas" panose="020B0609020204030204" pitchFamily="49" charset="0"/>
+              </a:rPr>
+              <a:t>prepStmtCacheSize</a:t>
+            </a:r>
+            <a:r>
+              <a:rPr lang="en-US" sz="1100" i="1" dirty="0">
+                <a:solidFill>
+                  <a:srgbClr val="2A00FF"/>
+                </a:solidFill>
+                <a:latin typeface="Consolas" panose="020B0609020204030204" pitchFamily="49" charset="0"/>
+              </a:rPr>
+              <a:t>"</a:t>
+            </a:r>
+            <a:r>
+              <a:rPr lang="en-US" sz="1100" i="1" dirty="0">
+                <a:solidFill>
+                  <a:srgbClr val="000000"/>
+                </a:solidFill>
+                <a:latin typeface="Consolas" panose="020B0609020204030204" pitchFamily="49" charset="0"/>
+              </a:rPr>
+              <a:t>, </a:t>
+            </a:r>
+            <a:r>
+              <a:rPr lang="en-US" sz="1100" i="1" dirty="0">
+                <a:solidFill>
+                  <a:srgbClr val="2A00FF"/>
+                </a:solidFill>
+                <a:latin typeface="Consolas" panose="020B0609020204030204" pitchFamily="49" charset="0"/>
+              </a:rPr>
+              <a:t>"10"</a:t>
+            </a:r>
+            <a:r>
+              <a:rPr lang="en-US" sz="1100" i="1" dirty="0">
+                <a:solidFill>
+                  <a:srgbClr val="000000"/>
+                </a:solidFill>
+                <a:latin typeface="Consolas" panose="020B0609020204030204" pitchFamily="49" charset="0"/>
+              </a:rPr>
+              <a:t>);</a:t>
+            </a:r>
+          </a:p>
+          <a:p>
+            <a:pPr lvl="2"/>
+            <a:r>
+              <a:rPr lang="en-US" sz="1100" i="1" dirty="0" err="1">
+                <a:solidFill>
+                  <a:srgbClr val="0000C0"/>
+                </a:solidFill>
+                <a:latin typeface="Consolas" panose="020B0609020204030204" pitchFamily="49" charset="0"/>
+              </a:rPr>
+              <a:t>hcfg</a:t>
+            </a:r>
+            <a:r>
+              <a:rPr lang="en-US" sz="1100" i="1" dirty="0" err="1">
+                <a:solidFill>
+                  <a:srgbClr val="000000"/>
+                </a:solidFill>
+                <a:latin typeface="Consolas" panose="020B0609020204030204" pitchFamily="49" charset="0"/>
+              </a:rPr>
+              <a:t>.addDataSourceProperty</a:t>
+            </a:r>
+            <a:r>
+              <a:rPr lang="en-US" sz="1100" i="1" dirty="0">
+                <a:solidFill>
+                  <a:srgbClr val="000000"/>
+                </a:solidFill>
+                <a:latin typeface="Consolas" panose="020B0609020204030204" pitchFamily="49" charset="0"/>
+              </a:rPr>
+              <a:t>(</a:t>
+            </a:r>
+            <a:r>
+              <a:rPr lang="en-US" sz="1100" i="1" dirty="0">
+                <a:solidFill>
+                  <a:srgbClr val="2A00FF"/>
+                </a:solidFill>
+                <a:latin typeface="Consolas" panose="020B0609020204030204" pitchFamily="49" charset="0"/>
+              </a:rPr>
+              <a:t>"</a:t>
+            </a:r>
+            <a:r>
+              <a:rPr lang="en-US" sz="1100" i="1" dirty="0" err="1">
+                <a:solidFill>
+                  <a:srgbClr val="2A00FF"/>
+                </a:solidFill>
+                <a:latin typeface="Consolas" panose="020B0609020204030204" pitchFamily="49" charset="0"/>
+              </a:rPr>
+              <a:t>prepStmtCacheSqlLimit</a:t>
+            </a:r>
+            <a:r>
+              <a:rPr lang="en-US" sz="1100" i="1" dirty="0">
+                <a:solidFill>
+                  <a:srgbClr val="2A00FF"/>
+                </a:solidFill>
+                <a:latin typeface="Consolas" panose="020B0609020204030204" pitchFamily="49" charset="0"/>
+              </a:rPr>
+              <a:t>"</a:t>
+            </a:r>
+            <a:r>
+              <a:rPr lang="en-US" sz="1100" i="1" dirty="0">
+                <a:solidFill>
+                  <a:srgbClr val="000000"/>
+                </a:solidFill>
+                <a:latin typeface="Consolas" panose="020B0609020204030204" pitchFamily="49" charset="0"/>
+              </a:rPr>
+              <a:t>, </a:t>
+            </a:r>
+            <a:r>
+              <a:rPr lang="en-US" sz="1100" i="1" dirty="0">
+                <a:solidFill>
+                  <a:srgbClr val="2A00FF"/>
+                </a:solidFill>
+                <a:latin typeface="Consolas" panose="020B0609020204030204" pitchFamily="49" charset="0"/>
+              </a:rPr>
+              <a:t>"128"</a:t>
+            </a:r>
+            <a:r>
+              <a:rPr lang="en-US" sz="1100" i="1" dirty="0">
+                <a:solidFill>
+                  <a:srgbClr val="000000"/>
+                </a:solidFill>
+                <a:latin typeface="Consolas" panose="020B0609020204030204" pitchFamily="49" charset="0"/>
+              </a:rPr>
+              <a:t>);</a:t>
+            </a:r>
+          </a:p>
+          <a:p>
+            <a:pPr lvl="2"/>
+            <a:endParaRPr lang="en-US" sz="1100" dirty="0">
+              <a:latin typeface="Consolas" panose="020B0609020204030204" pitchFamily="49" charset="0"/>
+            </a:endParaRPr>
+          </a:p>
+          <a:p>
+            <a:pPr lvl="2"/>
+            <a:r>
+              <a:rPr lang="en-US" sz="1100" i="1" dirty="0" err="1">
+                <a:solidFill>
+                  <a:srgbClr val="0000C0"/>
+                </a:solidFill>
+                <a:latin typeface="Consolas" panose="020B0609020204030204" pitchFamily="49" charset="0"/>
+              </a:rPr>
+              <a:t>hds</a:t>
+            </a:r>
+            <a:r>
+              <a:rPr lang="en-US" sz="1100" i="1" dirty="0">
+                <a:solidFill>
+                  <a:srgbClr val="000000"/>
+                </a:solidFill>
+                <a:latin typeface="Consolas" panose="020B0609020204030204" pitchFamily="49" charset="0"/>
+              </a:rPr>
+              <a:t> = </a:t>
+            </a:r>
+            <a:r>
+              <a:rPr lang="en-US" sz="1100" b="1" i="1" dirty="0">
+                <a:solidFill>
+                  <a:srgbClr val="7F0055"/>
+                </a:solidFill>
+                <a:latin typeface="Consolas" panose="020B0609020204030204" pitchFamily="49" charset="0"/>
+              </a:rPr>
+              <a:t>new</a:t>
+            </a:r>
+            <a:r>
+              <a:rPr lang="en-US" sz="1100" b="1" i="1" dirty="0">
+                <a:solidFill>
+                  <a:srgbClr val="000000"/>
+                </a:solidFill>
+                <a:latin typeface="Consolas" panose="020B0609020204030204" pitchFamily="49" charset="0"/>
+              </a:rPr>
+              <a:t> </a:t>
+            </a:r>
+            <a:r>
+              <a:rPr lang="en-US" sz="1100" b="1" i="1" dirty="0" err="1">
+                <a:solidFill>
+                  <a:srgbClr val="000000"/>
+                </a:solidFill>
+                <a:latin typeface="Consolas" panose="020B0609020204030204" pitchFamily="49" charset="0"/>
+              </a:rPr>
+              <a:t>HikariDataSource</a:t>
+            </a:r>
+            <a:r>
+              <a:rPr lang="en-US" sz="1100" b="1" i="1" dirty="0">
+                <a:solidFill>
+                  <a:srgbClr val="000000"/>
+                </a:solidFill>
+                <a:latin typeface="Consolas" panose="020B0609020204030204" pitchFamily="49" charset="0"/>
+              </a:rPr>
+              <a:t>(</a:t>
+            </a:r>
+            <a:r>
+              <a:rPr lang="en-US" sz="1100" b="1" i="1" dirty="0" err="1">
+                <a:solidFill>
+                  <a:srgbClr val="0000C0"/>
+                </a:solidFill>
+                <a:latin typeface="Consolas" panose="020B0609020204030204" pitchFamily="49" charset="0"/>
+              </a:rPr>
+              <a:t>hcfg</a:t>
+            </a:r>
+            <a:r>
+              <a:rPr lang="en-US" sz="1100" b="1" i="1" dirty="0">
+                <a:solidFill>
+                  <a:srgbClr val="000000"/>
+                </a:solidFill>
+                <a:latin typeface="Consolas" panose="020B0609020204030204" pitchFamily="49" charset="0"/>
+              </a:rPr>
+              <a:t>);</a:t>
+            </a:r>
+          </a:p>
+          <a:p>
+            <a:pPr lvl="2"/>
+            <a:r>
+              <a:rPr lang="en-US" sz="1100" b="1" i="1" dirty="0">
+                <a:solidFill>
+                  <a:srgbClr val="0000C0"/>
+                </a:solidFill>
+                <a:latin typeface="Consolas" panose="020B0609020204030204" pitchFamily="49" charset="0"/>
+              </a:rPr>
+              <a:t>logger</a:t>
+            </a:r>
+            <a:r>
+              <a:rPr lang="en-US" sz="1100" b="1" i="1" dirty="0">
+                <a:solidFill>
+                  <a:srgbClr val="000000"/>
+                </a:solidFill>
+                <a:latin typeface="Consolas" panose="020B0609020204030204" pitchFamily="49" charset="0"/>
+              </a:rPr>
+              <a:t>.info(</a:t>
+            </a:r>
+            <a:r>
+              <a:rPr lang="en-US" sz="1100" b="1" i="1" dirty="0">
+                <a:solidFill>
+                  <a:srgbClr val="2A00FF"/>
+                </a:solidFill>
+                <a:latin typeface="Consolas" panose="020B0609020204030204" pitchFamily="49" charset="0"/>
+              </a:rPr>
+              <a:t>"Created </a:t>
+            </a:r>
+            <a:r>
+              <a:rPr lang="en-US" sz="1100" b="1" i="1" dirty="0" err="1">
+                <a:solidFill>
+                  <a:srgbClr val="2A00FF"/>
+                </a:solidFill>
+                <a:latin typeface="Consolas" panose="020B0609020204030204" pitchFamily="49" charset="0"/>
+              </a:rPr>
+              <a:t>DataSource</a:t>
+            </a:r>
+            <a:r>
+              <a:rPr lang="en-US" sz="1100" b="1" i="1" dirty="0">
+                <a:solidFill>
+                  <a:srgbClr val="2A00FF"/>
+                </a:solidFill>
+                <a:latin typeface="Consolas" panose="020B0609020204030204" pitchFamily="49" charset="0"/>
+              </a:rPr>
+              <a:t>: "</a:t>
+            </a:r>
+            <a:r>
+              <a:rPr lang="en-US" sz="1100" b="1" i="1" dirty="0">
+                <a:solidFill>
+                  <a:srgbClr val="000000"/>
+                </a:solidFill>
+                <a:latin typeface="Consolas" panose="020B0609020204030204" pitchFamily="49" charset="0"/>
+              </a:rPr>
+              <a:t> + </a:t>
+            </a:r>
+            <a:r>
+              <a:rPr lang="en-US" sz="1100" b="1" i="1" dirty="0" err="1">
+                <a:solidFill>
+                  <a:srgbClr val="0000C0"/>
+                </a:solidFill>
+                <a:latin typeface="Consolas" panose="020B0609020204030204" pitchFamily="49" charset="0"/>
+              </a:rPr>
+              <a:t>hds</a:t>
+            </a:r>
+            <a:r>
+              <a:rPr lang="en-US" sz="1100" b="1" i="1" dirty="0">
+                <a:solidFill>
+                  <a:srgbClr val="000000"/>
+                </a:solidFill>
+                <a:latin typeface="Consolas" panose="020B0609020204030204" pitchFamily="49" charset="0"/>
+              </a:rPr>
+              <a:t>);</a:t>
+            </a:r>
+          </a:p>
+          <a:p>
+            <a:pPr lvl="1"/>
+            <a:r>
+              <a:rPr lang="en-US" sz="1100" dirty="0">
+                <a:solidFill>
+                  <a:srgbClr val="000000"/>
+                </a:solidFill>
+                <a:latin typeface="Consolas" panose="020B0609020204030204" pitchFamily="49" charset="0"/>
+              </a:rPr>
+              <a:t>} </a:t>
+            </a:r>
+            <a:r>
+              <a:rPr lang="en-US" sz="1100" b="1" dirty="0">
+                <a:solidFill>
+                  <a:srgbClr val="7F0055"/>
+                </a:solidFill>
+                <a:latin typeface="Consolas" panose="020B0609020204030204" pitchFamily="49" charset="0"/>
+              </a:rPr>
+              <a:t>catch</a:t>
+            </a:r>
+            <a:r>
+              <a:rPr lang="en-US" sz="1100" b="1" dirty="0">
+                <a:solidFill>
+                  <a:srgbClr val="000000"/>
+                </a:solidFill>
+                <a:latin typeface="Consolas" panose="020B0609020204030204" pitchFamily="49" charset="0"/>
+              </a:rPr>
+              <a:t> (Exception </a:t>
+            </a:r>
+            <a:r>
+              <a:rPr lang="en-US" sz="1100" b="1" dirty="0">
+                <a:solidFill>
+                  <a:srgbClr val="6A3E3E"/>
+                </a:solidFill>
+                <a:latin typeface="Consolas" panose="020B0609020204030204" pitchFamily="49" charset="0"/>
+              </a:rPr>
+              <a:t>e</a:t>
+            </a:r>
+            <a:r>
+              <a:rPr lang="en-US" sz="1100" b="1" dirty="0">
+                <a:solidFill>
+                  <a:srgbClr val="000000"/>
+                </a:solidFill>
+                <a:latin typeface="Consolas" panose="020B0609020204030204" pitchFamily="49" charset="0"/>
+              </a:rPr>
+              <a:t>) {</a:t>
+            </a:r>
+          </a:p>
+          <a:p>
+            <a:pPr lvl="2"/>
+            <a:r>
+              <a:rPr lang="en-US" sz="1100" dirty="0" err="1">
+                <a:solidFill>
+                  <a:srgbClr val="6A3E3E"/>
+                </a:solidFill>
+                <a:latin typeface="Consolas" panose="020B0609020204030204" pitchFamily="49" charset="0"/>
+              </a:rPr>
+              <a:t>e</a:t>
+            </a:r>
+            <a:r>
+              <a:rPr lang="en-US" sz="1100" dirty="0" err="1">
+                <a:solidFill>
+                  <a:srgbClr val="000000"/>
+                </a:solidFill>
+                <a:latin typeface="Consolas" panose="020B0609020204030204" pitchFamily="49" charset="0"/>
+              </a:rPr>
+              <a:t>.printStackTrace</a:t>
+            </a:r>
+            <a:r>
+              <a:rPr lang="en-US" sz="1100" dirty="0">
+                <a:solidFill>
+                  <a:srgbClr val="000000"/>
+                </a:solidFill>
+                <a:latin typeface="Consolas" panose="020B0609020204030204" pitchFamily="49" charset="0"/>
+              </a:rPr>
+              <a:t>();</a:t>
+            </a:r>
+          </a:p>
+          <a:p>
+            <a:pPr lvl="1"/>
+            <a:r>
+              <a:rPr lang="en-US" sz="1100" dirty="0">
+                <a:solidFill>
+                  <a:srgbClr val="000000"/>
+                </a:solidFill>
+                <a:latin typeface="Consolas" panose="020B0609020204030204" pitchFamily="49" charset="0"/>
+              </a:rPr>
+              <a:t>} </a:t>
+            </a:r>
+            <a:r>
+              <a:rPr lang="en-US" sz="1100" b="1" dirty="0">
+                <a:solidFill>
+                  <a:srgbClr val="7F0055"/>
+                </a:solidFill>
+                <a:latin typeface="Consolas" panose="020B0609020204030204" pitchFamily="49" charset="0"/>
+              </a:rPr>
+              <a:t>finally</a:t>
+            </a:r>
+            <a:r>
+              <a:rPr lang="en-US" sz="1100" b="1" dirty="0">
+                <a:solidFill>
+                  <a:srgbClr val="000000"/>
+                </a:solidFill>
+                <a:latin typeface="Consolas" panose="020B0609020204030204" pitchFamily="49" charset="0"/>
+              </a:rPr>
+              <a:t> {</a:t>
+            </a:r>
+          </a:p>
+          <a:p>
+            <a:pPr lvl="2"/>
+            <a:r>
+              <a:rPr lang="en-US" sz="1100" b="1" i="1" dirty="0">
+                <a:solidFill>
+                  <a:srgbClr val="0000C0"/>
+                </a:solidFill>
+                <a:latin typeface="Consolas" panose="020B0609020204030204" pitchFamily="49" charset="0"/>
+              </a:rPr>
+              <a:t>logger</a:t>
+            </a:r>
+            <a:r>
+              <a:rPr lang="en-US" sz="1100" b="1" i="1" dirty="0">
+                <a:solidFill>
+                  <a:srgbClr val="000000"/>
+                </a:solidFill>
+                <a:latin typeface="Consolas" panose="020B0609020204030204" pitchFamily="49" charset="0"/>
+              </a:rPr>
+              <a:t>.info(</a:t>
+            </a:r>
+            <a:r>
+              <a:rPr lang="en-US" sz="1100" b="1" i="1" dirty="0">
+                <a:solidFill>
+                  <a:srgbClr val="2A00FF"/>
+                </a:solidFill>
+                <a:latin typeface="Consolas" panose="020B0609020204030204" pitchFamily="49" charset="0"/>
+              </a:rPr>
+              <a:t>"END - Creating Connection Pool </a:t>
+            </a:r>
+            <a:r>
+              <a:rPr lang="en-US" sz="1100" b="1" i="1" dirty="0" err="1">
+                <a:solidFill>
+                  <a:srgbClr val="2A00FF"/>
+                </a:solidFill>
+                <a:latin typeface="Consolas" panose="020B0609020204030204" pitchFamily="49" charset="0"/>
+              </a:rPr>
+              <a:t>DataSource</a:t>
+            </a:r>
+            <a:r>
+              <a:rPr lang="en-US" sz="1100" b="1" i="1" dirty="0">
+                <a:solidFill>
+                  <a:srgbClr val="2A00FF"/>
+                </a:solidFill>
+                <a:latin typeface="Consolas" panose="020B0609020204030204" pitchFamily="49" charset="0"/>
+              </a:rPr>
+              <a:t>: "</a:t>
+            </a:r>
+            <a:r>
+              <a:rPr lang="en-US" sz="1100" b="1" i="1" dirty="0">
+                <a:solidFill>
+                  <a:srgbClr val="000000"/>
+                </a:solidFill>
+                <a:latin typeface="Consolas" panose="020B0609020204030204" pitchFamily="49" charset="0"/>
+              </a:rPr>
+              <a:t> + </a:t>
+            </a:r>
+            <a:r>
+              <a:rPr lang="en-US" sz="1100" b="1" i="1" dirty="0" err="1">
+                <a:solidFill>
+                  <a:srgbClr val="0000C0"/>
+                </a:solidFill>
+                <a:latin typeface="Consolas" panose="020B0609020204030204" pitchFamily="49" charset="0"/>
+              </a:rPr>
+              <a:t>hds</a:t>
+            </a:r>
+            <a:r>
+              <a:rPr lang="en-US" sz="1100" b="1" i="1" dirty="0">
+                <a:solidFill>
+                  <a:srgbClr val="000000"/>
+                </a:solidFill>
+                <a:latin typeface="Consolas" panose="020B0609020204030204" pitchFamily="49" charset="0"/>
+              </a:rPr>
+              <a:t>);</a:t>
+            </a:r>
+          </a:p>
+          <a:p>
+            <a:pPr lvl="1"/>
+            <a:r>
+              <a:rPr lang="en-US" sz="1100" dirty="0">
+                <a:solidFill>
+                  <a:srgbClr val="000000"/>
+                </a:solidFill>
+                <a:latin typeface="Consolas" panose="020B0609020204030204" pitchFamily="49" charset="0"/>
+              </a:rPr>
+              <a:t>}</a:t>
+            </a:r>
+          </a:p>
+          <a:p>
+            <a:pPr algn="l"/>
+            <a:r>
+              <a:rPr lang="en-US" sz="1100" dirty="0">
+                <a:solidFill>
+                  <a:srgbClr val="000000"/>
+                </a:solidFill>
+                <a:latin typeface="Consolas" panose="020B0609020204030204" pitchFamily="49" charset="0"/>
+              </a:rPr>
+              <a:t>}</a:t>
+            </a:r>
+          </a:p>
+          <a:p>
+            <a:pPr algn="l"/>
+            <a:endParaRPr lang="en-US" sz="1100" dirty="0">
+              <a:latin typeface="Consolas" panose="020B0609020204030204" pitchFamily="49" charset="0"/>
+            </a:endParaRPr>
+          </a:p>
+          <a:p>
+            <a:pPr algn="l"/>
+            <a:r>
+              <a:rPr lang="en-US" sz="1100" b="1" dirty="0">
+                <a:solidFill>
+                  <a:srgbClr val="7F0055"/>
+                </a:solidFill>
+                <a:latin typeface="Consolas" panose="020B0609020204030204" pitchFamily="49" charset="0"/>
+              </a:rPr>
+              <a:t>public</a:t>
+            </a:r>
+            <a:r>
+              <a:rPr lang="en-US" sz="1100" b="1" dirty="0">
+                <a:solidFill>
+                  <a:srgbClr val="000000"/>
+                </a:solidFill>
+                <a:latin typeface="Consolas" panose="020B0609020204030204" pitchFamily="49" charset="0"/>
+              </a:rPr>
+              <a:t> </a:t>
+            </a:r>
+            <a:r>
+              <a:rPr lang="en-US" sz="1100" b="1" dirty="0">
+                <a:solidFill>
+                  <a:srgbClr val="7F0055"/>
+                </a:solidFill>
+                <a:latin typeface="Consolas" panose="020B0609020204030204" pitchFamily="49" charset="0"/>
+              </a:rPr>
+              <a:t>static</a:t>
+            </a:r>
+            <a:r>
+              <a:rPr lang="en-US" sz="1100" b="1" dirty="0">
+                <a:solidFill>
+                  <a:srgbClr val="000000"/>
+                </a:solidFill>
+                <a:latin typeface="Consolas" panose="020B0609020204030204" pitchFamily="49" charset="0"/>
+              </a:rPr>
+              <a:t> </a:t>
+            </a:r>
+            <a:r>
+              <a:rPr lang="en-US" sz="1100" b="1" dirty="0" err="1">
+                <a:solidFill>
+                  <a:srgbClr val="000000"/>
+                </a:solidFill>
+                <a:latin typeface="Consolas" panose="020B0609020204030204" pitchFamily="49" charset="0"/>
+              </a:rPr>
+              <a:t>HikariDataSource</a:t>
+            </a:r>
+            <a:r>
+              <a:rPr lang="en-US" sz="1100" b="1" dirty="0">
+                <a:solidFill>
+                  <a:srgbClr val="000000"/>
+                </a:solidFill>
+                <a:latin typeface="Consolas" panose="020B0609020204030204" pitchFamily="49" charset="0"/>
+              </a:rPr>
+              <a:t> </a:t>
+            </a:r>
+            <a:r>
+              <a:rPr lang="en-US" sz="1100" b="1" dirty="0" err="1">
+                <a:solidFill>
+                  <a:srgbClr val="000000"/>
+                </a:solidFill>
+                <a:latin typeface="Consolas" panose="020B0609020204030204" pitchFamily="49" charset="0"/>
+              </a:rPr>
+              <a:t>getDataSource</a:t>
+            </a:r>
+            <a:r>
+              <a:rPr lang="en-US" sz="1100" b="1" dirty="0">
+                <a:solidFill>
+                  <a:srgbClr val="000000"/>
+                </a:solidFill>
+                <a:latin typeface="Consolas" panose="020B0609020204030204" pitchFamily="49" charset="0"/>
+              </a:rPr>
+              <a:t>() {</a:t>
+            </a:r>
+          </a:p>
+          <a:p>
+            <a:pPr lvl="1"/>
+            <a:r>
+              <a:rPr lang="en-US" sz="1100" b="1" dirty="0">
+                <a:solidFill>
+                  <a:srgbClr val="7F0055"/>
+                </a:solidFill>
+                <a:latin typeface="Consolas" panose="020B0609020204030204" pitchFamily="49" charset="0"/>
+              </a:rPr>
+              <a:t>return</a:t>
+            </a:r>
+            <a:r>
+              <a:rPr lang="en-US" sz="1100" b="1" dirty="0">
+                <a:solidFill>
+                  <a:srgbClr val="000000"/>
+                </a:solidFill>
+                <a:latin typeface="Consolas" panose="020B0609020204030204" pitchFamily="49" charset="0"/>
+              </a:rPr>
+              <a:t> </a:t>
+            </a:r>
+            <a:r>
+              <a:rPr lang="en-US" sz="1100" b="1" i="1" dirty="0" err="1">
+                <a:solidFill>
+                  <a:srgbClr val="0000C0"/>
+                </a:solidFill>
+                <a:latin typeface="Consolas" panose="020B0609020204030204" pitchFamily="49" charset="0"/>
+              </a:rPr>
+              <a:t>hds</a:t>
+            </a:r>
+            <a:r>
+              <a:rPr lang="en-US" sz="1100" b="1" i="1" dirty="0">
+                <a:solidFill>
+                  <a:srgbClr val="000000"/>
+                </a:solidFill>
+                <a:latin typeface="Consolas" panose="020B0609020204030204" pitchFamily="49" charset="0"/>
+              </a:rPr>
+              <a:t>;</a:t>
+            </a:r>
+          </a:p>
+          <a:p>
+            <a:pPr algn="l"/>
+            <a:r>
+              <a:rPr lang="en-US" sz="1100" dirty="0">
+                <a:solidFill>
+                  <a:srgbClr val="000000"/>
+                </a:solidFill>
+                <a:latin typeface="Consolas" panose="020B0609020204030204" pitchFamily="49" charset="0"/>
+              </a:rPr>
+              <a:t>}</a:t>
+            </a:r>
+            <a:endParaRPr lang="en-US" sz="1100" dirty="0"/>
           </a:p>
         </p:txBody>
       </p:sp>
     </p:spTree>
     <p:extLst>
       <p:ext uri="{BB962C8B-B14F-4D97-AF65-F5344CB8AC3E}">
-        <p14:creationId xmlns:p14="http://schemas.microsoft.com/office/powerpoint/2010/main" val="430265875"/>
+        <p14:creationId xmlns:p14="http://schemas.microsoft.com/office/powerpoint/2010/main" val="4245673401"/>
       </p:ext>
     </p:extLst>
   </p:cSld>
@@ -34283,6 +36196,374 @@
 </file>
 
 <file path=ppt/slides/slide20.xml><?xml version="1.0" encoding="utf-8"?>
+<p:sld xmlns:a="http://schemas.openxmlformats.org/drawingml/2006/main" xmlns:r="http://schemas.openxmlformats.org/officeDocument/2006/relationships" xmlns:p="http://schemas.openxmlformats.org/presentationml/2006/main">
+  <p:cSld>
+    <p:bg>
+      <p:bgPr>
+        <a:solidFill>
+          <a:schemeClr val="bg1"/>
+        </a:solidFill>
+        <a:effectLst/>
+      </p:bgPr>
+    </p:bg>
+    <p:spTree>
+      <p:nvGrpSpPr>
+        <p:cNvPr id="1" name=""/>
+        <p:cNvGrpSpPr/>
+        <p:nvPr/>
+      </p:nvGrpSpPr>
+      <p:grpSpPr>
+        <a:xfrm>
+          <a:off x="0" y="0"/>
+          <a:ext cx="0" cy="0"/>
+          <a:chOff x="0" y="0"/>
+          <a:chExt cx="0" cy="0"/>
+        </a:xfrm>
+      </p:grpSpPr>
+      <p:sp useBgFill="1">
+        <p:nvSpPr>
+          <p:cNvPr id="10" name="Rectangle 9">
+            <a:extLst>
+              <a:ext uri="{FF2B5EF4-FFF2-40B4-BE49-F238E27FC236}">
+                <a16:creationId xmlns:a16="http://schemas.microsoft.com/office/drawing/2014/main" id="{EE1530B0-6F96-46C0-8B3E-3215CB756BE4}"/>
+              </a:ext>
+              <a:ext uri="{C183D7F6-B498-43B3-948B-1728B52AA6E4}">
+                <adec:decorative xmlns:adec="http://schemas.microsoft.com/office/drawing/2017/decorative" val="1"/>
+              </a:ext>
+            </a:extLst>
+          </p:cNvPr>
+          <p:cNvSpPr>
+            <a:spLocks noGrp="1" noRot="1" noChangeAspect="1" noMove="1" noResize="1" noEditPoints="1" noAdjustHandles="1" noChangeArrowheads="1" noChangeShapeType="1" noTextEdit="1"/>
+          </p:cNvSpPr>
+          <p:nvPr>
+            <p:extLst>
+              <p:ext uri="{386F3935-93C4-4BCD-93E2-E3B085C9AB24}">
+                <p16:designElem xmlns:p16="http://schemas.microsoft.com/office/powerpoint/2015/main" val="1"/>
+              </p:ext>
+            </p:extLst>
+          </p:nvPr>
+        </p:nvSpPr>
+        <p:spPr>
+          <a:xfrm>
+            <a:off x="5685" y="0"/>
+            <a:ext cx="12186315" cy="6858000"/>
+          </a:xfrm>
+          <a:prstGeom prst="rect">
+            <a:avLst/>
+          </a:prstGeom>
+          <a:ln>
+            <a:noFill/>
+          </a:ln>
+        </p:spPr>
+        <p:style>
+          <a:lnRef idx="2">
+            <a:schemeClr val="accent6">
+              <a:shade val="50000"/>
+            </a:schemeClr>
+          </a:lnRef>
+          <a:fillRef idx="1001">
+            <a:schemeClr val="lt1"/>
+          </a:fillRef>
+          <a:effectRef idx="0">
+            <a:schemeClr val="accent6"/>
+          </a:effectRef>
+          <a:fontRef idx="minor">
+            <a:schemeClr val="lt1"/>
+          </a:fontRef>
+        </p:style>
+        <p:txBody>
+          <a:bodyPr rtlCol="0" anchor="ctr"/>
+          <a:lstStyle/>
+          <a:p>
+            <a:pPr marL="0" marR="0" lvl="0" indent="0" algn="ctr" defTabSz="914400" rtl="0" eaLnBrk="1" fontAlgn="auto" latinLnBrk="0" hangingPunct="1">
+              <a:lnSpc>
+                <a:spcPct val="100000"/>
+              </a:lnSpc>
+              <a:spcBef>
+                <a:spcPts val="0"/>
+              </a:spcBef>
+              <a:spcAft>
+                <a:spcPts val="0"/>
+              </a:spcAft>
+              <a:buClrTx/>
+              <a:buSzTx/>
+              <a:buFontTx/>
+              <a:buNone/>
+              <a:tabLst/>
+              <a:defRPr/>
+            </a:pPr>
+            <a:endParaRPr kumimoji="0" lang="en-US" sz="1800" b="0" i="0" u="none" strike="noStrike" kern="1200" cap="none" spc="0" normalizeH="0" baseline="0" noProof="0" dirty="0">
+              <a:ln>
+                <a:noFill/>
+              </a:ln>
+              <a:solidFill>
+                <a:prstClr val="white"/>
+              </a:solidFill>
+              <a:effectLst/>
+              <a:uLnTx/>
+              <a:uFillTx/>
+              <a:latin typeface="Franklin Gothic Book" panose="020F0502020204030204"/>
+              <a:ea typeface="+mn-ea"/>
+              <a:cs typeface="+mn-cs"/>
+            </a:endParaRPr>
+          </a:p>
+        </p:txBody>
+      </p:sp>
+      <p:sp>
+        <p:nvSpPr>
+          <p:cNvPr id="12" name="Rectangle 11">
+            <a:extLst>
+              <a:ext uri="{FF2B5EF4-FFF2-40B4-BE49-F238E27FC236}">
+                <a16:creationId xmlns:a16="http://schemas.microsoft.com/office/drawing/2014/main" id="{754910CF-1B56-45D3-960A-E89F7B3B9131}"/>
+              </a:ext>
+              <a:ext uri="{C183D7F6-B498-43B3-948B-1728B52AA6E4}">
+                <adec:decorative xmlns:adec="http://schemas.microsoft.com/office/drawing/2017/decorative" val="1"/>
+              </a:ext>
+            </a:extLst>
+          </p:cNvPr>
+          <p:cNvSpPr>
+            <a:spLocks noGrp="1" noRot="1" noChangeAspect="1" noMove="1" noResize="1" noEditPoints="1" noAdjustHandles="1" noChangeArrowheads="1" noChangeShapeType="1" noTextEdit="1"/>
+          </p:cNvSpPr>
+          <p:nvPr>
+            <p:extLst>
+              <p:ext uri="{386F3935-93C4-4BCD-93E2-E3B085C9AB24}">
+                <p16:designElem xmlns:p16="http://schemas.microsoft.com/office/powerpoint/2015/main" val="1"/>
+              </p:ext>
+            </p:extLst>
+          </p:nvPr>
+        </p:nvSpPr>
+        <p:spPr>
+          <a:xfrm>
+            <a:off x="16" y="0"/>
+            <a:ext cx="4050791" cy="6858000"/>
+          </a:xfrm>
+          <a:prstGeom prst="rect">
+            <a:avLst/>
+          </a:prstGeom>
+          <a:solidFill>
+            <a:schemeClr val="tx1">
+              <a:lumMod val="85000"/>
+              <a:lumOff val="15000"/>
+            </a:schemeClr>
+          </a:solidFill>
+          <a:ln>
+            <a:noFill/>
+          </a:ln>
+        </p:spPr>
+        <p:style>
+          <a:lnRef idx="2">
+            <a:schemeClr val="accent1">
+              <a:shade val="50000"/>
+            </a:schemeClr>
+          </a:lnRef>
+          <a:fillRef idx="1">
+            <a:schemeClr val="accent1"/>
+          </a:fillRef>
+          <a:effectRef idx="0">
+            <a:schemeClr val="accent1"/>
+          </a:effectRef>
+          <a:fontRef idx="minor">
+            <a:schemeClr val="lt1"/>
+          </a:fontRef>
+        </p:style>
+      </p:sp>
+      <p:sp>
+        <p:nvSpPr>
+          <p:cNvPr id="2" name="Title 1">
+            <a:extLst>
+              <a:ext uri="{FF2B5EF4-FFF2-40B4-BE49-F238E27FC236}">
+                <a16:creationId xmlns:a16="http://schemas.microsoft.com/office/drawing/2014/main" id="{0AE422CB-EBC9-4703-870C-8981A495893A}"/>
+              </a:ext>
+            </a:extLst>
+          </p:cNvPr>
+          <p:cNvSpPr>
+            <a:spLocks noGrp="1"/>
+          </p:cNvSpPr>
+          <p:nvPr>
+            <p:ph type="title"/>
+          </p:nvPr>
+        </p:nvSpPr>
+        <p:spPr>
+          <a:xfrm>
+            <a:off x="492370" y="516835"/>
+            <a:ext cx="3084844" cy="5772840"/>
+          </a:xfrm>
+        </p:spPr>
+        <p:txBody>
+          <a:bodyPr anchor="ctr">
+            <a:normAutofit/>
+          </a:bodyPr>
+          <a:lstStyle/>
+          <a:p>
+            <a:r>
+              <a:rPr lang="en-US" sz="3600">
+                <a:solidFill>
+                  <a:schemeClr val="bg1"/>
+                </a:solidFill>
+              </a:rPr>
+              <a:t>Popular </a:t>
+            </a:r>
+            <a:r>
+              <a:rPr lang="en-US" sz="3600" dirty="0">
+                <a:solidFill>
+                  <a:schemeClr val="bg1"/>
+                </a:solidFill>
+              </a:rPr>
+              <a:t>Connection Pool Frameworks</a:t>
+            </a:r>
+            <a:endParaRPr lang="en-US" sz="1800" dirty="0">
+              <a:solidFill>
+                <a:schemeClr val="bg1"/>
+              </a:solidFill>
+            </a:endParaRPr>
+          </a:p>
+        </p:txBody>
+      </p:sp>
+      <p:sp>
+        <p:nvSpPr>
+          <p:cNvPr id="13" name="TextBox 12">
+            <a:extLst>
+              <a:ext uri="{FF2B5EF4-FFF2-40B4-BE49-F238E27FC236}">
+                <a16:creationId xmlns:a16="http://schemas.microsoft.com/office/drawing/2014/main" id="{6A8D83FB-9432-435A-A508-0BBD97EC763C}"/>
+              </a:ext>
+            </a:extLst>
+          </p:cNvPr>
+          <p:cNvSpPr txBox="1"/>
+          <p:nvPr/>
+        </p:nvSpPr>
+        <p:spPr>
+          <a:xfrm>
+            <a:off x="4319833" y="2305615"/>
+            <a:ext cx="7379797" cy="2246769"/>
+          </a:xfrm>
+          <a:prstGeom prst="rect">
+            <a:avLst/>
+          </a:prstGeom>
+          <a:noFill/>
+        </p:spPr>
+        <p:txBody>
+          <a:bodyPr wrap="square">
+            <a:spAutoFit/>
+          </a:bodyPr>
+          <a:lstStyle/>
+          <a:p>
+            <a:pPr marL="457200" indent="-457200">
+              <a:buFont typeface="Arial" panose="020B0604020202020204" pitchFamily="34" charset="0"/>
+              <a:buChar char="•"/>
+            </a:pPr>
+            <a:r>
+              <a:rPr lang="en-US" sz="2800" i="0" dirty="0">
+                <a:solidFill>
+                  <a:srgbClr val="333333"/>
+                </a:solidFill>
+                <a:effectLst/>
+                <a:latin typeface="raleway"/>
+              </a:rPr>
+              <a:t>Apache Commons DBCP</a:t>
+            </a:r>
+          </a:p>
+          <a:p>
+            <a:endParaRPr lang="en-US" sz="2800" i="0" dirty="0">
+              <a:solidFill>
+                <a:srgbClr val="333333"/>
+              </a:solidFill>
+              <a:effectLst/>
+              <a:latin typeface="raleway"/>
+            </a:endParaRPr>
+          </a:p>
+          <a:p>
+            <a:pPr marL="514350" indent="-514350">
+              <a:buFont typeface="Arial" panose="020B0604020202020204" pitchFamily="34" charset="0"/>
+              <a:buChar char="•"/>
+            </a:pPr>
+            <a:r>
+              <a:rPr lang="en-US" sz="2800" i="0" dirty="0" err="1">
+                <a:solidFill>
+                  <a:srgbClr val="333333"/>
+                </a:solidFill>
+                <a:effectLst/>
+                <a:latin typeface="raleway"/>
+              </a:rPr>
+              <a:t>HikariCP</a:t>
+            </a:r>
+            <a:r>
+              <a:rPr lang="en-US" sz="2800" i="0" dirty="0">
+                <a:solidFill>
+                  <a:srgbClr val="333333"/>
+                </a:solidFill>
+                <a:effectLst/>
+                <a:latin typeface="raleway"/>
+              </a:rPr>
+              <a:t> – </a:t>
+            </a:r>
+            <a:r>
+              <a:rPr lang="en-US" sz="1600" i="0" dirty="0">
+                <a:solidFill>
+                  <a:srgbClr val="333333"/>
+                </a:solidFill>
+                <a:effectLst/>
+                <a:latin typeface="raleway"/>
+              </a:rPr>
+              <a:t>Most Preferred for Light Weight and Fast</a:t>
+            </a:r>
+          </a:p>
+          <a:p>
+            <a:pPr>
+              <a:buFont typeface="+mj-lt"/>
+              <a:buAutoNum type="arabicPeriod"/>
+            </a:pPr>
+            <a:endParaRPr lang="en-US" sz="2800" i="0" dirty="0">
+              <a:solidFill>
+                <a:srgbClr val="333333"/>
+              </a:solidFill>
+              <a:effectLst/>
+              <a:latin typeface="raleway"/>
+            </a:endParaRPr>
+          </a:p>
+          <a:p>
+            <a:pPr marL="457200" indent="-457200">
+              <a:buFont typeface="Arial" panose="020B0604020202020204" pitchFamily="34" charset="0"/>
+              <a:buChar char="•"/>
+            </a:pPr>
+            <a:r>
+              <a:rPr lang="en-US" sz="2800" i="0" dirty="0">
+                <a:solidFill>
+                  <a:srgbClr val="333333"/>
+                </a:solidFill>
+                <a:effectLst/>
+                <a:latin typeface="raleway"/>
+              </a:rPr>
+              <a:t>C3PO</a:t>
+            </a:r>
+          </a:p>
+        </p:txBody>
+      </p:sp>
+    </p:spTree>
+    <p:extLst>
+      <p:ext uri="{BB962C8B-B14F-4D97-AF65-F5344CB8AC3E}">
+        <p14:creationId xmlns:p14="http://schemas.microsoft.com/office/powerpoint/2010/main" val="430265875"/>
+      </p:ext>
+    </p:extLst>
+  </p:cSld>
+  <p:clrMapOvr>
+    <a:masterClrMapping/>
+  </p:clrMapOvr>
+  <mc:AlternateContent xmlns:mc="http://schemas.openxmlformats.org/markup-compatibility/2006" xmlns:p14="http://schemas.microsoft.com/office/powerpoint/2010/main">
+    <mc:Choice Requires="p14">
+      <p:transition spd="med" p14:dur="700">
+        <p:fade/>
+      </p:transition>
+    </mc:Choice>
+    <mc:Fallback xmlns="">
+      <p:transition spd="med">
+        <p:fade/>
+      </p:transition>
+    </mc:Fallback>
+  </mc:AlternateContent>
+</p:sld>
+</file>
+
+<file path=ppt/slides/slide21.xml><?xml version="1.0" encoding="utf-8"?>
 <p:sld xmlns:a="http://schemas.openxmlformats.org/drawingml/2006/main" xmlns:r="http://schemas.openxmlformats.org/officeDocument/2006/relationships" xmlns:p="http://schemas.openxmlformats.org/presentationml/2006/main">
   <p:cSld>
     <p:spTree>
@@ -34533,7 +36814,7 @@
 </p:sld>
 </file>
 
-<file path=ppt/slides/slide21.xml><?xml version="1.0" encoding="utf-8"?>
+<file path=ppt/slides/slide22.xml><?xml version="1.0" encoding="utf-8"?>
 <p:sld xmlns:a="http://schemas.openxmlformats.org/drawingml/2006/main" xmlns:r="http://schemas.openxmlformats.org/officeDocument/2006/relationships" xmlns:p="http://schemas.openxmlformats.org/presentationml/2006/main">
   <p:cSld>
     <p:bg>
@@ -35021,937 +37302,6 @@
     <p:extLst>
       <p:ext uri="{BB962C8B-B14F-4D97-AF65-F5344CB8AC3E}">
         <p14:creationId xmlns:p14="http://schemas.microsoft.com/office/powerpoint/2010/main" val="3106796510"/>
-      </p:ext>
-    </p:extLst>
-  </p:cSld>
-  <p:clrMapOvr>
-    <a:masterClrMapping/>
-  </p:clrMapOvr>
-  <mc:AlternateContent xmlns:mc="http://schemas.openxmlformats.org/markup-compatibility/2006" xmlns:p14="http://schemas.microsoft.com/office/powerpoint/2010/main">
-    <mc:Choice Requires="p14">
-      <p:transition spd="med" p14:dur="700">
-        <p:fade/>
-      </p:transition>
-    </mc:Choice>
-    <mc:Fallback xmlns="">
-      <p:transition spd="med">
-        <p:fade/>
-      </p:transition>
-    </mc:Fallback>
-  </mc:AlternateContent>
-</p:sld>
-</file>
-
-<file path=ppt/slides/slide22.xml><?xml version="1.0" encoding="utf-8"?>
-<p:sld xmlns:a="http://schemas.openxmlformats.org/drawingml/2006/main" xmlns:r="http://schemas.openxmlformats.org/officeDocument/2006/relationships" xmlns:p="http://schemas.openxmlformats.org/presentationml/2006/main">
-  <p:cSld>
-    <p:bg>
-      <p:bgPr>
-        <a:solidFill>
-          <a:schemeClr val="bg1"/>
-        </a:solidFill>
-        <a:effectLst/>
-      </p:bgPr>
-    </p:bg>
-    <p:spTree>
-      <p:nvGrpSpPr>
-        <p:cNvPr id="1" name=""/>
-        <p:cNvGrpSpPr/>
-        <p:nvPr/>
-      </p:nvGrpSpPr>
-      <p:grpSpPr>
-        <a:xfrm>
-          <a:off x="0" y="0"/>
-          <a:ext cx="0" cy="0"/>
-          <a:chOff x="0" y="0"/>
-          <a:chExt cx="0" cy="0"/>
-        </a:xfrm>
-      </p:grpSpPr>
-      <p:sp useBgFill="1">
-        <p:nvSpPr>
-          <p:cNvPr id="10" name="Rectangle 9">
-            <a:extLst>
-              <a:ext uri="{FF2B5EF4-FFF2-40B4-BE49-F238E27FC236}">
-                <a16:creationId xmlns:a16="http://schemas.microsoft.com/office/drawing/2014/main" id="{EE1530B0-6F96-46C0-8B3E-3215CB756BE4}"/>
-              </a:ext>
-              <a:ext uri="{C183D7F6-B498-43B3-948B-1728B52AA6E4}">
-                <adec:decorative xmlns:adec="http://schemas.microsoft.com/office/drawing/2017/decorative" val="1"/>
-              </a:ext>
-            </a:extLst>
-          </p:cNvPr>
-          <p:cNvSpPr>
-            <a:spLocks noGrp="1" noRot="1" noChangeAspect="1" noMove="1" noResize="1" noEditPoints="1" noAdjustHandles="1" noChangeArrowheads="1" noChangeShapeType="1" noTextEdit="1"/>
-          </p:cNvSpPr>
-          <p:nvPr>
-            <p:extLst>
-              <p:ext uri="{386F3935-93C4-4BCD-93E2-E3B085C9AB24}">
-                <p16:designElem xmlns:p16="http://schemas.microsoft.com/office/powerpoint/2015/main" val="1"/>
-              </p:ext>
-            </p:extLst>
-          </p:nvPr>
-        </p:nvSpPr>
-        <p:spPr>
-          <a:xfrm>
-            <a:off x="5685" y="0"/>
-            <a:ext cx="12186315" cy="6858000"/>
-          </a:xfrm>
-          <a:prstGeom prst="rect">
-            <a:avLst/>
-          </a:prstGeom>
-          <a:ln>
-            <a:noFill/>
-          </a:ln>
-        </p:spPr>
-        <p:style>
-          <a:lnRef idx="2">
-            <a:schemeClr val="accent6">
-              <a:shade val="50000"/>
-            </a:schemeClr>
-          </a:lnRef>
-          <a:fillRef idx="1001">
-            <a:schemeClr val="lt1"/>
-          </a:fillRef>
-          <a:effectRef idx="0">
-            <a:schemeClr val="accent6"/>
-          </a:effectRef>
-          <a:fontRef idx="minor">
-            <a:schemeClr val="lt1"/>
-          </a:fontRef>
-        </p:style>
-        <p:txBody>
-          <a:bodyPr rtlCol="0" anchor="ctr"/>
-          <a:lstStyle/>
-          <a:p>
-            <a:pPr marL="0" marR="0" lvl="0" indent="0" algn="ctr" defTabSz="914400" rtl="0" eaLnBrk="1" fontAlgn="auto" latinLnBrk="0" hangingPunct="1">
-              <a:lnSpc>
-                <a:spcPct val="100000"/>
-              </a:lnSpc>
-              <a:spcBef>
-                <a:spcPts val="0"/>
-              </a:spcBef>
-              <a:spcAft>
-                <a:spcPts val="0"/>
-              </a:spcAft>
-              <a:buClrTx/>
-              <a:buSzTx/>
-              <a:buFontTx/>
-              <a:buNone/>
-              <a:tabLst/>
-              <a:defRPr/>
-            </a:pPr>
-            <a:endParaRPr kumimoji="0" lang="en-US" sz="1800" b="0" i="0" u="none" strike="noStrike" kern="1200" cap="none" spc="0" normalizeH="0" baseline="0" noProof="0" dirty="0">
-              <a:ln>
-                <a:noFill/>
-              </a:ln>
-              <a:solidFill>
-                <a:prstClr val="white"/>
-              </a:solidFill>
-              <a:effectLst/>
-              <a:uLnTx/>
-              <a:uFillTx/>
-              <a:latin typeface="Franklin Gothic Book" panose="020F0502020204030204"/>
-              <a:ea typeface="+mn-ea"/>
-              <a:cs typeface="+mn-cs"/>
-            </a:endParaRPr>
-          </a:p>
-        </p:txBody>
-      </p:sp>
-      <p:sp>
-        <p:nvSpPr>
-          <p:cNvPr id="12" name="Rectangle 11">
-            <a:extLst>
-              <a:ext uri="{FF2B5EF4-FFF2-40B4-BE49-F238E27FC236}">
-                <a16:creationId xmlns:a16="http://schemas.microsoft.com/office/drawing/2014/main" id="{754910CF-1B56-45D3-960A-E89F7B3B9131}"/>
-              </a:ext>
-              <a:ext uri="{C183D7F6-B498-43B3-948B-1728B52AA6E4}">
-                <adec:decorative xmlns:adec="http://schemas.microsoft.com/office/drawing/2017/decorative" val="1"/>
-              </a:ext>
-            </a:extLst>
-          </p:cNvPr>
-          <p:cNvSpPr>
-            <a:spLocks noGrp="1" noRot="1" noChangeAspect="1" noMove="1" noResize="1" noEditPoints="1" noAdjustHandles="1" noChangeArrowheads="1" noChangeShapeType="1" noTextEdit="1"/>
-          </p:cNvSpPr>
-          <p:nvPr>
-            <p:extLst>
-              <p:ext uri="{386F3935-93C4-4BCD-93E2-E3B085C9AB24}">
-                <p16:designElem xmlns:p16="http://schemas.microsoft.com/office/powerpoint/2015/main" val="1"/>
-              </p:ext>
-            </p:extLst>
-          </p:nvPr>
-        </p:nvSpPr>
-        <p:spPr>
-          <a:xfrm>
-            <a:off x="16" y="0"/>
-            <a:ext cx="4050791" cy="6858000"/>
-          </a:xfrm>
-          <a:prstGeom prst="rect">
-            <a:avLst/>
-          </a:prstGeom>
-          <a:solidFill>
-            <a:schemeClr val="tx1">
-              <a:lumMod val="85000"/>
-              <a:lumOff val="15000"/>
-            </a:schemeClr>
-          </a:solidFill>
-          <a:ln>
-            <a:noFill/>
-          </a:ln>
-        </p:spPr>
-        <p:style>
-          <a:lnRef idx="2">
-            <a:schemeClr val="accent1">
-              <a:shade val="50000"/>
-            </a:schemeClr>
-          </a:lnRef>
-          <a:fillRef idx="1">
-            <a:schemeClr val="accent1"/>
-          </a:fillRef>
-          <a:effectRef idx="0">
-            <a:schemeClr val="accent1"/>
-          </a:effectRef>
-          <a:fontRef idx="minor">
-            <a:schemeClr val="lt1"/>
-          </a:fontRef>
-        </p:style>
-      </p:sp>
-      <p:sp>
-        <p:nvSpPr>
-          <p:cNvPr id="2" name="Title 1">
-            <a:extLst>
-              <a:ext uri="{FF2B5EF4-FFF2-40B4-BE49-F238E27FC236}">
-                <a16:creationId xmlns:a16="http://schemas.microsoft.com/office/drawing/2014/main" id="{0AE422CB-EBC9-4703-870C-8981A495893A}"/>
-              </a:ext>
-            </a:extLst>
-          </p:cNvPr>
-          <p:cNvSpPr>
-            <a:spLocks noGrp="1"/>
-          </p:cNvSpPr>
-          <p:nvPr>
-            <p:ph type="title"/>
-          </p:nvPr>
-        </p:nvSpPr>
-        <p:spPr>
-          <a:xfrm>
-            <a:off x="492370" y="516835"/>
-            <a:ext cx="3084844" cy="5772840"/>
-          </a:xfrm>
-        </p:spPr>
-        <p:txBody>
-          <a:bodyPr anchor="ctr">
-            <a:normAutofit/>
-          </a:bodyPr>
-          <a:lstStyle/>
-          <a:p>
-            <a:r>
-              <a:rPr lang="en-US" sz="3600" dirty="0">
-                <a:solidFill>
-                  <a:schemeClr val="bg1"/>
-                </a:solidFill>
-              </a:rPr>
-              <a:t>Entity Bean</a:t>
-            </a:r>
-            <a:endParaRPr lang="en-US" sz="1800" dirty="0">
-              <a:solidFill>
-                <a:schemeClr val="bg1"/>
-              </a:solidFill>
-            </a:endParaRPr>
-          </a:p>
-        </p:txBody>
-      </p:sp>
-      <p:sp>
-        <p:nvSpPr>
-          <p:cNvPr id="7" name="TextBox 6">
-            <a:extLst>
-              <a:ext uri="{FF2B5EF4-FFF2-40B4-BE49-F238E27FC236}">
-                <a16:creationId xmlns:a16="http://schemas.microsoft.com/office/drawing/2014/main" id="{DDC15CD2-E37A-42FE-8533-294E5DACFBF9}"/>
-              </a:ext>
-            </a:extLst>
-          </p:cNvPr>
-          <p:cNvSpPr txBox="1"/>
-          <p:nvPr/>
-        </p:nvSpPr>
-        <p:spPr>
-          <a:xfrm>
-            <a:off x="4380562" y="612989"/>
-            <a:ext cx="7481683" cy="5663089"/>
-          </a:xfrm>
-          <a:prstGeom prst="rect">
-            <a:avLst/>
-          </a:prstGeom>
-          <a:noFill/>
-        </p:spPr>
-        <p:txBody>
-          <a:bodyPr wrap="square">
-            <a:spAutoFit/>
-          </a:bodyPr>
-          <a:lstStyle/>
-          <a:p>
-            <a:pPr algn="l"/>
-            <a:r>
-              <a:rPr lang="en-US" sz="1600" dirty="0">
-                <a:solidFill>
-                  <a:srgbClr val="646464"/>
-                </a:solidFill>
-                <a:latin typeface="Consolas" panose="020B0609020204030204" pitchFamily="49" charset="0"/>
-              </a:rPr>
-              <a:t>@Entity</a:t>
-            </a:r>
-          </a:p>
-          <a:p>
-            <a:pPr algn="l"/>
-            <a:r>
-              <a:rPr lang="en-US" sz="1600" dirty="0">
-                <a:solidFill>
-                  <a:srgbClr val="646464"/>
-                </a:solidFill>
-                <a:latin typeface="Consolas" panose="020B0609020204030204" pitchFamily="49" charset="0"/>
-              </a:rPr>
-              <a:t>@Table</a:t>
-            </a:r>
-            <a:r>
-              <a:rPr lang="en-US" sz="1600" dirty="0">
-                <a:solidFill>
-                  <a:srgbClr val="000000"/>
-                </a:solidFill>
-                <a:latin typeface="Consolas" panose="020B0609020204030204" pitchFamily="49" charset="0"/>
-              </a:rPr>
-              <a:t>(name = </a:t>
-            </a:r>
-            <a:r>
-              <a:rPr lang="en-US" sz="1600" dirty="0">
-                <a:solidFill>
-                  <a:srgbClr val="2A00FF"/>
-                </a:solidFill>
-                <a:latin typeface="Consolas" panose="020B0609020204030204" pitchFamily="49" charset="0"/>
-              </a:rPr>
-              <a:t>"country"</a:t>
-            </a:r>
-            <a:r>
-              <a:rPr lang="en-US" sz="1600" dirty="0">
-                <a:solidFill>
-                  <a:srgbClr val="000000"/>
-                </a:solidFill>
-                <a:latin typeface="Consolas" panose="020B0609020204030204" pitchFamily="49" charset="0"/>
-              </a:rPr>
-              <a:t>)</a:t>
-            </a:r>
-          </a:p>
-          <a:p>
-            <a:pPr algn="l"/>
-            <a:r>
-              <a:rPr lang="en-US" dirty="0">
-                <a:solidFill>
-                  <a:srgbClr val="000000"/>
-                </a:solidFill>
-                <a:latin typeface="Consolas" panose="020B0609020204030204" pitchFamily="49" charset="0"/>
-              </a:rPr>
-              <a:t>/**</a:t>
-            </a:r>
-          </a:p>
-          <a:p>
-            <a:pPr lvl="1"/>
-            <a:r>
-              <a:rPr lang="en-US" sz="1400" dirty="0">
-                <a:solidFill>
-                  <a:srgbClr val="000000"/>
-                </a:solidFill>
-                <a:latin typeface="Consolas" panose="020B0609020204030204" pitchFamily="49" charset="0"/>
-              </a:rPr>
-              <a:t>Using Lombok which </a:t>
-            </a:r>
-            <a:r>
-              <a:rPr lang="en-US" sz="1400" b="0" i="0" dirty="0">
-                <a:solidFill>
-                  <a:srgbClr val="444444"/>
-                </a:solidFill>
-                <a:effectLst/>
-                <a:latin typeface="Roboto" panose="02000000000000000000" pitchFamily="2" charset="0"/>
-              </a:rPr>
-              <a:t>is a java library tool which is used to minimize/remove the boilerplate code. @Data will generate Constructor, Getter / Setter / </a:t>
-            </a:r>
-            <a:r>
-              <a:rPr lang="en-US" sz="1400" b="0" i="0" dirty="0" err="1">
-                <a:solidFill>
-                  <a:srgbClr val="444444"/>
-                </a:solidFill>
-                <a:effectLst/>
-                <a:latin typeface="Roboto" panose="02000000000000000000" pitchFamily="2" charset="0"/>
-              </a:rPr>
-              <a:t>toString</a:t>
-            </a:r>
-            <a:r>
-              <a:rPr lang="en-US" sz="1400" b="0" i="0" dirty="0">
-                <a:solidFill>
-                  <a:srgbClr val="444444"/>
-                </a:solidFill>
-                <a:effectLst/>
-                <a:latin typeface="Roboto" panose="02000000000000000000" pitchFamily="2" charset="0"/>
-              </a:rPr>
-              <a:t>() by Default</a:t>
-            </a:r>
-          </a:p>
-          <a:p>
-            <a:pPr algn="l"/>
-            <a:r>
-              <a:rPr lang="en-US" dirty="0">
-                <a:solidFill>
-                  <a:srgbClr val="444444"/>
-                </a:solidFill>
-                <a:latin typeface="Roboto" panose="02000000000000000000" pitchFamily="2" charset="0"/>
-              </a:rPr>
-              <a:t>*/</a:t>
-            </a:r>
-            <a:endParaRPr lang="en-US" sz="1800" dirty="0">
-              <a:solidFill>
-                <a:srgbClr val="000000"/>
-              </a:solidFill>
-              <a:latin typeface="Consolas" panose="020B0609020204030204" pitchFamily="49" charset="0"/>
-            </a:endParaRPr>
-          </a:p>
-          <a:p>
-            <a:pPr algn="l"/>
-            <a:r>
-              <a:rPr lang="en-US" sz="1400" dirty="0">
-                <a:solidFill>
-                  <a:srgbClr val="646464"/>
-                </a:solidFill>
-                <a:latin typeface="Consolas" panose="020B0609020204030204" pitchFamily="49" charset="0"/>
-              </a:rPr>
-              <a:t>@Data</a:t>
-            </a:r>
-          </a:p>
-          <a:p>
-            <a:pPr algn="l"/>
-            <a:r>
-              <a:rPr lang="en-US" sz="1400" b="1" dirty="0">
-                <a:solidFill>
-                  <a:srgbClr val="7F0055"/>
-                </a:solidFill>
-                <a:latin typeface="Consolas" panose="020B0609020204030204" pitchFamily="49" charset="0"/>
-              </a:rPr>
-              <a:t>public</a:t>
-            </a:r>
-            <a:r>
-              <a:rPr lang="en-US" sz="1400" b="1" dirty="0">
-                <a:solidFill>
-                  <a:srgbClr val="000000"/>
-                </a:solidFill>
-                <a:latin typeface="Consolas" panose="020B0609020204030204" pitchFamily="49" charset="0"/>
-              </a:rPr>
-              <a:t> </a:t>
-            </a:r>
-            <a:r>
-              <a:rPr lang="en-US" sz="1400" b="1" dirty="0">
-                <a:solidFill>
-                  <a:srgbClr val="7F0055"/>
-                </a:solidFill>
-                <a:latin typeface="Consolas" panose="020B0609020204030204" pitchFamily="49" charset="0"/>
-              </a:rPr>
-              <a:t>class</a:t>
-            </a:r>
-            <a:r>
-              <a:rPr lang="en-US" sz="1400" b="1" dirty="0">
-                <a:solidFill>
-                  <a:srgbClr val="000000"/>
-                </a:solidFill>
-                <a:latin typeface="Consolas" panose="020B0609020204030204" pitchFamily="49" charset="0"/>
-              </a:rPr>
-              <a:t> Country </a:t>
-            </a:r>
-            <a:r>
-              <a:rPr lang="en-US" sz="1400" b="1" dirty="0">
-                <a:solidFill>
-                  <a:srgbClr val="7F0055"/>
-                </a:solidFill>
-                <a:latin typeface="Consolas" panose="020B0609020204030204" pitchFamily="49" charset="0"/>
-              </a:rPr>
-              <a:t>implements</a:t>
-            </a:r>
-            <a:r>
-              <a:rPr lang="en-US" sz="1400" b="1" dirty="0">
-                <a:solidFill>
-                  <a:srgbClr val="000000"/>
-                </a:solidFill>
-                <a:latin typeface="Consolas" panose="020B0609020204030204" pitchFamily="49" charset="0"/>
-              </a:rPr>
-              <a:t> Serializable {</a:t>
-            </a:r>
-          </a:p>
-          <a:p>
-            <a:pPr algn="l"/>
-            <a:endParaRPr lang="en-US" sz="1400" dirty="0">
-              <a:latin typeface="Consolas" panose="020B0609020204030204" pitchFamily="49" charset="0"/>
-            </a:endParaRPr>
-          </a:p>
-          <a:p>
-            <a:pPr lvl="1"/>
-            <a:r>
-              <a:rPr lang="en-US" sz="1400" b="1" dirty="0">
-                <a:solidFill>
-                  <a:srgbClr val="7F0055"/>
-                </a:solidFill>
-                <a:latin typeface="Consolas" panose="020B0609020204030204" pitchFamily="49" charset="0"/>
-              </a:rPr>
-              <a:t>private</a:t>
-            </a:r>
-            <a:r>
-              <a:rPr lang="en-US" sz="1400" b="1" dirty="0">
-                <a:solidFill>
-                  <a:srgbClr val="000000"/>
-                </a:solidFill>
-                <a:latin typeface="Consolas" panose="020B0609020204030204" pitchFamily="49" charset="0"/>
-              </a:rPr>
-              <a:t> </a:t>
-            </a:r>
-            <a:r>
-              <a:rPr lang="en-US" sz="1400" b="1" dirty="0">
-                <a:solidFill>
-                  <a:srgbClr val="7F0055"/>
-                </a:solidFill>
-                <a:latin typeface="Consolas" panose="020B0609020204030204" pitchFamily="49" charset="0"/>
-              </a:rPr>
-              <a:t>static</a:t>
-            </a:r>
-            <a:r>
-              <a:rPr lang="en-US" sz="1400" b="1" dirty="0">
-                <a:solidFill>
-                  <a:srgbClr val="000000"/>
-                </a:solidFill>
-                <a:latin typeface="Consolas" panose="020B0609020204030204" pitchFamily="49" charset="0"/>
-              </a:rPr>
-              <a:t> </a:t>
-            </a:r>
-            <a:r>
-              <a:rPr lang="en-US" sz="1400" b="1" dirty="0">
-                <a:solidFill>
-                  <a:srgbClr val="7F0055"/>
-                </a:solidFill>
-                <a:latin typeface="Consolas" panose="020B0609020204030204" pitchFamily="49" charset="0"/>
-              </a:rPr>
-              <a:t>final</a:t>
-            </a:r>
-            <a:r>
-              <a:rPr lang="en-US" sz="1400" b="1" dirty="0">
-                <a:solidFill>
-                  <a:srgbClr val="000000"/>
-                </a:solidFill>
-                <a:latin typeface="Consolas" panose="020B0609020204030204" pitchFamily="49" charset="0"/>
-              </a:rPr>
-              <a:t> </a:t>
-            </a:r>
-            <a:r>
-              <a:rPr lang="en-US" sz="1400" b="1" dirty="0">
-                <a:solidFill>
-                  <a:srgbClr val="7F0055"/>
-                </a:solidFill>
-                <a:latin typeface="Consolas" panose="020B0609020204030204" pitchFamily="49" charset="0"/>
-              </a:rPr>
-              <a:t>long</a:t>
-            </a:r>
-            <a:r>
-              <a:rPr lang="en-US" sz="1400" b="1" dirty="0">
-                <a:solidFill>
-                  <a:srgbClr val="000000"/>
-                </a:solidFill>
-                <a:latin typeface="Consolas" panose="020B0609020204030204" pitchFamily="49" charset="0"/>
-              </a:rPr>
-              <a:t> </a:t>
-            </a:r>
-            <a:r>
-              <a:rPr lang="en-US" sz="1400" b="1" i="1" dirty="0" err="1">
-                <a:solidFill>
-                  <a:srgbClr val="0000C0"/>
-                </a:solidFill>
-                <a:latin typeface="Consolas" panose="020B0609020204030204" pitchFamily="49" charset="0"/>
-              </a:rPr>
-              <a:t>serialVersionUID</a:t>
-            </a:r>
-            <a:r>
-              <a:rPr lang="en-US" sz="1400" b="1" i="1" dirty="0">
-                <a:solidFill>
-                  <a:srgbClr val="000000"/>
-                </a:solidFill>
-                <a:latin typeface="Consolas" panose="020B0609020204030204" pitchFamily="49" charset="0"/>
-              </a:rPr>
-              <a:t> = 9120997940945205046L;</a:t>
-            </a:r>
-          </a:p>
-          <a:p>
-            <a:pPr lvl="1"/>
-            <a:endParaRPr lang="en-US" sz="1400" dirty="0">
-              <a:latin typeface="Consolas" panose="020B0609020204030204" pitchFamily="49" charset="0"/>
-            </a:endParaRPr>
-          </a:p>
-          <a:p>
-            <a:pPr lvl="1"/>
-            <a:r>
-              <a:rPr lang="en-US" sz="1400" dirty="0">
-                <a:solidFill>
-                  <a:srgbClr val="646464"/>
-                </a:solidFill>
-                <a:latin typeface="Consolas" panose="020B0609020204030204" pitchFamily="49" charset="0"/>
-              </a:rPr>
-              <a:t>@Id</a:t>
-            </a:r>
-          </a:p>
-          <a:p>
-            <a:pPr lvl="1"/>
-            <a:r>
-              <a:rPr lang="en-US" sz="1400" dirty="0">
-                <a:solidFill>
-                  <a:srgbClr val="646464"/>
-                </a:solidFill>
-                <a:latin typeface="Consolas" panose="020B0609020204030204" pitchFamily="49" charset="0"/>
-              </a:rPr>
-              <a:t>@GeneratedValue</a:t>
-            </a:r>
-            <a:r>
-              <a:rPr lang="en-US" sz="1400" dirty="0">
-                <a:solidFill>
-                  <a:srgbClr val="000000"/>
-                </a:solidFill>
-                <a:latin typeface="Consolas" panose="020B0609020204030204" pitchFamily="49" charset="0"/>
-              </a:rPr>
-              <a:t>(strategy = </a:t>
-            </a:r>
-            <a:r>
-              <a:rPr lang="en-US" sz="1400" dirty="0" err="1">
-                <a:solidFill>
-                  <a:srgbClr val="000000"/>
-                </a:solidFill>
-                <a:latin typeface="Consolas" panose="020B0609020204030204" pitchFamily="49" charset="0"/>
-              </a:rPr>
-              <a:t>GenerationType.</a:t>
-            </a:r>
-            <a:r>
-              <a:rPr lang="en-US" sz="1400" b="1" i="1" dirty="0" err="1">
-                <a:solidFill>
-                  <a:srgbClr val="0000C0"/>
-                </a:solidFill>
-                <a:latin typeface="Consolas" panose="020B0609020204030204" pitchFamily="49" charset="0"/>
-              </a:rPr>
-              <a:t>IDENTITY</a:t>
-            </a:r>
-            <a:r>
-              <a:rPr lang="en-US" sz="1400" b="1" i="1" dirty="0">
-                <a:solidFill>
-                  <a:srgbClr val="000000"/>
-                </a:solidFill>
-                <a:latin typeface="Consolas" panose="020B0609020204030204" pitchFamily="49" charset="0"/>
-              </a:rPr>
-              <a:t>)</a:t>
-            </a:r>
-          </a:p>
-          <a:p>
-            <a:pPr lvl="1"/>
-            <a:r>
-              <a:rPr lang="en-US" sz="1400" b="1" dirty="0">
-                <a:solidFill>
-                  <a:srgbClr val="7F0055"/>
-                </a:solidFill>
-                <a:latin typeface="Consolas" panose="020B0609020204030204" pitchFamily="49" charset="0"/>
-              </a:rPr>
-              <a:t>private</a:t>
-            </a:r>
-            <a:r>
-              <a:rPr lang="en-US" sz="1400" b="1" dirty="0">
-                <a:solidFill>
-                  <a:srgbClr val="000000"/>
-                </a:solidFill>
-                <a:latin typeface="Consolas" panose="020B0609020204030204" pitchFamily="49" charset="0"/>
-              </a:rPr>
-              <a:t> Long </a:t>
-            </a:r>
-            <a:r>
-              <a:rPr lang="en-US" sz="1400" b="1" dirty="0" err="1">
-                <a:solidFill>
-                  <a:srgbClr val="0000C0"/>
-                </a:solidFill>
-                <a:latin typeface="Consolas" panose="020B0609020204030204" pitchFamily="49" charset="0"/>
-              </a:rPr>
-              <a:t>country_id</a:t>
-            </a:r>
-            <a:r>
-              <a:rPr lang="en-US" sz="1400" b="1" dirty="0">
-                <a:solidFill>
-                  <a:srgbClr val="000000"/>
-                </a:solidFill>
-                <a:latin typeface="Consolas" panose="020B0609020204030204" pitchFamily="49" charset="0"/>
-              </a:rPr>
-              <a:t>;</a:t>
-            </a:r>
-          </a:p>
-          <a:p>
-            <a:pPr lvl="1"/>
-            <a:endParaRPr lang="en-US" sz="1400" dirty="0">
-              <a:latin typeface="Consolas" panose="020B0609020204030204" pitchFamily="49" charset="0"/>
-            </a:endParaRPr>
-          </a:p>
-          <a:p>
-            <a:pPr lvl="1"/>
-            <a:r>
-              <a:rPr lang="en-US" sz="1400" b="1" dirty="0">
-                <a:solidFill>
-                  <a:srgbClr val="7F0055"/>
-                </a:solidFill>
-                <a:latin typeface="Consolas" panose="020B0609020204030204" pitchFamily="49" charset="0"/>
-              </a:rPr>
-              <a:t>private</a:t>
-            </a:r>
-            <a:r>
-              <a:rPr lang="en-US" sz="1400" b="1" dirty="0">
-                <a:solidFill>
-                  <a:srgbClr val="000000"/>
-                </a:solidFill>
-                <a:latin typeface="Consolas" panose="020B0609020204030204" pitchFamily="49" charset="0"/>
-              </a:rPr>
-              <a:t> String </a:t>
-            </a:r>
-            <a:r>
-              <a:rPr lang="en-US" sz="1400" b="1" dirty="0" err="1">
-                <a:solidFill>
-                  <a:srgbClr val="0000C0"/>
-                </a:solidFill>
-                <a:latin typeface="Consolas" panose="020B0609020204030204" pitchFamily="49" charset="0"/>
-              </a:rPr>
-              <a:t>ctry_cd</a:t>
-            </a:r>
-            <a:r>
-              <a:rPr lang="en-US" sz="1400" b="1" dirty="0">
-                <a:solidFill>
-                  <a:srgbClr val="000000"/>
-                </a:solidFill>
-                <a:latin typeface="Consolas" panose="020B0609020204030204" pitchFamily="49" charset="0"/>
-              </a:rPr>
-              <a:t>;</a:t>
-            </a:r>
-          </a:p>
-          <a:p>
-            <a:pPr lvl="1"/>
-            <a:r>
-              <a:rPr lang="en-US" sz="1400" b="1" dirty="0">
-                <a:solidFill>
-                  <a:srgbClr val="7F0055"/>
-                </a:solidFill>
-                <a:latin typeface="Consolas" panose="020B0609020204030204" pitchFamily="49" charset="0"/>
-              </a:rPr>
-              <a:t>private</a:t>
-            </a:r>
-            <a:r>
-              <a:rPr lang="en-US" sz="1400" b="1" dirty="0">
-                <a:solidFill>
-                  <a:srgbClr val="000000"/>
-                </a:solidFill>
-                <a:latin typeface="Consolas" panose="020B0609020204030204" pitchFamily="49" charset="0"/>
-              </a:rPr>
-              <a:t> String </a:t>
-            </a:r>
-            <a:r>
-              <a:rPr lang="en-US" sz="1400" b="1" dirty="0" err="1">
-                <a:solidFill>
-                  <a:srgbClr val="0000C0"/>
-                </a:solidFill>
-                <a:latin typeface="Consolas" panose="020B0609020204030204" pitchFamily="49" charset="0"/>
-              </a:rPr>
-              <a:t>ctry_nm</a:t>
-            </a:r>
-            <a:r>
-              <a:rPr lang="en-US" sz="1400" b="1" dirty="0">
-                <a:solidFill>
-                  <a:srgbClr val="000000"/>
-                </a:solidFill>
-                <a:latin typeface="Consolas" panose="020B0609020204030204" pitchFamily="49" charset="0"/>
-              </a:rPr>
-              <a:t>;</a:t>
-            </a:r>
-          </a:p>
-          <a:p>
-            <a:pPr lvl="1"/>
-            <a:endParaRPr lang="en-US" sz="1400" dirty="0">
-              <a:latin typeface="Consolas" panose="020B0609020204030204" pitchFamily="49" charset="0"/>
-            </a:endParaRPr>
-          </a:p>
-          <a:p>
-            <a:pPr lvl="1"/>
-            <a:r>
-              <a:rPr lang="en-US" sz="1400" dirty="0">
-                <a:solidFill>
-                  <a:srgbClr val="646464"/>
-                </a:solidFill>
-                <a:latin typeface="Consolas" panose="020B0609020204030204" pitchFamily="49" charset="0"/>
-              </a:rPr>
-              <a:t>@Temporal</a:t>
-            </a:r>
-            <a:r>
-              <a:rPr lang="en-US" sz="1400" dirty="0">
-                <a:solidFill>
-                  <a:srgbClr val="000000"/>
-                </a:solidFill>
-                <a:latin typeface="Consolas" panose="020B0609020204030204" pitchFamily="49" charset="0"/>
-              </a:rPr>
-              <a:t>(TemporalType.</a:t>
-            </a:r>
-            <a:r>
-              <a:rPr lang="en-US" sz="1400" b="1" i="1" dirty="0">
-                <a:solidFill>
-                  <a:srgbClr val="0000C0"/>
-                </a:solidFill>
-                <a:latin typeface="Consolas" panose="020B0609020204030204" pitchFamily="49" charset="0"/>
-              </a:rPr>
-              <a:t>TIMESTAMP</a:t>
-            </a:r>
-            <a:r>
-              <a:rPr lang="en-US" sz="1400" b="1" i="1" dirty="0">
-                <a:solidFill>
-                  <a:srgbClr val="000000"/>
-                </a:solidFill>
-                <a:latin typeface="Consolas" panose="020B0609020204030204" pitchFamily="49" charset="0"/>
-              </a:rPr>
-              <a:t>)</a:t>
-            </a:r>
-          </a:p>
-          <a:p>
-            <a:pPr lvl="1"/>
-            <a:r>
-              <a:rPr lang="en-US" sz="1400" b="1" dirty="0">
-                <a:solidFill>
-                  <a:srgbClr val="7F0055"/>
-                </a:solidFill>
-                <a:latin typeface="Consolas" panose="020B0609020204030204" pitchFamily="49" charset="0"/>
-              </a:rPr>
-              <a:t>private</a:t>
-            </a:r>
-            <a:r>
-              <a:rPr lang="en-US" sz="1400" b="1" dirty="0">
-                <a:solidFill>
-                  <a:srgbClr val="000000"/>
-                </a:solidFill>
-                <a:latin typeface="Consolas" panose="020B0609020204030204" pitchFamily="49" charset="0"/>
-              </a:rPr>
-              <a:t> Date </a:t>
-            </a:r>
-            <a:r>
-              <a:rPr lang="en-US" sz="1400" b="1" dirty="0" err="1">
-                <a:solidFill>
-                  <a:srgbClr val="0000C0"/>
-                </a:solidFill>
-                <a:latin typeface="Consolas" panose="020B0609020204030204" pitchFamily="49" charset="0"/>
-              </a:rPr>
-              <a:t>last_mdfy_ts</a:t>
-            </a:r>
-            <a:r>
-              <a:rPr lang="en-US" sz="1400" b="1" dirty="0">
-                <a:solidFill>
-                  <a:srgbClr val="000000"/>
-                </a:solidFill>
-                <a:latin typeface="Consolas" panose="020B0609020204030204" pitchFamily="49" charset="0"/>
-              </a:rPr>
-              <a:t>;</a:t>
-            </a:r>
-          </a:p>
-          <a:p>
-            <a:pPr lvl="1"/>
-            <a:endParaRPr lang="en-US" sz="1400" dirty="0">
-              <a:latin typeface="Consolas" panose="020B0609020204030204" pitchFamily="49" charset="0"/>
-            </a:endParaRPr>
-          </a:p>
-          <a:p>
-            <a:pPr lvl="1"/>
-            <a:r>
-              <a:rPr lang="en-US" sz="1400" b="1" dirty="0">
-                <a:solidFill>
-                  <a:srgbClr val="7F0055"/>
-                </a:solidFill>
-                <a:latin typeface="Consolas" panose="020B0609020204030204" pitchFamily="49" charset="0"/>
-              </a:rPr>
-              <a:t>private</a:t>
-            </a:r>
-            <a:r>
-              <a:rPr lang="en-US" sz="1400" b="1" dirty="0">
-                <a:solidFill>
-                  <a:srgbClr val="000000"/>
-                </a:solidFill>
-                <a:latin typeface="Consolas" panose="020B0609020204030204" pitchFamily="49" charset="0"/>
-              </a:rPr>
-              <a:t> String </a:t>
-            </a:r>
-            <a:r>
-              <a:rPr lang="en-US" sz="1400" b="1" dirty="0" err="1">
-                <a:solidFill>
-                  <a:srgbClr val="0000C0"/>
-                </a:solidFill>
-                <a:latin typeface="Consolas" panose="020B0609020204030204" pitchFamily="49" charset="0"/>
-              </a:rPr>
-              <a:t>last_mdfy_prog</a:t>
-            </a:r>
-            <a:r>
-              <a:rPr lang="en-US" sz="1400" b="1" dirty="0">
-                <a:solidFill>
-                  <a:srgbClr val="000000"/>
-                </a:solidFill>
-                <a:latin typeface="Consolas" panose="020B0609020204030204" pitchFamily="49" charset="0"/>
-              </a:rPr>
-              <a:t>;</a:t>
-            </a:r>
-          </a:p>
-          <a:p>
-            <a:pPr lvl="1"/>
-            <a:r>
-              <a:rPr lang="nb-NO" sz="1400" b="1" dirty="0">
-                <a:solidFill>
-                  <a:srgbClr val="7F0055"/>
-                </a:solidFill>
-                <a:latin typeface="Consolas" panose="020B0609020204030204" pitchFamily="49" charset="0"/>
-              </a:rPr>
-              <a:t>private</a:t>
-            </a:r>
-            <a:r>
-              <a:rPr lang="nb-NO" sz="1400" b="1" dirty="0">
-                <a:solidFill>
-                  <a:srgbClr val="000000"/>
-                </a:solidFill>
-                <a:latin typeface="Consolas" panose="020B0609020204030204" pitchFamily="49" charset="0"/>
-              </a:rPr>
-              <a:t> String </a:t>
-            </a:r>
-            <a:r>
-              <a:rPr lang="nb-NO" sz="1400" b="1" dirty="0">
-                <a:solidFill>
-                  <a:srgbClr val="0000C0"/>
-                </a:solidFill>
-                <a:latin typeface="Consolas" panose="020B0609020204030204" pitchFamily="49" charset="0"/>
-              </a:rPr>
-              <a:t>last_mdfy_user</a:t>
-            </a:r>
-            <a:r>
-              <a:rPr lang="nb-NO" sz="1400" b="1" dirty="0">
-                <a:solidFill>
-                  <a:srgbClr val="000000"/>
-                </a:solidFill>
-                <a:latin typeface="Consolas" panose="020B0609020204030204" pitchFamily="49" charset="0"/>
-              </a:rPr>
-              <a:t>;</a:t>
-            </a:r>
-          </a:p>
-          <a:p>
-            <a:pPr algn="l"/>
-            <a:r>
-              <a:rPr lang="en-US" sz="1400" dirty="0">
-                <a:solidFill>
-                  <a:srgbClr val="000000"/>
-                </a:solidFill>
-                <a:latin typeface="Consolas" panose="020B0609020204030204" pitchFamily="49" charset="0"/>
-              </a:rPr>
-              <a:t>}</a:t>
-            </a:r>
-            <a:endParaRPr lang="en-US" sz="1400" dirty="0"/>
-          </a:p>
-        </p:txBody>
-      </p:sp>
-    </p:spTree>
-    <p:extLst>
-      <p:ext uri="{BB962C8B-B14F-4D97-AF65-F5344CB8AC3E}">
-        <p14:creationId xmlns:p14="http://schemas.microsoft.com/office/powerpoint/2010/main" val="1271571351"/>
       </p:ext>
     </p:extLst>
   </p:cSld>
@@ -36179,32 +37529,13 @@
                   <a:schemeClr val="bg1"/>
                 </a:solidFill>
               </a:rPr>
-              <a:t>Query </a:t>
-            </a:r>
-            <a:r>
-              <a:rPr lang="en-US" sz="2400" dirty="0">
-                <a:solidFill>
-                  <a:schemeClr val="bg1"/>
-                </a:solidFill>
-              </a:rPr>
-              <a:t>Entity </a:t>
-            </a:r>
-            <a:r>
-              <a:rPr lang="en-US" sz="2400" i="1" dirty="0">
-                <a:solidFill>
-                  <a:schemeClr val="bg1"/>
-                </a:solidFill>
-              </a:rPr>
-              <a:t>Country, Customer</a:t>
-            </a:r>
-            <a:r>
-              <a:rPr lang="en-US" sz="2400" dirty="0">
-                <a:solidFill>
-                  <a:schemeClr val="bg1"/>
-                </a:solidFill>
-              </a:rPr>
-              <a:t> Using JPA with Spring Boot</a:t>
-            </a:r>
+              <a:t>Entity Bean</a:t>
+            </a:r>
+            <a:endParaRPr lang="en-US" sz="1800" dirty="0">
+              <a:solidFill>
+                <a:schemeClr val="bg1"/>
+              </a:solidFill>
+            </a:endParaRPr>
           </a:p>
         </p:txBody>
       </p:sp>
@@ -36222,8 +37553,8 @@
         </p:nvSpPr>
         <p:spPr>
           <a:xfrm>
-            <a:off x="4380562" y="424453"/>
-            <a:ext cx="7481683" cy="5693866"/>
+            <a:off x="4380562" y="612989"/>
+            <a:ext cx="7481683" cy="5663089"/>
           </a:xfrm>
           <a:prstGeom prst="rect">
             <a:avLst/>
@@ -36238,9 +37569,60 @@
           <a:p>
             <a:pPr algn="l"/>
             <a:r>
-              <a:rPr lang="en-US" sz="1400">
-                <a:solidFill>
-                  <a:srgbClr val="3F5FBF"/>
+              <a:rPr lang="en-US" sz="1600" dirty="0">
+                <a:solidFill>
+                  <a:srgbClr val="646464"/>
+                </a:solidFill>
+                <a:latin typeface="Consolas" panose="020B0609020204030204" pitchFamily="49" charset="0"/>
+              </a:rPr>
+              <a:t>@Entity</a:t>
+            </a:r>
+          </a:p>
+          <a:p>
+            <a:pPr algn="l"/>
+            <a:r>
+              <a:rPr lang="en-US" sz="1600" dirty="0">
+                <a:solidFill>
+                  <a:srgbClr val="646464"/>
+                </a:solidFill>
+                <a:latin typeface="Consolas" panose="020B0609020204030204" pitchFamily="49" charset="0"/>
+              </a:rPr>
+              <a:t>@Table</a:t>
+            </a:r>
+            <a:r>
+              <a:rPr lang="en-US" sz="1600" dirty="0">
+                <a:solidFill>
+                  <a:srgbClr val="000000"/>
+                </a:solidFill>
+                <a:latin typeface="Consolas" panose="020B0609020204030204" pitchFamily="49" charset="0"/>
+              </a:rPr>
+              <a:t>(name = </a:t>
+            </a:r>
+            <a:r>
+              <a:rPr lang="en-US" sz="1600" dirty="0">
+                <a:solidFill>
+                  <a:srgbClr val="2A00FF"/>
+                </a:solidFill>
+                <a:latin typeface="Consolas" panose="020B0609020204030204" pitchFamily="49" charset="0"/>
+              </a:rPr>
+              <a:t>"country"</a:t>
+            </a:r>
+            <a:r>
+              <a:rPr lang="en-US" sz="1600" dirty="0">
+                <a:solidFill>
+                  <a:srgbClr val="000000"/>
+                </a:solidFill>
+                <a:latin typeface="Consolas" panose="020B0609020204030204" pitchFamily="49" charset="0"/>
+              </a:rPr>
+              <a:t>)</a:t>
+            </a:r>
+          </a:p>
+          <a:p>
+            <a:pPr algn="l"/>
+            <a:r>
+              <a:rPr lang="en-US" dirty="0">
+                <a:solidFill>
+                  <a:srgbClr val="000000"/>
                 </a:solidFill>
                 <a:latin typeface="Consolas" panose="020B0609020204030204" pitchFamily="49" charset="0"/>
               </a:rPr>
@@ -36248,395 +37630,59 @@
             </a:r>
           </a:p>
           <a:p>
+            <a:pPr lvl="1"/>
+            <a:r>
+              <a:rPr lang="en-US" sz="1400" dirty="0">
+                <a:solidFill>
+                  <a:srgbClr val="000000"/>
+                </a:solidFill>
+                <a:latin typeface="Consolas" panose="020B0609020204030204" pitchFamily="49" charset="0"/>
+              </a:rPr>
+              <a:t>Using Lombok which </a:t>
+            </a:r>
+            <a:r>
+              <a:rPr lang="en-US" sz="1400" b="0" i="0" dirty="0">
+                <a:solidFill>
+                  <a:srgbClr val="444444"/>
+                </a:solidFill>
+                <a:effectLst/>
+                <a:latin typeface="Roboto" panose="02000000000000000000" pitchFamily="2" charset="0"/>
+              </a:rPr>
+              <a:t>is a java library tool which is used to minimize/remove the boilerplate code. @Data will generate Constructor, Getter / Setter / </a:t>
+            </a:r>
+            <a:r>
+              <a:rPr lang="en-US" sz="1400" b="0" i="0" dirty="0" err="1">
+                <a:solidFill>
+                  <a:srgbClr val="444444"/>
+                </a:solidFill>
+                <a:effectLst/>
+                <a:latin typeface="Roboto" panose="02000000000000000000" pitchFamily="2" charset="0"/>
+              </a:rPr>
+              <a:t>toString</a:t>
+            </a:r>
+            <a:r>
+              <a:rPr lang="en-US" sz="1400" b="0" i="0" dirty="0">
+                <a:solidFill>
+                  <a:srgbClr val="444444"/>
+                </a:solidFill>
+                <a:effectLst/>
+                <a:latin typeface="Roboto" panose="02000000000000000000" pitchFamily="2" charset="0"/>
+              </a:rPr>
+              <a:t>() by Default</a:t>
+            </a:r>
+          </a:p>
+          <a:p>
             <a:pPr algn="l"/>
             <a:r>
-              <a:rPr lang="en-US" sz="1400">
-                <a:solidFill>
-                  <a:srgbClr val="3F5FBF"/>
-                </a:solidFill>
-                <a:latin typeface="Consolas" panose="020B0609020204030204" pitchFamily="49" charset="0"/>
-              </a:rPr>
-              <a:t> * Find by Country Code</a:t>
-            </a:r>
-          </a:p>
-          <a:p>
-            <a:pPr algn="l"/>
-            <a:r>
-              <a:rPr lang="en-US" sz="1400">
-                <a:solidFill>
-                  <a:srgbClr val="3F5FBF"/>
-                </a:solidFill>
-                <a:latin typeface="Consolas" panose="020B0609020204030204" pitchFamily="49" charset="0"/>
-              </a:rPr>
-              <a:t> * </a:t>
-            </a:r>
-          </a:p>
-          <a:p>
-            <a:pPr algn="l"/>
-            <a:r>
-              <a:rPr lang="en-US" sz="1400">
-                <a:solidFill>
-                  <a:srgbClr val="3F5FBF"/>
-                </a:solidFill>
-                <a:latin typeface="Consolas" panose="020B0609020204030204" pitchFamily="49" charset="0"/>
-              </a:rPr>
-              <a:t> * </a:t>
-            </a:r>
-            <a:r>
-              <a:rPr lang="en-US" sz="1400" b="1">
-                <a:solidFill>
-                  <a:srgbClr val="7F9FBF"/>
-                </a:solidFill>
-                <a:latin typeface="Consolas" panose="020B0609020204030204" pitchFamily="49" charset="0"/>
-              </a:rPr>
-              <a:t>@param</a:t>
-            </a:r>
-            <a:r>
-              <a:rPr lang="en-US" sz="1400" b="1">
-                <a:solidFill>
-                  <a:srgbClr val="3F5FBF"/>
-                </a:solidFill>
-                <a:latin typeface="Consolas" panose="020B0609020204030204" pitchFamily="49" charset="0"/>
-              </a:rPr>
-              <a:t> ctry_cd</a:t>
-            </a:r>
-          </a:p>
-          <a:p>
-            <a:pPr algn="l"/>
-            <a:r>
-              <a:rPr lang="en-US" sz="1400">
-                <a:solidFill>
-                  <a:srgbClr val="3F5FBF"/>
-                </a:solidFill>
-                <a:latin typeface="Consolas" panose="020B0609020204030204" pitchFamily="49" charset="0"/>
-              </a:rPr>
-              <a:t> * </a:t>
-            </a:r>
-            <a:r>
-              <a:rPr lang="en-US" sz="1400" b="1">
-                <a:solidFill>
-                  <a:srgbClr val="7F9FBF"/>
-                </a:solidFill>
-                <a:latin typeface="Consolas" panose="020B0609020204030204" pitchFamily="49" charset="0"/>
-              </a:rPr>
-              <a:t>@return</a:t>
-            </a:r>
-          </a:p>
-          <a:p>
-            <a:pPr algn="l"/>
-            <a:r>
-              <a:rPr lang="en-US" sz="1400">
-                <a:solidFill>
-                  <a:srgbClr val="3F5FBF"/>
-                </a:solidFill>
-                <a:latin typeface="Consolas" panose="020B0609020204030204" pitchFamily="49" charset="0"/>
-              </a:rPr>
-              <a:t> */</a:t>
-            </a:r>
-          </a:p>
-          <a:p>
-            <a:pPr algn="l"/>
-            <a:r>
-              <a:rPr lang="en-US" sz="1400">
-                <a:solidFill>
-                  <a:srgbClr val="646464"/>
-                </a:solidFill>
-                <a:latin typeface="Consolas" panose="020B0609020204030204" pitchFamily="49" charset="0"/>
-              </a:rPr>
-              <a:t>@Query</a:t>
-            </a:r>
-            <a:r>
-              <a:rPr lang="en-US" sz="1400">
-                <a:solidFill>
-                  <a:srgbClr val="000000"/>
-                </a:solidFill>
-                <a:latin typeface="Consolas" panose="020B0609020204030204" pitchFamily="49" charset="0"/>
-              </a:rPr>
-              <a:t>(</a:t>
-            </a:r>
-            <a:r>
-              <a:rPr lang="en-US" sz="1400">
-                <a:solidFill>
-                  <a:srgbClr val="2A00FF"/>
-                </a:solidFill>
-                <a:latin typeface="Consolas" panose="020B0609020204030204" pitchFamily="49" charset="0"/>
-              </a:rPr>
-              <a:t>" SELECT o FROM Country o WHERE o.ctry_cd = ?1 "</a:t>
-            </a:r>
-            <a:r>
-              <a:rPr lang="en-US" sz="1400">
-                <a:solidFill>
-                  <a:srgbClr val="000000"/>
-                </a:solidFill>
-                <a:latin typeface="Consolas" panose="020B0609020204030204" pitchFamily="49" charset="0"/>
-              </a:rPr>
-              <a:t>)</a:t>
-            </a:r>
-          </a:p>
-          <a:p>
-            <a:pPr algn="l"/>
-            <a:r>
-              <a:rPr lang="en-US" sz="1400">
-                <a:solidFill>
-                  <a:srgbClr val="646464"/>
-                </a:solidFill>
-                <a:latin typeface="Consolas" panose="020B0609020204030204" pitchFamily="49" charset="0"/>
-              </a:rPr>
-              <a:t>@Cacheable</a:t>
-            </a:r>
-            <a:r>
-              <a:rPr lang="en-US" sz="1400">
-                <a:solidFill>
-                  <a:srgbClr val="000000"/>
-                </a:solidFill>
-                <a:latin typeface="Consolas" panose="020B0609020204030204" pitchFamily="49" charset="0"/>
-              </a:rPr>
-              <a:t>(</a:t>
-            </a:r>
-            <a:r>
-              <a:rPr lang="en-US" sz="1400">
-                <a:solidFill>
-                  <a:srgbClr val="2A00FF"/>
-                </a:solidFill>
-                <a:latin typeface="Consolas" panose="020B0609020204030204" pitchFamily="49" charset="0"/>
-              </a:rPr>
-              <a:t>"country"</a:t>
-            </a:r>
-            <a:r>
-              <a:rPr lang="en-US" sz="1400">
-                <a:solidFill>
-                  <a:srgbClr val="000000"/>
-                </a:solidFill>
-                <a:latin typeface="Consolas" panose="020B0609020204030204" pitchFamily="49" charset="0"/>
-              </a:rPr>
-              <a:t>)</a:t>
-            </a:r>
-          </a:p>
-          <a:p>
-            <a:pPr algn="l"/>
-            <a:r>
-              <a:rPr lang="en-US" sz="1400">
-                <a:solidFill>
-                  <a:srgbClr val="000000"/>
-                </a:solidFill>
-                <a:latin typeface="Consolas" panose="020B0609020204030204" pitchFamily="49" charset="0"/>
-              </a:rPr>
-              <a:t>Country </a:t>
-            </a:r>
-            <a:r>
-              <a:rPr lang="en-US" sz="1400">
-                <a:solidFill>
-                  <a:srgbClr val="000000"/>
-                </a:solidFill>
-                <a:highlight>
-                  <a:srgbClr val="D4D4D4"/>
-                </a:highlight>
-                <a:latin typeface="Consolas" panose="020B0609020204030204" pitchFamily="49" charset="0"/>
-              </a:rPr>
-              <a:t>findByCtryCd(</a:t>
-            </a:r>
-            <a:r>
-              <a:rPr lang="en-US" sz="1400">
-                <a:solidFill>
-                  <a:srgbClr val="646464"/>
-                </a:solidFill>
-                <a:highlight>
-                  <a:srgbClr val="D4D4D4"/>
-                </a:highlight>
-                <a:latin typeface="Consolas" panose="020B0609020204030204" pitchFamily="49" charset="0"/>
-              </a:rPr>
-              <a:t>@Param</a:t>
-            </a:r>
-            <a:r>
-              <a:rPr lang="en-US" sz="1400">
-                <a:solidFill>
-                  <a:srgbClr val="000000"/>
-                </a:solidFill>
-                <a:highlight>
-                  <a:srgbClr val="D4D4D4"/>
-                </a:highlight>
-                <a:latin typeface="Consolas" panose="020B0609020204030204" pitchFamily="49" charset="0"/>
-              </a:rPr>
-              <a:t>(</a:t>
-            </a:r>
-            <a:r>
-              <a:rPr lang="en-US" sz="1400">
-                <a:solidFill>
-                  <a:srgbClr val="2A00FF"/>
-                </a:solidFill>
-                <a:highlight>
-                  <a:srgbClr val="D4D4D4"/>
-                </a:highlight>
-                <a:latin typeface="Consolas" panose="020B0609020204030204" pitchFamily="49" charset="0"/>
-              </a:rPr>
-              <a:t>"ctry_cd"</a:t>
-            </a:r>
-            <a:r>
-              <a:rPr lang="en-US" sz="1400">
-                <a:solidFill>
-                  <a:srgbClr val="000000"/>
-                </a:solidFill>
-                <a:highlight>
-                  <a:srgbClr val="D4D4D4"/>
-                </a:highlight>
-                <a:latin typeface="Consolas" panose="020B0609020204030204" pitchFamily="49" charset="0"/>
-              </a:rPr>
-              <a:t>) String </a:t>
-            </a:r>
-            <a:r>
-              <a:rPr lang="en-US" sz="1400">
-                <a:solidFill>
-                  <a:srgbClr val="6A3E3E"/>
-                </a:solidFill>
-                <a:highlight>
-                  <a:srgbClr val="D4D4D4"/>
-                </a:highlight>
-                <a:latin typeface="Consolas" panose="020B0609020204030204" pitchFamily="49" charset="0"/>
-              </a:rPr>
-              <a:t>ctry_cd</a:t>
-            </a:r>
-            <a:r>
-              <a:rPr lang="en-US" sz="1400">
-                <a:solidFill>
-                  <a:srgbClr val="000000"/>
-                </a:solidFill>
-                <a:highlight>
-                  <a:srgbClr val="D4D4D4"/>
-                </a:highlight>
-                <a:latin typeface="Consolas" panose="020B0609020204030204" pitchFamily="49" charset="0"/>
-              </a:rPr>
-              <a:t>);</a:t>
-            </a:r>
-          </a:p>
-          <a:p>
-            <a:pPr algn="l"/>
-            <a:endParaRPr lang="en-US" sz="1400">
-              <a:latin typeface="Consolas" panose="020B0609020204030204" pitchFamily="49" charset="0"/>
-            </a:endParaRPr>
-          </a:p>
-          <a:p>
-            <a:pPr algn="l"/>
-            <a:r>
-              <a:rPr lang="en-US" sz="1400">
-                <a:solidFill>
-                  <a:srgbClr val="3F5FBF"/>
-                </a:solidFill>
-                <a:latin typeface="Consolas" panose="020B0609020204030204" pitchFamily="49" charset="0"/>
-              </a:rPr>
-              <a:t>/**</a:t>
-            </a:r>
-          </a:p>
-          <a:p>
-            <a:pPr algn="l"/>
-            <a:r>
-              <a:rPr lang="en-US" sz="1400">
-                <a:solidFill>
-                  <a:srgbClr val="3F5FBF"/>
-                </a:solidFill>
-                <a:latin typeface="Consolas" panose="020B0609020204030204" pitchFamily="49" charset="0"/>
-              </a:rPr>
-              <a:t> * Find All</a:t>
-            </a:r>
-          </a:p>
-          <a:p>
-            <a:pPr algn="l"/>
-            <a:r>
-              <a:rPr lang="en-US" sz="1400">
-                <a:solidFill>
-                  <a:srgbClr val="3F5FBF"/>
-                </a:solidFill>
-                <a:latin typeface="Consolas" panose="020B0609020204030204" pitchFamily="49" charset="0"/>
-              </a:rPr>
-              <a:t> * </a:t>
-            </a:r>
-          </a:p>
-          <a:p>
-            <a:pPr algn="l"/>
-            <a:r>
-              <a:rPr lang="en-US" sz="1400">
-                <a:solidFill>
-                  <a:srgbClr val="3F5FBF"/>
-                </a:solidFill>
-                <a:latin typeface="Consolas" panose="020B0609020204030204" pitchFamily="49" charset="0"/>
-              </a:rPr>
-              <a:t> * </a:t>
-            </a:r>
-            <a:r>
-              <a:rPr lang="en-US" sz="1400" b="1">
-                <a:solidFill>
-                  <a:srgbClr val="7F9FBF"/>
-                </a:solidFill>
-                <a:latin typeface="Consolas" panose="020B0609020204030204" pitchFamily="49" charset="0"/>
-              </a:rPr>
-              <a:t>@return</a:t>
-            </a:r>
-          </a:p>
-          <a:p>
-            <a:pPr algn="l"/>
-            <a:r>
-              <a:rPr lang="en-US" sz="1400">
-                <a:solidFill>
-                  <a:srgbClr val="3F5FBF"/>
-                </a:solidFill>
-                <a:latin typeface="Consolas" panose="020B0609020204030204" pitchFamily="49" charset="0"/>
-              </a:rPr>
-              <a:t> */</a:t>
-            </a:r>
-          </a:p>
-          <a:p>
-            <a:pPr algn="l"/>
-            <a:r>
-              <a:rPr lang="en-US" sz="1400">
-                <a:solidFill>
-                  <a:srgbClr val="646464"/>
-                </a:solidFill>
-                <a:latin typeface="Consolas" panose="020B0609020204030204" pitchFamily="49" charset="0"/>
-              </a:rPr>
-              <a:t>@Query</a:t>
-            </a:r>
-            <a:r>
-              <a:rPr lang="en-US" sz="1400">
-                <a:solidFill>
-                  <a:srgbClr val="000000"/>
-                </a:solidFill>
-                <a:latin typeface="Consolas" panose="020B0609020204030204" pitchFamily="49" charset="0"/>
-              </a:rPr>
-              <a:t>(</a:t>
-            </a:r>
-            <a:r>
-              <a:rPr lang="en-US" sz="1400">
-                <a:solidFill>
-                  <a:srgbClr val="2A00FF"/>
-                </a:solidFill>
-                <a:latin typeface="Consolas" panose="020B0609020204030204" pitchFamily="49" charset="0"/>
-              </a:rPr>
-              <a:t>" SELECT o FROM Country o ORDER By o.ctry_cd "</a:t>
-            </a:r>
-            <a:r>
-              <a:rPr lang="en-US" sz="1400">
-                <a:solidFill>
-                  <a:srgbClr val="000000"/>
-                </a:solidFill>
-                <a:latin typeface="Consolas" panose="020B0609020204030204" pitchFamily="49" charset="0"/>
-              </a:rPr>
-              <a:t>)</a:t>
-            </a:r>
-          </a:p>
-          <a:p>
-            <a:pPr algn="l"/>
-            <a:r>
-              <a:rPr lang="en-US" sz="1400">
-                <a:solidFill>
-                  <a:srgbClr val="000000"/>
-                </a:solidFill>
-                <a:latin typeface="Consolas" panose="020B0609020204030204" pitchFamily="49" charset="0"/>
-              </a:rPr>
-              <a:t>List&lt;Country&gt; findAll();</a:t>
-            </a:r>
-          </a:p>
-          <a:p>
-            <a:pPr algn="l"/>
-            <a:endParaRPr lang="en-US" sz="1400">
+              <a:rPr lang="en-US" dirty="0">
+                <a:solidFill>
+                  <a:srgbClr val="444444"/>
+                </a:solidFill>
+                <a:latin typeface="Roboto" panose="02000000000000000000" pitchFamily="2" charset="0"/>
+              </a:rPr>
+              <a:t>*/</a:t>
+            </a:r>
+            <a:endParaRPr lang="en-US" sz="1800" dirty="0">
               <a:solidFill>
                 <a:srgbClr val="000000"/>
               </a:solidFill>
@@ -36646,205 +37692,538 @@
           <a:p>
             <a:pPr algn="l"/>
             <a:r>
-              <a:rPr lang="en-US" sz="1400">
-                <a:solidFill>
-                  <a:srgbClr val="3F5FBF"/>
-                </a:solidFill>
-                <a:latin typeface="Consolas" panose="020B0609020204030204" pitchFamily="49" charset="0"/>
-              </a:rPr>
-              <a:t>/**</a:t>
+              <a:rPr lang="en-US" sz="1400" dirty="0">
+                <a:solidFill>
+                  <a:srgbClr val="646464"/>
+                </a:solidFill>
+                <a:latin typeface="Consolas" panose="020B0609020204030204" pitchFamily="49" charset="0"/>
+              </a:rPr>
+              <a:t>@Data</a:t>
             </a:r>
           </a:p>
           <a:p>
             <a:pPr algn="l"/>
             <a:r>
-              <a:rPr lang="en-US" sz="1400">
-                <a:solidFill>
-                  <a:srgbClr val="3F5FBF"/>
-                </a:solidFill>
-                <a:latin typeface="Consolas" panose="020B0609020204030204" pitchFamily="49" charset="0"/>
-              </a:rPr>
-              <a:t> * Find Customer by Email</a:t>
+              <a:rPr lang="en-US" sz="1400" b="1" dirty="0">
+                <a:solidFill>
+                  <a:srgbClr val="7F0055"/>
+                </a:solidFill>
+                <a:latin typeface="Consolas" panose="020B0609020204030204" pitchFamily="49" charset="0"/>
+              </a:rPr>
+              <a:t>public</a:t>
+            </a:r>
+            <a:r>
+              <a:rPr lang="en-US" sz="1400" b="1" dirty="0">
+                <a:solidFill>
+                  <a:srgbClr val="000000"/>
+                </a:solidFill>
+                <a:latin typeface="Consolas" panose="020B0609020204030204" pitchFamily="49" charset="0"/>
+              </a:rPr>
+              <a:t> </a:t>
+            </a:r>
+            <a:r>
+              <a:rPr lang="en-US" sz="1400" b="1" dirty="0">
+                <a:solidFill>
+                  <a:srgbClr val="7F0055"/>
+                </a:solidFill>
+                <a:latin typeface="Consolas" panose="020B0609020204030204" pitchFamily="49" charset="0"/>
+              </a:rPr>
+              <a:t>class</a:t>
+            </a:r>
+            <a:r>
+              <a:rPr lang="en-US" sz="1400" b="1" dirty="0">
+                <a:solidFill>
+                  <a:srgbClr val="000000"/>
+                </a:solidFill>
+                <a:latin typeface="Consolas" panose="020B0609020204030204" pitchFamily="49" charset="0"/>
+              </a:rPr>
+              <a:t> Country </a:t>
+            </a:r>
+            <a:r>
+              <a:rPr lang="en-US" sz="1400" b="1" dirty="0">
+                <a:solidFill>
+                  <a:srgbClr val="7F0055"/>
+                </a:solidFill>
+                <a:latin typeface="Consolas" panose="020B0609020204030204" pitchFamily="49" charset="0"/>
+              </a:rPr>
+              <a:t>implements</a:t>
+            </a:r>
+            <a:r>
+              <a:rPr lang="en-US" sz="1400" b="1" dirty="0">
+                <a:solidFill>
+                  <a:srgbClr val="000000"/>
+                </a:solidFill>
+                <a:latin typeface="Consolas" panose="020B0609020204030204" pitchFamily="49" charset="0"/>
+              </a:rPr>
+              <a:t> Serializable {</a:t>
             </a:r>
           </a:p>
           <a:p>
             <a:pPr algn="l"/>
-            <a:r>
-              <a:rPr lang="en-US" sz="1400">
-                <a:solidFill>
-                  <a:srgbClr val="3F5FBF"/>
-                </a:solidFill>
-                <a:latin typeface="Consolas" panose="020B0609020204030204" pitchFamily="49" charset="0"/>
-              </a:rPr>
-              <a:t> * </a:t>
+            <a:endParaRPr lang="en-US" sz="1400" dirty="0">
+              <a:latin typeface="Consolas" panose="020B0609020204030204" pitchFamily="49" charset="0"/>
+            </a:endParaRPr>
+          </a:p>
+          <a:p>
+            <a:pPr lvl="1"/>
+            <a:r>
+              <a:rPr lang="en-US" sz="1400" b="1" dirty="0">
+                <a:solidFill>
+                  <a:srgbClr val="7F0055"/>
+                </a:solidFill>
+                <a:latin typeface="Consolas" panose="020B0609020204030204" pitchFamily="49" charset="0"/>
+              </a:rPr>
+              <a:t>private</a:t>
+            </a:r>
+            <a:r>
+              <a:rPr lang="en-US" sz="1400" b="1" dirty="0">
+                <a:solidFill>
+                  <a:srgbClr val="000000"/>
+                </a:solidFill>
+                <a:latin typeface="Consolas" panose="020B0609020204030204" pitchFamily="49" charset="0"/>
+              </a:rPr>
+              <a:t> </a:t>
+            </a:r>
+            <a:r>
+              <a:rPr lang="en-US" sz="1400" b="1" dirty="0">
+                <a:solidFill>
+                  <a:srgbClr val="7F0055"/>
+                </a:solidFill>
+                <a:latin typeface="Consolas" panose="020B0609020204030204" pitchFamily="49" charset="0"/>
+              </a:rPr>
+              <a:t>static</a:t>
+            </a:r>
+            <a:r>
+              <a:rPr lang="en-US" sz="1400" b="1" dirty="0">
+                <a:solidFill>
+                  <a:srgbClr val="000000"/>
+                </a:solidFill>
+                <a:latin typeface="Consolas" panose="020B0609020204030204" pitchFamily="49" charset="0"/>
+              </a:rPr>
+              <a:t> </a:t>
+            </a:r>
+            <a:r>
+              <a:rPr lang="en-US" sz="1400" b="1" dirty="0">
+                <a:solidFill>
+                  <a:srgbClr val="7F0055"/>
+                </a:solidFill>
+                <a:latin typeface="Consolas" panose="020B0609020204030204" pitchFamily="49" charset="0"/>
+              </a:rPr>
+              <a:t>final</a:t>
+            </a:r>
+            <a:r>
+              <a:rPr lang="en-US" sz="1400" b="1" dirty="0">
+                <a:solidFill>
+                  <a:srgbClr val="000000"/>
+                </a:solidFill>
+                <a:latin typeface="Consolas" panose="020B0609020204030204" pitchFamily="49" charset="0"/>
+              </a:rPr>
+              <a:t> </a:t>
+            </a:r>
+            <a:r>
+              <a:rPr lang="en-US" sz="1400" b="1" dirty="0">
+                <a:solidFill>
+                  <a:srgbClr val="7F0055"/>
+                </a:solidFill>
+                <a:latin typeface="Consolas" panose="020B0609020204030204" pitchFamily="49" charset="0"/>
+              </a:rPr>
+              <a:t>long</a:t>
+            </a:r>
+            <a:r>
+              <a:rPr lang="en-US" sz="1400" b="1" dirty="0">
+                <a:solidFill>
+                  <a:srgbClr val="000000"/>
+                </a:solidFill>
+                <a:latin typeface="Consolas" panose="020B0609020204030204" pitchFamily="49" charset="0"/>
+              </a:rPr>
+              <a:t> </a:t>
+            </a:r>
+            <a:r>
+              <a:rPr lang="en-US" sz="1400" b="1" i="1" dirty="0" err="1">
+                <a:solidFill>
+                  <a:srgbClr val="0000C0"/>
+                </a:solidFill>
+                <a:latin typeface="Consolas" panose="020B0609020204030204" pitchFamily="49" charset="0"/>
+              </a:rPr>
+              <a:t>serialVersionUID</a:t>
+            </a:r>
+            <a:r>
+              <a:rPr lang="en-US" sz="1400" b="1" i="1" dirty="0">
+                <a:solidFill>
+                  <a:srgbClr val="000000"/>
+                </a:solidFill>
+                <a:latin typeface="Consolas" panose="020B0609020204030204" pitchFamily="49" charset="0"/>
+              </a:rPr>
+              <a:t> = 9120997940945205046L;</a:t>
+            </a:r>
+          </a:p>
+          <a:p>
+            <a:pPr lvl="1"/>
+            <a:endParaRPr lang="en-US" sz="1400" dirty="0">
+              <a:latin typeface="Consolas" panose="020B0609020204030204" pitchFamily="49" charset="0"/>
+            </a:endParaRPr>
+          </a:p>
+          <a:p>
+            <a:pPr lvl="1"/>
+            <a:r>
+              <a:rPr lang="en-US" sz="1400" dirty="0">
+                <a:solidFill>
+                  <a:srgbClr val="646464"/>
+                </a:solidFill>
+                <a:latin typeface="Consolas" panose="020B0609020204030204" pitchFamily="49" charset="0"/>
+              </a:rPr>
+              <a:t>@Id</a:t>
+            </a:r>
+          </a:p>
+          <a:p>
+            <a:pPr lvl="1"/>
+            <a:r>
+              <a:rPr lang="en-US" sz="1400" dirty="0">
+                <a:solidFill>
+                  <a:srgbClr val="646464"/>
+                </a:solidFill>
+                <a:latin typeface="Consolas" panose="020B0609020204030204" pitchFamily="49" charset="0"/>
+              </a:rPr>
+              <a:t>@GeneratedValue</a:t>
+            </a:r>
+            <a:r>
+              <a:rPr lang="en-US" sz="1400" dirty="0">
+                <a:solidFill>
+                  <a:srgbClr val="000000"/>
+                </a:solidFill>
+                <a:latin typeface="Consolas" panose="020B0609020204030204" pitchFamily="49" charset="0"/>
+              </a:rPr>
+              <a:t>(strategy = </a:t>
+            </a:r>
+            <a:r>
+              <a:rPr lang="en-US" sz="1400" dirty="0" err="1">
+                <a:solidFill>
+                  <a:srgbClr val="000000"/>
+                </a:solidFill>
+                <a:latin typeface="Consolas" panose="020B0609020204030204" pitchFamily="49" charset="0"/>
+              </a:rPr>
+              <a:t>GenerationType.</a:t>
+            </a:r>
+            <a:r>
+              <a:rPr lang="en-US" sz="1400" b="1" i="1" dirty="0" err="1">
+                <a:solidFill>
+                  <a:srgbClr val="0000C0"/>
+                </a:solidFill>
+                <a:latin typeface="Consolas" panose="020B0609020204030204" pitchFamily="49" charset="0"/>
+              </a:rPr>
+              <a:t>IDENTITY</a:t>
+            </a:r>
+            <a:r>
+              <a:rPr lang="en-US" sz="1400" b="1" i="1" dirty="0">
+                <a:solidFill>
+                  <a:srgbClr val="000000"/>
+                </a:solidFill>
+                <a:latin typeface="Consolas" panose="020B0609020204030204" pitchFamily="49" charset="0"/>
+              </a:rPr>
+              <a:t>)</a:t>
+            </a:r>
+          </a:p>
+          <a:p>
+            <a:pPr lvl="1"/>
+            <a:r>
+              <a:rPr lang="en-US" sz="1400" b="1" dirty="0">
+                <a:solidFill>
+                  <a:srgbClr val="7F0055"/>
+                </a:solidFill>
+                <a:latin typeface="Consolas" panose="020B0609020204030204" pitchFamily="49" charset="0"/>
+              </a:rPr>
+              <a:t>private</a:t>
+            </a:r>
+            <a:r>
+              <a:rPr lang="en-US" sz="1400" b="1" dirty="0">
+                <a:solidFill>
+                  <a:srgbClr val="000000"/>
+                </a:solidFill>
+                <a:latin typeface="Consolas" panose="020B0609020204030204" pitchFamily="49" charset="0"/>
+              </a:rPr>
+              <a:t> Long </a:t>
+            </a:r>
+            <a:r>
+              <a:rPr lang="en-US" sz="1400" b="1" dirty="0" err="1">
+                <a:solidFill>
+                  <a:srgbClr val="0000C0"/>
+                </a:solidFill>
+                <a:latin typeface="Consolas" panose="020B0609020204030204" pitchFamily="49" charset="0"/>
+              </a:rPr>
+              <a:t>country_id</a:t>
+            </a:r>
+            <a:r>
+              <a:rPr lang="en-US" sz="1400" b="1" dirty="0">
+                <a:solidFill>
+                  <a:srgbClr val="000000"/>
+                </a:solidFill>
+                <a:latin typeface="Consolas" panose="020B0609020204030204" pitchFamily="49" charset="0"/>
+              </a:rPr>
+              <a:t>;</a:t>
+            </a:r>
+          </a:p>
+          <a:p>
+            <a:pPr lvl="1"/>
+            <a:endParaRPr lang="en-US" sz="1400" dirty="0">
+              <a:latin typeface="Consolas" panose="020B0609020204030204" pitchFamily="49" charset="0"/>
+            </a:endParaRPr>
+          </a:p>
+          <a:p>
+            <a:pPr lvl="1"/>
+            <a:r>
+              <a:rPr lang="en-US" sz="1400" b="1" dirty="0">
+                <a:solidFill>
+                  <a:srgbClr val="7F0055"/>
+                </a:solidFill>
+                <a:latin typeface="Consolas" panose="020B0609020204030204" pitchFamily="49" charset="0"/>
+              </a:rPr>
+              <a:t>private</a:t>
+            </a:r>
+            <a:r>
+              <a:rPr lang="en-US" sz="1400" b="1" dirty="0">
+                <a:solidFill>
+                  <a:srgbClr val="000000"/>
+                </a:solidFill>
+                <a:latin typeface="Consolas" panose="020B0609020204030204" pitchFamily="49" charset="0"/>
+              </a:rPr>
+              <a:t> String </a:t>
+            </a:r>
+            <a:r>
+              <a:rPr lang="en-US" sz="1400" b="1" dirty="0" err="1">
+                <a:solidFill>
+                  <a:srgbClr val="0000C0"/>
+                </a:solidFill>
+                <a:latin typeface="Consolas" panose="020B0609020204030204" pitchFamily="49" charset="0"/>
+              </a:rPr>
+              <a:t>ctry_cd</a:t>
+            </a:r>
+            <a:r>
+              <a:rPr lang="en-US" sz="1400" b="1" dirty="0">
+                <a:solidFill>
+                  <a:srgbClr val="000000"/>
+                </a:solidFill>
+                <a:latin typeface="Consolas" panose="020B0609020204030204" pitchFamily="49" charset="0"/>
+              </a:rPr>
+              <a:t>;</a:t>
+            </a:r>
+          </a:p>
+          <a:p>
+            <a:pPr lvl="1"/>
+            <a:r>
+              <a:rPr lang="en-US" sz="1400" b="1" dirty="0">
+                <a:solidFill>
+                  <a:srgbClr val="7F0055"/>
+                </a:solidFill>
+                <a:latin typeface="Consolas" panose="020B0609020204030204" pitchFamily="49" charset="0"/>
+              </a:rPr>
+              <a:t>private</a:t>
+            </a:r>
+            <a:r>
+              <a:rPr lang="en-US" sz="1400" b="1" dirty="0">
+                <a:solidFill>
+                  <a:srgbClr val="000000"/>
+                </a:solidFill>
+                <a:latin typeface="Consolas" panose="020B0609020204030204" pitchFamily="49" charset="0"/>
+              </a:rPr>
+              <a:t> String </a:t>
+            </a:r>
+            <a:r>
+              <a:rPr lang="en-US" sz="1400" b="1" dirty="0" err="1">
+                <a:solidFill>
+                  <a:srgbClr val="0000C0"/>
+                </a:solidFill>
+                <a:latin typeface="Consolas" panose="020B0609020204030204" pitchFamily="49" charset="0"/>
+              </a:rPr>
+              <a:t>ctry_nm</a:t>
+            </a:r>
+            <a:r>
+              <a:rPr lang="en-US" sz="1400" b="1" dirty="0">
+                <a:solidFill>
+                  <a:srgbClr val="000000"/>
+                </a:solidFill>
+                <a:latin typeface="Consolas" panose="020B0609020204030204" pitchFamily="49" charset="0"/>
+              </a:rPr>
+              <a:t>;</a:t>
+            </a:r>
+          </a:p>
+          <a:p>
+            <a:pPr lvl="1"/>
+            <a:endParaRPr lang="en-US" sz="1400" dirty="0">
+              <a:latin typeface="Consolas" panose="020B0609020204030204" pitchFamily="49" charset="0"/>
+            </a:endParaRPr>
+          </a:p>
+          <a:p>
+            <a:pPr lvl="1"/>
+            <a:r>
+              <a:rPr lang="en-US" sz="1400" dirty="0">
+                <a:solidFill>
+                  <a:srgbClr val="646464"/>
+                </a:solidFill>
+                <a:latin typeface="Consolas" panose="020B0609020204030204" pitchFamily="49" charset="0"/>
+              </a:rPr>
+              <a:t>@Temporal</a:t>
+            </a:r>
+            <a:r>
+              <a:rPr lang="en-US" sz="1400" dirty="0">
+                <a:solidFill>
+                  <a:srgbClr val="000000"/>
+                </a:solidFill>
+                <a:latin typeface="Consolas" panose="020B0609020204030204" pitchFamily="49" charset="0"/>
+              </a:rPr>
+              <a:t>(TemporalType.</a:t>
+            </a:r>
+            <a:r>
+              <a:rPr lang="en-US" sz="1400" b="1" i="1" dirty="0">
+                <a:solidFill>
+                  <a:srgbClr val="0000C0"/>
+                </a:solidFill>
+                <a:latin typeface="Consolas" panose="020B0609020204030204" pitchFamily="49" charset="0"/>
+              </a:rPr>
+              <a:t>TIMESTAMP</a:t>
+            </a:r>
+            <a:r>
+              <a:rPr lang="en-US" sz="1400" b="1" i="1" dirty="0">
+                <a:solidFill>
+                  <a:srgbClr val="000000"/>
+                </a:solidFill>
+                <a:latin typeface="Consolas" panose="020B0609020204030204" pitchFamily="49" charset="0"/>
+              </a:rPr>
+              <a:t>)</a:t>
+            </a:r>
+          </a:p>
+          <a:p>
+            <a:pPr lvl="1"/>
+            <a:r>
+              <a:rPr lang="en-US" sz="1400" b="1" dirty="0">
+                <a:solidFill>
+                  <a:srgbClr val="7F0055"/>
+                </a:solidFill>
+                <a:latin typeface="Consolas" panose="020B0609020204030204" pitchFamily="49" charset="0"/>
+              </a:rPr>
+              <a:t>private</a:t>
+            </a:r>
+            <a:r>
+              <a:rPr lang="en-US" sz="1400" b="1" dirty="0">
+                <a:solidFill>
+                  <a:srgbClr val="000000"/>
+                </a:solidFill>
+                <a:latin typeface="Consolas" panose="020B0609020204030204" pitchFamily="49" charset="0"/>
+              </a:rPr>
+              <a:t> Date </a:t>
+            </a:r>
+            <a:r>
+              <a:rPr lang="en-US" sz="1400" b="1" dirty="0" err="1">
+                <a:solidFill>
+                  <a:srgbClr val="0000C0"/>
+                </a:solidFill>
+                <a:latin typeface="Consolas" panose="020B0609020204030204" pitchFamily="49" charset="0"/>
+              </a:rPr>
+              <a:t>last_mdfy_ts</a:t>
+            </a:r>
+            <a:r>
+              <a:rPr lang="en-US" sz="1400" b="1" dirty="0">
+                <a:solidFill>
+                  <a:srgbClr val="000000"/>
+                </a:solidFill>
+                <a:latin typeface="Consolas" panose="020B0609020204030204" pitchFamily="49" charset="0"/>
+              </a:rPr>
+              <a:t>;</a:t>
+            </a:r>
+          </a:p>
+          <a:p>
+            <a:pPr lvl="1"/>
+            <a:endParaRPr lang="en-US" sz="1400" dirty="0">
+              <a:latin typeface="Consolas" panose="020B0609020204030204" pitchFamily="49" charset="0"/>
+            </a:endParaRPr>
+          </a:p>
+          <a:p>
+            <a:pPr lvl="1"/>
+            <a:r>
+              <a:rPr lang="en-US" sz="1400" b="1" dirty="0">
+                <a:solidFill>
+                  <a:srgbClr val="7F0055"/>
+                </a:solidFill>
+                <a:latin typeface="Consolas" panose="020B0609020204030204" pitchFamily="49" charset="0"/>
+              </a:rPr>
+              <a:t>private</a:t>
+            </a:r>
+            <a:r>
+              <a:rPr lang="en-US" sz="1400" b="1" dirty="0">
+                <a:solidFill>
+                  <a:srgbClr val="000000"/>
+                </a:solidFill>
+                <a:latin typeface="Consolas" panose="020B0609020204030204" pitchFamily="49" charset="0"/>
+              </a:rPr>
+              <a:t> String </a:t>
+            </a:r>
+            <a:r>
+              <a:rPr lang="en-US" sz="1400" b="1" dirty="0" err="1">
+                <a:solidFill>
+                  <a:srgbClr val="0000C0"/>
+                </a:solidFill>
+                <a:latin typeface="Consolas" panose="020B0609020204030204" pitchFamily="49" charset="0"/>
+              </a:rPr>
+              <a:t>last_mdfy_prog</a:t>
+            </a:r>
+            <a:r>
+              <a:rPr lang="en-US" sz="1400" b="1" dirty="0">
+                <a:solidFill>
+                  <a:srgbClr val="000000"/>
+                </a:solidFill>
+                <a:latin typeface="Consolas" panose="020B0609020204030204" pitchFamily="49" charset="0"/>
+              </a:rPr>
+              <a:t>;</a:t>
+            </a:r>
+          </a:p>
+          <a:p>
+            <a:pPr lvl="1"/>
+            <a:r>
+              <a:rPr lang="nb-NO" sz="1400" b="1" dirty="0">
+                <a:solidFill>
+                  <a:srgbClr val="7F0055"/>
+                </a:solidFill>
+                <a:latin typeface="Consolas" panose="020B0609020204030204" pitchFamily="49" charset="0"/>
+              </a:rPr>
+              <a:t>private</a:t>
+            </a:r>
+            <a:r>
+              <a:rPr lang="nb-NO" sz="1400" b="1" dirty="0">
+                <a:solidFill>
+                  <a:srgbClr val="000000"/>
+                </a:solidFill>
+                <a:latin typeface="Consolas" panose="020B0609020204030204" pitchFamily="49" charset="0"/>
+              </a:rPr>
+              <a:t> String </a:t>
+            </a:r>
+            <a:r>
+              <a:rPr lang="nb-NO" sz="1400" b="1" dirty="0">
+                <a:solidFill>
+                  <a:srgbClr val="0000C0"/>
+                </a:solidFill>
+                <a:latin typeface="Consolas" panose="020B0609020204030204" pitchFamily="49" charset="0"/>
+              </a:rPr>
+              <a:t>last_mdfy_user</a:t>
+            </a:r>
+            <a:r>
+              <a:rPr lang="nb-NO" sz="1400" b="1" dirty="0">
+                <a:solidFill>
+                  <a:srgbClr val="000000"/>
+                </a:solidFill>
+                <a:latin typeface="Consolas" panose="020B0609020204030204" pitchFamily="49" charset="0"/>
+              </a:rPr>
+              <a:t>;</a:t>
             </a:r>
           </a:p>
           <a:p>
             <a:pPr algn="l"/>
             <a:r>
-              <a:rPr lang="en-US" sz="1400">
-                <a:solidFill>
-                  <a:srgbClr val="3F5FBF"/>
-                </a:solidFill>
-                <a:latin typeface="Consolas" panose="020B0609020204030204" pitchFamily="49" charset="0"/>
-              </a:rPr>
-              <a:t> * </a:t>
-            </a:r>
-            <a:r>
-              <a:rPr lang="en-US" sz="1400" b="1">
-                <a:solidFill>
-                  <a:srgbClr val="7F9FBF"/>
-                </a:solidFill>
-                <a:latin typeface="Consolas" panose="020B0609020204030204" pitchFamily="49" charset="0"/>
-              </a:rPr>
-              <a:t>@param</a:t>
-            </a:r>
-            <a:r>
-              <a:rPr lang="en-US" sz="1400" b="1">
-                <a:solidFill>
-                  <a:srgbClr val="3F5FBF"/>
-                </a:solidFill>
-                <a:latin typeface="Consolas" panose="020B0609020204030204" pitchFamily="49" charset="0"/>
-              </a:rPr>
-              <a:t> email_ad</a:t>
-            </a:r>
-          </a:p>
-          <a:p>
-            <a:pPr algn="l"/>
-            <a:r>
-              <a:rPr lang="en-US" sz="1400">
-                <a:solidFill>
-                  <a:srgbClr val="3F5FBF"/>
-                </a:solidFill>
-                <a:latin typeface="Consolas" panose="020B0609020204030204" pitchFamily="49" charset="0"/>
-              </a:rPr>
-              <a:t> * </a:t>
-            </a:r>
-            <a:r>
-              <a:rPr lang="en-US" sz="1400" b="1">
-                <a:solidFill>
-                  <a:srgbClr val="7F9FBF"/>
-                </a:solidFill>
-                <a:latin typeface="Consolas" panose="020B0609020204030204" pitchFamily="49" charset="0"/>
-              </a:rPr>
-              <a:t>@return</a:t>
-            </a:r>
-          </a:p>
-          <a:p>
-            <a:pPr algn="l"/>
-            <a:r>
-              <a:rPr lang="en-US" sz="1400">
-                <a:solidFill>
-                  <a:srgbClr val="3F5FBF"/>
-                </a:solidFill>
-                <a:latin typeface="Consolas" panose="020B0609020204030204" pitchFamily="49" charset="0"/>
-              </a:rPr>
-              <a:t> */</a:t>
-            </a:r>
-          </a:p>
-          <a:p>
-            <a:pPr algn="l"/>
-            <a:r>
-              <a:rPr lang="en-US" sz="1400">
-                <a:solidFill>
-                  <a:srgbClr val="646464"/>
-                </a:solidFill>
-                <a:latin typeface="Consolas" panose="020B0609020204030204" pitchFamily="49" charset="0"/>
-              </a:rPr>
-              <a:t>@Query</a:t>
-            </a:r>
-            <a:r>
-              <a:rPr lang="en-US" sz="1400">
+              <a:rPr lang="en-US" sz="1400" dirty="0">
                 <a:solidFill>
                   <a:srgbClr val="000000"/>
                 </a:solidFill>
                 <a:latin typeface="Consolas" panose="020B0609020204030204" pitchFamily="49" charset="0"/>
               </a:rPr>
-              <a:t>(</a:t>
-            </a:r>
-            <a:r>
-              <a:rPr lang="en-US" sz="1400">
-                <a:solidFill>
-                  <a:srgbClr val="2A00FF"/>
-                </a:solidFill>
-                <a:latin typeface="Consolas" panose="020B0609020204030204" pitchFamily="49" charset="0"/>
-              </a:rPr>
-              <a:t>" SELECT o FROM Customer o WHERE o.email_ad = ?1 "</a:t>
-            </a:r>
-            <a:r>
-              <a:rPr lang="en-US" sz="1400">
-                <a:solidFill>
-                  <a:srgbClr val="000000"/>
-                </a:solidFill>
-                <a:latin typeface="Consolas" panose="020B0609020204030204" pitchFamily="49" charset="0"/>
-              </a:rPr>
-              <a:t>)</a:t>
-            </a:r>
-          </a:p>
-          <a:p>
-            <a:pPr algn="l"/>
-            <a:r>
-              <a:rPr lang="en-US" sz="1400">
-                <a:solidFill>
-                  <a:srgbClr val="000000"/>
-                </a:solidFill>
-                <a:latin typeface="Consolas" panose="020B0609020204030204" pitchFamily="49" charset="0"/>
-              </a:rPr>
-              <a:t>Customer findByEmail(</a:t>
-            </a:r>
-            <a:r>
-              <a:rPr lang="en-US" sz="1400">
-                <a:solidFill>
-                  <a:srgbClr val="646464"/>
-                </a:solidFill>
-                <a:latin typeface="Consolas" panose="020B0609020204030204" pitchFamily="49" charset="0"/>
-              </a:rPr>
-              <a:t>@Param</a:t>
-            </a:r>
-            <a:r>
-              <a:rPr lang="en-US" sz="1400">
-                <a:solidFill>
-                  <a:srgbClr val="000000"/>
-                </a:solidFill>
-                <a:latin typeface="Consolas" panose="020B0609020204030204" pitchFamily="49" charset="0"/>
-              </a:rPr>
-              <a:t>(</a:t>
-            </a:r>
-            <a:r>
-              <a:rPr lang="en-US" sz="1400">
-                <a:solidFill>
-                  <a:srgbClr val="2A00FF"/>
-                </a:solidFill>
-                <a:latin typeface="Consolas" panose="020B0609020204030204" pitchFamily="49" charset="0"/>
-              </a:rPr>
-              <a:t>"email_ad"</a:t>
-            </a:r>
-            <a:r>
-              <a:rPr lang="en-US" sz="1400">
-                <a:solidFill>
-                  <a:srgbClr val="000000"/>
-                </a:solidFill>
-                <a:latin typeface="Consolas" panose="020B0609020204030204" pitchFamily="49" charset="0"/>
-              </a:rPr>
-              <a:t>) String </a:t>
-            </a:r>
-            <a:r>
-              <a:rPr lang="en-US" sz="1400">
-                <a:solidFill>
-                  <a:srgbClr val="6A3E3E"/>
-                </a:solidFill>
-                <a:latin typeface="Consolas" panose="020B0609020204030204" pitchFamily="49" charset="0"/>
-              </a:rPr>
-              <a:t>email_ad</a:t>
-            </a:r>
-            <a:r>
-              <a:rPr lang="en-US" sz="1400">
-                <a:solidFill>
-                  <a:srgbClr val="000000"/>
-                </a:solidFill>
-                <a:latin typeface="Consolas" panose="020B0609020204030204" pitchFamily="49" charset="0"/>
-              </a:rPr>
-              <a:t>);</a:t>
+              <a:t>}</a:t>
             </a:r>
             <a:endParaRPr lang="en-US" sz="1400" dirty="0"/>
           </a:p>
@@ -36853,7 +38232,7 @@
     </p:spTree>
     <p:extLst>
       <p:ext uri="{BB962C8B-B14F-4D97-AF65-F5344CB8AC3E}">
-        <p14:creationId xmlns:p14="http://schemas.microsoft.com/office/powerpoint/2010/main" val="4007862591"/>
+        <p14:creationId xmlns:p14="http://schemas.microsoft.com/office/powerpoint/2010/main" val="1271571351"/>
       </p:ext>
     </p:extLst>
   </p:cSld>
@@ -37081,7 +38460,7 @@
                   <a:schemeClr val="bg1"/>
                 </a:solidFill>
               </a:rPr>
-              <a:t>Traditional </a:t>
+              <a:t>Query </a:t>
             </a:r>
             <a:r>
               <a:rPr lang="en-US" sz="2400" dirty="0">
@@ -37089,45 +38468,673 @@
                   <a:schemeClr val="bg1"/>
                 </a:solidFill>
               </a:rPr>
-              <a:t>JDBC Transaction</a:t>
+              <a:t>Entity </a:t>
+            </a:r>
+            <a:r>
+              <a:rPr lang="en-US" sz="2400" i="1" dirty="0">
+                <a:solidFill>
+                  <a:schemeClr val="bg1"/>
+                </a:solidFill>
+              </a:rPr>
+              <a:t>Country, Customer</a:t>
+            </a:r>
+            <a:r>
+              <a:rPr lang="en-US" sz="2400" dirty="0">
+                <a:solidFill>
+                  <a:schemeClr val="bg1"/>
+                </a:solidFill>
+              </a:rPr>
+              <a:t> Using JPA with Spring Boot</a:t>
             </a:r>
           </a:p>
         </p:txBody>
       </p:sp>
-      <p:pic>
-        <p:nvPicPr>
-          <p:cNvPr id="5" name="Picture 4">
+      <p:sp>
+        <p:nvSpPr>
+          <p:cNvPr id="7" name="TextBox 6">
             <a:extLst>
               <a:ext uri="{FF2B5EF4-FFF2-40B4-BE49-F238E27FC236}">
-                <a16:creationId xmlns:a16="http://schemas.microsoft.com/office/drawing/2014/main" id="{6829DD25-FD6A-4E7D-82F6-D2B41C017391}"/>
+                <a16:creationId xmlns:a16="http://schemas.microsoft.com/office/drawing/2014/main" id="{DDC15CD2-E37A-42FE-8533-294E5DACFBF9}"/>
               </a:ext>
             </a:extLst>
           </p:cNvPr>
-          <p:cNvPicPr>
-            <a:picLocks noChangeAspect="1"/>
-          </p:cNvPicPr>
+          <p:cNvSpPr txBox="1"/>
           <p:nvPr/>
-        </p:nvPicPr>
-        <p:blipFill>
-          <a:blip r:embed="rId2"/>
-          <a:stretch>
-            <a:fillRect/>
-          </a:stretch>
-        </p:blipFill>
+        </p:nvSpPr>
         <p:spPr>
           <a:xfrm>
-            <a:off x="4079987" y="1341783"/>
-            <a:ext cx="8122416" cy="4615959"/>
+            <a:off x="4380562" y="424453"/>
+            <a:ext cx="7481683" cy="5693866"/>
           </a:xfrm>
           <a:prstGeom prst="rect">
             <a:avLst/>
           </a:prstGeom>
+          <a:noFill/>
         </p:spPr>
-      </p:pic>
+        <p:txBody>
+          <a:bodyPr wrap="square">
+            <a:spAutoFit/>
+          </a:bodyPr>
+          <a:lstStyle/>
+          <a:p>
+            <a:pPr algn="l"/>
+            <a:r>
+              <a:rPr lang="en-US" sz="1400">
+                <a:solidFill>
+                  <a:srgbClr val="3F5FBF"/>
+                </a:solidFill>
+                <a:latin typeface="Consolas" panose="020B0609020204030204" pitchFamily="49" charset="0"/>
+              </a:rPr>
+              <a:t>/**</a:t>
+            </a:r>
+          </a:p>
+          <a:p>
+            <a:pPr algn="l"/>
+            <a:r>
+              <a:rPr lang="en-US" sz="1400">
+                <a:solidFill>
+                  <a:srgbClr val="3F5FBF"/>
+                </a:solidFill>
+                <a:latin typeface="Consolas" panose="020B0609020204030204" pitchFamily="49" charset="0"/>
+              </a:rPr>
+              <a:t> * Find by Country Code</a:t>
+            </a:r>
+          </a:p>
+          <a:p>
+            <a:pPr algn="l"/>
+            <a:r>
+              <a:rPr lang="en-US" sz="1400">
+                <a:solidFill>
+                  <a:srgbClr val="3F5FBF"/>
+                </a:solidFill>
+                <a:latin typeface="Consolas" panose="020B0609020204030204" pitchFamily="49" charset="0"/>
+              </a:rPr>
+              <a:t> * </a:t>
+            </a:r>
+          </a:p>
+          <a:p>
+            <a:pPr algn="l"/>
+            <a:r>
+              <a:rPr lang="en-US" sz="1400">
+                <a:solidFill>
+                  <a:srgbClr val="3F5FBF"/>
+                </a:solidFill>
+                <a:latin typeface="Consolas" panose="020B0609020204030204" pitchFamily="49" charset="0"/>
+              </a:rPr>
+              <a:t> * </a:t>
+            </a:r>
+            <a:r>
+              <a:rPr lang="en-US" sz="1400" b="1">
+                <a:solidFill>
+                  <a:srgbClr val="7F9FBF"/>
+                </a:solidFill>
+                <a:latin typeface="Consolas" panose="020B0609020204030204" pitchFamily="49" charset="0"/>
+              </a:rPr>
+              <a:t>@param</a:t>
+            </a:r>
+            <a:r>
+              <a:rPr lang="en-US" sz="1400" b="1">
+                <a:solidFill>
+                  <a:srgbClr val="3F5FBF"/>
+                </a:solidFill>
+                <a:latin typeface="Consolas" panose="020B0609020204030204" pitchFamily="49" charset="0"/>
+              </a:rPr>
+              <a:t> ctry_cd</a:t>
+            </a:r>
+          </a:p>
+          <a:p>
+            <a:pPr algn="l"/>
+            <a:r>
+              <a:rPr lang="en-US" sz="1400">
+                <a:solidFill>
+                  <a:srgbClr val="3F5FBF"/>
+                </a:solidFill>
+                <a:latin typeface="Consolas" panose="020B0609020204030204" pitchFamily="49" charset="0"/>
+              </a:rPr>
+              <a:t> * </a:t>
+            </a:r>
+            <a:r>
+              <a:rPr lang="en-US" sz="1400" b="1">
+                <a:solidFill>
+                  <a:srgbClr val="7F9FBF"/>
+                </a:solidFill>
+                <a:latin typeface="Consolas" panose="020B0609020204030204" pitchFamily="49" charset="0"/>
+              </a:rPr>
+              <a:t>@return</a:t>
+            </a:r>
+          </a:p>
+          <a:p>
+            <a:pPr algn="l"/>
+            <a:r>
+              <a:rPr lang="en-US" sz="1400">
+                <a:solidFill>
+                  <a:srgbClr val="3F5FBF"/>
+                </a:solidFill>
+                <a:latin typeface="Consolas" panose="020B0609020204030204" pitchFamily="49" charset="0"/>
+              </a:rPr>
+              <a:t> */</a:t>
+            </a:r>
+          </a:p>
+          <a:p>
+            <a:pPr algn="l"/>
+            <a:r>
+              <a:rPr lang="en-US" sz="1400">
+                <a:solidFill>
+                  <a:srgbClr val="646464"/>
+                </a:solidFill>
+                <a:latin typeface="Consolas" panose="020B0609020204030204" pitchFamily="49" charset="0"/>
+              </a:rPr>
+              <a:t>@Query</a:t>
+            </a:r>
+            <a:r>
+              <a:rPr lang="en-US" sz="1400">
+                <a:solidFill>
+                  <a:srgbClr val="000000"/>
+                </a:solidFill>
+                <a:latin typeface="Consolas" panose="020B0609020204030204" pitchFamily="49" charset="0"/>
+              </a:rPr>
+              <a:t>(</a:t>
+            </a:r>
+            <a:r>
+              <a:rPr lang="en-US" sz="1400">
+                <a:solidFill>
+                  <a:srgbClr val="2A00FF"/>
+                </a:solidFill>
+                <a:latin typeface="Consolas" panose="020B0609020204030204" pitchFamily="49" charset="0"/>
+              </a:rPr>
+              <a:t>" SELECT o FROM Country o WHERE o.ctry_cd = ?1 "</a:t>
+            </a:r>
+            <a:r>
+              <a:rPr lang="en-US" sz="1400">
+                <a:solidFill>
+                  <a:srgbClr val="000000"/>
+                </a:solidFill>
+                <a:latin typeface="Consolas" panose="020B0609020204030204" pitchFamily="49" charset="0"/>
+              </a:rPr>
+              <a:t>)</a:t>
+            </a:r>
+          </a:p>
+          <a:p>
+            <a:pPr algn="l"/>
+            <a:r>
+              <a:rPr lang="en-US" sz="1400">
+                <a:solidFill>
+                  <a:srgbClr val="646464"/>
+                </a:solidFill>
+                <a:latin typeface="Consolas" panose="020B0609020204030204" pitchFamily="49" charset="0"/>
+              </a:rPr>
+              <a:t>@Cacheable</a:t>
+            </a:r>
+            <a:r>
+              <a:rPr lang="en-US" sz="1400">
+                <a:solidFill>
+                  <a:srgbClr val="000000"/>
+                </a:solidFill>
+                <a:latin typeface="Consolas" panose="020B0609020204030204" pitchFamily="49" charset="0"/>
+              </a:rPr>
+              <a:t>(</a:t>
+            </a:r>
+            <a:r>
+              <a:rPr lang="en-US" sz="1400">
+                <a:solidFill>
+                  <a:srgbClr val="2A00FF"/>
+                </a:solidFill>
+                <a:latin typeface="Consolas" panose="020B0609020204030204" pitchFamily="49" charset="0"/>
+              </a:rPr>
+              <a:t>"country"</a:t>
+            </a:r>
+            <a:r>
+              <a:rPr lang="en-US" sz="1400">
+                <a:solidFill>
+                  <a:srgbClr val="000000"/>
+                </a:solidFill>
+                <a:latin typeface="Consolas" panose="020B0609020204030204" pitchFamily="49" charset="0"/>
+              </a:rPr>
+              <a:t>)</a:t>
+            </a:r>
+          </a:p>
+          <a:p>
+            <a:pPr algn="l"/>
+            <a:r>
+              <a:rPr lang="en-US" sz="1400">
+                <a:solidFill>
+                  <a:srgbClr val="000000"/>
+                </a:solidFill>
+                <a:latin typeface="Consolas" panose="020B0609020204030204" pitchFamily="49" charset="0"/>
+              </a:rPr>
+              <a:t>Country </a:t>
+            </a:r>
+            <a:r>
+              <a:rPr lang="en-US" sz="1400">
+                <a:solidFill>
+                  <a:srgbClr val="000000"/>
+                </a:solidFill>
+                <a:highlight>
+                  <a:srgbClr val="D4D4D4"/>
+                </a:highlight>
+                <a:latin typeface="Consolas" panose="020B0609020204030204" pitchFamily="49" charset="0"/>
+              </a:rPr>
+              <a:t>findByCtryCd(</a:t>
+            </a:r>
+            <a:r>
+              <a:rPr lang="en-US" sz="1400">
+                <a:solidFill>
+                  <a:srgbClr val="646464"/>
+                </a:solidFill>
+                <a:highlight>
+                  <a:srgbClr val="D4D4D4"/>
+                </a:highlight>
+                <a:latin typeface="Consolas" panose="020B0609020204030204" pitchFamily="49" charset="0"/>
+              </a:rPr>
+              <a:t>@Param</a:t>
+            </a:r>
+            <a:r>
+              <a:rPr lang="en-US" sz="1400">
+                <a:solidFill>
+                  <a:srgbClr val="000000"/>
+                </a:solidFill>
+                <a:highlight>
+                  <a:srgbClr val="D4D4D4"/>
+                </a:highlight>
+                <a:latin typeface="Consolas" panose="020B0609020204030204" pitchFamily="49" charset="0"/>
+              </a:rPr>
+              <a:t>(</a:t>
+            </a:r>
+            <a:r>
+              <a:rPr lang="en-US" sz="1400">
+                <a:solidFill>
+                  <a:srgbClr val="2A00FF"/>
+                </a:solidFill>
+                <a:highlight>
+                  <a:srgbClr val="D4D4D4"/>
+                </a:highlight>
+                <a:latin typeface="Consolas" panose="020B0609020204030204" pitchFamily="49" charset="0"/>
+              </a:rPr>
+              <a:t>"ctry_cd"</a:t>
+            </a:r>
+            <a:r>
+              <a:rPr lang="en-US" sz="1400">
+                <a:solidFill>
+                  <a:srgbClr val="000000"/>
+                </a:solidFill>
+                <a:highlight>
+                  <a:srgbClr val="D4D4D4"/>
+                </a:highlight>
+                <a:latin typeface="Consolas" panose="020B0609020204030204" pitchFamily="49" charset="0"/>
+              </a:rPr>
+              <a:t>) String </a:t>
+            </a:r>
+            <a:r>
+              <a:rPr lang="en-US" sz="1400">
+                <a:solidFill>
+                  <a:srgbClr val="6A3E3E"/>
+                </a:solidFill>
+                <a:highlight>
+                  <a:srgbClr val="D4D4D4"/>
+                </a:highlight>
+                <a:latin typeface="Consolas" panose="020B0609020204030204" pitchFamily="49" charset="0"/>
+              </a:rPr>
+              <a:t>ctry_cd</a:t>
+            </a:r>
+            <a:r>
+              <a:rPr lang="en-US" sz="1400">
+                <a:solidFill>
+                  <a:srgbClr val="000000"/>
+                </a:solidFill>
+                <a:highlight>
+                  <a:srgbClr val="D4D4D4"/>
+                </a:highlight>
+                <a:latin typeface="Consolas" panose="020B0609020204030204" pitchFamily="49" charset="0"/>
+              </a:rPr>
+              <a:t>);</a:t>
+            </a:r>
+          </a:p>
+          <a:p>
+            <a:pPr algn="l"/>
+            <a:endParaRPr lang="en-US" sz="1400">
+              <a:latin typeface="Consolas" panose="020B0609020204030204" pitchFamily="49" charset="0"/>
+            </a:endParaRPr>
+          </a:p>
+          <a:p>
+            <a:pPr algn="l"/>
+            <a:r>
+              <a:rPr lang="en-US" sz="1400">
+                <a:solidFill>
+                  <a:srgbClr val="3F5FBF"/>
+                </a:solidFill>
+                <a:latin typeface="Consolas" panose="020B0609020204030204" pitchFamily="49" charset="0"/>
+              </a:rPr>
+              <a:t>/**</a:t>
+            </a:r>
+          </a:p>
+          <a:p>
+            <a:pPr algn="l"/>
+            <a:r>
+              <a:rPr lang="en-US" sz="1400">
+                <a:solidFill>
+                  <a:srgbClr val="3F5FBF"/>
+                </a:solidFill>
+                <a:latin typeface="Consolas" panose="020B0609020204030204" pitchFamily="49" charset="0"/>
+              </a:rPr>
+              <a:t> * Find All</a:t>
+            </a:r>
+          </a:p>
+          <a:p>
+            <a:pPr algn="l"/>
+            <a:r>
+              <a:rPr lang="en-US" sz="1400">
+                <a:solidFill>
+                  <a:srgbClr val="3F5FBF"/>
+                </a:solidFill>
+                <a:latin typeface="Consolas" panose="020B0609020204030204" pitchFamily="49" charset="0"/>
+              </a:rPr>
+              <a:t> * </a:t>
+            </a:r>
+          </a:p>
+          <a:p>
+            <a:pPr algn="l"/>
+            <a:r>
+              <a:rPr lang="en-US" sz="1400">
+                <a:solidFill>
+                  <a:srgbClr val="3F5FBF"/>
+                </a:solidFill>
+                <a:latin typeface="Consolas" panose="020B0609020204030204" pitchFamily="49" charset="0"/>
+              </a:rPr>
+              <a:t> * </a:t>
+            </a:r>
+            <a:r>
+              <a:rPr lang="en-US" sz="1400" b="1">
+                <a:solidFill>
+                  <a:srgbClr val="7F9FBF"/>
+                </a:solidFill>
+                <a:latin typeface="Consolas" panose="020B0609020204030204" pitchFamily="49" charset="0"/>
+              </a:rPr>
+              <a:t>@return</a:t>
+            </a:r>
+          </a:p>
+          <a:p>
+            <a:pPr algn="l"/>
+            <a:r>
+              <a:rPr lang="en-US" sz="1400">
+                <a:solidFill>
+                  <a:srgbClr val="3F5FBF"/>
+                </a:solidFill>
+                <a:latin typeface="Consolas" panose="020B0609020204030204" pitchFamily="49" charset="0"/>
+              </a:rPr>
+              <a:t> */</a:t>
+            </a:r>
+          </a:p>
+          <a:p>
+            <a:pPr algn="l"/>
+            <a:r>
+              <a:rPr lang="en-US" sz="1400">
+                <a:solidFill>
+                  <a:srgbClr val="646464"/>
+                </a:solidFill>
+                <a:latin typeface="Consolas" panose="020B0609020204030204" pitchFamily="49" charset="0"/>
+              </a:rPr>
+              <a:t>@Query</a:t>
+            </a:r>
+            <a:r>
+              <a:rPr lang="en-US" sz="1400">
+                <a:solidFill>
+                  <a:srgbClr val="000000"/>
+                </a:solidFill>
+                <a:latin typeface="Consolas" panose="020B0609020204030204" pitchFamily="49" charset="0"/>
+              </a:rPr>
+              <a:t>(</a:t>
+            </a:r>
+            <a:r>
+              <a:rPr lang="en-US" sz="1400">
+                <a:solidFill>
+                  <a:srgbClr val="2A00FF"/>
+                </a:solidFill>
+                <a:latin typeface="Consolas" panose="020B0609020204030204" pitchFamily="49" charset="0"/>
+              </a:rPr>
+              <a:t>" SELECT o FROM Country o ORDER By o.ctry_cd "</a:t>
+            </a:r>
+            <a:r>
+              <a:rPr lang="en-US" sz="1400">
+                <a:solidFill>
+                  <a:srgbClr val="000000"/>
+                </a:solidFill>
+                <a:latin typeface="Consolas" panose="020B0609020204030204" pitchFamily="49" charset="0"/>
+              </a:rPr>
+              <a:t>)</a:t>
+            </a:r>
+          </a:p>
+          <a:p>
+            <a:pPr algn="l"/>
+            <a:r>
+              <a:rPr lang="en-US" sz="1400">
+                <a:solidFill>
+                  <a:srgbClr val="000000"/>
+                </a:solidFill>
+                <a:latin typeface="Consolas" panose="020B0609020204030204" pitchFamily="49" charset="0"/>
+              </a:rPr>
+              <a:t>List&lt;Country&gt; findAll();</a:t>
+            </a:r>
+          </a:p>
+          <a:p>
+            <a:pPr algn="l"/>
+            <a:endParaRPr lang="en-US" sz="1400">
+              <a:solidFill>
+                <a:srgbClr val="000000"/>
+              </a:solidFill>
+              <a:latin typeface="Consolas" panose="020B0609020204030204" pitchFamily="49" charset="0"/>
+            </a:endParaRPr>
+          </a:p>
+          <a:p>
+            <a:pPr algn="l"/>
+            <a:r>
+              <a:rPr lang="en-US" sz="1400">
+                <a:solidFill>
+                  <a:srgbClr val="3F5FBF"/>
+                </a:solidFill>
+                <a:latin typeface="Consolas" panose="020B0609020204030204" pitchFamily="49" charset="0"/>
+              </a:rPr>
+              <a:t>/**</a:t>
+            </a:r>
+          </a:p>
+          <a:p>
+            <a:pPr algn="l"/>
+            <a:r>
+              <a:rPr lang="en-US" sz="1400">
+                <a:solidFill>
+                  <a:srgbClr val="3F5FBF"/>
+                </a:solidFill>
+                <a:latin typeface="Consolas" panose="020B0609020204030204" pitchFamily="49" charset="0"/>
+              </a:rPr>
+              <a:t> * Find Customer by Email</a:t>
+            </a:r>
+          </a:p>
+          <a:p>
+            <a:pPr algn="l"/>
+            <a:r>
+              <a:rPr lang="en-US" sz="1400">
+                <a:solidFill>
+                  <a:srgbClr val="3F5FBF"/>
+                </a:solidFill>
+                <a:latin typeface="Consolas" panose="020B0609020204030204" pitchFamily="49" charset="0"/>
+              </a:rPr>
+              <a:t> * </a:t>
+            </a:r>
+          </a:p>
+          <a:p>
+            <a:pPr algn="l"/>
+            <a:r>
+              <a:rPr lang="en-US" sz="1400">
+                <a:solidFill>
+                  <a:srgbClr val="3F5FBF"/>
+                </a:solidFill>
+                <a:latin typeface="Consolas" panose="020B0609020204030204" pitchFamily="49" charset="0"/>
+              </a:rPr>
+              <a:t> * </a:t>
+            </a:r>
+            <a:r>
+              <a:rPr lang="en-US" sz="1400" b="1">
+                <a:solidFill>
+                  <a:srgbClr val="7F9FBF"/>
+                </a:solidFill>
+                <a:latin typeface="Consolas" panose="020B0609020204030204" pitchFamily="49" charset="0"/>
+              </a:rPr>
+              <a:t>@param</a:t>
+            </a:r>
+            <a:r>
+              <a:rPr lang="en-US" sz="1400" b="1">
+                <a:solidFill>
+                  <a:srgbClr val="3F5FBF"/>
+                </a:solidFill>
+                <a:latin typeface="Consolas" panose="020B0609020204030204" pitchFamily="49" charset="0"/>
+              </a:rPr>
+              <a:t> email_ad</a:t>
+            </a:r>
+          </a:p>
+          <a:p>
+            <a:pPr algn="l"/>
+            <a:r>
+              <a:rPr lang="en-US" sz="1400">
+                <a:solidFill>
+                  <a:srgbClr val="3F5FBF"/>
+                </a:solidFill>
+                <a:latin typeface="Consolas" panose="020B0609020204030204" pitchFamily="49" charset="0"/>
+              </a:rPr>
+              <a:t> * </a:t>
+            </a:r>
+            <a:r>
+              <a:rPr lang="en-US" sz="1400" b="1">
+                <a:solidFill>
+                  <a:srgbClr val="7F9FBF"/>
+                </a:solidFill>
+                <a:latin typeface="Consolas" panose="020B0609020204030204" pitchFamily="49" charset="0"/>
+              </a:rPr>
+              <a:t>@return</a:t>
+            </a:r>
+          </a:p>
+          <a:p>
+            <a:pPr algn="l"/>
+            <a:r>
+              <a:rPr lang="en-US" sz="1400">
+                <a:solidFill>
+                  <a:srgbClr val="3F5FBF"/>
+                </a:solidFill>
+                <a:latin typeface="Consolas" panose="020B0609020204030204" pitchFamily="49" charset="0"/>
+              </a:rPr>
+              <a:t> */</a:t>
+            </a:r>
+          </a:p>
+          <a:p>
+            <a:pPr algn="l"/>
+            <a:r>
+              <a:rPr lang="en-US" sz="1400">
+                <a:solidFill>
+                  <a:srgbClr val="646464"/>
+                </a:solidFill>
+                <a:latin typeface="Consolas" panose="020B0609020204030204" pitchFamily="49" charset="0"/>
+              </a:rPr>
+              <a:t>@Query</a:t>
+            </a:r>
+            <a:r>
+              <a:rPr lang="en-US" sz="1400">
+                <a:solidFill>
+                  <a:srgbClr val="000000"/>
+                </a:solidFill>
+                <a:latin typeface="Consolas" panose="020B0609020204030204" pitchFamily="49" charset="0"/>
+              </a:rPr>
+              <a:t>(</a:t>
+            </a:r>
+            <a:r>
+              <a:rPr lang="en-US" sz="1400">
+                <a:solidFill>
+                  <a:srgbClr val="2A00FF"/>
+                </a:solidFill>
+                <a:latin typeface="Consolas" panose="020B0609020204030204" pitchFamily="49" charset="0"/>
+              </a:rPr>
+              <a:t>" SELECT o FROM Customer o WHERE o.email_ad = ?1 "</a:t>
+            </a:r>
+            <a:r>
+              <a:rPr lang="en-US" sz="1400">
+                <a:solidFill>
+                  <a:srgbClr val="000000"/>
+                </a:solidFill>
+                <a:latin typeface="Consolas" panose="020B0609020204030204" pitchFamily="49" charset="0"/>
+              </a:rPr>
+              <a:t>)</a:t>
+            </a:r>
+          </a:p>
+          <a:p>
+            <a:pPr algn="l"/>
+            <a:r>
+              <a:rPr lang="en-US" sz="1400">
+                <a:solidFill>
+                  <a:srgbClr val="000000"/>
+                </a:solidFill>
+                <a:latin typeface="Consolas" panose="020B0609020204030204" pitchFamily="49" charset="0"/>
+              </a:rPr>
+              <a:t>Customer findByEmail(</a:t>
+            </a:r>
+            <a:r>
+              <a:rPr lang="en-US" sz="1400">
+                <a:solidFill>
+                  <a:srgbClr val="646464"/>
+                </a:solidFill>
+                <a:latin typeface="Consolas" panose="020B0609020204030204" pitchFamily="49" charset="0"/>
+              </a:rPr>
+              <a:t>@Param</a:t>
+            </a:r>
+            <a:r>
+              <a:rPr lang="en-US" sz="1400">
+                <a:solidFill>
+                  <a:srgbClr val="000000"/>
+                </a:solidFill>
+                <a:latin typeface="Consolas" panose="020B0609020204030204" pitchFamily="49" charset="0"/>
+              </a:rPr>
+              <a:t>(</a:t>
+            </a:r>
+            <a:r>
+              <a:rPr lang="en-US" sz="1400">
+                <a:solidFill>
+                  <a:srgbClr val="2A00FF"/>
+                </a:solidFill>
+                <a:latin typeface="Consolas" panose="020B0609020204030204" pitchFamily="49" charset="0"/>
+              </a:rPr>
+              <a:t>"email_ad"</a:t>
+            </a:r>
+            <a:r>
+              <a:rPr lang="en-US" sz="1400">
+                <a:solidFill>
+                  <a:srgbClr val="000000"/>
+                </a:solidFill>
+                <a:latin typeface="Consolas" panose="020B0609020204030204" pitchFamily="49" charset="0"/>
+              </a:rPr>
+              <a:t>) String </a:t>
+            </a:r>
+            <a:r>
+              <a:rPr lang="en-US" sz="1400">
+                <a:solidFill>
+                  <a:srgbClr val="6A3E3E"/>
+                </a:solidFill>
+                <a:latin typeface="Consolas" panose="020B0609020204030204" pitchFamily="49" charset="0"/>
+              </a:rPr>
+              <a:t>email_ad</a:t>
+            </a:r>
+            <a:r>
+              <a:rPr lang="en-US" sz="1400">
+                <a:solidFill>
+                  <a:srgbClr val="000000"/>
+                </a:solidFill>
+                <a:latin typeface="Consolas" panose="020B0609020204030204" pitchFamily="49" charset="0"/>
+              </a:rPr>
+              <a:t>);</a:t>
+            </a:r>
+            <a:endParaRPr lang="en-US" sz="1400" dirty="0"/>
+          </a:p>
+        </p:txBody>
+      </p:sp>
     </p:spTree>
     <p:extLst>
       <p:ext uri="{BB962C8B-B14F-4D97-AF65-F5344CB8AC3E}">
-        <p14:creationId xmlns:p14="http://schemas.microsoft.com/office/powerpoint/2010/main" val="3558462089"/>
+        <p14:creationId xmlns:p14="http://schemas.microsoft.com/office/powerpoint/2010/main" val="4007862591"/>
       </p:ext>
     </p:extLst>
   </p:cSld>
@@ -37355,6 +39362,280 @@
                   <a:schemeClr val="bg1"/>
                 </a:solidFill>
               </a:rPr>
+              <a:t>Traditional </a:t>
+            </a:r>
+            <a:r>
+              <a:rPr lang="en-US" sz="2400" dirty="0">
+                <a:solidFill>
+                  <a:schemeClr val="bg1"/>
+                </a:solidFill>
+              </a:rPr>
+              <a:t>JDBC Transaction</a:t>
+            </a:r>
+          </a:p>
+        </p:txBody>
+      </p:sp>
+      <p:pic>
+        <p:nvPicPr>
+          <p:cNvPr id="5" name="Picture 4">
+            <a:extLst>
+              <a:ext uri="{FF2B5EF4-FFF2-40B4-BE49-F238E27FC236}">
+                <a16:creationId xmlns:a16="http://schemas.microsoft.com/office/drawing/2014/main" id="{6829DD25-FD6A-4E7D-82F6-D2B41C017391}"/>
+              </a:ext>
+            </a:extLst>
+          </p:cNvPr>
+          <p:cNvPicPr>
+            <a:picLocks noChangeAspect="1"/>
+          </p:cNvPicPr>
+          <p:nvPr/>
+        </p:nvPicPr>
+        <p:blipFill>
+          <a:blip r:embed="rId2"/>
+          <a:stretch>
+            <a:fillRect/>
+          </a:stretch>
+        </p:blipFill>
+        <p:spPr>
+          <a:xfrm>
+            <a:off x="4079987" y="1341783"/>
+            <a:ext cx="8122416" cy="4615959"/>
+          </a:xfrm>
+          <a:prstGeom prst="rect">
+            <a:avLst/>
+          </a:prstGeom>
+        </p:spPr>
+      </p:pic>
+    </p:spTree>
+    <p:extLst>
+      <p:ext uri="{BB962C8B-B14F-4D97-AF65-F5344CB8AC3E}">
+        <p14:creationId xmlns:p14="http://schemas.microsoft.com/office/powerpoint/2010/main" val="3558462089"/>
+      </p:ext>
+    </p:extLst>
+  </p:cSld>
+  <p:clrMapOvr>
+    <a:masterClrMapping/>
+  </p:clrMapOvr>
+  <mc:AlternateContent xmlns:mc="http://schemas.openxmlformats.org/markup-compatibility/2006" xmlns:p14="http://schemas.microsoft.com/office/powerpoint/2010/main">
+    <mc:Choice Requires="p14">
+      <p:transition spd="med" p14:dur="700">
+        <p:fade/>
+      </p:transition>
+    </mc:Choice>
+    <mc:Fallback xmlns="">
+      <p:transition spd="med">
+        <p:fade/>
+      </p:transition>
+    </mc:Fallback>
+  </mc:AlternateContent>
+</p:sld>
+</file>
+
+<file path=ppt/slides/slide26.xml><?xml version="1.0" encoding="utf-8"?>
+<p:sld xmlns:a="http://schemas.openxmlformats.org/drawingml/2006/main" xmlns:r="http://schemas.openxmlformats.org/officeDocument/2006/relationships" xmlns:p="http://schemas.openxmlformats.org/presentationml/2006/main">
+  <p:cSld>
+    <p:bg>
+      <p:bgPr>
+        <a:solidFill>
+          <a:schemeClr val="bg1"/>
+        </a:solidFill>
+        <a:effectLst/>
+      </p:bgPr>
+    </p:bg>
+    <p:spTree>
+      <p:nvGrpSpPr>
+        <p:cNvPr id="1" name=""/>
+        <p:cNvGrpSpPr/>
+        <p:nvPr/>
+      </p:nvGrpSpPr>
+      <p:grpSpPr>
+        <a:xfrm>
+          <a:off x="0" y="0"/>
+          <a:ext cx="0" cy="0"/>
+          <a:chOff x="0" y="0"/>
+          <a:chExt cx="0" cy="0"/>
+        </a:xfrm>
+      </p:grpSpPr>
+      <p:sp useBgFill="1">
+        <p:nvSpPr>
+          <p:cNvPr id="10" name="Rectangle 9">
+            <a:extLst>
+              <a:ext uri="{FF2B5EF4-FFF2-40B4-BE49-F238E27FC236}">
+                <a16:creationId xmlns:a16="http://schemas.microsoft.com/office/drawing/2014/main" id="{EE1530B0-6F96-46C0-8B3E-3215CB756BE4}"/>
+              </a:ext>
+              <a:ext uri="{C183D7F6-B498-43B3-948B-1728B52AA6E4}">
+                <adec:decorative xmlns:adec="http://schemas.microsoft.com/office/drawing/2017/decorative" val="1"/>
+              </a:ext>
+            </a:extLst>
+          </p:cNvPr>
+          <p:cNvSpPr>
+            <a:spLocks noGrp="1" noRot="1" noChangeAspect="1" noMove="1" noResize="1" noEditPoints="1" noAdjustHandles="1" noChangeArrowheads="1" noChangeShapeType="1" noTextEdit="1"/>
+          </p:cNvSpPr>
+          <p:nvPr>
+            <p:extLst>
+              <p:ext uri="{386F3935-93C4-4BCD-93E2-E3B085C9AB24}">
+                <p16:designElem xmlns:p16="http://schemas.microsoft.com/office/powerpoint/2015/main" val="1"/>
+              </p:ext>
+            </p:extLst>
+          </p:nvPr>
+        </p:nvSpPr>
+        <p:spPr>
+          <a:xfrm>
+            <a:off x="5685" y="0"/>
+            <a:ext cx="12186315" cy="6858000"/>
+          </a:xfrm>
+          <a:prstGeom prst="rect">
+            <a:avLst/>
+          </a:prstGeom>
+          <a:ln>
+            <a:noFill/>
+          </a:ln>
+        </p:spPr>
+        <p:style>
+          <a:lnRef idx="2">
+            <a:schemeClr val="accent6">
+              <a:shade val="50000"/>
+            </a:schemeClr>
+          </a:lnRef>
+          <a:fillRef idx="1001">
+            <a:schemeClr val="lt1"/>
+          </a:fillRef>
+          <a:effectRef idx="0">
+            <a:schemeClr val="accent6"/>
+          </a:effectRef>
+          <a:fontRef idx="minor">
+            <a:schemeClr val="lt1"/>
+          </a:fontRef>
+        </p:style>
+        <p:txBody>
+          <a:bodyPr rtlCol="0" anchor="ctr"/>
+          <a:lstStyle/>
+          <a:p>
+            <a:pPr marL="0" marR="0" lvl="0" indent="0" algn="ctr" defTabSz="914400" rtl="0" eaLnBrk="1" fontAlgn="auto" latinLnBrk="0" hangingPunct="1">
+              <a:lnSpc>
+                <a:spcPct val="100000"/>
+              </a:lnSpc>
+              <a:spcBef>
+                <a:spcPts val="0"/>
+              </a:spcBef>
+              <a:spcAft>
+                <a:spcPts val="0"/>
+              </a:spcAft>
+              <a:buClrTx/>
+              <a:buSzTx/>
+              <a:buFontTx/>
+              <a:buNone/>
+              <a:tabLst/>
+              <a:defRPr/>
+            </a:pPr>
+            <a:endParaRPr kumimoji="0" lang="en-US" sz="1800" b="0" i="0" u="none" strike="noStrike" kern="1200" cap="none" spc="0" normalizeH="0" baseline="0" noProof="0" dirty="0">
+              <a:ln>
+                <a:noFill/>
+              </a:ln>
+              <a:solidFill>
+                <a:prstClr val="white"/>
+              </a:solidFill>
+              <a:effectLst/>
+              <a:uLnTx/>
+              <a:uFillTx/>
+              <a:latin typeface="Franklin Gothic Book" panose="020F0502020204030204"/>
+              <a:ea typeface="+mn-ea"/>
+              <a:cs typeface="+mn-cs"/>
+            </a:endParaRPr>
+          </a:p>
+        </p:txBody>
+      </p:sp>
+      <p:sp>
+        <p:nvSpPr>
+          <p:cNvPr id="12" name="Rectangle 11">
+            <a:extLst>
+              <a:ext uri="{FF2B5EF4-FFF2-40B4-BE49-F238E27FC236}">
+                <a16:creationId xmlns:a16="http://schemas.microsoft.com/office/drawing/2014/main" id="{754910CF-1B56-45D3-960A-E89F7B3B9131}"/>
+              </a:ext>
+              <a:ext uri="{C183D7F6-B498-43B3-948B-1728B52AA6E4}">
+                <adec:decorative xmlns:adec="http://schemas.microsoft.com/office/drawing/2017/decorative" val="1"/>
+              </a:ext>
+            </a:extLst>
+          </p:cNvPr>
+          <p:cNvSpPr>
+            <a:spLocks noGrp="1" noRot="1" noChangeAspect="1" noMove="1" noResize="1" noEditPoints="1" noAdjustHandles="1" noChangeArrowheads="1" noChangeShapeType="1" noTextEdit="1"/>
+          </p:cNvSpPr>
+          <p:nvPr>
+            <p:extLst>
+              <p:ext uri="{386F3935-93C4-4BCD-93E2-E3B085C9AB24}">
+                <p16:designElem xmlns:p16="http://schemas.microsoft.com/office/powerpoint/2015/main" val="1"/>
+              </p:ext>
+            </p:extLst>
+          </p:nvPr>
+        </p:nvSpPr>
+        <p:spPr>
+          <a:xfrm>
+            <a:off x="16" y="0"/>
+            <a:ext cx="4050791" cy="6858000"/>
+          </a:xfrm>
+          <a:prstGeom prst="rect">
+            <a:avLst/>
+          </a:prstGeom>
+          <a:solidFill>
+            <a:schemeClr val="tx1">
+              <a:lumMod val="85000"/>
+              <a:lumOff val="15000"/>
+            </a:schemeClr>
+          </a:solidFill>
+          <a:ln>
+            <a:noFill/>
+          </a:ln>
+        </p:spPr>
+        <p:style>
+          <a:lnRef idx="2">
+            <a:schemeClr val="accent1">
+              <a:shade val="50000"/>
+            </a:schemeClr>
+          </a:lnRef>
+          <a:fillRef idx="1">
+            <a:schemeClr val="accent1"/>
+          </a:fillRef>
+          <a:effectRef idx="0">
+            <a:schemeClr val="accent1"/>
+          </a:effectRef>
+          <a:fontRef idx="minor">
+            <a:schemeClr val="lt1"/>
+          </a:fontRef>
+        </p:style>
+      </p:sp>
+      <p:sp>
+        <p:nvSpPr>
+          <p:cNvPr id="2" name="Title 1">
+            <a:extLst>
+              <a:ext uri="{FF2B5EF4-FFF2-40B4-BE49-F238E27FC236}">
+                <a16:creationId xmlns:a16="http://schemas.microsoft.com/office/drawing/2014/main" id="{0AE422CB-EBC9-4703-870C-8981A495893A}"/>
+              </a:ext>
+            </a:extLst>
+          </p:cNvPr>
+          <p:cNvSpPr>
+            <a:spLocks noGrp="1"/>
+          </p:cNvSpPr>
+          <p:nvPr>
+            <p:ph type="title"/>
+          </p:nvPr>
+        </p:nvSpPr>
+        <p:spPr>
+          <a:xfrm>
+            <a:off x="492370" y="516835"/>
+            <a:ext cx="3084844" cy="5772840"/>
+          </a:xfrm>
+        </p:spPr>
+        <p:txBody>
+          <a:bodyPr anchor="ctr">
+            <a:normAutofit/>
+          </a:bodyPr>
+          <a:lstStyle/>
+          <a:p>
+            <a:r>
+              <a:rPr lang="en-US" sz="3600" dirty="0">
+                <a:solidFill>
+                  <a:schemeClr val="bg1"/>
+                </a:solidFill>
+              </a:rPr>
               <a:t>Spring JPA Transaction </a:t>
             </a:r>
             <a:r>
@@ -37977,7 +40258,7 @@
 </p:sld>
 </file>
 
-<file path=ppt/slides/slide26.xml><?xml version="1.0" encoding="utf-8"?>
+<file path=ppt/slides/slide27.xml><?xml version="1.0" encoding="utf-8"?>
 <p:sld xmlns:a="http://schemas.openxmlformats.org/drawingml/2006/main" xmlns:r="http://schemas.openxmlformats.org/officeDocument/2006/relationships" xmlns:p="http://schemas.openxmlformats.org/presentationml/2006/main">
   <p:cSld>
     <p:spTree>
@@ -38228,7 +40509,7 @@
 </p:sld>
 </file>
 
-<file path=ppt/slides/slide27.xml><?xml version="1.0" encoding="utf-8"?>
+<file path=ppt/slides/slide28.xml><?xml version="1.0" encoding="utf-8"?>
 <p:sld xmlns:a="http://schemas.openxmlformats.org/drawingml/2006/main" xmlns:r="http://schemas.openxmlformats.org/officeDocument/2006/relationships" xmlns:p="http://schemas.openxmlformats.org/presentationml/2006/main">
   <p:cSld>
     <p:spTree>
@@ -38321,7 +40602,7 @@
         <p:spPr>
           <a:xfrm>
             <a:off x="1232452" y="2108201"/>
-            <a:ext cx="9862268" cy="3754874"/>
+            <a:ext cx="10217426" cy="3139321"/>
           </a:xfrm>
           <a:prstGeom prst="rect">
             <a:avLst/>
@@ -38340,25 +40621,8 @@
             </a:pPr>
             <a:r>
               <a:rPr lang="en-US" sz="2000" b="1" dirty="0"/>
-              <a:t>Eclipse</a:t>
-            </a:r>
-            <a:r>
-              <a:rPr lang="en-US" sz="2000" dirty="0"/>
-              <a:t> IDE - </a:t>
-            </a:r>
-            <a:r>
-              <a:rPr lang="en-US" sz="2000" dirty="0">
-                <a:hlinkClick r:id="rId7"/>
-              </a:rPr>
-              <a:t>https://www.eclipse.org/</a:t>
-            </a:r>
-            <a:r>
-              <a:rPr lang="en-US" sz="2000" dirty="0"/>
-              <a:t> </a:t>
-            </a:r>
-          </a:p>
-          <a:p>
-            <a:endParaRPr lang="en-US" sz="2000" dirty="0"/>
+              <a:t>Java 1.8.x</a:t>
+            </a:r>
           </a:p>
           <a:p>
             <a:pPr marL="285750" indent="-285750">
@@ -38367,33 +40631,50 @@
             </a:pPr>
             <a:r>
               <a:rPr lang="en-US" sz="2000" b="1" dirty="0"/>
-              <a:t>Apache</a:t>
+              <a:t>Eclipse</a:t>
+            </a:r>
+            <a:r>
+              <a:rPr lang="en-US" sz="2000" dirty="0"/>
+              <a:t> IDE - </a:t>
+            </a:r>
+            <a:r>
+              <a:rPr lang="en-US" sz="2000" dirty="0">
+                <a:hlinkClick r:id="rId7"/>
+              </a:rPr>
+              <a:t>https://www.eclipse.org/</a:t>
             </a:r>
             <a:r>
               <a:rPr lang="en-US" sz="2000" dirty="0"/>
               <a:t> </a:t>
             </a:r>
-            <a:r>
-              <a:rPr lang="en-US" sz="2000" b="1" dirty="0"/>
-              <a:t>Maven</a:t>
-            </a:r>
-            <a:r>
-              <a:rPr lang="en-US" sz="2000" dirty="0"/>
-              <a:t> as Build Tool - </a:t>
-            </a:r>
-            <a:r>
-              <a:rPr lang="en-US" sz="2000" dirty="0">
-                <a:hlinkClick r:id="rId8"/>
-              </a:rPr>
-              <a:t>https://maven.apache.org</a:t>
-            </a:r>
-            <a:endParaRPr lang="en-US" sz="2000" dirty="0"/>
           </a:p>
           <a:p>
             <a:pPr marL="285750" indent="-285750">
               <a:buFont typeface="Arial" panose="020B0604020202020204" pitchFamily="34" charset="0"/>
               <a:buChar char="•"/>
             </a:pPr>
+            <a:r>
+              <a:rPr lang="en-US" sz="2000" b="1" dirty="0"/>
+              <a:t>Apache</a:t>
+            </a:r>
+            <a:r>
+              <a:rPr lang="en-US" sz="2000" dirty="0"/>
+              <a:t> </a:t>
+            </a:r>
+            <a:r>
+              <a:rPr lang="en-US" sz="2000" b="1" dirty="0"/>
+              <a:t>Maven</a:t>
+            </a:r>
+            <a:r>
+              <a:rPr lang="en-US" sz="2000" dirty="0"/>
+              <a:t> as Build Tool - </a:t>
+            </a:r>
+            <a:r>
+              <a:rPr lang="en-US" sz="2000" dirty="0">
+                <a:hlinkClick r:id="rId8"/>
+              </a:rPr>
+              <a:t>https://maven.apache.org</a:t>
+            </a:r>
             <a:endParaRPr lang="en-US" sz="2000" dirty="0"/>
           </a:p>
           <a:p>
@@ -38422,13 +40703,6 @@
               <a:buFont typeface="Arial" panose="020B0604020202020204" pitchFamily="34" charset="0"/>
               <a:buChar char="•"/>
             </a:pPr>
-            <a:endParaRPr lang="en-US" sz="2000" dirty="0"/>
-          </a:p>
-          <a:p>
-            <a:pPr marL="285750" indent="-285750">
-              <a:buFont typeface="Arial" panose="020B0604020202020204" pitchFamily="34" charset="0"/>
-              <a:buChar char="•"/>
-            </a:pPr>
             <a:r>
               <a:rPr lang="en-US" sz="2000" b="1" dirty="0" err="1"/>
               <a:t>DBVisualizer</a:t>
@@ -38445,17 +40719,7 @@
                 <a:effectLst/>
                 <a:latin typeface="Roboto" panose="02000000000000000000" pitchFamily="2" charset="0"/>
               </a:rPr>
-              <a:t>atabase </a:t>
-            </a:r>
-            <a:r>
-              <a:rPr lang="en-US" sz="2000" b="0" i="0">
-                <a:solidFill>
-                  <a:srgbClr val="444444"/>
-                </a:solidFill>
-                <a:effectLst/>
-                <a:latin typeface="Roboto" panose="02000000000000000000" pitchFamily="2" charset="0"/>
-              </a:rPr>
-              <a:t>tool - </a:t>
+              <a:t>atabase tool - </a:t>
             </a:r>
             <a:r>
               <a:rPr lang="en-US" sz="2000" b="0" i="0" dirty="0">
@@ -38481,12 +40745,27 @@
               <a:buFont typeface="Arial" panose="020B0604020202020204" pitchFamily="34" charset="0"/>
               <a:buChar char="•"/>
             </a:pPr>
-            <a:endParaRPr lang="en-US" sz="2000" dirty="0">
-              <a:solidFill>
-                <a:srgbClr val="006621"/>
-              </a:solidFill>
-              <a:latin typeface="Roboto" panose="02000000000000000000" pitchFamily="2" charset="0"/>
-            </a:endParaRPr>
+            <a:r>
+              <a:rPr lang="en-US" sz="2000" b="1" dirty="0"/>
+              <a:t>SQLite</a:t>
+            </a:r>
+            <a:r>
+              <a:rPr lang="en-US" sz="2000" b="0" i="0" dirty="0">
+                <a:solidFill>
+                  <a:srgbClr val="006621"/>
+                </a:solidFill>
+                <a:effectLst/>
+                <a:latin typeface="Roboto" panose="02000000000000000000" pitchFamily="2" charset="0"/>
+              </a:rPr>
+              <a:t> - </a:t>
+            </a:r>
+            <a:r>
+              <a:rPr lang="en-US" sz="2000" dirty="0">
+                <a:hlinkClick r:id="rId11"/>
+              </a:rPr>
+              <a:t>https://sqlite.org/</a:t>
+            </a:r>
+            <a:endParaRPr lang="en-US" sz="2000" dirty="0"/>
           </a:p>
           <a:p>
             <a:pPr marL="285750" indent="-285750">
@@ -38495,37 +40774,82 @@
             </a:pPr>
             <a:r>
               <a:rPr lang="en-US" sz="2000" b="1" dirty="0"/>
-              <a:t>SQLite</a:t>
-            </a:r>
-            <a:r>
-              <a:rPr lang="en-US" sz="2000" b="0" i="0" dirty="0">
+              <a:t>H2</a:t>
+            </a:r>
+            <a:r>
+              <a:rPr lang="en-US" sz="2000" dirty="0">
                 <a:solidFill>
                   <a:srgbClr val="006621"/>
                 </a:solidFill>
-                <a:effectLst/>
                 <a:latin typeface="Roboto" panose="02000000000000000000" pitchFamily="2" charset="0"/>
               </a:rPr>
               <a:t> - </a:t>
             </a:r>
             <a:r>
               <a:rPr lang="en-US" sz="2000" dirty="0">
-                <a:hlinkClick r:id="rId11"/>
-              </a:rPr>
-              <a:t>https://sqlite.org/</a:t>
-            </a:r>
-            <a:endParaRPr lang="en-US" sz="2000" dirty="0"/>
+                <a:solidFill>
+                  <a:srgbClr val="006621"/>
+                </a:solidFill>
+                <a:latin typeface="Roboto" panose="02000000000000000000" pitchFamily="2" charset="0"/>
+                <a:hlinkClick r:id="rId12"/>
+              </a:rPr>
+              <a:t>http://www.h2database.com/html/main.html</a:t>
+            </a:r>
+            <a:r>
+              <a:rPr lang="en-US" sz="2000" dirty="0">
+                <a:solidFill>
+                  <a:srgbClr val="006621"/>
+                </a:solidFill>
+                <a:latin typeface="Roboto" panose="02000000000000000000" pitchFamily="2" charset="0"/>
+              </a:rPr>
+              <a:t> </a:t>
+            </a:r>
           </a:p>
           <a:p>
             <a:pPr marL="285750" indent="-285750">
               <a:buFont typeface="Arial" panose="020B0604020202020204" pitchFamily="34" charset="0"/>
               <a:buChar char="•"/>
             </a:pPr>
-            <a:endParaRPr lang="en-US" sz="2000" dirty="0">
-              <a:solidFill>
-                <a:srgbClr val="006621"/>
-              </a:solidFill>
-              <a:latin typeface="Roboto" panose="02000000000000000000" pitchFamily="2" charset="0"/>
-            </a:endParaRPr>
+            <a:r>
+              <a:rPr lang="en-US" sz="2000" b="1" dirty="0"/>
+              <a:t>Apache </a:t>
+            </a:r>
+            <a:r>
+              <a:rPr lang="en-US" sz="2000" b="1" dirty="0" err="1"/>
+              <a:t>DbUtils</a:t>
+            </a:r>
+            <a:r>
+              <a:rPr lang="en-US" sz="2000" b="1" dirty="0"/>
+              <a:t> </a:t>
+            </a:r>
+            <a:r>
+              <a:rPr lang="en-US" sz="2000" dirty="0">
+                <a:solidFill>
+                  <a:srgbClr val="006621"/>
+                </a:solidFill>
+                <a:latin typeface="Roboto" panose="02000000000000000000" pitchFamily="2" charset="0"/>
+              </a:rPr>
+              <a:t>– </a:t>
+            </a:r>
+            <a:r>
+              <a:rPr lang="en-US" sz="2000" dirty="0">
+                <a:solidFill>
+                  <a:srgbClr val="006621"/>
+                </a:solidFill>
+                <a:latin typeface="Roboto" panose="02000000000000000000" pitchFamily="2" charset="0"/>
+                <a:hlinkClick r:id="rId13"/>
+              </a:rPr>
+              <a:t>https://commons.apache.org/proper/commons-dbutils/index.html</a:t>
+            </a:r>
+            <a:r>
+              <a:rPr lang="en-US" sz="2000" dirty="0">
+                <a:solidFill>
+                  <a:srgbClr val="006621"/>
+                </a:solidFill>
+                <a:latin typeface="Roboto" panose="02000000000000000000" pitchFamily="2" charset="0"/>
+              </a:rPr>
+              <a:t> </a:t>
+            </a:r>
           </a:p>
           <a:p>
             <a:pPr marL="285750" indent="-285750">
@@ -38534,19 +40858,54 @@
             </a:pPr>
             <a:r>
               <a:rPr lang="en-US" sz="2000" b="1" dirty="0"/>
-              <a:t>Java</a:t>
-            </a:r>
-            <a:r>
-              <a:rPr lang="en-US" sz="2000" b="0" i="0" dirty="0">
+              <a:t>Lombok - </a:t>
+            </a:r>
+            <a:r>
+              <a:rPr lang="en-US" sz="2000" dirty="0"/>
+              <a:t>Automate </a:t>
+            </a:r>
+            <a:r>
+              <a:rPr lang="en-US" sz="2000" dirty="0" err="1"/>
+              <a:t>BoilerPlate</a:t>
+            </a:r>
+            <a:r>
+              <a:rPr lang="en-US" sz="2000" dirty="0"/>
+              <a:t> Code </a:t>
+            </a:r>
+            <a:r>
+              <a:rPr lang="en-US" sz="2000" dirty="0">
                 <a:solidFill>
                   <a:srgbClr val="006621"/>
                 </a:solidFill>
-                <a:effectLst/>
                 <a:latin typeface="Roboto" panose="02000000000000000000" pitchFamily="2" charset="0"/>
               </a:rPr>
-              <a:t> JDK 1.8x </a:t>
-            </a:r>
-            <a:endParaRPr lang="en-US" sz="2000" dirty="0"/>
+              <a:t>- </a:t>
+            </a:r>
+            <a:r>
+              <a:rPr lang="en-US" sz="2000" dirty="0">
+                <a:solidFill>
+                  <a:srgbClr val="006621"/>
+                </a:solidFill>
+                <a:latin typeface="Roboto" panose="02000000000000000000" pitchFamily="2" charset="0"/>
+                <a:hlinkClick r:id="rId14">
+                  <a:extLst>
+                    <a:ext uri="{A12FA001-AC4F-418D-AE19-62706E023703}">
+                      <ahyp:hlinkClr xmlns:ahyp="http://schemas.microsoft.com/office/drawing/2018/hyperlinkcolor" val="tx"/>
+                    </a:ext>
+                  </a:extLst>
+                </a:hlinkClick>
+              </a:rPr>
+              <a:t>https://projectlombok.org/</a:t>
+            </a:r>
+            <a:r>
+              <a:rPr lang="en-US" sz="2000" dirty="0">
+                <a:solidFill>
+                  <a:srgbClr val="006621"/>
+                </a:solidFill>
+                <a:latin typeface="Roboto" panose="02000000000000000000" pitchFamily="2" charset="0"/>
+              </a:rPr>
+              <a:t>  </a:t>
+            </a:r>
           </a:p>
           <a:p>
             <a:r>
@@ -38581,7 +40940,7 @@
 </p:sld>
 </file>
 
-<file path=ppt/slides/slide28.xml><?xml version="1.0" encoding="utf-8"?>
+<file path=ppt/slides/slide29.xml><?xml version="1.0" encoding="utf-8"?>
 <p:sld xmlns:a="http://schemas.openxmlformats.org/drawingml/2006/main" xmlns:r="http://schemas.openxmlformats.org/officeDocument/2006/relationships" xmlns:p="http://schemas.openxmlformats.org/presentationml/2006/main">
   <p:cSld>
     <p:spTree>
@@ -38840,197 +41199,6 @@
   </p:cSld>
   <p:clrMapOvr>
     <a:masterClrMapping/>
-  </p:clrMapOvr>
-  <mc:AlternateContent xmlns:mc="http://schemas.openxmlformats.org/markup-compatibility/2006" xmlns:p14="http://schemas.microsoft.com/office/powerpoint/2010/main">
-    <mc:Choice Requires="p14">
-      <p:transition spd="med" p14:dur="700">
-        <p:fade/>
-      </p:transition>
-    </mc:Choice>
-    <mc:Fallback xmlns="">
-      <p:transition spd="med">
-        <p:fade/>
-      </p:transition>
-    </mc:Fallback>
-  </mc:AlternateContent>
-</p:sld>
-</file>
-
-<file path=ppt/slides/slide29.xml><?xml version="1.0" encoding="utf-8"?>
-<p:sld xmlns:a="http://schemas.openxmlformats.org/drawingml/2006/main" xmlns:r="http://schemas.openxmlformats.org/officeDocument/2006/relationships" xmlns:p="http://schemas.openxmlformats.org/presentationml/2006/main">
-  <p:cSld>
-    <p:bg>
-      <p:bgPr>
-        <a:gradFill rotWithShape="1">
-          <a:gsLst>
-            <a:gs pos="0">
-              <a:schemeClr val="bg1">
-                <a:tint val="96000"/>
-                <a:shade val="99000"/>
-                <a:satMod val="140000"/>
-              </a:schemeClr>
-            </a:gs>
-            <a:gs pos="65000">
-              <a:schemeClr val="bg1">
-                <a:tint val="100000"/>
-                <a:shade val="80000"/>
-                <a:satMod val="130000"/>
-              </a:schemeClr>
-            </a:gs>
-            <a:gs pos="100000">
-              <a:schemeClr val="bg1">
-                <a:tint val="100000"/>
-                <a:shade val="48000"/>
-                <a:satMod val="120000"/>
-              </a:schemeClr>
-            </a:gs>
-          </a:gsLst>
-          <a:lin ang="16200000" scaled="0"/>
-        </a:gradFill>
-        <a:effectLst/>
-      </p:bgPr>
-    </p:bg>
-    <p:spTree>
-      <p:nvGrpSpPr>
-        <p:cNvPr id="1" name=""/>
-        <p:cNvGrpSpPr/>
-        <p:nvPr/>
-      </p:nvGrpSpPr>
-      <p:grpSpPr>
-        <a:xfrm>
-          <a:off x="0" y="0"/>
-          <a:ext cx="0" cy="0"/>
-          <a:chOff x="0" y="0"/>
-          <a:chExt cx="0" cy="0"/>
-        </a:xfrm>
-      </p:grpSpPr>
-      <p:sp>
-        <p:nvSpPr>
-          <p:cNvPr id="2" name="Title 1">
-            <a:extLst>
-              <a:ext uri="{FF2B5EF4-FFF2-40B4-BE49-F238E27FC236}">
-                <a16:creationId xmlns:a16="http://schemas.microsoft.com/office/drawing/2014/main" id="{0AE422CB-EBC9-4703-870C-8981A495893A}"/>
-              </a:ext>
-            </a:extLst>
-          </p:cNvPr>
-          <p:cNvSpPr>
-            <a:spLocks noGrp="1"/>
-          </p:cNvSpPr>
-          <p:nvPr>
-            <p:ph type="title"/>
-          </p:nvPr>
-        </p:nvSpPr>
-        <p:spPr>
-          <a:xfrm>
-            <a:off x="965201" y="643467"/>
-            <a:ext cx="6255026" cy="5054008"/>
-          </a:xfrm>
-        </p:spPr>
-        <p:txBody>
-          <a:bodyPr vert="horz" lIns="91440" tIns="45720" rIns="91440" bIns="45720" rtlCol="0" anchor="ctr">
-            <a:normAutofit/>
-          </a:bodyPr>
-          <a:lstStyle/>
-          <a:p>
-            <a:pPr algn="r"/>
-            <a:r>
-              <a:rPr lang="en-US" sz="8000">
-                <a:solidFill>
-                  <a:schemeClr val="tx1">
-                    <a:lumMod val="85000"/>
-                    <a:lumOff val="15000"/>
-                  </a:schemeClr>
-                </a:solidFill>
-              </a:rPr>
-              <a:t>Thank You</a:t>
-            </a:r>
-            <a:endParaRPr lang="en-US" sz="8000" dirty="0">
-              <a:solidFill>
-                <a:schemeClr val="tx1">
-                  <a:lumMod val="85000"/>
-                  <a:lumOff val="15000"/>
-                </a:schemeClr>
-              </a:solidFill>
-            </a:endParaRPr>
-          </a:p>
-        </p:txBody>
-      </p:sp>
-      <p:pic>
-        <p:nvPicPr>
-          <p:cNvPr id="4" name="Graphic 3" descr="Thumbs Up Sign">
-            <a:extLst>
-              <a:ext uri="{FF2B5EF4-FFF2-40B4-BE49-F238E27FC236}">
-                <a16:creationId xmlns:a16="http://schemas.microsoft.com/office/drawing/2014/main" id="{B44E0635-0055-421D-87B8-D61274F32E9B}"/>
-              </a:ext>
-            </a:extLst>
-          </p:cNvPr>
-          <p:cNvPicPr>
-            <a:picLocks noChangeAspect="1"/>
-          </p:cNvPicPr>
-          <p:nvPr/>
-        </p:nvPicPr>
-        <p:blipFill>
-          <a:blip r:embed="rId3">
-            <a:extLst>
-              <a:ext uri="{28A0092B-C50C-407E-A947-70E740481C1C}">
-                <a14:useLocalDpi xmlns:a14="http://schemas.microsoft.com/office/drawing/2010/main" val="0"/>
-              </a:ext>
-              <a:ext uri="{96DAC541-7B7A-43D3-8B79-37D633B846F1}">
-                <asvg:svgBlip xmlns:asvg="http://schemas.microsoft.com/office/drawing/2016/SVG/main" r:embed="rId4"/>
-              </a:ext>
-            </a:extLst>
-          </a:blip>
-          <a:stretch>
-            <a:fillRect/>
-          </a:stretch>
-        </p:blipFill>
-        <p:spPr>
-          <a:xfrm>
-            <a:off x="1950720" y="4017541"/>
-            <a:ext cx="914400" cy="914400"/>
-          </a:xfrm>
-          <a:prstGeom prst="rect">
-            <a:avLst/>
-          </a:prstGeom>
-        </p:spPr>
-      </p:pic>
-      <p:graphicFrame>
-        <p:nvGraphicFramePr>
-          <p:cNvPr id="31" name="TextBox 6">
-            <a:extLst>
-              <a:ext uri="{FF2B5EF4-FFF2-40B4-BE49-F238E27FC236}">
-                <a16:creationId xmlns:a16="http://schemas.microsoft.com/office/drawing/2014/main" id="{A0130B6C-EDE9-45AB-8186-487596133817}"/>
-              </a:ext>
-            </a:extLst>
-          </p:cNvPr>
-          <p:cNvGraphicFramePr/>
-          <p:nvPr>
-            <p:extLst>
-              <p:ext uri="{D42A27DB-BD31-4B8C-83A1-F6EECF244321}">
-                <p14:modId xmlns:p14="http://schemas.microsoft.com/office/powerpoint/2010/main" val="3346946088"/>
-              </p:ext>
-            </p:extLst>
-          </p:nvPr>
-        </p:nvGraphicFramePr>
-        <p:xfrm>
-          <a:off x="7870994" y="643467"/>
-          <a:ext cx="4085779" cy="5054008"/>
-        </p:xfrm>
-        <a:graphic>
-          <a:graphicData uri="http://schemas.openxmlformats.org/drawingml/2006/diagram">
-            <dgm:relIds xmlns:dgm="http://schemas.openxmlformats.org/drawingml/2006/diagram" xmlns:r="http://schemas.openxmlformats.org/officeDocument/2006/relationships" r:dm="rId5" r:lo="rId6" r:qs="rId7" r:cs="rId8"/>
-          </a:graphicData>
-        </a:graphic>
-      </p:graphicFrame>
-    </p:spTree>
-    <p:extLst>
-      <p:ext uri="{BB962C8B-B14F-4D97-AF65-F5344CB8AC3E}">
-        <p14:creationId xmlns:p14="http://schemas.microsoft.com/office/powerpoint/2010/main" val="1407402215"/>
-      </p:ext>
-    </p:extLst>
-  </p:cSld>
-  <p:clrMapOvr>
-    <a:overrideClrMapping bg1="dk1" tx1="lt1" bg2="dk2" tx2="lt2" accent1="accent1" accent2="accent2" accent3="accent3" accent4="accent4" accent5="accent5" accent6="accent6" hlink="hlink" folHlink="folHlink"/>
   </p:clrMapOvr>
   <mc:AlternateContent xmlns:mc="http://schemas.openxmlformats.org/markup-compatibility/2006" xmlns:p14="http://schemas.microsoft.com/office/powerpoint/2010/main">
     <mc:Choice Requires="p14">
@@ -42036,6 +44204,197 @@
 </p:sld>
 </file>
 
+<file path=ppt/slides/slide30.xml><?xml version="1.0" encoding="utf-8"?>
+<p:sld xmlns:a="http://schemas.openxmlformats.org/drawingml/2006/main" xmlns:r="http://schemas.openxmlformats.org/officeDocument/2006/relationships" xmlns:p="http://schemas.openxmlformats.org/presentationml/2006/main">
+  <p:cSld>
+    <p:bg>
+      <p:bgPr>
+        <a:gradFill rotWithShape="1">
+          <a:gsLst>
+            <a:gs pos="0">
+              <a:schemeClr val="bg1">
+                <a:tint val="96000"/>
+                <a:shade val="99000"/>
+                <a:satMod val="140000"/>
+              </a:schemeClr>
+            </a:gs>
+            <a:gs pos="65000">
+              <a:schemeClr val="bg1">
+                <a:tint val="100000"/>
+                <a:shade val="80000"/>
+                <a:satMod val="130000"/>
+              </a:schemeClr>
+            </a:gs>
+            <a:gs pos="100000">
+              <a:schemeClr val="bg1">
+                <a:tint val="100000"/>
+                <a:shade val="48000"/>
+                <a:satMod val="120000"/>
+              </a:schemeClr>
+            </a:gs>
+          </a:gsLst>
+          <a:lin ang="16200000" scaled="0"/>
+        </a:gradFill>
+        <a:effectLst/>
+      </p:bgPr>
+    </p:bg>
+    <p:spTree>
+      <p:nvGrpSpPr>
+        <p:cNvPr id="1" name=""/>
+        <p:cNvGrpSpPr/>
+        <p:nvPr/>
+      </p:nvGrpSpPr>
+      <p:grpSpPr>
+        <a:xfrm>
+          <a:off x="0" y="0"/>
+          <a:ext cx="0" cy="0"/>
+          <a:chOff x="0" y="0"/>
+          <a:chExt cx="0" cy="0"/>
+        </a:xfrm>
+      </p:grpSpPr>
+      <p:sp>
+        <p:nvSpPr>
+          <p:cNvPr id="2" name="Title 1">
+            <a:extLst>
+              <a:ext uri="{FF2B5EF4-FFF2-40B4-BE49-F238E27FC236}">
+                <a16:creationId xmlns:a16="http://schemas.microsoft.com/office/drawing/2014/main" id="{0AE422CB-EBC9-4703-870C-8981A495893A}"/>
+              </a:ext>
+            </a:extLst>
+          </p:cNvPr>
+          <p:cNvSpPr>
+            <a:spLocks noGrp="1"/>
+          </p:cNvSpPr>
+          <p:nvPr>
+            <p:ph type="title"/>
+          </p:nvPr>
+        </p:nvSpPr>
+        <p:spPr>
+          <a:xfrm>
+            <a:off x="965201" y="643467"/>
+            <a:ext cx="6255026" cy="5054008"/>
+          </a:xfrm>
+        </p:spPr>
+        <p:txBody>
+          <a:bodyPr vert="horz" lIns="91440" tIns="45720" rIns="91440" bIns="45720" rtlCol="0" anchor="ctr">
+            <a:normAutofit/>
+          </a:bodyPr>
+          <a:lstStyle/>
+          <a:p>
+            <a:pPr algn="r"/>
+            <a:r>
+              <a:rPr lang="en-US" sz="8000">
+                <a:solidFill>
+                  <a:schemeClr val="tx1">
+                    <a:lumMod val="85000"/>
+                    <a:lumOff val="15000"/>
+                  </a:schemeClr>
+                </a:solidFill>
+              </a:rPr>
+              <a:t>Thank You</a:t>
+            </a:r>
+            <a:endParaRPr lang="en-US" sz="8000" dirty="0">
+              <a:solidFill>
+                <a:schemeClr val="tx1">
+                  <a:lumMod val="85000"/>
+                  <a:lumOff val="15000"/>
+                </a:schemeClr>
+              </a:solidFill>
+            </a:endParaRPr>
+          </a:p>
+        </p:txBody>
+      </p:sp>
+      <p:pic>
+        <p:nvPicPr>
+          <p:cNvPr id="4" name="Graphic 3" descr="Thumbs Up Sign">
+            <a:extLst>
+              <a:ext uri="{FF2B5EF4-FFF2-40B4-BE49-F238E27FC236}">
+                <a16:creationId xmlns:a16="http://schemas.microsoft.com/office/drawing/2014/main" id="{B44E0635-0055-421D-87B8-D61274F32E9B}"/>
+              </a:ext>
+            </a:extLst>
+          </p:cNvPr>
+          <p:cNvPicPr>
+            <a:picLocks noChangeAspect="1"/>
+          </p:cNvPicPr>
+          <p:nvPr/>
+        </p:nvPicPr>
+        <p:blipFill>
+          <a:blip r:embed="rId3">
+            <a:extLst>
+              <a:ext uri="{28A0092B-C50C-407E-A947-70E740481C1C}">
+                <a14:useLocalDpi xmlns:a14="http://schemas.microsoft.com/office/drawing/2010/main" val="0"/>
+              </a:ext>
+              <a:ext uri="{96DAC541-7B7A-43D3-8B79-37D633B846F1}">
+                <asvg:svgBlip xmlns:asvg="http://schemas.microsoft.com/office/drawing/2016/SVG/main" r:embed="rId4"/>
+              </a:ext>
+            </a:extLst>
+          </a:blip>
+          <a:stretch>
+            <a:fillRect/>
+          </a:stretch>
+        </p:blipFill>
+        <p:spPr>
+          <a:xfrm>
+            <a:off x="1950720" y="4017541"/>
+            <a:ext cx="914400" cy="914400"/>
+          </a:xfrm>
+          <a:prstGeom prst="rect">
+            <a:avLst/>
+          </a:prstGeom>
+        </p:spPr>
+      </p:pic>
+      <p:graphicFrame>
+        <p:nvGraphicFramePr>
+          <p:cNvPr id="31" name="TextBox 6">
+            <a:extLst>
+              <a:ext uri="{FF2B5EF4-FFF2-40B4-BE49-F238E27FC236}">
+                <a16:creationId xmlns:a16="http://schemas.microsoft.com/office/drawing/2014/main" id="{A0130B6C-EDE9-45AB-8186-487596133817}"/>
+              </a:ext>
+            </a:extLst>
+          </p:cNvPr>
+          <p:cNvGraphicFramePr/>
+          <p:nvPr>
+            <p:extLst>
+              <p:ext uri="{D42A27DB-BD31-4B8C-83A1-F6EECF244321}">
+                <p14:modId xmlns:p14="http://schemas.microsoft.com/office/powerpoint/2010/main" val="3346946088"/>
+              </p:ext>
+            </p:extLst>
+          </p:nvPr>
+        </p:nvGraphicFramePr>
+        <p:xfrm>
+          <a:off x="7870994" y="643467"/>
+          <a:ext cx="4085779" cy="5054008"/>
+        </p:xfrm>
+        <a:graphic>
+          <a:graphicData uri="http://schemas.openxmlformats.org/drawingml/2006/diagram">
+            <dgm:relIds xmlns:dgm="http://schemas.openxmlformats.org/drawingml/2006/diagram" xmlns:r="http://schemas.openxmlformats.org/officeDocument/2006/relationships" r:dm="rId5" r:lo="rId6" r:qs="rId7" r:cs="rId8"/>
+          </a:graphicData>
+        </a:graphic>
+      </p:graphicFrame>
+    </p:spTree>
+    <p:extLst>
+      <p:ext uri="{BB962C8B-B14F-4D97-AF65-F5344CB8AC3E}">
+        <p14:creationId xmlns:p14="http://schemas.microsoft.com/office/powerpoint/2010/main" val="1407402215"/>
+      </p:ext>
+    </p:extLst>
+  </p:cSld>
+  <p:clrMapOvr>
+    <a:overrideClrMapping bg1="dk1" tx1="lt1" bg2="dk2" tx2="lt2" accent1="accent1" accent2="accent2" accent3="accent3" accent4="accent4" accent5="accent5" accent6="accent6" hlink="hlink" folHlink="folHlink"/>
+  </p:clrMapOvr>
+  <mc:AlternateContent xmlns:mc="http://schemas.openxmlformats.org/markup-compatibility/2006" xmlns:p14="http://schemas.microsoft.com/office/powerpoint/2010/main">
+    <mc:Choice Requires="p14">
+      <p:transition spd="med" p14:dur="700">
+        <p:fade/>
+      </p:transition>
+    </mc:Choice>
+    <mc:Fallback xmlns="">
+      <p:transition spd="med">
+        <p:fade/>
+      </p:transition>
+    </mc:Fallback>
+  </mc:AlternateContent>
+</p:sld>
+</file>
+
 <file path=ppt/slides/slide4.xml><?xml version="1.0" encoding="utf-8"?>
 <p:sld xmlns:a="http://schemas.openxmlformats.org/drawingml/2006/main" xmlns:r="http://schemas.openxmlformats.org/officeDocument/2006/relationships" xmlns:p="http://schemas.openxmlformats.org/presentationml/2006/main">
   <p:cSld>
@@ -44466,7 +46825,15 @@
                   <a:schemeClr val="bg1"/>
                 </a:solidFill>
               </a:rPr>
-              <a:t>a) Register Driver Class</a:t>
+              <a:t>- </a:t>
+            </a:r>
+            <a:r>
+              <a:rPr lang="en-US" sz="2800" dirty="0">
+                <a:solidFill>
+                  <a:schemeClr val="bg1"/>
+                </a:solidFill>
+              </a:rPr>
+              <a:t>Register Driver Class</a:t>
             </a:r>
           </a:p>
         </p:txBody>
@@ -45874,12 +48241,12 @@
 </file>
 
 <file path=customXml/item1.xml><?xml version="1.0" encoding="utf-8"?>
-<p:properties xmlns:p="http://schemas.microsoft.com/office/2006/metadata/properties" xmlns:xsi="http://www.w3.org/2001/XMLSchema-instance" xmlns:pc="http://schemas.microsoft.com/office/infopath/2007/PartnerControls">
-  <documentManagement>
-    <Status xmlns="71af3243-3dd4-4a8d-8c0d-dd76da1f02a5">Not started</Status>
-    <MediaServiceKeyPoints xmlns="71af3243-3dd4-4a8d-8c0d-dd76da1f02a5" xsi:nil="true"/>
-  </documentManagement>
-</p:properties>
+<?mso-contentType ?>
+<FormTemplates xmlns="http://schemas.microsoft.com/sharepoint/v3/contenttype/forms">
+  <Display>DocumentLibraryForm</Display>
+  <Edit>DocumentLibraryForm</Edit>
+  <New>DocumentLibraryForm</New>
+</FormTemplates>
 </file>
 
 <file path=customXml/item2.xml><?xml version="1.0" encoding="utf-8"?>
@@ -46104,20 +48471,18 @@
 </file>
 
 <file path=customXml/item3.xml><?xml version="1.0" encoding="utf-8"?>
-<?mso-contentType ?>
-<FormTemplates xmlns="http://schemas.microsoft.com/sharepoint/v3/contenttype/forms">
-  <Display>DocumentLibraryForm</Display>
-  <Edit>DocumentLibraryForm</Edit>
-  <New>DocumentLibraryForm</New>
-</FormTemplates>
+<p:properties xmlns:p="http://schemas.microsoft.com/office/2006/metadata/properties" xmlns:xsi="http://www.w3.org/2001/XMLSchema-instance" xmlns:pc="http://schemas.microsoft.com/office/infopath/2007/PartnerControls">
+  <documentManagement>
+    <Status xmlns="71af3243-3dd4-4a8d-8c0d-dd76da1f02a5">Not started</Status>
+    <MediaServiceKeyPoints xmlns="71af3243-3dd4-4a8d-8c0d-dd76da1f02a5" xsi:nil="true"/>
+  </documentManagement>
+</p:properties>
 </file>
 
 <file path=customXml/itemProps1.xml><?xml version="1.0" encoding="utf-8"?>
-<ds:datastoreItem xmlns:ds="http://schemas.openxmlformats.org/officeDocument/2006/customXml" ds:itemID="{84F503EC-3FFF-4193-A86F-39150E2BAC75}">
+<ds:datastoreItem xmlns:ds="http://schemas.openxmlformats.org/officeDocument/2006/customXml" ds:itemID="{2E5ECA37-C458-4BA2-A090-D7A19E07B434}">
   <ds:schemaRefs>
-    <ds:schemaRef ds:uri="http://schemas.microsoft.com/office/2006/metadata/properties"/>
-    <ds:schemaRef ds:uri="http://schemas.microsoft.com/office/infopath/2007/PartnerControls"/>
-    <ds:schemaRef ds:uri="71af3243-3dd4-4a8d-8c0d-dd76da1f02a5"/>
+    <ds:schemaRef ds:uri="http://schemas.microsoft.com/sharepoint/v3/contenttype/forms"/>
   </ds:schemaRefs>
 </ds:datastoreItem>
 </file>
@@ -46142,9 +48507,11 @@
 </file>
 
 <file path=customXml/itemProps3.xml><?xml version="1.0" encoding="utf-8"?>
-<ds:datastoreItem xmlns:ds="http://schemas.openxmlformats.org/officeDocument/2006/customXml" ds:itemID="{2E5ECA37-C458-4BA2-A090-D7A19E07B434}">
+<ds:datastoreItem xmlns:ds="http://schemas.openxmlformats.org/officeDocument/2006/customXml" ds:itemID="{84F503EC-3FFF-4193-A86F-39150E2BAC75}">
   <ds:schemaRefs>
-    <ds:schemaRef ds:uri="http://schemas.microsoft.com/sharepoint/v3/contenttype/forms"/>
+    <ds:schemaRef ds:uri="http://schemas.microsoft.com/office/2006/metadata/properties"/>
+    <ds:schemaRef ds:uri="http://schemas.microsoft.com/office/infopath/2007/PartnerControls"/>
+    <ds:schemaRef ds:uri="71af3243-3dd4-4a8d-8c0d-dd76da1f02a5"/>
   </ds:schemaRefs>
 </ds:datastoreItem>
 </file>
--- a/docs/JDBC Insights.pptx
+++ b/docs/JDBC Insights.pptx
@@ -25639,7 +25639,7 @@
         <p:spPr>
           <a:xfrm>
             <a:off x="4303724" y="3012442"/>
-            <a:ext cx="7762585" cy="3323987"/>
+            <a:ext cx="7762585" cy="3539430"/>
           </a:xfrm>
           <a:prstGeom prst="rect">
             <a:avLst/>
@@ -25846,7 +25846,15 @@
             </a:r>
             <a:r>
               <a:rPr lang="en-US" sz="1400" dirty="0"/>
-              <a:t>: The default port number for connecting to SQL server 1433. In case this parameter is missing, the default port is used.</a:t>
+              <a:t>: The default port number for connecting to SQL server  is 1433. In case this parameter is missing, the default port is used as per database vendor. For </a:t>
+            </a:r>
+            <a:r>
+              <a:rPr lang="en-US" sz="1400" dirty="0" err="1"/>
+              <a:t>Sqlite</a:t>
+            </a:r>
+            <a:r>
+              <a:rPr lang="en-US" sz="1400" dirty="0"/>
+              <a:t>, there is no user / password or port as it is running off local host pointing to directory.</a:t>
             </a:r>
           </a:p>
           <a:p>
@@ -27284,7 +27292,7 @@
         <p:spPr>
           <a:xfrm>
             <a:off x="4164261" y="0"/>
-            <a:ext cx="7953867" cy="6555641"/>
+            <a:ext cx="7953867" cy="6124754"/>
           </a:xfrm>
           <a:prstGeom prst="rect">
             <a:avLst/>
@@ -27341,7 +27349,7 @@
                 </a:solidFill>
                 <a:latin typeface="Consolas" panose="020B0609020204030204" pitchFamily="49" charset="0"/>
               </a:rPr>
-              <a:t>Connection conn</a:t>
+              <a:t>conn</a:t>
             </a:r>
             <a:r>
               <a:rPr lang="en-US" sz="1400" dirty="0">
@@ -27355,32 +27363,422 @@
             <a:r>
               <a:rPr lang="en-US" sz="1400" b="1" dirty="0" err="1">
                 <a:solidFill>
+                  <a:srgbClr val="000000"/>
+                </a:solidFill>
+                <a:latin typeface="Consolas" panose="020B0609020204030204" pitchFamily="49" charset="0"/>
+              </a:rPr>
+              <a:t>SimpleDbManager</a:t>
+            </a:r>
+            <a:r>
+              <a:rPr lang="en-US" sz="1400" dirty="0" err="1">
+                <a:solidFill>
+                  <a:srgbClr val="000000"/>
+                </a:solidFill>
+                <a:latin typeface="Consolas" panose="020B0609020204030204" pitchFamily="49" charset="0"/>
+              </a:rPr>
+              <a:t>.</a:t>
+            </a:r>
+            <a:r>
+              <a:rPr lang="en-US" sz="1400" i="1" dirty="0" err="1">
+                <a:solidFill>
+                  <a:srgbClr val="000000"/>
+                </a:solidFill>
+                <a:latin typeface="Consolas" panose="020B0609020204030204" pitchFamily="49" charset="0"/>
+              </a:rPr>
+              <a:t>getConnection</a:t>
+            </a:r>
+            <a:r>
+              <a:rPr lang="en-US" sz="1400" i="1" dirty="0">
+                <a:solidFill>
+                  <a:srgbClr val="000000"/>
+                </a:solidFill>
+                <a:latin typeface="Consolas" panose="020B0609020204030204" pitchFamily="49" charset="0"/>
+              </a:rPr>
+              <a:t>(</a:t>
+            </a:r>
+            <a:r>
+              <a:rPr lang="en-US" sz="1400" i="1" dirty="0" err="1">
+                <a:solidFill>
                   <a:srgbClr val="6A3E3E"/>
                 </a:solidFill>
                 <a:latin typeface="Consolas" panose="020B0609020204030204" pitchFamily="49" charset="0"/>
               </a:rPr>
-              <a:t>SimpleDbManager</a:t>
+              <a:t>autoCommit</a:t>
+            </a:r>
+            <a:r>
+              <a:rPr lang="en-US" sz="1400" i="1" dirty="0">
+                <a:solidFill>
+                  <a:srgbClr val="000000"/>
+                </a:solidFill>
+                <a:latin typeface="Consolas" panose="020B0609020204030204" pitchFamily="49" charset="0"/>
+              </a:rPr>
+              <a:t>);</a:t>
+            </a:r>
+          </a:p>
+          <a:p>
+            <a:pPr lvl="1"/>
+            <a:r>
+              <a:rPr lang="en-US" sz="1400" dirty="0">
+                <a:solidFill>
+                  <a:srgbClr val="000000"/>
+                </a:solidFill>
+                <a:latin typeface="Consolas" panose="020B0609020204030204" pitchFamily="49" charset="0"/>
+              </a:rPr>
+              <a:t>String </a:t>
             </a:r>
             <a:r>
               <a:rPr lang="en-US" sz="1400" dirty="0" err="1">
                 <a:solidFill>
+                  <a:srgbClr val="6A3E3E"/>
+                </a:solidFill>
+                <a:latin typeface="Consolas" panose="020B0609020204030204" pitchFamily="49" charset="0"/>
+              </a:rPr>
+              <a:t>sql</a:t>
+            </a:r>
+            <a:r>
+              <a:rPr lang="en-US" sz="1400" dirty="0">
+                <a:solidFill>
                   <a:srgbClr val="000000"/>
                 </a:solidFill>
                 <a:latin typeface="Consolas" panose="020B0609020204030204" pitchFamily="49" charset="0"/>
               </a:rPr>
-              <a:t>.getConnection</a:t>
+              <a:t> = </a:t>
             </a:r>
             <a:r>
               <a:rPr lang="en-US" sz="1400" dirty="0">
                 <a:solidFill>
+                  <a:srgbClr val="2A00FF"/>
+                </a:solidFill>
+                <a:latin typeface="Consolas" panose="020B0609020204030204" pitchFamily="49" charset="0"/>
+              </a:rPr>
+              <a:t>" INSERT INTO customer (</a:t>
+            </a:r>
+            <a:r>
+              <a:rPr lang="en-US" sz="1400" dirty="0" err="1">
+                <a:solidFill>
+                  <a:srgbClr val="2A00FF"/>
+                </a:solidFill>
+                <a:latin typeface="Consolas" panose="020B0609020204030204" pitchFamily="49" charset="0"/>
+              </a:rPr>
+              <a:t>ctry_cd</a:t>
+            </a:r>
+            <a:r>
+              <a:rPr lang="en-US" sz="1400" dirty="0">
+                <a:solidFill>
+                  <a:srgbClr val="2A00FF"/>
+                </a:solidFill>
+                <a:latin typeface="Consolas" panose="020B0609020204030204" pitchFamily="49" charset="0"/>
+              </a:rPr>
+              <a:t>, </a:t>
+            </a:r>
+            <a:r>
+              <a:rPr lang="en-US" sz="1400" dirty="0" err="1">
+                <a:solidFill>
+                  <a:srgbClr val="2A00FF"/>
+                </a:solidFill>
+                <a:latin typeface="Consolas" panose="020B0609020204030204" pitchFamily="49" charset="0"/>
+              </a:rPr>
+              <a:t>customer_name</a:t>
+            </a:r>
+            <a:r>
+              <a:rPr lang="en-US" sz="1400" dirty="0">
+                <a:solidFill>
+                  <a:srgbClr val="2A00FF"/>
+                </a:solidFill>
+                <a:latin typeface="Consolas" panose="020B0609020204030204" pitchFamily="49" charset="0"/>
+              </a:rPr>
+              <a:t>, </a:t>
+            </a:r>
+            <a:r>
+              <a:rPr lang="en-US" sz="1400" dirty="0" err="1">
+                <a:solidFill>
+                  <a:srgbClr val="2A00FF"/>
+                </a:solidFill>
+                <a:latin typeface="Consolas" panose="020B0609020204030204" pitchFamily="49" charset="0"/>
+              </a:rPr>
+              <a:t>phone_no</a:t>
+            </a:r>
+            <a:r>
+              <a:rPr lang="en-US" sz="1400" dirty="0">
+                <a:solidFill>
+                  <a:srgbClr val="2A00FF"/>
+                </a:solidFill>
+                <a:latin typeface="Consolas" panose="020B0609020204030204" pitchFamily="49" charset="0"/>
+              </a:rPr>
+              <a:t>, </a:t>
+            </a:r>
+            <a:r>
+              <a:rPr lang="en-US" sz="1400" dirty="0" err="1">
+                <a:solidFill>
+                  <a:srgbClr val="2A00FF"/>
+                </a:solidFill>
+                <a:latin typeface="Consolas" panose="020B0609020204030204" pitchFamily="49" charset="0"/>
+              </a:rPr>
+              <a:t>phone_type</a:t>
+            </a:r>
+            <a:r>
+              <a:rPr lang="en-US" sz="1400" dirty="0">
+                <a:solidFill>
+                  <a:srgbClr val="2A00FF"/>
+                </a:solidFill>
+                <a:latin typeface="Consolas" panose="020B0609020204030204" pitchFamily="49" charset="0"/>
+              </a:rPr>
+              <a:t>, </a:t>
+            </a:r>
+            <a:r>
+              <a:rPr lang="en-US" sz="1400" dirty="0" err="1">
+                <a:solidFill>
+                  <a:srgbClr val="2A00FF"/>
+                </a:solidFill>
+                <a:latin typeface="Consolas" panose="020B0609020204030204" pitchFamily="49" charset="0"/>
+              </a:rPr>
+              <a:t>email_ad</a:t>
+            </a:r>
+            <a:r>
+              <a:rPr lang="en-US" sz="1400" dirty="0">
+                <a:solidFill>
+                  <a:srgbClr val="2A00FF"/>
+                </a:solidFill>
+                <a:latin typeface="Consolas" panose="020B0609020204030204" pitchFamily="49" charset="0"/>
+              </a:rPr>
+              <a:t>, </a:t>
+            </a:r>
+            <a:r>
+              <a:rPr lang="en-US" sz="1400" dirty="0" err="1">
+                <a:solidFill>
+                  <a:srgbClr val="2A00FF"/>
+                </a:solidFill>
+                <a:latin typeface="Consolas" panose="020B0609020204030204" pitchFamily="49" charset="0"/>
+              </a:rPr>
+              <a:t>customer_guid</a:t>
+            </a:r>
+            <a:r>
+              <a:rPr lang="en-US" sz="1400" dirty="0">
+                <a:solidFill>
+                  <a:srgbClr val="2A00FF"/>
+                </a:solidFill>
+                <a:latin typeface="Consolas" panose="020B0609020204030204" pitchFamily="49" charset="0"/>
+              </a:rPr>
+              <a:t>, "</a:t>
+            </a:r>
+          </a:p>
+          <a:p>
+            <a:pPr lvl="1"/>
+            <a:r>
+              <a:rPr lang="en-US" sz="1400" dirty="0">
+                <a:solidFill>
                   <a:srgbClr val="000000"/>
                 </a:solidFill>
                 <a:latin typeface="Consolas" panose="020B0609020204030204" pitchFamily="49" charset="0"/>
               </a:rPr>
+              <a:t>+ </a:t>
+            </a:r>
+            <a:r>
+              <a:rPr lang="en-US" sz="1400" dirty="0">
+                <a:solidFill>
+                  <a:srgbClr val="2A00FF"/>
+                </a:solidFill>
+                <a:latin typeface="Consolas" panose="020B0609020204030204" pitchFamily="49" charset="0"/>
+              </a:rPr>
+              <a:t>" </a:t>
+            </a:r>
+            <a:r>
+              <a:rPr lang="en-US" sz="1400" dirty="0" err="1">
+                <a:solidFill>
+                  <a:srgbClr val="2A00FF"/>
+                </a:solidFill>
+                <a:latin typeface="Consolas" panose="020B0609020204030204" pitchFamily="49" charset="0"/>
+              </a:rPr>
+              <a:t>last_mdfy_user</a:t>
+            </a:r>
+            <a:r>
+              <a:rPr lang="en-US" sz="1400" dirty="0">
+                <a:solidFill>
+                  <a:srgbClr val="2A00FF"/>
+                </a:solidFill>
+                <a:latin typeface="Consolas" panose="020B0609020204030204" pitchFamily="49" charset="0"/>
+              </a:rPr>
+              <a:t>, </a:t>
+            </a:r>
+            <a:r>
+              <a:rPr lang="en-US" sz="1400" dirty="0" err="1">
+                <a:solidFill>
+                  <a:srgbClr val="2A00FF"/>
+                </a:solidFill>
+                <a:latin typeface="Consolas" panose="020B0609020204030204" pitchFamily="49" charset="0"/>
+              </a:rPr>
+              <a:t>last_mdfy_prog</a:t>
+            </a:r>
+            <a:r>
+              <a:rPr lang="en-US" sz="1400" dirty="0">
+                <a:solidFill>
+                  <a:srgbClr val="2A00FF"/>
+                </a:solidFill>
+                <a:latin typeface="Consolas" panose="020B0609020204030204" pitchFamily="49" charset="0"/>
+              </a:rPr>
+              <a:t>, </a:t>
+            </a:r>
+            <a:r>
+              <a:rPr lang="en-US" sz="1400" dirty="0" err="1">
+                <a:solidFill>
+                  <a:srgbClr val="2A00FF"/>
+                </a:solidFill>
+                <a:latin typeface="Consolas" panose="020B0609020204030204" pitchFamily="49" charset="0"/>
+              </a:rPr>
+              <a:t>init_insert_ts</a:t>
+            </a:r>
+            <a:r>
+              <a:rPr lang="en-US" sz="1400" dirty="0">
+                <a:solidFill>
+                  <a:srgbClr val="2A00FF"/>
+                </a:solidFill>
+                <a:latin typeface="Consolas" panose="020B0609020204030204" pitchFamily="49" charset="0"/>
+              </a:rPr>
+              <a:t>, </a:t>
+            </a:r>
+            <a:r>
+              <a:rPr lang="en-US" sz="1400" dirty="0" err="1">
+                <a:solidFill>
+                  <a:srgbClr val="2A00FF"/>
+                </a:solidFill>
+                <a:latin typeface="Consolas" panose="020B0609020204030204" pitchFamily="49" charset="0"/>
+              </a:rPr>
+              <a:t>last_mdfy_ts</a:t>
+            </a:r>
+            <a:r>
+              <a:rPr lang="en-US" sz="1400" dirty="0">
+                <a:solidFill>
+                  <a:srgbClr val="2A00FF"/>
+                </a:solidFill>
+                <a:latin typeface="Consolas" panose="020B0609020204030204" pitchFamily="49" charset="0"/>
+              </a:rPr>
+              <a:t>) "</a:t>
+            </a:r>
+          </a:p>
+          <a:p>
+            <a:pPr lvl="1"/>
+            <a:r>
+              <a:rPr lang="en-US" sz="1400" dirty="0">
+                <a:solidFill>
+                  <a:srgbClr val="000000"/>
+                </a:solidFill>
+                <a:latin typeface="Consolas" panose="020B0609020204030204" pitchFamily="49" charset="0"/>
+              </a:rPr>
+              <a:t>+ </a:t>
+            </a:r>
+            <a:r>
+              <a:rPr lang="en-US" sz="1400" dirty="0">
+                <a:solidFill>
+                  <a:srgbClr val="2A00FF"/>
+                </a:solidFill>
+                <a:latin typeface="Consolas" panose="020B0609020204030204" pitchFamily="49" charset="0"/>
+              </a:rPr>
+              <a:t>" VALUES (?, ?, ?, ?, ?, ?, ?, ?, CURRENT_TIMESTAMP, CURRENT_TIMESTAMP) "</a:t>
+            </a:r>
+            <a:r>
+              <a:rPr lang="en-US" sz="1400" dirty="0">
+                <a:solidFill>
+                  <a:srgbClr val="000000"/>
+                </a:solidFill>
+                <a:latin typeface="Consolas" panose="020B0609020204030204" pitchFamily="49" charset="0"/>
+              </a:rPr>
+              <a:t>;</a:t>
+            </a:r>
+          </a:p>
+          <a:p>
+            <a:pPr lvl="1"/>
+            <a:r>
+              <a:rPr lang="en-US" sz="1400" dirty="0">
+                <a:solidFill>
+                  <a:srgbClr val="3F5FBF"/>
+                </a:solidFill>
+                <a:latin typeface="Consolas" panose="020B0609020204030204" pitchFamily="49" charset="0"/>
+              </a:rPr>
+              <a:t>/**</a:t>
+            </a:r>
+          </a:p>
+          <a:p>
+            <a:pPr lvl="1"/>
+            <a:r>
+              <a:rPr lang="en-US" sz="1400" dirty="0">
+                <a:solidFill>
+                  <a:srgbClr val="3F5FBF"/>
+                </a:solidFill>
+                <a:latin typeface="Consolas" panose="020B0609020204030204" pitchFamily="49" charset="0"/>
+              </a:rPr>
+              <a:t> * Prepare Statement</a:t>
+            </a:r>
+          </a:p>
+          <a:p>
+            <a:pPr lvl="1"/>
+            <a:r>
+              <a:rPr lang="en-US" sz="1400" dirty="0">
+                <a:solidFill>
+                  <a:srgbClr val="3F5FBF"/>
+                </a:solidFill>
+                <a:latin typeface="Consolas" panose="020B0609020204030204" pitchFamily="49" charset="0"/>
+              </a:rPr>
+              <a:t> */</a:t>
+            </a:r>
+          </a:p>
+          <a:p>
+            <a:pPr lvl="1"/>
+            <a:r>
+              <a:rPr lang="en-US" sz="1400" dirty="0" err="1">
+                <a:solidFill>
+                  <a:srgbClr val="6A3E3E"/>
+                </a:solidFill>
+                <a:latin typeface="Consolas" panose="020B0609020204030204" pitchFamily="49" charset="0"/>
+              </a:rPr>
+              <a:t>pstmt</a:t>
+            </a:r>
+            <a:r>
+              <a:rPr lang="en-US" sz="1400" dirty="0">
+                <a:solidFill>
+                  <a:srgbClr val="000000"/>
+                </a:solidFill>
+                <a:latin typeface="Consolas" panose="020B0609020204030204" pitchFamily="49" charset="0"/>
+              </a:rPr>
+              <a:t> = </a:t>
+            </a:r>
+            <a:r>
+              <a:rPr lang="en-US" sz="1400" dirty="0" err="1">
+                <a:solidFill>
+                  <a:srgbClr val="6A3E3E"/>
+                </a:solidFill>
+                <a:latin typeface="Consolas" panose="020B0609020204030204" pitchFamily="49" charset="0"/>
+              </a:rPr>
+              <a:t>conn</a:t>
+            </a:r>
+            <a:r>
+              <a:rPr lang="en-US" sz="1400" dirty="0" err="1">
+                <a:solidFill>
+                  <a:srgbClr val="000000"/>
+                </a:solidFill>
+                <a:latin typeface="Consolas" panose="020B0609020204030204" pitchFamily="49" charset="0"/>
+              </a:rPr>
+              <a:t>.prepareStatement</a:t>
+            </a:r>
+            <a:r>
+              <a:rPr lang="en-US" sz="1400" dirty="0">
+                <a:solidFill>
+                  <a:srgbClr val="000000"/>
+                </a:solidFill>
+                <a:latin typeface="Consolas" panose="020B0609020204030204" pitchFamily="49" charset="0"/>
+              </a:rPr>
               <a:t>(</a:t>
             </a:r>
             <a:r>
-              <a:rPr lang="en-US" sz="1400" b="1" dirty="0">
+              <a:rPr lang="en-US" sz="1400" dirty="0" err="1">
+                <a:solidFill>
+                  <a:srgbClr val="6A3E3E"/>
+                </a:solidFill>
+                <a:latin typeface="Consolas" panose="020B0609020204030204" pitchFamily="49" charset="0"/>
+              </a:rPr>
+              <a:t>sql</a:t>
+            </a:r>
+            <a:r>
+              <a:rPr lang="en-US" sz="1400" dirty="0">
                 <a:solidFill>
                   <a:srgbClr val="000000"/>
                 </a:solidFill>
@@ -27394,11 +27792,65 @@
             <a:r>
               <a:rPr lang="en-US" sz="1400" dirty="0">
                 <a:solidFill>
+                  <a:srgbClr val="3F5FBF"/>
+                </a:solidFill>
+                <a:latin typeface="Consolas" panose="020B0609020204030204" pitchFamily="49" charset="0"/>
+              </a:rPr>
+              <a:t>/**</a:t>
+            </a:r>
+          </a:p>
+          <a:p>
+            <a:pPr lvl="1"/>
+            <a:r>
+              <a:rPr lang="en-US" sz="1400" dirty="0">
+                <a:solidFill>
+                  <a:srgbClr val="3F5FBF"/>
+                </a:solidFill>
+                <a:latin typeface="Consolas" panose="020B0609020204030204" pitchFamily="49" charset="0"/>
+              </a:rPr>
+              <a:t> * Set Values for INSERT</a:t>
+            </a:r>
+          </a:p>
+          <a:p>
+            <a:pPr lvl="1"/>
+            <a:r>
+              <a:rPr lang="en-US" sz="1400" dirty="0">
+                <a:solidFill>
+                  <a:srgbClr val="3F5FBF"/>
+                </a:solidFill>
+                <a:latin typeface="Consolas" panose="020B0609020204030204" pitchFamily="49" charset="0"/>
+              </a:rPr>
+              <a:t> */</a:t>
+            </a:r>
+          </a:p>
+          <a:p>
+            <a:pPr lvl="1"/>
+            <a:r>
+              <a:rPr lang="en-US" sz="1400" dirty="0" err="1">
+                <a:solidFill>
+                  <a:srgbClr val="6A3E3E"/>
+                </a:solidFill>
+                <a:latin typeface="Consolas" panose="020B0609020204030204" pitchFamily="49" charset="0"/>
+              </a:rPr>
+              <a:t>pstmt</a:t>
+            </a:r>
+            <a:r>
+              <a:rPr lang="en-US" sz="1400" dirty="0" err="1">
+                <a:solidFill>
                   <a:srgbClr val="000000"/>
                 </a:solidFill>
                 <a:latin typeface="Consolas" panose="020B0609020204030204" pitchFamily="49" charset="0"/>
               </a:rPr>
-              <a:t>String </a:t>
+              <a:t>.setString</a:t>
+            </a:r>
+            <a:r>
+              <a:rPr lang="en-US" sz="1400" dirty="0">
+                <a:solidFill>
+                  <a:srgbClr val="000000"/>
+                </a:solidFill>
+                <a:latin typeface="Consolas" panose="020B0609020204030204" pitchFamily="49" charset="0"/>
+              </a:rPr>
+              <a:t>(1, </a:t>
             </a:r>
             <a:r>
               <a:rPr lang="en-US" sz="1400" dirty="0" err="1">
@@ -27407,7 +27859,16 @@
                 </a:solidFill>
                 <a:latin typeface="Consolas" panose="020B0609020204030204" pitchFamily="49" charset="0"/>
               </a:rPr>
-              <a:t>sql</a:t>
+              <a:t>customer</a:t>
+            </a:r>
+            <a:r>
+              <a:rPr lang="en-US" sz="1400" dirty="0" err="1">
+                <a:solidFill>
+                  <a:srgbClr val="000000"/>
+                </a:solidFill>
+                <a:latin typeface="Consolas" panose="020B0609020204030204" pitchFamily="49" charset="0"/>
+              </a:rPr>
+              <a:t>.getCtry_cd</a:t>
             </a:r>
             <a:r>
               <a:rPr lang="en-US" sz="1400" dirty="0">
@@ -27416,679 +27877,265 @@
                 </a:solidFill>
                 <a:latin typeface="Consolas" panose="020B0609020204030204" pitchFamily="49" charset="0"/>
               </a:rPr>
-              <a:t> = </a:t>
-            </a:r>
-            <a:r>
-              <a:rPr lang="en-US" sz="1200" dirty="0">
-                <a:solidFill>
-                  <a:srgbClr val="2A00FF"/>
-                </a:solidFill>
-                <a:latin typeface="Consolas" panose="020B0609020204030204" pitchFamily="49" charset="0"/>
-              </a:rPr>
-              <a:t>" INSERT INTO customer (</a:t>
-            </a:r>
-            <a:r>
-              <a:rPr lang="en-US" sz="1200" dirty="0" err="1">
-                <a:solidFill>
-                  <a:srgbClr val="2A00FF"/>
-                </a:solidFill>
-                <a:latin typeface="Consolas" panose="020B0609020204030204" pitchFamily="49" charset="0"/>
-              </a:rPr>
-              <a:t>ctry_cd</a:t>
-            </a:r>
-            <a:r>
-              <a:rPr lang="en-US" sz="1200" dirty="0">
-                <a:solidFill>
-                  <a:srgbClr val="2A00FF"/>
-                </a:solidFill>
-                <a:latin typeface="Consolas" panose="020B0609020204030204" pitchFamily="49" charset="0"/>
-              </a:rPr>
-              <a:t>, </a:t>
-            </a:r>
-            <a:r>
-              <a:rPr lang="en-US" sz="1200" dirty="0" err="1">
-                <a:solidFill>
-                  <a:srgbClr val="2A00FF"/>
-                </a:solidFill>
-                <a:latin typeface="Consolas" panose="020B0609020204030204" pitchFamily="49" charset="0"/>
-              </a:rPr>
-              <a:t>phone_no</a:t>
-            </a:r>
-            <a:r>
-              <a:rPr lang="en-US" sz="1200" dirty="0">
-                <a:solidFill>
-                  <a:srgbClr val="2A00FF"/>
-                </a:solidFill>
-                <a:latin typeface="Consolas" panose="020B0609020204030204" pitchFamily="49" charset="0"/>
-              </a:rPr>
-              <a:t>, </a:t>
-            </a:r>
-            <a:r>
-              <a:rPr lang="en-US" sz="1200" dirty="0" err="1">
-                <a:solidFill>
-                  <a:srgbClr val="2A00FF"/>
-                </a:solidFill>
-                <a:latin typeface="Consolas" panose="020B0609020204030204" pitchFamily="49" charset="0"/>
-              </a:rPr>
-              <a:t>phone_type</a:t>
-            </a:r>
-            <a:r>
-              <a:rPr lang="en-US" sz="1200" dirty="0">
-                <a:solidFill>
-                  <a:srgbClr val="2A00FF"/>
-                </a:solidFill>
-                <a:latin typeface="Consolas" panose="020B0609020204030204" pitchFamily="49" charset="0"/>
-              </a:rPr>
-              <a:t>, </a:t>
-            </a:r>
-            <a:r>
-              <a:rPr lang="en-US" sz="1200" dirty="0" err="1">
-                <a:solidFill>
-                  <a:srgbClr val="2A00FF"/>
-                </a:solidFill>
-                <a:latin typeface="Consolas" panose="020B0609020204030204" pitchFamily="49" charset="0"/>
-              </a:rPr>
-              <a:t>email_ad</a:t>
-            </a:r>
-            <a:r>
-              <a:rPr lang="en-US" sz="1200" dirty="0">
-                <a:solidFill>
-                  <a:srgbClr val="2A00FF"/>
-                </a:solidFill>
-                <a:latin typeface="Consolas" panose="020B0609020204030204" pitchFamily="49" charset="0"/>
-              </a:rPr>
-              <a:t>, </a:t>
-            </a:r>
-            <a:r>
-              <a:rPr lang="en-US" sz="1200" dirty="0" err="1">
-                <a:solidFill>
-                  <a:srgbClr val="2A00FF"/>
-                </a:solidFill>
-                <a:latin typeface="Consolas" panose="020B0609020204030204" pitchFamily="49" charset="0"/>
-              </a:rPr>
-              <a:t>customer_guid</a:t>
-            </a:r>
-            <a:r>
-              <a:rPr lang="en-US" sz="1200" dirty="0">
-                <a:solidFill>
-                  <a:srgbClr val="2A00FF"/>
-                </a:solidFill>
-                <a:latin typeface="Consolas" panose="020B0609020204030204" pitchFamily="49" charset="0"/>
-              </a:rPr>
-              <a:t>, </a:t>
-            </a:r>
-            <a:r>
-              <a:rPr lang="en-US" sz="1200" dirty="0" err="1">
-                <a:solidFill>
-                  <a:srgbClr val="2A00FF"/>
-                </a:solidFill>
-                <a:latin typeface="Consolas" panose="020B0609020204030204" pitchFamily="49" charset="0"/>
-              </a:rPr>
-              <a:t>last_mdfy_user</a:t>
-            </a:r>
-            <a:r>
-              <a:rPr lang="en-US" sz="1200" dirty="0">
-                <a:solidFill>
-                  <a:srgbClr val="2A00FF"/>
-                </a:solidFill>
-                <a:latin typeface="Consolas" panose="020B0609020204030204" pitchFamily="49" charset="0"/>
-              </a:rPr>
-              <a:t>, "</a:t>
+              <a:t>());</a:t>
             </a:r>
           </a:p>
           <a:p>
             <a:pPr lvl="1"/>
             <a:r>
-              <a:rPr lang="en-US" sz="1200" dirty="0">
+              <a:rPr lang="en-US" sz="1400" dirty="0" err="1">
+                <a:solidFill>
+                  <a:srgbClr val="6A3E3E"/>
+                </a:solidFill>
+                <a:latin typeface="Consolas" panose="020B0609020204030204" pitchFamily="49" charset="0"/>
+              </a:rPr>
+              <a:t>pstmt</a:t>
+            </a:r>
+            <a:r>
+              <a:rPr lang="en-US" sz="1400" dirty="0" err="1">
                 <a:solidFill>
                   <a:srgbClr val="000000"/>
                 </a:solidFill>
                 <a:latin typeface="Consolas" panose="020B0609020204030204" pitchFamily="49" charset="0"/>
               </a:rPr>
-              <a:t>+ </a:t>
-            </a:r>
-            <a:r>
-              <a:rPr lang="en-US" sz="1200" dirty="0">
-                <a:solidFill>
-                  <a:srgbClr val="2A00FF"/>
-                </a:solidFill>
-                <a:latin typeface="Consolas" panose="020B0609020204030204" pitchFamily="49" charset="0"/>
-              </a:rPr>
-              <a:t>" </a:t>
-            </a:r>
-            <a:r>
-              <a:rPr lang="en-US" sz="1200" dirty="0" err="1">
-                <a:solidFill>
-                  <a:srgbClr val="2A00FF"/>
-                </a:solidFill>
-                <a:latin typeface="Consolas" panose="020B0609020204030204" pitchFamily="49" charset="0"/>
-              </a:rPr>
-              <a:t>last_mdfy_prog</a:t>
-            </a:r>
-            <a:r>
-              <a:rPr lang="en-US" sz="1200" dirty="0">
-                <a:solidFill>
-                  <a:srgbClr val="2A00FF"/>
-                </a:solidFill>
-                <a:latin typeface="Consolas" panose="020B0609020204030204" pitchFamily="49" charset="0"/>
-              </a:rPr>
-              <a:t>, </a:t>
-            </a:r>
-            <a:r>
-              <a:rPr lang="en-US" sz="1200" dirty="0" err="1">
-                <a:solidFill>
-                  <a:srgbClr val="2A00FF"/>
-                </a:solidFill>
-                <a:latin typeface="Consolas" panose="020B0609020204030204" pitchFamily="49" charset="0"/>
-              </a:rPr>
-              <a:t>update_token</a:t>
-            </a:r>
-            <a:r>
-              <a:rPr lang="en-US" sz="1200" dirty="0">
-                <a:solidFill>
-                  <a:srgbClr val="2A00FF"/>
-                </a:solidFill>
-                <a:latin typeface="Consolas" panose="020B0609020204030204" pitchFamily="49" charset="0"/>
-              </a:rPr>
-              <a:t>, </a:t>
-            </a:r>
-            <a:r>
-              <a:rPr lang="en-US" sz="1200" dirty="0" err="1">
-                <a:solidFill>
-                  <a:srgbClr val="2A00FF"/>
-                </a:solidFill>
-                <a:latin typeface="Consolas" panose="020B0609020204030204" pitchFamily="49" charset="0"/>
-              </a:rPr>
-              <a:t>update_token_expiry_ts</a:t>
-            </a:r>
-            <a:r>
-              <a:rPr lang="en-US" sz="1200" dirty="0">
-                <a:solidFill>
-                  <a:srgbClr val="2A00FF"/>
-                </a:solidFill>
-                <a:latin typeface="Consolas" panose="020B0609020204030204" pitchFamily="49" charset="0"/>
-              </a:rPr>
-              <a:t>, </a:t>
-            </a:r>
-            <a:r>
-              <a:rPr lang="en-US" sz="1200" dirty="0" err="1">
-                <a:solidFill>
-                  <a:srgbClr val="2A00FF"/>
-                </a:solidFill>
-                <a:latin typeface="Consolas" panose="020B0609020204030204" pitchFamily="49" charset="0"/>
-              </a:rPr>
-              <a:t>init_insert_ts</a:t>
-            </a:r>
-            <a:r>
-              <a:rPr lang="en-US" sz="1200" dirty="0">
-                <a:solidFill>
-                  <a:srgbClr val="2A00FF"/>
-                </a:solidFill>
-                <a:latin typeface="Consolas" panose="020B0609020204030204" pitchFamily="49" charset="0"/>
-              </a:rPr>
-              <a:t>, </a:t>
-            </a:r>
-            <a:r>
-              <a:rPr lang="en-US" sz="1200" dirty="0" err="1">
-                <a:solidFill>
-                  <a:srgbClr val="2A00FF"/>
-                </a:solidFill>
-                <a:latin typeface="Consolas" panose="020B0609020204030204" pitchFamily="49" charset="0"/>
-              </a:rPr>
-              <a:t>last_mdfy_ts</a:t>
-            </a:r>
-            <a:r>
-              <a:rPr lang="en-US" sz="1200" dirty="0">
-                <a:solidFill>
-                  <a:srgbClr val="2A00FF"/>
-                </a:solidFill>
-                <a:latin typeface="Consolas" panose="020B0609020204030204" pitchFamily="49" charset="0"/>
-              </a:rPr>
-              <a:t>) "</a:t>
+              <a:t>.setString</a:t>
+            </a:r>
+            <a:r>
+              <a:rPr lang="en-US" sz="1400" dirty="0">
+                <a:solidFill>
+                  <a:srgbClr val="000000"/>
+                </a:solidFill>
+                <a:latin typeface="Consolas" panose="020B0609020204030204" pitchFamily="49" charset="0"/>
+              </a:rPr>
+              <a:t>(2, </a:t>
+            </a:r>
+            <a:r>
+              <a:rPr lang="en-US" sz="1400" dirty="0" err="1">
+                <a:solidFill>
+                  <a:srgbClr val="6A3E3E"/>
+                </a:solidFill>
+                <a:latin typeface="Consolas" panose="020B0609020204030204" pitchFamily="49" charset="0"/>
+              </a:rPr>
+              <a:t>customer</a:t>
+            </a:r>
+            <a:r>
+              <a:rPr lang="en-US" sz="1400" dirty="0" err="1">
+                <a:solidFill>
+                  <a:srgbClr val="000000"/>
+                </a:solidFill>
+                <a:latin typeface="Consolas" panose="020B0609020204030204" pitchFamily="49" charset="0"/>
+              </a:rPr>
+              <a:t>.getCustomer_name</a:t>
+            </a:r>
+            <a:r>
+              <a:rPr lang="en-US" sz="1400" dirty="0">
+                <a:solidFill>
+                  <a:srgbClr val="000000"/>
+                </a:solidFill>
+                <a:latin typeface="Consolas" panose="020B0609020204030204" pitchFamily="49" charset="0"/>
+              </a:rPr>
+              <a:t>());</a:t>
             </a:r>
           </a:p>
           <a:p>
             <a:pPr lvl="1"/>
             <a:r>
-              <a:rPr lang="en-US" sz="1200" dirty="0">
+              <a:rPr lang="en-US" sz="1400" dirty="0" err="1">
+                <a:solidFill>
+                  <a:srgbClr val="6A3E3E"/>
+                </a:solidFill>
+                <a:latin typeface="Consolas" panose="020B0609020204030204" pitchFamily="49" charset="0"/>
+              </a:rPr>
+              <a:t>pstmt</a:t>
+            </a:r>
+            <a:r>
+              <a:rPr lang="en-US" sz="1400" dirty="0" err="1">
                 <a:solidFill>
                   <a:srgbClr val="000000"/>
                 </a:solidFill>
                 <a:latin typeface="Consolas" panose="020B0609020204030204" pitchFamily="49" charset="0"/>
               </a:rPr>
-              <a:t>+ </a:t>
-            </a:r>
-            <a:r>
-              <a:rPr lang="en-US" sz="1200" dirty="0">
-                <a:solidFill>
-                  <a:srgbClr val="2A00FF"/>
-                </a:solidFill>
-                <a:latin typeface="Consolas" panose="020B0609020204030204" pitchFamily="49" charset="0"/>
-              </a:rPr>
-              <a:t>" VALUES (?, ?, ?, ?, ?, ?, ?, ?, CURRENT_TIMESTAMP, CURRENT_TIMESTAMP, CURRENT_TIMESTAMP) "</a:t>
-            </a:r>
-            <a:r>
-              <a:rPr lang="en-US" sz="1200" dirty="0">
+              <a:t>.setString</a:t>
+            </a:r>
+            <a:r>
+              <a:rPr lang="en-US" sz="1400" dirty="0">
                 <a:solidFill>
                   <a:srgbClr val="000000"/>
                 </a:solidFill>
                 <a:latin typeface="Consolas" panose="020B0609020204030204" pitchFamily="49" charset="0"/>
               </a:rPr>
-              <a:t>;</a:t>
+              <a:t>(3, </a:t>
+            </a:r>
+            <a:r>
+              <a:rPr lang="en-US" sz="1400" dirty="0" err="1">
+                <a:solidFill>
+                  <a:srgbClr val="6A3E3E"/>
+                </a:solidFill>
+                <a:latin typeface="Consolas" panose="020B0609020204030204" pitchFamily="49" charset="0"/>
+              </a:rPr>
+              <a:t>customer</a:t>
+            </a:r>
+            <a:r>
+              <a:rPr lang="en-US" sz="1400" dirty="0" err="1">
+                <a:solidFill>
+                  <a:srgbClr val="000000"/>
+                </a:solidFill>
+                <a:latin typeface="Consolas" panose="020B0609020204030204" pitchFamily="49" charset="0"/>
+              </a:rPr>
+              <a:t>.getPhone_no</a:t>
+            </a:r>
+            <a:r>
+              <a:rPr lang="en-US" sz="1400" dirty="0">
+                <a:solidFill>
+                  <a:srgbClr val="000000"/>
+                </a:solidFill>
+                <a:latin typeface="Consolas" panose="020B0609020204030204" pitchFamily="49" charset="0"/>
+              </a:rPr>
+              <a:t>());</a:t>
             </a:r>
           </a:p>
           <a:p>
             <a:pPr lvl="1"/>
             <a:r>
+              <a:rPr lang="en-US" sz="1400" dirty="0" err="1">
+                <a:solidFill>
+                  <a:srgbClr val="6A3E3E"/>
+                </a:solidFill>
+                <a:latin typeface="Consolas" panose="020B0609020204030204" pitchFamily="49" charset="0"/>
+              </a:rPr>
+              <a:t>pstmt</a:t>
+            </a:r>
+            <a:r>
+              <a:rPr lang="en-US" sz="1400" dirty="0" err="1">
+                <a:solidFill>
+                  <a:srgbClr val="000000"/>
+                </a:solidFill>
+                <a:latin typeface="Consolas" panose="020B0609020204030204" pitchFamily="49" charset="0"/>
+              </a:rPr>
+              <a:t>.setString</a:t>
+            </a:r>
+            <a:r>
               <a:rPr lang="en-US" sz="1400" dirty="0">
                 <a:solidFill>
-                  <a:srgbClr val="3F5FBF"/>
-                </a:solidFill>
-                <a:latin typeface="Consolas" panose="020B0609020204030204" pitchFamily="49" charset="0"/>
-              </a:rPr>
-              <a:t>/**</a:t>
+                  <a:srgbClr val="000000"/>
+                </a:solidFill>
+                <a:latin typeface="Consolas" panose="020B0609020204030204" pitchFamily="49" charset="0"/>
+              </a:rPr>
+              <a:t>(4, </a:t>
+            </a:r>
+            <a:r>
+              <a:rPr lang="en-US" sz="1400" dirty="0" err="1">
+                <a:solidFill>
+                  <a:srgbClr val="6A3E3E"/>
+                </a:solidFill>
+                <a:latin typeface="Consolas" panose="020B0609020204030204" pitchFamily="49" charset="0"/>
+              </a:rPr>
+              <a:t>customer</a:t>
+            </a:r>
+            <a:r>
+              <a:rPr lang="en-US" sz="1400" dirty="0" err="1">
+                <a:solidFill>
+                  <a:srgbClr val="000000"/>
+                </a:solidFill>
+                <a:latin typeface="Consolas" panose="020B0609020204030204" pitchFamily="49" charset="0"/>
+              </a:rPr>
+              <a:t>.getPhone_type</a:t>
+            </a:r>
+            <a:r>
+              <a:rPr lang="en-US" sz="1400" dirty="0">
+                <a:solidFill>
+                  <a:srgbClr val="000000"/>
+                </a:solidFill>
+                <a:latin typeface="Consolas" panose="020B0609020204030204" pitchFamily="49" charset="0"/>
+              </a:rPr>
+              <a:t>());</a:t>
             </a:r>
           </a:p>
           <a:p>
             <a:pPr lvl="1"/>
             <a:r>
+              <a:rPr lang="en-US" sz="1400" dirty="0" err="1">
+                <a:solidFill>
+                  <a:srgbClr val="6A3E3E"/>
+                </a:solidFill>
+                <a:latin typeface="Consolas" panose="020B0609020204030204" pitchFamily="49" charset="0"/>
+              </a:rPr>
+              <a:t>pstmt</a:t>
+            </a:r>
+            <a:r>
+              <a:rPr lang="en-US" sz="1400" dirty="0" err="1">
+                <a:solidFill>
+                  <a:srgbClr val="000000"/>
+                </a:solidFill>
+                <a:latin typeface="Consolas" panose="020B0609020204030204" pitchFamily="49" charset="0"/>
+              </a:rPr>
+              <a:t>.setString</a:t>
+            </a:r>
+            <a:r>
               <a:rPr lang="en-US" sz="1400" dirty="0">
                 <a:solidFill>
-                  <a:srgbClr val="3F5FBF"/>
-                </a:solidFill>
-                <a:latin typeface="Consolas" panose="020B0609020204030204" pitchFamily="49" charset="0"/>
-              </a:rPr>
-              <a:t> * Prepare Statement</a:t>
+                  <a:srgbClr val="000000"/>
+                </a:solidFill>
+                <a:latin typeface="Consolas" panose="020B0609020204030204" pitchFamily="49" charset="0"/>
+              </a:rPr>
+              <a:t>(5, </a:t>
+            </a:r>
+            <a:r>
+              <a:rPr lang="en-US" sz="1400" dirty="0" err="1">
+                <a:solidFill>
+                  <a:srgbClr val="6A3E3E"/>
+                </a:solidFill>
+                <a:latin typeface="Consolas" panose="020B0609020204030204" pitchFamily="49" charset="0"/>
+              </a:rPr>
+              <a:t>customer</a:t>
+            </a:r>
+            <a:r>
+              <a:rPr lang="en-US" sz="1400" dirty="0" err="1">
+                <a:solidFill>
+                  <a:srgbClr val="000000"/>
+                </a:solidFill>
+                <a:latin typeface="Consolas" panose="020B0609020204030204" pitchFamily="49" charset="0"/>
+              </a:rPr>
+              <a:t>.getEmail_ad</a:t>
+            </a:r>
+            <a:r>
+              <a:rPr lang="en-US" sz="1400" dirty="0">
+                <a:solidFill>
+                  <a:srgbClr val="000000"/>
+                </a:solidFill>
+                <a:latin typeface="Consolas" panose="020B0609020204030204" pitchFamily="49" charset="0"/>
+              </a:rPr>
+              <a:t>());</a:t>
             </a:r>
           </a:p>
           <a:p>
             <a:pPr lvl="1"/>
             <a:r>
+              <a:rPr lang="en-US" sz="1400" dirty="0" err="1">
+                <a:solidFill>
+                  <a:srgbClr val="6A3E3E"/>
+                </a:solidFill>
+                <a:latin typeface="Consolas" panose="020B0609020204030204" pitchFamily="49" charset="0"/>
+              </a:rPr>
+              <a:t>pstmt</a:t>
+            </a:r>
+            <a:r>
+              <a:rPr lang="en-US" sz="1400" dirty="0" err="1">
+                <a:solidFill>
+                  <a:srgbClr val="000000"/>
+                </a:solidFill>
+                <a:latin typeface="Consolas" panose="020B0609020204030204" pitchFamily="49" charset="0"/>
+              </a:rPr>
+              <a:t>.setString</a:t>
+            </a:r>
+            <a:r>
               <a:rPr lang="en-US" sz="1400" dirty="0">
                 <a:solidFill>
-                  <a:srgbClr val="3F5FBF"/>
-                </a:solidFill>
-                <a:latin typeface="Consolas" panose="020B0609020204030204" pitchFamily="49" charset="0"/>
-              </a:rPr>
-              <a:t> */</a:t>
-            </a:r>
-          </a:p>
-          <a:p>
-            <a:pPr lvl="1"/>
-            <a:r>
-              <a:rPr lang="en-US" sz="1400" dirty="0" err="1">
-                <a:solidFill>
-                  <a:srgbClr val="6A3E3E"/>
-                </a:solidFill>
-                <a:latin typeface="Consolas" panose="020B0609020204030204" pitchFamily="49" charset="0"/>
-              </a:rPr>
-              <a:t>PreparedStatement</a:t>
-            </a:r>
-            <a:r>
-              <a:rPr lang="en-US" sz="1400" dirty="0">
-                <a:solidFill>
-                  <a:srgbClr val="6A3E3E"/>
-                </a:solidFill>
-                <a:latin typeface="Consolas" panose="020B0609020204030204" pitchFamily="49" charset="0"/>
-              </a:rPr>
-              <a:t> </a:t>
-            </a:r>
-            <a:r>
-              <a:rPr lang="en-US" sz="1400" dirty="0" err="1">
-                <a:solidFill>
-                  <a:srgbClr val="6A3E3E"/>
-                </a:solidFill>
-                <a:latin typeface="Consolas" panose="020B0609020204030204" pitchFamily="49" charset="0"/>
-              </a:rPr>
-              <a:t>pstmt</a:t>
-            </a:r>
-            <a:r>
-              <a:rPr lang="en-US" sz="1400" dirty="0">
-                <a:solidFill>
                   <a:srgbClr val="000000"/>
                 </a:solidFill>
                 <a:latin typeface="Consolas" panose="020B0609020204030204" pitchFamily="49" charset="0"/>
               </a:rPr>
-              <a:t> = </a:t>
-            </a:r>
-            <a:r>
-              <a:rPr lang="en-US" sz="1400" dirty="0" err="1">
-                <a:solidFill>
-                  <a:srgbClr val="6A3E3E"/>
-                </a:solidFill>
-                <a:latin typeface="Consolas" panose="020B0609020204030204" pitchFamily="49" charset="0"/>
-              </a:rPr>
-              <a:t>conn</a:t>
-            </a:r>
-            <a:r>
-              <a:rPr lang="en-US" sz="1400" dirty="0" err="1">
-                <a:solidFill>
-                  <a:srgbClr val="000000"/>
-                </a:solidFill>
-                <a:latin typeface="Consolas" panose="020B0609020204030204" pitchFamily="49" charset="0"/>
-              </a:rPr>
-              <a:t>.prepareStatement</a:t>
-            </a:r>
-            <a:r>
-              <a:rPr lang="en-US" sz="1400" dirty="0">
-                <a:solidFill>
-                  <a:srgbClr val="000000"/>
-                </a:solidFill>
-                <a:latin typeface="Consolas" panose="020B0609020204030204" pitchFamily="49" charset="0"/>
-              </a:rPr>
-              <a:t>(</a:t>
-            </a:r>
-            <a:r>
-              <a:rPr lang="en-US" sz="1400" dirty="0" err="1">
-                <a:solidFill>
-                  <a:srgbClr val="6A3E3E"/>
-                </a:solidFill>
-                <a:latin typeface="Consolas" panose="020B0609020204030204" pitchFamily="49" charset="0"/>
-              </a:rPr>
-              <a:t>sql</a:t>
-            </a:r>
-            <a:r>
-              <a:rPr lang="en-US" sz="1400" dirty="0">
-                <a:solidFill>
-                  <a:srgbClr val="000000"/>
-                </a:solidFill>
-                <a:latin typeface="Consolas" panose="020B0609020204030204" pitchFamily="49" charset="0"/>
-              </a:rPr>
-              <a:t>);</a:t>
-            </a:r>
-          </a:p>
-          <a:p>
-            <a:pPr lvl="1"/>
-            <a:r>
-              <a:rPr lang="en-US" sz="1400" dirty="0">
-                <a:solidFill>
-                  <a:srgbClr val="3F5FBF"/>
-                </a:solidFill>
-                <a:latin typeface="Consolas" panose="020B0609020204030204" pitchFamily="49" charset="0"/>
-              </a:rPr>
-              <a:t>/**</a:t>
-            </a:r>
-          </a:p>
-          <a:p>
-            <a:pPr lvl="1"/>
-            <a:r>
-              <a:rPr lang="en-US" sz="1400" dirty="0">
-                <a:solidFill>
-                  <a:srgbClr val="3F5FBF"/>
-                </a:solidFill>
-                <a:latin typeface="Consolas" panose="020B0609020204030204" pitchFamily="49" charset="0"/>
-              </a:rPr>
-              <a:t> * Set Values for INSERT</a:t>
-            </a:r>
-          </a:p>
-          <a:p>
-            <a:pPr lvl="1"/>
-            <a:r>
-              <a:rPr lang="en-US" sz="1400" dirty="0">
-                <a:solidFill>
-                  <a:srgbClr val="3F5FBF"/>
-                </a:solidFill>
-                <a:latin typeface="Consolas" panose="020B0609020204030204" pitchFamily="49" charset="0"/>
-              </a:rPr>
-              <a:t> */</a:t>
-            </a:r>
-          </a:p>
-          <a:p>
-            <a:pPr lvl="1"/>
-            <a:r>
-              <a:rPr lang="en-US" sz="1400" dirty="0" err="1">
-                <a:solidFill>
-                  <a:srgbClr val="6A3E3E"/>
-                </a:solidFill>
-                <a:latin typeface="Consolas" panose="020B0609020204030204" pitchFamily="49" charset="0"/>
-              </a:rPr>
-              <a:t>pstmt</a:t>
-            </a:r>
-            <a:r>
-              <a:rPr lang="en-US" sz="1400" dirty="0" err="1">
-                <a:solidFill>
-                  <a:srgbClr val="000000"/>
-                </a:solidFill>
-                <a:latin typeface="Consolas" panose="020B0609020204030204" pitchFamily="49" charset="0"/>
-              </a:rPr>
-              <a:t>.setString</a:t>
-            </a:r>
-            <a:r>
-              <a:rPr lang="en-US" sz="1400" dirty="0">
-                <a:solidFill>
-                  <a:srgbClr val="000000"/>
-                </a:solidFill>
-                <a:latin typeface="Consolas" panose="020B0609020204030204" pitchFamily="49" charset="0"/>
-              </a:rPr>
-              <a:t>(1, </a:t>
-            </a:r>
-            <a:r>
-              <a:rPr lang="en-US" sz="1400" dirty="0" err="1">
-                <a:solidFill>
-                  <a:srgbClr val="6A3E3E"/>
-                </a:solidFill>
-                <a:latin typeface="Consolas" panose="020B0609020204030204" pitchFamily="49" charset="0"/>
-              </a:rPr>
-              <a:t>customer</a:t>
-            </a:r>
-            <a:r>
-              <a:rPr lang="en-US" sz="1400" dirty="0" err="1">
-                <a:solidFill>
-                  <a:srgbClr val="000000"/>
-                </a:solidFill>
-                <a:latin typeface="Consolas" panose="020B0609020204030204" pitchFamily="49" charset="0"/>
-              </a:rPr>
-              <a:t>.getCtry_cd</a:t>
-            </a:r>
-            <a:r>
-              <a:rPr lang="en-US" sz="1400" dirty="0">
-                <a:solidFill>
-                  <a:srgbClr val="000000"/>
-                </a:solidFill>
-                <a:latin typeface="Consolas" panose="020B0609020204030204" pitchFamily="49" charset="0"/>
-              </a:rPr>
-              <a:t>());</a:t>
-            </a:r>
-          </a:p>
-          <a:p>
-            <a:pPr lvl="1"/>
-            <a:r>
-              <a:rPr lang="en-US" sz="1400" dirty="0" err="1">
-                <a:solidFill>
-                  <a:srgbClr val="6A3E3E"/>
-                </a:solidFill>
-                <a:latin typeface="Consolas" panose="020B0609020204030204" pitchFamily="49" charset="0"/>
-              </a:rPr>
-              <a:t>pstmt</a:t>
-            </a:r>
-            <a:r>
-              <a:rPr lang="en-US" sz="1400" dirty="0" err="1">
-                <a:solidFill>
-                  <a:srgbClr val="000000"/>
-                </a:solidFill>
-                <a:latin typeface="Consolas" panose="020B0609020204030204" pitchFamily="49" charset="0"/>
-              </a:rPr>
-              <a:t>.setString</a:t>
-            </a:r>
-            <a:r>
-              <a:rPr lang="en-US" sz="1400" dirty="0">
-                <a:solidFill>
-                  <a:srgbClr val="000000"/>
-                </a:solidFill>
-                <a:latin typeface="Consolas" panose="020B0609020204030204" pitchFamily="49" charset="0"/>
-              </a:rPr>
-              <a:t>(2, </a:t>
-            </a:r>
-            <a:r>
-              <a:rPr lang="en-US" sz="1400" dirty="0" err="1">
-                <a:solidFill>
-                  <a:srgbClr val="6A3E3E"/>
-                </a:solidFill>
-                <a:latin typeface="Consolas" panose="020B0609020204030204" pitchFamily="49" charset="0"/>
-              </a:rPr>
-              <a:t>customer</a:t>
-            </a:r>
-            <a:r>
-              <a:rPr lang="en-US" sz="1400" dirty="0" err="1">
-                <a:solidFill>
-                  <a:srgbClr val="000000"/>
-                </a:solidFill>
-                <a:latin typeface="Consolas" panose="020B0609020204030204" pitchFamily="49" charset="0"/>
-              </a:rPr>
-              <a:t>.getPhone_no</a:t>
-            </a:r>
-            <a:r>
-              <a:rPr lang="en-US" sz="1400" dirty="0">
-                <a:solidFill>
-                  <a:srgbClr val="000000"/>
-                </a:solidFill>
-                <a:latin typeface="Consolas" panose="020B0609020204030204" pitchFamily="49" charset="0"/>
-              </a:rPr>
-              <a:t>());</a:t>
-            </a:r>
-          </a:p>
-          <a:p>
-            <a:pPr lvl="1"/>
-            <a:r>
-              <a:rPr lang="en-US" sz="1400" dirty="0" err="1">
-                <a:solidFill>
-                  <a:srgbClr val="6A3E3E"/>
-                </a:solidFill>
-                <a:latin typeface="Consolas" panose="020B0609020204030204" pitchFamily="49" charset="0"/>
-              </a:rPr>
-              <a:t>pstmt</a:t>
-            </a:r>
-            <a:r>
-              <a:rPr lang="en-US" sz="1400" dirty="0" err="1">
-                <a:solidFill>
-                  <a:srgbClr val="000000"/>
-                </a:solidFill>
-                <a:latin typeface="Consolas" panose="020B0609020204030204" pitchFamily="49" charset="0"/>
-              </a:rPr>
-              <a:t>.setString</a:t>
-            </a:r>
-            <a:r>
-              <a:rPr lang="en-US" sz="1400" dirty="0">
-                <a:solidFill>
-                  <a:srgbClr val="000000"/>
-                </a:solidFill>
-                <a:latin typeface="Consolas" panose="020B0609020204030204" pitchFamily="49" charset="0"/>
-              </a:rPr>
-              <a:t>(3, </a:t>
-            </a:r>
-            <a:r>
-              <a:rPr lang="en-US" sz="1400" dirty="0" err="1">
-                <a:solidFill>
-                  <a:srgbClr val="6A3E3E"/>
-                </a:solidFill>
-                <a:latin typeface="Consolas" panose="020B0609020204030204" pitchFamily="49" charset="0"/>
-              </a:rPr>
-              <a:t>customer</a:t>
-            </a:r>
-            <a:r>
-              <a:rPr lang="en-US" sz="1400" dirty="0" err="1">
-                <a:solidFill>
-                  <a:srgbClr val="000000"/>
-                </a:solidFill>
-                <a:latin typeface="Consolas" panose="020B0609020204030204" pitchFamily="49" charset="0"/>
-              </a:rPr>
-              <a:t>.getPhone_type</a:t>
-            </a:r>
-            <a:r>
-              <a:rPr lang="en-US" sz="1400" dirty="0">
-                <a:solidFill>
-                  <a:srgbClr val="000000"/>
-                </a:solidFill>
-                <a:latin typeface="Consolas" panose="020B0609020204030204" pitchFamily="49" charset="0"/>
-              </a:rPr>
-              <a:t>());</a:t>
-            </a:r>
-          </a:p>
-          <a:p>
-            <a:pPr lvl="1"/>
-            <a:r>
-              <a:rPr lang="en-US" sz="1400" dirty="0" err="1">
-                <a:solidFill>
-                  <a:srgbClr val="6A3E3E"/>
-                </a:solidFill>
-                <a:latin typeface="Consolas" panose="020B0609020204030204" pitchFamily="49" charset="0"/>
-              </a:rPr>
-              <a:t>pstmt</a:t>
-            </a:r>
-            <a:r>
-              <a:rPr lang="en-US" sz="1400" dirty="0" err="1">
-                <a:solidFill>
-                  <a:srgbClr val="000000"/>
-                </a:solidFill>
-                <a:latin typeface="Consolas" panose="020B0609020204030204" pitchFamily="49" charset="0"/>
-              </a:rPr>
-              <a:t>.setString</a:t>
-            </a:r>
-            <a:r>
-              <a:rPr lang="en-US" sz="1400" dirty="0">
-                <a:solidFill>
-                  <a:srgbClr val="000000"/>
-                </a:solidFill>
-                <a:latin typeface="Consolas" panose="020B0609020204030204" pitchFamily="49" charset="0"/>
-              </a:rPr>
-              <a:t>(4, </a:t>
-            </a:r>
-            <a:r>
-              <a:rPr lang="en-US" sz="1400" dirty="0" err="1">
-                <a:solidFill>
-                  <a:srgbClr val="6A3E3E"/>
-                </a:solidFill>
-                <a:latin typeface="Consolas" panose="020B0609020204030204" pitchFamily="49" charset="0"/>
-              </a:rPr>
-              <a:t>customer</a:t>
-            </a:r>
-            <a:r>
-              <a:rPr lang="en-US" sz="1400" dirty="0" err="1">
-                <a:solidFill>
-                  <a:srgbClr val="000000"/>
-                </a:solidFill>
-                <a:latin typeface="Consolas" panose="020B0609020204030204" pitchFamily="49" charset="0"/>
-              </a:rPr>
-              <a:t>.getEmail_ad</a:t>
-            </a:r>
-            <a:r>
-              <a:rPr lang="en-US" sz="1400" dirty="0">
-                <a:solidFill>
-                  <a:srgbClr val="000000"/>
-                </a:solidFill>
-                <a:latin typeface="Consolas" panose="020B0609020204030204" pitchFamily="49" charset="0"/>
-              </a:rPr>
-              <a:t>());</a:t>
-            </a:r>
-          </a:p>
-          <a:p>
-            <a:pPr lvl="1"/>
-            <a:r>
-              <a:rPr lang="en-US" sz="1400" dirty="0" err="1">
-                <a:solidFill>
-                  <a:srgbClr val="6A3E3E"/>
-                </a:solidFill>
-                <a:latin typeface="Consolas" panose="020B0609020204030204" pitchFamily="49" charset="0"/>
-              </a:rPr>
-              <a:t>pstmt</a:t>
-            </a:r>
-            <a:r>
-              <a:rPr lang="en-US" sz="1400" dirty="0" err="1">
-                <a:solidFill>
-                  <a:srgbClr val="000000"/>
-                </a:solidFill>
-                <a:latin typeface="Consolas" panose="020B0609020204030204" pitchFamily="49" charset="0"/>
-              </a:rPr>
-              <a:t>.setString</a:t>
-            </a:r>
-            <a:r>
-              <a:rPr lang="en-US" sz="1400" dirty="0">
-                <a:solidFill>
-                  <a:srgbClr val="000000"/>
-                </a:solidFill>
-                <a:latin typeface="Consolas" panose="020B0609020204030204" pitchFamily="49" charset="0"/>
-              </a:rPr>
-              <a:t>(5, </a:t>
+              <a:t>(6, </a:t>
             </a:r>
             <a:r>
               <a:rPr lang="en-US" sz="1400" dirty="0" err="1">
@@ -28151,7 +28198,7 @@
                 </a:solidFill>
                 <a:latin typeface="Consolas" panose="020B0609020204030204" pitchFamily="49" charset="0"/>
               </a:rPr>
-              <a:t>(6, </a:t>
+              <a:t>(7, </a:t>
             </a:r>
             <a:r>
               <a:rPr lang="en-US" sz="1400" dirty="0" err="1">
@@ -28208,7 +28255,7 @@
                 </a:solidFill>
                 <a:latin typeface="Consolas" panose="020B0609020204030204" pitchFamily="49" charset="0"/>
               </a:rPr>
-              <a:t>(7, </a:t>
+              <a:t>(8, </a:t>
             </a:r>
             <a:r>
               <a:rPr lang="en-US" sz="1400" dirty="0" err="1">
@@ -28227,69 +28274,6 @@
                 <a:latin typeface="Consolas" panose="020B0609020204030204" pitchFamily="49" charset="0"/>
               </a:rPr>
               <a:t>.getLast_mdfy_prog</a:t>
-            </a:r>
-            <a:r>
-              <a:rPr lang="en-US" sz="1400" dirty="0">
-                <a:solidFill>
-                  <a:srgbClr val="000000"/>
-                </a:solidFill>
-                <a:latin typeface="Consolas" panose="020B0609020204030204" pitchFamily="49" charset="0"/>
-              </a:rPr>
-              <a:t>());</a:t>
-            </a:r>
-          </a:p>
-          <a:p>
-            <a:pPr lvl="1"/>
-            <a:endParaRPr lang="en-US" sz="1400" dirty="0">
-              <a:latin typeface="Consolas" panose="020B0609020204030204" pitchFamily="49" charset="0"/>
-            </a:endParaRPr>
-          </a:p>
-          <a:p>
-            <a:pPr lvl="1"/>
-            <a:r>
-              <a:rPr lang="en-US" sz="1400" dirty="0" err="1">
-                <a:solidFill>
-                  <a:srgbClr val="6A3E3E"/>
-                </a:solidFill>
-                <a:latin typeface="Consolas" panose="020B0609020204030204" pitchFamily="49" charset="0"/>
-              </a:rPr>
-              <a:t>pstmt</a:t>
-            </a:r>
-            <a:r>
-              <a:rPr lang="en-US" sz="1400" dirty="0" err="1">
-                <a:solidFill>
-                  <a:srgbClr val="000000"/>
-                </a:solidFill>
-                <a:latin typeface="Consolas" panose="020B0609020204030204" pitchFamily="49" charset="0"/>
-              </a:rPr>
-              <a:t>.setString</a:t>
-            </a:r>
-            <a:r>
-              <a:rPr lang="en-US" sz="1400" dirty="0">
-                <a:solidFill>
-                  <a:srgbClr val="000000"/>
-                </a:solidFill>
-                <a:latin typeface="Consolas" panose="020B0609020204030204" pitchFamily="49" charset="0"/>
-              </a:rPr>
-              <a:t>(8, </a:t>
-            </a:r>
-            <a:r>
-              <a:rPr lang="en-US" sz="1400" dirty="0" err="1">
-                <a:solidFill>
-                  <a:srgbClr val="6A3E3E"/>
-                </a:solidFill>
-                <a:latin typeface="Consolas" panose="020B0609020204030204" pitchFamily="49" charset="0"/>
-              </a:rPr>
-              <a:t>customer</a:t>
-            </a:r>
-            <a:r>
-              <a:rPr lang="en-US" sz="1400" dirty="0" err="1">
-                <a:solidFill>
-                  <a:srgbClr val="000000"/>
-                </a:solidFill>
-                <a:latin typeface="Consolas" panose="020B0609020204030204" pitchFamily="49" charset="0"/>
-              </a:rPr>
-              <a:t>.getUpdate_token</a:t>
             </a:r>
             <a:r>
               <a:rPr lang="en-US" sz="1400" dirty="0">
@@ -28811,8 +28795,8 @@
         </p:nvSpPr>
         <p:spPr>
           <a:xfrm>
-            <a:off x="4131296" y="1109043"/>
-            <a:ext cx="7953867" cy="5262979"/>
+            <a:off x="4063899" y="516835"/>
+            <a:ext cx="7953867" cy="6186309"/>
           </a:xfrm>
           <a:prstGeom prst="rect">
             <a:avLst/>
@@ -28869,7 +28853,7 @@
                 </a:solidFill>
                 <a:latin typeface="Consolas" panose="020B0609020204030204" pitchFamily="49" charset="0"/>
               </a:rPr>
-              <a:t>Connection conn</a:t>
+              <a:t>conn</a:t>
             </a:r>
             <a:r>
               <a:rPr lang="en-US" sz="1200" dirty="0">
@@ -28883,33 +28867,495 @@
             <a:r>
               <a:rPr lang="en-US" sz="1200" b="1" dirty="0" err="1">
                 <a:solidFill>
+                  <a:srgbClr val="000000"/>
+                </a:solidFill>
+                <a:latin typeface="Consolas" panose="020B0609020204030204" pitchFamily="49" charset="0"/>
+              </a:rPr>
+              <a:t>SimpleDbManager</a:t>
+            </a:r>
+            <a:r>
+              <a:rPr lang="en-US" sz="1200" dirty="0" err="1">
+                <a:solidFill>
+                  <a:srgbClr val="000000"/>
+                </a:solidFill>
+                <a:latin typeface="Consolas" panose="020B0609020204030204" pitchFamily="49" charset="0"/>
+              </a:rPr>
+              <a:t>.</a:t>
+            </a:r>
+            <a:r>
+              <a:rPr lang="en-US" sz="1200" i="1" dirty="0" err="1">
+                <a:solidFill>
+                  <a:srgbClr val="000000"/>
+                </a:solidFill>
+                <a:latin typeface="Consolas" panose="020B0609020204030204" pitchFamily="49" charset="0"/>
+              </a:rPr>
+              <a:t>getConnection</a:t>
+            </a:r>
+            <a:r>
+              <a:rPr lang="en-US" sz="1200" i="1" dirty="0">
+                <a:solidFill>
+                  <a:srgbClr val="000000"/>
+                </a:solidFill>
+                <a:latin typeface="Consolas" panose="020B0609020204030204" pitchFamily="49" charset="0"/>
+              </a:rPr>
+              <a:t>(</a:t>
+            </a:r>
+            <a:r>
+              <a:rPr lang="en-US" sz="1200" i="1" dirty="0" err="1">
+                <a:solidFill>
                   <a:srgbClr val="6A3E3E"/>
                 </a:solidFill>
                 <a:latin typeface="Consolas" panose="020B0609020204030204" pitchFamily="49" charset="0"/>
               </a:rPr>
-              <a:t>SimpleDbManager</a:t>
+              <a:t>autoCommit</a:t>
+            </a:r>
+            <a:r>
+              <a:rPr lang="en-US" sz="1200" i="1" dirty="0">
+                <a:solidFill>
+                  <a:srgbClr val="000000"/>
+                </a:solidFill>
+                <a:latin typeface="Consolas" panose="020B0609020204030204" pitchFamily="49" charset="0"/>
+              </a:rPr>
+              <a:t>);</a:t>
+            </a:r>
+          </a:p>
+          <a:p>
+            <a:pPr lvl="1"/>
+            <a:r>
+              <a:rPr lang="en-US" sz="1200" dirty="0">
+                <a:solidFill>
+                  <a:srgbClr val="000000"/>
+                </a:solidFill>
+                <a:latin typeface="Consolas" panose="020B0609020204030204" pitchFamily="49" charset="0"/>
+              </a:rPr>
+              <a:t>String </a:t>
             </a:r>
             <a:r>
               <a:rPr lang="en-US" sz="1200" dirty="0" err="1">
                 <a:solidFill>
+                  <a:srgbClr val="6A3E3E"/>
+                </a:solidFill>
+                <a:latin typeface="Consolas" panose="020B0609020204030204" pitchFamily="49" charset="0"/>
+              </a:rPr>
+              <a:t>sql</a:t>
+            </a:r>
+            <a:r>
+              <a:rPr lang="en-US" sz="1200" dirty="0">
+                <a:solidFill>
                   <a:srgbClr val="000000"/>
                 </a:solidFill>
                 <a:latin typeface="Consolas" panose="020B0609020204030204" pitchFamily="49" charset="0"/>
               </a:rPr>
-              <a:t>.getConnection</a:t>
+              <a:t> = </a:t>
             </a:r>
             <a:r>
               <a:rPr lang="en-US" sz="1200" dirty="0">
                 <a:solidFill>
+                  <a:srgbClr val="2A00FF"/>
+                </a:solidFill>
+                <a:latin typeface="Consolas" panose="020B0609020204030204" pitchFamily="49" charset="0"/>
+              </a:rPr>
+              <a:t>" SELECT </a:t>
+            </a:r>
+            <a:r>
+              <a:rPr lang="en-US" sz="1200" dirty="0" err="1">
+                <a:solidFill>
+                  <a:srgbClr val="2A00FF"/>
+                </a:solidFill>
+                <a:latin typeface="Consolas" panose="020B0609020204030204" pitchFamily="49" charset="0"/>
+              </a:rPr>
+              <a:t>customer_id</a:t>
+            </a:r>
+            <a:r>
+              <a:rPr lang="en-US" sz="1200" dirty="0">
+                <a:solidFill>
+                  <a:srgbClr val="2A00FF"/>
+                </a:solidFill>
+                <a:latin typeface="Consolas" panose="020B0609020204030204" pitchFamily="49" charset="0"/>
+              </a:rPr>
+              <a:t>, </a:t>
+            </a:r>
+            <a:r>
+              <a:rPr lang="en-US" sz="1200" dirty="0" err="1">
+                <a:solidFill>
+                  <a:srgbClr val="2A00FF"/>
+                </a:solidFill>
+                <a:latin typeface="Consolas" panose="020B0609020204030204" pitchFamily="49" charset="0"/>
+              </a:rPr>
+              <a:t>ctry_cd</a:t>
+            </a:r>
+            <a:r>
+              <a:rPr lang="en-US" sz="1200" dirty="0">
+                <a:solidFill>
+                  <a:srgbClr val="2A00FF"/>
+                </a:solidFill>
+                <a:latin typeface="Consolas" panose="020B0609020204030204" pitchFamily="49" charset="0"/>
+              </a:rPr>
+              <a:t>, </a:t>
+            </a:r>
+            <a:r>
+              <a:rPr lang="en-US" sz="1200" dirty="0" err="1">
+                <a:solidFill>
+                  <a:srgbClr val="2A00FF"/>
+                </a:solidFill>
+                <a:latin typeface="Consolas" panose="020B0609020204030204" pitchFamily="49" charset="0"/>
+              </a:rPr>
+              <a:t>customer_name</a:t>
+            </a:r>
+            <a:r>
+              <a:rPr lang="en-US" sz="1200" dirty="0">
+                <a:solidFill>
+                  <a:srgbClr val="2A00FF"/>
+                </a:solidFill>
+                <a:latin typeface="Consolas" panose="020B0609020204030204" pitchFamily="49" charset="0"/>
+              </a:rPr>
+              <a:t>, </a:t>
+            </a:r>
+            <a:r>
+              <a:rPr lang="en-US" sz="1200" dirty="0" err="1">
+                <a:solidFill>
+                  <a:srgbClr val="2A00FF"/>
+                </a:solidFill>
+                <a:latin typeface="Consolas" panose="020B0609020204030204" pitchFamily="49" charset="0"/>
+              </a:rPr>
+              <a:t>email_ad</a:t>
+            </a:r>
+            <a:r>
+              <a:rPr lang="en-US" sz="1200" dirty="0">
+                <a:solidFill>
+                  <a:srgbClr val="2A00FF"/>
+                </a:solidFill>
+                <a:latin typeface="Consolas" panose="020B0609020204030204" pitchFamily="49" charset="0"/>
+              </a:rPr>
+              <a:t>, </a:t>
+            </a:r>
+            <a:r>
+              <a:rPr lang="en-US" sz="1200" dirty="0" err="1">
+                <a:solidFill>
+                  <a:srgbClr val="2A00FF"/>
+                </a:solidFill>
+                <a:latin typeface="Consolas" panose="020B0609020204030204" pitchFamily="49" charset="0"/>
+              </a:rPr>
+              <a:t>phone_no</a:t>
+            </a:r>
+            <a:r>
+              <a:rPr lang="en-US" sz="1200" dirty="0">
+                <a:solidFill>
+                  <a:srgbClr val="2A00FF"/>
+                </a:solidFill>
+                <a:latin typeface="Consolas" panose="020B0609020204030204" pitchFamily="49" charset="0"/>
+              </a:rPr>
+              <a:t>, </a:t>
+            </a:r>
+            <a:r>
+              <a:rPr lang="en-US" sz="1200" dirty="0" err="1">
+                <a:solidFill>
+                  <a:srgbClr val="2A00FF"/>
+                </a:solidFill>
+                <a:latin typeface="Consolas" panose="020B0609020204030204" pitchFamily="49" charset="0"/>
+              </a:rPr>
+              <a:t>customer_guid</a:t>
+            </a:r>
+            <a:r>
+              <a:rPr lang="en-US" sz="1200" dirty="0">
+                <a:solidFill>
+                  <a:srgbClr val="2A00FF"/>
+                </a:solidFill>
+                <a:latin typeface="Consolas" panose="020B0609020204030204" pitchFamily="49" charset="0"/>
+              </a:rPr>
+              <a:t> "</a:t>
+            </a:r>
+          </a:p>
+          <a:p>
+            <a:pPr lvl="1"/>
+            <a:r>
+              <a:rPr lang="en-US" sz="1200" dirty="0">
+                <a:solidFill>
                   <a:srgbClr val="000000"/>
                 </a:solidFill>
                 <a:latin typeface="Consolas" panose="020B0609020204030204" pitchFamily="49" charset="0"/>
               </a:rPr>
+              <a:t>+ </a:t>
+            </a:r>
+            <a:r>
+              <a:rPr lang="en-US" sz="1200" dirty="0">
+                <a:solidFill>
+                  <a:srgbClr val="2A00FF"/>
+                </a:solidFill>
+                <a:latin typeface="Consolas" panose="020B0609020204030204" pitchFamily="49" charset="0"/>
+              </a:rPr>
+              <a:t>" FROM customer WHERE </a:t>
+            </a:r>
+            <a:r>
+              <a:rPr lang="en-US" sz="1200" dirty="0" err="1">
+                <a:solidFill>
+                  <a:srgbClr val="2A00FF"/>
+                </a:solidFill>
+                <a:latin typeface="Consolas" panose="020B0609020204030204" pitchFamily="49" charset="0"/>
+              </a:rPr>
+              <a:t>email_ad</a:t>
+            </a:r>
+            <a:r>
+              <a:rPr lang="en-US" sz="1200" dirty="0">
+                <a:solidFill>
+                  <a:srgbClr val="2A00FF"/>
+                </a:solidFill>
+                <a:latin typeface="Consolas" panose="020B0609020204030204" pitchFamily="49" charset="0"/>
+              </a:rPr>
+              <a:t> = ? "</a:t>
+            </a:r>
+            <a:r>
+              <a:rPr lang="en-US" sz="1200" dirty="0">
+                <a:solidFill>
+                  <a:srgbClr val="000000"/>
+                </a:solidFill>
+                <a:latin typeface="Consolas" panose="020B0609020204030204" pitchFamily="49" charset="0"/>
+              </a:rPr>
+              <a:t>;</a:t>
+            </a:r>
+          </a:p>
+          <a:p>
+            <a:pPr lvl="1"/>
+            <a:r>
+              <a:rPr lang="en-US" sz="1200" dirty="0">
+                <a:solidFill>
+                  <a:srgbClr val="3F5FBF"/>
+                </a:solidFill>
+                <a:latin typeface="Consolas" panose="020B0609020204030204" pitchFamily="49" charset="0"/>
+              </a:rPr>
+              <a:t>/**</a:t>
+            </a:r>
+          </a:p>
+          <a:p>
+            <a:pPr lvl="1"/>
+            <a:r>
+              <a:rPr lang="en-US" sz="1200" dirty="0">
+                <a:solidFill>
+                  <a:srgbClr val="3F5FBF"/>
+                </a:solidFill>
+                <a:latin typeface="Consolas" panose="020B0609020204030204" pitchFamily="49" charset="0"/>
+              </a:rPr>
+              <a:t> * Prepare Statement</a:t>
+            </a:r>
+          </a:p>
+          <a:p>
+            <a:pPr lvl="1"/>
+            <a:r>
+              <a:rPr lang="en-US" sz="1200" dirty="0">
+                <a:solidFill>
+                  <a:srgbClr val="3F5FBF"/>
+                </a:solidFill>
+                <a:latin typeface="Consolas" panose="020B0609020204030204" pitchFamily="49" charset="0"/>
+              </a:rPr>
+              <a:t> */</a:t>
+            </a:r>
+          </a:p>
+          <a:p>
+            <a:pPr lvl="1"/>
+            <a:r>
+              <a:rPr lang="en-US" sz="1200" dirty="0" err="1">
+                <a:solidFill>
+                  <a:srgbClr val="6A3E3E"/>
+                </a:solidFill>
+                <a:latin typeface="Consolas" panose="020B0609020204030204" pitchFamily="49" charset="0"/>
+              </a:rPr>
+              <a:t>pstmt</a:t>
+            </a:r>
+            <a:r>
+              <a:rPr lang="en-US" sz="1200" dirty="0">
+                <a:solidFill>
+                  <a:srgbClr val="000000"/>
+                </a:solidFill>
+                <a:latin typeface="Consolas" panose="020B0609020204030204" pitchFamily="49" charset="0"/>
+              </a:rPr>
+              <a:t> = </a:t>
+            </a:r>
+            <a:r>
+              <a:rPr lang="en-US" sz="1200" dirty="0" err="1">
+                <a:solidFill>
+                  <a:srgbClr val="6A3E3E"/>
+                </a:solidFill>
+                <a:latin typeface="Consolas" panose="020B0609020204030204" pitchFamily="49" charset="0"/>
+              </a:rPr>
+              <a:t>conn</a:t>
+            </a:r>
+            <a:r>
+              <a:rPr lang="en-US" sz="1200" dirty="0" err="1">
+                <a:solidFill>
+                  <a:srgbClr val="000000"/>
+                </a:solidFill>
+                <a:latin typeface="Consolas" panose="020B0609020204030204" pitchFamily="49" charset="0"/>
+              </a:rPr>
+              <a:t>.prepareStatement</a:t>
+            </a:r>
+            <a:r>
+              <a:rPr lang="en-US" sz="1200" dirty="0">
+                <a:solidFill>
+                  <a:srgbClr val="000000"/>
+                </a:solidFill>
+                <a:latin typeface="Consolas" panose="020B0609020204030204" pitchFamily="49" charset="0"/>
+              </a:rPr>
+              <a:t>(</a:t>
+            </a:r>
+            <a:r>
+              <a:rPr lang="en-US" sz="1200" dirty="0" err="1">
+                <a:solidFill>
+                  <a:srgbClr val="6A3E3E"/>
+                </a:solidFill>
+                <a:latin typeface="Consolas" panose="020B0609020204030204" pitchFamily="49" charset="0"/>
+              </a:rPr>
+              <a:t>sql</a:t>
+            </a:r>
+            <a:r>
+              <a:rPr lang="en-US" sz="1200" dirty="0">
+                <a:solidFill>
+                  <a:srgbClr val="000000"/>
+                </a:solidFill>
+                <a:latin typeface="Consolas" panose="020B0609020204030204" pitchFamily="49" charset="0"/>
+              </a:rPr>
+              <a:t>);</a:t>
+            </a:r>
+          </a:p>
+          <a:p>
+            <a:pPr lvl="1"/>
+            <a:r>
+              <a:rPr lang="en-US" sz="1200" dirty="0" err="1">
+                <a:solidFill>
+                  <a:srgbClr val="6A3E3E"/>
+                </a:solidFill>
+                <a:latin typeface="Consolas" panose="020B0609020204030204" pitchFamily="49" charset="0"/>
+              </a:rPr>
+              <a:t>pstmt</a:t>
+            </a:r>
+            <a:r>
+              <a:rPr lang="en-US" sz="1200" dirty="0" err="1">
+                <a:solidFill>
+                  <a:srgbClr val="000000"/>
+                </a:solidFill>
+                <a:latin typeface="Consolas" panose="020B0609020204030204" pitchFamily="49" charset="0"/>
+              </a:rPr>
+              <a:t>.setString</a:t>
+            </a:r>
+            <a:r>
+              <a:rPr lang="en-US" sz="1200" dirty="0">
+                <a:solidFill>
+                  <a:srgbClr val="000000"/>
+                </a:solidFill>
+                <a:latin typeface="Consolas" panose="020B0609020204030204" pitchFamily="49" charset="0"/>
+              </a:rPr>
+              <a:t>(1, </a:t>
+            </a:r>
+            <a:r>
+              <a:rPr lang="en-US" sz="1200" dirty="0" err="1">
+                <a:solidFill>
+                  <a:srgbClr val="6A3E3E"/>
+                </a:solidFill>
+                <a:latin typeface="Consolas" panose="020B0609020204030204" pitchFamily="49" charset="0"/>
+              </a:rPr>
+              <a:t>emailAd</a:t>
+            </a:r>
+            <a:r>
+              <a:rPr lang="en-US" sz="1200" dirty="0">
+                <a:solidFill>
+                  <a:srgbClr val="000000"/>
+                </a:solidFill>
+                <a:latin typeface="Consolas" panose="020B0609020204030204" pitchFamily="49" charset="0"/>
+              </a:rPr>
+              <a:t>);</a:t>
+            </a:r>
+          </a:p>
+          <a:p>
+            <a:pPr lvl="1"/>
+            <a:r>
+              <a:rPr lang="en-US" sz="1200" dirty="0">
+                <a:solidFill>
+                  <a:srgbClr val="3F5FBF"/>
+                </a:solidFill>
+                <a:latin typeface="Consolas" panose="020B0609020204030204" pitchFamily="49" charset="0"/>
+              </a:rPr>
+              <a:t>/**</a:t>
+            </a:r>
+          </a:p>
+          <a:p>
+            <a:pPr lvl="1"/>
+            <a:r>
+              <a:rPr lang="en-US" sz="1200" dirty="0">
+                <a:solidFill>
+                  <a:srgbClr val="3F5FBF"/>
+                </a:solidFill>
+                <a:latin typeface="Consolas" panose="020B0609020204030204" pitchFamily="49" charset="0"/>
+              </a:rPr>
+              <a:t> * Get Result Set</a:t>
+            </a:r>
+          </a:p>
+          <a:p>
+            <a:pPr lvl="1"/>
+            <a:r>
+              <a:rPr lang="en-US" sz="1200" dirty="0">
+                <a:solidFill>
+                  <a:srgbClr val="3F5FBF"/>
+                </a:solidFill>
+                <a:latin typeface="Consolas" panose="020B0609020204030204" pitchFamily="49" charset="0"/>
+              </a:rPr>
+              <a:t> */</a:t>
+            </a:r>
+          </a:p>
+          <a:p>
+            <a:pPr lvl="1"/>
+            <a:r>
+              <a:rPr lang="en-US" sz="1200" dirty="0" err="1">
+                <a:solidFill>
+                  <a:srgbClr val="6A3E3E"/>
+                </a:solidFill>
+                <a:latin typeface="Consolas" panose="020B0609020204030204" pitchFamily="49" charset="0"/>
+              </a:rPr>
+              <a:t>rs</a:t>
+            </a:r>
+            <a:r>
+              <a:rPr lang="en-US" sz="1200" dirty="0">
+                <a:solidFill>
+                  <a:srgbClr val="000000"/>
+                </a:solidFill>
+                <a:latin typeface="Consolas" panose="020B0609020204030204" pitchFamily="49" charset="0"/>
+              </a:rPr>
+              <a:t> = </a:t>
+            </a:r>
+            <a:r>
+              <a:rPr lang="en-US" sz="1200" dirty="0" err="1">
+                <a:solidFill>
+                  <a:srgbClr val="6A3E3E"/>
+                </a:solidFill>
+                <a:latin typeface="Consolas" panose="020B0609020204030204" pitchFamily="49" charset="0"/>
+              </a:rPr>
+              <a:t>pstmt</a:t>
+            </a:r>
+            <a:r>
+              <a:rPr lang="en-US" sz="1200" dirty="0" err="1">
+                <a:solidFill>
+                  <a:srgbClr val="000000"/>
+                </a:solidFill>
+                <a:latin typeface="Consolas" panose="020B0609020204030204" pitchFamily="49" charset="0"/>
+              </a:rPr>
+              <a:t>.executeQuery</a:t>
+            </a:r>
+            <a:r>
+              <a:rPr lang="en-US" sz="1200" dirty="0">
+                <a:solidFill>
+                  <a:srgbClr val="000000"/>
+                </a:solidFill>
+                <a:latin typeface="Consolas" panose="020B0609020204030204" pitchFamily="49" charset="0"/>
+              </a:rPr>
               <a:t>();</a:t>
             </a:r>
           </a:p>
           <a:p>
             <a:pPr lvl="1"/>
+            <a:endParaRPr lang="en-US" sz="1200" dirty="0">
+              <a:latin typeface="Consolas" panose="020B0609020204030204" pitchFamily="49" charset="0"/>
+            </a:endParaRPr>
+          </a:p>
+          <a:p>
+            <a:pPr lvl="1"/>
             <a:r>
               <a:rPr lang="en-US" sz="1200" dirty="0">
                 <a:solidFill>
@@ -28917,7 +29363,7 @@
                 </a:solidFill>
                 <a:latin typeface="Consolas" panose="020B0609020204030204" pitchFamily="49" charset="0"/>
               </a:rPr>
-              <a:t>String </a:t>
+              <a:t>Customer </a:t>
             </a:r>
             <a:r>
               <a:rPr lang="en-US" sz="1200" dirty="0" err="1">
@@ -28926,7 +29372,7 @@
                 </a:solidFill>
                 <a:latin typeface="Consolas" panose="020B0609020204030204" pitchFamily="49" charset="0"/>
               </a:rPr>
-              <a:t>sql</a:t>
+              <a:t>customer</a:t>
             </a:r>
             <a:r>
               <a:rPr lang="en-US" sz="1200" dirty="0">
@@ -28938,469 +29384,148 @@
               <a:t> = </a:t>
             </a:r>
             <a:r>
+              <a:rPr lang="en-US" sz="1200" b="1" dirty="0">
+                <a:solidFill>
+                  <a:srgbClr val="7F0055"/>
+                </a:solidFill>
+                <a:latin typeface="Consolas" panose="020B0609020204030204" pitchFamily="49" charset="0"/>
+              </a:rPr>
+              <a:t>null</a:t>
+            </a:r>
+            <a:r>
+              <a:rPr lang="en-US" sz="1200" b="1" dirty="0">
+                <a:solidFill>
+                  <a:srgbClr val="000000"/>
+                </a:solidFill>
+                <a:latin typeface="Consolas" panose="020B0609020204030204" pitchFamily="49" charset="0"/>
+              </a:rPr>
+              <a:t>;</a:t>
+            </a:r>
+          </a:p>
+          <a:p>
+            <a:pPr lvl="1"/>
+            <a:r>
+              <a:rPr lang="en-US" sz="1200" b="1" dirty="0">
+                <a:solidFill>
+                  <a:srgbClr val="7F0055"/>
+                </a:solidFill>
+                <a:latin typeface="Consolas" panose="020B0609020204030204" pitchFamily="49" charset="0"/>
+              </a:rPr>
+              <a:t>while</a:t>
+            </a:r>
+            <a:r>
+              <a:rPr lang="en-US" sz="1200" b="1" dirty="0">
+                <a:solidFill>
+                  <a:srgbClr val="000000"/>
+                </a:solidFill>
+                <a:latin typeface="Consolas" panose="020B0609020204030204" pitchFamily="49" charset="0"/>
+              </a:rPr>
+              <a:t> (</a:t>
+            </a:r>
+            <a:r>
+              <a:rPr lang="en-US" sz="1200" b="1" dirty="0" err="1">
+                <a:solidFill>
+                  <a:srgbClr val="6A3E3E"/>
+                </a:solidFill>
+                <a:latin typeface="Consolas" panose="020B0609020204030204" pitchFamily="49" charset="0"/>
+              </a:rPr>
+              <a:t>rs</a:t>
+            </a:r>
+            <a:r>
+              <a:rPr lang="en-US" sz="1200" b="1" dirty="0" err="1">
+                <a:solidFill>
+                  <a:srgbClr val="000000"/>
+                </a:solidFill>
+                <a:latin typeface="Consolas" panose="020B0609020204030204" pitchFamily="49" charset="0"/>
+              </a:rPr>
+              <a:t>.next</a:t>
+            </a:r>
+            <a:r>
+              <a:rPr lang="en-US" sz="1200" b="1" dirty="0">
+                <a:solidFill>
+                  <a:srgbClr val="000000"/>
+                </a:solidFill>
+                <a:latin typeface="Consolas" panose="020B0609020204030204" pitchFamily="49" charset="0"/>
+              </a:rPr>
+              <a:t>()) {</a:t>
+            </a:r>
+          </a:p>
+          <a:p>
+            <a:pPr lvl="2"/>
+            <a:r>
               <a:rPr lang="en-US" sz="1200" dirty="0">
                 <a:solidFill>
-                  <a:srgbClr val="2A00FF"/>
-                </a:solidFill>
-                <a:latin typeface="Consolas" panose="020B0609020204030204" pitchFamily="49" charset="0"/>
-              </a:rPr>
-              <a:t>" SELECT </a:t>
-            </a:r>
-            <a:r>
-              <a:rPr lang="en-US" sz="1200" dirty="0" err="1">
-                <a:solidFill>
-                  <a:srgbClr val="2A00FF"/>
-                </a:solidFill>
-                <a:latin typeface="Consolas" panose="020B0609020204030204" pitchFamily="49" charset="0"/>
-              </a:rPr>
-              <a:t>customer_id</a:t>
+                  <a:srgbClr val="6A3E3E"/>
+                </a:solidFill>
+                <a:latin typeface="Consolas" panose="020B0609020204030204" pitchFamily="49" charset="0"/>
+              </a:rPr>
+              <a:t>customer</a:t>
             </a:r>
             <a:r>
               <a:rPr lang="en-US" sz="1200" dirty="0">
                 <a:solidFill>
-                  <a:srgbClr val="2A00FF"/>
-                </a:solidFill>
-                <a:latin typeface="Consolas" panose="020B0609020204030204" pitchFamily="49" charset="0"/>
-              </a:rPr>
-              <a:t>, </a:t>
-            </a:r>
-            <a:r>
-              <a:rPr lang="en-US" sz="1200" dirty="0" err="1">
-                <a:solidFill>
-                  <a:srgbClr val="2A00FF"/>
-                </a:solidFill>
-                <a:latin typeface="Consolas" panose="020B0609020204030204" pitchFamily="49" charset="0"/>
-              </a:rPr>
-              <a:t>ctry_cd</a:t>
-            </a:r>
+                  <a:srgbClr val="000000"/>
+                </a:solidFill>
+                <a:latin typeface="Consolas" panose="020B0609020204030204" pitchFamily="49" charset="0"/>
+              </a:rPr>
+              <a:t> = </a:t>
+            </a:r>
+            <a:r>
+              <a:rPr lang="en-US" sz="1200" b="1" dirty="0">
+                <a:solidFill>
+                  <a:srgbClr val="7F0055"/>
+                </a:solidFill>
+                <a:latin typeface="Consolas" panose="020B0609020204030204" pitchFamily="49" charset="0"/>
+              </a:rPr>
+              <a:t>new</a:t>
+            </a:r>
+            <a:r>
+              <a:rPr lang="en-US" sz="1200" b="1" dirty="0">
+                <a:solidFill>
+                  <a:srgbClr val="000000"/>
+                </a:solidFill>
+                <a:latin typeface="Consolas" panose="020B0609020204030204" pitchFamily="49" charset="0"/>
+              </a:rPr>
+              <a:t> Customer();</a:t>
+            </a:r>
+          </a:p>
+          <a:p>
+            <a:pPr lvl="2"/>
             <a:r>
               <a:rPr lang="en-US" sz="1200" dirty="0">
                 <a:solidFill>
-                  <a:srgbClr val="2A00FF"/>
-                </a:solidFill>
-                <a:latin typeface="Consolas" panose="020B0609020204030204" pitchFamily="49" charset="0"/>
-              </a:rPr>
-              <a:t>, </a:t>
-            </a:r>
-            <a:r>
-              <a:rPr lang="en-US" sz="1200" dirty="0" err="1">
-                <a:solidFill>
-                  <a:srgbClr val="2A00FF"/>
-                </a:solidFill>
-                <a:latin typeface="Consolas" panose="020B0609020204030204" pitchFamily="49" charset="0"/>
-              </a:rPr>
-              <a:t>email_ad</a:t>
+                  <a:srgbClr val="6A3E3E"/>
+                </a:solidFill>
+                <a:latin typeface="Consolas" panose="020B0609020204030204" pitchFamily="49" charset="0"/>
+              </a:rPr>
+              <a:t>success</a:t>
             </a:r>
             <a:r>
               <a:rPr lang="en-US" sz="1200" dirty="0">
                 <a:solidFill>
-                  <a:srgbClr val="2A00FF"/>
-                </a:solidFill>
-                <a:latin typeface="Consolas" panose="020B0609020204030204" pitchFamily="49" charset="0"/>
-              </a:rPr>
-              <a:t>, </a:t>
-            </a:r>
-            <a:r>
-              <a:rPr lang="en-US" sz="1200" dirty="0" err="1">
-                <a:solidFill>
-                  <a:srgbClr val="2A00FF"/>
-                </a:solidFill>
-                <a:latin typeface="Consolas" panose="020B0609020204030204" pitchFamily="49" charset="0"/>
-              </a:rPr>
-              <a:t>phone_no</a:t>
-            </a:r>
-            <a:r>
-              <a:rPr lang="en-US" sz="1200" dirty="0">
-                <a:solidFill>
-                  <a:srgbClr val="2A00FF"/>
-                </a:solidFill>
-                <a:latin typeface="Consolas" panose="020B0609020204030204" pitchFamily="49" charset="0"/>
-              </a:rPr>
-              <a:t>, </a:t>
-            </a:r>
-            <a:r>
-              <a:rPr lang="en-US" sz="1200" dirty="0" err="1">
-                <a:solidFill>
-                  <a:srgbClr val="2A00FF"/>
-                </a:solidFill>
-                <a:latin typeface="Consolas" panose="020B0609020204030204" pitchFamily="49" charset="0"/>
-              </a:rPr>
-              <a:t>customer_guid</a:t>
-            </a:r>
-            <a:r>
-              <a:rPr lang="en-US" sz="1200" dirty="0">
-                <a:solidFill>
-                  <a:srgbClr val="2A00FF"/>
-                </a:solidFill>
-                <a:latin typeface="Consolas" panose="020B0609020204030204" pitchFamily="49" charset="0"/>
-              </a:rPr>
-              <a:t> FROM customer "</a:t>
-            </a:r>
-            <a:r>
-              <a:rPr lang="en-US" sz="1200" dirty="0">
-                <a:solidFill>
                   <a:srgbClr val="000000"/>
                 </a:solidFill>
                 <a:latin typeface="Consolas" panose="020B0609020204030204" pitchFamily="49" charset="0"/>
               </a:rPr>
+              <a:t> = </a:t>
+            </a:r>
+            <a:r>
+              <a:rPr lang="en-US" sz="1200" b="1" dirty="0">
+                <a:solidFill>
+                  <a:srgbClr val="7F0055"/>
+                </a:solidFill>
+                <a:latin typeface="Consolas" panose="020B0609020204030204" pitchFamily="49" charset="0"/>
+              </a:rPr>
+              <a:t>true</a:t>
+            </a:r>
+            <a:r>
+              <a:rPr lang="en-US" sz="1200" b="1" dirty="0">
+                <a:solidFill>
+                  <a:srgbClr val="000000"/>
+                </a:solidFill>
+                <a:latin typeface="Consolas" panose="020B0609020204030204" pitchFamily="49" charset="0"/>
+              </a:rPr>
               <a:t>;</a:t>
-            </a:r>
-          </a:p>
-          <a:p>
-            <a:pPr lvl="1"/>
-            <a:r>
-              <a:rPr lang="en-US" sz="1200" dirty="0">
-                <a:solidFill>
-                  <a:srgbClr val="3F5FBF"/>
-                </a:solidFill>
-                <a:latin typeface="Consolas" panose="020B0609020204030204" pitchFamily="49" charset="0"/>
-              </a:rPr>
-              <a:t>/**</a:t>
-            </a:r>
-          </a:p>
-          <a:p>
-            <a:pPr lvl="1"/>
-            <a:r>
-              <a:rPr lang="en-US" sz="1200" dirty="0">
-                <a:solidFill>
-                  <a:srgbClr val="3F5FBF"/>
-                </a:solidFill>
-                <a:latin typeface="Consolas" panose="020B0609020204030204" pitchFamily="49" charset="0"/>
-              </a:rPr>
-              <a:t> * Prepare Statement</a:t>
-            </a:r>
-          </a:p>
-          <a:p>
-            <a:pPr lvl="1"/>
-            <a:r>
-              <a:rPr lang="en-US" sz="1200" dirty="0">
-                <a:solidFill>
-                  <a:srgbClr val="3F5FBF"/>
-                </a:solidFill>
-                <a:latin typeface="Consolas" panose="020B0609020204030204" pitchFamily="49" charset="0"/>
-              </a:rPr>
-              <a:t> */</a:t>
-            </a:r>
-          </a:p>
-          <a:p>
-            <a:pPr lvl="1"/>
-            <a:r>
-              <a:rPr lang="en-US" sz="1200" dirty="0" err="1">
-                <a:solidFill>
-                  <a:srgbClr val="6A3E3E"/>
-                </a:solidFill>
-                <a:latin typeface="Consolas" panose="020B0609020204030204" pitchFamily="49" charset="0"/>
-              </a:rPr>
-              <a:t>PreparedStatement</a:t>
-            </a:r>
-            <a:r>
-              <a:rPr lang="en-US" sz="1200" dirty="0">
-                <a:solidFill>
-                  <a:srgbClr val="6A3E3E"/>
-                </a:solidFill>
-                <a:latin typeface="Consolas" panose="020B0609020204030204" pitchFamily="49" charset="0"/>
-              </a:rPr>
-              <a:t> </a:t>
-            </a:r>
-            <a:r>
-              <a:rPr lang="en-US" sz="1200" dirty="0" err="1">
-                <a:solidFill>
-                  <a:srgbClr val="6A3E3E"/>
-                </a:solidFill>
-                <a:latin typeface="Consolas" panose="020B0609020204030204" pitchFamily="49" charset="0"/>
-              </a:rPr>
-              <a:t>pstmt</a:t>
-            </a:r>
-            <a:r>
-              <a:rPr lang="en-US" sz="1200" dirty="0">
-                <a:solidFill>
-                  <a:srgbClr val="000000"/>
-                </a:solidFill>
-                <a:latin typeface="Consolas" panose="020B0609020204030204" pitchFamily="49" charset="0"/>
-              </a:rPr>
-              <a:t> = </a:t>
-            </a:r>
-            <a:r>
-              <a:rPr lang="en-US" sz="1200" dirty="0" err="1">
-                <a:solidFill>
-                  <a:srgbClr val="6A3E3E"/>
-                </a:solidFill>
-                <a:latin typeface="Consolas" panose="020B0609020204030204" pitchFamily="49" charset="0"/>
-              </a:rPr>
-              <a:t>conn</a:t>
-            </a:r>
-            <a:r>
-              <a:rPr lang="en-US" sz="1200" dirty="0" err="1">
-                <a:solidFill>
-                  <a:srgbClr val="000000"/>
-                </a:solidFill>
-                <a:latin typeface="Consolas" panose="020B0609020204030204" pitchFamily="49" charset="0"/>
-              </a:rPr>
-              <a:t>.prepareStatement</a:t>
-            </a:r>
-            <a:r>
-              <a:rPr lang="en-US" sz="1200" dirty="0">
-                <a:solidFill>
-                  <a:srgbClr val="000000"/>
-                </a:solidFill>
-                <a:latin typeface="Consolas" panose="020B0609020204030204" pitchFamily="49" charset="0"/>
-              </a:rPr>
-              <a:t>(</a:t>
-            </a:r>
-            <a:r>
-              <a:rPr lang="en-US" sz="1200" dirty="0" err="1">
-                <a:solidFill>
-                  <a:srgbClr val="6A3E3E"/>
-                </a:solidFill>
-                <a:latin typeface="Consolas" panose="020B0609020204030204" pitchFamily="49" charset="0"/>
-              </a:rPr>
-              <a:t>sql</a:t>
-            </a:r>
-            <a:r>
-              <a:rPr lang="en-US" sz="1200" dirty="0">
-                <a:solidFill>
-                  <a:srgbClr val="000000"/>
-                </a:solidFill>
-                <a:latin typeface="Consolas" panose="020B0609020204030204" pitchFamily="49" charset="0"/>
-              </a:rPr>
-              <a:t>);</a:t>
-            </a:r>
-          </a:p>
-          <a:p>
-            <a:pPr lvl="1"/>
-            <a:r>
-              <a:rPr lang="en-US" sz="1200" dirty="0">
-                <a:solidFill>
-                  <a:srgbClr val="3F5FBF"/>
-                </a:solidFill>
-                <a:latin typeface="Consolas" panose="020B0609020204030204" pitchFamily="49" charset="0"/>
-              </a:rPr>
-              <a:t>/**</a:t>
-            </a:r>
-          </a:p>
-          <a:p>
-            <a:pPr lvl="1"/>
-            <a:r>
-              <a:rPr lang="en-US" sz="1200" dirty="0">
-                <a:solidFill>
-                  <a:srgbClr val="3F5FBF"/>
-                </a:solidFill>
-                <a:latin typeface="Consolas" panose="020B0609020204030204" pitchFamily="49" charset="0"/>
-              </a:rPr>
-              <a:t> * Get Result Set</a:t>
-            </a:r>
-          </a:p>
-          <a:p>
-            <a:pPr lvl="1"/>
-            <a:r>
-              <a:rPr lang="en-US" sz="1200" dirty="0">
-                <a:solidFill>
-                  <a:srgbClr val="3F5FBF"/>
-                </a:solidFill>
-                <a:latin typeface="Consolas" panose="020B0609020204030204" pitchFamily="49" charset="0"/>
-              </a:rPr>
-              <a:t> */</a:t>
-            </a:r>
-          </a:p>
-          <a:p>
-            <a:pPr lvl="1"/>
-            <a:r>
-              <a:rPr lang="en-US" sz="1200" dirty="0" err="1">
-                <a:solidFill>
-                  <a:srgbClr val="6A3E3E"/>
-                </a:solidFill>
-                <a:latin typeface="Consolas" panose="020B0609020204030204" pitchFamily="49" charset="0"/>
-              </a:rPr>
-              <a:t>ResultSet</a:t>
-            </a:r>
-            <a:r>
-              <a:rPr lang="en-US" sz="1200" dirty="0">
-                <a:solidFill>
-                  <a:srgbClr val="6A3E3E"/>
-                </a:solidFill>
-                <a:latin typeface="Consolas" panose="020B0609020204030204" pitchFamily="49" charset="0"/>
-              </a:rPr>
-              <a:t> </a:t>
-            </a:r>
-            <a:r>
-              <a:rPr lang="en-US" sz="1200" dirty="0" err="1">
-                <a:solidFill>
-                  <a:srgbClr val="6A3E3E"/>
-                </a:solidFill>
-                <a:latin typeface="Consolas" panose="020B0609020204030204" pitchFamily="49" charset="0"/>
-              </a:rPr>
-              <a:t>rs</a:t>
-            </a:r>
-            <a:r>
-              <a:rPr lang="en-US" sz="1200" dirty="0">
-                <a:solidFill>
-                  <a:srgbClr val="000000"/>
-                </a:solidFill>
-                <a:latin typeface="Consolas" panose="020B0609020204030204" pitchFamily="49" charset="0"/>
-              </a:rPr>
-              <a:t> = </a:t>
-            </a:r>
-            <a:r>
-              <a:rPr lang="en-US" sz="1200" dirty="0" err="1">
-                <a:solidFill>
-                  <a:srgbClr val="6A3E3E"/>
-                </a:solidFill>
-                <a:latin typeface="Consolas" panose="020B0609020204030204" pitchFamily="49" charset="0"/>
-              </a:rPr>
-              <a:t>pstmt</a:t>
-            </a:r>
-            <a:r>
-              <a:rPr lang="en-US" sz="1200" dirty="0" err="1">
-                <a:solidFill>
-                  <a:srgbClr val="000000"/>
-                </a:solidFill>
-                <a:latin typeface="Consolas" panose="020B0609020204030204" pitchFamily="49" charset="0"/>
-              </a:rPr>
-              <a:t>.executeQuery</a:t>
-            </a:r>
-            <a:r>
-              <a:rPr lang="en-US" sz="1200" dirty="0">
-                <a:solidFill>
-                  <a:srgbClr val="000000"/>
-                </a:solidFill>
-                <a:latin typeface="Consolas" panose="020B0609020204030204" pitchFamily="49" charset="0"/>
-              </a:rPr>
-              <a:t>();</a:t>
-            </a:r>
-          </a:p>
-          <a:p>
-            <a:pPr lvl="1"/>
-            <a:r>
-              <a:rPr lang="en-US" sz="1200" dirty="0">
-                <a:solidFill>
-                  <a:srgbClr val="000000"/>
-                </a:solidFill>
-                <a:latin typeface="Consolas" panose="020B0609020204030204" pitchFamily="49" charset="0"/>
-              </a:rPr>
-              <a:t>Customer </a:t>
-            </a:r>
-            <a:r>
-              <a:rPr lang="en-US" sz="1200" dirty="0" err="1">
-                <a:solidFill>
-                  <a:srgbClr val="6A3E3E"/>
-                </a:solidFill>
-                <a:latin typeface="Consolas" panose="020B0609020204030204" pitchFamily="49" charset="0"/>
-              </a:rPr>
-              <a:t>customer</a:t>
-            </a:r>
-            <a:r>
-              <a:rPr lang="en-US" sz="1200" dirty="0">
-                <a:solidFill>
-                  <a:srgbClr val="000000"/>
-                </a:solidFill>
-                <a:latin typeface="Consolas" panose="020B0609020204030204" pitchFamily="49" charset="0"/>
-              </a:rPr>
-              <a:t> = </a:t>
-            </a:r>
-            <a:r>
-              <a:rPr lang="en-US" sz="1200" b="1" dirty="0">
-                <a:solidFill>
-                  <a:srgbClr val="7F0055"/>
-                </a:solidFill>
-                <a:latin typeface="Consolas" panose="020B0609020204030204" pitchFamily="49" charset="0"/>
-              </a:rPr>
-              <a:t>null</a:t>
-            </a:r>
-            <a:r>
-              <a:rPr lang="en-US" sz="1200" b="1" dirty="0">
-                <a:solidFill>
-                  <a:srgbClr val="000000"/>
-                </a:solidFill>
-                <a:latin typeface="Consolas" panose="020B0609020204030204" pitchFamily="49" charset="0"/>
-              </a:rPr>
-              <a:t>;</a:t>
-            </a:r>
-          </a:p>
-          <a:p>
-            <a:pPr lvl="1"/>
-            <a:r>
-              <a:rPr lang="en-US" sz="1200" b="1" dirty="0">
-                <a:solidFill>
-                  <a:srgbClr val="7F0055"/>
-                </a:solidFill>
-                <a:latin typeface="Consolas" panose="020B0609020204030204" pitchFamily="49" charset="0"/>
-              </a:rPr>
-              <a:t>while</a:t>
-            </a:r>
-            <a:r>
-              <a:rPr lang="en-US" sz="1200" b="1" dirty="0">
-                <a:solidFill>
-                  <a:srgbClr val="000000"/>
-                </a:solidFill>
-                <a:latin typeface="Consolas" panose="020B0609020204030204" pitchFamily="49" charset="0"/>
-              </a:rPr>
-              <a:t> (</a:t>
-            </a:r>
-            <a:r>
-              <a:rPr lang="en-US" sz="1200" b="1" dirty="0" err="1">
-                <a:solidFill>
-                  <a:srgbClr val="6A3E3E"/>
-                </a:solidFill>
-                <a:latin typeface="Consolas" panose="020B0609020204030204" pitchFamily="49" charset="0"/>
-              </a:rPr>
-              <a:t>rs</a:t>
-            </a:r>
-            <a:r>
-              <a:rPr lang="en-US" sz="1200" b="1" dirty="0" err="1">
-                <a:solidFill>
-                  <a:srgbClr val="000000"/>
-                </a:solidFill>
-                <a:latin typeface="Consolas" panose="020B0609020204030204" pitchFamily="49" charset="0"/>
-              </a:rPr>
-              <a:t>.next</a:t>
-            </a:r>
-            <a:r>
-              <a:rPr lang="en-US" sz="1200" b="1" dirty="0">
-                <a:solidFill>
-                  <a:srgbClr val="000000"/>
-                </a:solidFill>
-                <a:latin typeface="Consolas" panose="020B0609020204030204" pitchFamily="49" charset="0"/>
-              </a:rPr>
-              <a:t>()) {</a:t>
-            </a:r>
-          </a:p>
-          <a:p>
-            <a:pPr lvl="2"/>
-            <a:r>
-              <a:rPr lang="en-US" sz="1200" dirty="0">
-                <a:solidFill>
-                  <a:srgbClr val="6A3E3E"/>
-                </a:solidFill>
-                <a:latin typeface="Consolas" panose="020B0609020204030204" pitchFamily="49" charset="0"/>
-              </a:rPr>
-              <a:t>customer</a:t>
-            </a:r>
-            <a:r>
-              <a:rPr lang="en-US" sz="1200" dirty="0">
-                <a:solidFill>
-                  <a:srgbClr val="000000"/>
-                </a:solidFill>
-                <a:latin typeface="Consolas" panose="020B0609020204030204" pitchFamily="49" charset="0"/>
-              </a:rPr>
-              <a:t> = </a:t>
-            </a:r>
-            <a:r>
-              <a:rPr lang="en-US" sz="1200" b="1" dirty="0">
-                <a:solidFill>
-                  <a:srgbClr val="7F0055"/>
-                </a:solidFill>
-                <a:latin typeface="Consolas" panose="020B0609020204030204" pitchFamily="49" charset="0"/>
-              </a:rPr>
-              <a:t>new</a:t>
-            </a:r>
-            <a:r>
-              <a:rPr lang="en-US" sz="1200" b="1" dirty="0">
-                <a:solidFill>
-                  <a:srgbClr val="000000"/>
-                </a:solidFill>
-                <a:latin typeface="Consolas" panose="020B0609020204030204" pitchFamily="49" charset="0"/>
-              </a:rPr>
-              <a:t> Customer();</a:t>
             </a:r>
           </a:p>
           <a:p>
@@ -29575,6 +29700,99 @@
                 <a:latin typeface="Consolas" panose="020B0609020204030204" pitchFamily="49" charset="0"/>
               </a:rPr>
               <a:t>ctry_cd</a:t>
+            </a:r>
+            <a:r>
+              <a:rPr lang="en-US" sz="1200" dirty="0">
+                <a:solidFill>
+                  <a:srgbClr val="2A00FF"/>
+                </a:solidFill>
+                <a:latin typeface="Consolas" panose="020B0609020204030204" pitchFamily="49" charset="0"/>
+              </a:rPr>
+              <a:t>"</a:t>
+            </a:r>
+            <a:r>
+              <a:rPr lang="en-US" sz="1200" dirty="0">
+                <a:solidFill>
+                  <a:srgbClr val="000000"/>
+                </a:solidFill>
+                <a:latin typeface="Consolas" panose="020B0609020204030204" pitchFamily="49" charset="0"/>
+              </a:rPr>
+              <a:t>));</a:t>
+            </a:r>
+          </a:p>
+          <a:p>
+            <a:pPr lvl="2"/>
+            <a:r>
+              <a:rPr lang="en-US" sz="1200" dirty="0" err="1">
+                <a:solidFill>
+                  <a:srgbClr val="6A3E3E"/>
+                </a:solidFill>
+                <a:latin typeface="Consolas" panose="020B0609020204030204" pitchFamily="49" charset="0"/>
+              </a:rPr>
+              <a:t>customer</a:t>
+            </a:r>
+            <a:r>
+              <a:rPr lang="en-US" sz="1200" dirty="0" err="1">
+                <a:solidFill>
+                  <a:srgbClr val="000000"/>
+                </a:solidFill>
+                <a:latin typeface="Consolas" panose="020B0609020204030204" pitchFamily="49" charset="0"/>
+              </a:rPr>
+              <a:t>.setCustomer_name</a:t>
+            </a:r>
+            <a:r>
+              <a:rPr lang="en-US" sz="1200" dirty="0">
+                <a:solidFill>
+                  <a:srgbClr val="000000"/>
+                </a:solidFill>
+                <a:latin typeface="Consolas" panose="020B0609020204030204" pitchFamily="49" charset="0"/>
+              </a:rPr>
+              <a:t>(</a:t>
+            </a:r>
+            <a:r>
+              <a:rPr lang="en-US" sz="1200" dirty="0" err="1">
+                <a:solidFill>
+                  <a:srgbClr val="6A3E3E"/>
+                </a:solidFill>
+                <a:latin typeface="Consolas" panose="020B0609020204030204" pitchFamily="49" charset="0"/>
+              </a:rPr>
+              <a:t>rs</a:t>
+            </a:r>
+            <a:r>
+              <a:rPr lang="en-US" sz="1200" dirty="0" err="1">
+                <a:solidFill>
+                  <a:srgbClr val="000000"/>
+                </a:solidFill>
+                <a:latin typeface="Consolas" panose="020B0609020204030204" pitchFamily="49" charset="0"/>
+              </a:rPr>
+              <a:t>.getString</a:t>
+            </a:r>
+            <a:r>
+              <a:rPr lang="en-US" sz="1200" dirty="0">
+                <a:solidFill>
+                  <a:srgbClr val="000000"/>
+                </a:solidFill>
+                <a:latin typeface="Consolas" panose="020B0609020204030204" pitchFamily="49" charset="0"/>
+              </a:rPr>
+              <a:t>(</a:t>
+            </a:r>
+            <a:r>
+              <a:rPr lang="en-US" sz="1200" dirty="0">
+                <a:solidFill>
+                  <a:srgbClr val="2A00FF"/>
+                </a:solidFill>
+                <a:latin typeface="Consolas" panose="020B0609020204030204" pitchFamily="49" charset="0"/>
+              </a:rPr>
+              <a:t>"</a:t>
+            </a:r>
+            <a:r>
+              <a:rPr lang="en-US" sz="1200" dirty="0" err="1">
+                <a:solidFill>
+                  <a:srgbClr val="2A00FF"/>
+                </a:solidFill>
+                <a:latin typeface="Consolas" panose="020B0609020204030204" pitchFamily="49" charset="0"/>
+              </a:rPr>
+              <a:t>customer_name</a:t>
             </a:r>
             <a:r>
               <a:rPr lang="en-US" sz="1200" dirty="0">
@@ -31727,7 +31945,7 @@
                   <a:schemeClr val="bg1"/>
                 </a:solidFill>
               </a:rPr>
-              <a:t>To CLOSE Database Connection Finally</a:t>
+              <a:t>To CLOSE Resources Finally</a:t>
             </a:r>
           </a:p>
         </p:txBody>
@@ -31746,8 +31964,8 @@
         </p:nvSpPr>
         <p:spPr>
           <a:xfrm>
-            <a:off x="4259903" y="3321210"/>
-            <a:ext cx="7762584" cy="2246769"/>
+            <a:off x="4240111" y="4110066"/>
+            <a:ext cx="7762584" cy="2492990"/>
           </a:xfrm>
           <a:prstGeom prst="rect">
             <a:avLst/>
@@ -31762,318 +31980,426 @@
           <a:p>
             <a:pPr algn="l"/>
             <a:r>
-              <a:rPr lang="en-US" sz="1400" dirty="0">
-                <a:solidFill>
-                  <a:srgbClr val="3F5FBF"/>
-                </a:solidFill>
-                <a:latin typeface="Consolas" panose="020B0609020204030204" pitchFamily="49" charset="0"/>
-              </a:rPr>
-              <a:t>/**</a:t>
-            </a:r>
-          </a:p>
-          <a:p>
-            <a:pPr algn="l"/>
-            <a:r>
-              <a:rPr lang="en-US" sz="1400" dirty="0">
-                <a:solidFill>
-                  <a:srgbClr val="3F5FBF"/>
-                </a:solidFill>
-                <a:latin typeface="Consolas" panose="020B0609020204030204" pitchFamily="49" charset="0"/>
-              </a:rPr>
-              <a:t> * Close Connection</a:t>
-            </a:r>
-          </a:p>
-          <a:p>
-            <a:pPr algn="l"/>
-            <a:r>
-              <a:rPr lang="en-US" sz="1400" dirty="0">
-                <a:solidFill>
-                  <a:srgbClr val="3F5FBF"/>
-                </a:solidFill>
-                <a:latin typeface="Consolas" panose="020B0609020204030204" pitchFamily="49" charset="0"/>
-              </a:rPr>
-              <a:t> * </a:t>
-            </a:r>
-          </a:p>
-          <a:p>
-            <a:pPr algn="l"/>
-            <a:r>
-              <a:rPr lang="en-US" sz="1400" dirty="0">
-                <a:solidFill>
-                  <a:srgbClr val="3F5FBF"/>
-                </a:solidFill>
-                <a:latin typeface="Consolas" panose="020B0609020204030204" pitchFamily="49" charset="0"/>
-              </a:rPr>
-              <a:t> * </a:t>
-            </a:r>
-            <a:r>
-              <a:rPr lang="en-US" sz="1400" b="1" dirty="0">
-                <a:solidFill>
-                  <a:srgbClr val="7F9FBF"/>
-                </a:solidFill>
-                <a:latin typeface="Consolas" panose="020B0609020204030204" pitchFamily="49" charset="0"/>
-              </a:rPr>
-              <a:t>@param</a:t>
-            </a:r>
-            <a:r>
-              <a:rPr lang="en-US" sz="1400" b="1" dirty="0">
-                <a:solidFill>
-                  <a:srgbClr val="3F5FBF"/>
-                </a:solidFill>
-                <a:latin typeface="Consolas" panose="020B0609020204030204" pitchFamily="49" charset="0"/>
-              </a:rPr>
-              <a:t> conn</a:t>
-            </a:r>
-          </a:p>
-          <a:p>
-            <a:pPr algn="l"/>
-            <a:r>
-              <a:rPr lang="en-US" sz="1400" dirty="0">
-                <a:solidFill>
-                  <a:srgbClr val="3F5FBF"/>
-                </a:solidFill>
-                <a:latin typeface="Consolas" panose="020B0609020204030204" pitchFamily="49" charset="0"/>
-              </a:rPr>
-              <a:t> * </a:t>
-            </a:r>
-            <a:r>
-              <a:rPr lang="en-US" sz="1400" b="1" dirty="0">
-                <a:solidFill>
-                  <a:srgbClr val="7F9FBF"/>
-                </a:solidFill>
-                <a:latin typeface="Consolas" panose="020B0609020204030204" pitchFamily="49" charset="0"/>
-              </a:rPr>
-              <a:t>@throws</a:t>
-            </a:r>
-            <a:r>
-              <a:rPr lang="en-US" sz="1400" b="1" dirty="0">
-                <a:solidFill>
-                  <a:srgbClr val="3F5FBF"/>
+              <a:rPr lang="en-US" sz="1200" b="1" dirty="0">
+                <a:solidFill>
+                  <a:srgbClr val="7F0055"/>
+                </a:solidFill>
+                <a:latin typeface="Consolas" panose="020B0609020204030204" pitchFamily="49" charset="0"/>
+              </a:rPr>
+              <a:t>try</a:t>
+            </a:r>
+            <a:r>
+              <a:rPr lang="en-US" sz="1200" b="1" dirty="0">
+                <a:solidFill>
+                  <a:srgbClr val="000000"/>
+                </a:solidFill>
+                <a:latin typeface="Consolas" panose="020B0609020204030204" pitchFamily="49" charset="0"/>
+              </a:rPr>
+              <a:t> {</a:t>
+            </a:r>
+          </a:p>
+          <a:p>
+            <a:pPr lvl="1"/>
+            <a:r>
+              <a:rPr lang="en-US" sz="1200" b="1" dirty="0">
+                <a:solidFill>
+                  <a:srgbClr val="7F0055"/>
+                </a:solidFill>
+                <a:latin typeface="Consolas" panose="020B0609020204030204" pitchFamily="49" charset="0"/>
+              </a:rPr>
+              <a:t>if</a:t>
+            </a:r>
+            <a:r>
+              <a:rPr lang="en-US" sz="1200" b="1" dirty="0">
+                <a:solidFill>
+                  <a:srgbClr val="000000"/>
+                </a:solidFill>
+                <a:latin typeface="Consolas" panose="020B0609020204030204" pitchFamily="49" charset="0"/>
+              </a:rPr>
+              <a:t> (</a:t>
+            </a:r>
+            <a:r>
+              <a:rPr lang="en-US" sz="1200" b="1" dirty="0" err="1">
+                <a:solidFill>
+                  <a:srgbClr val="6A3E3E"/>
+                </a:solidFill>
+                <a:latin typeface="Consolas" panose="020B0609020204030204" pitchFamily="49" charset="0"/>
+              </a:rPr>
+              <a:t>rs</a:t>
+            </a:r>
+            <a:r>
+              <a:rPr lang="en-US" sz="1200" b="1" dirty="0">
+                <a:solidFill>
+                  <a:srgbClr val="000000"/>
+                </a:solidFill>
+                <a:latin typeface="Consolas" panose="020B0609020204030204" pitchFamily="49" charset="0"/>
+              </a:rPr>
+              <a:t> != </a:t>
+            </a:r>
+            <a:r>
+              <a:rPr lang="en-US" sz="1200" b="1" dirty="0">
+                <a:solidFill>
+                  <a:srgbClr val="7F0055"/>
+                </a:solidFill>
+                <a:latin typeface="Consolas" panose="020B0609020204030204" pitchFamily="49" charset="0"/>
+              </a:rPr>
+              <a:t>null</a:t>
+            </a:r>
+            <a:r>
+              <a:rPr lang="en-US" sz="1200" b="1" dirty="0">
+                <a:solidFill>
+                  <a:srgbClr val="000000"/>
+                </a:solidFill>
+                <a:latin typeface="Consolas" panose="020B0609020204030204" pitchFamily="49" charset="0"/>
+              </a:rPr>
+              <a:t>) {</a:t>
+            </a:r>
+          </a:p>
+          <a:p>
+            <a:pPr lvl="2"/>
+            <a:r>
+              <a:rPr lang="en-US" sz="1200" dirty="0" err="1">
+                <a:solidFill>
+                  <a:srgbClr val="6A3E3E"/>
+                </a:solidFill>
+                <a:latin typeface="Consolas" panose="020B0609020204030204" pitchFamily="49" charset="0"/>
+              </a:rPr>
+              <a:t>rs</a:t>
+            </a:r>
+            <a:r>
+              <a:rPr lang="en-US" sz="1200" dirty="0" err="1">
+                <a:solidFill>
+                  <a:srgbClr val="000000"/>
+                </a:solidFill>
+                <a:latin typeface="Consolas" panose="020B0609020204030204" pitchFamily="49" charset="0"/>
+              </a:rPr>
+              <a:t>.close</a:t>
+            </a:r>
+            <a:r>
+              <a:rPr lang="en-US" sz="1200" dirty="0">
+                <a:solidFill>
+                  <a:srgbClr val="000000"/>
+                </a:solidFill>
+                <a:latin typeface="Consolas" panose="020B0609020204030204" pitchFamily="49" charset="0"/>
+              </a:rPr>
+              <a:t>();</a:t>
+            </a:r>
+          </a:p>
+          <a:p>
+            <a:pPr lvl="1"/>
+            <a:r>
+              <a:rPr lang="en-US" sz="1200" dirty="0">
+                <a:solidFill>
+                  <a:srgbClr val="000000"/>
+                </a:solidFill>
+                <a:latin typeface="Consolas" panose="020B0609020204030204" pitchFamily="49" charset="0"/>
+              </a:rPr>
+              <a:t>}</a:t>
+            </a:r>
+          </a:p>
+          <a:p>
+            <a:pPr lvl="1"/>
+            <a:r>
+              <a:rPr lang="en-US" sz="1200" b="1" dirty="0">
+                <a:solidFill>
+                  <a:srgbClr val="7F0055"/>
+                </a:solidFill>
+                <a:latin typeface="Consolas" panose="020B0609020204030204" pitchFamily="49" charset="0"/>
+              </a:rPr>
+              <a:t>if</a:t>
+            </a:r>
+            <a:r>
+              <a:rPr lang="en-US" sz="1200" b="1" dirty="0">
+                <a:solidFill>
+                  <a:srgbClr val="000000"/>
+                </a:solidFill>
+                <a:latin typeface="Consolas" panose="020B0609020204030204" pitchFamily="49" charset="0"/>
+              </a:rPr>
+              <a:t> (</a:t>
+            </a:r>
+            <a:r>
+              <a:rPr lang="en-US" sz="1200" b="1" dirty="0" err="1">
+                <a:solidFill>
+                  <a:srgbClr val="6A3E3E"/>
+                </a:solidFill>
+                <a:latin typeface="Consolas" panose="020B0609020204030204" pitchFamily="49" charset="0"/>
+              </a:rPr>
+              <a:t>pstmt</a:t>
+            </a:r>
+            <a:r>
+              <a:rPr lang="en-US" sz="1200" b="1" dirty="0">
+                <a:solidFill>
+                  <a:srgbClr val="000000"/>
+                </a:solidFill>
+                <a:latin typeface="Consolas" panose="020B0609020204030204" pitchFamily="49" charset="0"/>
+              </a:rPr>
+              <a:t> != </a:t>
+            </a:r>
+            <a:r>
+              <a:rPr lang="en-US" sz="1200" b="1" dirty="0">
+                <a:solidFill>
+                  <a:srgbClr val="7F0055"/>
+                </a:solidFill>
+                <a:latin typeface="Consolas" panose="020B0609020204030204" pitchFamily="49" charset="0"/>
+              </a:rPr>
+              <a:t>null</a:t>
+            </a:r>
+            <a:r>
+              <a:rPr lang="en-US" sz="1200" b="1" dirty="0">
+                <a:solidFill>
+                  <a:srgbClr val="000000"/>
+                </a:solidFill>
+                <a:latin typeface="Consolas" panose="020B0609020204030204" pitchFamily="49" charset="0"/>
+              </a:rPr>
+              <a:t>) {</a:t>
+            </a:r>
+          </a:p>
+          <a:p>
+            <a:pPr lvl="2"/>
+            <a:r>
+              <a:rPr lang="en-US" sz="1200" dirty="0" err="1">
+                <a:solidFill>
+                  <a:srgbClr val="6A3E3E"/>
+                </a:solidFill>
+                <a:latin typeface="Consolas" panose="020B0609020204030204" pitchFamily="49" charset="0"/>
+              </a:rPr>
+              <a:t>pstmt</a:t>
+            </a:r>
+            <a:r>
+              <a:rPr lang="en-US" sz="1200" dirty="0" err="1">
+                <a:solidFill>
+                  <a:srgbClr val="000000"/>
+                </a:solidFill>
+                <a:latin typeface="Consolas" panose="020B0609020204030204" pitchFamily="49" charset="0"/>
+              </a:rPr>
+              <a:t>.close</a:t>
+            </a:r>
+            <a:r>
+              <a:rPr lang="en-US" sz="1200" dirty="0">
+                <a:solidFill>
+                  <a:srgbClr val="000000"/>
+                </a:solidFill>
+                <a:latin typeface="Consolas" panose="020B0609020204030204" pitchFamily="49" charset="0"/>
+              </a:rPr>
+              <a:t>();</a:t>
+            </a:r>
+          </a:p>
+          <a:p>
+            <a:pPr lvl="1"/>
+            <a:r>
+              <a:rPr lang="en-US" sz="1200" dirty="0">
+                <a:solidFill>
+                  <a:srgbClr val="000000"/>
+                </a:solidFill>
+                <a:latin typeface="Consolas" panose="020B0609020204030204" pitchFamily="49" charset="0"/>
+              </a:rPr>
+              <a:t>}</a:t>
+            </a:r>
+          </a:p>
+          <a:p>
+            <a:pPr lvl="1"/>
+            <a:r>
+              <a:rPr lang="en-US" sz="1200" b="1" dirty="0">
+                <a:solidFill>
+                  <a:srgbClr val="7F0055"/>
+                </a:solidFill>
+                <a:latin typeface="Consolas" panose="020B0609020204030204" pitchFamily="49" charset="0"/>
+              </a:rPr>
+              <a:t>if</a:t>
+            </a:r>
+            <a:r>
+              <a:rPr lang="en-US" sz="1200" b="1" dirty="0">
+                <a:solidFill>
+                  <a:srgbClr val="000000"/>
+                </a:solidFill>
+                <a:latin typeface="Consolas" panose="020B0609020204030204" pitchFamily="49" charset="0"/>
+              </a:rPr>
+              <a:t> (</a:t>
+            </a:r>
+            <a:r>
+              <a:rPr lang="en-US" sz="1200" b="1" dirty="0">
+                <a:solidFill>
+                  <a:srgbClr val="6A3E3E"/>
+                </a:solidFill>
+                <a:latin typeface="Consolas" panose="020B0609020204030204" pitchFamily="49" charset="0"/>
+              </a:rPr>
+              <a:t>conn</a:t>
+            </a:r>
+            <a:r>
+              <a:rPr lang="en-US" sz="1200" b="1" dirty="0">
+                <a:solidFill>
+                  <a:srgbClr val="000000"/>
+                </a:solidFill>
+                <a:latin typeface="Consolas" panose="020B0609020204030204" pitchFamily="49" charset="0"/>
+              </a:rPr>
+              <a:t> != </a:t>
+            </a:r>
+            <a:r>
+              <a:rPr lang="en-US" sz="1200" b="1" dirty="0">
+                <a:solidFill>
+                  <a:srgbClr val="7F0055"/>
+                </a:solidFill>
+                <a:latin typeface="Consolas" panose="020B0609020204030204" pitchFamily="49" charset="0"/>
+              </a:rPr>
+              <a:t>null</a:t>
+            </a:r>
+            <a:r>
+              <a:rPr lang="en-US" sz="1200" b="1" dirty="0">
+                <a:solidFill>
+                  <a:srgbClr val="000000"/>
+                </a:solidFill>
+                <a:latin typeface="Consolas" panose="020B0609020204030204" pitchFamily="49" charset="0"/>
+              </a:rPr>
+              <a:t>) {</a:t>
+            </a:r>
+          </a:p>
+          <a:p>
+            <a:pPr lvl="2"/>
+            <a:r>
+              <a:rPr lang="en-US" sz="1200" dirty="0" err="1">
+                <a:solidFill>
+                  <a:srgbClr val="6A3E3E"/>
+                </a:solidFill>
+                <a:latin typeface="Consolas" panose="020B0609020204030204" pitchFamily="49" charset="0"/>
+              </a:rPr>
+              <a:t>conn</a:t>
+            </a:r>
+            <a:r>
+              <a:rPr lang="en-US" sz="1200" dirty="0" err="1">
+                <a:solidFill>
+                  <a:srgbClr val="000000"/>
+                </a:solidFill>
+                <a:latin typeface="Consolas" panose="020B0609020204030204" pitchFamily="49" charset="0"/>
+              </a:rPr>
+              <a:t>.close</a:t>
+            </a:r>
+            <a:r>
+              <a:rPr lang="en-US" sz="1200" dirty="0">
+                <a:solidFill>
+                  <a:srgbClr val="000000"/>
+                </a:solidFill>
+                <a:latin typeface="Consolas" panose="020B0609020204030204" pitchFamily="49" charset="0"/>
+              </a:rPr>
+              <a:t>();</a:t>
+            </a:r>
+          </a:p>
+          <a:p>
+            <a:pPr lvl="1"/>
+            <a:r>
+              <a:rPr lang="en-US" sz="1200" dirty="0">
+                <a:solidFill>
+                  <a:srgbClr val="000000"/>
+                </a:solidFill>
+                <a:latin typeface="Consolas" panose="020B0609020204030204" pitchFamily="49" charset="0"/>
+              </a:rPr>
+              <a:t>}</a:t>
+            </a:r>
+          </a:p>
+          <a:p>
+            <a:r>
+              <a:rPr lang="en-US" sz="1200" dirty="0">
+                <a:solidFill>
+                  <a:srgbClr val="000000"/>
+                </a:solidFill>
+                <a:latin typeface="Consolas" panose="020B0609020204030204" pitchFamily="49" charset="0"/>
+              </a:rPr>
+              <a:t>} </a:t>
+            </a:r>
+            <a:r>
+              <a:rPr lang="en-US" sz="1200" b="1" dirty="0">
+                <a:solidFill>
+                  <a:srgbClr val="7F0055"/>
+                </a:solidFill>
+                <a:latin typeface="Consolas" panose="020B0609020204030204" pitchFamily="49" charset="0"/>
+              </a:rPr>
+              <a:t>catch</a:t>
+            </a:r>
+            <a:r>
+              <a:rPr lang="en-US" sz="1200" b="1" dirty="0">
+                <a:solidFill>
+                  <a:srgbClr val="000000"/>
+                </a:solidFill>
+                <a:latin typeface="Consolas" panose="020B0609020204030204" pitchFamily="49" charset="0"/>
+              </a:rPr>
+              <a:t> (</a:t>
+            </a:r>
+            <a:r>
+              <a:rPr lang="en-US" sz="1200" b="1" dirty="0" err="1">
+                <a:solidFill>
+                  <a:srgbClr val="000000"/>
+                </a:solidFill>
+                <a:latin typeface="Consolas" panose="020B0609020204030204" pitchFamily="49" charset="0"/>
+              </a:rPr>
+              <a:t>SQLException</a:t>
+            </a:r>
+            <a:r>
+              <a:rPr lang="en-US" sz="1200" b="1" dirty="0">
+                <a:solidFill>
+                  <a:srgbClr val="000000"/>
                 </a:solidFill>
                 <a:latin typeface="Consolas" panose="020B0609020204030204" pitchFamily="49" charset="0"/>
               </a:rPr>
               <a:t> </a:t>
             </a:r>
             <a:r>
-              <a:rPr lang="en-US" sz="1400" b="1" dirty="0" err="1">
-                <a:solidFill>
-                  <a:srgbClr val="3F5FBF"/>
-                </a:solidFill>
-                <a:latin typeface="Consolas" panose="020B0609020204030204" pitchFamily="49" charset="0"/>
-              </a:rPr>
-              <a:t>SQLException</a:t>
-            </a:r>
-            <a:endParaRPr lang="en-US" sz="1400" b="1" dirty="0">
-              <a:solidFill>
-                <a:srgbClr val="3F5FBF"/>
-              </a:solidFill>
-              <a:latin typeface="Consolas" panose="020B0609020204030204" pitchFamily="49" charset="0"/>
-            </a:endParaRPr>
-          </a:p>
-          <a:p>
-            <a:pPr algn="l"/>
-            <a:r>
-              <a:rPr lang="en-US" sz="1400" dirty="0">
-                <a:solidFill>
-                  <a:srgbClr val="3F5FBF"/>
-                </a:solidFill>
-                <a:latin typeface="Consolas" panose="020B0609020204030204" pitchFamily="49" charset="0"/>
-              </a:rPr>
-              <a:t> */</a:t>
-            </a:r>
-          </a:p>
-          <a:p>
-            <a:pPr algn="l"/>
-            <a:r>
-              <a:rPr lang="en-US" sz="1400" b="1" dirty="0">
-                <a:solidFill>
-                  <a:srgbClr val="7F0055"/>
-                </a:solidFill>
-                <a:latin typeface="Consolas" panose="020B0609020204030204" pitchFamily="49" charset="0"/>
-              </a:rPr>
-              <a:t>public</a:t>
-            </a:r>
-            <a:r>
-              <a:rPr lang="en-US" sz="1400" b="1" dirty="0">
+              <a:rPr lang="en-US" sz="1200" b="1" dirty="0">
+                <a:solidFill>
+                  <a:srgbClr val="6A3E3E"/>
+                </a:solidFill>
+                <a:latin typeface="Consolas" panose="020B0609020204030204" pitchFamily="49" charset="0"/>
+              </a:rPr>
+              <a:t>e</a:t>
+            </a:r>
+            <a:r>
+              <a:rPr lang="en-US" sz="1200" b="1" dirty="0">
                 <a:solidFill>
                   <a:srgbClr val="000000"/>
                 </a:solidFill>
                 <a:latin typeface="Consolas" panose="020B0609020204030204" pitchFamily="49" charset="0"/>
               </a:rPr>
-              <a:t> </a:t>
-            </a:r>
-            <a:r>
-              <a:rPr lang="en-US" sz="1400" b="1" dirty="0">
-                <a:solidFill>
-                  <a:srgbClr val="7F0055"/>
-                </a:solidFill>
-                <a:latin typeface="Consolas" panose="020B0609020204030204" pitchFamily="49" charset="0"/>
-              </a:rPr>
-              <a:t>void</a:t>
-            </a:r>
-            <a:r>
-              <a:rPr lang="en-US" sz="1400" b="1" dirty="0">
+              <a:t>) {</a:t>
+            </a:r>
+          </a:p>
+          <a:p>
+            <a:pPr lvl="1"/>
+            <a:r>
+              <a:rPr lang="en-US" sz="1200" dirty="0" err="1">
+                <a:solidFill>
+                  <a:srgbClr val="6A3E3E"/>
+                </a:solidFill>
+                <a:latin typeface="Consolas" panose="020B0609020204030204" pitchFamily="49" charset="0"/>
+              </a:rPr>
+              <a:t>e</a:t>
+            </a:r>
+            <a:r>
+              <a:rPr lang="en-US" sz="1200" dirty="0" err="1">
                 <a:solidFill>
                   <a:srgbClr val="000000"/>
                 </a:solidFill>
                 <a:latin typeface="Consolas" panose="020B0609020204030204" pitchFamily="49" charset="0"/>
               </a:rPr>
-              <a:t> close(Connection </a:t>
-            </a:r>
-            <a:r>
-              <a:rPr lang="en-US" sz="1400" b="1" dirty="0">
-                <a:solidFill>
-                  <a:srgbClr val="6A3E3E"/>
-                </a:solidFill>
-                <a:latin typeface="Consolas" panose="020B0609020204030204" pitchFamily="49" charset="0"/>
-              </a:rPr>
-              <a:t>conn</a:t>
-            </a:r>
-            <a:r>
-              <a:rPr lang="en-US" sz="1400" b="1" dirty="0">
+              <a:t>.printStackTrace</a:t>
+            </a:r>
+            <a:r>
+              <a:rPr lang="en-US" sz="1200" dirty="0">
                 <a:solidFill>
                   <a:srgbClr val="000000"/>
                 </a:solidFill>
                 <a:latin typeface="Consolas" panose="020B0609020204030204" pitchFamily="49" charset="0"/>
               </a:rPr>
-              <a:t>) </a:t>
-            </a:r>
-            <a:r>
-              <a:rPr lang="en-US" sz="1400" b="1" dirty="0">
-                <a:solidFill>
-                  <a:srgbClr val="7F0055"/>
-                </a:solidFill>
-                <a:latin typeface="Consolas" panose="020B0609020204030204" pitchFamily="49" charset="0"/>
-              </a:rPr>
-              <a:t>throws</a:t>
-            </a:r>
-            <a:r>
-              <a:rPr lang="en-US" sz="1400" b="1" dirty="0">
+              <a:t>();</a:t>
+            </a:r>
+          </a:p>
+          <a:p>
+            <a:r>
+              <a:rPr lang="en-US" sz="1200" dirty="0">
                 <a:solidFill>
                   <a:srgbClr val="000000"/>
                 </a:solidFill>
                 <a:latin typeface="Consolas" panose="020B0609020204030204" pitchFamily="49" charset="0"/>
               </a:rPr>
-              <a:t> </a:t>
-            </a:r>
-            <a:r>
-              <a:rPr lang="en-US" sz="1400" b="1" dirty="0" err="1">
-                <a:solidFill>
-                  <a:srgbClr val="000000"/>
-                </a:solidFill>
-                <a:latin typeface="Consolas" panose="020B0609020204030204" pitchFamily="49" charset="0"/>
-              </a:rPr>
-              <a:t>SQLException</a:t>
-            </a:r>
-            <a:r>
-              <a:rPr lang="en-US" sz="1400" b="1" dirty="0">
-                <a:solidFill>
-                  <a:srgbClr val="000000"/>
-                </a:solidFill>
-                <a:latin typeface="Consolas" panose="020B0609020204030204" pitchFamily="49" charset="0"/>
-              </a:rPr>
-              <a:t> {</a:t>
-            </a:r>
-          </a:p>
-          <a:p>
-            <a:pPr lvl="1"/>
-            <a:r>
-              <a:rPr lang="en-US" sz="1400" dirty="0" err="1">
-                <a:solidFill>
-                  <a:srgbClr val="000000"/>
-                </a:solidFill>
-                <a:latin typeface="Consolas" panose="020B0609020204030204" pitchFamily="49" charset="0"/>
-              </a:rPr>
-              <a:t>System.</a:t>
-            </a:r>
-            <a:r>
-              <a:rPr lang="en-US" sz="1400" b="1" i="1" dirty="0" err="1">
-                <a:solidFill>
-                  <a:srgbClr val="0000C0"/>
-                </a:solidFill>
-                <a:latin typeface="Consolas" panose="020B0609020204030204" pitchFamily="49" charset="0"/>
-              </a:rPr>
-              <a:t>out</a:t>
-            </a:r>
-            <a:r>
-              <a:rPr lang="en-US" sz="1400" b="1" i="1" dirty="0" err="1">
-                <a:solidFill>
-                  <a:srgbClr val="000000"/>
-                </a:solidFill>
-                <a:latin typeface="Consolas" panose="020B0609020204030204" pitchFamily="49" charset="0"/>
-              </a:rPr>
-              <a:t>.println</a:t>
-            </a:r>
-            <a:r>
-              <a:rPr lang="en-US" sz="1400" b="1" i="1" dirty="0">
-                <a:solidFill>
-                  <a:srgbClr val="000000"/>
-                </a:solidFill>
-                <a:latin typeface="Consolas" panose="020B0609020204030204" pitchFamily="49" charset="0"/>
-              </a:rPr>
-              <a:t>(</a:t>
-            </a:r>
-            <a:r>
-              <a:rPr lang="en-US" sz="1400" b="1" i="1" dirty="0">
-                <a:solidFill>
-                  <a:srgbClr val="2A00FF"/>
-                </a:solidFill>
-                <a:latin typeface="Consolas" panose="020B0609020204030204" pitchFamily="49" charset="0"/>
-              </a:rPr>
-              <a:t>"---Closing Db Connection..."</a:t>
-            </a:r>
-            <a:r>
-              <a:rPr lang="en-US" sz="1400" b="1" i="1" dirty="0">
-                <a:solidFill>
-                  <a:srgbClr val="000000"/>
-                </a:solidFill>
-                <a:latin typeface="Consolas" panose="020B0609020204030204" pitchFamily="49" charset="0"/>
-              </a:rPr>
-              <a:t>);</a:t>
-            </a:r>
-          </a:p>
-          <a:p>
-            <a:pPr lvl="1"/>
-            <a:r>
-              <a:rPr lang="en-US" sz="1400" dirty="0" err="1">
-                <a:solidFill>
-                  <a:srgbClr val="6A3E3E"/>
-                </a:solidFill>
-                <a:latin typeface="Consolas" panose="020B0609020204030204" pitchFamily="49" charset="0"/>
-              </a:rPr>
-              <a:t>conn</a:t>
-            </a:r>
-            <a:r>
-              <a:rPr lang="en-US" sz="1400" dirty="0" err="1">
-                <a:solidFill>
-                  <a:srgbClr val="000000"/>
-                </a:solidFill>
-                <a:latin typeface="Consolas" panose="020B0609020204030204" pitchFamily="49" charset="0"/>
-              </a:rPr>
-              <a:t>.close</a:t>
-            </a:r>
-            <a:r>
-              <a:rPr lang="en-US" sz="1400" dirty="0">
-                <a:solidFill>
-                  <a:srgbClr val="000000"/>
-                </a:solidFill>
-                <a:latin typeface="Consolas" panose="020B0609020204030204" pitchFamily="49" charset="0"/>
-              </a:rPr>
-              <a:t>();</a:t>
-            </a:r>
-          </a:p>
-          <a:p>
-            <a:pPr algn="l"/>
-            <a:r>
-              <a:rPr lang="en-US" sz="1400" dirty="0">
-                <a:solidFill>
-                  <a:srgbClr val="000000"/>
-                </a:solidFill>
-                <a:latin typeface="Consolas" panose="020B0609020204030204" pitchFamily="49" charset="0"/>
-              </a:rPr>
               <a:t>}</a:t>
             </a:r>
-            <a:endParaRPr lang="en-US" sz="1400" dirty="0"/>
           </a:p>
         </p:txBody>
       </p:sp>
@@ -32431,6 +32757,132 @@
               <a:rPr lang="en-US" b="1" dirty="0"/>
               <a:t>Process</a:t>
             </a:r>
+          </a:p>
+        </p:txBody>
+      </p:sp>
+      <p:sp>
+        <p:nvSpPr>
+          <p:cNvPr id="16" name="TextBox 15">
+            <a:extLst>
+              <a:ext uri="{FF2B5EF4-FFF2-40B4-BE49-F238E27FC236}">
+                <a16:creationId xmlns:a16="http://schemas.microsoft.com/office/drawing/2014/main" id="{8EB7664B-8F5E-4DCC-B235-8D2B83AE8F32}"/>
+              </a:ext>
+            </a:extLst>
+          </p:cNvPr>
+          <p:cNvSpPr txBox="1"/>
+          <p:nvPr/>
+        </p:nvSpPr>
+        <p:spPr>
+          <a:xfrm>
+            <a:off x="4300941" y="2540406"/>
+            <a:ext cx="7506746" cy="1569660"/>
+          </a:xfrm>
+          <a:prstGeom prst="rect">
+            <a:avLst/>
+          </a:prstGeom>
+          <a:noFill/>
+        </p:spPr>
+        <p:txBody>
+          <a:bodyPr wrap="square">
+            <a:spAutoFit/>
+          </a:bodyPr>
+          <a:lstStyle/>
+          <a:p>
+            <a:pPr algn="l"/>
+            <a:r>
+              <a:rPr lang="en-US" sz="1600" dirty="0">
+                <a:solidFill>
+                  <a:srgbClr val="000000"/>
+                </a:solidFill>
+                <a:latin typeface="Consolas" panose="020B0609020204030204" pitchFamily="49" charset="0"/>
+              </a:rPr>
+              <a:t>Any resources opened for database should be CLOSED WITHOUT FAIL</a:t>
+            </a:r>
+          </a:p>
+          <a:p>
+            <a:pPr algn="l"/>
+            <a:r>
+              <a:rPr lang="en-US" sz="1600" dirty="0">
+                <a:solidFill>
+                  <a:srgbClr val="000000"/>
+                </a:solidFill>
+                <a:latin typeface="Consolas" panose="020B0609020204030204" pitchFamily="49" charset="0"/>
+              </a:rPr>
+              <a:t>e.g.</a:t>
+            </a:r>
+          </a:p>
+          <a:p>
+            <a:pPr marL="285750" indent="-285750" algn="l">
+              <a:buFont typeface="Arial" panose="020B0604020202020204" pitchFamily="34" charset="0"/>
+              <a:buChar char="•"/>
+            </a:pPr>
+            <a:r>
+              <a:rPr lang="en-US" sz="1600" dirty="0" err="1">
+                <a:solidFill>
+                  <a:srgbClr val="000000"/>
+                </a:solidFill>
+                <a:latin typeface="Consolas" panose="020B0609020204030204" pitchFamily="49" charset="0"/>
+              </a:rPr>
+              <a:t>ResultSet</a:t>
+            </a:r>
+            <a:endParaRPr lang="en-US" sz="1600" dirty="0">
+              <a:solidFill>
+                <a:srgbClr val="000000"/>
+              </a:solidFill>
+              <a:latin typeface="Consolas" panose="020B0609020204030204" pitchFamily="49" charset="0"/>
+            </a:endParaRPr>
+          </a:p>
+          <a:p>
+            <a:pPr marL="285750" indent="-285750">
+              <a:buFont typeface="Arial" panose="020B0604020202020204" pitchFamily="34" charset="0"/>
+              <a:buChar char="•"/>
+            </a:pPr>
+            <a:r>
+              <a:rPr lang="en-US" sz="1600" dirty="0" err="1">
+                <a:solidFill>
+                  <a:srgbClr val="000000"/>
+                </a:solidFill>
+                <a:latin typeface="Consolas" panose="020B0609020204030204" pitchFamily="49" charset="0"/>
+              </a:rPr>
+              <a:t>PreparedStatement</a:t>
+            </a:r>
+            <a:endParaRPr lang="en-US" sz="1600" dirty="0">
+              <a:solidFill>
+                <a:srgbClr val="000000"/>
+              </a:solidFill>
+              <a:latin typeface="Consolas" panose="020B0609020204030204" pitchFamily="49" charset="0"/>
+            </a:endParaRPr>
+          </a:p>
+          <a:p>
+            <a:pPr marL="285750" indent="-285750" algn="l">
+              <a:buFont typeface="Arial" panose="020B0604020202020204" pitchFamily="34" charset="0"/>
+              <a:buChar char="•"/>
+            </a:pPr>
+            <a:r>
+              <a:rPr lang="en-US" sz="1600" dirty="0">
+                <a:solidFill>
+                  <a:srgbClr val="000000"/>
+                </a:solidFill>
+                <a:latin typeface="Consolas" panose="020B0609020204030204" pitchFamily="49" charset="0"/>
+              </a:rPr>
+              <a:t>Connection</a:t>
+            </a:r>
+          </a:p>
+          <a:p>
+            <a:pPr marL="285750" indent="-285750" algn="l">
+              <a:buFont typeface="Arial" panose="020B0604020202020204" pitchFamily="34" charset="0"/>
+              <a:buChar char="•"/>
+            </a:pPr>
+            <a:r>
+              <a:rPr lang="en-US" sz="1600" dirty="0" err="1">
+                <a:solidFill>
+                  <a:srgbClr val="000000"/>
+                </a:solidFill>
+                <a:latin typeface="Consolas" panose="020B0609020204030204" pitchFamily="49" charset="0"/>
+              </a:rPr>
+              <a:t>DataSource</a:t>
+            </a:r>
+            <a:endParaRPr lang="en-US" sz="1600" dirty="0"/>
           </a:p>
         </p:txBody>
       </p:sp>
@@ -39172,7 +39624,7 @@
         <p:spPr>
           <a:xfrm>
             <a:off x="4050807" y="1358594"/>
-            <a:ext cx="7847627" cy="4524315"/>
+            <a:ext cx="7847627" cy="3939540"/>
           </a:xfrm>
           <a:prstGeom prst="rect">
             <a:avLst/>
@@ -39187,7 +39639,7 @@
           <a:p>
             <a:pPr lvl="1"/>
             <a:r>
-              <a:rPr lang="en-US" dirty="0">
+              <a:rPr lang="en-US" sz="1600" dirty="0">
                 <a:solidFill>
                   <a:srgbClr val="000000"/>
                 </a:solidFill>
@@ -39196,7 +39648,7 @@
               <a:t>String </a:t>
             </a:r>
             <a:r>
-              <a:rPr lang="en-US" dirty="0" err="1">
+              <a:rPr lang="en-US" sz="1600" dirty="0" err="1">
                 <a:solidFill>
                   <a:srgbClr val="6A3E3E"/>
                 </a:solidFill>
@@ -39205,7 +39657,7 @@
               <a:t>sql</a:t>
             </a:r>
             <a:r>
-              <a:rPr lang="en-US" dirty="0">
+              <a:rPr lang="en-US" sz="1600" dirty="0">
                 <a:solidFill>
                   <a:srgbClr val="000000"/>
                 </a:solidFill>
@@ -39214,124 +39666,34 @@
               <a:t> = </a:t>
             </a:r>
             <a:r>
-              <a:rPr lang="en-US" dirty="0">
+              <a:rPr lang="en-US" sz="1600" dirty="0">
                 <a:solidFill>
                   <a:srgbClr val="2A00FF"/>
                 </a:solidFill>
                 <a:latin typeface="Consolas" panose="020B0609020204030204" pitchFamily="49" charset="0"/>
               </a:rPr>
-              <a:t>" SELECT </a:t>
-            </a:r>
-            <a:r>
-              <a:rPr lang="en-US" dirty="0" err="1">
+              <a:t>" SELECT * FROM customer WHERE </a:t>
+            </a:r>
+            <a:r>
+              <a:rPr lang="en-US" sz="1600" dirty="0" err="1">
                 <a:solidFill>
                   <a:srgbClr val="2A00FF"/>
                 </a:solidFill>
                 <a:latin typeface="Consolas" panose="020B0609020204030204" pitchFamily="49" charset="0"/>
               </a:rPr>
-              <a:t>customer_id</a:t>
-            </a:r>
-            <a:r>
-              <a:rPr lang="en-US" dirty="0">
+              <a:t>email_ad</a:t>
+            </a:r>
+            <a:r>
+              <a:rPr lang="en-US" sz="1600" dirty="0">
                 <a:solidFill>
                   <a:srgbClr val="2A00FF"/>
                 </a:solidFill>
                 <a:latin typeface="Consolas" panose="020B0609020204030204" pitchFamily="49" charset="0"/>
               </a:rPr>
-              <a:t>, </a:t>
-            </a:r>
-            <a:r>
-              <a:rPr lang="en-US" dirty="0" err="1">
-                <a:solidFill>
-                  <a:srgbClr val="2A00FF"/>
-                </a:solidFill>
-                <a:latin typeface="Consolas" panose="020B0609020204030204" pitchFamily="49" charset="0"/>
-              </a:rPr>
-              <a:t>ctry_cd</a:t>
-            </a:r>
-            <a:r>
-              <a:rPr lang="en-US" dirty="0">
-                <a:solidFill>
-                  <a:srgbClr val="2A00FF"/>
-                </a:solidFill>
-                <a:latin typeface="Consolas" panose="020B0609020204030204" pitchFamily="49" charset="0"/>
-              </a:rPr>
-              <a:t>, </a:t>
-            </a:r>
-            <a:r>
-              <a:rPr lang="en-US" dirty="0" err="1">
-                <a:solidFill>
-                  <a:srgbClr val="2A00FF"/>
-                </a:solidFill>
-                <a:latin typeface="Consolas" panose="020B0609020204030204" pitchFamily="49" charset="0"/>
-              </a:rPr>
-              <a:t>email_ad</a:t>
-            </a:r>
-            <a:r>
-              <a:rPr lang="en-US" dirty="0">
-                <a:solidFill>
-                  <a:srgbClr val="2A00FF"/>
-                </a:solidFill>
-                <a:latin typeface="Consolas" panose="020B0609020204030204" pitchFamily="49" charset="0"/>
-              </a:rPr>
-              <a:t>, </a:t>
-            </a:r>
-            <a:r>
-              <a:rPr lang="en-US" dirty="0" err="1">
-                <a:solidFill>
-                  <a:srgbClr val="2A00FF"/>
-                </a:solidFill>
-                <a:latin typeface="Consolas" panose="020B0609020204030204" pitchFamily="49" charset="0"/>
-              </a:rPr>
-              <a:t>phone_no</a:t>
-            </a:r>
-            <a:r>
-              <a:rPr lang="en-US" dirty="0">
-                <a:solidFill>
-                  <a:srgbClr val="2A00FF"/>
-                </a:solidFill>
-                <a:latin typeface="Consolas" panose="020B0609020204030204" pitchFamily="49" charset="0"/>
-              </a:rPr>
-              <a:t>, </a:t>
-            </a:r>
-            <a:r>
-              <a:rPr lang="en-US" dirty="0" err="1">
-                <a:solidFill>
-                  <a:srgbClr val="2A00FF"/>
-                </a:solidFill>
-                <a:latin typeface="Consolas" panose="020B0609020204030204" pitchFamily="49" charset="0"/>
-              </a:rPr>
-              <a:t>customer_guid</a:t>
-            </a:r>
-            <a:r>
-              <a:rPr lang="en-US" dirty="0">
-                <a:solidFill>
-                  <a:srgbClr val="2A00FF"/>
-                </a:solidFill>
-                <a:latin typeface="Consolas" panose="020B0609020204030204" pitchFamily="49" charset="0"/>
-              </a:rPr>
-              <a:t> FROM customer WHERE </a:t>
-            </a:r>
-            <a:r>
-              <a:rPr lang="en-US" dirty="0" err="1">
-                <a:solidFill>
-                  <a:srgbClr val="2A00FF"/>
-                </a:solidFill>
-                <a:latin typeface="Consolas" panose="020B0609020204030204" pitchFamily="49" charset="0"/>
-              </a:rPr>
-              <a:t>email_ad</a:t>
-            </a:r>
-            <a:r>
-              <a:rPr lang="en-US" dirty="0">
-                <a:solidFill>
-                  <a:srgbClr val="2A00FF"/>
-                </a:solidFill>
-                <a:latin typeface="Consolas" panose="020B0609020204030204" pitchFamily="49" charset="0"/>
-              </a:rPr>
               <a:t> = ? "</a:t>
             </a:r>
             <a:r>
-              <a:rPr lang="en-US" dirty="0">
+              <a:rPr lang="en-US" sz="1600" dirty="0">
                 <a:solidFill>
                   <a:srgbClr val="000000"/>
                 </a:solidFill>
@@ -39876,13 +40238,13 @@
   <p:clrMapOvr>
     <a:masterClrMapping/>
   </p:clrMapOvr>
-  <mc:AlternateContent xmlns:mc="http://schemas.openxmlformats.org/markup-compatibility/2006">
-    <mc:Choice xmlns:p14="http://schemas.microsoft.com/office/powerpoint/2010/main" Requires="p14">
+  <mc:AlternateContent xmlns:mc="http://schemas.openxmlformats.org/markup-compatibility/2006" xmlns:p14="http://schemas.microsoft.com/office/powerpoint/2010/main">
+    <mc:Choice Requires="p14">
       <p:transition spd="med" p14:dur="700">
         <p:fade/>
       </p:transition>
     </mc:Choice>
-    <mc:Fallback>
+    <mc:Fallback xmlns="">
       <p:transition spd="med">
         <p:fade/>
       </p:transition>
@@ -40122,7 +40484,7 @@
         <p:spPr>
           <a:xfrm>
             <a:off x="4439856" y="1470829"/>
-            <a:ext cx="7481683" cy="3693319"/>
+            <a:ext cx="7481683" cy="4401205"/>
           </a:xfrm>
           <a:prstGeom prst="rect">
             <a:avLst/>
@@ -40137,7 +40499,7 @@
           <a:p>
             <a:pPr algn="just"/>
             <a:r>
-              <a:rPr lang="en-US" b="0" i="0" dirty="0">
+              <a:rPr lang="en-US" sz="2000" b="0" i="0" dirty="0">
                 <a:solidFill>
                   <a:srgbClr val="202122"/>
                 </a:solidFill>
@@ -40147,7 +40509,7 @@
               <a:t>The Java Persistence API (</a:t>
             </a:r>
             <a:r>
-              <a:rPr lang="en-US" b="0" i="0" u="none" strike="noStrike" dirty="0">
+              <a:rPr lang="en-US" sz="2000" b="0" i="0" u="none" strike="noStrike" dirty="0">
                 <a:solidFill>
                   <a:srgbClr val="663366"/>
                 </a:solidFill>
@@ -40158,7 +40520,7 @@
               <a:t>JPA</a:t>
             </a:r>
             <a:r>
-              <a:rPr lang="en-US" b="0" i="0" dirty="0">
+              <a:rPr lang="en-US" sz="2000" b="0" i="0" dirty="0">
                 <a:solidFill>
                   <a:srgbClr val="202122"/>
                 </a:solidFill>
@@ -40168,7 +40530,7 @@
               <a:t>) is a Java specification for accessing, persisting, and managing data between Java Entity Classes and a Relational </a:t>
             </a:r>
             <a:r>
-              <a:rPr lang="en-US" dirty="0">
+              <a:rPr lang="en-US" sz="2000" dirty="0">
                 <a:solidFill>
                   <a:srgbClr val="202122"/>
                 </a:solidFill>
@@ -40177,7 +40539,7 @@
               <a:t>D</a:t>
             </a:r>
             <a:r>
-              <a:rPr lang="en-US" b="0" i="0" dirty="0">
+              <a:rPr lang="en-US" sz="2000" b="0" i="0" dirty="0">
                 <a:solidFill>
                   <a:srgbClr val="202122"/>
                 </a:solidFill>
@@ -40188,7 +40550,7 @@
             </a:r>
           </a:p>
           <a:p>
-            <a:endParaRPr lang="en-US" dirty="0">
+            <a:endParaRPr lang="en-US" sz="2000" dirty="0">
               <a:solidFill>
                 <a:srgbClr val="202122"/>
               </a:solidFill>
@@ -40198,7 +40560,7 @@
           <a:p>
             <a:pPr algn="just"/>
             <a:r>
-              <a:rPr lang="en-US" b="0" i="0" dirty="0">
+              <a:rPr lang="en-US" sz="2000" b="0" i="0" dirty="0">
                 <a:solidFill>
                   <a:srgbClr val="202122"/>
                 </a:solidFill>
@@ -40208,7 +40570,7 @@
               <a:t>JPA allows </a:t>
             </a:r>
             <a:r>
-              <a:rPr lang="en-US" b="0" i="0" u="none" strike="noStrike" dirty="0">
+              <a:rPr lang="en-US" sz="2000" b="0" i="0" u="none" strike="noStrike" dirty="0">
                 <a:solidFill>
                   <a:srgbClr val="663366"/>
                 </a:solidFill>
@@ -40219,18 +40581,18 @@
               <a:t>POJO</a:t>
             </a:r>
             <a:r>
-              <a:rPr lang="en-US" b="0" i="0" dirty="0">
+              <a:rPr lang="en-US" sz="2000" b="0" i="0" dirty="0">
                 <a:solidFill>
                   <a:srgbClr val="202122"/>
                 </a:solidFill>
                 <a:effectLst/>
                 <a:latin typeface="Arial" panose="020B0604020202020204" pitchFamily="34" charset="0"/>
               </a:rPr>
-              <a:t> (Plain Old Java Objects) to be easily persisted without requiring the classes to implement any interfaces or methods</a:t>
-            </a:r>
-          </a:p>
-          <a:p>
-            <a:endParaRPr lang="en-US" dirty="0">
+              <a:t> (Plain Old Java Objects) to be easily persisted.</a:t>
+            </a:r>
+          </a:p>
+          <a:p>
+            <a:endParaRPr lang="en-US" sz="2000" dirty="0">
               <a:solidFill>
                 <a:srgbClr val="202122"/>
               </a:solidFill>
@@ -40240,35 +40602,103 @@
           <a:p>
             <a:pPr algn="just"/>
             <a:r>
-              <a:rPr lang="en-US" sz="1400" dirty="0">
+              <a:rPr lang="en-US" sz="2000" b="0" i="0" dirty="0">
                 <a:solidFill>
                   <a:srgbClr val="202122"/>
                 </a:solidFill>
+                <a:effectLst/>
                 <a:latin typeface="Arial" panose="020B0604020202020204" pitchFamily="34" charset="0"/>
               </a:rPr>
-              <a:t>In our Example </a:t>
-            </a:r>
-            <a:r>
-              <a:rPr lang="en-US" sz="1400" b="1" i="1" dirty="0">
+              <a:t>A </a:t>
+            </a:r>
+            <a:r>
+              <a:rPr lang="en-US" sz="2000" b="0" i="0" u="none" strike="noStrike" dirty="0">
+                <a:solidFill>
+                  <a:srgbClr val="0B0080"/>
+                </a:solidFill>
+                <a:effectLst/>
+                <a:latin typeface="Arial" panose="020B0604020202020204" pitchFamily="34" charset="0"/>
+                <a:hlinkClick r:id="rId4" tooltip="JavaBean"/>
+              </a:rPr>
+              <a:t>JavaBean</a:t>
+            </a:r>
+            <a:r>
+              <a:rPr lang="en-US" sz="2000" b="0" i="0" dirty="0">
                 <a:solidFill>
                   <a:srgbClr val="202122"/>
                 </a:solidFill>
+                <a:effectLst/>
                 <a:latin typeface="Arial" panose="020B0604020202020204" pitchFamily="34" charset="0"/>
               </a:rPr>
-              <a:t>Customer.java </a:t>
-            </a:r>
-            <a:r>
-              <a:rPr lang="en-US" sz="1400" dirty="0">
+              <a:t> is a POJO that is </a:t>
+            </a:r>
+            <a:r>
+              <a:rPr lang="en-US" sz="2000" b="0" i="0" u="none" strike="noStrike" dirty="0">
+                <a:solidFill>
+                  <a:srgbClr val="0B0080"/>
+                </a:solidFill>
+                <a:effectLst/>
+                <a:latin typeface="Arial" panose="020B0604020202020204" pitchFamily="34" charset="0"/>
+                <a:hlinkClick r:id="rId5" tooltip="Serialization"/>
+              </a:rPr>
+              <a:t>serializable</a:t>
+            </a:r>
+            <a:r>
+              <a:rPr lang="en-US" sz="2000" b="0" i="0" dirty="0">
                 <a:solidFill>
                   <a:srgbClr val="202122"/>
                 </a:solidFill>
+                <a:effectLst/>
                 <a:latin typeface="Arial" panose="020B0604020202020204" pitchFamily="34" charset="0"/>
               </a:rPr>
-              <a:t>is a POJO which can be converted to Entity Class for Object Relational Map</a:t>
-            </a:r>
-          </a:p>
-          <a:p>
-            <a:endParaRPr lang="en-US" dirty="0">
+              <a:t>, has a no-argument </a:t>
+            </a:r>
+            <a:r>
+              <a:rPr lang="en-US" sz="2000" b="0" i="0" u="none" strike="noStrike" dirty="0">
+                <a:solidFill>
+                  <a:srgbClr val="0B0080"/>
+                </a:solidFill>
+                <a:effectLst/>
+                <a:latin typeface="Arial" panose="020B0604020202020204" pitchFamily="34" charset="0"/>
+                <a:hlinkClick r:id="rId6" tooltip="Constructor (computer science)"/>
+              </a:rPr>
+              <a:t>constructor</a:t>
+            </a:r>
+            <a:r>
+              <a:rPr lang="en-US" sz="2000" b="0" i="0" dirty="0">
+                <a:solidFill>
+                  <a:srgbClr val="202122"/>
+                </a:solidFill>
+                <a:effectLst/>
+                <a:latin typeface="Arial" panose="020B0604020202020204" pitchFamily="34" charset="0"/>
+              </a:rPr>
+              <a:t>, and allows access to properties using </a:t>
+            </a:r>
+            <a:r>
+              <a:rPr lang="en-US" sz="2000" b="0" i="0" u="none" strike="noStrike" dirty="0">
+                <a:solidFill>
+                  <a:srgbClr val="0B0080"/>
+                </a:solidFill>
+                <a:effectLst/>
+                <a:latin typeface="Arial" panose="020B0604020202020204" pitchFamily="34" charset="0"/>
+                <a:hlinkClick r:id="rId7" tooltip="Mutator method"/>
+              </a:rPr>
+              <a:t>getter and setter methods</a:t>
+            </a:r>
+            <a:r>
+              <a:rPr lang="en-US" sz="2000" b="0" i="0" dirty="0">
+                <a:solidFill>
+                  <a:srgbClr val="202122"/>
+                </a:solidFill>
+                <a:effectLst/>
+                <a:latin typeface="Arial" panose="020B0604020202020204" pitchFamily="34" charset="0"/>
+              </a:rPr>
+              <a:t> that follow a simple naming convention.</a:t>
+            </a:r>
+          </a:p>
+          <a:p>
+            <a:pPr algn="just"/>
+            <a:endParaRPr lang="en-US" sz="2000" dirty="0">
               <a:solidFill>
                 <a:srgbClr val="202122"/>
               </a:solidFill>
@@ -40278,100 +40708,32 @@
           <a:p>
             <a:pPr algn="just"/>
             <a:r>
-              <a:rPr lang="en-US" b="0" i="0" dirty="0">
+              <a:rPr lang="en-US" sz="2000" dirty="0">
                 <a:solidFill>
                   <a:srgbClr val="202122"/>
                 </a:solidFill>
-                <a:effectLst/>
                 <a:latin typeface="Arial" panose="020B0604020202020204" pitchFamily="34" charset="0"/>
               </a:rPr>
-              <a:t>A </a:t>
-            </a:r>
-            <a:r>
-              <a:rPr lang="en-US" b="0" i="0" u="none" strike="noStrike" dirty="0">
-                <a:solidFill>
-                  <a:srgbClr val="0B0080"/>
-                </a:solidFill>
-                <a:effectLst/>
+              <a:t>In our example: </a:t>
+            </a:r>
+            <a:r>
+              <a:rPr lang="en-US" sz="2000" b="1" i="1" dirty="0">
+                <a:solidFill>
+                  <a:srgbClr val="202122"/>
+                </a:solidFill>
                 <a:latin typeface="Arial" panose="020B0604020202020204" pitchFamily="34" charset="0"/>
-                <a:hlinkClick r:id="rId4" tooltip="JavaBean"/>
-              </a:rPr>
-              <a:t>JavaBean</a:t>
-            </a:r>
-            <a:r>
-              <a:rPr lang="en-US" b="0" i="0" dirty="0">
+              </a:rPr>
+              <a:t>Customer.java / Country.java </a:t>
+            </a:r>
+            <a:r>
+              <a:rPr lang="en-US" sz="2000" dirty="0">
                 <a:solidFill>
                   <a:srgbClr val="202122"/>
                 </a:solidFill>
-                <a:effectLst/>
                 <a:latin typeface="Arial" panose="020B0604020202020204" pitchFamily="34" charset="0"/>
               </a:rPr>
-              <a:t> is a POJO that is </a:t>
-            </a:r>
-            <a:r>
-              <a:rPr lang="en-US" b="0" i="0" u="none" strike="noStrike" dirty="0">
-                <a:solidFill>
-                  <a:srgbClr val="0B0080"/>
-                </a:solidFill>
-                <a:effectLst/>
-                <a:latin typeface="Arial" panose="020B0604020202020204" pitchFamily="34" charset="0"/>
-                <a:hlinkClick r:id="rId5" tooltip="Serialization"/>
-              </a:rPr>
-              <a:t>serializable</a:t>
-            </a:r>
-            <a:r>
-              <a:rPr lang="en-US" b="0" i="0" dirty="0">
-                <a:solidFill>
-                  <a:srgbClr val="202122"/>
-                </a:solidFill>
-                <a:effectLst/>
-                <a:latin typeface="Arial" panose="020B0604020202020204" pitchFamily="34" charset="0"/>
-              </a:rPr>
-              <a:t>, has a no-argument </a:t>
-            </a:r>
-            <a:r>
-              <a:rPr lang="en-US" b="0" i="0" u="none" strike="noStrike" dirty="0">
-                <a:solidFill>
-                  <a:srgbClr val="0B0080"/>
-                </a:solidFill>
-                <a:effectLst/>
-                <a:latin typeface="Arial" panose="020B0604020202020204" pitchFamily="34" charset="0"/>
-                <a:hlinkClick r:id="rId6" tooltip="Constructor (computer science)"/>
-              </a:rPr>
-              <a:t>constructor</a:t>
-            </a:r>
-            <a:r>
-              <a:rPr lang="en-US" b="0" i="0" dirty="0">
-                <a:solidFill>
-                  <a:srgbClr val="202122"/>
-                </a:solidFill>
-                <a:effectLst/>
-                <a:latin typeface="Arial" panose="020B0604020202020204" pitchFamily="34" charset="0"/>
-              </a:rPr>
-              <a:t>, and allows access to properties using </a:t>
-            </a:r>
-            <a:r>
-              <a:rPr lang="en-US" b="0" i="0" u="none" strike="noStrike" dirty="0">
-                <a:solidFill>
-                  <a:srgbClr val="0B0080"/>
-                </a:solidFill>
-                <a:effectLst/>
-                <a:latin typeface="Arial" panose="020B0604020202020204" pitchFamily="34" charset="0"/>
-                <a:hlinkClick r:id="rId7" tooltip="Mutator method"/>
-              </a:rPr>
-              <a:t>getter and setter methods</a:t>
-            </a:r>
-            <a:r>
-              <a:rPr lang="en-US" b="0" i="0" dirty="0">
-                <a:solidFill>
-                  <a:srgbClr val="202122"/>
-                </a:solidFill>
-                <a:effectLst/>
-                <a:latin typeface="Arial" panose="020B0604020202020204" pitchFamily="34" charset="0"/>
-              </a:rPr>
-              <a:t> that follow a simple naming convention.</a:t>
-            </a:r>
-            <a:endParaRPr lang="en-US" dirty="0"/>
+              <a:t>is a POJO which can be converted to Entity Class for Object Relational Map.</a:t>
+            </a:r>
           </a:p>
         </p:txBody>
       </p:sp>
@@ -40385,13 +40747,13 @@
   <p:clrMapOvr>
     <a:masterClrMapping/>
   </p:clrMapOvr>
-  <mc:AlternateContent xmlns:mc="http://schemas.openxmlformats.org/markup-compatibility/2006">
-    <mc:Choice xmlns:p14="http://schemas.microsoft.com/office/powerpoint/2010/main" Requires="p14">
+  <mc:AlternateContent xmlns:mc="http://schemas.openxmlformats.org/markup-compatibility/2006" xmlns:p14="http://schemas.microsoft.com/office/powerpoint/2010/main">
+    <mc:Choice Requires="p14">
       <p:transition spd="med" p14:dur="700">
         <p:fade/>
       </p:transition>
     </mc:Choice>
-    <mc:Fallback>
+    <mc:Fallback xmlns="">
       <p:transition spd="med">
         <p:fade/>
       </p:transition>
@@ -44328,13 +44690,18 @@
           <a:lstStyle/>
           <a:p>
             <a:r>
-              <a:rPr lang="en-US" dirty="0">
+              <a:rPr lang="en-US">
                 <a:solidFill>
                   <a:schemeClr val="accent4"/>
                 </a:solidFill>
               </a:rPr>
-              <a:t>Project Technologies</a:t>
-            </a:r>
+              <a:t>Project Tools &amp; Technologies</a:t>
+            </a:r>
+            <a:endParaRPr lang="en-US" dirty="0">
+              <a:solidFill>
+                <a:schemeClr val="accent4"/>
+              </a:solidFill>
+            </a:endParaRPr>
           </a:p>
         </p:txBody>
       </p:sp>
@@ -49336,7 +49703,7 @@
         <p:spPr>
           <a:xfrm>
             <a:off x="4352281" y="1223258"/>
-            <a:ext cx="7538244" cy="4031873"/>
+            <a:ext cx="7538244" cy="3970318"/>
           </a:xfrm>
           <a:prstGeom prst="rect">
             <a:avLst/>
@@ -49354,7 +49721,7 @@
               <a:buChar char="•"/>
             </a:pPr>
             <a:r>
-              <a:rPr lang="en-US" sz="3200" dirty="0">
+              <a:rPr lang="en-US" sz="2800" dirty="0">
                 <a:latin typeface="Consolas" panose="020B0609020204030204" pitchFamily="49" charset="0"/>
               </a:rPr>
               <a:t>Char</a:t>
@@ -49366,7 +49733,7 @@
               <a:buChar char="•"/>
             </a:pPr>
             <a:r>
-              <a:rPr lang="en-US" sz="3200" dirty="0">
+              <a:rPr lang="en-US" sz="2800" dirty="0">
                 <a:latin typeface="Consolas" panose="020B0609020204030204" pitchFamily="49" charset="0"/>
               </a:rPr>
               <a:t>Decimal</a:t>
@@ -49378,7 +49745,7 @@
               <a:buChar char="•"/>
             </a:pPr>
             <a:r>
-              <a:rPr lang="en-US" sz="3200" dirty="0">
+              <a:rPr lang="en-US" sz="2800" dirty="0">
                 <a:latin typeface="Consolas" panose="020B0609020204030204" pitchFamily="49" charset="0"/>
               </a:rPr>
               <a:t>Varchar</a:t>
@@ -49390,12 +49757,12 @@
               <a:buChar char="•"/>
             </a:pPr>
             <a:r>
-              <a:rPr lang="en-US" sz="3200" dirty="0" err="1">
+              <a:rPr lang="en-US" sz="2800" dirty="0" err="1">
                 <a:latin typeface="Consolas" panose="020B0609020204030204" pitchFamily="49" charset="0"/>
               </a:rPr>
               <a:t>NVarchar</a:t>
             </a:r>
-            <a:endParaRPr lang="en-US" sz="3200" dirty="0">
+            <a:endParaRPr lang="en-US" sz="2800" dirty="0">
               <a:latin typeface="Consolas" panose="020B0609020204030204" pitchFamily="49" charset="0"/>
             </a:endParaRPr>
           </a:p>
@@ -49405,7 +49772,7 @@
               <a:buChar char="•"/>
             </a:pPr>
             <a:r>
-              <a:rPr lang="en-US" sz="3200" dirty="0">
+              <a:rPr lang="en-US" sz="2800" dirty="0">
                 <a:latin typeface="Consolas" panose="020B0609020204030204" pitchFamily="49" charset="0"/>
               </a:rPr>
               <a:t>Datetime</a:t>
@@ -49417,7 +49784,7 @@
               <a:buChar char="•"/>
             </a:pPr>
             <a:r>
-              <a:rPr lang="en-US" sz="3200" dirty="0">
+              <a:rPr lang="en-US" sz="2800" dirty="0">
                 <a:latin typeface="Consolas" panose="020B0609020204030204" pitchFamily="49" charset="0"/>
               </a:rPr>
               <a:t>Date</a:t>
@@ -49429,7 +49796,7 @@
               <a:buChar char="•"/>
             </a:pPr>
             <a:r>
-              <a:rPr lang="en-US" sz="3200" dirty="0">
+              <a:rPr lang="en-US" sz="2800" dirty="0">
                 <a:latin typeface="Consolas" panose="020B0609020204030204" pitchFamily="49" charset="0"/>
               </a:rPr>
               <a:t>Boolean</a:t>
@@ -49441,10 +49808,63 @@
               <a:buChar char="•"/>
             </a:pPr>
             <a:r>
-              <a:rPr lang="en-US" sz="3200" dirty="0">
+              <a:rPr lang="en-US" sz="2800" dirty="0">
                 <a:latin typeface="Consolas" panose="020B0609020204030204" pitchFamily="49" charset="0"/>
               </a:rPr>
               <a:t>Integer</a:t>
+            </a:r>
+          </a:p>
+          <a:p>
+            <a:pPr marL="171450" indent="-171450">
+              <a:buFont typeface="Arial" panose="020B0604020202020204" pitchFamily="34" charset="0"/>
+              <a:buChar char="•"/>
+            </a:pPr>
+            <a:r>
+              <a:rPr lang="en-US" sz="2800" dirty="0">
+                <a:latin typeface="Consolas" panose="020B0609020204030204" pitchFamily="49" charset="0"/>
+              </a:rPr>
+              <a:t>Text</a:t>
+            </a:r>
+          </a:p>
+        </p:txBody>
+      </p:sp>
+      <p:sp>
+        <p:nvSpPr>
+          <p:cNvPr id="3" name="TextBox 2">
+            <a:extLst>
+              <a:ext uri="{FF2B5EF4-FFF2-40B4-BE49-F238E27FC236}">
+                <a16:creationId xmlns:a16="http://schemas.microsoft.com/office/drawing/2014/main" id="{B429F248-49AE-4DDF-A5E9-5F456404908C}"/>
+              </a:ext>
+            </a:extLst>
+          </p:cNvPr>
+          <p:cNvSpPr txBox="1"/>
+          <p:nvPr/>
+        </p:nvSpPr>
+        <p:spPr>
+          <a:xfrm>
+            <a:off x="4422913" y="5426765"/>
+            <a:ext cx="7146235" cy="369332"/>
+          </a:xfrm>
+          <a:prstGeom prst="rect">
+            <a:avLst/>
+          </a:prstGeom>
+          <a:noFill/>
+        </p:spPr>
+        <p:txBody>
+          <a:bodyPr wrap="square" rtlCol="0">
+            <a:spAutoFit/>
+          </a:bodyPr>
+          <a:lstStyle/>
+          <a:p>
+            <a:r>
+              <a:rPr lang="en-US" dirty="0">
+                <a:hlinkClick r:id="rId3"/>
+              </a:rPr>
+              <a:t>https://www.sqlite.org/datatype3.html</a:t>
+            </a:r>
+            <a:r>
+              <a:rPr lang="en-US" dirty="0"/>
+              <a:t> </a:t>
             </a:r>
           </a:p>
         </p:txBody>
@@ -49700,7 +50120,7 @@
         <p:spPr>
           <a:xfrm>
             <a:off x="4245261" y="143631"/>
-            <a:ext cx="7538244" cy="7448193"/>
+            <a:ext cx="7538244" cy="7017306"/>
           </a:xfrm>
           <a:prstGeom prst="rect">
             <a:avLst/>
@@ -49958,6 +50378,35 @@
                 </a:solidFill>
                 <a:latin typeface="Consolas" panose="020B0609020204030204" pitchFamily="49" charset="0"/>
               </a:rPr>
+              <a:t>customer_name</a:t>
+            </a:r>
+            <a:r>
+              <a:rPr lang="en-US" sz="1400" b="1" dirty="0">
+                <a:solidFill>
+                  <a:srgbClr val="00B050"/>
+                </a:solidFill>
+                <a:latin typeface="Consolas" panose="020B0609020204030204" pitchFamily="49" charset="0"/>
+              </a:rPr>
+              <a:t>] [text] NOT NULL,</a:t>
+            </a:r>
+          </a:p>
+          <a:p>
+            <a:r>
+              <a:rPr lang="en-US" sz="1400" b="1" dirty="0">
+                <a:solidFill>
+                  <a:srgbClr val="00B050"/>
+                </a:solidFill>
+                <a:latin typeface="Consolas" panose="020B0609020204030204" pitchFamily="49" charset="0"/>
+              </a:rPr>
+              <a:t>	[</a:t>
+            </a:r>
+            <a:r>
+              <a:rPr lang="en-US" sz="1400" b="1" dirty="0" err="1">
+                <a:solidFill>
+                  <a:srgbClr val="00B050"/>
+                </a:solidFill>
+                <a:latin typeface="Consolas" panose="020B0609020204030204" pitchFamily="49" charset="0"/>
+              </a:rPr>
               <a:t>phone_no</a:t>
             </a:r>
             <a:r>
@@ -50073,64 +50522,6 @@
                 <a:latin typeface="Consolas" panose="020B0609020204030204" pitchFamily="49" charset="0"/>
               </a:rPr>
               <a:t>] NOT NULL,</a:t>
-            </a:r>
-          </a:p>
-          <a:p>
-            <a:r>
-              <a:rPr lang="en-US" sz="1400" b="1" dirty="0">
-                <a:solidFill>
-                  <a:srgbClr val="00B050"/>
-                </a:solidFill>
-                <a:latin typeface="Consolas" panose="020B0609020204030204" pitchFamily="49" charset="0"/>
-              </a:rPr>
-              <a:t>	[</a:t>
-            </a:r>
-            <a:r>
-              <a:rPr lang="en-US" sz="1400" b="1" dirty="0" err="1">
-                <a:solidFill>
-                  <a:srgbClr val="00B050"/>
-                </a:solidFill>
-                <a:latin typeface="Consolas" panose="020B0609020204030204" pitchFamily="49" charset="0"/>
-              </a:rPr>
-              <a:t>update_token_expiry_ts</a:t>
-            </a:r>
-            <a:r>
-              <a:rPr lang="en-US" sz="1400" b="1" dirty="0">
-                <a:solidFill>
-                  <a:srgbClr val="00B050"/>
-                </a:solidFill>
-                <a:latin typeface="Consolas" panose="020B0609020204030204" pitchFamily="49" charset="0"/>
-              </a:rPr>
-              <a:t>] [datetime] NULL,</a:t>
-            </a:r>
-          </a:p>
-          <a:p>
-            <a:r>
-              <a:rPr lang="en-US" sz="1400" b="1" dirty="0">
-                <a:solidFill>
-                  <a:srgbClr val="00B050"/>
-                </a:solidFill>
-                <a:latin typeface="Consolas" panose="020B0609020204030204" pitchFamily="49" charset="0"/>
-              </a:rPr>
-              <a:t>         [</a:t>
-            </a:r>
-            <a:r>
-              <a:rPr lang="en-US" sz="1400" b="1" dirty="0" err="1">
-                <a:solidFill>
-                  <a:srgbClr val="00B050"/>
-                </a:solidFill>
-                <a:latin typeface="Consolas" panose="020B0609020204030204" pitchFamily="49" charset="0"/>
-              </a:rPr>
-              <a:t>update_token</a:t>
-            </a:r>
-            <a:r>
-              <a:rPr lang="en-US" sz="1400" b="1" dirty="0">
-                <a:solidFill>
-                  <a:srgbClr val="00B050"/>
-                </a:solidFill>
-                <a:latin typeface="Consolas" panose="020B0609020204030204" pitchFamily="49" charset="0"/>
-              </a:rPr>
-              <a:t>] [varchar](65) NULL,</a:t>
             </a:r>
           </a:p>
           <a:p>
